--- a/Sinopec/Document/你的ERP.pptx
+++ b/Sinopec/Document/你的ERP.pptx
@@ -10,7 +10,7 @@
     <p:sldMasterId id="2147484323" r:id="rId6"/>
   </p:sldMasterIdLst>
   <p:notesMasterIdLst>
-    <p:notesMasterId r:id="rId45"/>
+    <p:notesMasterId r:id="rId51"/>
   </p:notesMasterIdLst>
   <p:sldIdLst>
     <p:sldId id="542" r:id="rId7"/>
@@ -39,18 +39,24 @@
     <p:sldId id="568" r:id="rId30"/>
     <p:sldId id="569" r:id="rId31"/>
     <p:sldId id="572" r:id="rId32"/>
-    <p:sldId id="573" r:id="rId33"/>
-    <p:sldId id="574" r:id="rId34"/>
-    <p:sldId id="575" r:id="rId35"/>
-    <p:sldId id="576" r:id="rId36"/>
-    <p:sldId id="577" r:id="rId37"/>
-    <p:sldId id="526" r:id="rId38"/>
-    <p:sldId id="558" r:id="rId39"/>
-    <p:sldId id="559" r:id="rId40"/>
-    <p:sldId id="560" r:id="rId41"/>
-    <p:sldId id="561" r:id="rId42"/>
-    <p:sldId id="562" r:id="rId43"/>
-    <p:sldId id="563" r:id="rId44"/>
+    <p:sldId id="581" r:id="rId33"/>
+    <p:sldId id="573" r:id="rId34"/>
+    <p:sldId id="582" r:id="rId35"/>
+    <p:sldId id="574" r:id="rId36"/>
+    <p:sldId id="575" r:id="rId37"/>
+    <p:sldId id="583" r:id="rId38"/>
+    <p:sldId id="576" r:id="rId39"/>
+    <p:sldId id="588" r:id="rId40"/>
+    <p:sldId id="586" r:id="rId41"/>
+    <p:sldId id="585" r:id="rId42"/>
+    <p:sldId id="589" r:id="rId43"/>
+    <p:sldId id="526" r:id="rId44"/>
+    <p:sldId id="558" r:id="rId45"/>
+    <p:sldId id="559" r:id="rId46"/>
+    <p:sldId id="560" r:id="rId47"/>
+    <p:sldId id="561" r:id="rId48"/>
+    <p:sldId id="562" r:id="rId49"/>
+    <p:sldId id="563" r:id="rId50"/>
   </p:sldIdLst>
   <p:sldSz cx="8128000" cy="4572000"/>
   <p:notesSz cx="6858000" cy="9144000"/>
@@ -282,7 +288,7 @@
               <a:pPr>
                 <a:defRPr/>
               </a:pPr>
-              <a:t>2013/10/5</a:t>
+              <a:t>2013/10/6</a:t>
             </a:fld>
             <a:endParaRPr lang="zh-CN" altLang="en-US"/>
           </a:p>
@@ -6485,7 +6491,7 @@
             <a:fld id="{BAD2D2A2-EC9F-4076-9D39-88EEE1811CEE}" type="slidenum">
               <a:rPr lang="zh-CN" altLang="en-US" smtClean="0"/>
               <a:pPr eaLnBrk="1" hangingPunct="1"/>
-              <a:t>33</a:t>
+              <a:t>32</a:t>
             </a:fld>
             <a:endParaRPr lang="zh-CN" altLang="en-US" smtClean="0"/>
           </a:p>
@@ -6892,10 +6898,6 @@
           </a:bodyPr>
           <a:lstStyle/>
           <a:p>
-            <a:r>
-              <a:rPr lang="zh-CN" altLang="en-US" dirty="0" smtClean="0"/>
-              <a:t>有观点认为，数据流图，业务流程图是软件工程的范畴。这个我觉得有点过于狭隘，这些东西弄出来，自己的工作流程规范了，清晰了，也易于与内部、外部沟通和新人培训。退一步讲，即使不做软件，也是有裨益的做的事情。</a:t>
-            </a:r>
             <a:endParaRPr lang="zh-CN" altLang="en-US" dirty="0"/>
           </a:p>
         </p:txBody>
@@ -7059,7 +7061,7 @@
             <a:fld id="{BAD2D2A2-EC9F-4076-9D39-88EEE1811CEE}" type="slidenum">
               <a:rPr lang="zh-CN" altLang="en-US" smtClean="0"/>
               <a:pPr eaLnBrk="1" hangingPunct="1"/>
-              <a:t>34</a:t>
+              <a:t>33</a:t>
             </a:fld>
             <a:endParaRPr lang="zh-CN" altLang="en-US" smtClean="0"/>
           </a:p>
@@ -7324,7 +7326,7 @@
             <a:fld id="{BAD2D2A2-EC9F-4076-9D39-88EEE1811CEE}" type="slidenum">
               <a:rPr lang="zh-CN" altLang="en-US" smtClean="0"/>
               <a:pPr eaLnBrk="1" hangingPunct="1"/>
-              <a:t>35</a:t>
+              <a:t>34</a:t>
             </a:fld>
             <a:endParaRPr lang="zh-CN" altLang="en-US" smtClean="0"/>
           </a:p>
@@ -7426,44 +7428,7 @@
           </a:bodyPr>
           <a:lstStyle/>
           <a:p>
-            <a:pPr marL="0" marR="0" indent="0" algn="l" defTabSz="914400" rtl="0" eaLnBrk="0" fontAlgn="base" latinLnBrk="0" hangingPunct="0">
-              <a:lnSpc>
-                <a:spcPct val="100000"/>
-              </a:lnSpc>
-              <a:spcBef>
-                <a:spcPct val="30000"/>
-              </a:spcBef>
-              <a:spcAft>
-                <a:spcPct val="0"/>
-              </a:spcAft>
-              <a:buClrTx/>
-              <a:buSzTx/>
-              <a:buFontTx/>
-              <a:buNone/>
-              <a:tabLst/>
-              <a:defRPr/>
-            </a:pPr>
-            <a:r>
-              <a:rPr lang="zh-CN" altLang="en-US" sz="1200" dirty="0" smtClean="0"/>
-              <a:t>也有人将</a:t>
-            </a:r>
-            <a:r>
-              <a:rPr lang="en-US" altLang="zh-CN" sz="1200" dirty="0" smtClean="0"/>
-              <a:t>OA-ERP</a:t>
-            </a:r>
-            <a:r>
-              <a:rPr lang="zh-CN" altLang="en-US" sz="1200" dirty="0" smtClean="0"/>
-              <a:t>归于</a:t>
-            </a:r>
-            <a:r>
-              <a:rPr lang="en-US" altLang="zh-CN" sz="1200" dirty="0" smtClean="0"/>
-              <a:t>ERPII</a:t>
-            </a:r>
-            <a:r>
-              <a:rPr lang="zh-CN" altLang="en-US" sz="1200" dirty="0" smtClean="0"/>
-              <a:t>范畴。其实归于哪个范畴无所谓，重要的是便于更好地解决问题。</a:t>
-            </a:r>
-            <a:endParaRPr lang="en-US" altLang="zh-CN" sz="1200" dirty="0" smtClean="0"/>
+            <a:endParaRPr lang="zh-CN" altLang="en-US" dirty="0"/>
           </a:p>
         </p:txBody>
       </p:sp>
@@ -7626,7 +7591,7 @@
             <a:fld id="{BAD2D2A2-EC9F-4076-9D39-88EEE1811CEE}" type="slidenum">
               <a:rPr lang="zh-CN" altLang="en-US" smtClean="0"/>
               <a:pPr eaLnBrk="1" hangingPunct="1"/>
-              <a:t>36</a:t>
+              <a:t>35</a:t>
             </a:fld>
             <a:endParaRPr lang="zh-CN" altLang="en-US" smtClean="0"/>
           </a:p>
@@ -7728,297 +7693,7 @@
           </a:bodyPr>
           <a:lstStyle/>
           <a:p>
-            <a:r>
-              <a:rPr lang="en-US" altLang="zh-CN" dirty="0" smtClean="0"/>
-              <a:t>1. </a:t>
-            </a:r>
-            <a:r>
-              <a:rPr lang="zh-CN" altLang="en-US" dirty="0" smtClean="0"/>
-              <a:t>用户登录</a:t>
-            </a:r>
-            <a:r>
-              <a:rPr lang="en-US" altLang="zh-CN" dirty="0" smtClean="0"/>
-              <a:t>OA</a:t>
-            </a:r>
-            <a:r>
-              <a:rPr lang="zh-CN" altLang="en-US" dirty="0" smtClean="0"/>
-              <a:t>系统后，</a:t>
-            </a:r>
-            <a:r>
-              <a:rPr lang="en-US" altLang="zh-CN" dirty="0" smtClean="0"/>
-              <a:t>Workflow Server</a:t>
-            </a:r>
-            <a:r>
-              <a:rPr lang="zh-CN" altLang="en-US" dirty="0" smtClean="0"/>
-              <a:t>根据</a:t>
-            </a:r>
-            <a:r>
-              <a:rPr lang="en-US" altLang="zh-CN" dirty="0" smtClean="0"/>
-              <a:t>OA</a:t>
-            </a:r>
-            <a:r>
-              <a:rPr lang="zh-CN" altLang="en-US" dirty="0" smtClean="0"/>
-              <a:t>系统中人员配置管理功能确认其身份，此用户同时得到了相应的权限；</a:t>
-            </a:r>
-            <a:endParaRPr lang="en-US" altLang="zh-CN" dirty="0" smtClean="0"/>
-          </a:p>
-          <a:p>
-            <a:r>
-              <a:rPr lang="en-US" altLang="zh-CN" dirty="0" smtClean="0"/>
-              <a:t>2. </a:t>
-            </a:r>
-            <a:r>
-              <a:rPr lang="zh-CN" altLang="en-US" dirty="0" smtClean="0"/>
-              <a:t>身份确认后，</a:t>
-            </a:r>
-            <a:r>
-              <a:rPr lang="en-US" altLang="zh-CN" dirty="0" smtClean="0"/>
-              <a:t>Workflow Server</a:t>
-            </a:r>
-            <a:r>
-              <a:rPr lang="zh-CN" altLang="en-US" dirty="0" smtClean="0"/>
-              <a:t>再根据此用户在其权限内申请的工作流程提供工作流表单，并在表单上显示用户对应的组织结构的层次度； </a:t>
-            </a:r>
-            <a:endParaRPr lang="en-US" altLang="zh-CN" dirty="0" smtClean="0"/>
-          </a:p>
-          <a:p>
-            <a:r>
-              <a:rPr lang="en-US" altLang="zh-CN" dirty="0" smtClean="0"/>
-              <a:t>3. </a:t>
-            </a:r>
-            <a:r>
-              <a:rPr lang="zh-CN" altLang="en-US" dirty="0" smtClean="0"/>
-              <a:t>用户在工作流表单上填写本流程执行需要的数据，这些数据可能是请假天数、请假原因等不涉及</a:t>
-            </a:r>
-            <a:r>
-              <a:rPr lang="en-US" altLang="zh-CN" dirty="0" smtClean="0"/>
-              <a:t>ERP</a:t>
-            </a:r>
-            <a:r>
-              <a:rPr lang="zh-CN" altLang="en-US" dirty="0" smtClean="0"/>
-              <a:t>系统的数据，也可能是访问</a:t>
-            </a:r>
-            <a:r>
-              <a:rPr lang="en-US" altLang="zh-CN" dirty="0" smtClean="0"/>
-              <a:t>ERP</a:t>
-            </a:r>
-            <a:r>
-              <a:rPr lang="zh-CN" altLang="en-US" dirty="0" smtClean="0"/>
-              <a:t>系统的参数。如果在流程执行时仅仅需要在</a:t>
-            </a:r>
-            <a:r>
-              <a:rPr lang="en-US" altLang="zh-CN" dirty="0" smtClean="0"/>
-              <a:t>ERP</a:t>
-            </a:r>
-            <a:r>
-              <a:rPr lang="zh-CN" altLang="en-US" dirty="0" smtClean="0"/>
-              <a:t>系统中执行查询，工作流表单的填写要在访问</a:t>
-            </a:r>
-            <a:r>
-              <a:rPr lang="en-US" altLang="zh-CN" dirty="0" smtClean="0"/>
-              <a:t>ERP</a:t>
-            </a:r>
-            <a:r>
-              <a:rPr lang="zh-CN" altLang="en-US" dirty="0" smtClean="0"/>
-              <a:t>系统后进行。</a:t>
-            </a:r>
-            <a:endParaRPr lang="en-US" altLang="zh-CN" dirty="0" smtClean="0"/>
-          </a:p>
-          <a:p>
-            <a:r>
-              <a:rPr lang="en-US" altLang="zh-CN" dirty="0" smtClean="0"/>
-              <a:t>4. </a:t>
-            </a:r>
-            <a:r>
-              <a:rPr lang="zh-CN" altLang="en-US" dirty="0" smtClean="0"/>
-              <a:t>当工作流程执行到</a:t>
-            </a:r>
-            <a:r>
-              <a:rPr lang="en-US" altLang="zh-CN" dirty="0" smtClean="0"/>
-              <a:t>ERP</a:t>
-            </a:r>
-            <a:r>
-              <a:rPr lang="zh-CN" altLang="en-US" dirty="0" smtClean="0"/>
-              <a:t>系统上的作业时，工作流系统自动引导用户进入</a:t>
-            </a:r>
-            <a:r>
-              <a:rPr lang="en-US" altLang="zh-CN" dirty="0" smtClean="0"/>
-              <a:t>ERP</a:t>
-            </a:r>
-            <a:r>
-              <a:rPr lang="zh-CN" altLang="en-US" dirty="0" smtClean="0"/>
-              <a:t>系统。通过</a:t>
-            </a:r>
-            <a:r>
-              <a:rPr lang="en-US" altLang="zh-CN" dirty="0" smtClean="0"/>
-              <a:t>OA</a:t>
-            </a:r>
-            <a:r>
-              <a:rPr lang="zh-CN" altLang="en-US" dirty="0" smtClean="0"/>
-              <a:t>系统本身的</a:t>
-            </a:r>
-            <a:r>
-              <a:rPr lang="en-US" altLang="zh-CN" dirty="0" smtClean="0"/>
-              <a:t>Script</a:t>
-            </a:r>
-            <a:r>
-              <a:rPr lang="zh-CN" altLang="en-US" dirty="0" smtClean="0"/>
-              <a:t>语言结合</a:t>
-            </a:r>
-            <a:r>
-              <a:rPr lang="en-US" altLang="zh-CN" dirty="0" smtClean="0"/>
-              <a:t>Terminal simulator script</a:t>
-            </a:r>
-            <a:r>
-              <a:rPr lang="zh-CN" altLang="en-US" dirty="0" smtClean="0"/>
-              <a:t>语言编写的访问</a:t>
-            </a:r>
-            <a:r>
-              <a:rPr lang="en-US" altLang="zh-CN" dirty="0" smtClean="0"/>
-              <a:t>ERP</a:t>
-            </a:r>
-            <a:r>
-              <a:rPr lang="zh-CN" altLang="en-US" dirty="0" smtClean="0"/>
-              <a:t>系统的任务项，根据执行的流程类型、顺序、工作流表单参数，用户可以直接进入</a:t>
-            </a:r>
-            <a:r>
-              <a:rPr lang="en-US" altLang="zh-CN" dirty="0" smtClean="0"/>
-              <a:t>ERP</a:t>
-            </a:r>
-            <a:r>
-              <a:rPr lang="zh-CN" altLang="en-US" dirty="0" smtClean="0"/>
-              <a:t>系统相应的功能模块。</a:t>
-            </a:r>
-            <a:endParaRPr lang="en-US" altLang="zh-CN" dirty="0" smtClean="0"/>
-          </a:p>
-          <a:p>
-            <a:r>
-              <a:rPr lang="en-US" altLang="zh-CN" dirty="0" smtClean="0"/>
-              <a:t>5. </a:t>
-            </a:r>
-            <a:r>
-              <a:rPr lang="zh-CN" altLang="en-US" dirty="0" smtClean="0"/>
-              <a:t>用户操作</a:t>
-            </a:r>
-            <a:r>
-              <a:rPr lang="en-US" altLang="zh-CN" dirty="0" smtClean="0"/>
-              <a:t>ERP</a:t>
-            </a:r>
-            <a:r>
-              <a:rPr lang="zh-CN" altLang="en-US" dirty="0" smtClean="0"/>
-              <a:t>系统。可以根据权限执行不同的操作。以采购申请为例，用户可以填写需要采购的物料编号、采购数量、价格范围、供应商等，存储后保存在</a:t>
-            </a:r>
-            <a:r>
-              <a:rPr lang="en-US" altLang="zh-CN" dirty="0" smtClean="0"/>
-              <a:t>ERP DB</a:t>
-            </a:r>
-            <a:r>
-              <a:rPr lang="zh-CN" altLang="en-US" dirty="0" smtClean="0"/>
-              <a:t>中；</a:t>
-            </a:r>
-            <a:endParaRPr lang="en-US" altLang="zh-CN" dirty="0" smtClean="0"/>
-          </a:p>
-          <a:p>
-            <a:r>
-              <a:rPr lang="en-US" altLang="zh-CN" dirty="0" smtClean="0"/>
-              <a:t>6. ERP DB</a:t>
-            </a:r>
-            <a:r>
-              <a:rPr lang="zh-CN" altLang="en-US" dirty="0" smtClean="0"/>
-              <a:t>保存后，通过</a:t>
-            </a:r>
-            <a:r>
-              <a:rPr lang="en-US" altLang="zh-CN" dirty="0" smtClean="0"/>
-              <a:t>ERP</a:t>
-            </a:r>
-            <a:r>
-              <a:rPr lang="zh-CN" altLang="en-US" dirty="0" smtClean="0"/>
-              <a:t>系统界面向用户提示保存成功；</a:t>
-            </a:r>
-            <a:endParaRPr lang="en-US" altLang="zh-CN" dirty="0" smtClean="0"/>
-          </a:p>
-          <a:p>
-            <a:r>
-              <a:rPr lang="en-US" altLang="zh-CN" dirty="0" smtClean="0"/>
-              <a:t>7. ERP</a:t>
-            </a:r>
-            <a:r>
-              <a:rPr lang="zh-CN" altLang="en-US" dirty="0" smtClean="0"/>
-              <a:t>系统将保存成功的单据编号和单据状态等信息传送到工作流系统。根据需要，用户可以把</a:t>
-            </a:r>
-            <a:r>
-              <a:rPr lang="en-US" altLang="zh-CN" dirty="0" smtClean="0"/>
-              <a:t>ERP</a:t>
-            </a:r>
-            <a:r>
-              <a:rPr lang="zh-CN" altLang="en-US" dirty="0" smtClean="0"/>
-              <a:t>系统生成的表单导出为</a:t>
-            </a:r>
-            <a:r>
-              <a:rPr lang="en-US" altLang="zh-CN" dirty="0" smtClean="0"/>
-              <a:t>Excel</a:t>
-            </a:r>
-            <a:r>
-              <a:rPr lang="zh-CN" altLang="en-US" dirty="0" smtClean="0"/>
-              <a:t>文件保存在本地；</a:t>
-            </a:r>
-            <a:endParaRPr lang="en-US" altLang="zh-CN" dirty="0" smtClean="0"/>
-          </a:p>
-          <a:p>
-            <a:r>
-              <a:rPr lang="en-US" altLang="zh-CN" dirty="0" smtClean="0"/>
-              <a:t>8. </a:t>
-            </a:r>
-            <a:r>
-              <a:rPr lang="zh-CN" altLang="en-US" dirty="0" smtClean="0"/>
-              <a:t>当工作流系统收到</a:t>
-            </a:r>
-            <a:r>
-              <a:rPr lang="en-US" altLang="zh-CN" dirty="0" smtClean="0"/>
-              <a:t>ERP</a:t>
-            </a:r>
-            <a:r>
-              <a:rPr lang="zh-CN" altLang="en-US" dirty="0" smtClean="0"/>
-              <a:t>系统传来的信息后，进行格式检查，确认无误后继续执行；</a:t>
-            </a:r>
-            <a:endParaRPr lang="en-US" altLang="zh-CN" dirty="0" smtClean="0"/>
-          </a:p>
-          <a:p>
-            <a:r>
-              <a:rPr lang="en-US" altLang="zh-CN" dirty="0" smtClean="0"/>
-              <a:t>9. </a:t>
-            </a:r>
-            <a:r>
-              <a:rPr lang="zh-CN" altLang="en-US" dirty="0" smtClean="0"/>
-              <a:t>用户在屏幕上审查工作流系统执行情况是否正确，确认无误后，将工作流表单传送到</a:t>
-            </a:r>
-            <a:r>
-              <a:rPr lang="en-US" altLang="zh-CN" dirty="0" smtClean="0"/>
-              <a:t>Workflow Server</a:t>
-            </a:r>
-            <a:r>
-              <a:rPr lang="zh-CN" altLang="en-US" dirty="0" smtClean="0"/>
-              <a:t>，保存在本地的</a:t>
-            </a:r>
-            <a:r>
-              <a:rPr lang="en-US" altLang="zh-CN" dirty="0" smtClean="0"/>
-              <a:t>Excel</a:t>
-            </a:r>
-            <a:r>
-              <a:rPr lang="zh-CN" altLang="en-US" dirty="0" smtClean="0"/>
-              <a:t>文件也可以作为附件提交；</a:t>
-            </a:r>
-            <a:endParaRPr lang="en-US" altLang="zh-CN" dirty="0" smtClean="0"/>
-          </a:p>
-          <a:p>
-            <a:r>
-              <a:rPr lang="en-US" altLang="zh-CN" dirty="0" smtClean="0"/>
-              <a:t>10. Workflow Server</a:t>
-            </a:r>
-            <a:r>
-              <a:rPr lang="zh-CN" altLang="en-US" dirty="0" smtClean="0"/>
-              <a:t>收到用户传来的工作流表单，并据此将工作流表单和附件传送到下一个执行者。</a:t>
-            </a:r>
+            <a:endParaRPr lang="zh-CN" altLang="en-US" dirty="0"/>
           </a:p>
         </p:txBody>
       </p:sp>
@@ -8181,7 +7856,7 @@
             <a:fld id="{BAD2D2A2-EC9F-4076-9D39-88EEE1811CEE}" type="slidenum">
               <a:rPr lang="zh-CN" altLang="en-US" smtClean="0"/>
               <a:pPr eaLnBrk="1" hangingPunct="1"/>
-              <a:t>37</a:t>
+              <a:t>36</a:t>
             </a:fld>
             <a:endParaRPr lang="zh-CN" altLang="en-US" smtClean="0"/>
           </a:p>
@@ -8214,7 +7889,7 @@
       </p:grpSpPr>
       <p:sp>
         <p:nvSpPr>
-          <p:cNvPr id="14338" name="幻灯片图像占位符 1"/>
+          <p:cNvPr id="15362" name="幻灯片图像占位符 1"/>
           <p:cNvSpPr>
             <a:spLocks noGrp="1" noRot="1" noChangeAspect="1" noTextEdit="1"/>
           </p:cNvSpPr>
@@ -8245,7 +7920,7 @@
       </p:sp>
       <p:sp>
         <p:nvSpPr>
-          <p:cNvPr id="14339" name="备注占位符 2"/>
+          <p:cNvPr id="15363" name="备注占位符 2"/>
           <p:cNvSpPr>
             <a:spLocks noGrp="1"/>
           </p:cNvSpPr>
@@ -8283,18 +7958,13 @@
           </a:bodyPr>
           <a:lstStyle/>
           <a:p>
-            <a:pPr eaLnBrk="1" hangingPunct="1">
-              <a:spcBef>
-                <a:spcPct val="0"/>
-              </a:spcBef>
-            </a:pPr>
-            <a:endParaRPr lang="zh-CN" altLang="en-US" dirty="0" smtClean="0"/>
+            <a:endParaRPr lang="zh-CN" altLang="en-US" dirty="0"/>
           </a:p>
         </p:txBody>
       </p:sp>
       <p:sp>
         <p:nvSpPr>
-          <p:cNvPr id="14340" name="灯片编号占位符 3"/>
+          <p:cNvPr id="15364" name="灯片编号占位符 3"/>
           <p:cNvSpPr>
             <a:spLocks noGrp="1"/>
           </p:cNvSpPr>
@@ -8448,10 +8118,1666 @@
           </a:lstStyle>
           <a:p>
             <a:pPr eaLnBrk="1" hangingPunct="1"/>
-            <a:fld id="{F68AA471-19D4-44DF-96E2-24798A5FA37E}" type="slidenum">
+            <a:fld id="{BAD2D2A2-EC9F-4076-9D39-88EEE1811CEE}" type="slidenum">
               <a:rPr lang="zh-CN" altLang="en-US" smtClean="0"/>
               <a:pPr eaLnBrk="1" hangingPunct="1"/>
-              <a:t>38</a:t>
+              <a:t>37</a:t>
+            </a:fld>
+            <a:endParaRPr lang="zh-CN" altLang="en-US" smtClean="0"/>
+          </a:p>
+        </p:txBody>
+      </p:sp>
+    </p:spTree>
+  </p:cSld>
+  <p:clrMapOvr>
+    <a:masterClrMapping/>
+  </p:clrMapOvr>
+</p:notes>
+</file>
+
+<file path=ppt/notesSlides/notesSlide35.xml><?xml version="1.0" encoding="utf-8"?>
+<p:notes xmlns:a="http://schemas.openxmlformats.org/drawingml/2006/main" xmlns:r="http://schemas.openxmlformats.org/officeDocument/2006/relationships" xmlns:p="http://schemas.openxmlformats.org/presentationml/2006/main">
+  <p:cSld>
+    <p:spTree>
+      <p:nvGrpSpPr>
+        <p:cNvPr id="1" name=""/>
+        <p:cNvGrpSpPr/>
+        <p:nvPr/>
+      </p:nvGrpSpPr>
+      <p:grpSpPr>
+        <a:xfrm>
+          <a:off x="0" y="0"/>
+          <a:ext cx="0" cy="0"/>
+          <a:chOff x="0" y="0"/>
+          <a:chExt cx="0" cy="0"/>
+        </a:xfrm>
+      </p:grpSpPr>
+      <p:sp>
+        <p:nvSpPr>
+          <p:cNvPr id="15362" name="幻灯片图像占位符 1"/>
+          <p:cNvSpPr>
+            <a:spLocks noGrp="1" noRot="1" noChangeAspect="1" noTextEdit="1"/>
+          </p:cNvSpPr>
+          <p:nvPr>
+            <p:ph type="sldImg"/>
+          </p:nvPr>
+        </p:nvSpPr>
+        <p:spPr bwMode="auto">
+          <a:noFill/>
+          <a:ln>
+            <a:solidFill>
+              <a:srgbClr val="000000"/>
+            </a:solidFill>
+            <a:miter lim="800000"/>
+            <a:headEnd/>
+            <a:tailEnd/>
+          </a:ln>
+          <a:extLst>
+            <a:ext uri="{909E8E84-426E-40DD-AFC4-6F175D3DCCD1}">
+              <a14:hiddenFill xmlns:a14="http://schemas.microsoft.com/office/drawing/2010/main">
+                <a:solidFill>
+                  <a:srgbClr val="FFFFFF"/>
+                </a:solidFill>
+              </a14:hiddenFill>
+            </a:ext>
+          </a:extLst>
+        </p:spPr>
+      </p:sp>
+      <p:sp>
+        <p:nvSpPr>
+          <p:cNvPr id="15363" name="备注占位符 2"/>
+          <p:cNvSpPr>
+            <a:spLocks noGrp="1"/>
+          </p:cNvSpPr>
+          <p:nvPr>
+            <p:ph type="body" idx="1"/>
+          </p:nvPr>
+        </p:nvSpPr>
+        <p:spPr bwMode="auto">
+          <a:noFill/>
+          <a:extLst>
+            <a:ext uri="{909E8E84-426E-40DD-AFC4-6F175D3DCCD1}">
+              <a14:hiddenFill xmlns:a14="http://schemas.microsoft.com/office/drawing/2010/main">
+                <a:solidFill>
+                  <a:srgbClr val="FFFFFF"/>
+                </a:solidFill>
+              </a14:hiddenFill>
+            </a:ext>
+            <a:ext uri="{91240B29-F687-4F45-9708-019B960494DF}">
+              <a14:hiddenLine xmlns:a14="http://schemas.microsoft.com/office/drawing/2010/main" w="9525">
+                <a:solidFill>
+                  <a:srgbClr val="000000"/>
+                </a:solidFill>
+                <a:miter lim="800000"/>
+                <a:headEnd/>
+                <a:tailEnd/>
+              </a14:hiddenLine>
+            </a:ext>
+          </a:extLst>
+        </p:spPr>
+        <p:txBody>
+          <a:bodyPr wrap="square" numCol="1" anchor="t" anchorCtr="0" compatLnSpc="1">
+            <a:prstTxWarp prst="textNoShape">
+              <a:avLst/>
+            </a:prstTxWarp>
+          </a:bodyPr>
+          <a:lstStyle/>
+          <a:p>
+            <a:endParaRPr lang="zh-CN" altLang="en-US" dirty="0"/>
+          </a:p>
+        </p:txBody>
+      </p:sp>
+      <p:sp>
+        <p:nvSpPr>
+          <p:cNvPr id="15364" name="灯片编号占位符 3"/>
+          <p:cNvSpPr>
+            <a:spLocks noGrp="1"/>
+          </p:cNvSpPr>
+          <p:nvPr>
+            <p:ph type="sldNum" sz="quarter" idx="5"/>
+          </p:nvPr>
+        </p:nvSpPr>
+        <p:spPr bwMode="auto">
+          <a:noFill/>
+          <a:extLst>
+            <a:ext uri="{909E8E84-426E-40DD-AFC4-6F175D3DCCD1}">
+              <a14:hiddenFill xmlns:a14="http://schemas.microsoft.com/office/drawing/2010/main">
+                <a:solidFill>
+                  <a:srgbClr val="FFFFFF"/>
+                </a:solidFill>
+              </a14:hiddenFill>
+            </a:ext>
+            <a:ext uri="{91240B29-F687-4F45-9708-019B960494DF}">
+              <a14:hiddenLine xmlns:a14="http://schemas.microsoft.com/office/drawing/2010/main" w="9525">
+                <a:solidFill>
+                  <a:srgbClr val="000000"/>
+                </a:solidFill>
+                <a:miter lim="800000"/>
+                <a:headEnd/>
+                <a:tailEnd/>
+              </a14:hiddenLine>
+            </a:ext>
+          </a:extLst>
+        </p:spPr>
+        <p:txBody>
+          <a:bodyPr wrap="square" numCol="1" anchorCtr="0" compatLnSpc="1">
+            <a:prstTxWarp prst="textNoShape">
+              <a:avLst/>
+            </a:prstTxWarp>
+          </a:bodyPr>
+          <a:lstStyle>
+            <a:lvl1pPr eaLnBrk="0" hangingPunct="0">
+              <a:defRPr>
+                <a:solidFill>
+                  <a:srgbClr val="FFFFFF"/>
+                </a:solidFill>
+                <a:latin typeface="Gill Sans" charset="0"/>
+                <a:ea typeface="Heiti SC Light" charset="-122"/>
+                <a:sym typeface="Gill Sans" charset="0"/>
+              </a:defRPr>
+            </a:lvl1pPr>
+            <a:lvl2pPr marL="742950" indent="-285750" eaLnBrk="0" hangingPunct="0">
+              <a:defRPr>
+                <a:solidFill>
+                  <a:srgbClr val="FFFFFF"/>
+                </a:solidFill>
+                <a:latin typeface="Gill Sans" charset="0"/>
+                <a:ea typeface="Heiti SC Light" charset="-122"/>
+                <a:sym typeface="Gill Sans" charset="0"/>
+              </a:defRPr>
+            </a:lvl2pPr>
+            <a:lvl3pPr marL="1143000" indent="-228600" eaLnBrk="0" hangingPunct="0">
+              <a:defRPr>
+                <a:solidFill>
+                  <a:srgbClr val="FFFFFF"/>
+                </a:solidFill>
+                <a:latin typeface="Gill Sans" charset="0"/>
+                <a:ea typeface="Heiti SC Light" charset="-122"/>
+                <a:sym typeface="Gill Sans" charset="0"/>
+              </a:defRPr>
+            </a:lvl3pPr>
+            <a:lvl4pPr marL="1600200" indent="-228600" eaLnBrk="0" hangingPunct="0">
+              <a:defRPr>
+                <a:solidFill>
+                  <a:srgbClr val="FFFFFF"/>
+                </a:solidFill>
+                <a:latin typeface="Gill Sans" charset="0"/>
+                <a:ea typeface="Heiti SC Light" charset="-122"/>
+                <a:sym typeface="Gill Sans" charset="0"/>
+              </a:defRPr>
+            </a:lvl4pPr>
+            <a:lvl5pPr marL="2057400" indent="-228600" eaLnBrk="0" hangingPunct="0">
+              <a:defRPr>
+                <a:solidFill>
+                  <a:srgbClr val="FFFFFF"/>
+                </a:solidFill>
+                <a:latin typeface="Gill Sans" charset="0"/>
+                <a:ea typeface="Heiti SC Light" charset="-122"/>
+                <a:sym typeface="Gill Sans" charset="0"/>
+              </a:defRPr>
+            </a:lvl5pPr>
+            <a:lvl6pPr marL="2514600" indent="-228600" algn="ctr" eaLnBrk="0" fontAlgn="base" hangingPunct="0">
+              <a:spcBef>
+                <a:spcPct val="0"/>
+              </a:spcBef>
+              <a:spcAft>
+                <a:spcPct val="0"/>
+              </a:spcAft>
+              <a:defRPr>
+                <a:solidFill>
+                  <a:srgbClr val="FFFFFF"/>
+                </a:solidFill>
+                <a:latin typeface="Gill Sans" charset="0"/>
+                <a:ea typeface="Heiti SC Light" charset="-122"/>
+                <a:sym typeface="Gill Sans" charset="0"/>
+              </a:defRPr>
+            </a:lvl6pPr>
+            <a:lvl7pPr marL="2971800" indent="-228600" algn="ctr" eaLnBrk="0" fontAlgn="base" hangingPunct="0">
+              <a:spcBef>
+                <a:spcPct val="0"/>
+              </a:spcBef>
+              <a:spcAft>
+                <a:spcPct val="0"/>
+              </a:spcAft>
+              <a:defRPr>
+                <a:solidFill>
+                  <a:srgbClr val="FFFFFF"/>
+                </a:solidFill>
+                <a:latin typeface="Gill Sans" charset="0"/>
+                <a:ea typeface="Heiti SC Light" charset="-122"/>
+                <a:sym typeface="Gill Sans" charset="0"/>
+              </a:defRPr>
+            </a:lvl7pPr>
+            <a:lvl8pPr marL="3429000" indent="-228600" algn="ctr" eaLnBrk="0" fontAlgn="base" hangingPunct="0">
+              <a:spcBef>
+                <a:spcPct val="0"/>
+              </a:spcBef>
+              <a:spcAft>
+                <a:spcPct val="0"/>
+              </a:spcAft>
+              <a:defRPr>
+                <a:solidFill>
+                  <a:srgbClr val="FFFFFF"/>
+                </a:solidFill>
+                <a:latin typeface="Gill Sans" charset="0"/>
+                <a:ea typeface="Heiti SC Light" charset="-122"/>
+                <a:sym typeface="Gill Sans" charset="0"/>
+              </a:defRPr>
+            </a:lvl8pPr>
+            <a:lvl9pPr marL="3886200" indent="-228600" algn="ctr" eaLnBrk="0" fontAlgn="base" hangingPunct="0">
+              <a:spcBef>
+                <a:spcPct val="0"/>
+              </a:spcBef>
+              <a:spcAft>
+                <a:spcPct val="0"/>
+              </a:spcAft>
+              <a:defRPr>
+                <a:solidFill>
+                  <a:srgbClr val="FFFFFF"/>
+                </a:solidFill>
+                <a:latin typeface="Gill Sans" charset="0"/>
+                <a:ea typeface="Heiti SC Light" charset="-122"/>
+                <a:sym typeface="Gill Sans" charset="0"/>
+              </a:defRPr>
+            </a:lvl9pPr>
+          </a:lstStyle>
+          <a:p>
+            <a:pPr eaLnBrk="1" hangingPunct="1"/>
+            <a:fld id="{BAD2D2A2-EC9F-4076-9D39-88EEE1811CEE}" type="slidenum">
+              <a:rPr lang="zh-CN" altLang="en-US" smtClean="0"/>
+              <a:pPr eaLnBrk="1" hangingPunct="1"/>
+              <a:t>39</a:t>
+            </a:fld>
+            <a:endParaRPr lang="zh-CN" altLang="en-US" smtClean="0"/>
+          </a:p>
+        </p:txBody>
+      </p:sp>
+    </p:spTree>
+  </p:cSld>
+  <p:clrMapOvr>
+    <a:masterClrMapping/>
+  </p:clrMapOvr>
+</p:notes>
+</file>
+
+<file path=ppt/notesSlides/notesSlide36.xml><?xml version="1.0" encoding="utf-8"?>
+<p:notes xmlns:a="http://schemas.openxmlformats.org/drawingml/2006/main" xmlns:r="http://schemas.openxmlformats.org/officeDocument/2006/relationships" xmlns:p="http://schemas.openxmlformats.org/presentationml/2006/main">
+  <p:cSld>
+    <p:spTree>
+      <p:nvGrpSpPr>
+        <p:cNvPr id="1" name=""/>
+        <p:cNvGrpSpPr/>
+        <p:nvPr/>
+      </p:nvGrpSpPr>
+      <p:grpSpPr>
+        <a:xfrm>
+          <a:off x="0" y="0"/>
+          <a:ext cx="0" cy="0"/>
+          <a:chOff x="0" y="0"/>
+          <a:chExt cx="0" cy="0"/>
+        </a:xfrm>
+      </p:grpSpPr>
+      <p:sp>
+        <p:nvSpPr>
+          <p:cNvPr id="15362" name="幻灯片图像占位符 1"/>
+          <p:cNvSpPr>
+            <a:spLocks noGrp="1" noRot="1" noChangeAspect="1" noTextEdit="1"/>
+          </p:cNvSpPr>
+          <p:nvPr>
+            <p:ph type="sldImg"/>
+          </p:nvPr>
+        </p:nvSpPr>
+        <p:spPr bwMode="auto">
+          <a:noFill/>
+          <a:ln>
+            <a:solidFill>
+              <a:srgbClr val="000000"/>
+            </a:solidFill>
+            <a:miter lim="800000"/>
+            <a:headEnd/>
+            <a:tailEnd/>
+          </a:ln>
+          <a:extLst>
+            <a:ext uri="{909E8E84-426E-40DD-AFC4-6F175D3DCCD1}">
+              <a14:hiddenFill xmlns:a14="http://schemas.microsoft.com/office/drawing/2010/main">
+                <a:solidFill>
+                  <a:srgbClr val="FFFFFF"/>
+                </a:solidFill>
+              </a14:hiddenFill>
+            </a:ext>
+          </a:extLst>
+        </p:spPr>
+      </p:sp>
+      <p:sp>
+        <p:nvSpPr>
+          <p:cNvPr id="15363" name="备注占位符 2"/>
+          <p:cNvSpPr>
+            <a:spLocks noGrp="1"/>
+          </p:cNvSpPr>
+          <p:nvPr>
+            <p:ph type="body" idx="1"/>
+          </p:nvPr>
+        </p:nvSpPr>
+        <p:spPr bwMode="auto">
+          <a:noFill/>
+          <a:extLst>
+            <a:ext uri="{909E8E84-426E-40DD-AFC4-6F175D3DCCD1}">
+              <a14:hiddenFill xmlns:a14="http://schemas.microsoft.com/office/drawing/2010/main">
+                <a:solidFill>
+                  <a:srgbClr val="FFFFFF"/>
+                </a:solidFill>
+              </a14:hiddenFill>
+            </a:ext>
+            <a:ext uri="{91240B29-F687-4F45-9708-019B960494DF}">
+              <a14:hiddenLine xmlns:a14="http://schemas.microsoft.com/office/drawing/2010/main" w="9525">
+                <a:solidFill>
+                  <a:srgbClr val="000000"/>
+                </a:solidFill>
+                <a:miter lim="800000"/>
+                <a:headEnd/>
+                <a:tailEnd/>
+              </a14:hiddenLine>
+            </a:ext>
+          </a:extLst>
+        </p:spPr>
+        <p:txBody>
+          <a:bodyPr wrap="square" numCol="1" anchor="t" anchorCtr="0" compatLnSpc="1">
+            <a:prstTxWarp prst="textNoShape">
+              <a:avLst/>
+            </a:prstTxWarp>
+          </a:bodyPr>
+          <a:lstStyle/>
+          <a:p>
+            <a:r>
+              <a:rPr lang="zh-CN" altLang="en-US" dirty="0" smtClean="0"/>
+              <a:t>有观点认为，数据流图，业务流程图是软件工程的范畴。这个我觉得有点过于狭隘，这些东西弄出来，自己的工作流程规范了，清晰了，也易于与内部、外部沟通和新人培训。退一步讲，即使不做软件，也是有裨益的做的事情。</a:t>
+            </a:r>
+            <a:endParaRPr lang="zh-CN" altLang="en-US" dirty="0"/>
+          </a:p>
+        </p:txBody>
+      </p:sp>
+      <p:sp>
+        <p:nvSpPr>
+          <p:cNvPr id="15364" name="灯片编号占位符 3"/>
+          <p:cNvSpPr>
+            <a:spLocks noGrp="1"/>
+          </p:cNvSpPr>
+          <p:nvPr>
+            <p:ph type="sldNum" sz="quarter" idx="5"/>
+          </p:nvPr>
+        </p:nvSpPr>
+        <p:spPr bwMode="auto">
+          <a:noFill/>
+          <a:extLst>
+            <a:ext uri="{909E8E84-426E-40DD-AFC4-6F175D3DCCD1}">
+              <a14:hiddenFill xmlns:a14="http://schemas.microsoft.com/office/drawing/2010/main">
+                <a:solidFill>
+                  <a:srgbClr val="FFFFFF"/>
+                </a:solidFill>
+              </a14:hiddenFill>
+            </a:ext>
+            <a:ext uri="{91240B29-F687-4F45-9708-019B960494DF}">
+              <a14:hiddenLine xmlns:a14="http://schemas.microsoft.com/office/drawing/2010/main" w="9525">
+                <a:solidFill>
+                  <a:srgbClr val="000000"/>
+                </a:solidFill>
+                <a:miter lim="800000"/>
+                <a:headEnd/>
+                <a:tailEnd/>
+              </a14:hiddenLine>
+            </a:ext>
+          </a:extLst>
+        </p:spPr>
+        <p:txBody>
+          <a:bodyPr wrap="square" numCol="1" anchorCtr="0" compatLnSpc="1">
+            <a:prstTxWarp prst="textNoShape">
+              <a:avLst/>
+            </a:prstTxWarp>
+          </a:bodyPr>
+          <a:lstStyle>
+            <a:lvl1pPr eaLnBrk="0" hangingPunct="0">
+              <a:defRPr>
+                <a:solidFill>
+                  <a:srgbClr val="FFFFFF"/>
+                </a:solidFill>
+                <a:latin typeface="Gill Sans" charset="0"/>
+                <a:ea typeface="Heiti SC Light" charset="-122"/>
+                <a:sym typeface="Gill Sans" charset="0"/>
+              </a:defRPr>
+            </a:lvl1pPr>
+            <a:lvl2pPr marL="742950" indent="-285750" eaLnBrk="0" hangingPunct="0">
+              <a:defRPr>
+                <a:solidFill>
+                  <a:srgbClr val="FFFFFF"/>
+                </a:solidFill>
+                <a:latin typeface="Gill Sans" charset="0"/>
+                <a:ea typeface="Heiti SC Light" charset="-122"/>
+                <a:sym typeface="Gill Sans" charset="0"/>
+              </a:defRPr>
+            </a:lvl2pPr>
+            <a:lvl3pPr marL="1143000" indent="-228600" eaLnBrk="0" hangingPunct="0">
+              <a:defRPr>
+                <a:solidFill>
+                  <a:srgbClr val="FFFFFF"/>
+                </a:solidFill>
+                <a:latin typeface="Gill Sans" charset="0"/>
+                <a:ea typeface="Heiti SC Light" charset="-122"/>
+                <a:sym typeface="Gill Sans" charset="0"/>
+              </a:defRPr>
+            </a:lvl3pPr>
+            <a:lvl4pPr marL="1600200" indent="-228600" eaLnBrk="0" hangingPunct="0">
+              <a:defRPr>
+                <a:solidFill>
+                  <a:srgbClr val="FFFFFF"/>
+                </a:solidFill>
+                <a:latin typeface="Gill Sans" charset="0"/>
+                <a:ea typeface="Heiti SC Light" charset="-122"/>
+                <a:sym typeface="Gill Sans" charset="0"/>
+              </a:defRPr>
+            </a:lvl4pPr>
+            <a:lvl5pPr marL="2057400" indent="-228600" eaLnBrk="0" hangingPunct="0">
+              <a:defRPr>
+                <a:solidFill>
+                  <a:srgbClr val="FFFFFF"/>
+                </a:solidFill>
+                <a:latin typeface="Gill Sans" charset="0"/>
+                <a:ea typeface="Heiti SC Light" charset="-122"/>
+                <a:sym typeface="Gill Sans" charset="0"/>
+              </a:defRPr>
+            </a:lvl5pPr>
+            <a:lvl6pPr marL="2514600" indent="-228600" algn="ctr" eaLnBrk="0" fontAlgn="base" hangingPunct="0">
+              <a:spcBef>
+                <a:spcPct val="0"/>
+              </a:spcBef>
+              <a:spcAft>
+                <a:spcPct val="0"/>
+              </a:spcAft>
+              <a:defRPr>
+                <a:solidFill>
+                  <a:srgbClr val="FFFFFF"/>
+                </a:solidFill>
+                <a:latin typeface="Gill Sans" charset="0"/>
+                <a:ea typeface="Heiti SC Light" charset="-122"/>
+                <a:sym typeface="Gill Sans" charset="0"/>
+              </a:defRPr>
+            </a:lvl6pPr>
+            <a:lvl7pPr marL="2971800" indent="-228600" algn="ctr" eaLnBrk="0" fontAlgn="base" hangingPunct="0">
+              <a:spcBef>
+                <a:spcPct val="0"/>
+              </a:spcBef>
+              <a:spcAft>
+                <a:spcPct val="0"/>
+              </a:spcAft>
+              <a:defRPr>
+                <a:solidFill>
+                  <a:srgbClr val="FFFFFF"/>
+                </a:solidFill>
+                <a:latin typeface="Gill Sans" charset="0"/>
+                <a:ea typeface="Heiti SC Light" charset="-122"/>
+                <a:sym typeface="Gill Sans" charset="0"/>
+              </a:defRPr>
+            </a:lvl7pPr>
+            <a:lvl8pPr marL="3429000" indent="-228600" algn="ctr" eaLnBrk="0" fontAlgn="base" hangingPunct="0">
+              <a:spcBef>
+                <a:spcPct val="0"/>
+              </a:spcBef>
+              <a:spcAft>
+                <a:spcPct val="0"/>
+              </a:spcAft>
+              <a:defRPr>
+                <a:solidFill>
+                  <a:srgbClr val="FFFFFF"/>
+                </a:solidFill>
+                <a:latin typeface="Gill Sans" charset="0"/>
+                <a:ea typeface="Heiti SC Light" charset="-122"/>
+                <a:sym typeface="Gill Sans" charset="0"/>
+              </a:defRPr>
+            </a:lvl8pPr>
+            <a:lvl9pPr marL="3886200" indent="-228600" algn="ctr" eaLnBrk="0" fontAlgn="base" hangingPunct="0">
+              <a:spcBef>
+                <a:spcPct val="0"/>
+              </a:spcBef>
+              <a:spcAft>
+                <a:spcPct val="0"/>
+              </a:spcAft>
+              <a:defRPr>
+                <a:solidFill>
+                  <a:srgbClr val="FFFFFF"/>
+                </a:solidFill>
+                <a:latin typeface="Gill Sans" charset="0"/>
+                <a:ea typeface="Heiti SC Light" charset="-122"/>
+                <a:sym typeface="Gill Sans" charset="0"/>
+              </a:defRPr>
+            </a:lvl9pPr>
+          </a:lstStyle>
+          <a:p>
+            <a:pPr eaLnBrk="1" hangingPunct="1"/>
+            <a:fld id="{BAD2D2A2-EC9F-4076-9D39-88EEE1811CEE}" type="slidenum">
+              <a:rPr lang="zh-CN" altLang="en-US" smtClean="0"/>
+              <a:pPr eaLnBrk="1" hangingPunct="1"/>
+              <a:t>40</a:t>
+            </a:fld>
+            <a:endParaRPr lang="zh-CN" altLang="en-US" smtClean="0"/>
+          </a:p>
+        </p:txBody>
+      </p:sp>
+    </p:spTree>
+  </p:cSld>
+  <p:clrMapOvr>
+    <a:masterClrMapping/>
+  </p:clrMapOvr>
+</p:notes>
+</file>
+
+<file path=ppt/notesSlides/notesSlide37.xml><?xml version="1.0" encoding="utf-8"?>
+<p:notes xmlns:a="http://schemas.openxmlformats.org/drawingml/2006/main" xmlns:r="http://schemas.openxmlformats.org/officeDocument/2006/relationships" xmlns:p="http://schemas.openxmlformats.org/presentationml/2006/main">
+  <p:cSld>
+    <p:spTree>
+      <p:nvGrpSpPr>
+        <p:cNvPr id="1" name=""/>
+        <p:cNvGrpSpPr/>
+        <p:nvPr/>
+      </p:nvGrpSpPr>
+      <p:grpSpPr>
+        <a:xfrm>
+          <a:off x="0" y="0"/>
+          <a:ext cx="0" cy="0"/>
+          <a:chOff x="0" y="0"/>
+          <a:chExt cx="0" cy="0"/>
+        </a:xfrm>
+      </p:grpSpPr>
+      <p:sp>
+        <p:nvSpPr>
+          <p:cNvPr id="15362" name="幻灯片图像占位符 1"/>
+          <p:cNvSpPr>
+            <a:spLocks noGrp="1" noRot="1" noChangeAspect="1" noTextEdit="1"/>
+          </p:cNvSpPr>
+          <p:nvPr>
+            <p:ph type="sldImg"/>
+          </p:nvPr>
+        </p:nvSpPr>
+        <p:spPr bwMode="auto">
+          <a:noFill/>
+          <a:ln>
+            <a:solidFill>
+              <a:srgbClr val="000000"/>
+            </a:solidFill>
+            <a:miter lim="800000"/>
+            <a:headEnd/>
+            <a:tailEnd/>
+          </a:ln>
+          <a:extLst>
+            <a:ext uri="{909E8E84-426E-40DD-AFC4-6F175D3DCCD1}">
+              <a14:hiddenFill xmlns:a14="http://schemas.microsoft.com/office/drawing/2010/main">
+                <a:solidFill>
+                  <a:srgbClr val="FFFFFF"/>
+                </a:solidFill>
+              </a14:hiddenFill>
+            </a:ext>
+          </a:extLst>
+        </p:spPr>
+      </p:sp>
+      <p:sp>
+        <p:nvSpPr>
+          <p:cNvPr id="15363" name="备注占位符 2"/>
+          <p:cNvSpPr>
+            <a:spLocks noGrp="1"/>
+          </p:cNvSpPr>
+          <p:nvPr>
+            <p:ph type="body" idx="1"/>
+          </p:nvPr>
+        </p:nvSpPr>
+        <p:spPr bwMode="auto">
+          <a:noFill/>
+          <a:extLst>
+            <a:ext uri="{909E8E84-426E-40DD-AFC4-6F175D3DCCD1}">
+              <a14:hiddenFill xmlns:a14="http://schemas.microsoft.com/office/drawing/2010/main">
+                <a:solidFill>
+                  <a:srgbClr val="FFFFFF"/>
+                </a:solidFill>
+              </a14:hiddenFill>
+            </a:ext>
+            <a:ext uri="{91240B29-F687-4F45-9708-019B960494DF}">
+              <a14:hiddenLine xmlns:a14="http://schemas.microsoft.com/office/drawing/2010/main" w="9525">
+                <a:solidFill>
+                  <a:srgbClr val="000000"/>
+                </a:solidFill>
+                <a:miter lim="800000"/>
+                <a:headEnd/>
+                <a:tailEnd/>
+              </a14:hiddenLine>
+            </a:ext>
+          </a:extLst>
+        </p:spPr>
+        <p:txBody>
+          <a:bodyPr wrap="square" numCol="1" anchor="t" anchorCtr="0" compatLnSpc="1">
+            <a:prstTxWarp prst="textNoShape">
+              <a:avLst/>
+            </a:prstTxWarp>
+          </a:bodyPr>
+          <a:lstStyle/>
+          <a:p>
+            <a:endParaRPr lang="zh-CN" altLang="en-US" dirty="0"/>
+          </a:p>
+        </p:txBody>
+      </p:sp>
+      <p:sp>
+        <p:nvSpPr>
+          <p:cNvPr id="15364" name="灯片编号占位符 3"/>
+          <p:cNvSpPr>
+            <a:spLocks noGrp="1"/>
+          </p:cNvSpPr>
+          <p:nvPr>
+            <p:ph type="sldNum" sz="quarter" idx="5"/>
+          </p:nvPr>
+        </p:nvSpPr>
+        <p:spPr bwMode="auto">
+          <a:noFill/>
+          <a:extLst>
+            <a:ext uri="{909E8E84-426E-40DD-AFC4-6F175D3DCCD1}">
+              <a14:hiddenFill xmlns:a14="http://schemas.microsoft.com/office/drawing/2010/main">
+                <a:solidFill>
+                  <a:srgbClr val="FFFFFF"/>
+                </a:solidFill>
+              </a14:hiddenFill>
+            </a:ext>
+            <a:ext uri="{91240B29-F687-4F45-9708-019B960494DF}">
+              <a14:hiddenLine xmlns:a14="http://schemas.microsoft.com/office/drawing/2010/main" w="9525">
+                <a:solidFill>
+                  <a:srgbClr val="000000"/>
+                </a:solidFill>
+                <a:miter lim="800000"/>
+                <a:headEnd/>
+                <a:tailEnd/>
+              </a14:hiddenLine>
+            </a:ext>
+          </a:extLst>
+        </p:spPr>
+        <p:txBody>
+          <a:bodyPr wrap="square" numCol="1" anchorCtr="0" compatLnSpc="1">
+            <a:prstTxWarp prst="textNoShape">
+              <a:avLst/>
+            </a:prstTxWarp>
+          </a:bodyPr>
+          <a:lstStyle>
+            <a:lvl1pPr eaLnBrk="0" hangingPunct="0">
+              <a:defRPr>
+                <a:solidFill>
+                  <a:srgbClr val="FFFFFF"/>
+                </a:solidFill>
+                <a:latin typeface="Gill Sans" charset="0"/>
+                <a:ea typeface="Heiti SC Light" charset="-122"/>
+                <a:sym typeface="Gill Sans" charset="0"/>
+              </a:defRPr>
+            </a:lvl1pPr>
+            <a:lvl2pPr marL="742950" indent="-285750" eaLnBrk="0" hangingPunct="0">
+              <a:defRPr>
+                <a:solidFill>
+                  <a:srgbClr val="FFFFFF"/>
+                </a:solidFill>
+                <a:latin typeface="Gill Sans" charset="0"/>
+                <a:ea typeface="Heiti SC Light" charset="-122"/>
+                <a:sym typeface="Gill Sans" charset="0"/>
+              </a:defRPr>
+            </a:lvl2pPr>
+            <a:lvl3pPr marL="1143000" indent="-228600" eaLnBrk="0" hangingPunct="0">
+              <a:defRPr>
+                <a:solidFill>
+                  <a:srgbClr val="FFFFFF"/>
+                </a:solidFill>
+                <a:latin typeface="Gill Sans" charset="0"/>
+                <a:ea typeface="Heiti SC Light" charset="-122"/>
+                <a:sym typeface="Gill Sans" charset="0"/>
+              </a:defRPr>
+            </a:lvl3pPr>
+            <a:lvl4pPr marL="1600200" indent="-228600" eaLnBrk="0" hangingPunct="0">
+              <a:defRPr>
+                <a:solidFill>
+                  <a:srgbClr val="FFFFFF"/>
+                </a:solidFill>
+                <a:latin typeface="Gill Sans" charset="0"/>
+                <a:ea typeface="Heiti SC Light" charset="-122"/>
+                <a:sym typeface="Gill Sans" charset="0"/>
+              </a:defRPr>
+            </a:lvl4pPr>
+            <a:lvl5pPr marL="2057400" indent="-228600" eaLnBrk="0" hangingPunct="0">
+              <a:defRPr>
+                <a:solidFill>
+                  <a:srgbClr val="FFFFFF"/>
+                </a:solidFill>
+                <a:latin typeface="Gill Sans" charset="0"/>
+                <a:ea typeface="Heiti SC Light" charset="-122"/>
+                <a:sym typeface="Gill Sans" charset="0"/>
+              </a:defRPr>
+            </a:lvl5pPr>
+            <a:lvl6pPr marL="2514600" indent="-228600" algn="ctr" eaLnBrk="0" fontAlgn="base" hangingPunct="0">
+              <a:spcBef>
+                <a:spcPct val="0"/>
+              </a:spcBef>
+              <a:spcAft>
+                <a:spcPct val="0"/>
+              </a:spcAft>
+              <a:defRPr>
+                <a:solidFill>
+                  <a:srgbClr val="FFFFFF"/>
+                </a:solidFill>
+                <a:latin typeface="Gill Sans" charset="0"/>
+                <a:ea typeface="Heiti SC Light" charset="-122"/>
+                <a:sym typeface="Gill Sans" charset="0"/>
+              </a:defRPr>
+            </a:lvl6pPr>
+            <a:lvl7pPr marL="2971800" indent="-228600" algn="ctr" eaLnBrk="0" fontAlgn="base" hangingPunct="0">
+              <a:spcBef>
+                <a:spcPct val="0"/>
+              </a:spcBef>
+              <a:spcAft>
+                <a:spcPct val="0"/>
+              </a:spcAft>
+              <a:defRPr>
+                <a:solidFill>
+                  <a:srgbClr val="FFFFFF"/>
+                </a:solidFill>
+                <a:latin typeface="Gill Sans" charset="0"/>
+                <a:ea typeface="Heiti SC Light" charset="-122"/>
+                <a:sym typeface="Gill Sans" charset="0"/>
+              </a:defRPr>
+            </a:lvl7pPr>
+            <a:lvl8pPr marL="3429000" indent="-228600" algn="ctr" eaLnBrk="0" fontAlgn="base" hangingPunct="0">
+              <a:spcBef>
+                <a:spcPct val="0"/>
+              </a:spcBef>
+              <a:spcAft>
+                <a:spcPct val="0"/>
+              </a:spcAft>
+              <a:defRPr>
+                <a:solidFill>
+                  <a:srgbClr val="FFFFFF"/>
+                </a:solidFill>
+                <a:latin typeface="Gill Sans" charset="0"/>
+                <a:ea typeface="Heiti SC Light" charset="-122"/>
+                <a:sym typeface="Gill Sans" charset="0"/>
+              </a:defRPr>
+            </a:lvl8pPr>
+            <a:lvl9pPr marL="3886200" indent="-228600" algn="ctr" eaLnBrk="0" fontAlgn="base" hangingPunct="0">
+              <a:spcBef>
+                <a:spcPct val="0"/>
+              </a:spcBef>
+              <a:spcAft>
+                <a:spcPct val="0"/>
+              </a:spcAft>
+              <a:defRPr>
+                <a:solidFill>
+                  <a:srgbClr val="FFFFFF"/>
+                </a:solidFill>
+                <a:latin typeface="Gill Sans" charset="0"/>
+                <a:ea typeface="Heiti SC Light" charset="-122"/>
+                <a:sym typeface="Gill Sans" charset="0"/>
+              </a:defRPr>
+            </a:lvl9pPr>
+          </a:lstStyle>
+          <a:p>
+            <a:pPr eaLnBrk="1" hangingPunct="1"/>
+            <a:fld id="{BAD2D2A2-EC9F-4076-9D39-88EEE1811CEE}" type="slidenum">
+              <a:rPr lang="zh-CN" altLang="en-US" smtClean="0"/>
+              <a:pPr eaLnBrk="1" hangingPunct="1"/>
+              <a:t>41</a:t>
+            </a:fld>
+            <a:endParaRPr lang="zh-CN" altLang="en-US" smtClean="0"/>
+          </a:p>
+        </p:txBody>
+      </p:sp>
+    </p:spTree>
+  </p:cSld>
+  <p:clrMapOvr>
+    <a:masterClrMapping/>
+  </p:clrMapOvr>
+</p:notes>
+</file>
+
+<file path=ppt/notesSlides/notesSlide38.xml><?xml version="1.0" encoding="utf-8"?>
+<p:notes xmlns:a="http://schemas.openxmlformats.org/drawingml/2006/main" xmlns:r="http://schemas.openxmlformats.org/officeDocument/2006/relationships" xmlns:p="http://schemas.openxmlformats.org/presentationml/2006/main">
+  <p:cSld>
+    <p:spTree>
+      <p:nvGrpSpPr>
+        <p:cNvPr id="1" name=""/>
+        <p:cNvGrpSpPr/>
+        <p:nvPr/>
+      </p:nvGrpSpPr>
+      <p:grpSpPr>
+        <a:xfrm>
+          <a:off x="0" y="0"/>
+          <a:ext cx="0" cy="0"/>
+          <a:chOff x="0" y="0"/>
+          <a:chExt cx="0" cy="0"/>
+        </a:xfrm>
+      </p:grpSpPr>
+      <p:sp>
+        <p:nvSpPr>
+          <p:cNvPr id="15362" name="幻灯片图像占位符 1"/>
+          <p:cNvSpPr>
+            <a:spLocks noGrp="1" noRot="1" noChangeAspect="1" noTextEdit="1"/>
+          </p:cNvSpPr>
+          <p:nvPr>
+            <p:ph type="sldImg"/>
+          </p:nvPr>
+        </p:nvSpPr>
+        <p:spPr bwMode="auto">
+          <a:noFill/>
+          <a:ln>
+            <a:solidFill>
+              <a:srgbClr val="000000"/>
+            </a:solidFill>
+            <a:miter lim="800000"/>
+            <a:headEnd/>
+            <a:tailEnd/>
+          </a:ln>
+          <a:extLst>
+            <a:ext uri="{909E8E84-426E-40DD-AFC4-6F175D3DCCD1}">
+              <a14:hiddenFill xmlns:a14="http://schemas.microsoft.com/office/drawing/2010/main">
+                <a:solidFill>
+                  <a:srgbClr val="FFFFFF"/>
+                </a:solidFill>
+              </a14:hiddenFill>
+            </a:ext>
+          </a:extLst>
+        </p:spPr>
+      </p:sp>
+      <p:sp>
+        <p:nvSpPr>
+          <p:cNvPr id="15363" name="备注占位符 2"/>
+          <p:cNvSpPr>
+            <a:spLocks noGrp="1"/>
+          </p:cNvSpPr>
+          <p:nvPr>
+            <p:ph type="body" idx="1"/>
+          </p:nvPr>
+        </p:nvSpPr>
+        <p:spPr bwMode="auto">
+          <a:noFill/>
+          <a:extLst>
+            <a:ext uri="{909E8E84-426E-40DD-AFC4-6F175D3DCCD1}">
+              <a14:hiddenFill xmlns:a14="http://schemas.microsoft.com/office/drawing/2010/main">
+                <a:solidFill>
+                  <a:srgbClr val="FFFFFF"/>
+                </a:solidFill>
+              </a14:hiddenFill>
+            </a:ext>
+            <a:ext uri="{91240B29-F687-4F45-9708-019B960494DF}">
+              <a14:hiddenLine xmlns:a14="http://schemas.microsoft.com/office/drawing/2010/main" w="9525">
+                <a:solidFill>
+                  <a:srgbClr val="000000"/>
+                </a:solidFill>
+                <a:miter lim="800000"/>
+                <a:headEnd/>
+                <a:tailEnd/>
+              </a14:hiddenLine>
+            </a:ext>
+          </a:extLst>
+        </p:spPr>
+        <p:txBody>
+          <a:bodyPr wrap="square" numCol="1" anchor="t" anchorCtr="0" compatLnSpc="1">
+            <a:prstTxWarp prst="textNoShape">
+              <a:avLst/>
+            </a:prstTxWarp>
+          </a:bodyPr>
+          <a:lstStyle/>
+          <a:p>
+            <a:pPr marL="0" marR="0" indent="0" algn="l" defTabSz="914400" rtl="0" eaLnBrk="0" fontAlgn="base" latinLnBrk="0" hangingPunct="0">
+              <a:lnSpc>
+                <a:spcPct val="100000"/>
+              </a:lnSpc>
+              <a:spcBef>
+                <a:spcPct val="30000"/>
+              </a:spcBef>
+              <a:spcAft>
+                <a:spcPct val="0"/>
+              </a:spcAft>
+              <a:buClrTx/>
+              <a:buSzTx/>
+              <a:buFontTx/>
+              <a:buNone/>
+              <a:tabLst/>
+              <a:defRPr/>
+            </a:pPr>
+            <a:r>
+              <a:rPr lang="zh-CN" altLang="en-US" sz="1200" dirty="0" smtClean="0"/>
+              <a:t>也有人将</a:t>
+            </a:r>
+            <a:r>
+              <a:rPr lang="en-US" altLang="zh-CN" sz="1200" dirty="0" smtClean="0"/>
+              <a:t>OA-ERP</a:t>
+            </a:r>
+            <a:r>
+              <a:rPr lang="zh-CN" altLang="en-US" sz="1200" dirty="0" smtClean="0"/>
+              <a:t>归于</a:t>
+            </a:r>
+            <a:r>
+              <a:rPr lang="en-US" altLang="zh-CN" sz="1200" dirty="0" smtClean="0"/>
+              <a:t>ERPII</a:t>
+            </a:r>
+            <a:r>
+              <a:rPr lang="zh-CN" altLang="en-US" sz="1200" dirty="0" smtClean="0"/>
+              <a:t>范畴。其实归于哪个范畴无所谓，重要的是便于更好地解决问题。</a:t>
+            </a:r>
+            <a:endParaRPr lang="en-US" altLang="zh-CN" sz="1200" dirty="0" smtClean="0"/>
+          </a:p>
+        </p:txBody>
+      </p:sp>
+      <p:sp>
+        <p:nvSpPr>
+          <p:cNvPr id="15364" name="灯片编号占位符 3"/>
+          <p:cNvSpPr>
+            <a:spLocks noGrp="1"/>
+          </p:cNvSpPr>
+          <p:nvPr>
+            <p:ph type="sldNum" sz="quarter" idx="5"/>
+          </p:nvPr>
+        </p:nvSpPr>
+        <p:spPr bwMode="auto">
+          <a:noFill/>
+          <a:extLst>
+            <a:ext uri="{909E8E84-426E-40DD-AFC4-6F175D3DCCD1}">
+              <a14:hiddenFill xmlns:a14="http://schemas.microsoft.com/office/drawing/2010/main">
+                <a:solidFill>
+                  <a:srgbClr val="FFFFFF"/>
+                </a:solidFill>
+              </a14:hiddenFill>
+            </a:ext>
+            <a:ext uri="{91240B29-F687-4F45-9708-019B960494DF}">
+              <a14:hiddenLine xmlns:a14="http://schemas.microsoft.com/office/drawing/2010/main" w="9525">
+                <a:solidFill>
+                  <a:srgbClr val="000000"/>
+                </a:solidFill>
+                <a:miter lim="800000"/>
+                <a:headEnd/>
+                <a:tailEnd/>
+              </a14:hiddenLine>
+            </a:ext>
+          </a:extLst>
+        </p:spPr>
+        <p:txBody>
+          <a:bodyPr wrap="square" numCol="1" anchorCtr="0" compatLnSpc="1">
+            <a:prstTxWarp prst="textNoShape">
+              <a:avLst/>
+            </a:prstTxWarp>
+          </a:bodyPr>
+          <a:lstStyle>
+            <a:lvl1pPr eaLnBrk="0" hangingPunct="0">
+              <a:defRPr>
+                <a:solidFill>
+                  <a:srgbClr val="FFFFFF"/>
+                </a:solidFill>
+                <a:latin typeface="Gill Sans" charset="0"/>
+                <a:ea typeface="Heiti SC Light" charset="-122"/>
+                <a:sym typeface="Gill Sans" charset="0"/>
+              </a:defRPr>
+            </a:lvl1pPr>
+            <a:lvl2pPr marL="742950" indent="-285750" eaLnBrk="0" hangingPunct="0">
+              <a:defRPr>
+                <a:solidFill>
+                  <a:srgbClr val="FFFFFF"/>
+                </a:solidFill>
+                <a:latin typeface="Gill Sans" charset="0"/>
+                <a:ea typeface="Heiti SC Light" charset="-122"/>
+                <a:sym typeface="Gill Sans" charset="0"/>
+              </a:defRPr>
+            </a:lvl2pPr>
+            <a:lvl3pPr marL="1143000" indent="-228600" eaLnBrk="0" hangingPunct="0">
+              <a:defRPr>
+                <a:solidFill>
+                  <a:srgbClr val="FFFFFF"/>
+                </a:solidFill>
+                <a:latin typeface="Gill Sans" charset="0"/>
+                <a:ea typeface="Heiti SC Light" charset="-122"/>
+                <a:sym typeface="Gill Sans" charset="0"/>
+              </a:defRPr>
+            </a:lvl3pPr>
+            <a:lvl4pPr marL="1600200" indent="-228600" eaLnBrk="0" hangingPunct="0">
+              <a:defRPr>
+                <a:solidFill>
+                  <a:srgbClr val="FFFFFF"/>
+                </a:solidFill>
+                <a:latin typeface="Gill Sans" charset="0"/>
+                <a:ea typeface="Heiti SC Light" charset="-122"/>
+                <a:sym typeface="Gill Sans" charset="0"/>
+              </a:defRPr>
+            </a:lvl4pPr>
+            <a:lvl5pPr marL="2057400" indent="-228600" eaLnBrk="0" hangingPunct="0">
+              <a:defRPr>
+                <a:solidFill>
+                  <a:srgbClr val="FFFFFF"/>
+                </a:solidFill>
+                <a:latin typeface="Gill Sans" charset="0"/>
+                <a:ea typeface="Heiti SC Light" charset="-122"/>
+                <a:sym typeface="Gill Sans" charset="0"/>
+              </a:defRPr>
+            </a:lvl5pPr>
+            <a:lvl6pPr marL="2514600" indent="-228600" algn="ctr" eaLnBrk="0" fontAlgn="base" hangingPunct="0">
+              <a:spcBef>
+                <a:spcPct val="0"/>
+              </a:spcBef>
+              <a:spcAft>
+                <a:spcPct val="0"/>
+              </a:spcAft>
+              <a:defRPr>
+                <a:solidFill>
+                  <a:srgbClr val="FFFFFF"/>
+                </a:solidFill>
+                <a:latin typeface="Gill Sans" charset="0"/>
+                <a:ea typeface="Heiti SC Light" charset="-122"/>
+                <a:sym typeface="Gill Sans" charset="0"/>
+              </a:defRPr>
+            </a:lvl6pPr>
+            <a:lvl7pPr marL="2971800" indent="-228600" algn="ctr" eaLnBrk="0" fontAlgn="base" hangingPunct="0">
+              <a:spcBef>
+                <a:spcPct val="0"/>
+              </a:spcBef>
+              <a:spcAft>
+                <a:spcPct val="0"/>
+              </a:spcAft>
+              <a:defRPr>
+                <a:solidFill>
+                  <a:srgbClr val="FFFFFF"/>
+                </a:solidFill>
+                <a:latin typeface="Gill Sans" charset="0"/>
+                <a:ea typeface="Heiti SC Light" charset="-122"/>
+                <a:sym typeface="Gill Sans" charset="0"/>
+              </a:defRPr>
+            </a:lvl7pPr>
+            <a:lvl8pPr marL="3429000" indent="-228600" algn="ctr" eaLnBrk="0" fontAlgn="base" hangingPunct="0">
+              <a:spcBef>
+                <a:spcPct val="0"/>
+              </a:spcBef>
+              <a:spcAft>
+                <a:spcPct val="0"/>
+              </a:spcAft>
+              <a:defRPr>
+                <a:solidFill>
+                  <a:srgbClr val="FFFFFF"/>
+                </a:solidFill>
+                <a:latin typeface="Gill Sans" charset="0"/>
+                <a:ea typeface="Heiti SC Light" charset="-122"/>
+                <a:sym typeface="Gill Sans" charset="0"/>
+              </a:defRPr>
+            </a:lvl8pPr>
+            <a:lvl9pPr marL="3886200" indent="-228600" algn="ctr" eaLnBrk="0" fontAlgn="base" hangingPunct="0">
+              <a:spcBef>
+                <a:spcPct val="0"/>
+              </a:spcBef>
+              <a:spcAft>
+                <a:spcPct val="0"/>
+              </a:spcAft>
+              <a:defRPr>
+                <a:solidFill>
+                  <a:srgbClr val="FFFFFF"/>
+                </a:solidFill>
+                <a:latin typeface="Gill Sans" charset="0"/>
+                <a:ea typeface="Heiti SC Light" charset="-122"/>
+                <a:sym typeface="Gill Sans" charset="0"/>
+              </a:defRPr>
+            </a:lvl9pPr>
+          </a:lstStyle>
+          <a:p>
+            <a:pPr eaLnBrk="1" hangingPunct="1"/>
+            <a:fld id="{BAD2D2A2-EC9F-4076-9D39-88EEE1811CEE}" type="slidenum">
+              <a:rPr lang="zh-CN" altLang="en-US" smtClean="0"/>
+              <a:pPr eaLnBrk="1" hangingPunct="1"/>
+              <a:t>42</a:t>
+            </a:fld>
+            <a:endParaRPr lang="zh-CN" altLang="en-US" smtClean="0"/>
+          </a:p>
+        </p:txBody>
+      </p:sp>
+    </p:spTree>
+  </p:cSld>
+  <p:clrMapOvr>
+    <a:masterClrMapping/>
+  </p:clrMapOvr>
+</p:notes>
+</file>
+
+<file path=ppt/notesSlides/notesSlide39.xml><?xml version="1.0" encoding="utf-8"?>
+<p:notes xmlns:a="http://schemas.openxmlformats.org/drawingml/2006/main" xmlns:r="http://schemas.openxmlformats.org/officeDocument/2006/relationships" xmlns:p="http://schemas.openxmlformats.org/presentationml/2006/main">
+  <p:cSld>
+    <p:spTree>
+      <p:nvGrpSpPr>
+        <p:cNvPr id="1" name=""/>
+        <p:cNvGrpSpPr/>
+        <p:nvPr/>
+      </p:nvGrpSpPr>
+      <p:grpSpPr>
+        <a:xfrm>
+          <a:off x="0" y="0"/>
+          <a:ext cx="0" cy="0"/>
+          <a:chOff x="0" y="0"/>
+          <a:chExt cx="0" cy="0"/>
+        </a:xfrm>
+      </p:grpSpPr>
+      <p:sp>
+        <p:nvSpPr>
+          <p:cNvPr id="15362" name="幻灯片图像占位符 1"/>
+          <p:cNvSpPr>
+            <a:spLocks noGrp="1" noRot="1" noChangeAspect="1" noTextEdit="1"/>
+          </p:cNvSpPr>
+          <p:nvPr>
+            <p:ph type="sldImg"/>
+          </p:nvPr>
+        </p:nvSpPr>
+        <p:spPr bwMode="auto">
+          <a:noFill/>
+          <a:ln>
+            <a:solidFill>
+              <a:srgbClr val="000000"/>
+            </a:solidFill>
+            <a:miter lim="800000"/>
+            <a:headEnd/>
+            <a:tailEnd/>
+          </a:ln>
+          <a:extLst>
+            <a:ext uri="{909E8E84-426E-40DD-AFC4-6F175D3DCCD1}">
+              <a14:hiddenFill xmlns:a14="http://schemas.microsoft.com/office/drawing/2010/main">
+                <a:solidFill>
+                  <a:srgbClr val="FFFFFF"/>
+                </a:solidFill>
+              </a14:hiddenFill>
+            </a:ext>
+          </a:extLst>
+        </p:spPr>
+      </p:sp>
+      <p:sp>
+        <p:nvSpPr>
+          <p:cNvPr id="15363" name="备注占位符 2"/>
+          <p:cNvSpPr>
+            <a:spLocks noGrp="1"/>
+          </p:cNvSpPr>
+          <p:nvPr>
+            <p:ph type="body" idx="1"/>
+          </p:nvPr>
+        </p:nvSpPr>
+        <p:spPr bwMode="auto">
+          <a:noFill/>
+          <a:extLst>
+            <a:ext uri="{909E8E84-426E-40DD-AFC4-6F175D3DCCD1}">
+              <a14:hiddenFill xmlns:a14="http://schemas.microsoft.com/office/drawing/2010/main">
+                <a:solidFill>
+                  <a:srgbClr val="FFFFFF"/>
+                </a:solidFill>
+              </a14:hiddenFill>
+            </a:ext>
+            <a:ext uri="{91240B29-F687-4F45-9708-019B960494DF}">
+              <a14:hiddenLine xmlns:a14="http://schemas.microsoft.com/office/drawing/2010/main" w="9525">
+                <a:solidFill>
+                  <a:srgbClr val="000000"/>
+                </a:solidFill>
+                <a:miter lim="800000"/>
+                <a:headEnd/>
+                <a:tailEnd/>
+              </a14:hiddenLine>
+            </a:ext>
+          </a:extLst>
+        </p:spPr>
+        <p:txBody>
+          <a:bodyPr wrap="square" numCol="1" anchor="t" anchorCtr="0" compatLnSpc="1">
+            <a:prstTxWarp prst="textNoShape">
+              <a:avLst/>
+            </a:prstTxWarp>
+          </a:bodyPr>
+          <a:lstStyle/>
+          <a:p>
+            <a:r>
+              <a:rPr lang="en-US" altLang="zh-CN" dirty="0" smtClean="0"/>
+              <a:t>1. </a:t>
+            </a:r>
+            <a:r>
+              <a:rPr lang="zh-CN" altLang="en-US" dirty="0" smtClean="0"/>
+              <a:t>用户登录</a:t>
+            </a:r>
+            <a:r>
+              <a:rPr lang="en-US" altLang="zh-CN" dirty="0" smtClean="0"/>
+              <a:t>OA</a:t>
+            </a:r>
+            <a:r>
+              <a:rPr lang="zh-CN" altLang="en-US" dirty="0" smtClean="0"/>
+              <a:t>系统后，</a:t>
+            </a:r>
+            <a:r>
+              <a:rPr lang="en-US" altLang="zh-CN" dirty="0" smtClean="0"/>
+              <a:t>Workflow Server</a:t>
+            </a:r>
+            <a:r>
+              <a:rPr lang="zh-CN" altLang="en-US" dirty="0" smtClean="0"/>
+              <a:t>根据</a:t>
+            </a:r>
+            <a:r>
+              <a:rPr lang="en-US" altLang="zh-CN" dirty="0" smtClean="0"/>
+              <a:t>OA</a:t>
+            </a:r>
+            <a:r>
+              <a:rPr lang="zh-CN" altLang="en-US" dirty="0" smtClean="0"/>
+              <a:t>系统中人员配置管理功能确认其身份，此用户同时得到了相应的权限；</a:t>
+            </a:r>
+            <a:endParaRPr lang="en-US" altLang="zh-CN" dirty="0" smtClean="0"/>
+          </a:p>
+          <a:p>
+            <a:r>
+              <a:rPr lang="en-US" altLang="zh-CN" dirty="0" smtClean="0"/>
+              <a:t>2. </a:t>
+            </a:r>
+            <a:r>
+              <a:rPr lang="zh-CN" altLang="en-US" dirty="0" smtClean="0"/>
+              <a:t>身份确认后，</a:t>
+            </a:r>
+            <a:r>
+              <a:rPr lang="en-US" altLang="zh-CN" dirty="0" smtClean="0"/>
+              <a:t>Workflow Server</a:t>
+            </a:r>
+            <a:r>
+              <a:rPr lang="zh-CN" altLang="en-US" dirty="0" smtClean="0"/>
+              <a:t>再根据此用户在其权限内申请的工作流程提供工作流表单，并在表单上显示用户对应的组织结构的层次度； </a:t>
+            </a:r>
+            <a:endParaRPr lang="en-US" altLang="zh-CN" dirty="0" smtClean="0"/>
+          </a:p>
+          <a:p>
+            <a:r>
+              <a:rPr lang="en-US" altLang="zh-CN" dirty="0" smtClean="0"/>
+              <a:t>3. </a:t>
+            </a:r>
+            <a:r>
+              <a:rPr lang="zh-CN" altLang="en-US" dirty="0" smtClean="0"/>
+              <a:t>用户在工作流表单上填写本流程执行需要的数据，这些数据可能是请假天数、请假原因等不涉及</a:t>
+            </a:r>
+            <a:r>
+              <a:rPr lang="en-US" altLang="zh-CN" dirty="0" smtClean="0"/>
+              <a:t>ERP</a:t>
+            </a:r>
+            <a:r>
+              <a:rPr lang="zh-CN" altLang="en-US" dirty="0" smtClean="0"/>
+              <a:t>系统的数据，也可能是访问</a:t>
+            </a:r>
+            <a:r>
+              <a:rPr lang="en-US" altLang="zh-CN" dirty="0" smtClean="0"/>
+              <a:t>ERP</a:t>
+            </a:r>
+            <a:r>
+              <a:rPr lang="zh-CN" altLang="en-US" dirty="0" smtClean="0"/>
+              <a:t>系统的参数。如果在流程执行时仅仅需要在</a:t>
+            </a:r>
+            <a:r>
+              <a:rPr lang="en-US" altLang="zh-CN" dirty="0" smtClean="0"/>
+              <a:t>ERP</a:t>
+            </a:r>
+            <a:r>
+              <a:rPr lang="zh-CN" altLang="en-US" dirty="0" smtClean="0"/>
+              <a:t>系统中执行查询，工作流表单的填写要在访问</a:t>
+            </a:r>
+            <a:r>
+              <a:rPr lang="en-US" altLang="zh-CN" dirty="0" smtClean="0"/>
+              <a:t>ERP</a:t>
+            </a:r>
+            <a:r>
+              <a:rPr lang="zh-CN" altLang="en-US" dirty="0" smtClean="0"/>
+              <a:t>系统后进行。</a:t>
+            </a:r>
+            <a:endParaRPr lang="en-US" altLang="zh-CN" dirty="0" smtClean="0"/>
+          </a:p>
+          <a:p>
+            <a:r>
+              <a:rPr lang="en-US" altLang="zh-CN" dirty="0" smtClean="0"/>
+              <a:t>4. </a:t>
+            </a:r>
+            <a:r>
+              <a:rPr lang="zh-CN" altLang="en-US" dirty="0" smtClean="0"/>
+              <a:t>当工作流程执行到</a:t>
+            </a:r>
+            <a:r>
+              <a:rPr lang="en-US" altLang="zh-CN" dirty="0" smtClean="0"/>
+              <a:t>ERP</a:t>
+            </a:r>
+            <a:r>
+              <a:rPr lang="zh-CN" altLang="en-US" dirty="0" smtClean="0"/>
+              <a:t>系统上的作业时，工作流系统自动引导用户进入</a:t>
+            </a:r>
+            <a:r>
+              <a:rPr lang="en-US" altLang="zh-CN" dirty="0" smtClean="0"/>
+              <a:t>ERP</a:t>
+            </a:r>
+            <a:r>
+              <a:rPr lang="zh-CN" altLang="en-US" dirty="0" smtClean="0"/>
+              <a:t>系统。通过</a:t>
+            </a:r>
+            <a:r>
+              <a:rPr lang="en-US" altLang="zh-CN" dirty="0" smtClean="0"/>
+              <a:t>OA</a:t>
+            </a:r>
+            <a:r>
+              <a:rPr lang="zh-CN" altLang="en-US" dirty="0" smtClean="0"/>
+              <a:t>系统本身的</a:t>
+            </a:r>
+            <a:r>
+              <a:rPr lang="en-US" altLang="zh-CN" dirty="0" smtClean="0"/>
+              <a:t>Script</a:t>
+            </a:r>
+            <a:r>
+              <a:rPr lang="zh-CN" altLang="en-US" dirty="0" smtClean="0"/>
+              <a:t>语言结合</a:t>
+            </a:r>
+            <a:r>
+              <a:rPr lang="en-US" altLang="zh-CN" dirty="0" smtClean="0"/>
+              <a:t>Terminal simulator script</a:t>
+            </a:r>
+            <a:r>
+              <a:rPr lang="zh-CN" altLang="en-US" dirty="0" smtClean="0"/>
+              <a:t>语言编写的访问</a:t>
+            </a:r>
+            <a:r>
+              <a:rPr lang="en-US" altLang="zh-CN" dirty="0" smtClean="0"/>
+              <a:t>ERP</a:t>
+            </a:r>
+            <a:r>
+              <a:rPr lang="zh-CN" altLang="en-US" dirty="0" smtClean="0"/>
+              <a:t>系统的任务项，根据执行的流程类型、顺序、工作流表单参数，用户可以直接进入</a:t>
+            </a:r>
+            <a:r>
+              <a:rPr lang="en-US" altLang="zh-CN" dirty="0" smtClean="0"/>
+              <a:t>ERP</a:t>
+            </a:r>
+            <a:r>
+              <a:rPr lang="zh-CN" altLang="en-US" dirty="0" smtClean="0"/>
+              <a:t>系统相应的功能模块。</a:t>
+            </a:r>
+            <a:endParaRPr lang="en-US" altLang="zh-CN" dirty="0" smtClean="0"/>
+          </a:p>
+          <a:p>
+            <a:r>
+              <a:rPr lang="en-US" altLang="zh-CN" dirty="0" smtClean="0"/>
+              <a:t>5. </a:t>
+            </a:r>
+            <a:r>
+              <a:rPr lang="zh-CN" altLang="en-US" dirty="0" smtClean="0"/>
+              <a:t>用户操作</a:t>
+            </a:r>
+            <a:r>
+              <a:rPr lang="en-US" altLang="zh-CN" dirty="0" smtClean="0"/>
+              <a:t>ERP</a:t>
+            </a:r>
+            <a:r>
+              <a:rPr lang="zh-CN" altLang="en-US" dirty="0" smtClean="0"/>
+              <a:t>系统。可以根据权限执行不同的操作。以采购申请为例，用户可以填写需要采购的物料编号、采购数量、价格范围、供应商等，存储后保存在</a:t>
+            </a:r>
+            <a:r>
+              <a:rPr lang="en-US" altLang="zh-CN" dirty="0" smtClean="0"/>
+              <a:t>ERP DB</a:t>
+            </a:r>
+            <a:r>
+              <a:rPr lang="zh-CN" altLang="en-US" dirty="0" smtClean="0"/>
+              <a:t>中；</a:t>
+            </a:r>
+            <a:endParaRPr lang="en-US" altLang="zh-CN" dirty="0" smtClean="0"/>
+          </a:p>
+          <a:p>
+            <a:r>
+              <a:rPr lang="en-US" altLang="zh-CN" dirty="0" smtClean="0"/>
+              <a:t>6. ERP DB</a:t>
+            </a:r>
+            <a:r>
+              <a:rPr lang="zh-CN" altLang="en-US" dirty="0" smtClean="0"/>
+              <a:t>保存后，通过</a:t>
+            </a:r>
+            <a:r>
+              <a:rPr lang="en-US" altLang="zh-CN" dirty="0" smtClean="0"/>
+              <a:t>ERP</a:t>
+            </a:r>
+            <a:r>
+              <a:rPr lang="zh-CN" altLang="en-US" dirty="0" smtClean="0"/>
+              <a:t>系统界面向用户提示保存成功；</a:t>
+            </a:r>
+            <a:endParaRPr lang="en-US" altLang="zh-CN" dirty="0" smtClean="0"/>
+          </a:p>
+          <a:p>
+            <a:r>
+              <a:rPr lang="en-US" altLang="zh-CN" dirty="0" smtClean="0"/>
+              <a:t>7. ERP</a:t>
+            </a:r>
+            <a:r>
+              <a:rPr lang="zh-CN" altLang="en-US" dirty="0" smtClean="0"/>
+              <a:t>系统将保存成功的单据编号和单据状态等信息传送到工作流系统。根据需要，用户可以把</a:t>
+            </a:r>
+            <a:r>
+              <a:rPr lang="en-US" altLang="zh-CN" dirty="0" smtClean="0"/>
+              <a:t>ERP</a:t>
+            </a:r>
+            <a:r>
+              <a:rPr lang="zh-CN" altLang="en-US" dirty="0" smtClean="0"/>
+              <a:t>系统生成的表单导出为</a:t>
+            </a:r>
+            <a:r>
+              <a:rPr lang="en-US" altLang="zh-CN" dirty="0" smtClean="0"/>
+              <a:t>Excel</a:t>
+            </a:r>
+            <a:r>
+              <a:rPr lang="zh-CN" altLang="en-US" dirty="0" smtClean="0"/>
+              <a:t>文件保存在本地；</a:t>
+            </a:r>
+            <a:endParaRPr lang="en-US" altLang="zh-CN" dirty="0" smtClean="0"/>
+          </a:p>
+          <a:p>
+            <a:r>
+              <a:rPr lang="en-US" altLang="zh-CN" dirty="0" smtClean="0"/>
+              <a:t>8. </a:t>
+            </a:r>
+            <a:r>
+              <a:rPr lang="zh-CN" altLang="en-US" dirty="0" smtClean="0"/>
+              <a:t>当工作流系统收到</a:t>
+            </a:r>
+            <a:r>
+              <a:rPr lang="en-US" altLang="zh-CN" dirty="0" smtClean="0"/>
+              <a:t>ERP</a:t>
+            </a:r>
+            <a:r>
+              <a:rPr lang="zh-CN" altLang="en-US" dirty="0" smtClean="0"/>
+              <a:t>系统传来的信息后，进行格式检查，确认无误后继续执行；</a:t>
+            </a:r>
+            <a:endParaRPr lang="en-US" altLang="zh-CN" dirty="0" smtClean="0"/>
+          </a:p>
+          <a:p>
+            <a:r>
+              <a:rPr lang="en-US" altLang="zh-CN" dirty="0" smtClean="0"/>
+              <a:t>9. </a:t>
+            </a:r>
+            <a:r>
+              <a:rPr lang="zh-CN" altLang="en-US" dirty="0" smtClean="0"/>
+              <a:t>用户在屏幕上审查工作流系统执行情况是否正确，确认无误后，将工作流表单传送到</a:t>
+            </a:r>
+            <a:r>
+              <a:rPr lang="en-US" altLang="zh-CN" dirty="0" smtClean="0"/>
+              <a:t>Workflow Server</a:t>
+            </a:r>
+            <a:r>
+              <a:rPr lang="zh-CN" altLang="en-US" dirty="0" smtClean="0"/>
+              <a:t>，保存在本地的</a:t>
+            </a:r>
+            <a:r>
+              <a:rPr lang="en-US" altLang="zh-CN" dirty="0" smtClean="0"/>
+              <a:t>Excel</a:t>
+            </a:r>
+            <a:r>
+              <a:rPr lang="zh-CN" altLang="en-US" dirty="0" smtClean="0"/>
+              <a:t>文件也可以作为附件提交；</a:t>
+            </a:r>
+            <a:endParaRPr lang="en-US" altLang="zh-CN" dirty="0" smtClean="0"/>
+          </a:p>
+          <a:p>
+            <a:r>
+              <a:rPr lang="en-US" altLang="zh-CN" dirty="0" smtClean="0"/>
+              <a:t>10. Workflow Server</a:t>
+            </a:r>
+            <a:r>
+              <a:rPr lang="zh-CN" altLang="en-US" dirty="0" smtClean="0"/>
+              <a:t>收到用户传来的工作流表单，并据此将工作流表单和附件传送到下一个执行者。</a:t>
+            </a:r>
+          </a:p>
+        </p:txBody>
+      </p:sp>
+      <p:sp>
+        <p:nvSpPr>
+          <p:cNvPr id="15364" name="灯片编号占位符 3"/>
+          <p:cNvSpPr>
+            <a:spLocks noGrp="1"/>
+          </p:cNvSpPr>
+          <p:nvPr>
+            <p:ph type="sldNum" sz="quarter" idx="5"/>
+          </p:nvPr>
+        </p:nvSpPr>
+        <p:spPr bwMode="auto">
+          <a:noFill/>
+          <a:extLst>
+            <a:ext uri="{909E8E84-426E-40DD-AFC4-6F175D3DCCD1}">
+              <a14:hiddenFill xmlns:a14="http://schemas.microsoft.com/office/drawing/2010/main">
+                <a:solidFill>
+                  <a:srgbClr val="FFFFFF"/>
+                </a:solidFill>
+              </a14:hiddenFill>
+            </a:ext>
+            <a:ext uri="{91240B29-F687-4F45-9708-019B960494DF}">
+              <a14:hiddenLine xmlns:a14="http://schemas.microsoft.com/office/drawing/2010/main" w="9525">
+                <a:solidFill>
+                  <a:srgbClr val="000000"/>
+                </a:solidFill>
+                <a:miter lim="800000"/>
+                <a:headEnd/>
+                <a:tailEnd/>
+              </a14:hiddenLine>
+            </a:ext>
+          </a:extLst>
+        </p:spPr>
+        <p:txBody>
+          <a:bodyPr wrap="square" numCol="1" anchorCtr="0" compatLnSpc="1">
+            <a:prstTxWarp prst="textNoShape">
+              <a:avLst/>
+            </a:prstTxWarp>
+          </a:bodyPr>
+          <a:lstStyle>
+            <a:lvl1pPr eaLnBrk="0" hangingPunct="0">
+              <a:defRPr>
+                <a:solidFill>
+                  <a:srgbClr val="FFFFFF"/>
+                </a:solidFill>
+                <a:latin typeface="Gill Sans" charset="0"/>
+                <a:ea typeface="Heiti SC Light" charset="-122"/>
+                <a:sym typeface="Gill Sans" charset="0"/>
+              </a:defRPr>
+            </a:lvl1pPr>
+            <a:lvl2pPr marL="742950" indent="-285750" eaLnBrk="0" hangingPunct="0">
+              <a:defRPr>
+                <a:solidFill>
+                  <a:srgbClr val="FFFFFF"/>
+                </a:solidFill>
+                <a:latin typeface="Gill Sans" charset="0"/>
+                <a:ea typeface="Heiti SC Light" charset="-122"/>
+                <a:sym typeface="Gill Sans" charset="0"/>
+              </a:defRPr>
+            </a:lvl2pPr>
+            <a:lvl3pPr marL="1143000" indent="-228600" eaLnBrk="0" hangingPunct="0">
+              <a:defRPr>
+                <a:solidFill>
+                  <a:srgbClr val="FFFFFF"/>
+                </a:solidFill>
+                <a:latin typeface="Gill Sans" charset="0"/>
+                <a:ea typeface="Heiti SC Light" charset="-122"/>
+                <a:sym typeface="Gill Sans" charset="0"/>
+              </a:defRPr>
+            </a:lvl3pPr>
+            <a:lvl4pPr marL="1600200" indent="-228600" eaLnBrk="0" hangingPunct="0">
+              <a:defRPr>
+                <a:solidFill>
+                  <a:srgbClr val="FFFFFF"/>
+                </a:solidFill>
+                <a:latin typeface="Gill Sans" charset="0"/>
+                <a:ea typeface="Heiti SC Light" charset="-122"/>
+                <a:sym typeface="Gill Sans" charset="0"/>
+              </a:defRPr>
+            </a:lvl4pPr>
+            <a:lvl5pPr marL="2057400" indent="-228600" eaLnBrk="0" hangingPunct="0">
+              <a:defRPr>
+                <a:solidFill>
+                  <a:srgbClr val="FFFFFF"/>
+                </a:solidFill>
+                <a:latin typeface="Gill Sans" charset="0"/>
+                <a:ea typeface="Heiti SC Light" charset="-122"/>
+                <a:sym typeface="Gill Sans" charset="0"/>
+              </a:defRPr>
+            </a:lvl5pPr>
+            <a:lvl6pPr marL="2514600" indent="-228600" algn="ctr" eaLnBrk="0" fontAlgn="base" hangingPunct="0">
+              <a:spcBef>
+                <a:spcPct val="0"/>
+              </a:spcBef>
+              <a:spcAft>
+                <a:spcPct val="0"/>
+              </a:spcAft>
+              <a:defRPr>
+                <a:solidFill>
+                  <a:srgbClr val="FFFFFF"/>
+                </a:solidFill>
+                <a:latin typeface="Gill Sans" charset="0"/>
+                <a:ea typeface="Heiti SC Light" charset="-122"/>
+                <a:sym typeface="Gill Sans" charset="0"/>
+              </a:defRPr>
+            </a:lvl6pPr>
+            <a:lvl7pPr marL="2971800" indent="-228600" algn="ctr" eaLnBrk="0" fontAlgn="base" hangingPunct="0">
+              <a:spcBef>
+                <a:spcPct val="0"/>
+              </a:spcBef>
+              <a:spcAft>
+                <a:spcPct val="0"/>
+              </a:spcAft>
+              <a:defRPr>
+                <a:solidFill>
+                  <a:srgbClr val="FFFFFF"/>
+                </a:solidFill>
+                <a:latin typeface="Gill Sans" charset="0"/>
+                <a:ea typeface="Heiti SC Light" charset="-122"/>
+                <a:sym typeface="Gill Sans" charset="0"/>
+              </a:defRPr>
+            </a:lvl7pPr>
+            <a:lvl8pPr marL="3429000" indent="-228600" algn="ctr" eaLnBrk="0" fontAlgn="base" hangingPunct="0">
+              <a:spcBef>
+                <a:spcPct val="0"/>
+              </a:spcBef>
+              <a:spcAft>
+                <a:spcPct val="0"/>
+              </a:spcAft>
+              <a:defRPr>
+                <a:solidFill>
+                  <a:srgbClr val="FFFFFF"/>
+                </a:solidFill>
+                <a:latin typeface="Gill Sans" charset="0"/>
+                <a:ea typeface="Heiti SC Light" charset="-122"/>
+                <a:sym typeface="Gill Sans" charset="0"/>
+              </a:defRPr>
+            </a:lvl8pPr>
+            <a:lvl9pPr marL="3886200" indent="-228600" algn="ctr" eaLnBrk="0" fontAlgn="base" hangingPunct="0">
+              <a:spcBef>
+                <a:spcPct val="0"/>
+              </a:spcBef>
+              <a:spcAft>
+                <a:spcPct val="0"/>
+              </a:spcAft>
+              <a:defRPr>
+                <a:solidFill>
+                  <a:srgbClr val="FFFFFF"/>
+                </a:solidFill>
+                <a:latin typeface="Gill Sans" charset="0"/>
+                <a:ea typeface="Heiti SC Light" charset="-122"/>
+                <a:sym typeface="Gill Sans" charset="0"/>
+              </a:defRPr>
+            </a:lvl9pPr>
+          </a:lstStyle>
+          <a:p>
+            <a:pPr eaLnBrk="1" hangingPunct="1"/>
+            <a:fld id="{BAD2D2A2-EC9F-4076-9D39-88EEE1811CEE}" type="slidenum">
+              <a:rPr lang="zh-CN" altLang="en-US" smtClean="0"/>
+              <a:pPr eaLnBrk="1" hangingPunct="1"/>
+              <a:t>43</a:t>
             </a:fld>
             <a:endParaRPr lang="zh-CN" altLang="en-US" smtClean="0"/>
           </a:p>
@@ -8737,6 +10063,276 @@
               <a:rPr lang="zh-CN" altLang="en-US" smtClean="0"/>
               <a:pPr eaLnBrk="1" hangingPunct="1"/>
               <a:t>5</a:t>
+            </a:fld>
+            <a:endParaRPr lang="zh-CN" altLang="en-US" smtClean="0"/>
+          </a:p>
+        </p:txBody>
+      </p:sp>
+    </p:spTree>
+  </p:cSld>
+  <p:clrMapOvr>
+    <a:masterClrMapping/>
+  </p:clrMapOvr>
+</p:notes>
+</file>
+
+<file path=ppt/notesSlides/notesSlide40.xml><?xml version="1.0" encoding="utf-8"?>
+<p:notes xmlns:a="http://schemas.openxmlformats.org/drawingml/2006/main" xmlns:r="http://schemas.openxmlformats.org/officeDocument/2006/relationships" xmlns:p="http://schemas.openxmlformats.org/presentationml/2006/main">
+  <p:cSld>
+    <p:spTree>
+      <p:nvGrpSpPr>
+        <p:cNvPr id="1" name=""/>
+        <p:cNvGrpSpPr/>
+        <p:nvPr/>
+      </p:nvGrpSpPr>
+      <p:grpSpPr>
+        <a:xfrm>
+          <a:off x="0" y="0"/>
+          <a:ext cx="0" cy="0"/>
+          <a:chOff x="0" y="0"/>
+          <a:chExt cx="0" cy="0"/>
+        </a:xfrm>
+      </p:grpSpPr>
+      <p:sp>
+        <p:nvSpPr>
+          <p:cNvPr id="14338" name="幻灯片图像占位符 1"/>
+          <p:cNvSpPr>
+            <a:spLocks noGrp="1" noRot="1" noChangeAspect="1" noTextEdit="1"/>
+          </p:cNvSpPr>
+          <p:nvPr>
+            <p:ph type="sldImg"/>
+          </p:nvPr>
+        </p:nvSpPr>
+        <p:spPr bwMode="auto">
+          <a:noFill/>
+          <a:ln>
+            <a:solidFill>
+              <a:srgbClr val="000000"/>
+            </a:solidFill>
+            <a:miter lim="800000"/>
+            <a:headEnd/>
+            <a:tailEnd/>
+          </a:ln>
+          <a:extLst>
+            <a:ext uri="{909E8E84-426E-40DD-AFC4-6F175D3DCCD1}">
+              <a14:hiddenFill xmlns:a14="http://schemas.microsoft.com/office/drawing/2010/main">
+                <a:solidFill>
+                  <a:srgbClr val="FFFFFF"/>
+                </a:solidFill>
+              </a14:hiddenFill>
+            </a:ext>
+          </a:extLst>
+        </p:spPr>
+      </p:sp>
+      <p:sp>
+        <p:nvSpPr>
+          <p:cNvPr id="14339" name="备注占位符 2"/>
+          <p:cNvSpPr>
+            <a:spLocks noGrp="1"/>
+          </p:cNvSpPr>
+          <p:nvPr>
+            <p:ph type="body" idx="1"/>
+          </p:nvPr>
+        </p:nvSpPr>
+        <p:spPr bwMode="auto">
+          <a:noFill/>
+          <a:extLst>
+            <a:ext uri="{909E8E84-426E-40DD-AFC4-6F175D3DCCD1}">
+              <a14:hiddenFill xmlns:a14="http://schemas.microsoft.com/office/drawing/2010/main">
+                <a:solidFill>
+                  <a:srgbClr val="FFFFFF"/>
+                </a:solidFill>
+              </a14:hiddenFill>
+            </a:ext>
+            <a:ext uri="{91240B29-F687-4F45-9708-019B960494DF}">
+              <a14:hiddenLine xmlns:a14="http://schemas.microsoft.com/office/drawing/2010/main" w="9525">
+                <a:solidFill>
+                  <a:srgbClr val="000000"/>
+                </a:solidFill>
+                <a:miter lim="800000"/>
+                <a:headEnd/>
+                <a:tailEnd/>
+              </a14:hiddenLine>
+            </a:ext>
+          </a:extLst>
+        </p:spPr>
+        <p:txBody>
+          <a:bodyPr wrap="square" numCol="1" anchor="t" anchorCtr="0" compatLnSpc="1">
+            <a:prstTxWarp prst="textNoShape">
+              <a:avLst/>
+            </a:prstTxWarp>
+          </a:bodyPr>
+          <a:lstStyle/>
+          <a:p>
+            <a:pPr eaLnBrk="1" hangingPunct="1">
+              <a:spcBef>
+                <a:spcPct val="0"/>
+              </a:spcBef>
+            </a:pPr>
+            <a:endParaRPr lang="zh-CN" altLang="en-US" dirty="0" smtClean="0"/>
+          </a:p>
+        </p:txBody>
+      </p:sp>
+      <p:sp>
+        <p:nvSpPr>
+          <p:cNvPr id="14340" name="灯片编号占位符 3"/>
+          <p:cNvSpPr>
+            <a:spLocks noGrp="1"/>
+          </p:cNvSpPr>
+          <p:nvPr>
+            <p:ph type="sldNum" sz="quarter" idx="5"/>
+          </p:nvPr>
+        </p:nvSpPr>
+        <p:spPr bwMode="auto">
+          <a:noFill/>
+          <a:extLst>
+            <a:ext uri="{909E8E84-426E-40DD-AFC4-6F175D3DCCD1}">
+              <a14:hiddenFill xmlns:a14="http://schemas.microsoft.com/office/drawing/2010/main">
+                <a:solidFill>
+                  <a:srgbClr val="FFFFFF"/>
+                </a:solidFill>
+              </a14:hiddenFill>
+            </a:ext>
+            <a:ext uri="{91240B29-F687-4F45-9708-019B960494DF}">
+              <a14:hiddenLine xmlns:a14="http://schemas.microsoft.com/office/drawing/2010/main" w="9525">
+                <a:solidFill>
+                  <a:srgbClr val="000000"/>
+                </a:solidFill>
+                <a:miter lim="800000"/>
+                <a:headEnd/>
+                <a:tailEnd/>
+              </a14:hiddenLine>
+            </a:ext>
+          </a:extLst>
+        </p:spPr>
+        <p:txBody>
+          <a:bodyPr wrap="square" numCol="1" anchorCtr="0" compatLnSpc="1">
+            <a:prstTxWarp prst="textNoShape">
+              <a:avLst/>
+            </a:prstTxWarp>
+          </a:bodyPr>
+          <a:lstStyle>
+            <a:lvl1pPr eaLnBrk="0" hangingPunct="0">
+              <a:defRPr>
+                <a:solidFill>
+                  <a:srgbClr val="FFFFFF"/>
+                </a:solidFill>
+                <a:latin typeface="Gill Sans" charset="0"/>
+                <a:ea typeface="Heiti SC Light" charset="-122"/>
+                <a:sym typeface="Gill Sans" charset="0"/>
+              </a:defRPr>
+            </a:lvl1pPr>
+            <a:lvl2pPr marL="742950" indent="-285750" eaLnBrk="0" hangingPunct="0">
+              <a:defRPr>
+                <a:solidFill>
+                  <a:srgbClr val="FFFFFF"/>
+                </a:solidFill>
+                <a:latin typeface="Gill Sans" charset="0"/>
+                <a:ea typeface="Heiti SC Light" charset="-122"/>
+                <a:sym typeface="Gill Sans" charset="0"/>
+              </a:defRPr>
+            </a:lvl2pPr>
+            <a:lvl3pPr marL="1143000" indent="-228600" eaLnBrk="0" hangingPunct="0">
+              <a:defRPr>
+                <a:solidFill>
+                  <a:srgbClr val="FFFFFF"/>
+                </a:solidFill>
+                <a:latin typeface="Gill Sans" charset="0"/>
+                <a:ea typeface="Heiti SC Light" charset="-122"/>
+                <a:sym typeface="Gill Sans" charset="0"/>
+              </a:defRPr>
+            </a:lvl3pPr>
+            <a:lvl4pPr marL="1600200" indent="-228600" eaLnBrk="0" hangingPunct="0">
+              <a:defRPr>
+                <a:solidFill>
+                  <a:srgbClr val="FFFFFF"/>
+                </a:solidFill>
+                <a:latin typeface="Gill Sans" charset="0"/>
+                <a:ea typeface="Heiti SC Light" charset="-122"/>
+                <a:sym typeface="Gill Sans" charset="0"/>
+              </a:defRPr>
+            </a:lvl4pPr>
+            <a:lvl5pPr marL="2057400" indent="-228600" eaLnBrk="0" hangingPunct="0">
+              <a:defRPr>
+                <a:solidFill>
+                  <a:srgbClr val="FFFFFF"/>
+                </a:solidFill>
+                <a:latin typeface="Gill Sans" charset="0"/>
+                <a:ea typeface="Heiti SC Light" charset="-122"/>
+                <a:sym typeface="Gill Sans" charset="0"/>
+              </a:defRPr>
+            </a:lvl5pPr>
+            <a:lvl6pPr marL="2514600" indent="-228600" algn="ctr" eaLnBrk="0" fontAlgn="base" hangingPunct="0">
+              <a:spcBef>
+                <a:spcPct val="0"/>
+              </a:spcBef>
+              <a:spcAft>
+                <a:spcPct val="0"/>
+              </a:spcAft>
+              <a:defRPr>
+                <a:solidFill>
+                  <a:srgbClr val="FFFFFF"/>
+                </a:solidFill>
+                <a:latin typeface="Gill Sans" charset="0"/>
+                <a:ea typeface="Heiti SC Light" charset="-122"/>
+                <a:sym typeface="Gill Sans" charset="0"/>
+              </a:defRPr>
+            </a:lvl6pPr>
+            <a:lvl7pPr marL="2971800" indent="-228600" algn="ctr" eaLnBrk="0" fontAlgn="base" hangingPunct="0">
+              <a:spcBef>
+                <a:spcPct val="0"/>
+              </a:spcBef>
+              <a:spcAft>
+                <a:spcPct val="0"/>
+              </a:spcAft>
+              <a:defRPr>
+                <a:solidFill>
+                  <a:srgbClr val="FFFFFF"/>
+                </a:solidFill>
+                <a:latin typeface="Gill Sans" charset="0"/>
+                <a:ea typeface="Heiti SC Light" charset="-122"/>
+                <a:sym typeface="Gill Sans" charset="0"/>
+              </a:defRPr>
+            </a:lvl7pPr>
+            <a:lvl8pPr marL="3429000" indent="-228600" algn="ctr" eaLnBrk="0" fontAlgn="base" hangingPunct="0">
+              <a:spcBef>
+                <a:spcPct val="0"/>
+              </a:spcBef>
+              <a:spcAft>
+                <a:spcPct val="0"/>
+              </a:spcAft>
+              <a:defRPr>
+                <a:solidFill>
+                  <a:srgbClr val="FFFFFF"/>
+                </a:solidFill>
+                <a:latin typeface="Gill Sans" charset="0"/>
+                <a:ea typeface="Heiti SC Light" charset="-122"/>
+                <a:sym typeface="Gill Sans" charset="0"/>
+              </a:defRPr>
+            </a:lvl8pPr>
+            <a:lvl9pPr marL="3886200" indent="-228600" algn="ctr" eaLnBrk="0" fontAlgn="base" hangingPunct="0">
+              <a:spcBef>
+                <a:spcPct val="0"/>
+              </a:spcBef>
+              <a:spcAft>
+                <a:spcPct val="0"/>
+              </a:spcAft>
+              <a:defRPr>
+                <a:solidFill>
+                  <a:srgbClr val="FFFFFF"/>
+                </a:solidFill>
+                <a:latin typeface="Gill Sans" charset="0"/>
+                <a:ea typeface="Heiti SC Light" charset="-122"/>
+                <a:sym typeface="Gill Sans" charset="0"/>
+              </a:defRPr>
+            </a:lvl9pPr>
+          </a:lstStyle>
+          <a:p>
+            <a:pPr eaLnBrk="1" hangingPunct="1"/>
+            <a:fld id="{F68AA471-19D4-44DF-96E2-24798A5FA37E}" type="slidenum">
+              <a:rPr lang="zh-CN" altLang="en-US" smtClean="0"/>
+              <a:pPr eaLnBrk="1" hangingPunct="1"/>
+              <a:t>44</a:t>
             </a:fld>
             <a:endParaRPr lang="zh-CN" altLang="en-US" smtClean="0"/>
           </a:p>
@@ -9811,6 +11407,36 @@
             <a:r>
               <a:rPr lang="zh-CN" altLang="en-US" dirty="0" smtClean="0"/>
               <a:t>“发生订单，然后催办”。易产生库存积压。</a:t>
+            </a:r>
+            <a:endParaRPr lang="en-US" altLang="zh-CN" dirty="0" smtClean="0"/>
+          </a:p>
+          <a:p>
+            <a:r>
+              <a:rPr lang="zh-CN" altLang="en-US" dirty="0" smtClean="0"/>
+              <a:t>向物料供应方补充材料需要时间</a:t>
+            </a:r>
+            <a:r>
+              <a:rPr lang="en-US" altLang="zh-CN" dirty="0" smtClean="0"/>
+              <a:t>T</a:t>
+            </a:r>
+            <a:r>
+              <a:rPr lang="zh-CN" altLang="en-US" dirty="0" smtClean="0"/>
+              <a:t>（定货提前期）。依据当前物料消耗速度，推测未来物料降低到安全库存量的时间，反推时间</a:t>
+            </a:r>
+            <a:r>
+              <a:rPr lang="en-US" altLang="zh-CN" dirty="0" smtClean="0"/>
+              <a:t>T,</a:t>
+            </a:r>
+            <a:r>
+              <a:rPr lang="zh-CN" altLang="en-US" dirty="0" smtClean="0"/>
+              <a:t>得到订货点。</a:t>
+            </a:r>
+            <a:endParaRPr lang="en-US" altLang="zh-CN" dirty="0" smtClean="0"/>
+          </a:p>
+          <a:p>
+            <a:r>
+              <a:rPr lang="zh-CN" altLang="en-US" smtClean="0"/>
+              <a:t>当物料低于订货点时，进行物料补充。</a:t>
             </a:r>
             <a:endParaRPr lang="zh-CN" altLang="en-US" dirty="0"/>
           </a:p>
@@ -14370,7 +15996,7 @@
               <a:pPr>
                 <a:defRPr/>
               </a:pPr>
-              <a:t>2013/10/5</a:t>
+              <a:t>2013/10/6</a:t>
             </a:fld>
             <a:endParaRPr lang="zh-CN" altLang="en-US"/>
           </a:p>
@@ -14567,7 +16193,7 @@
               <a:pPr>
                 <a:defRPr/>
               </a:pPr>
-              <a:t>2013/10/5</a:t>
+              <a:t>2013/10/6</a:t>
             </a:fld>
             <a:endParaRPr lang="zh-CN" altLang="en-US"/>
           </a:p>
@@ -14840,7 +16466,7 @@
               <a:pPr>
                 <a:defRPr/>
               </a:pPr>
-              <a:t>2013/10/5</a:t>
+              <a:t>2013/10/6</a:t>
             </a:fld>
             <a:endParaRPr lang="zh-CN" altLang="en-US"/>
           </a:p>
@@ -15155,7 +16781,7 @@
               <a:pPr>
                 <a:defRPr/>
               </a:pPr>
-              <a:t>2013/10/5</a:t>
+              <a:t>2013/10/6</a:t>
             </a:fld>
             <a:endParaRPr lang="zh-CN" altLang="en-US"/>
           </a:p>
@@ -15604,7 +17230,7 @@
               <a:pPr>
                 <a:defRPr/>
               </a:pPr>
-              <a:t>2013/10/5</a:t>
+              <a:t>2013/10/6</a:t>
             </a:fld>
             <a:endParaRPr lang="zh-CN" altLang="en-US"/>
           </a:p>
@@ -15749,7 +17375,7 @@
               <a:pPr>
                 <a:defRPr/>
               </a:pPr>
-              <a:t>2013/10/5</a:t>
+              <a:t>2013/10/6</a:t>
             </a:fld>
             <a:endParaRPr lang="zh-CN" altLang="en-US"/>
           </a:p>
@@ -16109,7 +17735,7 @@
               <a:pPr>
                 <a:defRPr/>
               </a:pPr>
-              <a:t>2013/10/5</a:t>
+              <a:t>2013/10/6</a:t>
             </a:fld>
             <a:endParaRPr lang="zh-CN" altLang="en-US"/>
           </a:p>
@@ -16413,7 +18039,7 @@
               <a:pPr>
                 <a:defRPr/>
               </a:pPr>
-              <a:t>2013/10/5</a:t>
+              <a:t>2013/10/6</a:t>
             </a:fld>
             <a:endParaRPr lang="zh-CN" altLang="en-US"/>
           </a:p>
@@ -16696,7 +18322,7 @@
               <a:pPr>
                 <a:defRPr/>
               </a:pPr>
-              <a:t>2013/10/5</a:t>
+              <a:t>2013/10/6</a:t>
             </a:fld>
             <a:endParaRPr lang="zh-CN" altLang="en-US"/>
           </a:p>
@@ -16893,7 +18519,7 @@
               <a:pPr>
                 <a:defRPr/>
               </a:pPr>
-              <a:t>2013/10/5</a:t>
+              <a:t>2013/10/6</a:t>
             </a:fld>
             <a:endParaRPr lang="zh-CN" altLang="en-US"/>
           </a:p>
@@ -17100,7 +18726,7 @@
               <a:pPr>
                 <a:defRPr/>
               </a:pPr>
-              <a:t>2013/10/5</a:t>
+              <a:t>2013/10/6</a:t>
             </a:fld>
             <a:endParaRPr lang="zh-CN" altLang="en-US"/>
           </a:p>
@@ -17375,7 +19001,7 @@
               <a:pPr>
                 <a:defRPr/>
               </a:pPr>
-              <a:t>2013/10/5</a:t>
+              <a:t>2013/10/6</a:t>
             </a:fld>
             <a:endParaRPr lang="zh-CN" altLang="en-US">
               <a:solidFill>
@@ -17602,7 +19228,7 @@
               <a:pPr>
                 <a:defRPr/>
               </a:pPr>
-              <a:t>2013/10/5</a:t>
+              <a:t>2013/10/6</a:t>
             </a:fld>
             <a:endParaRPr lang="zh-CN" altLang="en-US">
               <a:solidFill>
@@ -17905,7 +19531,7 @@
               <a:pPr>
                 <a:defRPr/>
               </a:pPr>
-              <a:t>2013/10/5</a:t>
+              <a:t>2013/10/6</a:t>
             </a:fld>
             <a:endParaRPr lang="zh-CN" altLang="en-US">
               <a:solidFill>
@@ -18250,7 +19876,7 @@
               <a:pPr>
                 <a:defRPr/>
               </a:pPr>
-              <a:t>2013/10/5</a:t>
+              <a:t>2013/10/6</a:t>
             </a:fld>
             <a:endParaRPr lang="zh-CN" altLang="en-US">
               <a:solidFill>
@@ -18729,7 +20355,7 @@
               <a:pPr>
                 <a:defRPr/>
               </a:pPr>
-              <a:t>2013/10/5</a:t>
+              <a:t>2013/10/6</a:t>
             </a:fld>
             <a:endParaRPr lang="zh-CN" altLang="en-US">
               <a:solidFill>
@@ -19282,7 +20908,7 @@
               <a:pPr>
                 <a:defRPr/>
               </a:pPr>
-              <a:t>2013/10/5</a:t>
+              <a:t>2013/10/6</a:t>
             </a:fld>
             <a:endParaRPr lang="zh-CN" altLang="en-US">
               <a:solidFill>
@@ -19434,7 +21060,7 @@
               <a:pPr>
                 <a:defRPr/>
               </a:pPr>
-              <a:t>2013/10/5</a:t>
+              <a:t>2013/10/6</a:t>
             </a:fld>
             <a:endParaRPr lang="zh-CN" altLang="en-US">
               <a:solidFill>
@@ -19768,7 +21394,7 @@
               <a:pPr>
                 <a:defRPr/>
               </a:pPr>
-              <a:t>2013/10/5</a:t>
+              <a:t>2013/10/6</a:t>
             </a:fld>
             <a:endParaRPr lang="zh-CN" altLang="en-US">
               <a:solidFill>
@@ -20081,7 +21707,7 @@
               <a:pPr>
                 <a:defRPr/>
               </a:pPr>
-              <a:t>2013/10/5</a:t>
+              <a:t>2013/10/6</a:t>
             </a:fld>
             <a:endParaRPr lang="zh-CN" altLang="en-US">
               <a:solidFill>
@@ -20308,7 +21934,7 @@
               <a:pPr>
                 <a:defRPr/>
               </a:pPr>
-              <a:t>2013/10/5</a:t>
+              <a:t>2013/10/6</a:t>
             </a:fld>
             <a:endParaRPr lang="zh-CN" altLang="en-US">
               <a:solidFill>
@@ -20545,7 +22171,7 @@
               <a:pPr>
                 <a:defRPr/>
               </a:pPr>
-              <a:t>2013/10/5</a:t>
+              <a:t>2013/10/6</a:t>
             </a:fld>
             <a:endParaRPr lang="zh-CN" altLang="en-US">
               <a:solidFill>
@@ -24585,7 +26211,7 @@
               <a:pPr>
                 <a:defRPr/>
               </a:pPr>
-              <a:t>2013/10/5</a:t>
+              <a:t>2013/10/6</a:t>
             </a:fld>
             <a:endParaRPr lang="zh-CN" altLang="en-US"/>
           </a:p>
@@ -25289,7 +26915,7 @@
               <a:pPr>
                 <a:defRPr/>
               </a:pPr>
-              <a:t>2013/10/5</a:t>
+              <a:t>2013/10/6</a:t>
             </a:fld>
             <a:endParaRPr lang="zh-CN" altLang="en-US">
               <a:solidFill>
@@ -26746,45 +28372,42 @@
               <a:defRPr/>
             </a:pPr>
             <a:r>
-              <a:rPr lang="en-US" altLang="zh-CN" dirty="0">
+              <a:rPr lang="en-US" altLang="zh-CN" dirty="0" smtClean="0">
                 <a:solidFill>
                   <a:schemeClr val="bg1"/>
                 </a:solidFill>
                 <a:latin typeface="微软雅黑" pitchFamily="34" charset="-122"/>
                 <a:ea typeface="微软雅黑" pitchFamily="34" charset="-122"/>
               </a:rPr>
-              <a:t>ERP</a:t>
-            </a:r>
-            <a:r>
-              <a:rPr lang="zh-CN" altLang="en-US" dirty="0">
+              <a:t>ERP-II </a:t>
+            </a:r>
+            <a:r>
+              <a:rPr lang="en-US" altLang="zh-CN" dirty="0">
                 <a:solidFill>
                   <a:schemeClr val="bg1"/>
                 </a:solidFill>
                 <a:latin typeface="微软雅黑" pitchFamily="34" charset="-122"/>
                 <a:ea typeface="微软雅黑" pitchFamily="34" charset="-122"/>
               </a:rPr>
-              <a:t>（本课学习目标），</a:t>
-            </a:r>
-            <a:r>
-              <a:rPr lang="en-US" altLang="zh-CN" dirty="0">
+              <a:t>/ e-ERP </a:t>
+            </a:r>
+            <a:r>
+              <a:rPr lang="zh-CN" altLang="en-US" dirty="0" smtClean="0">
                 <a:solidFill>
                   <a:schemeClr val="bg1"/>
                 </a:solidFill>
                 <a:latin typeface="微软雅黑" pitchFamily="34" charset="-122"/>
                 <a:ea typeface="微软雅黑" pitchFamily="34" charset="-122"/>
               </a:rPr>
-              <a:t>ERP-II / e-ERP </a:t>
-            </a:r>
-            <a:r>
-              <a:rPr lang="zh-CN" altLang="en-US" dirty="0">
-                <a:solidFill>
-                  <a:schemeClr val="bg1"/>
-                </a:solidFill>
-                <a:latin typeface="微软雅黑" pitchFamily="34" charset="-122"/>
-                <a:ea typeface="微软雅黑" pitchFamily="34" charset="-122"/>
-              </a:rPr>
-              <a:t>（基本不涉及）</a:t>
-            </a:r>
+              <a:t>（当今）</a:t>
+            </a:r>
+            <a:endParaRPr lang="zh-CN" altLang="en-US" dirty="0">
+              <a:solidFill>
+                <a:schemeClr val="bg1"/>
+              </a:solidFill>
+              <a:latin typeface="微软雅黑" pitchFamily="34" charset="-122"/>
+              <a:ea typeface="微软雅黑" pitchFamily="34" charset="-122"/>
+            </a:endParaRPr>
           </a:p>
           <a:p>
             <a:pPr>
@@ -26993,7 +28616,21 @@
                 <a:latin typeface="微软雅黑" pitchFamily="34" charset="-122"/>
                 <a:ea typeface="微软雅黑" pitchFamily="34" charset="-122"/>
               </a:rPr>
-              <a:t>前世今生－定货点法</a:t>
+              <a:t>前世今生</a:t>
+            </a:r>
+            <a:r>
+              <a:rPr lang="zh-CN" altLang="en-US" sz="2500" b="1" dirty="0" smtClean="0">
+                <a:latin typeface="微软雅黑" pitchFamily="34" charset="-122"/>
+                <a:ea typeface="微软雅黑" pitchFamily="34" charset="-122"/>
+              </a:rPr>
+              <a:t>－订货</a:t>
+            </a:r>
+            <a:r>
+              <a:rPr lang="zh-CN" altLang="en-US" sz="2500" b="1" dirty="0" smtClean="0">
+                <a:latin typeface="微软雅黑" pitchFamily="34" charset="-122"/>
+                <a:ea typeface="微软雅黑" pitchFamily="34" charset="-122"/>
+              </a:rPr>
+              <a:t>点法</a:t>
             </a:r>
           </a:p>
         </p:txBody>
@@ -27022,7 +28659,7 @@
               <a:defRPr/>
             </a:pPr>
             <a:r>
-              <a:rPr lang="zh-CN" altLang="en-US" dirty="0">
+              <a:rPr lang="zh-CN" altLang="en-US" dirty="0" smtClean="0">
                 <a:solidFill>
                   <a:schemeClr val="bg1"/>
                 </a:solidFill>
@@ -27039,7 +28676,7 @@
                 <a:latin typeface="微软雅黑" pitchFamily="34" charset="-122"/>
                 <a:ea typeface="微软雅黑" pitchFamily="34" charset="-122"/>
               </a:rPr>
-              <a:t>定货</a:t>
+              <a:t>订</a:t>
             </a:r>
             <a:r>
               <a:rPr lang="zh-CN" altLang="en-US" sz="2000" b="1" dirty="0" smtClean="0">
@@ -27049,7 +28686,7 @@
                 <a:latin typeface="微软雅黑" pitchFamily="34" charset="-122"/>
                 <a:ea typeface="微软雅黑" pitchFamily="34" charset="-122"/>
               </a:rPr>
-              <a:t>点</a:t>
+              <a:t>货点</a:t>
             </a:r>
             <a:r>
               <a:rPr lang="zh-CN" altLang="en-US" dirty="0" smtClean="0">
@@ -29496,85 +31133,6 @@
       </p:sp>
       <p:sp>
         <p:nvSpPr>
-          <p:cNvPr id="5124" name="矩形 4"/>
-          <p:cNvSpPr>
-            <a:spLocks noChangeArrowheads="1"/>
-          </p:cNvSpPr>
-          <p:nvPr/>
-        </p:nvSpPr>
-        <p:spPr bwMode="auto">
-          <a:xfrm>
-            <a:off x="967656" y="4264223"/>
-            <a:ext cx="7301581" cy="307777"/>
-          </a:xfrm>
-          <a:prstGeom prst="rect">
-            <a:avLst/>
-          </a:prstGeom>
-          <a:noFill/>
-          <a:ln>
-            <a:noFill/>
-          </a:ln>
-          <a:extLst>
-            <a:ext uri="{909E8E84-426E-40DD-AFC4-6F175D3DCCD1}">
-              <a14:hiddenFill xmlns:a14="http://schemas.microsoft.com/office/drawing/2010/main">
-                <a:solidFill>
-                  <a:srgbClr val="FFFFFF"/>
-                </a:solidFill>
-              </a14:hiddenFill>
-            </a:ext>
-            <a:ext uri="{91240B29-F687-4F45-9708-019B960494DF}">
-              <a14:hiddenLine xmlns:a14="http://schemas.microsoft.com/office/drawing/2010/main" w="9525">
-                <a:solidFill>
-                  <a:srgbClr val="000000"/>
-                </a:solidFill>
-                <a:miter lim="800000"/>
-                <a:headEnd/>
-                <a:tailEnd/>
-              </a14:hiddenLine>
-            </a:ext>
-          </a:extLst>
-        </p:spPr>
-        <p:txBody>
-          <a:bodyPr wrap="square">
-            <a:spAutoFit/>
-          </a:bodyPr>
-          <a:lstStyle/>
-          <a:p>
-            <a:r>
-              <a:rPr lang="zh-CN" altLang="en-US" sz="1400" dirty="0">
-                <a:solidFill>
-                  <a:schemeClr val="bg1"/>
-                </a:solidFill>
-                <a:latin typeface="宋体" pitchFamily="2" charset="-122"/>
-                <a:ea typeface="宋体" pitchFamily="2" charset="-122"/>
-              </a:rPr>
-              <a:t>今时今日终会过去，追念往昔，何不想想来日再看今日，又会是何种心境。</a:t>
-            </a:r>
-            <a:r>
-              <a:rPr lang="en-US" altLang="zh-CN" sz="1400" dirty="0">
-                <a:solidFill>
-                  <a:schemeClr val="bg1"/>
-                </a:solidFill>
-                <a:latin typeface="宋体" pitchFamily="2" charset="-122"/>
-                <a:ea typeface="宋体" pitchFamily="2" charset="-122"/>
-              </a:rPr>
-              <a:t>—</a:t>
-            </a:r>
-            <a:r>
-              <a:rPr lang="zh-CN" altLang="en-US" sz="1400" dirty="0">
-                <a:solidFill>
-                  <a:schemeClr val="bg1"/>
-                </a:solidFill>
-                <a:latin typeface="宋体" pitchFamily="2" charset="-122"/>
-                <a:ea typeface="宋体" pitchFamily="2" charset="-122"/>
-              </a:rPr>
-              <a:t>某游戏对白</a:t>
-            </a:r>
-          </a:p>
-        </p:txBody>
-      </p:sp>
-      <p:sp>
-        <p:nvSpPr>
           <p:cNvPr id="5" name="内容占位符 2"/>
           <p:cNvSpPr>
             <a:spLocks noGrp="1"/>
@@ -29641,21 +31199,35 @@
                 <a:latin typeface="微软雅黑" pitchFamily="34" charset="-122"/>
                 <a:ea typeface="微软雅黑" pitchFamily="34" charset="-122"/>
               </a:rPr>
-              <a:t>名字，就如同各位与在下一起在本课中回顾的</a:t>
-            </a:r>
-            <a:r>
-              <a:rPr lang="en-US" altLang="zh-CN" dirty="0" smtClean="0">
+              <a:t>名字，就如同各位与在下一起在本课中回顾</a:t>
+            </a:r>
+            <a:r>
+              <a:rPr lang="zh-CN" altLang="en-US" dirty="0" smtClean="0">
                 <a:solidFill>
                   <a:schemeClr val="bg1"/>
                 </a:solidFill>
                 <a:latin typeface="微软雅黑" pitchFamily="34" charset="-122"/>
                 <a:ea typeface="微软雅黑" pitchFamily="34" charset="-122"/>
               </a:rPr>
-              <a:t>ERP</a:t>
+              <a:t>的</a:t>
+            </a:r>
+            <a:r>
+              <a:rPr lang="zh-CN" altLang="en-US" dirty="0" smtClean="0">
+                <a:solidFill>
+                  <a:schemeClr val="bg1"/>
+                </a:solidFill>
+                <a:latin typeface="微软雅黑" pitchFamily="34" charset="-122"/>
+                <a:ea typeface="微软雅黑" pitchFamily="34" charset="-122"/>
+              </a:rPr>
+              <a:t>历史</a:t>
             </a:r>
             <a:r>
               <a:rPr lang="zh-CN" altLang="en-US" sz="2000" dirty="0" smtClean="0"/>
-              <a:t>前世今生</a:t>
+              <a:t>前世</a:t>
+            </a:r>
+            <a:r>
+              <a:rPr lang="zh-CN" altLang="en-US" sz="2000" dirty="0" smtClean="0"/>
+              <a:t>今生</a:t>
             </a:r>
             <a:endParaRPr lang="en-US" altLang="zh-CN" sz="2000" dirty="0" smtClean="0"/>
           </a:p>
@@ -29684,7 +31256,7 @@
         </p:blipFill>
         <p:spPr bwMode="auto">
           <a:xfrm>
-            <a:off x="2263800" y="1709936"/>
+            <a:off x="2256433" y="1493912"/>
             <a:ext cx="3384376" cy="2335572"/>
           </a:xfrm>
           <a:prstGeom prst="rect">
@@ -29725,6 +31297,138 @@
           </a:extLst>
         </p:spPr>
       </p:pic>
+      <p:sp>
+        <p:nvSpPr>
+          <p:cNvPr id="7" name="矩形 11"/>
+          <p:cNvSpPr>
+            <a:spLocks noChangeArrowheads="1"/>
+          </p:cNvSpPr>
+          <p:nvPr/>
+        </p:nvSpPr>
+        <p:spPr bwMode="auto">
+          <a:xfrm>
+            <a:off x="3847976" y="3983062"/>
+            <a:ext cx="4434532" cy="307777"/>
+          </a:xfrm>
+          <a:prstGeom prst="rect">
+            <a:avLst/>
+          </a:prstGeom>
+          <a:noFill/>
+          <a:ln>
+            <a:noFill/>
+          </a:ln>
+          <a:extLst>
+            <a:ext uri="{909E8E84-426E-40DD-AFC4-6F175D3DCCD1}">
+              <a14:hiddenFill xmlns:a14="http://schemas.microsoft.com/office/drawing/2010/main">
+                <a:solidFill>
+                  <a:srgbClr val="FFFFFF"/>
+                </a:solidFill>
+              </a14:hiddenFill>
+            </a:ext>
+            <a:ext uri="{91240B29-F687-4F45-9708-019B960494DF}">
+              <a14:hiddenLine xmlns:a14="http://schemas.microsoft.com/office/drawing/2010/main" w="9525">
+                <a:solidFill>
+                  <a:srgbClr val="000000"/>
+                </a:solidFill>
+                <a:miter lim="800000"/>
+                <a:headEnd/>
+                <a:tailEnd/>
+              </a14:hiddenLine>
+            </a:ext>
+          </a:extLst>
+        </p:spPr>
+        <p:txBody>
+          <a:bodyPr wrap="square">
+            <a:spAutoFit/>
+          </a:bodyPr>
+          <a:lstStyle/>
+          <a:p>
+            <a:r>
+              <a:rPr lang="zh-CN" altLang="en-US" sz="1400" dirty="0" smtClean="0">
+                <a:solidFill>
+                  <a:schemeClr val="bg1"/>
+                </a:solidFill>
+                <a:latin typeface="宋体" pitchFamily="2" charset="-122"/>
+                <a:ea typeface="宋体" pitchFamily="2" charset="-122"/>
+              </a:rPr>
+              <a:t>展望一下美好的明天</a:t>
+            </a:r>
+            <a:r>
+              <a:rPr lang="en-US" altLang="zh-CN" sz="1400" dirty="0" smtClean="0">
+                <a:solidFill>
+                  <a:schemeClr val="bg1"/>
+                </a:solidFill>
+                <a:latin typeface="宋体" pitchFamily="2" charset="-122"/>
+                <a:ea typeface="宋体" pitchFamily="2" charset="-122"/>
+              </a:rPr>
+              <a:t>——</a:t>
+            </a:r>
+            <a:r>
+              <a:rPr lang="zh-CN" altLang="en-US" sz="1400" dirty="0" smtClean="0">
+                <a:solidFill>
+                  <a:schemeClr val="bg1"/>
+                </a:solidFill>
+                <a:latin typeface="宋体" pitchFamily="2" charset="-122"/>
+                <a:ea typeface="宋体" pitchFamily="2" charset="-122"/>
+              </a:rPr>
+              <a:t>来之前的火车票谁给报了？</a:t>
+            </a:r>
+            <a:endParaRPr lang="zh-CN" altLang="en-US" sz="1400" dirty="0">
+              <a:solidFill>
+                <a:schemeClr val="bg1"/>
+              </a:solidFill>
+              <a:latin typeface="宋体" pitchFamily="2" charset="-122"/>
+              <a:ea typeface="宋体" pitchFamily="2" charset="-122"/>
+            </a:endParaRPr>
+          </a:p>
+        </p:txBody>
+      </p:sp>
+      <p:cxnSp>
+        <p:nvCxnSpPr>
+          <p:cNvPr id="8" name="直線接點 14"/>
+          <p:cNvCxnSpPr/>
+          <p:nvPr/>
+        </p:nvCxnSpPr>
+        <p:spPr bwMode="auto">
+          <a:xfrm>
+            <a:off x="4856088" y="4000512"/>
+            <a:ext cx="3271912" cy="1588"/>
+          </a:xfrm>
+          <a:prstGeom prst="line">
+            <a:avLst/>
+          </a:prstGeom>
+          <a:gradFill rotWithShape="0">
+            <a:gsLst>
+              <a:gs pos="0">
+                <a:srgbClr val="074EB3"/>
+              </a:gs>
+              <a:gs pos="100000">
+                <a:srgbClr val="0B3280"/>
+              </a:gs>
+            </a:gsLst>
+            <a:lin ang="5400000" scaled="1"/>
+          </a:gradFill>
+          <a:ln>
+            <a:solidFill>
+              <a:schemeClr val="bg1"/>
+            </a:solidFill>
+          </a:ln>
+          <a:effectLst/>
+          <a:extLst>
+            <a:ext uri="{AF507438-7753-43E0-B8FC-AC1667EBCBE1}">
+              <a14:hiddenEffects xmlns:a14="http://schemas.microsoft.com/office/drawing/2010/main">
+                <a:effectLst>
+                  <a:outerShdw blurRad="63500" dist="38099" dir="2700000" algn="ctr" rotWithShape="0">
+                    <a:schemeClr val="bg2">
+                      <a:alpha val="74998"/>
+                    </a:schemeClr>
+                  </a:outerShdw>
+                </a:effectLst>
+              </a14:hiddenEffects>
+            </a:ext>
+          </a:extLst>
+        </p:spPr>
+      </p:cxnSp>
     </p:spTree>
     <p:extLst>
       <p:ext uri="{BB962C8B-B14F-4D97-AF65-F5344CB8AC3E}">
@@ -30745,10 +32449,23 @@
                 <a:latin typeface="宋体" pitchFamily="2" charset="-122"/>
                 <a:ea typeface="宋体" pitchFamily="2" charset="-122"/>
               </a:rPr>
-              <a:t>大话西游</a:t>
+              <a:t>大话西</a:t>
+            </a:r>
+            <a:r>
+              <a:rPr lang="zh-CN" altLang="en-US" sz="1400" dirty="0" smtClean="0">
+                <a:solidFill>
+                  <a:schemeClr val="bg1"/>
+                </a:solidFill>
+                <a:latin typeface="宋体" pitchFamily="2" charset="-122"/>
+                <a:ea typeface="宋体" pitchFamily="2" charset="-122"/>
+              </a:rPr>
+              <a:t>游</a:t>
             </a:r>
             <a:r>
               <a:rPr lang="en-US" altLang="zh-CN" sz="1400" dirty="0" smtClean="0">
+                <a:solidFill>
+                  <a:schemeClr val="bg1"/>
+                </a:solidFill>
                 <a:latin typeface="宋体" pitchFamily="2" charset="-122"/>
                 <a:ea typeface="宋体" pitchFamily="2" charset="-122"/>
               </a:rPr>
@@ -31187,10 +32904,33 @@
                 <a:latin typeface="宋体" pitchFamily="2" charset="-122"/>
                 <a:ea typeface="宋体" pitchFamily="2" charset="-122"/>
               </a:rPr>
-              <a:t>大话西游</a:t>
+              <a:t>大话</a:t>
+            </a:r>
+            <a:r>
+              <a:rPr lang="zh-CN" altLang="en-US" sz="1400" dirty="0" smtClean="0">
+                <a:solidFill>
+                  <a:schemeClr val="bg1"/>
+                </a:solidFill>
+                <a:latin typeface="宋体" pitchFamily="2" charset="-122"/>
+                <a:ea typeface="宋体" pitchFamily="2" charset="-122"/>
+              </a:rPr>
+              <a:t>西</a:t>
+            </a:r>
+            <a:r>
+              <a:rPr lang="zh-CN" altLang="en-US" sz="1400" dirty="0" smtClean="0">
+                <a:solidFill>
+                  <a:schemeClr val="bg1"/>
+                </a:solidFill>
+                <a:latin typeface="宋体" pitchFamily="2" charset="-122"/>
+                <a:ea typeface="宋体" pitchFamily="2" charset="-122"/>
+              </a:rPr>
+              <a:t>游</a:t>
             </a:r>
             <a:r>
               <a:rPr lang="en-US" altLang="zh-CN" sz="1400" dirty="0" smtClean="0">
+                <a:solidFill>
+                  <a:schemeClr val="bg1"/>
+                </a:solidFill>
                 <a:latin typeface="宋体" pitchFamily="2" charset="-122"/>
                 <a:ea typeface="宋体" pitchFamily="2" charset="-122"/>
               </a:rPr>
@@ -32080,7 +33820,7 @@
         </p:nvSpPr>
         <p:spPr>
           <a:xfrm>
-            <a:off x="391592" y="845840"/>
+            <a:off x="373683" y="800770"/>
             <a:ext cx="7315200" cy="3017838"/>
           </a:xfrm>
         </p:spPr>
@@ -32127,8 +33867,8 @@
         </p:nvSpPr>
         <p:spPr bwMode="auto">
           <a:xfrm>
-            <a:off x="2436838" y="4261244"/>
-            <a:ext cx="5657080" cy="307777"/>
+            <a:off x="4611244" y="3994447"/>
+            <a:ext cx="3797746" cy="307777"/>
           </a:xfrm>
           <a:prstGeom prst="rect">
             <a:avLst/>
@@ -32164,14 +33904,14 @@
           <a:lstStyle/>
           <a:p>
             <a:r>
-              <a:rPr lang="zh-CN" altLang="en-US" sz="1400" dirty="0">
+              <a:rPr lang="zh-CN" altLang="en-US" sz="1400" dirty="0" smtClean="0">
                 <a:solidFill>
                   <a:schemeClr val="bg1"/>
                 </a:solidFill>
                 <a:latin typeface="宋体" pitchFamily="2" charset="-122"/>
                 <a:ea typeface="宋体" pitchFamily="2" charset="-122"/>
               </a:rPr>
-              <a:t>工</a:t>
+              <a:t>妈妈再也不用担心我的工资（发错）了！</a:t>
             </a:r>
             <a:endParaRPr lang="zh-CN" altLang="en-US" sz="1400" dirty="0">
               <a:solidFill>
@@ -32206,7 +33946,7 @@
         </p:blipFill>
         <p:spPr bwMode="auto">
           <a:xfrm>
-            <a:off x="535608" y="1239562"/>
+            <a:off x="562174" y="1210912"/>
             <a:ext cx="6991350" cy="933450"/>
           </a:xfrm>
           <a:prstGeom prst="rect">
@@ -32270,7 +34010,7 @@
         </p:blipFill>
         <p:spPr bwMode="auto">
           <a:xfrm>
-            <a:off x="3511364" y="2069976"/>
+            <a:off x="3480944" y="1829097"/>
             <a:ext cx="4667250" cy="2095500"/>
           </a:xfrm>
           <a:prstGeom prst="rect">
@@ -32334,7 +34074,7 @@
         </p:blipFill>
         <p:spPr bwMode="auto">
           <a:xfrm>
-            <a:off x="175568" y="2309689"/>
+            <a:off x="175568" y="1840904"/>
             <a:ext cx="3233297" cy="1951555"/>
           </a:xfrm>
           <a:prstGeom prst="rect">
@@ -32375,6 +34115,42 @@
           </a:extLst>
         </p:spPr>
       </p:pic>
+      <p:cxnSp>
+        <p:nvCxnSpPr>
+          <p:cNvPr id="8" name="直接连接符 7"/>
+          <p:cNvCxnSpPr/>
+          <p:nvPr/>
+        </p:nvCxnSpPr>
+        <p:spPr bwMode="auto">
+          <a:xfrm>
+            <a:off x="4942464" y="4046094"/>
+            <a:ext cx="3135306" cy="1588"/>
+          </a:xfrm>
+          <a:prstGeom prst="line">
+            <a:avLst/>
+          </a:prstGeom>
+          <a:ln>
+            <a:solidFill>
+              <a:schemeClr val="bg1"/>
+            </a:solidFill>
+          </a:ln>
+          <a:extLst/>
+        </p:spPr>
+        <p:style>
+          <a:lnRef idx="1">
+            <a:schemeClr val="dk1"/>
+          </a:lnRef>
+          <a:fillRef idx="0">
+            <a:schemeClr val="dk1"/>
+          </a:fillRef>
+          <a:effectRef idx="0">
+            <a:schemeClr val="dk1"/>
+          </a:effectRef>
+          <a:fontRef idx="minor">
+            <a:schemeClr val="tx1"/>
+          </a:fontRef>
+        </p:style>
+      </p:cxnSp>
     </p:spTree>
     <p:extLst>
       <p:ext uri="{BB962C8B-B14F-4D97-AF65-F5344CB8AC3E}">
@@ -32495,72 +34271,6 @@
           </a:p>
         </p:txBody>
       </p:sp>
-      <p:sp>
-        <p:nvSpPr>
-          <p:cNvPr id="7" name="矩形 11"/>
-          <p:cNvSpPr>
-            <a:spLocks noChangeArrowheads="1"/>
-          </p:cNvSpPr>
-          <p:nvPr/>
-        </p:nvSpPr>
-        <p:spPr bwMode="auto">
-          <a:xfrm>
-            <a:off x="2436838" y="4261244"/>
-            <a:ext cx="5657080" cy="307777"/>
-          </a:xfrm>
-          <a:prstGeom prst="rect">
-            <a:avLst/>
-          </a:prstGeom>
-          <a:noFill/>
-          <a:ln>
-            <a:noFill/>
-          </a:ln>
-          <a:extLst>
-            <a:ext uri="{909E8E84-426E-40DD-AFC4-6F175D3DCCD1}">
-              <a14:hiddenFill xmlns:a14="http://schemas.microsoft.com/office/drawing/2010/main">
-                <a:solidFill>
-                  <a:srgbClr val="FFFFFF"/>
-                </a:solidFill>
-              </a14:hiddenFill>
-            </a:ext>
-            <a:ext uri="{91240B29-F687-4F45-9708-019B960494DF}">
-              <a14:hiddenLine xmlns:a14="http://schemas.microsoft.com/office/drawing/2010/main" w="9525">
-                <a:solidFill>
-                  <a:srgbClr val="000000"/>
-                </a:solidFill>
-                <a:miter lim="800000"/>
-                <a:headEnd/>
-                <a:tailEnd/>
-              </a14:hiddenLine>
-            </a:ext>
-          </a:extLst>
-        </p:spPr>
-        <p:txBody>
-          <a:bodyPr wrap="square">
-            <a:spAutoFit/>
-          </a:bodyPr>
-          <a:lstStyle/>
-          <a:p>
-            <a:r>
-              <a:rPr lang="zh-CN" altLang="en-US" sz="1400" dirty="0">
-                <a:solidFill>
-                  <a:schemeClr val="bg1"/>
-                </a:solidFill>
-                <a:latin typeface="宋体" pitchFamily="2" charset="-122"/>
-                <a:ea typeface="宋体" pitchFamily="2" charset="-122"/>
-              </a:rPr>
-              <a:t>工</a:t>
-            </a:r>
-            <a:endParaRPr lang="zh-CN" altLang="en-US" sz="1400" dirty="0">
-              <a:solidFill>
-                <a:schemeClr val="tx1"/>
-              </a:solidFill>
-              <a:latin typeface="宋体" pitchFamily="2" charset="-122"/>
-              <a:ea typeface="宋体" pitchFamily="2" charset="-122"/>
-            </a:endParaRPr>
-          </a:p>
-        </p:txBody>
-      </p:sp>
       <p:pic>
         <p:nvPicPr>
           <p:cNvPr id="4098" name="Picture 2"/>
@@ -32824,6 +34534,108 @@
           </a:extLst>
         </p:spPr>
       </p:pic>
+      <p:sp>
+        <p:nvSpPr>
+          <p:cNvPr id="8" name="矩形 11"/>
+          <p:cNvSpPr>
+            <a:spLocks noChangeArrowheads="1"/>
+          </p:cNvSpPr>
+          <p:nvPr/>
+        </p:nvSpPr>
+        <p:spPr bwMode="auto">
+          <a:xfrm>
+            <a:off x="2983880" y="3967864"/>
+            <a:ext cx="5281094" cy="307777"/>
+          </a:xfrm>
+          <a:prstGeom prst="rect">
+            <a:avLst/>
+          </a:prstGeom>
+          <a:noFill/>
+          <a:ln>
+            <a:noFill/>
+          </a:ln>
+          <a:extLst>
+            <a:ext uri="{909E8E84-426E-40DD-AFC4-6F175D3DCCD1}">
+              <a14:hiddenFill xmlns:a14="http://schemas.microsoft.com/office/drawing/2010/main">
+                <a:solidFill>
+                  <a:srgbClr val="FFFFFF"/>
+                </a:solidFill>
+              </a14:hiddenFill>
+            </a:ext>
+            <a:ext uri="{91240B29-F687-4F45-9708-019B960494DF}">
+              <a14:hiddenLine xmlns:a14="http://schemas.microsoft.com/office/drawing/2010/main" w="9525">
+                <a:solidFill>
+                  <a:srgbClr val="000000"/>
+                </a:solidFill>
+                <a:miter lim="800000"/>
+                <a:headEnd/>
+                <a:tailEnd/>
+              </a14:hiddenLine>
+            </a:ext>
+          </a:extLst>
+        </p:spPr>
+        <p:txBody>
+          <a:bodyPr wrap="square">
+            <a:spAutoFit/>
+          </a:bodyPr>
+          <a:lstStyle/>
+          <a:p>
+            <a:r>
+              <a:rPr lang="zh-CN" altLang="en-US" sz="1400" dirty="0" smtClean="0">
+                <a:solidFill>
+                  <a:schemeClr val="bg1"/>
+                </a:solidFill>
+                <a:latin typeface="宋体" pitchFamily="2" charset="-122"/>
+                <a:ea typeface="宋体" pitchFamily="2" charset="-122"/>
+              </a:rPr>
+              <a:t>我不想知道我的钱是怎么来滴，我就想知道我的钱是怎么没滴。</a:t>
+            </a:r>
+            <a:endParaRPr lang="zh-CN" altLang="en-US" sz="1400" dirty="0">
+              <a:solidFill>
+                <a:schemeClr val="tx1"/>
+              </a:solidFill>
+              <a:latin typeface="宋体" pitchFamily="2" charset="-122"/>
+              <a:ea typeface="宋体" pitchFamily="2" charset="-122"/>
+            </a:endParaRPr>
+          </a:p>
+        </p:txBody>
+      </p:sp>
+      <p:cxnSp>
+        <p:nvCxnSpPr>
+          <p:cNvPr id="9" name="直接连接符 8"/>
+          <p:cNvCxnSpPr/>
+          <p:nvPr/>
+        </p:nvCxnSpPr>
+        <p:spPr bwMode="auto">
+          <a:xfrm>
+            <a:off x="4992694" y="3942184"/>
+            <a:ext cx="3135306" cy="1588"/>
+          </a:xfrm>
+          <a:prstGeom prst="line">
+            <a:avLst/>
+          </a:prstGeom>
+          <a:ln>
+            <a:solidFill>
+              <a:schemeClr val="bg1"/>
+            </a:solidFill>
+          </a:ln>
+          <a:extLst/>
+        </p:spPr>
+        <p:style>
+          <a:lnRef idx="1">
+            <a:schemeClr val="dk1"/>
+          </a:lnRef>
+          <a:fillRef idx="0">
+            <a:schemeClr val="dk1"/>
+          </a:fillRef>
+          <a:effectRef idx="0">
+            <a:schemeClr val="dk1"/>
+          </a:effectRef>
+          <a:fontRef idx="minor">
+            <a:schemeClr val="tx1"/>
+          </a:fontRef>
+        </p:style>
+      </p:cxnSp>
     </p:spTree>
     <p:extLst>
       <p:ext uri="{BB962C8B-B14F-4D97-AF65-F5344CB8AC3E}">
@@ -32851,7 +34663,7 @@
     <p:bg>
       <p:bgPr>
         <a:blipFill dpi="0" rotWithShape="1">
-          <a:blip r:embed="rId3">
+          <a:blip r:embed="rId4">
             <a:lum/>
           </a:blip>
           <a:srcRect/>
@@ -32889,7 +34701,7 @@
         <p:spPr bwMode="auto">
           <a:xfrm>
             <a:off x="-112464" y="0"/>
-            <a:ext cx="2448272" cy="642926"/>
+            <a:ext cx="1944216" cy="642926"/>
           </a:xfrm>
           <a:noFill/>
           <a:extLst>
@@ -32976,7 +34788,17 @@
                 <a:latin typeface="微软雅黑" pitchFamily="34" charset="-122"/>
                 <a:ea typeface="微软雅黑" pitchFamily="34" charset="-122"/>
               </a:rPr>
-              <a:t>销售部小杨与客户处谈判成功，在系统中下达订单</a:t>
+              <a:t>销售部小杨与客户处谈判成功，在系统中下达</a:t>
+            </a:r>
+            <a:r>
+              <a:rPr lang="zh-CN" altLang="en-US" dirty="0" smtClean="0">
+                <a:solidFill>
+                  <a:schemeClr val="bg1"/>
+                </a:solidFill>
+                <a:latin typeface="微软雅黑" pitchFamily="34" charset="-122"/>
+                <a:ea typeface="微软雅黑" pitchFamily="34" charset="-122"/>
+              </a:rPr>
+              <a:t>订单</a:t>
             </a:r>
             <a:endParaRPr lang="en-US" altLang="zh-CN" dirty="0" smtClean="0">
               <a:solidFill>
@@ -32995,11 +34817,278 @@
               <a:ea typeface="微软雅黑" pitchFamily="34" charset="-122"/>
             </a:endParaRPr>
           </a:p>
+          <a:p>
+            <a:endParaRPr lang="en-US" altLang="zh-CN" dirty="0" smtClean="0">
+              <a:solidFill>
+                <a:schemeClr val="bg1"/>
+              </a:solidFill>
+              <a:latin typeface="微软雅黑" pitchFamily="34" charset="-122"/>
+              <a:ea typeface="微软雅黑" pitchFamily="34" charset="-122"/>
+            </a:endParaRPr>
+          </a:p>
         </p:txBody>
       </p:sp>
-      <p:sp>
-        <p:nvSpPr>
-          <p:cNvPr id="7" name="矩形 11"/>
+      <p:pic>
+        <p:nvPicPr>
+          <p:cNvPr id="3074" name="Picture 2"/>
+          <p:cNvPicPr>
+            <a:picLocks noChangeAspect="1" noChangeArrowheads="1"/>
+          </p:cNvPicPr>
+          <p:nvPr/>
+        </p:nvPicPr>
+        <p:blipFill>
+          <a:blip r:embed="rId5">
+            <a:extLst>
+              <a:ext uri="{28A0092B-C50C-407E-A947-70E740481C1C}">
+                <a14:useLocalDpi xmlns:a14="http://schemas.microsoft.com/office/drawing/2010/main" val="0"/>
+              </a:ext>
+            </a:extLst>
+          </a:blip>
+          <a:srcRect/>
+          <a:stretch>
+            <a:fillRect/>
+          </a:stretch>
+        </p:blipFill>
+        <p:spPr bwMode="auto">
+          <a:xfrm>
+            <a:off x="2175458" y="1277888"/>
+            <a:ext cx="1409700" cy="2676525"/>
+          </a:xfrm>
+          <a:prstGeom prst="rect">
+            <a:avLst/>
+          </a:prstGeom>
+          <a:noFill/>
+          <a:ln>
+            <a:noFill/>
+          </a:ln>
+          <a:effectLst/>
+          <a:extLst>
+            <a:ext uri="{909E8E84-426E-40DD-AFC4-6F175D3DCCD1}">
+              <a14:hiddenFill xmlns:a14="http://schemas.microsoft.com/office/drawing/2010/main">
+                <a:solidFill>
+                  <a:schemeClr val="accent1"/>
+                </a:solidFill>
+              </a14:hiddenFill>
+            </a:ext>
+            <a:ext uri="{91240B29-F687-4F45-9708-019B960494DF}">
+              <a14:hiddenLine xmlns:a14="http://schemas.microsoft.com/office/drawing/2010/main" w="9525">
+                <a:solidFill>
+                  <a:schemeClr val="tx1"/>
+                </a:solidFill>
+                <a:miter lim="800000"/>
+                <a:headEnd/>
+                <a:tailEnd/>
+              </a14:hiddenLine>
+            </a:ext>
+            <a:ext uri="{AF507438-7753-43E0-B8FC-AC1667EBCBE1}">
+              <a14:hiddenEffects xmlns:a14="http://schemas.microsoft.com/office/drawing/2010/main">
+                <a:effectLst>
+                  <a:outerShdw dist="35921" dir="2700000" algn="ctr" rotWithShape="0">
+                    <a:schemeClr val="bg2"/>
+                  </a:outerShdw>
+                </a:effectLst>
+              </a14:hiddenEffects>
+            </a:ext>
+          </a:extLst>
+        </p:spPr>
+      </p:pic>
+      <p:pic>
+        <p:nvPicPr>
+          <p:cNvPr id="3075" name="Picture 3"/>
+          <p:cNvPicPr>
+            <a:picLocks noChangeAspect="1" noChangeArrowheads="1"/>
+          </p:cNvPicPr>
+          <p:nvPr/>
+        </p:nvPicPr>
+        <p:blipFill>
+          <a:blip r:embed="rId6">
+            <a:extLst>
+              <a:ext uri="{28A0092B-C50C-407E-A947-70E740481C1C}">
+                <a14:useLocalDpi xmlns:a14="http://schemas.microsoft.com/office/drawing/2010/main" val="0"/>
+              </a:ext>
+            </a:extLst>
+          </a:blip>
+          <a:srcRect/>
+          <a:stretch>
+            <a:fillRect/>
+          </a:stretch>
+        </p:blipFill>
+        <p:spPr bwMode="auto">
+          <a:xfrm>
+            <a:off x="3585158" y="2141984"/>
+            <a:ext cx="714375" cy="838200"/>
+          </a:xfrm>
+          <a:prstGeom prst="rect">
+            <a:avLst/>
+          </a:prstGeom>
+          <a:noFill/>
+          <a:ln>
+            <a:noFill/>
+          </a:ln>
+          <a:effectLst/>
+          <a:extLst>
+            <a:ext uri="{909E8E84-426E-40DD-AFC4-6F175D3DCCD1}">
+              <a14:hiddenFill xmlns:a14="http://schemas.microsoft.com/office/drawing/2010/main">
+                <a:solidFill>
+                  <a:schemeClr val="accent1"/>
+                </a:solidFill>
+              </a14:hiddenFill>
+            </a:ext>
+            <a:ext uri="{91240B29-F687-4F45-9708-019B960494DF}">
+              <a14:hiddenLine xmlns:a14="http://schemas.microsoft.com/office/drawing/2010/main" w="9525">
+                <a:solidFill>
+                  <a:schemeClr val="tx1"/>
+                </a:solidFill>
+                <a:miter lim="800000"/>
+                <a:headEnd/>
+                <a:tailEnd/>
+              </a14:hiddenLine>
+            </a:ext>
+            <a:ext uri="{AF507438-7753-43E0-B8FC-AC1667EBCBE1}">
+              <a14:hiddenEffects xmlns:a14="http://schemas.microsoft.com/office/drawing/2010/main">
+                <a:effectLst>
+                  <a:outerShdw dist="35921" dir="2700000" algn="ctr" rotWithShape="0">
+                    <a:schemeClr val="bg2"/>
+                  </a:outerShdw>
+                </a:effectLst>
+              </a14:hiddenEffects>
+            </a:ext>
+          </a:extLst>
+        </p:spPr>
+      </p:pic>
+      <p:graphicFrame>
+        <p:nvGraphicFramePr>
+          <p:cNvPr id="2" name="对象 1">
+            <a:hlinkClick r:id="" action="ppaction://ole?verb=0"/>
+          </p:cNvPr>
+          <p:cNvGraphicFramePr>
+            <a:graphicFrameLocks noChangeAspect="1"/>
+          </p:cNvGraphicFramePr>
+          <p:nvPr>
+            <p:extLst>
+              <p:ext uri="{D42A27DB-BD31-4B8C-83A1-F6EECF244321}">
+                <p14:modId xmlns:p14="http://schemas.microsoft.com/office/powerpoint/2010/main" val="4021494295"/>
+              </p:ext>
+            </p:extLst>
+          </p:nvPr>
+        </p:nvGraphicFramePr>
+        <p:xfrm>
+          <a:off x="4374493" y="1755477"/>
+          <a:ext cx="914400" cy="828675"/>
+        </p:xfrm>
+        <a:graphic>
+          <a:graphicData uri="http://schemas.openxmlformats.org/presentationml/2006/ole">
+            <mc:AlternateContent xmlns:mc="http://schemas.openxmlformats.org/markup-compatibility/2006">
+              <mc:Choice xmlns:v="urn:schemas-microsoft-com:vml" Requires="v">
+                <p:oleObj spid="_x0000_s3166" name="包装程序外壳对象" showAsIcon="1" r:id="rId7" imgW="914400" imgH="828720" progId="Package">
+                  <p:embed/>
+                </p:oleObj>
+              </mc:Choice>
+              <mc:Fallback>
+                <p:oleObj name="包装程序外壳对象" showAsIcon="1" r:id="rId7" imgW="914400" imgH="828720" progId="Package">
+                  <p:embed/>
+                  <p:pic>
+                    <p:nvPicPr>
+                      <p:cNvPr id="0" name=""/>
+                      <p:cNvPicPr/>
+                      <p:nvPr/>
+                    </p:nvPicPr>
+                    <p:blipFill>
+                      <a:blip r:embed="rId8"/>
+                      <a:stretch>
+                        <a:fillRect/>
+                      </a:stretch>
+                    </p:blipFill>
+                    <p:spPr>
+                      <a:xfrm>
+                        <a:off x="4374493" y="1755477"/>
+                        <a:ext cx="914400" cy="828675"/>
+                      </a:xfrm>
+                      <a:prstGeom prst="rect">
+                        <a:avLst/>
+                      </a:prstGeom>
+                    </p:spPr>
+                  </p:pic>
+                </p:oleObj>
+              </mc:Fallback>
+            </mc:AlternateContent>
+          </a:graphicData>
+        </a:graphic>
+      </p:graphicFrame>
+      <p:sp>
+        <p:nvSpPr>
+          <p:cNvPr id="9" name="右箭头 8"/>
+          <p:cNvSpPr/>
+          <p:nvPr/>
+        </p:nvSpPr>
+        <p:spPr bwMode="auto">
+          <a:xfrm>
+            <a:off x="3440447" y="1565920"/>
+            <a:ext cx="859086" cy="432048"/>
+          </a:xfrm>
+          <a:prstGeom prst="rightArrow">
+            <a:avLst/>
+          </a:prstGeom>
+          <a:ln/>
+          <a:extLst/>
+        </p:spPr>
+        <p:style>
+          <a:lnRef idx="1">
+            <a:schemeClr val="dk1"/>
+          </a:lnRef>
+          <a:fillRef idx="3">
+            <a:schemeClr val="dk1"/>
+          </a:fillRef>
+          <a:effectRef idx="2">
+            <a:schemeClr val="dk1"/>
+          </a:effectRef>
+          <a:fontRef idx="minor">
+            <a:schemeClr val="lt1"/>
+          </a:fontRef>
+        </p:style>
+        <p:txBody>
+          <a:bodyPr vert="horz" wrap="square" lIns="91440" tIns="45720" rIns="91440" bIns="45720" numCol="1" rtlCol="0" anchor="t" anchorCtr="0" compatLnSpc="1">
+            <a:prstTxWarp prst="textNoShape">
+              <a:avLst/>
+            </a:prstTxWarp>
+          </a:bodyPr>
+          <a:lstStyle/>
+          <a:p>
+            <a:pPr marL="0" marR="0" indent="0" algn="ctr" defTabSz="914400" rtl="0" eaLnBrk="1" fontAlgn="base" latinLnBrk="0" hangingPunct="1">
+              <a:lnSpc>
+                <a:spcPct val="100000"/>
+              </a:lnSpc>
+              <a:spcBef>
+                <a:spcPct val="0"/>
+              </a:spcBef>
+              <a:spcAft>
+                <a:spcPct val="0"/>
+              </a:spcAft>
+              <a:buClrTx/>
+              <a:buSzTx/>
+              <a:buFontTx/>
+              <a:buNone/>
+              <a:tabLst/>
+            </a:pPr>
+            <a:endParaRPr kumimoji="0" lang="zh-CN" altLang="en-US" sz="1800" b="0" i="0" u="none" strike="noStrike" cap="none" normalizeH="0" baseline="0">
+              <a:ln>
+                <a:noFill/>
+              </a:ln>
+              <a:solidFill>
+                <a:srgbClr val="FFFFFF"/>
+              </a:solidFill>
+              <a:effectLst/>
+              <a:latin typeface="Gill Sans" charset="0"/>
+              <a:ea typeface="Heiti SC Light" charset="0"/>
+              <a:cs typeface="Heiti SC Light" charset="0"/>
+              <a:sym typeface="Gill Sans" charset="0"/>
+            </a:endParaRPr>
+          </a:p>
+        </p:txBody>
+      </p:sp>
+      <p:sp>
+        <p:nvSpPr>
+          <p:cNvPr id="10" name="矩形 11"/>
           <p:cNvSpPr>
             <a:spLocks noChangeArrowheads="1"/>
           </p:cNvSpPr>
@@ -33007,8 +35096,8 @@
         </p:nvSpPr>
         <p:spPr bwMode="auto">
           <a:xfrm>
-            <a:off x="2436838" y="4261244"/>
-            <a:ext cx="5657080" cy="307777"/>
+            <a:off x="3565215" y="3942184"/>
+            <a:ext cx="4752528" cy="307777"/>
           </a:xfrm>
           <a:prstGeom prst="rect">
             <a:avLst/>
@@ -33044,14 +35133,14 @@
           <a:lstStyle/>
           <a:p>
             <a:r>
-              <a:rPr lang="zh-CN" altLang="en-US" sz="1400" dirty="0">
+              <a:rPr lang="zh-CN" altLang="en-US" sz="1400" dirty="0" smtClean="0">
                 <a:solidFill>
                   <a:schemeClr val="bg1"/>
                 </a:solidFill>
                 <a:latin typeface="宋体" pitchFamily="2" charset="-122"/>
                 <a:ea typeface="宋体" pitchFamily="2" charset="-122"/>
               </a:rPr>
-              <a:t>工</a:t>
+              <a:t>客户虐我千百遍，我待客户如初恋。这样才能拿到单子。</a:t>
             </a:r>
             <a:endParaRPr lang="zh-CN" altLang="en-US" sz="1400" dirty="0">
               <a:solidFill>
@@ -33063,6 +35152,42 @@
           </a:p>
         </p:txBody>
       </p:sp>
+      <p:cxnSp>
+        <p:nvCxnSpPr>
+          <p:cNvPr id="11" name="直接连接符 10"/>
+          <p:cNvCxnSpPr/>
+          <p:nvPr/>
+        </p:nvCxnSpPr>
+        <p:spPr bwMode="auto">
+          <a:xfrm>
+            <a:off x="4992694" y="3942184"/>
+            <a:ext cx="3135306" cy="1588"/>
+          </a:xfrm>
+          <a:prstGeom prst="line">
+            <a:avLst/>
+          </a:prstGeom>
+          <a:ln>
+            <a:solidFill>
+              <a:schemeClr val="bg1"/>
+            </a:solidFill>
+          </a:ln>
+          <a:extLst/>
+        </p:spPr>
+        <p:style>
+          <a:lnRef idx="1">
+            <a:schemeClr val="dk1"/>
+          </a:lnRef>
+          <a:fillRef idx="0">
+            <a:schemeClr val="dk1"/>
+          </a:fillRef>
+          <a:effectRef idx="0">
+            <a:schemeClr val="dk1"/>
+          </a:effectRef>
+          <a:fontRef idx="minor">
+            <a:schemeClr val="tx1"/>
+          </a:fontRef>
+        </p:style>
+      </p:cxnSp>
     </p:spTree>
     <p:extLst>
       <p:ext uri="{BB962C8B-B14F-4D97-AF65-F5344CB8AC3E}">
@@ -33127,8 +35252,8 @@
         </p:nvSpPr>
         <p:spPr bwMode="auto">
           <a:xfrm>
-            <a:off x="-112464" y="0"/>
-            <a:ext cx="2448272" cy="642926"/>
+            <a:off x="-256480" y="8409"/>
+            <a:ext cx="2592288" cy="642926"/>
           </a:xfrm>
           <a:noFill/>
           <a:extLst>
@@ -33164,7 +35289,7 @@
                 <a:latin typeface="微软雅黑" pitchFamily="34" charset="-122"/>
                 <a:ea typeface="微软雅黑" pitchFamily="34" charset="-122"/>
               </a:rPr>
-              <a:t>销售</a:t>
+              <a:t>生产</a:t>
             </a:r>
             <a:r>
               <a:rPr lang="en-US" altLang="zh-CN" sz="2500" b="1" dirty="0" smtClean="0">
@@ -33178,8 +35303,12 @@
                 <a:latin typeface="微软雅黑" pitchFamily="34" charset="-122"/>
                 <a:ea typeface="微软雅黑" pitchFamily="34" charset="-122"/>
               </a:rPr>
-              <a:t>出库</a:t>
-            </a:r>
+              <a:t>权限检查</a:t>
+            </a:r>
+            <a:endParaRPr lang="zh-CN" altLang="en-US" sz="2500" b="1" dirty="0" smtClean="0">
+              <a:latin typeface="微软雅黑" pitchFamily="34" charset="-122"/>
+              <a:ea typeface="微软雅黑" pitchFamily="34" charset="-122"/>
+            </a:endParaRPr>
           </a:p>
         </p:txBody>
       </p:sp>
@@ -33211,7 +35340,17 @@
                 <a:latin typeface="微软雅黑" pitchFamily="34" charset="-122"/>
                 <a:ea typeface="微软雅黑" pitchFamily="34" charset="-122"/>
               </a:rPr>
-              <a:t>生产完毕</a:t>
+              <a:t>销售部</a:t>
+            </a:r>
+            <a:r>
+              <a:rPr lang="zh-CN" altLang="en-US" dirty="0" smtClean="0">
+                <a:solidFill>
+                  <a:schemeClr val="bg1"/>
+                </a:solidFill>
+                <a:latin typeface="微软雅黑" pitchFamily="34" charset="-122"/>
+                <a:ea typeface="微软雅黑" pitchFamily="34" charset="-122"/>
+              </a:rPr>
+              <a:t>小杨下达定单后，想在系统中查看具体生产情况如何</a:t>
             </a:r>
             <a:endParaRPr lang="en-US" altLang="zh-CN" dirty="0" smtClean="0">
               <a:solidFill>
@@ -33230,11 +35369,219 @@
               <a:ea typeface="微软雅黑" pitchFamily="34" charset="-122"/>
             </a:endParaRPr>
           </a:p>
+          <a:p>
+            <a:endParaRPr lang="en-US" altLang="zh-CN" dirty="0" smtClean="0">
+              <a:solidFill>
+                <a:schemeClr val="bg1"/>
+              </a:solidFill>
+              <a:latin typeface="微软雅黑" pitchFamily="34" charset="-122"/>
+              <a:ea typeface="微软雅黑" pitchFamily="34" charset="-122"/>
+            </a:endParaRPr>
+          </a:p>
         </p:txBody>
       </p:sp>
       <p:sp>
         <p:nvSpPr>
-          <p:cNvPr id="7" name="矩形 11"/>
+          <p:cNvPr id="9" name="右箭头 8"/>
+          <p:cNvSpPr/>
+          <p:nvPr/>
+        </p:nvSpPr>
+        <p:spPr bwMode="auto">
+          <a:xfrm>
+            <a:off x="2785989" y="1260869"/>
+            <a:ext cx="859086" cy="432048"/>
+          </a:xfrm>
+          <a:prstGeom prst="rightArrow">
+            <a:avLst/>
+          </a:prstGeom>
+          <a:ln/>
+          <a:extLst/>
+        </p:spPr>
+        <p:style>
+          <a:lnRef idx="1">
+            <a:schemeClr val="dk1"/>
+          </a:lnRef>
+          <a:fillRef idx="3">
+            <a:schemeClr val="dk1"/>
+          </a:fillRef>
+          <a:effectRef idx="2">
+            <a:schemeClr val="dk1"/>
+          </a:effectRef>
+          <a:fontRef idx="minor">
+            <a:schemeClr val="lt1"/>
+          </a:fontRef>
+        </p:style>
+        <p:txBody>
+          <a:bodyPr vert="horz" wrap="square" lIns="91440" tIns="45720" rIns="91440" bIns="45720" numCol="1" rtlCol="0" anchor="t" anchorCtr="0" compatLnSpc="1">
+            <a:prstTxWarp prst="textNoShape">
+              <a:avLst/>
+            </a:prstTxWarp>
+          </a:bodyPr>
+          <a:lstStyle/>
+          <a:p>
+            <a:pPr marL="0" marR="0" indent="0" algn="ctr" defTabSz="914400" rtl="0" eaLnBrk="1" fontAlgn="base" latinLnBrk="0" hangingPunct="1">
+              <a:lnSpc>
+                <a:spcPct val="100000"/>
+              </a:lnSpc>
+              <a:spcBef>
+                <a:spcPct val="0"/>
+              </a:spcBef>
+              <a:spcAft>
+                <a:spcPct val="0"/>
+              </a:spcAft>
+              <a:buClrTx/>
+              <a:buSzTx/>
+              <a:buFontTx/>
+              <a:buNone/>
+              <a:tabLst/>
+            </a:pPr>
+            <a:endParaRPr kumimoji="0" lang="zh-CN" altLang="en-US" sz="1800" b="0" i="0" u="none" strike="noStrike" cap="none" normalizeH="0" baseline="0">
+              <a:ln>
+                <a:noFill/>
+              </a:ln>
+              <a:solidFill>
+                <a:srgbClr val="FFFFFF"/>
+              </a:solidFill>
+              <a:effectLst/>
+              <a:latin typeface="Gill Sans" charset="0"/>
+              <a:ea typeface="Heiti SC Light" charset="0"/>
+              <a:cs typeface="Heiti SC Light" charset="0"/>
+              <a:sym typeface="Gill Sans" charset="0"/>
+            </a:endParaRPr>
+          </a:p>
+        </p:txBody>
+      </p:sp>
+      <p:pic>
+        <p:nvPicPr>
+          <p:cNvPr id="4098" name="Picture 2"/>
+          <p:cNvPicPr>
+            <a:picLocks noChangeAspect="1" noChangeArrowheads="1"/>
+          </p:cNvPicPr>
+          <p:nvPr/>
+        </p:nvPicPr>
+        <p:blipFill>
+          <a:blip r:embed="rId4">
+            <a:extLst>
+              <a:ext uri="{28A0092B-C50C-407E-A947-70E740481C1C}">
+                <a14:useLocalDpi xmlns:a14="http://schemas.microsoft.com/office/drawing/2010/main" val="0"/>
+              </a:ext>
+            </a:extLst>
+          </a:blip>
+          <a:srcRect/>
+          <a:stretch>
+            <a:fillRect/>
+          </a:stretch>
+        </p:blipFill>
+        <p:spPr bwMode="auto">
+          <a:xfrm>
+            <a:off x="1327696" y="1260869"/>
+            <a:ext cx="1438275" cy="3000375"/>
+          </a:xfrm>
+          <a:prstGeom prst="rect">
+            <a:avLst/>
+          </a:prstGeom>
+          <a:noFill/>
+          <a:ln>
+            <a:noFill/>
+          </a:ln>
+          <a:effectLst/>
+          <a:extLst>
+            <a:ext uri="{909E8E84-426E-40DD-AFC4-6F175D3DCCD1}">
+              <a14:hiddenFill xmlns:a14="http://schemas.microsoft.com/office/drawing/2010/main">
+                <a:solidFill>
+                  <a:schemeClr val="accent1"/>
+                </a:solidFill>
+              </a14:hiddenFill>
+            </a:ext>
+            <a:ext uri="{91240B29-F687-4F45-9708-019B960494DF}">
+              <a14:hiddenLine xmlns:a14="http://schemas.microsoft.com/office/drawing/2010/main" w="9525">
+                <a:solidFill>
+                  <a:schemeClr val="tx1"/>
+                </a:solidFill>
+                <a:miter lim="800000"/>
+                <a:headEnd/>
+                <a:tailEnd/>
+              </a14:hiddenLine>
+            </a:ext>
+            <a:ext uri="{AF507438-7753-43E0-B8FC-AC1667EBCBE1}">
+              <a14:hiddenEffects xmlns:a14="http://schemas.microsoft.com/office/drawing/2010/main">
+                <a:effectLst>
+                  <a:outerShdw dist="35921" dir="2700000" algn="ctr" rotWithShape="0">
+                    <a:schemeClr val="bg2"/>
+                  </a:outerShdw>
+                </a:effectLst>
+              </a14:hiddenEffects>
+            </a:ext>
+          </a:extLst>
+        </p:spPr>
+      </p:pic>
+      <p:pic>
+        <p:nvPicPr>
+          <p:cNvPr id="4100" name="Picture 4"/>
+          <p:cNvPicPr>
+            <a:picLocks noChangeAspect="1" noChangeArrowheads="1"/>
+          </p:cNvPicPr>
+          <p:nvPr/>
+        </p:nvPicPr>
+        <p:blipFill>
+          <a:blip r:embed="rId5">
+            <a:extLst>
+              <a:ext uri="{28A0092B-C50C-407E-A947-70E740481C1C}">
+                <a14:useLocalDpi xmlns:a14="http://schemas.microsoft.com/office/drawing/2010/main" val="0"/>
+              </a:ext>
+            </a:extLst>
+          </a:blip>
+          <a:srcRect/>
+          <a:stretch>
+            <a:fillRect/>
+          </a:stretch>
+        </p:blipFill>
+        <p:spPr bwMode="auto">
+          <a:xfrm>
+            <a:off x="3731853" y="1455309"/>
+            <a:ext cx="3067050" cy="1552575"/>
+          </a:xfrm>
+          <a:prstGeom prst="rect">
+            <a:avLst/>
+          </a:prstGeom>
+          <a:noFill/>
+          <a:ln>
+            <a:noFill/>
+          </a:ln>
+          <a:effectLst/>
+          <a:extLst>
+            <a:ext uri="{909E8E84-426E-40DD-AFC4-6F175D3DCCD1}">
+              <a14:hiddenFill xmlns:a14="http://schemas.microsoft.com/office/drawing/2010/main">
+                <a:solidFill>
+                  <a:schemeClr val="accent1"/>
+                </a:solidFill>
+              </a14:hiddenFill>
+            </a:ext>
+            <a:ext uri="{91240B29-F687-4F45-9708-019B960494DF}">
+              <a14:hiddenLine xmlns:a14="http://schemas.microsoft.com/office/drawing/2010/main" w="9525">
+                <a:solidFill>
+                  <a:schemeClr val="tx1"/>
+                </a:solidFill>
+                <a:miter lim="800000"/>
+                <a:headEnd/>
+                <a:tailEnd/>
+              </a14:hiddenLine>
+            </a:ext>
+            <a:ext uri="{AF507438-7753-43E0-B8FC-AC1667EBCBE1}">
+              <a14:hiddenEffects xmlns:a14="http://schemas.microsoft.com/office/drawing/2010/main">
+                <a:effectLst>
+                  <a:outerShdw dist="35921" dir="2700000" algn="ctr" rotWithShape="0">
+                    <a:schemeClr val="bg2"/>
+                  </a:outerShdw>
+                </a:effectLst>
+              </a14:hiddenEffects>
+            </a:ext>
+          </a:extLst>
+        </p:spPr>
+      </p:pic>
+      <p:sp>
+        <p:nvSpPr>
+          <p:cNvPr id="12" name="矩形 11"/>
           <p:cNvSpPr>
             <a:spLocks noChangeArrowheads="1"/>
           </p:cNvSpPr>
@@ -33242,8 +35589,8 @@
         </p:nvSpPr>
         <p:spPr bwMode="auto">
           <a:xfrm>
-            <a:off x="2436838" y="4261244"/>
-            <a:ext cx="5657080" cy="307777"/>
+            <a:off x="3919984" y="3962418"/>
+            <a:ext cx="4376477" cy="307777"/>
           </a:xfrm>
           <a:prstGeom prst="rect">
             <a:avLst/>
@@ -33286,11 +35633,101 @@
                 <a:latin typeface="宋体" pitchFamily="2" charset="-122"/>
                 <a:ea typeface="宋体" pitchFamily="2" charset="-122"/>
               </a:rPr>
-              <a:t>工</a:t>
+              <a:t>非礼勿视</a:t>
+            </a:r>
+            <a:r>
+              <a:rPr lang="en-US" altLang="zh-CN" sz="1400" dirty="0">
+                <a:solidFill>
+                  <a:schemeClr val="bg1"/>
+                </a:solidFill>
+                <a:latin typeface="宋体" pitchFamily="2" charset="-122"/>
+                <a:ea typeface="宋体" pitchFamily="2" charset="-122"/>
+              </a:rPr>
+              <a:t>,</a:t>
+            </a:r>
+            <a:r>
+              <a:rPr lang="zh-CN" altLang="en-US" sz="1400" dirty="0">
+                <a:solidFill>
+                  <a:schemeClr val="bg1"/>
+                </a:solidFill>
+                <a:latin typeface="宋体" pitchFamily="2" charset="-122"/>
+                <a:ea typeface="宋体" pitchFamily="2" charset="-122"/>
+              </a:rPr>
+              <a:t>非礼勿听</a:t>
+            </a:r>
+            <a:r>
+              <a:rPr lang="en-US" altLang="zh-CN" sz="1400" dirty="0">
+                <a:solidFill>
+                  <a:schemeClr val="bg1"/>
+                </a:solidFill>
+                <a:latin typeface="宋体" pitchFamily="2" charset="-122"/>
+                <a:ea typeface="宋体" pitchFamily="2" charset="-122"/>
+              </a:rPr>
+              <a:t>,</a:t>
+            </a:r>
+            <a:r>
+              <a:rPr lang="zh-CN" altLang="en-US" sz="1400" dirty="0">
+                <a:solidFill>
+                  <a:schemeClr val="bg1"/>
+                </a:solidFill>
+                <a:latin typeface="宋体" pitchFamily="2" charset="-122"/>
+                <a:ea typeface="宋体" pitchFamily="2" charset="-122"/>
+              </a:rPr>
+              <a:t>非礼勿言</a:t>
+            </a:r>
+            <a:r>
+              <a:rPr lang="en-US" altLang="zh-CN" sz="1400" dirty="0">
+                <a:solidFill>
+                  <a:schemeClr val="bg1"/>
+                </a:solidFill>
+                <a:latin typeface="宋体" pitchFamily="2" charset="-122"/>
+                <a:ea typeface="宋体" pitchFamily="2" charset="-122"/>
+              </a:rPr>
+              <a:t>,</a:t>
+            </a:r>
+            <a:r>
+              <a:rPr lang="zh-CN" altLang="en-US" sz="1400" dirty="0">
+                <a:solidFill>
+                  <a:schemeClr val="bg1"/>
+                </a:solidFill>
+                <a:latin typeface="宋体" pitchFamily="2" charset="-122"/>
+                <a:ea typeface="宋体" pitchFamily="2" charset="-122"/>
+              </a:rPr>
+              <a:t>非礼勿</a:t>
+            </a:r>
+            <a:r>
+              <a:rPr lang="zh-CN" altLang="en-US" sz="1400" dirty="0" smtClean="0">
+                <a:solidFill>
+                  <a:schemeClr val="bg1"/>
+                </a:solidFill>
+                <a:latin typeface="宋体" pitchFamily="2" charset="-122"/>
+                <a:ea typeface="宋体" pitchFamily="2" charset="-122"/>
+              </a:rPr>
+              <a:t>动。</a:t>
+            </a:r>
+            <a:r>
+              <a:rPr lang="en-US" altLang="zh-CN" sz="1400" dirty="0" smtClean="0">
+                <a:solidFill>
+                  <a:schemeClr val="bg1"/>
+                </a:solidFill>
+                <a:latin typeface="宋体" pitchFamily="2" charset="-122"/>
+                <a:ea typeface="宋体" pitchFamily="2" charset="-122"/>
+              </a:rPr>
+              <a:t>—</a:t>
+            </a:r>
+            <a:r>
+              <a:rPr lang="zh-CN" altLang="en-US" sz="1400" dirty="0" smtClean="0">
+                <a:solidFill>
+                  <a:schemeClr val="bg1"/>
+                </a:solidFill>
+                <a:latin typeface="宋体" pitchFamily="2" charset="-122"/>
+                <a:ea typeface="宋体" pitchFamily="2" charset="-122"/>
+              </a:rPr>
+              <a:t>孔子</a:t>
             </a:r>
             <a:endParaRPr lang="zh-CN" altLang="en-US" sz="1400" dirty="0">
               <a:solidFill>
-                <a:schemeClr val="tx1"/>
+                <a:schemeClr val="bg1"/>
               </a:solidFill>
               <a:latin typeface="宋体" pitchFamily="2" charset="-122"/>
               <a:ea typeface="宋体" pitchFamily="2" charset="-122"/>
@@ -33298,10 +35735,46 @@
           </a:p>
         </p:txBody>
       </p:sp>
+      <p:cxnSp>
+        <p:nvCxnSpPr>
+          <p:cNvPr id="13" name="直接连接符 12"/>
+          <p:cNvCxnSpPr/>
+          <p:nvPr/>
+        </p:nvCxnSpPr>
+        <p:spPr bwMode="auto">
+          <a:xfrm>
+            <a:off x="4992694" y="3942184"/>
+            <a:ext cx="3135306" cy="1588"/>
+          </a:xfrm>
+          <a:prstGeom prst="line">
+            <a:avLst/>
+          </a:prstGeom>
+          <a:ln>
+            <a:solidFill>
+              <a:schemeClr val="bg1"/>
+            </a:solidFill>
+          </a:ln>
+          <a:extLst/>
+        </p:spPr>
+        <p:style>
+          <a:lnRef idx="1">
+            <a:schemeClr val="dk1"/>
+          </a:lnRef>
+          <a:fillRef idx="0">
+            <a:schemeClr val="dk1"/>
+          </a:fillRef>
+          <a:effectRef idx="0">
+            <a:schemeClr val="dk1"/>
+          </a:effectRef>
+          <a:fontRef idx="minor">
+            <a:schemeClr val="tx1"/>
+          </a:fontRef>
+        </p:style>
+      </p:cxnSp>
     </p:spTree>
     <p:extLst>
       <p:ext uri="{BB962C8B-B14F-4D97-AF65-F5344CB8AC3E}">
-        <p14:creationId xmlns:p14="http://schemas.microsoft.com/office/powerpoint/2010/main" val="2982650462"/>
+        <p14:creationId xmlns:p14="http://schemas.microsoft.com/office/powerpoint/2010/main" val="3930760317"/>
       </p:ext>
     </p:extLst>
   </p:cSld>
@@ -33363,7 +35836,7 @@
         <p:spPr bwMode="auto">
           <a:xfrm>
             <a:off x="-112464" y="0"/>
-            <a:ext cx="2448272" cy="642926"/>
+            <a:ext cx="3165723" cy="642926"/>
           </a:xfrm>
           <a:noFill/>
           <a:extLst>
@@ -33395,19 +35868,30 @@
           <a:lstStyle/>
           <a:p>
             <a:r>
+              <a:rPr lang="zh-CN" altLang="en-US" sz="2500" b="1" dirty="0" smtClean="0">
+                <a:latin typeface="微软雅黑" pitchFamily="34" charset="-122"/>
+                <a:ea typeface="微软雅黑" pitchFamily="34" charset="-122"/>
+              </a:rPr>
+              <a:t>协同办公</a:t>
+            </a:r>
+            <a:r>
               <a:rPr lang="en-US" altLang="zh-CN" sz="2500" b="1" dirty="0" smtClean="0">
                 <a:latin typeface="微软雅黑" pitchFamily="34" charset="-122"/>
                 <a:ea typeface="微软雅黑" pitchFamily="34" charset="-122"/>
               </a:rPr>
-              <a:t>HR-</a:t>
+              <a:t>-</a:t>
             </a:r>
             <a:r>
               <a:rPr lang="zh-CN" altLang="en-US" sz="2500" b="1" dirty="0" smtClean="0">
                 <a:latin typeface="微软雅黑" pitchFamily="34" charset="-122"/>
                 <a:ea typeface="微软雅黑" pitchFamily="34" charset="-122"/>
               </a:rPr>
-              <a:t>人员调动</a:t>
-            </a:r>
+              <a:t>自动提醒</a:t>
+            </a:r>
+            <a:endParaRPr lang="zh-CN" altLang="en-US" sz="2500" b="1" dirty="0" smtClean="0">
+              <a:latin typeface="微软雅黑" pitchFamily="34" charset="-122"/>
+              <a:ea typeface="微软雅黑" pitchFamily="34" charset="-122"/>
+            </a:endParaRPr>
           </a:p>
         </p:txBody>
       </p:sp>
@@ -33439,7 +35923,7 @@
                 <a:latin typeface="微软雅黑" pitchFamily="34" charset="-122"/>
                 <a:ea typeface="微软雅黑" pitchFamily="34" charset="-122"/>
               </a:rPr>
-              <a:t>小杨本来是管理培训生，现轮岗到生产部</a:t>
+              <a:t>小杨收到系统中弹出提醒和通知邮件，是来自协同办公模块的，通知他下达的销售订单已经生产和审核完毕。</a:t>
             </a:r>
             <a:endParaRPr lang="en-US" altLang="zh-CN" dirty="0" smtClean="0">
               <a:solidFill>
@@ -33453,7 +35937,7 @@
       </p:sp>
       <p:sp>
         <p:nvSpPr>
-          <p:cNvPr id="7" name="矩形 11"/>
+          <p:cNvPr id="6" name="矩形 5"/>
           <p:cNvSpPr>
             <a:spLocks noChangeArrowheads="1"/>
           </p:cNvSpPr>
@@ -33461,8 +35945,8 @@
         </p:nvSpPr>
         <p:spPr bwMode="auto">
           <a:xfrm>
-            <a:off x="2436838" y="4261244"/>
-            <a:ext cx="5657080" cy="307777"/>
+            <a:off x="6111776" y="3943772"/>
+            <a:ext cx="2016224" cy="307777"/>
           </a:xfrm>
           <a:prstGeom prst="rect">
             <a:avLst/>
@@ -33498,18 +35982,18 @@
           <a:lstStyle/>
           <a:p>
             <a:r>
-              <a:rPr lang="zh-CN" altLang="en-US" sz="1400" dirty="0">
+              <a:rPr lang="en-US" altLang="zh-CN" sz="1400" dirty="0" smtClean="0">
                 <a:solidFill>
                   <a:schemeClr val="bg1"/>
                 </a:solidFill>
                 <a:latin typeface="宋体" pitchFamily="2" charset="-122"/>
                 <a:ea typeface="宋体" pitchFamily="2" charset="-122"/>
               </a:rPr>
-              <a:t>工</a:t>
+              <a:t>It’s your turn now.</a:t>
             </a:r>
             <a:endParaRPr lang="zh-CN" altLang="en-US" sz="1400" dirty="0">
               <a:solidFill>
-                <a:schemeClr val="tx1"/>
+                <a:schemeClr val="bg1"/>
               </a:solidFill>
               <a:latin typeface="宋体" pitchFamily="2" charset="-122"/>
               <a:ea typeface="宋体" pitchFamily="2" charset="-122"/>
@@ -33517,273 +36001,46 @@
           </a:p>
         </p:txBody>
       </p:sp>
-      <p:pic>
-        <p:nvPicPr>
-          <p:cNvPr id="2050" name="Picture 2"/>
-          <p:cNvPicPr>
-            <a:picLocks noChangeAspect="1" noChangeArrowheads="1"/>
-          </p:cNvPicPr>
+      <p:cxnSp>
+        <p:nvCxnSpPr>
+          <p:cNvPr id="8" name="直接连接符 7"/>
+          <p:cNvCxnSpPr/>
           <p:nvPr/>
-        </p:nvPicPr>
-        <p:blipFill>
-          <a:blip r:embed="rId4">
-            <a:extLst>
-              <a:ext uri="{28A0092B-C50C-407E-A947-70E740481C1C}">
-                <a14:useLocalDpi xmlns:a14="http://schemas.microsoft.com/office/drawing/2010/main" val="0"/>
-              </a:ext>
-            </a:extLst>
-          </a:blip>
-          <a:srcRect/>
-          <a:stretch>
-            <a:fillRect/>
-          </a:stretch>
-        </p:blipFill>
+        </p:nvCxnSpPr>
         <p:spPr bwMode="auto">
           <a:xfrm>
-            <a:off x="2640360" y="1216813"/>
-            <a:ext cx="4876800" cy="3105150"/>
+            <a:off x="4992694" y="3942184"/>
+            <a:ext cx="3135306" cy="1588"/>
           </a:xfrm>
-          <a:prstGeom prst="rect">
+          <a:prstGeom prst="line">
             <a:avLst/>
           </a:prstGeom>
-          <a:noFill/>
           <a:ln>
-            <a:noFill/>
+            <a:solidFill>
+              <a:schemeClr val="bg1"/>
+            </a:solidFill>
           </a:ln>
-          <a:effectLst/>
-          <a:extLst>
-            <a:ext uri="{909E8E84-426E-40DD-AFC4-6F175D3DCCD1}">
-              <a14:hiddenFill xmlns:a14="http://schemas.microsoft.com/office/drawing/2010/main">
-                <a:solidFill>
-                  <a:schemeClr val="accent1"/>
-                </a:solidFill>
-              </a14:hiddenFill>
-            </a:ext>
-            <a:ext uri="{91240B29-F687-4F45-9708-019B960494DF}">
-              <a14:hiddenLine xmlns:a14="http://schemas.microsoft.com/office/drawing/2010/main" w="9525">
-                <a:solidFill>
-                  <a:schemeClr val="tx1"/>
-                </a:solidFill>
-                <a:miter lim="800000"/>
-                <a:headEnd/>
-                <a:tailEnd/>
-              </a14:hiddenLine>
-            </a:ext>
-            <a:ext uri="{AF507438-7753-43E0-B8FC-AC1667EBCBE1}">
-              <a14:hiddenEffects xmlns:a14="http://schemas.microsoft.com/office/drawing/2010/main">
-                <a:effectLst>
-                  <a:outerShdw dist="35921" dir="2700000" algn="ctr" rotWithShape="0">
-                    <a:schemeClr val="bg2"/>
-                  </a:outerShdw>
-                </a:effectLst>
-              </a14:hiddenEffects>
-            </a:ext>
-          </a:extLst>
-        </p:spPr>
-      </p:pic>
-      <p:pic>
-        <p:nvPicPr>
-          <p:cNvPr id="2051" name="Picture 3"/>
-          <p:cNvPicPr>
-            <a:picLocks noChangeAspect="1" noChangeArrowheads="1"/>
-          </p:cNvPicPr>
-          <p:nvPr/>
-        </p:nvPicPr>
-        <p:blipFill>
-          <a:blip r:embed="rId5">
-            <a:extLst>
-              <a:ext uri="{28A0092B-C50C-407E-A947-70E740481C1C}">
-                <a14:useLocalDpi xmlns:a14="http://schemas.microsoft.com/office/drawing/2010/main" val="0"/>
-              </a:ext>
-            </a:extLst>
-          </a:blip>
-          <a:srcRect/>
-          <a:stretch>
-            <a:fillRect/>
-          </a:stretch>
-        </p:blipFill>
-        <p:spPr bwMode="auto">
-          <a:xfrm>
-            <a:off x="1874863" y="2416963"/>
-            <a:ext cx="561975" cy="704850"/>
-          </a:xfrm>
-          <a:prstGeom prst="rect">
-            <a:avLst/>
-          </a:prstGeom>
-          <a:noFill/>
-          <a:ln>
-            <a:noFill/>
-          </a:ln>
-          <a:effectLst/>
-          <a:extLst>
-            <a:ext uri="{909E8E84-426E-40DD-AFC4-6F175D3DCCD1}">
-              <a14:hiddenFill xmlns:a14="http://schemas.microsoft.com/office/drawing/2010/main">
-                <a:solidFill>
-                  <a:schemeClr val="accent1"/>
-                </a:solidFill>
-              </a14:hiddenFill>
-            </a:ext>
-            <a:ext uri="{91240B29-F687-4F45-9708-019B960494DF}">
-              <a14:hiddenLine xmlns:a14="http://schemas.microsoft.com/office/drawing/2010/main" w="9525">
-                <a:solidFill>
-                  <a:schemeClr val="tx1"/>
-                </a:solidFill>
-                <a:miter lim="800000"/>
-                <a:headEnd/>
-                <a:tailEnd/>
-              </a14:hiddenLine>
-            </a:ext>
-            <a:ext uri="{AF507438-7753-43E0-B8FC-AC1667EBCBE1}">
-              <a14:hiddenEffects xmlns:a14="http://schemas.microsoft.com/office/drawing/2010/main">
-                <a:effectLst>
-                  <a:outerShdw dist="35921" dir="2700000" algn="ctr" rotWithShape="0">
-                    <a:schemeClr val="bg2"/>
-                  </a:outerShdw>
-                </a:effectLst>
-              </a14:hiddenEffects>
-            </a:ext>
-          </a:extLst>
-        </p:spPr>
-      </p:pic>
-      <p:pic>
-        <p:nvPicPr>
-          <p:cNvPr id="8" name="Picture 5"/>
-          <p:cNvPicPr>
-            <a:picLocks noChangeAspect="1" noChangeArrowheads="1"/>
-          </p:cNvPicPr>
-          <p:nvPr/>
-        </p:nvPicPr>
-        <p:blipFill>
-          <a:blip r:embed="rId6">
-            <a:extLst>
-              <a:ext uri="{28A0092B-C50C-407E-A947-70E740481C1C}">
-                <a14:useLocalDpi xmlns:a14="http://schemas.microsoft.com/office/drawing/2010/main" val="0"/>
-              </a:ext>
-            </a:extLst>
-          </a:blip>
-          <a:srcRect/>
-          <a:stretch>
-            <a:fillRect/>
-          </a:stretch>
-        </p:blipFill>
-        <p:spPr bwMode="auto">
-          <a:xfrm>
-            <a:off x="47575" y="1297334"/>
-            <a:ext cx="1666875" cy="2809875"/>
-          </a:xfrm>
-          <a:prstGeom prst="rect">
-            <a:avLst/>
-          </a:prstGeom>
-          <a:noFill/>
-          <a:ln>
-            <a:noFill/>
-          </a:ln>
-          <a:effectLst/>
-          <a:extLst>
-            <a:ext uri="{909E8E84-426E-40DD-AFC4-6F175D3DCCD1}">
-              <a14:hiddenFill xmlns:a14="http://schemas.microsoft.com/office/drawing/2010/main">
-                <a:solidFill>
-                  <a:schemeClr val="accent1"/>
-                </a:solidFill>
-              </a14:hiddenFill>
-            </a:ext>
-            <a:ext uri="{91240B29-F687-4F45-9708-019B960494DF}">
-              <a14:hiddenLine xmlns:a14="http://schemas.microsoft.com/office/drawing/2010/main" w="9525">
-                <a:solidFill>
-                  <a:schemeClr val="tx1"/>
-                </a:solidFill>
-                <a:miter lim="800000"/>
-                <a:headEnd/>
-                <a:tailEnd/>
-              </a14:hiddenLine>
-            </a:ext>
-            <a:ext uri="{AF507438-7753-43E0-B8FC-AC1667EBCBE1}">
-              <a14:hiddenEffects xmlns:a14="http://schemas.microsoft.com/office/drawing/2010/main">
-                <a:effectLst>
-                  <a:outerShdw dist="35921" dir="2700000" algn="ctr" rotWithShape="0">
-                    <a:schemeClr val="bg2"/>
-                  </a:outerShdw>
-                </a:effectLst>
-              </a14:hiddenEffects>
-            </a:ext>
-          </a:extLst>
-        </p:spPr>
-      </p:pic>
-      <p:sp>
-        <p:nvSpPr>
-          <p:cNvPr id="9" name="右箭头 8"/>
-          <p:cNvSpPr/>
-          <p:nvPr/>
-        </p:nvSpPr>
-        <p:spPr bwMode="auto">
-          <a:xfrm>
-            <a:off x="1874863" y="1984915"/>
-            <a:ext cx="569664" cy="432048"/>
-          </a:xfrm>
-          <a:prstGeom prst="rightArrow">
-            <a:avLst/>
-          </a:prstGeom>
-          <a:ln/>
           <a:extLst/>
         </p:spPr>
         <p:style>
           <a:lnRef idx="1">
             <a:schemeClr val="dk1"/>
           </a:lnRef>
-          <a:fillRef idx="3">
+          <a:fillRef idx="0">
             <a:schemeClr val="dk1"/>
           </a:fillRef>
-          <a:effectRef idx="2">
+          <a:effectRef idx="0">
             <a:schemeClr val="dk1"/>
           </a:effectRef>
           <a:fontRef idx="minor">
-            <a:schemeClr val="lt1"/>
+            <a:schemeClr val="tx1"/>
           </a:fontRef>
         </p:style>
-        <p:txBody>
-          <a:bodyPr vert="horz" wrap="square" lIns="91440" tIns="45720" rIns="91440" bIns="45720" numCol="1" rtlCol="0" anchor="t" anchorCtr="0" compatLnSpc="1">
-            <a:prstTxWarp prst="textNoShape">
-              <a:avLst/>
-            </a:prstTxWarp>
-          </a:bodyPr>
-          <a:lstStyle/>
-          <a:p>
-            <a:pPr marL="0" marR="0" indent="0" algn="ctr" defTabSz="914400" rtl="0" eaLnBrk="1" fontAlgn="base" latinLnBrk="0" hangingPunct="1">
-              <a:lnSpc>
-                <a:spcPct val="100000"/>
-              </a:lnSpc>
-              <a:spcBef>
-                <a:spcPct val="0"/>
-              </a:spcBef>
-              <a:spcAft>
-                <a:spcPct val="0"/>
-              </a:spcAft>
-              <a:buClrTx/>
-              <a:buSzTx/>
-              <a:buFontTx/>
-              <a:buNone/>
-              <a:tabLst/>
-            </a:pPr>
-            <a:endParaRPr kumimoji="0" lang="zh-CN" altLang="en-US" sz="1800" b="0" i="0" u="none" strike="noStrike" cap="none" normalizeH="0" baseline="0">
-              <a:ln>
-                <a:noFill/>
-              </a:ln>
-              <a:solidFill>
-                <a:srgbClr val="FFFFFF"/>
-              </a:solidFill>
-              <a:effectLst/>
-              <a:latin typeface="Gill Sans" charset="0"/>
-              <a:ea typeface="Heiti SC Light" charset="0"/>
-              <a:cs typeface="Heiti SC Light" charset="0"/>
-              <a:sym typeface="Gill Sans" charset="0"/>
-            </a:endParaRPr>
-          </a:p>
-        </p:txBody>
-      </p:sp>
+      </p:cxnSp>
     </p:spTree>
     <p:extLst>
       <p:ext uri="{BB962C8B-B14F-4D97-AF65-F5344CB8AC3E}">
-        <p14:creationId xmlns:p14="http://schemas.microsoft.com/office/powerpoint/2010/main" val="544594635"/>
+        <p14:creationId xmlns:p14="http://schemas.microsoft.com/office/powerpoint/2010/main" val="2982650462"/>
       </p:ext>
     </p:extLst>
   </p:cSld>
@@ -33844,8 +36101,8 @@
         </p:nvSpPr>
         <p:spPr bwMode="auto">
           <a:xfrm>
-            <a:off x="-112464" y="0"/>
-            <a:ext cx="3744416" cy="642926"/>
+            <a:off x="-256480" y="0"/>
+            <a:ext cx="2304256" cy="642926"/>
           </a:xfrm>
           <a:noFill/>
           <a:extLst>
@@ -33877,11 +36134,11 @@
           <a:lstStyle/>
           <a:p>
             <a:r>
-              <a:rPr lang="zh-CN" altLang="en-US" sz="2500" b="1" dirty="0">
+              <a:rPr lang="zh-CN" altLang="en-US" sz="2500" b="1" dirty="0" smtClean="0">
                 <a:latin typeface="微软雅黑" pitchFamily="34" charset="-122"/>
                 <a:ea typeface="微软雅黑" pitchFamily="34" charset="-122"/>
               </a:rPr>
-              <a:t>生产</a:t>
+              <a:t>销售</a:t>
             </a:r>
             <a:r>
               <a:rPr lang="en-US" altLang="zh-CN" sz="2500" b="1" dirty="0" smtClean="0">
@@ -33895,7 +36152,7 @@
                 <a:latin typeface="微软雅黑" pitchFamily="34" charset="-122"/>
                 <a:ea typeface="微软雅黑" pitchFamily="34" charset="-122"/>
               </a:rPr>
-              <a:t>物料清单与工序</a:t>
+              <a:t>出库</a:t>
             </a:r>
           </a:p>
         </p:txBody>
@@ -33928,7 +36185,7 @@
                 <a:latin typeface="微软雅黑" pitchFamily="34" charset="-122"/>
                 <a:ea typeface="微软雅黑" pitchFamily="34" charset="-122"/>
               </a:rPr>
-              <a:t>物料基本资料</a:t>
+              <a:t>订单已经生产和审核完毕，可以出库了</a:t>
             </a:r>
             <a:endParaRPr lang="en-US" altLang="zh-CN" dirty="0" smtClean="0">
               <a:solidFill>
@@ -33938,92 +36195,75 @@
               <a:ea typeface="微软雅黑" pitchFamily="34" charset="-122"/>
             </a:endParaRPr>
           </a:p>
-          <a:p>
-            <a:r>
-              <a:rPr lang="zh-CN" altLang="en-US" dirty="0" smtClean="0">
-                <a:solidFill>
-                  <a:schemeClr val="bg1"/>
-                </a:solidFill>
-                <a:latin typeface="微软雅黑" pitchFamily="34" charset="-122"/>
-                <a:ea typeface="微软雅黑" pitchFamily="34" charset="-122"/>
-              </a:rPr>
-              <a:t>物料清单</a:t>
-            </a:r>
-            <a:r>
-              <a:rPr lang="en-US" altLang="zh-CN" dirty="0" smtClean="0">
-                <a:solidFill>
-                  <a:schemeClr val="bg1"/>
-                </a:solidFill>
-                <a:latin typeface="微软雅黑" pitchFamily="34" charset="-122"/>
-                <a:ea typeface="微软雅黑" pitchFamily="34" charset="-122"/>
-              </a:rPr>
-              <a:t>(BOM)</a:t>
-            </a:r>
-          </a:p>
-          <a:p>
-            <a:r>
-              <a:rPr lang="zh-CN" altLang="en-US" dirty="0" smtClean="0">
-                <a:solidFill>
-                  <a:schemeClr val="bg1"/>
-                </a:solidFill>
-                <a:latin typeface="微软雅黑" pitchFamily="34" charset="-122"/>
-                <a:ea typeface="微软雅黑" pitchFamily="34" charset="-122"/>
-              </a:rPr>
-              <a:t>工序设置－</a:t>
-            </a:r>
-            <a:r>
-              <a:rPr lang="en-US" altLang="zh-CN" dirty="0" smtClean="0">
-                <a:solidFill>
-                  <a:schemeClr val="bg1"/>
-                </a:solidFill>
-                <a:latin typeface="微软雅黑" pitchFamily="34" charset="-122"/>
-                <a:ea typeface="微软雅黑" pitchFamily="34" charset="-122"/>
-              </a:rPr>
-              <a:t>&gt;</a:t>
-            </a:r>
-            <a:r>
-              <a:rPr lang="zh-CN" altLang="en-US" dirty="0" smtClean="0">
-                <a:solidFill>
-                  <a:schemeClr val="bg1"/>
-                </a:solidFill>
-                <a:latin typeface="微软雅黑" pitchFamily="34" charset="-122"/>
-                <a:ea typeface="微软雅黑" pitchFamily="34" charset="-122"/>
-              </a:rPr>
-              <a:t>生产进度跟踪（闭环</a:t>
-            </a:r>
-            <a:r>
-              <a:rPr lang="en-US" altLang="zh-CN" dirty="0" smtClean="0">
-                <a:solidFill>
-                  <a:schemeClr val="bg1"/>
-                </a:solidFill>
-                <a:latin typeface="微软雅黑" pitchFamily="34" charset="-122"/>
-                <a:ea typeface="微软雅黑" pitchFamily="34" charset="-122"/>
-              </a:rPr>
-              <a:t>MRP</a:t>
-            </a:r>
-            <a:r>
-              <a:rPr lang="zh-CN" altLang="en-US" dirty="0" smtClean="0">
-                <a:solidFill>
-                  <a:schemeClr val="bg1"/>
-                </a:solidFill>
-                <a:latin typeface="微软雅黑" pitchFamily="34" charset="-122"/>
-                <a:ea typeface="微软雅黑" pitchFamily="34" charset="-122"/>
-              </a:rPr>
-              <a:t>重要手段之一）</a:t>
-            </a:r>
-            <a:endParaRPr lang="en-US" altLang="zh-CN" dirty="0" smtClean="0">
-              <a:solidFill>
-                <a:schemeClr val="bg1"/>
-              </a:solidFill>
-              <a:latin typeface="微软雅黑" pitchFamily="34" charset="-122"/>
-              <a:ea typeface="微软雅黑" pitchFamily="34" charset="-122"/>
-            </a:endParaRPr>
-          </a:p>
         </p:txBody>
       </p:sp>
-      <p:sp>
-        <p:nvSpPr>
-          <p:cNvPr id="7" name="矩形 11"/>
+      <p:pic>
+        <p:nvPicPr>
+          <p:cNvPr id="2" name="Picture 2"/>
+          <p:cNvPicPr>
+            <a:picLocks noChangeAspect="1" noChangeArrowheads="1"/>
+          </p:cNvPicPr>
+          <p:nvPr/>
+        </p:nvPicPr>
+        <p:blipFill>
+          <a:blip r:embed="rId4">
+            <a:extLst>
+              <a:ext uri="{28A0092B-C50C-407E-A947-70E740481C1C}">
+                <a14:useLocalDpi xmlns:a14="http://schemas.microsoft.com/office/drawing/2010/main" val="0"/>
+              </a:ext>
+            </a:extLst>
+          </a:blip>
+          <a:srcRect/>
+          <a:stretch>
+            <a:fillRect/>
+          </a:stretch>
+        </p:blipFill>
+        <p:spPr bwMode="auto">
+          <a:xfrm>
+            <a:off x="146199" y="1349896"/>
+            <a:ext cx="7913687" cy="2724150"/>
+          </a:xfrm>
+          <a:prstGeom prst="rect">
+            <a:avLst/>
+          </a:prstGeom>
+          <a:noFill/>
+          <a:ln>
+            <a:noFill/>
+          </a:ln>
+          <a:effectLst/>
+          <a:extLst>
+            <a:ext uri="{909E8E84-426E-40DD-AFC4-6F175D3DCCD1}">
+              <a14:hiddenFill xmlns:a14="http://schemas.microsoft.com/office/drawing/2010/main">
+                <a:solidFill>
+                  <a:schemeClr val="accent1"/>
+                </a:solidFill>
+              </a14:hiddenFill>
+            </a:ext>
+            <a:ext uri="{91240B29-F687-4F45-9708-019B960494DF}">
+              <a14:hiddenLine xmlns:a14="http://schemas.microsoft.com/office/drawing/2010/main" w="9525">
+                <a:solidFill>
+                  <a:schemeClr val="tx1"/>
+                </a:solidFill>
+                <a:miter lim="800000"/>
+                <a:headEnd/>
+                <a:tailEnd/>
+              </a14:hiddenLine>
+            </a:ext>
+            <a:ext uri="{AF507438-7753-43E0-B8FC-AC1667EBCBE1}">
+              <a14:hiddenEffects xmlns:a14="http://schemas.microsoft.com/office/drawing/2010/main">
+                <a:effectLst>
+                  <a:outerShdw dist="35921" dir="2700000" algn="ctr" rotWithShape="0">
+                    <a:schemeClr val="bg2"/>
+                  </a:outerShdw>
+                </a:effectLst>
+              </a14:hiddenEffects>
+            </a:ext>
+          </a:extLst>
+        </p:spPr>
+      </p:pic>
+      <p:sp>
+        <p:nvSpPr>
+          <p:cNvPr id="6" name="矩形 5"/>
           <p:cNvSpPr>
             <a:spLocks noChangeArrowheads="1"/>
           </p:cNvSpPr>
@@ -34031,8 +36271,8 @@
         </p:nvSpPr>
         <p:spPr bwMode="auto">
           <a:xfrm>
-            <a:off x="2436838" y="4261244"/>
-            <a:ext cx="5657080" cy="307777"/>
+            <a:off x="4825406" y="3943772"/>
+            <a:ext cx="3302594" cy="307777"/>
           </a:xfrm>
           <a:prstGeom prst="rect">
             <a:avLst/>
@@ -34068,18 +36308,18 @@
           <a:lstStyle/>
           <a:p>
             <a:r>
-              <a:rPr lang="zh-CN" altLang="en-US" sz="1400" dirty="0">
+              <a:rPr lang="zh-CN" altLang="en-US" sz="1400" dirty="0" smtClean="0">
                 <a:solidFill>
                   <a:schemeClr val="bg1"/>
                 </a:solidFill>
                 <a:latin typeface="宋体" pitchFamily="2" charset="-122"/>
                 <a:ea typeface="宋体" pitchFamily="2" charset="-122"/>
               </a:rPr>
-              <a:t>工</a:t>
+              <a:t>快点出库吧，村口儿的厕所快没纸了。</a:t>
             </a:r>
             <a:endParaRPr lang="zh-CN" altLang="en-US" sz="1400" dirty="0">
               <a:solidFill>
-                <a:schemeClr val="tx1"/>
+                <a:schemeClr val="bg1"/>
               </a:solidFill>
               <a:latin typeface="宋体" pitchFamily="2" charset="-122"/>
               <a:ea typeface="宋体" pitchFamily="2" charset="-122"/>
@@ -34087,10 +36327,46 @@
           </a:p>
         </p:txBody>
       </p:sp>
+      <p:cxnSp>
+        <p:nvCxnSpPr>
+          <p:cNvPr id="8" name="直接连接符 7"/>
+          <p:cNvCxnSpPr/>
+          <p:nvPr/>
+        </p:nvCxnSpPr>
+        <p:spPr bwMode="auto">
+          <a:xfrm>
+            <a:off x="4992694" y="3942184"/>
+            <a:ext cx="3135306" cy="1588"/>
+          </a:xfrm>
+          <a:prstGeom prst="line">
+            <a:avLst/>
+          </a:prstGeom>
+          <a:ln>
+            <a:solidFill>
+              <a:schemeClr val="bg1"/>
+            </a:solidFill>
+          </a:ln>
+          <a:extLst/>
+        </p:spPr>
+        <p:style>
+          <a:lnRef idx="1">
+            <a:schemeClr val="dk1"/>
+          </a:lnRef>
+          <a:fillRef idx="0">
+            <a:schemeClr val="dk1"/>
+          </a:fillRef>
+          <a:effectRef idx="0">
+            <a:schemeClr val="dk1"/>
+          </a:effectRef>
+          <a:fontRef idx="minor">
+            <a:schemeClr val="tx1"/>
+          </a:fontRef>
+        </p:style>
+      </p:cxnSp>
     </p:spTree>
     <p:extLst>
       <p:ext uri="{BB962C8B-B14F-4D97-AF65-F5344CB8AC3E}">
-        <p14:creationId xmlns:p14="http://schemas.microsoft.com/office/powerpoint/2010/main" val="2024211007"/>
+        <p14:creationId xmlns:p14="http://schemas.microsoft.com/office/powerpoint/2010/main" val="3592066197"/>
       </p:ext>
     </p:extLst>
   </p:cSld>
@@ -34635,25 +36911,18 @@
           <a:lstStyle/>
           <a:p>
             <a:r>
-              <a:rPr lang="zh-CN" altLang="en-US" sz="2500" b="1" dirty="0">
-                <a:latin typeface="微软雅黑" pitchFamily="34" charset="-122"/>
-                <a:ea typeface="微软雅黑" pitchFamily="34" charset="-122"/>
-              </a:rPr>
-              <a:t>生产</a:t>
-            </a:r>
-            <a:r>
               <a:rPr lang="en-US" altLang="zh-CN" sz="2500" b="1" dirty="0" smtClean="0">
                 <a:latin typeface="微软雅黑" pitchFamily="34" charset="-122"/>
                 <a:ea typeface="微软雅黑" pitchFamily="34" charset="-122"/>
               </a:rPr>
-              <a:t>-</a:t>
+              <a:t>HR-</a:t>
             </a:r>
             <a:r>
               <a:rPr lang="zh-CN" altLang="en-US" sz="2500" b="1" dirty="0" smtClean="0">
                 <a:latin typeface="微软雅黑" pitchFamily="34" charset="-122"/>
                 <a:ea typeface="微软雅黑" pitchFamily="34" charset="-122"/>
               </a:rPr>
-              <a:t>物料清单</a:t>
+              <a:t>人员调动</a:t>
             </a:r>
           </a:p>
         </p:txBody>
@@ -34670,7 +36939,7 @@
         </p:nvSpPr>
         <p:spPr>
           <a:xfrm>
-            <a:off x="391592" y="845840"/>
+            <a:off x="391592" y="692020"/>
             <a:ext cx="7315200" cy="3017838"/>
           </a:xfrm>
         </p:spPr>
@@ -34686,7 +36955,37 @@
                 <a:latin typeface="微软雅黑" pitchFamily="34" charset="-122"/>
                 <a:ea typeface="微软雅黑" pitchFamily="34" charset="-122"/>
               </a:rPr>
-              <a:t>基本物料清单</a:t>
+              <a:t>小</a:t>
+            </a:r>
+            <a:r>
+              <a:rPr lang="zh-CN" altLang="en-US" dirty="0" smtClean="0">
+                <a:solidFill>
+                  <a:schemeClr val="bg1"/>
+                </a:solidFill>
+                <a:latin typeface="微软雅黑" pitchFamily="34" charset="-122"/>
+                <a:ea typeface="微软雅黑" pitchFamily="34" charset="-122"/>
+              </a:rPr>
+              <a:t>杨是</a:t>
+            </a:r>
+            <a:r>
+              <a:rPr lang="zh-CN" altLang="en-US" dirty="0" smtClean="0">
+                <a:solidFill>
+                  <a:schemeClr val="bg1"/>
+                </a:solidFill>
+                <a:latin typeface="微软雅黑" pitchFamily="34" charset="-122"/>
+                <a:ea typeface="微软雅黑" pitchFamily="34" charset="-122"/>
+              </a:rPr>
+              <a:t>管理培训生，现轮岗到生产</a:t>
+            </a:r>
+            <a:r>
+              <a:rPr lang="zh-CN" altLang="en-US" dirty="0" smtClean="0">
+                <a:solidFill>
+                  <a:schemeClr val="bg1"/>
+                </a:solidFill>
+                <a:latin typeface="微软雅黑" pitchFamily="34" charset="-122"/>
+                <a:ea typeface="微软雅黑" pitchFamily="34" charset="-122"/>
+              </a:rPr>
+              <a:t>部</a:t>
             </a:r>
             <a:endParaRPr lang="en-US" altLang="zh-CN" dirty="0" smtClean="0">
               <a:solidFill>
@@ -34696,79 +36995,210 @@
               <a:ea typeface="微软雅黑" pitchFamily="34" charset="-122"/>
             </a:endParaRPr>
           </a:p>
-          <a:p>
-            <a:r>
-              <a:rPr lang="en-US" altLang="zh-CN" dirty="0" smtClean="0">
-                <a:solidFill>
-                  <a:schemeClr val="bg1"/>
-                </a:solidFill>
-                <a:latin typeface="微软雅黑" pitchFamily="34" charset="-122"/>
-                <a:ea typeface="微软雅黑" pitchFamily="34" charset="-122"/>
-              </a:rPr>
-              <a:t>MRP</a:t>
-            </a:r>
-            <a:r>
-              <a:rPr lang="zh-CN" altLang="en-US" dirty="0" smtClean="0">
-                <a:solidFill>
-                  <a:schemeClr val="bg1"/>
-                </a:solidFill>
-                <a:latin typeface="微软雅黑" pitchFamily="34" charset="-122"/>
-                <a:ea typeface="微软雅黑" pitchFamily="34" charset="-122"/>
-              </a:rPr>
-              <a:t>运算＝</a:t>
-            </a:r>
-            <a:r>
-              <a:rPr lang="en-US" altLang="zh-CN" dirty="0" smtClean="0">
-                <a:solidFill>
-                  <a:schemeClr val="bg1"/>
-                </a:solidFill>
-                <a:latin typeface="微软雅黑" pitchFamily="34" charset="-122"/>
-                <a:ea typeface="微软雅黑" pitchFamily="34" charset="-122"/>
-              </a:rPr>
-              <a:t>&gt;</a:t>
-            </a:r>
-            <a:r>
-              <a:rPr lang="zh-CN" altLang="en-US" dirty="0" smtClean="0">
-                <a:solidFill>
-                  <a:schemeClr val="bg1"/>
-                </a:solidFill>
-                <a:latin typeface="微软雅黑" pitchFamily="34" charset="-122"/>
-                <a:ea typeface="微软雅黑" pitchFamily="34" charset="-122"/>
-              </a:rPr>
-              <a:t>可以自动生成采购订单</a:t>
-            </a:r>
-            <a:endParaRPr lang="en-US" altLang="zh-CN" dirty="0" smtClean="0">
+        </p:txBody>
+      </p:sp>
+      <p:pic>
+        <p:nvPicPr>
+          <p:cNvPr id="2051" name="Picture 3"/>
+          <p:cNvPicPr>
+            <a:picLocks noChangeAspect="1" noChangeArrowheads="1"/>
+          </p:cNvPicPr>
+          <p:nvPr/>
+        </p:nvPicPr>
+        <p:blipFill>
+          <a:blip r:embed="rId4">
+            <a:extLst>
+              <a:ext uri="{28A0092B-C50C-407E-A947-70E740481C1C}">
+                <a14:useLocalDpi xmlns:a14="http://schemas.microsoft.com/office/drawing/2010/main" val="0"/>
+              </a:ext>
+            </a:extLst>
+          </a:blip>
+          <a:srcRect/>
+          <a:stretch>
+            <a:fillRect/>
+          </a:stretch>
+        </p:blipFill>
+        <p:spPr bwMode="auto">
+          <a:xfrm>
+            <a:off x="1769765" y="2200939"/>
+            <a:ext cx="561975" cy="704850"/>
+          </a:xfrm>
+          <a:prstGeom prst="rect">
+            <a:avLst/>
+          </a:prstGeom>
+          <a:noFill/>
+          <a:ln>
+            <a:noFill/>
+          </a:ln>
+          <a:effectLst/>
+          <a:extLst>
+            <a:ext uri="{909E8E84-426E-40DD-AFC4-6F175D3DCCD1}">
+              <a14:hiddenFill xmlns:a14="http://schemas.microsoft.com/office/drawing/2010/main">
+                <a:solidFill>
+                  <a:schemeClr val="accent1"/>
+                </a:solidFill>
+              </a14:hiddenFill>
+            </a:ext>
+            <a:ext uri="{91240B29-F687-4F45-9708-019B960494DF}">
+              <a14:hiddenLine xmlns:a14="http://schemas.microsoft.com/office/drawing/2010/main" w="9525">
+                <a:solidFill>
+                  <a:schemeClr val="tx1"/>
+                </a:solidFill>
+                <a:miter lim="800000"/>
+                <a:headEnd/>
+                <a:tailEnd/>
+              </a14:hiddenLine>
+            </a:ext>
+            <a:ext uri="{AF507438-7753-43E0-B8FC-AC1667EBCBE1}">
+              <a14:hiddenEffects xmlns:a14="http://schemas.microsoft.com/office/drawing/2010/main">
+                <a:effectLst>
+                  <a:outerShdw dist="35921" dir="2700000" algn="ctr" rotWithShape="0">
+                    <a:schemeClr val="bg2"/>
+                  </a:outerShdw>
+                </a:effectLst>
+              </a14:hiddenEffects>
+            </a:ext>
+          </a:extLst>
+        </p:spPr>
+      </p:pic>
+      <p:pic>
+        <p:nvPicPr>
+          <p:cNvPr id="8" name="Picture 5"/>
+          <p:cNvPicPr>
+            <a:picLocks noChangeAspect="1" noChangeArrowheads="1"/>
+          </p:cNvPicPr>
+          <p:nvPr/>
+        </p:nvPicPr>
+        <p:blipFill>
+          <a:blip r:embed="rId5">
+            <a:extLst>
+              <a:ext uri="{28A0092B-C50C-407E-A947-70E740481C1C}">
+                <a14:useLocalDpi xmlns:a14="http://schemas.microsoft.com/office/drawing/2010/main" val="0"/>
+              </a:ext>
+            </a:extLst>
+          </a:blip>
+          <a:srcRect/>
+          <a:stretch>
+            <a:fillRect/>
+          </a:stretch>
+        </p:blipFill>
+        <p:spPr bwMode="auto">
+          <a:xfrm>
+            <a:off x="61590" y="1133872"/>
+            <a:ext cx="1666875" cy="2809875"/>
+          </a:xfrm>
+          <a:prstGeom prst="rect">
+            <a:avLst/>
+          </a:prstGeom>
+          <a:noFill/>
+          <a:ln>
+            <a:noFill/>
+          </a:ln>
+          <a:effectLst/>
+          <a:extLst>
+            <a:ext uri="{909E8E84-426E-40DD-AFC4-6F175D3DCCD1}">
+              <a14:hiddenFill xmlns:a14="http://schemas.microsoft.com/office/drawing/2010/main">
+                <a:solidFill>
+                  <a:schemeClr val="accent1"/>
+                </a:solidFill>
+              </a14:hiddenFill>
+            </a:ext>
+            <a:ext uri="{91240B29-F687-4F45-9708-019B960494DF}">
+              <a14:hiddenLine xmlns:a14="http://schemas.microsoft.com/office/drawing/2010/main" w="9525">
+                <a:solidFill>
+                  <a:schemeClr val="tx1"/>
+                </a:solidFill>
+                <a:miter lim="800000"/>
+                <a:headEnd/>
+                <a:tailEnd/>
+              </a14:hiddenLine>
+            </a:ext>
+            <a:ext uri="{AF507438-7753-43E0-B8FC-AC1667EBCBE1}">
+              <a14:hiddenEffects xmlns:a14="http://schemas.microsoft.com/office/drawing/2010/main">
+                <a:effectLst>
+                  <a:outerShdw dist="35921" dir="2700000" algn="ctr" rotWithShape="0">
+                    <a:schemeClr val="bg2"/>
+                  </a:outerShdw>
+                </a:effectLst>
+              </a14:hiddenEffects>
+            </a:ext>
+          </a:extLst>
+        </p:spPr>
+      </p:pic>
+      <p:sp>
+        <p:nvSpPr>
+          <p:cNvPr id="9" name="右箭头 8"/>
+          <p:cNvSpPr/>
+          <p:nvPr/>
+        </p:nvSpPr>
+        <p:spPr bwMode="auto">
+          <a:xfrm>
+            <a:off x="1863627" y="1853952"/>
+            <a:ext cx="569664" cy="432048"/>
+          </a:xfrm>
+          <a:prstGeom prst="rightArrow">
+            <a:avLst/>
+          </a:prstGeom>
+          <a:ln/>
+          <a:extLst/>
+        </p:spPr>
+        <p:style>
+          <a:lnRef idx="1">
+            <a:schemeClr val="dk1"/>
+          </a:lnRef>
+          <a:fillRef idx="3">
+            <a:schemeClr val="dk1"/>
+          </a:fillRef>
+          <a:effectRef idx="2">
+            <a:schemeClr val="dk1"/>
+          </a:effectRef>
+          <a:fontRef idx="minor">
+            <a:schemeClr val="lt1"/>
+          </a:fontRef>
+        </p:style>
+        <p:txBody>
+          <a:bodyPr vert="horz" wrap="square" lIns="91440" tIns="45720" rIns="91440" bIns="45720" numCol="1" rtlCol="0" anchor="t" anchorCtr="0" compatLnSpc="1">
+            <a:prstTxWarp prst="textNoShape">
+              <a:avLst/>
+            </a:prstTxWarp>
+          </a:bodyPr>
+          <a:lstStyle/>
+          <a:p>
+            <a:pPr marL="0" marR="0" indent="0" algn="ctr" defTabSz="914400" rtl="0" eaLnBrk="1" fontAlgn="base" latinLnBrk="0" hangingPunct="1">
+              <a:lnSpc>
+                <a:spcPct val="100000"/>
+              </a:lnSpc>
+              <a:spcBef>
+                <a:spcPct val="0"/>
+              </a:spcBef>
+              <a:spcAft>
+                <a:spcPct val="0"/>
+              </a:spcAft>
+              <a:buClrTx/>
+              <a:buSzTx/>
+              <a:buFontTx/>
+              <a:buNone/>
+              <a:tabLst/>
+            </a:pPr>
+            <a:endParaRPr kumimoji="0" lang="zh-CN" altLang="en-US" sz="1800" b="0" i="0" u="none" strike="noStrike" cap="none" normalizeH="0" baseline="0">
+              <a:ln>
+                <a:noFill/>
+              </a:ln>
               <a:solidFill>
-                <a:schemeClr val="bg1"/>
+                <a:srgbClr val="FFFFFF"/>
               </a:solidFill>
-              <a:latin typeface="微软雅黑" pitchFamily="34" charset="-122"/>
-              <a:ea typeface="微软雅黑" pitchFamily="34" charset="-122"/>
+              <a:effectLst/>
+              <a:latin typeface="Gill Sans" charset="0"/>
+              <a:ea typeface="Heiti SC Light" charset="0"/>
+              <a:cs typeface="Heiti SC Light" charset="0"/>
+              <a:sym typeface="Gill Sans" charset="0"/>
             </a:endParaRPr>
           </a:p>
-          <a:p>
-            <a:r>
-              <a:rPr lang="zh-CN" altLang="en-US" dirty="0" smtClean="0">
-                <a:solidFill>
-                  <a:schemeClr val="bg1"/>
-                </a:solidFill>
-                <a:latin typeface="微软雅黑" pitchFamily="34" charset="-122"/>
-                <a:ea typeface="微软雅黑" pitchFamily="34" charset="-122"/>
-              </a:rPr>
-              <a:t>采购订单预算报批、审批</a:t>
-            </a:r>
-            <a:endParaRPr lang="en-US" altLang="zh-CN" dirty="0" smtClean="0">
-              <a:solidFill>
-                <a:schemeClr val="bg1"/>
-              </a:solidFill>
-              <a:latin typeface="微软雅黑" pitchFamily="34" charset="-122"/>
-              <a:ea typeface="微软雅黑" pitchFamily="34" charset="-122"/>
-            </a:endParaRPr>
-          </a:p>
         </p:txBody>
       </p:sp>
       <p:sp>
         <p:nvSpPr>
-          <p:cNvPr id="7" name="矩形 11"/>
+          <p:cNvPr id="10" name="矩形 9"/>
           <p:cNvSpPr>
             <a:spLocks noChangeArrowheads="1"/>
           </p:cNvSpPr>
@@ -34776,8 +37206,8 @@
         </p:nvSpPr>
         <p:spPr bwMode="auto">
           <a:xfrm>
-            <a:off x="2436838" y="4261244"/>
-            <a:ext cx="5657080" cy="307777"/>
+            <a:off x="5070367" y="3942184"/>
+            <a:ext cx="2979960" cy="307777"/>
           </a:xfrm>
           <a:prstGeom prst="rect">
             <a:avLst/>
@@ -34813,18 +37243,38 @@
           <a:lstStyle/>
           <a:p>
             <a:r>
-              <a:rPr lang="zh-CN" altLang="en-US" sz="1400" dirty="0">
+              <a:rPr lang="zh-CN" altLang="en-US" sz="1400" dirty="0" smtClean="0">
                 <a:solidFill>
                   <a:schemeClr val="bg1"/>
                 </a:solidFill>
                 <a:latin typeface="宋体" pitchFamily="2" charset="-122"/>
                 <a:ea typeface="宋体" pitchFamily="2" charset="-122"/>
               </a:rPr>
-              <a:t>工</a:t>
+              <a:t>唉呀！我一定会回来的！</a:t>
+            </a:r>
+            <a:r>
+              <a:rPr lang="en-US" altLang="zh-CN" sz="1400" dirty="0" smtClean="0">
+                <a:solidFill>
+                  <a:schemeClr val="bg1"/>
+                </a:solidFill>
+                <a:latin typeface="宋体" pitchFamily="2" charset="-122"/>
+                <a:ea typeface="宋体" pitchFamily="2" charset="-122"/>
+              </a:rPr>
+              <a:t>—</a:t>
+            </a:r>
+            <a:r>
+              <a:rPr lang="zh-CN" altLang="en-US" sz="1400" dirty="0" smtClean="0">
+                <a:solidFill>
+                  <a:schemeClr val="bg1"/>
+                </a:solidFill>
+                <a:latin typeface="宋体" pitchFamily="2" charset="-122"/>
+                <a:ea typeface="宋体" pitchFamily="2" charset="-122"/>
+              </a:rPr>
+              <a:t>灰太狼</a:t>
             </a:r>
             <a:endParaRPr lang="zh-CN" altLang="en-US" sz="1400" dirty="0">
               <a:solidFill>
-                <a:schemeClr val="tx1"/>
+                <a:schemeClr val="bg1"/>
               </a:solidFill>
               <a:latin typeface="宋体" pitchFamily="2" charset="-122"/>
               <a:ea typeface="宋体" pitchFamily="2" charset="-122"/>
@@ -34832,10 +37282,110 @@
           </a:p>
         </p:txBody>
       </p:sp>
+      <p:cxnSp>
+        <p:nvCxnSpPr>
+          <p:cNvPr id="11" name="直接连接符 10"/>
+          <p:cNvCxnSpPr/>
+          <p:nvPr/>
+        </p:nvCxnSpPr>
+        <p:spPr bwMode="auto">
+          <a:xfrm>
+            <a:off x="4992694" y="3942184"/>
+            <a:ext cx="3135306" cy="1588"/>
+          </a:xfrm>
+          <a:prstGeom prst="line">
+            <a:avLst/>
+          </a:prstGeom>
+          <a:ln>
+            <a:solidFill>
+              <a:schemeClr val="bg1"/>
+            </a:solidFill>
+          </a:ln>
+          <a:extLst/>
+        </p:spPr>
+        <p:style>
+          <a:lnRef idx="1">
+            <a:schemeClr val="dk1"/>
+          </a:lnRef>
+          <a:fillRef idx="0">
+            <a:schemeClr val="dk1"/>
+          </a:fillRef>
+          <a:effectRef idx="0">
+            <a:schemeClr val="dk1"/>
+          </a:effectRef>
+          <a:fontRef idx="minor">
+            <a:schemeClr val="tx1"/>
+          </a:fontRef>
+        </p:style>
+      </p:cxnSp>
+      <p:pic>
+        <p:nvPicPr>
+          <p:cNvPr id="8194" name="Picture 2"/>
+          <p:cNvPicPr>
+            <a:picLocks noChangeAspect="1" noChangeArrowheads="1"/>
+          </p:cNvPicPr>
+          <p:nvPr/>
+        </p:nvPicPr>
+        <p:blipFill>
+          <a:blip r:embed="rId6">
+            <a:extLst>
+              <a:ext uri="{28A0092B-C50C-407E-A947-70E740481C1C}">
+                <a14:useLocalDpi xmlns:a14="http://schemas.microsoft.com/office/drawing/2010/main" val="0"/>
+              </a:ext>
+            </a:extLst>
+          </a:blip>
+          <a:srcRect/>
+          <a:stretch>
+            <a:fillRect/>
+          </a:stretch>
+        </p:blipFill>
+        <p:spPr bwMode="auto">
+          <a:xfrm>
+            <a:off x="2461742" y="1146820"/>
+            <a:ext cx="4876800" cy="2695575"/>
+          </a:xfrm>
+          <a:prstGeom prst="rect">
+            <a:avLst/>
+          </a:prstGeom>
+          <a:noFill/>
+          <a:ln>
+            <a:noFill/>
+          </a:ln>
+          <a:effectLst/>
+          <a:extLst>
+            <a:ext uri="{909E8E84-426E-40DD-AFC4-6F175D3DCCD1}">
+              <a14:hiddenFill xmlns:a14="http://schemas.microsoft.com/office/drawing/2010/main">
+                <a:solidFill>
+                  <a:schemeClr val="accent1"/>
+                </a:solidFill>
+              </a14:hiddenFill>
+            </a:ext>
+            <a:ext uri="{91240B29-F687-4F45-9708-019B960494DF}">
+              <a14:hiddenLine xmlns:a14="http://schemas.microsoft.com/office/drawing/2010/main" w="9525">
+                <a:solidFill>
+                  <a:schemeClr val="tx1"/>
+                </a:solidFill>
+                <a:miter lim="800000"/>
+                <a:headEnd/>
+                <a:tailEnd/>
+              </a14:hiddenLine>
+            </a:ext>
+            <a:ext uri="{AF507438-7753-43E0-B8FC-AC1667EBCBE1}">
+              <a14:hiddenEffects xmlns:a14="http://schemas.microsoft.com/office/drawing/2010/main">
+                <a:effectLst>
+                  <a:outerShdw dist="35921" dir="2700000" algn="ctr" rotWithShape="0">
+                    <a:schemeClr val="bg2"/>
+                  </a:outerShdw>
+                </a:effectLst>
+              </a14:hiddenEffects>
+            </a:ext>
+          </a:extLst>
+        </p:spPr>
+      </p:pic>
     </p:spTree>
     <p:extLst>
       <p:ext uri="{BB962C8B-B14F-4D97-AF65-F5344CB8AC3E}">
-        <p14:creationId xmlns:p14="http://schemas.microsoft.com/office/powerpoint/2010/main" val="4043751769"/>
+        <p14:creationId xmlns:p14="http://schemas.microsoft.com/office/powerpoint/2010/main" val="544594635"/>
       </p:ext>
     </p:extLst>
   </p:cSld>
@@ -34896,8 +37446,8 @@
         </p:nvSpPr>
         <p:spPr bwMode="auto">
           <a:xfrm>
-            <a:off x="-112464" y="0"/>
-            <a:ext cx="2448272" cy="642926"/>
+            <a:off x="-184472" y="19050"/>
+            <a:ext cx="3744416" cy="642926"/>
           </a:xfrm>
           <a:noFill/>
           <a:extLst>
@@ -34947,8 +37497,19 @@
                 <a:latin typeface="微软雅黑" pitchFamily="34" charset="-122"/>
                 <a:ea typeface="微软雅黑" pitchFamily="34" charset="-122"/>
               </a:rPr>
-              <a:t>生产计划</a:t>
-            </a:r>
+              <a:t>物料</a:t>
+            </a:r>
+            <a:r>
+              <a:rPr lang="zh-CN" altLang="en-US" sz="2500" b="1" dirty="0" smtClean="0">
+                <a:latin typeface="微软雅黑" pitchFamily="34" charset="-122"/>
+                <a:ea typeface="微软雅黑" pitchFamily="34" charset="-122"/>
+              </a:rPr>
+              <a:t>清单</a:t>
+            </a:r>
+            <a:endParaRPr lang="zh-CN" altLang="en-US" sz="2500" b="1" dirty="0" smtClean="0">
+              <a:latin typeface="微软雅黑" pitchFamily="34" charset="-122"/>
+              <a:ea typeface="微软雅黑" pitchFamily="34" charset="-122"/>
+            </a:endParaRPr>
           </a:p>
         </p:txBody>
       </p:sp>
@@ -34980,7 +37541,7 @@
                 <a:latin typeface="微软雅黑" pitchFamily="34" charset="-122"/>
                 <a:ea typeface="微软雅黑" pitchFamily="34" charset="-122"/>
               </a:rPr>
-              <a:t>生产计划</a:t>
+              <a:t>小杨拥有了生产模块的权限，学习生产模块的以下内容</a:t>
             </a:r>
             <a:endParaRPr lang="en-US" altLang="zh-CN" dirty="0" smtClean="0">
               <a:solidFill>
@@ -34990,11 +37551,91 @@
               <a:ea typeface="微软雅黑" pitchFamily="34" charset="-122"/>
             </a:endParaRPr>
           </a:p>
+          <a:p>
+            <a:r>
+              <a:rPr lang="zh-CN" altLang="en-US" dirty="0" smtClean="0">
+                <a:solidFill>
+                  <a:schemeClr val="bg1"/>
+                </a:solidFill>
+                <a:latin typeface="微软雅黑" pitchFamily="34" charset="-122"/>
+                <a:ea typeface="微软雅黑" pitchFamily="34" charset="-122"/>
+              </a:rPr>
+              <a:t>物料</a:t>
+            </a:r>
+            <a:r>
+              <a:rPr lang="zh-CN" altLang="en-US" dirty="0" smtClean="0">
+                <a:solidFill>
+                  <a:schemeClr val="bg1"/>
+                </a:solidFill>
+                <a:latin typeface="微软雅黑" pitchFamily="34" charset="-122"/>
+                <a:ea typeface="微软雅黑" pitchFamily="34" charset="-122"/>
+              </a:rPr>
+              <a:t>基本资料</a:t>
+            </a:r>
+            <a:endParaRPr lang="en-US" altLang="zh-CN" dirty="0" smtClean="0">
+              <a:solidFill>
+                <a:schemeClr val="bg1"/>
+              </a:solidFill>
+              <a:latin typeface="微软雅黑" pitchFamily="34" charset="-122"/>
+              <a:ea typeface="微软雅黑" pitchFamily="34" charset="-122"/>
+            </a:endParaRPr>
+          </a:p>
+          <a:p>
+            <a:r>
+              <a:rPr lang="zh-CN" altLang="en-US" dirty="0" smtClean="0">
+                <a:solidFill>
+                  <a:schemeClr val="bg1"/>
+                </a:solidFill>
+                <a:latin typeface="微软雅黑" pitchFamily="34" charset="-122"/>
+                <a:ea typeface="微软雅黑" pitchFamily="34" charset="-122"/>
+              </a:rPr>
+              <a:t>物料清单</a:t>
+            </a:r>
+            <a:r>
+              <a:rPr lang="en-US" altLang="zh-CN" dirty="0" smtClean="0">
+                <a:solidFill>
+                  <a:schemeClr val="bg1"/>
+                </a:solidFill>
+                <a:latin typeface="微软雅黑" pitchFamily="34" charset="-122"/>
+                <a:ea typeface="微软雅黑" pitchFamily="34" charset="-122"/>
+              </a:rPr>
+              <a:t>(BOM)</a:t>
+            </a:r>
+          </a:p>
+          <a:p>
+            <a:r>
+              <a:rPr lang="zh-CN" altLang="en-US" dirty="0" smtClean="0">
+                <a:solidFill>
+                  <a:schemeClr val="bg1"/>
+                </a:solidFill>
+                <a:latin typeface="微软雅黑" pitchFamily="34" charset="-122"/>
+                <a:ea typeface="微软雅黑" pitchFamily="34" charset="-122"/>
+              </a:rPr>
+              <a:t>工序</a:t>
+            </a:r>
+            <a:r>
+              <a:rPr lang="zh-CN" altLang="en-US" dirty="0" smtClean="0">
+                <a:solidFill>
+                  <a:schemeClr val="bg1"/>
+                </a:solidFill>
+                <a:latin typeface="微软雅黑" pitchFamily="34" charset="-122"/>
+                <a:ea typeface="微软雅黑" pitchFamily="34" charset="-122"/>
+              </a:rPr>
+              <a:t>设置</a:t>
+            </a:r>
+            <a:endParaRPr lang="en-US" altLang="zh-CN" dirty="0" smtClean="0">
+              <a:solidFill>
+                <a:schemeClr val="bg1"/>
+              </a:solidFill>
+              <a:latin typeface="微软雅黑" pitchFamily="34" charset="-122"/>
+              <a:ea typeface="微软雅黑" pitchFamily="34" charset="-122"/>
+            </a:endParaRPr>
+          </a:p>
         </p:txBody>
       </p:sp>
       <p:sp>
         <p:nvSpPr>
-          <p:cNvPr id="7" name="矩形 11"/>
+          <p:cNvPr id="6" name="矩形 5"/>
           <p:cNvSpPr>
             <a:spLocks noChangeArrowheads="1"/>
           </p:cNvSpPr>
@@ -35002,8 +37643,8 @@
         </p:nvSpPr>
         <p:spPr bwMode="auto">
           <a:xfrm>
-            <a:off x="2436838" y="4261244"/>
-            <a:ext cx="5657080" cy="307777"/>
+            <a:off x="4280024" y="3962418"/>
+            <a:ext cx="4012778" cy="307777"/>
           </a:xfrm>
           <a:prstGeom prst="rect">
             <a:avLst/>
@@ -35039,18 +37680,38 @@
           <a:lstStyle/>
           <a:p>
             <a:r>
-              <a:rPr lang="zh-CN" altLang="en-US" sz="1400" dirty="0">
+              <a:rPr lang="zh-CN" altLang="en-US" sz="1400" dirty="0" smtClean="0">
                 <a:solidFill>
                   <a:schemeClr val="bg1"/>
                 </a:solidFill>
                 <a:latin typeface="宋体" pitchFamily="2" charset="-122"/>
                 <a:ea typeface="宋体" pitchFamily="2" charset="-122"/>
               </a:rPr>
-              <a:t>工</a:t>
+              <a:t>哪里不会点哪里</a:t>
+            </a:r>
+            <a:r>
+              <a:rPr lang="en-US" altLang="zh-CN" sz="1400" dirty="0" smtClean="0">
+                <a:solidFill>
+                  <a:schemeClr val="bg1"/>
+                </a:solidFill>
+                <a:latin typeface="宋体" pitchFamily="2" charset="-122"/>
+                <a:ea typeface="宋体" pitchFamily="2" charset="-122"/>
+              </a:rPr>
+              <a:t>——</a:t>
+            </a:r>
+            <a:r>
+              <a:rPr lang="zh-CN" altLang="en-US" sz="1400" dirty="0" smtClean="0">
+                <a:solidFill>
+                  <a:schemeClr val="bg1"/>
+                </a:solidFill>
+                <a:latin typeface="宋体" pitchFamily="2" charset="-122"/>
+                <a:ea typeface="宋体" pitchFamily="2" charset="-122"/>
+              </a:rPr>
+              <a:t>你真要点啊？！别当真啊！</a:t>
             </a:r>
             <a:endParaRPr lang="zh-CN" altLang="en-US" sz="1400" dirty="0">
               <a:solidFill>
-                <a:schemeClr val="tx1"/>
+                <a:schemeClr val="bg1"/>
               </a:solidFill>
               <a:latin typeface="宋体" pitchFamily="2" charset="-122"/>
               <a:ea typeface="宋体" pitchFamily="2" charset="-122"/>
@@ -35058,10 +37719,46 @@
           </a:p>
         </p:txBody>
       </p:sp>
+      <p:cxnSp>
+        <p:nvCxnSpPr>
+          <p:cNvPr id="8" name="直接连接符 7"/>
+          <p:cNvCxnSpPr/>
+          <p:nvPr/>
+        </p:nvCxnSpPr>
+        <p:spPr bwMode="auto">
+          <a:xfrm>
+            <a:off x="4992694" y="3942184"/>
+            <a:ext cx="3135306" cy="1588"/>
+          </a:xfrm>
+          <a:prstGeom prst="line">
+            <a:avLst/>
+          </a:prstGeom>
+          <a:ln>
+            <a:solidFill>
+              <a:schemeClr val="bg1"/>
+            </a:solidFill>
+          </a:ln>
+          <a:extLst/>
+        </p:spPr>
+        <p:style>
+          <a:lnRef idx="1">
+            <a:schemeClr val="dk1"/>
+          </a:lnRef>
+          <a:fillRef idx="0">
+            <a:schemeClr val="dk1"/>
+          </a:fillRef>
+          <a:effectRef idx="0">
+            <a:schemeClr val="dk1"/>
+          </a:effectRef>
+          <a:fontRef idx="minor">
+            <a:schemeClr val="tx1"/>
+          </a:fontRef>
+        </p:style>
+      </p:cxnSp>
     </p:spTree>
     <p:extLst>
       <p:ext uri="{BB962C8B-B14F-4D97-AF65-F5344CB8AC3E}">
-        <p14:creationId xmlns:p14="http://schemas.microsoft.com/office/powerpoint/2010/main" val="2392226739"/>
+        <p14:creationId xmlns:p14="http://schemas.microsoft.com/office/powerpoint/2010/main" val="2024211007"/>
       </p:ext>
     </p:extLst>
   </p:cSld>
@@ -35080,6 +37777,2511 @@
 </file>
 
 <file path=ppt/slides/slide32.xml><?xml version="1.0" encoding="utf-8"?>
+<p:sld xmlns:a="http://schemas.openxmlformats.org/drawingml/2006/main" xmlns:r="http://schemas.openxmlformats.org/officeDocument/2006/relationships" xmlns:p="http://schemas.openxmlformats.org/presentationml/2006/main">
+  <p:cSld>
+    <p:bg>
+      <p:bgPr>
+        <a:blipFill dpi="0" rotWithShape="1">
+          <a:blip r:embed="rId3">
+            <a:lum/>
+          </a:blip>
+          <a:srcRect/>
+          <a:stretch>
+            <a:fillRect/>
+          </a:stretch>
+        </a:blipFill>
+        <a:effectLst/>
+      </p:bgPr>
+    </p:bg>
+    <p:spTree>
+      <p:nvGrpSpPr>
+        <p:cNvPr id="1" name=""/>
+        <p:cNvGrpSpPr/>
+        <p:nvPr/>
+      </p:nvGrpSpPr>
+      <p:grpSpPr>
+        <a:xfrm>
+          <a:off x="0" y="0"/>
+          <a:ext cx="0" cy="0"/>
+          <a:chOff x="0" y="0"/>
+          <a:chExt cx="0" cy="0"/>
+        </a:xfrm>
+      </p:grpSpPr>
+      <p:sp>
+        <p:nvSpPr>
+          <p:cNvPr id="5122" name="标题 1"/>
+          <p:cNvSpPr>
+            <a:spLocks noGrp="1"/>
+          </p:cNvSpPr>
+          <p:nvPr>
+            <p:ph type="title"/>
+          </p:nvPr>
+        </p:nvSpPr>
+        <p:spPr bwMode="auto">
+          <a:xfrm>
+            <a:off x="-112464" y="0"/>
+            <a:ext cx="3744416" cy="642926"/>
+          </a:xfrm>
+          <a:noFill/>
+          <a:extLst>
+            <a:ext uri="{909E8E84-426E-40DD-AFC4-6F175D3DCCD1}">
+              <a14:hiddenFill xmlns:a14="http://schemas.microsoft.com/office/drawing/2010/main">
+                <a:solidFill>
+                  <a:srgbClr val="FFFFFF"/>
+                </a:solidFill>
+              </a14:hiddenFill>
+            </a:ext>
+            <a:ext uri="{91240B29-F687-4F45-9708-019B960494DF}">
+              <a14:hiddenLine xmlns:a14="http://schemas.microsoft.com/office/drawing/2010/main" w="9525">
+                <a:solidFill>
+                  <a:srgbClr val="000000"/>
+                </a:solidFill>
+                <a:miter lim="800000"/>
+                <a:headEnd/>
+                <a:tailEnd/>
+              </a14:hiddenLine>
+            </a:ext>
+          </a:extLst>
+        </p:spPr>
+        <p:txBody>
+          <a:bodyPr wrap="square" lIns="91440" tIns="45720" rIns="91440" bIns="45720" numCol="1" anchor="t" anchorCtr="0" compatLnSpc="1">
+            <a:prstTxWarp prst="textNoShape">
+              <a:avLst/>
+            </a:prstTxWarp>
+          </a:bodyPr>
+          <a:lstStyle/>
+          <a:p>
+            <a:r>
+              <a:rPr lang="zh-CN" altLang="en-US" sz="2500" b="1" dirty="0">
+                <a:latin typeface="微软雅黑" pitchFamily="34" charset="-122"/>
+                <a:ea typeface="微软雅黑" pitchFamily="34" charset="-122"/>
+              </a:rPr>
+              <a:t>生产</a:t>
+            </a:r>
+            <a:r>
+              <a:rPr lang="en-US" altLang="zh-CN" sz="2500" b="1" dirty="0" smtClean="0">
+                <a:latin typeface="微软雅黑" pitchFamily="34" charset="-122"/>
+                <a:ea typeface="微软雅黑" pitchFamily="34" charset="-122"/>
+              </a:rPr>
+              <a:t>-</a:t>
+            </a:r>
+            <a:r>
+              <a:rPr lang="zh-CN" altLang="en-US" sz="2500" b="1" dirty="0" smtClean="0">
+                <a:latin typeface="微软雅黑" pitchFamily="34" charset="-122"/>
+                <a:ea typeface="微软雅黑" pitchFamily="34" charset="-122"/>
+              </a:rPr>
+              <a:t>物料</a:t>
+            </a:r>
+            <a:r>
+              <a:rPr lang="zh-CN" altLang="en-US" sz="2500" b="1" dirty="0" smtClean="0">
+                <a:latin typeface="微软雅黑" pitchFamily="34" charset="-122"/>
+                <a:ea typeface="微软雅黑" pitchFamily="34" charset="-122"/>
+              </a:rPr>
+              <a:t>清单</a:t>
+            </a:r>
+            <a:r>
+              <a:rPr lang="en-US" altLang="zh-CN" sz="2500" b="1" dirty="0" smtClean="0">
+                <a:latin typeface="微软雅黑" pitchFamily="34" charset="-122"/>
+                <a:ea typeface="微软雅黑" pitchFamily="34" charset="-122"/>
+              </a:rPr>
+              <a:t>II</a:t>
+            </a:r>
+            <a:endParaRPr lang="zh-CN" altLang="en-US" sz="2500" b="1" dirty="0" smtClean="0">
+              <a:latin typeface="微软雅黑" pitchFamily="34" charset="-122"/>
+              <a:ea typeface="微软雅黑" pitchFamily="34" charset="-122"/>
+            </a:endParaRPr>
+          </a:p>
+        </p:txBody>
+      </p:sp>
+      <p:sp>
+        <p:nvSpPr>
+          <p:cNvPr id="5" name="内容占位符 2"/>
+          <p:cNvSpPr>
+            <a:spLocks noGrp="1"/>
+          </p:cNvSpPr>
+          <p:nvPr>
+            <p:ph idx="1"/>
+          </p:nvPr>
+        </p:nvSpPr>
+        <p:spPr>
+          <a:xfrm>
+            <a:off x="469218" y="686271"/>
+            <a:ext cx="7315200" cy="3017838"/>
+          </a:xfrm>
+        </p:spPr>
+        <p:txBody>
+          <a:bodyPr/>
+          <a:lstStyle/>
+          <a:p>
+            <a:r>
+              <a:rPr lang="zh-CN" altLang="en-US" dirty="0" smtClean="0">
+                <a:solidFill>
+                  <a:schemeClr val="bg1"/>
+                </a:solidFill>
+                <a:latin typeface="微软雅黑" pitchFamily="34" charset="-122"/>
+                <a:ea typeface="微软雅黑" pitchFamily="34" charset="-122"/>
+              </a:rPr>
+              <a:t>物料</a:t>
+            </a:r>
+            <a:r>
+              <a:rPr lang="zh-CN" altLang="en-US" dirty="0" smtClean="0">
+                <a:solidFill>
+                  <a:schemeClr val="bg1"/>
+                </a:solidFill>
+                <a:latin typeface="微软雅黑" pitchFamily="34" charset="-122"/>
+                <a:ea typeface="微软雅黑" pitchFamily="34" charset="-122"/>
+              </a:rPr>
+              <a:t>基本</a:t>
+            </a:r>
+            <a:r>
+              <a:rPr lang="zh-CN" altLang="en-US" dirty="0" smtClean="0">
+                <a:solidFill>
+                  <a:schemeClr val="bg1"/>
+                </a:solidFill>
+                <a:latin typeface="微软雅黑" pitchFamily="34" charset="-122"/>
+                <a:ea typeface="微软雅黑" pitchFamily="34" charset="-122"/>
+              </a:rPr>
+              <a:t>资料：</a:t>
+            </a:r>
+            <a:r>
+              <a:rPr lang="zh-CN" altLang="en-US" dirty="0" smtClean="0">
+                <a:solidFill>
+                  <a:schemeClr val="bg1"/>
+                </a:solidFill>
+                <a:latin typeface="微软雅黑" pitchFamily="34" charset="-122"/>
+                <a:ea typeface="微软雅黑" pitchFamily="34" charset="-122"/>
+              </a:rPr>
+              <a:t>即是各物料本身数据和信息。可以在软件需求中说明哪些信息会如何影响</a:t>
+            </a:r>
+            <a:r>
+              <a:rPr lang="en-US" altLang="zh-CN" dirty="0" smtClean="0">
+                <a:solidFill>
+                  <a:schemeClr val="bg1"/>
+                </a:solidFill>
+                <a:latin typeface="微软雅黑" pitchFamily="34" charset="-122"/>
+                <a:ea typeface="微软雅黑" pitchFamily="34" charset="-122"/>
+              </a:rPr>
+              <a:t>MRP</a:t>
+            </a:r>
+            <a:r>
+              <a:rPr lang="zh-CN" altLang="en-US" dirty="0" smtClean="0">
+                <a:solidFill>
+                  <a:schemeClr val="bg1"/>
+                </a:solidFill>
+                <a:latin typeface="微软雅黑" pitchFamily="34" charset="-122"/>
+                <a:ea typeface="微软雅黑" pitchFamily="34" charset="-122"/>
+              </a:rPr>
+              <a:t>运算，如来源这一项</a:t>
+            </a:r>
+            <a:endParaRPr lang="en-US" altLang="zh-CN" dirty="0" smtClean="0">
+              <a:solidFill>
+                <a:schemeClr val="bg1"/>
+              </a:solidFill>
+              <a:latin typeface="微软雅黑" pitchFamily="34" charset="-122"/>
+              <a:ea typeface="微软雅黑" pitchFamily="34" charset="-122"/>
+            </a:endParaRPr>
+          </a:p>
+          <a:p>
+            <a:endParaRPr lang="en-US" altLang="zh-CN" dirty="0" smtClean="0">
+              <a:solidFill>
+                <a:schemeClr val="bg1"/>
+              </a:solidFill>
+              <a:latin typeface="微软雅黑" pitchFamily="34" charset="-122"/>
+              <a:ea typeface="微软雅黑" pitchFamily="34" charset="-122"/>
+            </a:endParaRPr>
+          </a:p>
+        </p:txBody>
+      </p:sp>
+      <p:pic>
+        <p:nvPicPr>
+          <p:cNvPr id="6146" name="Picture 2"/>
+          <p:cNvPicPr>
+            <a:picLocks noChangeAspect="1" noChangeArrowheads="1"/>
+          </p:cNvPicPr>
+          <p:nvPr/>
+        </p:nvPicPr>
+        <p:blipFill>
+          <a:blip r:embed="rId4">
+            <a:extLst>
+              <a:ext uri="{28A0092B-C50C-407E-A947-70E740481C1C}">
+                <a14:useLocalDpi xmlns:a14="http://schemas.microsoft.com/office/drawing/2010/main" val="0"/>
+              </a:ext>
+            </a:extLst>
+          </a:blip>
+          <a:srcRect/>
+          <a:stretch>
+            <a:fillRect/>
+          </a:stretch>
+        </p:blipFill>
+        <p:spPr bwMode="auto">
+          <a:xfrm>
+            <a:off x="5936208" y="1565920"/>
+            <a:ext cx="1600200" cy="1962150"/>
+          </a:xfrm>
+          <a:prstGeom prst="rect">
+            <a:avLst/>
+          </a:prstGeom>
+          <a:noFill/>
+          <a:ln>
+            <a:noFill/>
+          </a:ln>
+          <a:effectLst/>
+          <a:extLst>
+            <a:ext uri="{909E8E84-426E-40DD-AFC4-6F175D3DCCD1}">
+              <a14:hiddenFill xmlns:a14="http://schemas.microsoft.com/office/drawing/2010/main">
+                <a:solidFill>
+                  <a:schemeClr val="accent1"/>
+                </a:solidFill>
+              </a14:hiddenFill>
+            </a:ext>
+            <a:ext uri="{91240B29-F687-4F45-9708-019B960494DF}">
+              <a14:hiddenLine xmlns:a14="http://schemas.microsoft.com/office/drawing/2010/main" w="9525">
+                <a:solidFill>
+                  <a:schemeClr val="tx1"/>
+                </a:solidFill>
+                <a:miter lim="800000"/>
+                <a:headEnd/>
+                <a:tailEnd/>
+              </a14:hiddenLine>
+            </a:ext>
+            <a:ext uri="{AF507438-7753-43E0-B8FC-AC1667EBCBE1}">
+              <a14:hiddenEffects xmlns:a14="http://schemas.microsoft.com/office/drawing/2010/main">
+                <a:effectLst>
+                  <a:outerShdw dist="35921" dir="2700000" algn="ctr" rotWithShape="0">
+                    <a:schemeClr val="bg2"/>
+                  </a:outerShdw>
+                </a:effectLst>
+              </a14:hiddenEffects>
+            </a:ext>
+          </a:extLst>
+        </p:spPr>
+      </p:pic>
+      <p:pic>
+        <p:nvPicPr>
+          <p:cNvPr id="6147" name="Picture 3"/>
+          <p:cNvPicPr>
+            <a:picLocks noChangeAspect="1" noChangeArrowheads="1"/>
+          </p:cNvPicPr>
+          <p:nvPr/>
+        </p:nvPicPr>
+        <p:blipFill>
+          <a:blip r:embed="rId5">
+            <a:extLst>
+              <a:ext uri="{28A0092B-C50C-407E-A947-70E740481C1C}">
+                <a14:useLocalDpi xmlns:a14="http://schemas.microsoft.com/office/drawing/2010/main" val="0"/>
+              </a:ext>
+            </a:extLst>
+          </a:blip>
+          <a:srcRect/>
+          <a:stretch>
+            <a:fillRect/>
+          </a:stretch>
+        </p:blipFill>
+        <p:spPr bwMode="auto">
+          <a:xfrm>
+            <a:off x="278854" y="1436785"/>
+            <a:ext cx="4315965" cy="2573292"/>
+          </a:xfrm>
+          <a:prstGeom prst="rect">
+            <a:avLst/>
+          </a:prstGeom>
+          <a:noFill/>
+          <a:ln>
+            <a:noFill/>
+          </a:ln>
+          <a:effectLst/>
+          <a:extLst>
+            <a:ext uri="{909E8E84-426E-40DD-AFC4-6F175D3DCCD1}">
+              <a14:hiddenFill xmlns:a14="http://schemas.microsoft.com/office/drawing/2010/main">
+                <a:solidFill>
+                  <a:schemeClr val="accent1"/>
+                </a:solidFill>
+              </a14:hiddenFill>
+            </a:ext>
+            <a:ext uri="{91240B29-F687-4F45-9708-019B960494DF}">
+              <a14:hiddenLine xmlns:a14="http://schemas.microsoft.com/office/drawing/2010/main" w="9525">
+                <a:solidFill>
+                  <a:schemeClr val="tx1"/>
+                </a:solidFill>
+                <a:miter lim="800000"/>
+                <a:headEnd/>
+                <a:tailEnd/>
+              </a14:hiddenLine>
+            </a:ext>
+            <a:ext uri="{AF507438-7753-43E0-B8FC-AC1667EBCBE1}">
+              <a14:hiddenEffects xmlns:a14="http://schemas.microsoft.com/office/drawing/2010/main">
+                <a:effectLst>
+                  <a:outerShdw dist="35921" dir="2700000" algn="ctr" rotWithShape="0">
+                    <a:schemeClr val="bg2"/>
+                  </a:outerShdw>
+                </a:effectLst>
+              </a14:hiddenEffects>
+            </a:ext>
+          </a:extLst>
+        </p:spPr>
+      </p:pic>
+      <p:sp>
+        <p:nvSpPr>
+          <p:cNvPr id="8" name="矩形 7"/>
+          <p:cNvSpPr>
+            <a:spLocks noChangeArrowheads="1"/>
+          </p:cNvSpPr>
+          <p:nvPr/>
+        </p:nvSpPr>
+        <p:spPr bwMode="auto">
+          <a:xfrm>
+            <a:off x="5152132" y="3932677"/>
+            <a:ext cx="2975868" cy="307777"/>
+          </a:xfrm>
+          <a:prstGeom prst="rect">
+            <a:avLst/>
+          </a:prstGeom>
+          <a:noFill/>
+          <a:ln>
+            <a:noFill/>
+          </a:ln>
+          <a:extLst>
+            <a:ext uri="{909E8E84-426E-40DD-AFC4-6F175D3DCCD1}">
+              <a14:hiddenFill xmlns:a14="http://schemas.microsoft.com/office/drawing/2010/main">
+                <a:solidFill>
+                  <a:srgbClr val="FFFFFF"/>
+                </a:solidFill>
+              </a14:hiddenFill>
+            </a:ext>
+            <a:ext uri="{91240B29-F687-4F45-9708-019B960494DF}">
+              <a14:hiddenLine xmlns:a14="http://schemas.microsoft.com/office/drawing/2010/main" w="9525">
+                <a:solidFill>
+                  <a:srgbClr val="000000"/>
+                </a:solidFill>
+                <a:miter lim="800000"/>
+                <a:headEnd/>
+                <a:tailEnd/>
+              </a14:hiddenLine>
+            </a:ext>
+          </a:extLst>
+        </p:spPr>
+        <p:txBody>
+          <a:bodyPr wrap="square">
+            <a:spAutoFit/>
+          </a:bodyPr>
+          <a:lstStyle/>
+          <a:p>
+            <a:r>
+              <a:rPr lang="zh-CN" altLang="en-US" sz="1400" dirty="0" smtClean="0">
+                <a:solidFill>
+                  <a:schemeClr val="bg1"/>
+                </a:solidFill>
+                <a:latin typeface="宋体" pitchFamily="2" charset="-122"/>
+                <a:ea typeface="宋体" pitchFamily="2" charset="-122"/>
+              </a:rPr>
+              <a:t>问渠哪得清如许，为有源头活水来。</a:t>
+            </a:r>
+            <a:endParaRPr lang="zh-CN" altLang="en-US" sz="1400" dirty="0">
+              <a:solidFill>
+                <a:schemeClr val="bg1"/>
+              </a:solidFill>
+              <a:latin typeface="宋体" pitchFamily="2" charset="-122"/>
+              <a:ea typeface="宋体" pitchFamily="2" charset="-122"/>
+            </a:endParaRPr>
+          </a:p>
+        </p:txBody>
+      </p:sp>
+      <p:cxnSp>
+        <p:nvCxnSpPr>
+          <p:cNvPr id="9" name="直接连接符 8"/>
+          <p:cNvCxnSpPr/>
+          <p:nvPr/>
+        </p:nvCxnSpPr>
+        <p:spPr bwMode="auto">
+          <a:xfrm>
+            <a:off x="4992694" y="3942184"/>
+            <a:ext cx="3135306" cy="1588"/>
+          </a:xfrm>
+          <a:prstGeom prst="line">
+            <a:avLst/>
+          </a:prstGeom>
+          <a:ln>
+            <a:solidFill>
+              <a:schemeClr val="bg1"/>
+            </a:solidFill>
+          </a:ln>
+          <a:extLst/>
+        </p:spPr>
+        <p:style>
+          <a:lnRef idx="1">
+            <a:schemeClr val="dk1"/>
+          </a:lnRef>
+          <a:fillRef idx="0">
+            <a:schemeClr val="dk1"/>
+          </a:fillRef>
+          <a:effectRef idx="0">
+            <a:schemeClr val="dk1"/>
+          </a:effectRef>
+          <a:fontRef idx="minor">
+            <a:schemeClr val="tx1"/>
+          </a:fontRef>
+        </p:style>
+      </p:cxnSp>
+    </p:spTree>
+    <p:extLst>
+      <p:ext uri="{BB962C8B-B14F-4D97-AF65-F5344CB8AC3E}">
+        <p14:creationId xmlns:p14="http://schemas.microsoft.com/office/powerpoint/2010/main" val="4170978240"/>
+      </p:ext>
+    </p:extLst>
+  </p:cSld>
+  <p:clrMapOvr>
+    <a:masterClrMapping/>
+  </p:clrMapOvr>
+  <p:transition/>
+  <p:timing>
+    <p:tnLst>
+      <p:par>
+        <p:cTn id="1" dur="indefinite" restart="never" nodeType="tmRoot"/>
+      </p:par>
+    </p:tnLst>
+  </p:timing>
+</p:sld>
+</file>
+
+<file path=ppt/slides/slide33.xml><?xml version="1.0" encoding="utf-8"?>
+<p:sld xmlns:a="http://schemas.openxmlformats.org/drawingml/2006/main" xmlns:r="http://schemas.openxmlformats.org/officeDocument/2006/relationships" xmlns:p="http://schemas.openxmlformats.org/presentationml/2006/main">
+  <p:cSld>
+    <p:bg>
+      <p:bgPr>
+        <a:blipFill dpi="0" rotWithShape="1">
+          <a:blip r:embed="rId3">
+            <a:lum/>
+          </a:blip>
+          <a:srcRect/>
+          <a:stretch>
+            <a:fillRect/>
+          </a:stretch>
+        </a:blipFill>
+        <a:effectLst/>
+      </p:bgPr>
+    </p:bg>
+    <p:spTree>
+      <p:nvGrpSpPr>
+        <p:cNvPr id="1" name=""/>
+        <p:cNvGrpSpPr/>
+        <p:nvPr/>
+      </p:nvGrpSpPr>
+      <p:grpSpPr>
+        <a:xfrm>
+          <a:off x="0" y="0"/>
+          <a:ext cx="0" cy="0"/>
+          <a:chOff x="0" y="0"/>
+          <a:chExt cx="0" cy="0"/>
+        </a:xfrm>
+      </p:grpSpPr>
+      <p:sp>
+        <p:nvSpPr>
+          <p:cNvPr id="5122" name="标题 1"/>
+          <p:cNvSpPr>
+            <a:spLocks noGrp="1"/>
+          </p:cNvSpPr>
+          <p:nvPr>
+            <p:ph type="title"/>
+          </p:nvPr>
+        </p:nvSpPr>
+        <p:spPr bwMode="auto">
+          <a:xfrm>
+            <a:off x="-112464" y="-9525"/>
+            <a:ext cx="3966939" cy="642926"/>
+          </a:xfrm>
+          <a:noFill/>
+          <a:extLst>
+            <a:ext uri="{909E8E84-426E-40DD-AFC4-6F175D3DCCD1}">
+              <a14:hiddenFill xmlns:a14="http://schemas.microsoft.com/office/drawing/2010/main">
+                <a:solidFill>
+                  <a:srgbClr val="FFFFFF"/>
+                </a:solidFill>
+              </a14:hiddenFill>
+            </a:ext>
+            <a:ext uri="{91240B29-F687-4F45-9708-019B960494DF}">
+              <a14:hiddenLine xmlns:a14="http://schemas.microsoft.com/office/drawing/2010/main" w="9525">
+                <a:solidFill>
+                  <a:srgbClr val="000000"/>
+                </a:solidFill>
+                <a:miter lim="800000"/>
+                <a:headEnd/>
+                <a:tailEnd/>
+              </a14:hiddenLine>
+            </a:ext>
+          </a:extLst>
+        </p:spPr>
+        <p:txBody>
+          <a:bodyPr wrap="square" lIns="91440" tIns="45720" rIns="91440" bIns="45720" numCol="1" anchor="t" anchorCtr="0" compatLnSpc="1">
+            <a:prstTxWarp prst="textNoShape">
+              <a:avLst/>
+            </a:prstTxWarp>
+          </a:bodyPr>
+          <a:lstStyle/>
+          <a:p>
+            <a:r>
+              <a:rPr lang="zh-CN" altLang="en-US" sz="2500" b="1" dirty="0">
+                <a:latin typeface="微软雅黑" pitchFamily="34" charset="-122"/>
+                <a:ea typeface="微软雅黑" pitchFamily="34" charset="-122"/>
+              </a:rPr>
+              <a:t>生产</a:t>
+            </a:r>
+            <a:r>
+              <a:rPr lang="en-US" altLang="zh-CN" sz="2500" b="1" dirty="0" smtClean="0">
+                <a:latin typeface="微软雅黑" pitchFamily="34" charset="-122"/>
+                <a:ea typeface="微软雅黑" pitchFamily="34" charset="-122"/>
+              </a:rPr>
+              <a:t>-</a:t>
+            </a:r>
+            <a:r>
+              <a:rPr lang="zh-CN" altLang="en-US" sz="2500" b="1" dirty="0" smtClean="0">
+                <a:latin typeface="微软雅黑" pitchFamily="34" charset="-122"/>
+                <a:ea typeface="微软雅黑" pitchFamily="34" charset="-122"/>
+              </a:rPr>
+              <a:t>物料</a:t>
+            </a:r>
+            <a:r>
+              <a:rPr lang="zh-CN" altLang="en-US" sz="2500" b="1" dirty="0" smtClean="0">
+                <a:latin typeface="微软雅黑" pitchFamily="34" charset="-122"/>
+                <a:ea typeface="微软雅黑" pitchFamily="34" charset="-122"/>
+              </a:rPr>
+              <a:t>清单</a:t>
+            </a:r>
+            <a:r>
+              <a:rPr lang="en-US" altLang="zh-CN" sz="2500" b="1" dirty="0" smtClean="0">
+                <a:latin typeface="微软雅黑" pitchFamily="34" charset="-122"/>
+                <a:ea typeface="微软雅黑" pitchFamily="34" charset="-122"/>
+              </a:rPr>
+              <a:t>III</a:t>
+            </a:r>
+            <a:endParaRPr lang="zh-CN" altLang="en-US" sz="2500" b="1" dirty="0" smtClean="0">
+              <a:latin typeface="微软雅黑" pitchFamily="34" charset="-122"/>
+              <a:ea typeface="微软雅黑" pitchFamily="34" charset="-122"/>
+            </a:endParaRPr>
+          </a:p>
+        </p:txBody>
+      </p:sp>
+      <p:sp>
+        <p:nvSpPr>
+          <p:cNvPr id="5" name="内容占位符 2"/>
+          <p:cNvSpPr>
+            <a:spLocks noGrp="1"/>
+          </p:cNvSpPr>
+          <p:nvPr>
+            <p:ph idx="1"/>
+          </p:nvPr>
+        </p:nvSpPr>
+        <p:spPr>
+          <a:xfrm>
+            <a:off x="391592" y="845840"/>
+            <a:ext cx="7315200" cy="3017838"/>
+          </a:xfrm>
+        </p:spPr>
+        <p:txBody>
+          <a:bodyPr/>
+          <a:lstStyle/>
+          <a:p>
+            <a:r>
+              <a:rPr lang="zh-CN" altLang="en-US" dirty="0" smtClean="0">
+                <a:solidFill>
+                  <a:schemeClr val="bg1"/>
+                </a:solidFill>
+                <a:latin typeface="微软雅黑" pitchFamily="34" charset="-122"/>
+                <a:ea typeface="微软雅黑" pitchFamily="34" charset="-122"/>
+              </a:rPr>
+              <a:t>物料清单</a:t>
+            </a:r>
+            <a:r>
+              <a:rPr lang="en-US" altLang="zh-CN" dirty="0" smtClean="0">
+                <a:solidFill>
+                  <a:schemeClr val="bg1"/>
+                </a:solidFill>
+                <a:latin typeface="微软雅黑" pitchFamily="34" charset="-122"/>
+                <a:ea typeface="微软雅黑" pitchFamily="34" charset="-122"/>
+              </a:rPr>
+              <a:t>(BOM)=&gt;</a:t>
+            </a:r>
+            <a:r>
+              <a:rPr lang="en-US" altLang="zh-CN" dirty="0" smtClean="0">
+                <a:solidFill>
+                  <a:schemeClr val="bg1"/>
+                </a:solidFill>
+                <a:latin typeface="微软雅黑" pitchFamily="34" charset="-122"/>
+                <a:ea typeface="微软雅黑" pitchFamily="34" charset="-122"/>
+              </a:rPr>
+              <a:t>MRP</a:t>
+            </a:r>
+            <a:r>
+              <a:rPr lang="zh-CN" altLang="en-US" dirty="0" smtClean="0">
+                <a:solidFill>
+                  <a:schemeClr val="bg1"/>
+                </a:solidFill>
+                <a:latin typeface="微软雅黑" pitchFamily="34" charset="-122"/>
+                <a:ea typeface="微软雅黑" pitchFamily="34" charset="-122"/>
+              </a:rPr>
+              <a:t>运算＝</a:t>
+            </a:r>
+            <a:r>
+              <a:rPr lang="en-US" altLang="zh-CN" dirty="0" smtClean="0">
+                <a:solidFill>
+                  <a:schemeClr val="bg1"/>
+                </a:solidFill>
+                <a:latin typeface="微软雅黑" pitchFamily="34" charset="-122"/>
+                <a:ea typeface="微软雅黑" pitchFamily="34" charset="-122"/>
+              </a:rPr>
+              <a:t>&gt;</a:t>
+            </a:r>
+            <a:r>
+              <a:rPr lang="zh-CN" altLang="en-US" dirty="0" smtClean="0">
+                <a:solidFill>
+                  <a:schemeClr val="bg1"/>
+                </a:solidFill>
+                <a:latin typeface="微软雅黑" pitchFamily="34" charset="-122"/>
+                <a:ea typeface="微软雅黑" pitchFamily="34" charset="-122"/>
+              </a:rPr>
+              <a:t>可以自动生成采购订单</a:t>
+            </a:r>
+            <a:endParaRPr lang="en-US" altLang="zh-CN" dirty="0" smtClean="0">
+              <a:solidFill>
+                <a:schemeClr val="bg1"/>
+              </a:solidFill>
+              <a:latin typeface="微软雅黑" pitchFamily="34" charset="-122"/>
+              <a:ea typeface="微软雅黑" pitchFamily="34" charset="-122"/>
+            </a:endParaRPr>
+          </a:p>
+          <a:p>
+            <a:r>
+              <a:rPr lang="zh-CN" altLang="en-US" dirty="0" smtClean="0">
+                <a:solidFill>
+                  <a:schemeClr val="bg1"/>
+                </a:solidFill>
+                <a:latin typeface="微软雅黑" pitchFamily="34" charset="-122"/>
+                <a:ea typeface="微软雅黑" pitchFamily="34" charset="-122"/>
+              </a:rPr>
+              <a:t>采购订单预算报批、</a:t>
+            </a:r>
+            <a:r>
+              <a:rPr lang="zh-CN" altLang="en-US" dirty="0" smtClean="0">
+                <a:solidFill>
+                  <a:schemeClr val="bg1"/>
+                </a:solidFill>
+                <a:latin typeface="微软雅黑" pitchFamily="34" charset="-122"/>
+                <a:ea typeface="微软雅黑" pitchFamily="34" charset="-122"/>
+              </a:rPr>
+              <a:t>审批</a:t>
+            </a:r>
+            <a:r>
+              <a:rPr lang="en-US" altLang="zh-CN" dirty="0" smtClean="0">
+                <a:solidFill>
+                  <a:schemeClr val="bg1"/>
+                </a:solidFill>
+                <a:latin typeface="微软雅黑" pitchFamily="34" charset="-122"/>
+                <a:ea typeface="微软雅黑" pitchFamily="34" charset="-122"/>
+              </a:rPr>
+              <a:t>=&gt;</a:t>
+            </a:r>
+            <a:r>
+              <a:rPr lang="zh-CN" altLang="en-US" dirty="0">
+                <a:solidFill>
+                  <a:schemeClr val="bg1"/>
+                </a:solidFill>
+                <a:latin typeface="微软雅黑" pitchFamily="34" charset="-122"/>
+                <a:ea typeface="微软雅黑" pitchFamily="34" charset="-122"/>
+              </a:rPr>
+              <a:t>与协同办公模块合作</a:t>
+            </a:r>
+            <a:endParaRPr lang="en-US" altLang="zh-CN" dirty="0">
+              <a:solidFill>
+                <a:schemeClr val="bg1"/>
+              </a:solidFill>
+              <a:latin typeface="微软雅黑" pitchFamily="34" charset="-122"/>
+              <a:ea typeface="微软雅黑" pitchFamily="34" charset="-122"/>
+            </a:endParaRPr>
+          </a:p>
+        </p:txBody>
+      </p:sp>
+      <p:sp>
+        <p:nvSpPr>
+          <p:cNvPr id="6" name="矩形 5"/>
+          <p:cNvSpPr>
+            <a:spLocks noChangeArrowheads="1"/>
+          </p:cNvSpPr>
+          <p:nvPr/>
+        </p:nvSpPr>
+        <p:spPr bwMode="auto">
+          <a:xfrm>
+            <a:off x="4688139" y="3923152"/>
+            <a:ext cx="3439861" cy="307777"/>
+          </a:xfrm>
+          <a:prstGeom prst="rect">
+            <a:avLst/>
+          </a:prstGeom>
+          <a:noFill/>
+          <a:ln>
+            <a:noFill/>
+          </a:ln>
+          <a:extLst>
+            <a:ext uri="{909E8E84-426E-40DD-AFC4-6F175D3DCCD1}">
+              <a14:hiddenFill xmlns:a14="http://schemas.microsoft.com/office/drawing/2010/main">
+                <a:solidFill>
+                  <a:srgbClr val="FFFFFF"/>
+                </a:solidFill>
+              </a14:hiddenFill>
+            </a:ext>
+            <a:ext uri="{91240B29-F687-4F45-9708-019B960494DF}">
+              <a14:hiddenLine xmlns:a14="http://schemas.microsoft.com/office/drawing/2010/main" w="9525">
+                <a:solidFill>
+                  <a:srgbClr val="000000"/>
+                </a:solidFill>
+                <a:miter lim="800000"/>
+                <a:headEnd/>
+                <a:tailEnd/>
+              </a14:hiddenLine>
+            </a:ext>
+          </a:extLst>
+        </p:spPr>
+        <p:txBody>
+          <a:bodyPr wrap="square">
+            <a:spAutoFit/>
+          </a:bodyPr>
+          <a:lstStyle/>
+          <a:p>
+            <a:r>
+              <a:rPr lang="zh-CN" altLang="en-US" sz="1400" dirty="0" smtClean="0">
+                <a:solidFill>
+                  <a:schemeClr val="bg1"/>
+                </a:solidFill>
+                <a:latin typeface="宋体" pitchFamily="2" charset="-122"/>
+                <a:ea typeface="宋体" pitchFamily="2" charset="-122"/>
+              </a:rPr>
+              <a:t>业精于勤荒于嬉，行成于思毁于随。</a:t>
+            </a:r>
+            <a:endParaRPr lang="zh-CN" altLang="en-US" sz="1400" dirty="0">
+              <a:solidFill>
+                <a:schemeClr val="bg1"/>
+              </a:solidFill>
+              <a:latin typeface="宋体" pitchFamily="2" charset="-122"/>
+              <a:ea typeface="宋体" pitchFamily="2" charset="-122"/>
+            </a:endParaRPr>
+          </a:p>
+        </p:txBody>
+      </p:sp>
+      <p:cxnSp>
+        <p:nvCxnSpPr>
+          <p:cNvPr id="8" name="直接连接符 7"/>
+          <p:cNvCxnSpPr/>
+          <p:nvPr/>
+        </p:nvCxnSpPr>
+        <p:spPr bwMode="auto">
+          <a:xfrm>
+            <a:off x="4992694" y="3942184"/>
+            <a:ext cx="3135306" cy="1588"/>
+          </a:xfrm>
+          <a:prstGeom prst="line">
+            <a:avLst/>
+          </a:prstGeom>
+          <a:ln>
+            <a:solidFill>
+              <a:schemeClr val="bg1"/>
+            </a:solidFill>
+          </a:ln>
+          <a:extLst/>
+        </p:spPr>
+        <p:style>
+          <a:lnRef idx="1">
+            <a:schemeClr val="dk1"/>
+          </a:lnRef>
+          <a:fillRef idx="0">
+            <a:schemeClr val="dk1"/>
+          </a:fillRef>
+          <a:effectRef idx="0">
+            <a:schemeClr val="dk1"/>
+          </a:effectRef>
+          <a:fontRef idx="minor">
+            <a:schemeClr val="tx1"/>
+          </a:fontRef>
+        </p:style>
+      </p:cxnSp>
+    </p:spTree>
+    <p:extLst>
+      <p:ext uri="{BB962C8B-B14F-4D97-AF65-F5344CB8AC3E}">
+        <p14:creationId xmlns:p14="http://schemas.microsoft.com/office/powerpoint/2010/main" val="4043751769"/>
+      </p:ext>
+    </p:extLst>
+  </p:cSld>
+  <p:clrMapOvr>
+    <a:masterClrMapping/>
+  </p:clrMapOvr>
+  <p:transition/>
+  <p:timing>
+    <p:tnLst>
+      <p:par>
+        <p:cTn id="1" dur="indefinite" restart="never" nodeType="tmRoot"/>
+      </p:par>
+    </p:tnLst>
+  </p:timing>
+</p:sld>
+</file>
+
+<file path=ppt/slides/slide34.xml><?xml version="1.0" encoding="utf-8"?>
+<p:sld xmlns:a="http://schemas.openxmlformats.org/drawingml/2006/main" xmlns:r="http://schemas.openxmlformats.org/officeDocument/2006/relationships" xmlns:p="http://schemas.openxmlformats.org/presentationml/2006/main">
+  <p:cSld>
+    <p:bg>
+      <p:bgPr>
+        <a:blipFill dpi="0" rotWithShape="1">
+          <a:blip r:embed="rId3">
+            <a:lum/>
+          </a:blip>
+          <a:srcRect/>
+          <a:stretch>
+            <a:fillRect/>
+          </a:stretch>
+        </a:blipFill>
+        <a:effectLst/>
+      </p:bgPr>
+    </p:bg>
+    <p:spTree>
+      <p:nvGrpSpPr>
+        <p:cNvPr id="1" name=""/>
+        <p:cNvGrpSpPr/>
+        <p:nvPr/>
+      </p:nvGrpSpPr>
+      <p:grpSpPr>
+        <a:xfrm>
+          <a:off x="0" y="0"/>
+          <a:ext cx="0" cy="0"/>
+          <a:chOff x="0" y="0"/>
+          <a:chExt cx="0" cy="0"/>
+        </a:xfrm>
+      </p:grpSpPr>
+      <p:sp>
+        <p:nvSpPr>
+          <p:cNvPr id="5122" name="标题 1"/>
+          <p:cNvSpPr>
+            <a:spLocks noGrp="1"/>
+          </p:cNvSpPr>
+          <p:nvPr>
+            <p:ph type="title"/>
+          </p:nvPr>
+        </p:nvSpPr>
+        <p:spPr bwMode="auto">
+          <a:xfrm>
+            <a:off x="-400496" y="9525"/>
+            <a:ext cx="3966939" cy="642926"/>
+          </a:xfrm>
+          <a:noFill/>
+          <a:extLst>
+            <a:ext uri="{909E8E84-426E-40DD-AFC4-6F175D3DCCD1}">
+              <a14:hiddenFill xmlns:a14="http://schemas.microsoft.com/office/drawing/2010/main">
+                <a:solidFill>
+                  <a:srgbClr val="FFFFFF"/>
+                </a:solidFill>
+              </a14:hiddenFill>
+            </a:ext>
+            <a:ext uri="{91240B29-F687-4F45-9708-019B960494DF}">
+              <a14:hiddenLine xmlns:a14="http://schemas.microsoft.com/office/drawing/2010/main" w="9525">
+                <a:solidFill>
+                  <a:srgbClr val="000000"/>
+                </a:solidFill>
+                <a:miter lim="800000"/>
+                <a:headEnd/>
+                <a:tailEnd/>
+              </a14:hiddenLine>
+            </a:ext>
+          </a:extLst>
+        </p:spPr>
+        <p:txBody>
+          <a:bodyPr wrap="square" lIns="91440" tIns="45720" rIns="91440" bIns="45720" numCol="1" anchor="t" anchorCtr="0" compatLnSpc="1">
+            <a:prstTxWarp prst="textNoShape">
+              <a:avLst/>
+            </a:prstTxWarp>
+          </a:bodyPr>
+          <a:lstStyle/>
+          <a:p>
+            <a:r>
+              <a:rPr lang="zh-CN" altLang="en-US" sz="2500" b="1" dirty="0" smtClean="0">
+                <a:latin typeface="微软雅黑" pitchFamily="34" charset="-122"/>
+                <a:ea typeface="微软雅黑" pitchFamily="34" charset="-122"/>
+              </a:rPr>
+              <a:t>协同办公</a:t>
+            </a:r>
+            <a:r>
+              <a:rPr lang="en-US" altLang="zh-CN" sz="2500" b="1" dirty="0" smtClean="0">
+                <a:latin typeface="微软雅黑" pitchFamily="34" charset="-122"/>
+                <a:ea typeface="微软雅黑" pitchFamily="34" charset="-122"/>
+              </a:rPr>
+              <a:t>-</a:t>
+            </a:r>
+            <a:r>
+              <a:rPr lang="zh-CN" altLang="en-US" sz="2500" b="1" dirty="0" smtClean="0">
+                <a:latin typeface="微软雅黑" pitchFamily="34" charset="-122"/>
+                <a:ea typeface="微软雅黑" pitchFamily="34" charset="-122"/>
+              </a:rPr>
+              <a:t>报批与审批</a:t>
+            </a:r>
+            <a:endParaRPr lang="zh-CN" altLang="en-US" sz="2500" b="1" dirty="0" smtClean="0">
+              <a:latin typeface="微软雅黑" pitchFamily="34" charset="-122"/>
+              <a:ea typeface="微软雅黑" pitchFamily="34" charset="-122"/>
+            </a:endParaRPr>
+          </a:p>
+        </p:txBody>
+      </p:sp>
+      <p:sp>
+        <p:nvSpPr>
+          <p:cNvPr id="5" name="内容占位符 2"/>
+          <p:cNvSpPr>
+            <a:spLocks noGrp="1"/>
+          </p:cNvSpPr>
+          <p:nvPr>
+            <p:ph idx="1"/>
+          </p:nvPr>
+        </p:nvSpPr>
+        <p:spPr>
+          <a:xfrm>
+            <a:off x="279128" y="845840"/>
+            <a:ext cx="7848872" cy="3017838"/>
+          </a:xfrm>
+        </p:spPr>
+        <p:txBody>
+          <a:bodyPr/>
+          <a:lstStyle/>
+          <a:p>
+            <a:r>
+              <a:rPr lang="zh-CN" altLang="en-US" dirty="0" smtClean="0">
+                <a:solidFill>
+                  <a:schemeClr val="bg1"/>
+                </a:solidFill>
+                <a:latin typeface="微软雅黑" pitchFamily="34" charset="-122"/>
+                <a:ea typeface="微软雅黑" pitchFamily="34" charset="-122"/>
+              </a:rPr>
+              <a:t>采购</a:t>
+            </a:r>
+            <a:r>
+              <a:rPr lang="zh-CN" altLang="en-US" dirty="0" smtClean="0">
+                <a:solidFill>
+                  <a:schemeClr val="bg1"/>
+                </a:solidFill>
+                <a:latin typeface="微软雅黑" pitchFamily="34" charset="-122"/>
+                <a:ea typeface="微软雅黑" pitchFamily="34" charset="-122"/>
+              </a:rPr>
+              <a:t>订单预算</a:t>
+            </a:r>
+            <a:r>
+              <a:rPr lang="zh-CN" altLang="en-US" dirty="0" smtClean="0">
+                <a:solidFill>
+                  <a:schemeClr val="bg1"/>
+                </a:solidFill>
+                <a:latin typeface="微软雅黑" pitchFamily="34" charset="-122"/>
+                <a:ea typeface="微软雅黑" pitchFamily="34" charset="-122"/>
+              </a:rPr>
+              <a:t>报批</a:t>
+            </a:r>
+            <a:r>
+              <a:rPr lang="en-US" altLang="zh-CN" dirty="0" smtClean="0">
+                <a:solidFill>
+                  <a:schemeClr val="bg1"/>
+                </a:solidFill>
+                <a:latin typeface="微软雅黑" pitchFamily="34" charset="-122"/>
+                <a:ea typeface="微软雅黑" pitchFamily="34" charset="-122"/>
+              </a:rPr>
+              <a:t>=&gt;</a:t>
+            </a:r>
+            <a:r>
+              <a:rPr lang="zh-CN" altLang="en-US" dirty="0" smtClean="0">
+                <a:solidFill>
+                  <a:schemeClr val="bg1"/>
+                </a:solidFill>
+                <a:latin typeface="微软雅黑" pitchFamily="34" charset="-122"/>
+                <a:ea typeface="微软雅黑" pitchFamily="34" charset="-122"/>
+              </a:rPr>
+              <a:t>协同办公模块</a:t>
+            </a:r>
+            <a:endParaRPr lang="en-US" altLang="zh-CN" dirty="0">
+              <a:solidFill>
+                <a:schemeClr val="bg1"/>
+              </a:solidFill>
+              <a:latin typeface="微软雅黑" pitchFamily="34" charset="-122"/>
+              <a:ea typeface="微软雅黑" pitchFamily="34" charset="-122"/>
+            </a:endParaRPr>
+          </a:p>
+          <a:p>
+            <a:r>
+              <a:rPr lang="en-US" altLang="zh-CN" dirty="0" smtClean="0">
+                <a:solidFill>
+                  <a:schemeClr val="bg1"/>
+                </a:solidFill>
+                <a:latin typeface="微软雅黑" pitchFamily="34" charset="-122"/>
+                <a:ea typeface="微软雅黑" pitchFamily="34" charset="-122"/>
+              </a:rPr>
+              <a:t>=&gt;1.</a:t>
+            </a:r>
+            <a:r>
+              <a:rPr lang="zh-CN" altLang="en-US" dirty="0" smtClean="0">
+                <a:solidFill>
+                  <a:schemeClr val="bg1"/>
+                </a:solidFill>
+                <a:latin typeface="微软雅黑" pitchFamily="34" charset="-122"/>
+                <a:ea typeface="微软雅黑" pitchFamily="34" charset="-122"/>
+              </a:rPr>
+              <a:t>审核通过＝</a:t>
+            </a:r>
+            <a:r>
+              <a:rPr lang="en-US" altLang="zh-CN" dirty="0" smtClean="0">
+                <a:solidFill>
+                  <a:schemeClr val="bg1"/>
+                </a:solidFill>
+                <a:latin typeface="微软雅黑" pitchFamily="34" charset="-122"/>
+                <a:ea typeface="微软雅黑" pitchFamily="34" charset="-122"/>
+              </a:rPr>
+              <a:t>&gt;</a:t>
+            </a:r>
+            <a:r>
+              <a:rPr lang="zh-CN" altLang="en-US" dirty="0" smtClean="0">
+                <a:solidFill>
+                  <a:schemeClr val="bg1"/>
+                </a:solidFill>
+                <a:latin typeface="微软雅黑" pitchFamily="34" charset="-122"/>
+                <a:ea typeface="微软雅黑" pitchFamily="34" charset="-122"/>
+              </a:rPr>
+              <a:t>采购模块</a:t>
+            </a:r>
+            <a:endParaRPr lang="en-US" altLang="zh-CN" dirty="0" smtClean="0">
+              <a:solidFill>
+                <a:schemeClr val="bg1"/>
+              </a:solidFill>
+              <a:latin typeface="微软雅黑" pitchFamily="34" charset="-122"/>
+              <a:ea typeface="微软雅黑" pitchFamily="34" charset="-122"/>
+            </a:endParaRPr>
+          </a:p>
+          <a:p>
+            <a:r>
+              <a:rPr lang="en-US" altLang="zh-CN" dirty="0" smtClean="0">
+                <a:solidFill>
+                  <a:schemeClr val="bg1"/>
+                </a:solidFill>
+                <a:latin typeface="微软雅黑" pitchFamily="34" charset="-122"/>
+                <a:ea typeface="微软雅黑" pitchFamily="34" charset="-122"/>
+              </a:rPr>
+              <a:t>=&gt;2.</a:t>
+            </a:r>
+            <a:r>
+              <a:rPr lang="zh-CN" altLang="en-US" dirty="0" smtClean="0">
+                <a:solidFill>
+                  <a:schemeClr val="bg1"/>
+                </a:solidFill>
+                <a:latin typeface="微软雅黑" pitchFamily="34" charset="-122"/>
+                <a:ea typeface="微软雅黑" pitchFamily="34" charset="-122"/>
+              </a:rPr>
+              <a:t>审核未通过</a:t>
+            </a:r>
+            <a:r>
+              <a:rPr lang="en-US" altLang="zh-CN" dirty="0" smtClean="0">
+                <a:solidFill>
+                  <a:schemeClr val="bg1"/>
+                </a:solidFill>
+                <a:latin typeface="微软雅黑" pitchFamily="34" charset="-122"/>
+                <a:ea typeface="微软雅黑" pitchFamily="34" charset="-122"/>
+              </a:rPr>
+              <a:t>=&gt;</a:t>
+            </a:r>
+            <a:r>
+              <a:rPr lang="zh-CN" altLang="en-US" dirty="0" smtClean="0">
+                <a:solidFill>
+                  <a:schemeClr val="bg1"/>
+                </a:solidFill>
+                <a:latin typeface="微软雅黑" pitchFamily="34" charset="-122"/>
+                <a:ea typeface="微软雅黑" pitchFamily="34" charset="-122"/>
+              </a:rPr>
+              <a:t>在采购模块中修改预算</a:t>
+            </a:r>
+            <a:r>
+              <a:rPr lang="en-US" altLang="zh-CN" dirty="0" smtClean="0">
+                <a:solidFill>
+                  <a:schemeClr val="bg1"/>
+                </a:solidFill>
+                <a:latin typeface="微软雅黑" pitchFamily="34" charset="-122"/>
+                <a:ea typeface="微软雅黑" pitchFamily="34" charset="-122"/>
+              </a:rPr>
+              <a:t>=&gt;</a:t>
+            </a:r>
+            <a:r>
+              <a:rPr lang="zh-CN" altLang="en-US" dirty="0">
+                <a:solidFill>
+                  <a:schemeClr val="bg1"/>
+                </a:solidFill>
+                <a:latin typeface="微软雅黑" pitchFamily="34" charset="-122"/>
+                <a:ea typeface="微软雅黑" pitchFamily="34" charset="-122"/>
+              </a:rPr>
+              <a:t>采购订单预算</a:t>
+            </a:r>
+            <a:r>
+              <a:rPr lang="zh-CN" altLang="en-US" dirty="0" smtClean="0">
+                <a:solidFill>
+                  <a:schemeClr val="bg1"/>
+                </a:solidFill>
+                <a:latin typeface="微软雅黑" pitchFamily="34" charset="-122"/>
+                <a:ea typeface="微软雅黑" pitchFamily="34" charset="-122"/>
+              </a:rPr>
+              <a:t>报批</a:t>
+            </a:r>
+            <a:r>
+              <a:rPr lang="en-US" altLang="zh-CN" dirty="0" smtClean="0">
+                <a:solidFill>
+                  <a:schemeClr val="bg1"/>
+                </a:solidFill>
+                <a:latin typeface="微软雅黑" pitchFamily="34" charset="-122"/>
+                <a:ea typeface="微软雅黑" pitchFamily="34" charset="-122"/>
+              </a:rPr>
+              <a:t>=&gt;</a:t>
+            </a:r>
+            <a:r>
+              <a:rPr lang="zh-CN" altLang="en-US" dirty="0">
+                <a:solidFill>
+                  <a:schemeClr val="bg1"/>
+                </a:solidFill>
+                <a:latin typeface="微软雅黑" pitchFamily="34" charset="-122"/>
+                <a:ea typeface="微软雅黑" pitchFamily="34" charset="-122"/>
+              </a:rPr>
+              <a:t>协同办公</a:t>
+            </a:r>
+            <a:r>
+              <a:rPr lang="zh-CN" altLang="en-US" dirty="0" smtClean="0">
+                <a:solidFill>
+                  <a:schemeClr val="bg1"/>
+                </a:solidFill>
+                <a:latin typeface="微软雅黑" pitchFamily="34" charset="-122"/>
+                <a:ea typeface="微软雅黑" pitchFamily="34" charset="-122"/>
+              </a:rPr>
+              <a:t>模块</a:t>
+            </a:r>
+            <a:endParaRPr lang="en-US" altLang="zh-CN" dirty="0" smtClean="0">
+              <a:solidFill>
+                <a:schemeClr val="bg1"/>
+              </a:solidFill>
+              <a:latin typeface="微软雅黑" pitchFamily="34" charset="-122"/>
+              <a:ea typeface="微软雅黑" pitchFamily="34" charset="-122"/>
+            </a:endParaRPr>
+          </a:p>
+          <a:p>
+            <a:r>
+              <a:rPr lang="zh-CN" altLang="en-US" dirty="0" smtClean="0">
+                <a:solidFill>
+                  <a:schemeClr val="bg1"/>
+                </a:solidFill>
+                <a:latin typeface="微软雅黑" pitchFamily="34" charset="-122"/>
+                <a:ea typeface="微软雅黑" pitchFamily="34" charset="-122"/>
+              </a:rPr>
+              <a:t>在这一闭环过程中，协同办公模块会对当前责任人发出提醒，也可由系统相关用户主动发出催办提醒</a:t>
+            </a:r>
+            <a:endParaRPr lang="en-US" altLang="zh-CN" dirty="0" smtClean="0">
+              <a:solidFill>
+                <a:schemeClr val="bg1"/>
+              </a:solidFill>
+              <a:latin typeface="微软雅黑" pitchFamily="34" charset="-122"/>
+              <a:ea typeface="微软雅黑" pitchFamily="34" charset="-122"/>
+            </a:endParaRPr>
+          </a:p>
+          <a:p>
+            <a:endParaRPr lang="en-US" altLang="zh-CN" dirty="0">
+              <a:solidFill>
+                <a:schemeClr val="bg1"/>
+              </a:solidFill>
+              <a:latin typeface="微软雅黑" pitchFamily="34" charset="-122"/>
+              <a:ea typeface="微软雅黑" pitchFamily="34" charset="-122"/>
+            </a:endParaRPr>
+          </a:p>
+          <a:p>
+            <a:endParaRPr lang="en-US" altLang="zh-CN" dirty="0" smtClean="0">
+              <a:solidFill>
+                <a:schemeClr val="bg1"/>
+              </a:solidFill>
+              <a:latin typeface="微软雅黑" pitchFamily="34" charset="-122"/>
+              <a:ea typeface="微软雅黑" pitchFamily="34" charset="-122"/>
+            </a:endParaRPr>
+          </a:p>
+        </p:txBody>
+      </p:sp>
+      <p:sp>
+        <p:nvSpPr>
+          <p:cNvPr id="6" name="矩形 5"/>
+          <p:cNvSpPr>
+            <a:spLocks noChangeArrowheads="1"/>
+          </p:cNvSpPr>
+          <p:nvPr/>
+        </p:nvSpPr>
+        <p:spPr bwMode="auto">
+          <a:xfrm>
+            <a:off x="3919984" y="3962418"/>
+            <a:ext cx="4376477" cy="307777"/>
+          </a:xfrm>
+          <a:prstGeom prst="rect">
+            <a:avLst/>
+          </a:prstGeom>
+          <a:noFill/>
+          <a:ln>
+            <a:noFill/>
+          </a:ln>
+          <a:extLst>
+            <a:ext uri="{909E8E84-426E-40DD-AFC4-6F175D3DCCD1}">
+              <a14:hiddenFill xmlns:a14="http://schemas.microsoft.com/office/drawing/2010/main">
+                <a:solidFill>
+                  <a:srgbClr val="FFFFFF"/>
+                </a:solidFill>
+              </a14:hiddenFill>
+            </a:ext>
+            <a:ext uri="{91240B29-F687-4F45-9708-019B960494DF}">
+              <a14:hiddenLine xmlns:a14="http://schemas.microsoft.com/office/drawing/2010/main" w="9525">
+                <a:solidFill>
+                  <a:srgbClr val="000000"/>
+                </a:solidFill>
+                <a:miter lim="800000"/>
+                <a:headEnd/>
+                <a:tailEnd/>
+              </a14:hiddenLine>
+            </a:ext>
+          </a:extLst>
+        </p:spPr>
+        <p:txBody>
+          <a:bodyPr wrap="square">
+            <a:spAutoFit/>
+          </a:bodyPr>
+          <a:lstStyle/>
+          <a:p>
+            <a:r>
+              <a:rPr lang="zh-CN" altLang="en-US" sz="1400" dirty="0">
+                <a:solidFill>
+                  <a:schemeClr val="bg1"/>
+                </a:solidFill>
+                <a:latin typeface="宋体" pitchFamily="2" charset="-122"/>
+                <a:ea typeface="宋体" pitchFamily="2" charset="-122"/>
+              </a:rPr>
+              <a:t>虎兕出于柙，龟玉毁于椟中，是谁之过欤</a:t>
+            </a:r>
+            <a:r>
+              <a:rPr lang="zh-CN" altLang="en-US" sz="1400" dirty="0" smtClean="0">
+                <a:solidFill>
+                  <a:schemeClr val="bg1"/>
+                </a:solidFill>
+                <a:latin typeface="宋体" pitchFamily="2" charset="-122"/>
+                <a:ea typeface="宋体" pitchFamily="2" charset="-122"/>
+              </a:rPr>
+              <a:t>？</a:t>
+            </a:r>
+            <a:r>
+              <a:rPr lang="en-US" altLang="zh-CN" sz="1400" dirty="0" smtClean="0">
+                <a:solidFill>
+                  <a:schemeClr val="bg1"/>
+                </a:solidFill>
+                <a:latin typeface="宋体" pitchFamily="2" charset="-122"/>
+                <a:ea typeface="宋体" pitchFamily="2" charset="-122"/>
+              </a:rPr>
+              <a:t>—</a:t>
+            </a:r>
+            <a:r>
+              <a:rPr lang="zh-CN" altLang="en-US" sz="1400" dirty="0" smtClean="0">
+                <a:solidFill>
+                  <a:schemeClr val="bg1"/>
+                </a:solidFill>
+                <a:latin typeface="宋体" pitchFamily="2" charset="-122"/>
+                <a:ea typeface="宋体" pitchFamily="2" charset="-122"/>
+              </a:rPr>
+              <a:t>孔子</a:t>
+            </a:r>
+            <a:endParaRPr lang="zh-CN" altLang="en-US" sz="1400" dirty="0">
+              <a:solidFill>
+                <a:schemeClr val="tx1"/>
+              </a:solidFill>
+              <a:latin typeface="宋体" pitchFamily="2" charset="-122"/>
+              <a:ea typeface="宋体" pitchFamily="2" charset="-122"/>
+            </a:endParaRPr>
+          </a:p>
+        </p:txBody>
+      </p:sp>
+      <p:cxnSp>
+        <p:nvCxnSpPr>
+          <p:cNvPr id="8" name="直接连接符 7"/>
+          <p:cNvCxnSpPr/>
+          <p:nvPr/>
+        </p:nvCxnSpPr>
+        <p:spPr bwMode="auto">
+          <a:xfrm>
+            <a:off x="4992694" y="3942184"/>
+            <a:ext cx="3135306" cy="1588"/>
+          </a:xfrm>
+          <a:prstGeom prst="line">
+            <a:avLst/>
+          </a:prstGeom>
+          <a:ln>
+            <a:solidFill>
+              <a:schemeClr val="bg1"/>
+            </a:solidFill>
+          </a:ln>
+          <a:extLst/>
+        </p:spPr>
+        <p:style>
+          <a:lnRef idx="1">
+            <a:schemeClr val="dk1"/>
+          </a:lnRef>
+          <a:fillRef idx="0">
+            <a:schemeClr val="dk1"/>
+          </a:fillRef>
+          <a:effectRef idx="0">
+            <a:schemeClr val="dk1"/>
+          </a:effectRef>
+          <a:fontRef idx="minor">
+            <a:schemeClr val="tx1"/>
+          </a:fontRef>
+        </p:style>
+      </p:cxnSp>
+    </p:spTree>
+    <p:extLst>
+      <p:ext uri="{BB962C8B-B14F-4D97-AF65-F5344CB8AC3E}">
+        <p14:creationId xmlns:p14="http://schemas.microsoft.com/office/powerpoint/2010/main" val="2942797912"/>
+      </p:ext>
+    </p:extLst>
+  </p:cSld>
+  <p:clrMapOvr>
+    <a:masterClrMapping/>
+  </p:clrMapOvr>
+  <p:transition/>
+  <p:timing>
+    <p:tnLst>
+      <p:par>
+        <p:cTn id="1" dur="indefinite" restart="never" nodeType="tmRoot"/>
+      </p:par>
+    </p:tnLst>
+  </p:timing>
+</p:sld>
+</file>
+
+<file path=ppt/slides/slide35.xml><?xml version="1.0" encoding="utf-8"?>
+<p:sld xmlns:a="http://schemas.openxmlformats.org/drawingml/2006/main" xmlns:r="http://schemas.openxmlformats.org/officeDocument/2006/relationships" xmlns:p="http://schemas.openxmlformats.org/presentationml/2006/main">
+  <p:cSld>
+    <p:bg>
+      <p:bgPr>
+        <a:blipFill dpi="0" rotWithShape="1">
+          <a:blip r:embed="rId3">
+            <a:lum/>
+          </a:blip>
+          <a:srcRect/>
+          <a:stretch>
+            <a:fillRect/>
+          </a:stretch>
+        </a:blipFill>
+        <a:effectLst/>
+      </p:bgPr>
+    </p:bg>
+    <p:spTree>
+      <p:nvGrpSpPr>
+        <p:cNvPr id="1" name=""/>
+        <p:cNvGrpSpPr/>
+        <p:nvPr/>
+      </p:nvGrpSpPr>
+      <p:grpSpPr>
+        <a:xfrm>
+          <a:off x="0" y="0"/>
+          <a:ext cx="0" cy="0"/>
+          <a:chOff x="0" y="0"/>
+          <a:chExt cx="0" cy="0"/>
+        </a:xfrm>
+      </p:grpSpPr>
+      <p:sp>
+        <p:nvSpPr>
+          <p:cNvPr id="5122" name="标题 1"/>
+          <p:cNvSpPr>
+            <a:spLocks noGrp="1"/>
+          </p:cNvSpPr>
+          <p:nvPr>
+            <p:ph type="title"/>
+          </p:nvPr>
+        </p:nvSpPr>
+        <p:spPr bwMode="auto">
+          <a:xfrm>
+            <a:off x="-112464" y="0"/>
+            <a:ext cx="2448272" cy="642926"/>
+          </a:xfrm>
+          <a:noFill/>
+          <a:extLst>
+            <a:ext uri="{909E8E84-426E-40DD-AFC4-6F175D3DCCD1}">
+              <a14:hiddenFill xmlns:a14="http://schemas.microsoft.com/office/drawing/2010/main">
+                <a:solidFill>
+                  <a:srgbClr val="FFFFFF"/>
+                </a:solidFill>
+              </a14:hiddenFill>
+            </a:ext>
+            <a:ext uri="{91240B29-F687-4F45-9708-019B960494DF}">
+              <a14:hiddenLine xmlns:a14="http://schemas.microsoft.com/office/drawing/2010/main" w="9525">
+                <a:solidFill>
+                  <a:srgbClr val="000000"/>
+                </a:solidFill>
+                <a:miter lim="800000"/>
+                <a:headEnd/>
+                <a:tailEnd/>
+              </a14:hiddenLine>
+            </a:ext>
+          </a:extLst>
+        </p:spPr>
+        <p:txBody>
+          <a:bodyPr wrap="square" lIns="91440" tIns="45720" rIns="91440" bIns="45720" numCol="1" anchor="t" anchorCtr="0" compatLnSpc="1">
+            <a:prstTxWarp prst="textNoShape">
+              <a:avLst/>
+            </a:prstTxWarp>
+          </a:bodyPr>
+          <a:lstStyle/>
+          <a:p>
+            <a:r>
+              <a:rPr lang="zh-CN" altLang="en-US" sz="2500" b="1" dirty="0">
+                <a:latin typeface="微软雅黑" pitchFamily="34" charset="-122"/>
+                <a:ea typeface="微软雅黑" pitchFamily="34" charset="-122"/>
+              </a:rPr>
+              <a:t>生产</a:t>
+            </a:r>
+            <a:r>
+              <a:rPr lang="en-US" altLang="zh-CN" sz="2500" b="1" dirty="0" smtClean="0">
+                <a:latin typeface="微软雅黑" pitchFamily="34" charset="-122"/>
+                <a:ea typeface="微软雅黑" pitchFamily="34" charset="-122"/>
+              </a:rPr>
+              <a:t>-</a:t>
+            </a:r>
+            <a:r>
+              <a:rPr lang="zh-CN" altLang="en-US" sz="2500" b="1" dirty="0" smtClean="0">
+                <a:latin typeface="微软雅黑" pitchFamily="34" charset="-122"/>
+                <a:ea typeface="微软雅黑" pitchFamily="34" charset="-122"/>
+              </a:rPr>
+              <a:t>生产计划</a:t>
+            </a:r>
+          </a:p>
+        </p:txBody>
+      </p:sp>
+      <p:sp>
+        <p:nvSpPr>
+          <p:cNvPr id="5" name="内容占位符 2"/>
+          <p:cNvSpPr>
+            <a:spLocks noGrp="1"/>
+          </p:cNvSpPr>
+          <p:nvPr>
+            <p:ph idx="1"/>
+          </p:nvPr>
+        </p:nvSpPr>
+        <p:spPr>
+          <a:xfrm>
+            <a:off x="391592" y="845840"/>
+            <a:ext cx="7315200" cy="3017838"/>
+          </a:xfrm>
+        </p:spPr>
+        <p:txBody>
+          <a:bodyPr/>
+          <a:lstStyle/>
+          <a:p>
+            <a:r>
+              <a:rPr lang="zh-CN" altLang="en-US" dirty="0" smtClean="0">
+                <a:solidFill>
+                  <a:schemeClr val="bg1"/>
+                </a:solidFill>
+                <a:latin typeface="微软雅黑" pitchFamily="34" charset="-122"/>
+                <a:ea typeface="微软雅黑" pitchFamily="34" charset="-122"/>
+              </a:rPr>
+              <a:t>生产计划</a:t>
+            </a:r>
+            <a:endParaRPr lang="en-US" altLang="zh-CN" dirty="0" smtClean="0">
+              <a:solidFill>
+                <a:schemeClr val="bg1"/>
+              </a:solidFill>
+              <a:latin typeface="微软雅黑" pitchFamily="34" charset="-122"/>
+              <a:ea typeface="微软雅黑" pitchFamily="34" charset="-122"/>
+            </a:endParaRPr>
+          </a:p>
+        </p:txBody>
+      </p:sp>
+      <p:sp>
+        <p:nvSpPr>
+          <p:cNvPr id="9" name="矩形 11"/>
+          <p:cNvSpPr>
+            <a:spLocks noChangeArrowheads="1"/>
+          </p:cNvSpPr>
+          <p:nvPr/>
+        </p:nvSpPr>
+        <p:spPr bwMode="auto">
+          <a:xfrm>
+            <a:off x="3515941" y="3942183"/>
+            <a:ext cx="4608512" cy="307777"/>
+          </a:xfrm>
+          <a:prstGeom prst="rect">
+            <a:avLst/>
+          </a:prstGeom>
+          <a:noFill/>
+          <a:ln>
+            <a:noFill/>
+          </a:ln>
+          <a:extLst>
+            <a:ext uri="{909E8E84-426E-40DD-AFC4-6F175D3DCCD1}">
+              <a14:hiddenFill xmlns:a14="http://schemas.microsoft.com/office/drawing/2010/main">
+                <a:solidFill>
+                  <a:srgbClr val="FFFFFF"/>
+                </a:solidFill>
+              </a14:hiddenFill>
+            </a:ext>
+            <a:ext uri="{91240B29-F687-4F45-9708-019B960494DF}">
+              <a14:hiddenLine xmlns:a14="http://schemas.microsoft.com/office/drawing/2010/main" w="9525">
+                <a:solidFill>
+                  <a:srgbClr val="000000"/>
+                </a:solidFill>
+                <a:miter lim="800000"/>
+                <a:headEnd/>
+                <a:tailEnd/>
+              </a14:hiddenLine>
+            </a:ext>
+          </a:extLst>
+        </p:spPr>
+        <p:txBody>
+          <a:bodyPr wrap="square">
+            <a:spAutoFit/>
+          </a:bodyPr>
+          <a:lstStyle/>
+          <a:p>
+            <a:r>
+              <a:rPr lang="zh-CN" altLang="en-US" sz="1400" dirty="0" smtClean="0">
+                <a:solidFill>
+                  <a:schemeClr val="bg1"/>
+                </a:solidFill>
+                <a:latin typeface="宋体" pitchFamily="2" charset="-122"/>
+                <a:ea typeface="宋体" pitchFamily="2" charset="-122"/>
+              </a:rPr>
+              <a:t>自古</a:t>
+            </a:r>
+            <a:r>
+              <a:rPr lang="zh-CN" altLang="en-US" sz="1400" dirty="0">
+                <a:solidFill>
+                  <a:schemeClr val="bg1"/>
+                </a:solidFill>
+                <a:latin typeface="宋体" pitchFamily="2" charset="-122"/>
+                <a:ea typeface="宋体" pitchFamily="2" charset="-122"/>
+              </a:rPr>
+              <a:t>不谋万世者</a:t>
+            </a:r>
+            <a:r>
+              <a:rPr lang="en-US" altLang="zh-CN" sz="1400" dirty="0">
+                <a:solidFill>
+                  <a:schemeClr val="bg1"/>
+                </a:solidFill>
+                <a:latin typeface="宋体" pitchFamily="2" charset="-122"/>
+                <a:ea typeface="宋体" pitchFamily="2" charset="-122"/>
+              </a:rPr>
+              <a:t>,</a:t>
+            </a:r>
+            <a:r>
+              <a:rPr lang="zh-CN" altLang="en-US" sz="1400" dirty="0">
+                <a:solidFill>
+                  <a:schemeClr val="bg1"/>
+                </a:solidFill>
+                <a:latin typeface="宋体" pitchFamily="2" charset="-122"/>
+                <a:ea typeface="宋体" pitchFamily="2" charset="-122"/>
+              </a:rPr>
+              <a:t>不足谋一时</a:t>
+            </a:r>
+            <a:r>
+              <a:rPr lang="en-US" altLang="zh-CN" sz="1400" dirty="0">
+                <a:solidFill>
+                  <a:schemeClr val="bg1"/>
+                </a:solidFill>
+                <a:latin typeface="宋体" pitchFamily="2" charset="-122"/>
+                <a:ea typeface="宋体" pitchFamily="2" charset="-122"/>
+              </a:rPr>
+              <a:t>; </a:t>
+            </a:r>
+            <a:r>
+              <a:rPr lang="zh-CN" altLang="en-US" sz="1400" dirty="0">
+                <a:solidFill>
+                  <a:schemeClr val="bg1"/>
+                </a:solidFill>
+                <a:latin typeface="宋体" pitchFamily="2" charset="-122"/>
+                <a:ea typeface="宋体" pitchFamily="2" charset="-122"/>
+              </a:rPr>
+              <a:t>不谋全局者</a:t>
+            </a:r>
+            <a:r>
+              <a:rPr lang="en-US" altLang="zh-CN" sz="1400" dirty="0">
+                <a:solidFill>
+                  <a:schemeClr val="bg1"/>
+                </a:solidFill>
+                <a:latin typeface="宋体" pitchFamily="2" charset="-122"/>
+                <a:ea typeface="宋体" pitchFamily="2" charset="-122"/>
+              </a:rPr>
+              <a:t>,</a:t>
+            </a:r>
+            <a:r>
+              <a:rPr lang="zh-CN" altLang="en-US" sz="1400" dirty="0">
+                <a:solidFill>
+                  <a:schemeClr val="bg1"/>
+                </a:solidFill>
+                <a:latin typeface="宋体" pitchFamily="2" charset="-122"/>
+                <a:ea typeface="宋体" pitchFamily="2" charset="-122"/>
+              </a:rPr>
+              <a:t>不足谋一</a:t>
+            </a:r>
+            <a:r>
+              <a:rPr lang="zh-CN" altLang="en-US" sz="1400" dirty="0" smtClean="0">
+                <a:solidFill>
+                  <a:schemeClr val="bg1"/>
+                </a:solidFill>
+                <a:latin typeface="宋体" pitchFamily="2" charset="-122"/>
+                <a:ea typeface="宋体" pitchFamily="2" charset="-122"/>
+              </a:rPr>
+              <a:t>域。</a:t>
+            </a:r>
+            <a:endParaRPr lang="zh-CN" altLang="en-US" sz="1400" dirty="0">
+              <a:solidFill>
+                <a:schemeClr val="bg1"/>
+              </a:solidFill>
+              <a:latin typeface="宋体" pitchFamily="2" charset="-122"/>
+              <a:ea typeface="宋体" pitchFamily="2" charset="-122"/>
+            </a:endParaRPr>
+          </a:p>
+        </p:txBody>
+      </p:sp>
+      <p:cxnSp>
+        <p:nvCxnSpPr>
+          <p:cNvPr id="10" name="直接连接符 9"/>
+          <p:cNvCxnSpPr/>
+          <p:nvPr/>
+        </p:nvCxnSpPr>
+        <p:spPr bwMode="auto">
+          <a:xfrm>
+            <a:off x="4992694" y="3942184"/>
+            <a:ext cx="3135306" cy="1588"/>
+          </a:xfrm>
+          <a:prstGeom prst="line">
+            <a:avLst/>
+          </a:prstGeom>
+          <a:ln>
+            <a:solidFill>
+              <a:schemeClr val="bg1"/>
+            </a:solidFill>
+          </a:ln>
+          <a:extLst/>
+        </p:spPr>
+        <p:style>
+          <a:lnRef idx="1">
+            <a:schemeClr val="dk1"/>
+          </a:lnRef>
+          <a:fillRef idx="0">
+            <a:schemeClr val="dk1"/>
+          </a:fillRef>
+          <a:effectRef idx="0">
+            <a:schemeClr val="dk1"/>
+          </a:effectRef>
+          <a:fontRef idx="minor">
+            <a:schemeClr val="tx1"/>
+          </a:fontRef>
+        </p:style>
+      </p:cxnSp>
+    </p:spTree>
+    <p:extLst>
+      <p:ext uri="{BB962C8B-B14F-4D97-AF65-F5344CB8AC3E}">
+        <p14:creationId xmlns:p14="http://schemas.microsoft.com/office/powerpoint/2010/main" val="4150819711"/>
+      </p:ext>
+    </p:extLst>
+  </p:cSld>
+  <p:clrMapOvr>
+    <a:masterClrMapping/>
+  </p:clrMapOvr>
+  <p:transition/>
+  <p:timing>
+    <p:tnLst>
+      <p:par>
+        <p:cTn id="1" dur="indefinite" restart="never" nodeType="tmRoot"/>
+      </p:par>
+    </p:tnLst>
+  </p:timing>
+</p:sld>
+</file>
+
+<file path=ppt/slides/slide36.xml><?xml version="1.0" encoding="utf-8"?>
+<p:sld xmlns:a="http://schemas.openxmlformats.org/drawingml/2006/main" xmlns:r="http://schemas.openxmlformats.org/officeDocument/2006/relationships" xmlns:p="http://schemas.openxmlformats.org/presentationml/2006/main">
+  <p:cSld>
+    <p:bg>
+      <p:bgPr>
+        <a:blipFill dpi="0" rotWithShape="1">
+          <a:blip r:embed="rId3">
+            <a:lum/>
+          </a:blip>
+          <a:srcRect/>
+          <a:stretch>
+            <a:fillRect/>
+          </a:stretch>
+        </a:blipFill>
+        <a:effectLst/>
+      </p:bgPr>
+    </p:bg>
+    <p:spTree>
+      <p:nvGrpSpPr>
+        <p:cNvPr id="1" name=""/>
+        <p:cNvGrpSpPr/>
+        <p:nvPr/>
+      </p:nvGrpSpPr>
+      <p:grpSpPr>
+        <a:xfrm>
+          <a:off x="0" y="0"/>
+          <a:ext cx="0" cy="0"/>
+          <a:chOff x="0" y="0"/>
+          <a:chExt cx="0" cy="0"/>
+        </a:xfrm>
+      </p:grpSpPr>
+      <p:sp>
+        <p:nvSpPr>
+          <p:cNvPr id="5122" name="标题 1"/>
+          <p:cNvSpPr>
+            <a:spLocks noGrp="1"/>
+          </p:cNvSpPr>
+          <p:nvPr>
+            <p:ph type="title"/>
+          </p:nvPr>
+        </p:nvSpPr>
+        <p:spPr bwMode="auto">
+          <a:xfrm>
+            <a:off x="-544512" y="9525"/>
+            <a:ext cx="3744416" cy="642926"/>
+          </a:xfrm>
+          <a:noFill/>
+          <a:extLst>
+            <a:ext uri="{909E8E84-426E-40DD-AFC4-6F175D3DCCD1}">
+              <a14:hiddenFill xmlns:a14="http://schemas.microsoft.com/office/drawing/2010/main">
+                <a:solidFill>
+                  <a:srgbClr val="FFFFFF"/>
+                </a:solidFill>
+              </a14:hiddenFill>
+            </a:ext>
+            <a:ext uri="{91240B29-F687-4F45-9708-019B960494DF}">
+              <a14:hiddenLine xmlns:a14="http://schemas.microsoft.com/office/drawing/2010/main" w="9525">
+                <a:solidFill>
+                  <a:srgbClr val="000000"/>
+                </a:solidFill>
+                <a:miter lim="800000"/>
+                <a:headEnd/>
+                <a:tailEnd/>
+              </a14:hiddenLine>
+            </a:ext>
+          </a:extLst>
+        </p:spPr>
+        <p:txBody>
+          <a:bodyPr wrap="square" lIns="91440" tIns="45720" rIns="91440" bIns="45720" numCol="1" anchor="t" anchorCtr="0" compatLnSpc="1">
+            <a:prstTxWarp prst="textNoShape">
+              <a:avLst/>
+            </a:prstTxWarp>
+          </a:bodyPr>
+          <a:lstStyle/>
+          <a:p>
+            <a:r>
+              <a:rPr lang="zh-CN" altLang="en-US" sz="2500" b="1" dirty="0">
+                <a:latin typeface="微软雅黑" pitchFamily="34" charset="-122"/>
+                <a:ea typeface="微软雅黑" pitchFamily="34" charset="-122"/>
+              </a:rPr>
+              <a:t>生产</a:t>
+            </a:r>
+            <a:r>
+              <a:rPr lang="en-US" altLang="zh-CN" sz="2500" b="1" dirty="0" smtClean="0">
+                <a:latin typeface="微软雅黑" pitchFamily="34" charset="-122"/>
+                <a:ea typeface="微软雅黑" pitchFamily="34" charset="-122"/>
+              </a:rPr>
+              <a:t>-</a:t>
+            </a:r>
+            <a:r>
+              <a:rPr lang="zh-CN" altLang="en-US" sz="2500" b="1" dirty="0" smtClean="0">
+                <a:latin typeface="微软雅黑" pitchFamily="34" charset="-122"/>
+                <a:ea typeface="微软雅黑" pitchFamily="34" charset="-122"/>
+              </a:rPr>
+              <a:t>工序与跟踪</a:t>
+            </a:r>
+            <a:endParaRPr lang="zh-CN" altLang="en-US" sz="2500" b="1" dirty="0" smtClean="0">
+              <a:latin typeface="微软雅黑" pitchFamily="34" charset="-122"/>
+              <a:ea typeface="微软雅黑" pitchFamily="34" charset="-122"/>
+            </a:endParaRPr>
+          </a:p>
+        </p:txBody>
+      </p:sp>
+      <p:sp>
+        <p:nvSpPr>
+          <p:cNvPr id="5" name="内容占位符 2"/>
+          <p:cNvSpPr>
+            <a:spLocks noGrp="1"/>
+          </p:cNvSpPr>
+          <p:nvPr>
+            <p:ph idx="1"/>
+          </p:nvPr>
+        </p:nvSpPr>
+        <p:spPr>
+          <a:xfrm>
+            <a:off x="469218" y="686271"/>
+            <a:ext cx="7315200" cy="3017838"/>
+          </a:xfrm>
+        </p:spPr>
+        <p:txBody>
+          <a:bodyPr/>
+          <a:lstStyle/>
+          <a:p>
+            <a:r>
+              <a:rPr lang="zh-CN" altLang="en-US" dirty="0">
+                <a:solidFill>
+                  <a:schemeClr val="bg1"/>
+                </a:solidFill>
+                <a:latin typeface="微软雅黑" pitchFamily="34" charset="-122"/>
+                <a:ea typeface="微软雅黑" pitchFamily="34" charset="-122"/>
+              </a:rPr>
+              <a:t>工序设置－</a:t>
+            </a:r>
+            <a:r>
+              <a:rPr lang="en-US" altLang="zh-CN" dirty="0">
+                <a:solidFill>
+                  <a:schemeClr val="bg1"/>
+                </a:solidFill>
+                <a:latin typeface="微软雅黑" pitchFamily="34" charset="-122"/>
+                <a:ea typeface="微软雅黑" pitchFamily="34" charset="-122"/>
+              </a:rPr>
+              <a:t>&gt;</a:t>
+            </a:r>
+            <a:r>
+              <a:rPr lang="zh-CN" altLang="en-US" dirty="0">
+                <a:solidFill>
+                  <a:schemeClr val="bg1"/>
+                </a:solidFill>
+                <a:latin typeface="微软雅黑" pitchFamily="34" charset="-122"/>
+                <a:ea typeface="微软雅黑" pitchFamily="34" charset="-122"/>
+              </a:rPr>
+              <a:t>生产进度跟踪（闭环</a:t>
+            </a:r>
+            <a:r>
+              <a:rPr lang="en-US" altLang="zh-CN" dirty="0">
+                <a:solidFill>
+                  <a:schemeClr val="bg1"/>
+                </a:solidFill>
+                <a:latin typeface="微软雅黑" pitchFamily="34" charset="-122"/>
+                <a:ea typeface="微软雅黑" pitchFamily="34" charset="-122"/>
+              </a:rPr>
+              <a:t>MRP</a:t>
+            </a:r>
+            <a:r>
+              <a:rPr lang="zh-CN" altLang="en-US" dirty="0">
+                <a:solidFill>
+                  <a:schemeClr val="bg1"/>
+                </a:solidFill>
+                <a:latin typeface="微软雅黑" pitchFamily="34" charset="-122"/>
+                <a:ea typeface="微软雅黑" pitchFamily="34" charset="-122"/>
+              </a:rPr>
+              <a:t>重要手段之一）</a:t>
+            </a:r>
+            <a:endParaRPr lang="en-US" altLang="zh-CN" dirty="0">
+              <a:solidFill>
+                <a:schemeClr val="bg1"/>
+              </a:solidFill>
+              <a:latin typeface="微软雅黑" pitchFamily="34" charset="-122"/>
+              <a:ea typeface="微软雅黑" pitchFamily="34" charset="-122"/>
+            </a:endParaRPr>
+          </a:p>
+        </p:txBody>
+      </p:sp>
+      <p:pic>
+        <p:nvPicPr>
+          <p:cNvPr id="7170" name="Picture 2"/>
+          <p:cNvPicPr>
+            <a:picLocks noChangeAspect="1" noChangeArrowheads="1"/>
+          </p:cNvPicPr>
+          <p:nvPr/>
+        </p:nvPicPr>
+        <p:blipFill>
+          <a:blip r:embed="rId4">
+            <a:extLst>
+              <a:ext uri="{28A0092B-C50C-407E-A947-70E740481C1C}">
+                <a14:useLocalDpi xmlns:a14="http://schemas.microsoft.com/office/drawing/2010/main" val="0"/>
+              </a:ext>
+            </a:extLst>
+          </a:blip>
+          <a:srcRect/>
+          <a:stretch>
+            <a:fillRect/>
+          </a:stretch>
+        </p:blipFill>
+        <p:spPr bwMode="auto">
+          <a:xfrm>
+            <a:off x="1831752" y="1395412"/>
+            <a:ext cx="2562225" cy="1781175"/>
+          </a:xfrm>
+          <a:prstGeom prst="rect">
+            <a:avLst/>
+          </a:prstGeom>
+          <a:noFill/>
+          <a:ln>
+            <a:noFill/>
+          </a:ln>
+          <a:effectLst/>
+          <a:extLst>
+            <a:ext uri="{909E8E84-426E-40DD-AFC4-6F175D3DCCD1}">
+              <a14:hiddenFill xmlns:a14="http://schemas.microsoft.com/office/drawing/2010/main">
+                <a:solidFill>
+                  <a:schemeClr val="accent1"/>
+                </a:solidFill>
+              </a14:hiddenFill>
+            </a:ext>
+            <a:ext uri="{91240B29-F687-4F45-9708-019B960494DF}">
+              <a14:hiddenLine xmlns:a14="http://schemas.microsoft.com/office/drawing/2010/main" w="9525">
+                <a:solidFill>
+                  <a:schemeClr val="tx1"/>
+                </a:solidFill>
+                <a:miter lim="800000"/>
+                <a:headEnd/>
+                <a:tailEnd/>
+              </a14:hiddenLine>
+            </a:ext>
+            <a:ext uri="{AF507438-7753-43E0-B8FC-AC1667EBCBE1}">
+              <a14:hiddenEffects xmlns:a14="http://schemas.microsoft.com/office/drawing/2010/main">
+                <a:effectLst>
+                  <a:outerShdw dist="35921" dir="2700000" algn="ctr" rotWithShape="0">
+                    <a:schemeClr val="bg2"/>
+                  </a:outerShdw>
+                </a:effectLst>
+              </a14:hiddenEffects>
+            </a:ext>
+          </a:extLst>
+        </p:spPr>
+      </p:pic>
+      <p:sp>
+        <p:nvSpPr>
+          <p:cNvPr id="6" name="矩形 11"/>
+          <p:cNvSpPr>
+            <a:spLocks noChangeArrowheads="1"/>
+          </p:cNvSpPr>
+          <p:nvPr/>
+        </p:nvSpPr>
+        <p:spPr bwMode="auto">
+          <a:xfrm>
+            <a:off x="3515941" y="3942183"/>
+            <a:ext cx="4608512" cy="307777"/>
+          </a:xfrm>
+          <a:prstGeom prst="rect">
+            <a:avLst/>
+          </a:prstGeom>
+          <a:noFill/>
+          <a:ln>
+            <a:noFill/>
+          </a:ln>
+          <a:extLst>
+            <a:ext uri="{909E8E84-426E-40DD-AFC4-6F175D3DCCD1}">
+              <a14:hiddenFill xmlns:a14="http://schemas.microsoft.com/office/drawing/2010/main">
+                <a:solidFill>
+                  <a:srgbClr val="FFFFFF"/>
+                </a:solidFill>
+              </a14:hiddenFill>
+            </a:ext>
+            <a:ext uri="{91240B29-F687-4F45-9708-019B960494DF}">
+              <a14:hiddenLine xmlns:a14="http://schemas.microsoft.com/office/drawing/2010/main" w="9525">
+                <a:solidFill>
+                  <a:srgbClr val="000000"/>
+                </a:solidFill>
+                <a:miter lim="800000"/>
+                <a:headEnd/>
+                <a:tailEnd/>
+              </a14:hiddenLine>
+            </a:ext>
+          </a:extLst>
+        </p:spPr>
+        <p:txBody>
+          <a:bodyPr wrap="square">
+            <a:spAutoFit/>
+          </a:bodyPr>
+          <a:lstStyle/>
+          <a:p>
+            <a:r>
+              <a:rPr lang="zh-CN" altLang="en-US" sz="1400" dirty="0" smtClean="0">
+                <a:solidFill>
+                  <a:schemeClr val="bg1"/>
+                </a:solidFill>
+                <a:latin typeface="宋体" pitchFamily="2" charset="-122"/>
+                <a:ea typeface="宋体" pitchFamily="2" charset="-122"/>
+              </a:rPr>
+              <a:t>自古</a:t>
+            </a:r>
+            <a:r>
+              <a:rPr lang="zh-CN" altLang="en-US" sz="1400" dirty="0">
+                <a:solidFill>
+                  <a:schemeClr val="bg1"/>
+                </a:solidFill>
+                <a:latin typeface="宋体" pitchFamily="2" charset="-122"/>
+                <a:ea typeface="宋体" pitchFamily="2" charset="-122"/>
+              </a:rPr>
+              <a:t>不谋万世者</a:t>
+            </a:r>
+            <a:r>
+              <a:rPr lang="en-US" altLang="zh-CN" sz="1400" dirty="0">
+                <a:solidFill>
+                  <a:schemeClr val="bg1"/>
+                </a:solidFill>
+                <a:latin typeface="宋体" pitchFamily="2" charset="-122"/>
+                <a:ea typeface="宋体" pitchFamily="2" charset="-122"/>
+              </a:rPr>
+              <a:t>,</a:t>
+            </a:r>
+            <a:r>
+              <a:rPr lang="zh-CN" altLang="en-US" sz="1400" dirty="0">
+                <a:solidFill>
+                  <a:schemeClr val="bg1"/>
+                </a:solidFill>
+                <a:latin typeface="宋体" pitchFamily="2" charset="-122"/>
+                <a:ea typeface="宋体" pitchFamily="2" charset="-122"/>
+              </a:rPr>
+              <a:t>不足谋一时</a:t>
+            </a:r>
+            <a:r>
+              <a:rPr lang="en-US" altLang="zh-CN" sz="1400" dirty="0">
+                <a:solidFill>
+                  <a:schemeClr val="bg1"/>
+                </a:solidFill>
+                <a:latin typeface="宋体" pitchFamily="2" charset="-122"/>
+                <a:ea typeface="宋体" pitchFamily="2" charset="-122"/>
+              </a:rPr>
+              <a:t>; </a:t>
+            </a:r>
+            <a:r>
+              <a:rPr lang="zh-CN" altLang="en-US" sz="1400" dirty="0">
+                <a:solidFill>
+                  <a:schemeClr val="bg1"/>
+                </a:solidFill>
+                <a:latin typeface="宋体" pitchFamily="2" charset="-122"/>
+                <a:ea typeface="宋体" pitchFamily="2" charset="-122"/>
+              </a:rPr>
+              <a:t>不谋全局者</a:t>
+            </a:r>
+            <a:r>
+              <a:rPr lang="en-US" altLang="zh-CN" sz="1400" dirty="0">
+                <a:solidFill>
+                  <a:schemeClr val="bg1"/>
+                </a:solidFill>
+                <a:latin typeface="宋体" pitchFamily="2" charset="-122"/>
+                <a:ea typeface="宋体" pitchFamily="2" charset="-122"/>
+              </a:rPr>
+              <a:t>,</a:t>
+            </a:r>
+            <a:r>
+              <a:rPr lang="zh-CN" altLang="en-US" sz="1400" dirty="0">
+                <a:solidFill>
+                  <a:schemeClr val="bg1"/>
+                </a:solidFill>
+                <a:latin typeface="宋体" pitchFamily="2" charset="-122"/>
+                <a:ea typeface="宋体" pitchFamily="2" charset="-122"/>
+              </a:rPr>
+              <a:t>不足谋一</a:t>
+            </a:r>
+            <a:r>
+              <a:rPr lang="zh-CN" altLang="en-US" sz="1400" dirty="0" smtClean="0">
+                <a:solidFill>
+                  <a:schemeClr val="bg1"/>
+                </a:solidFill>
+                <a:latin typeface="宋体" pitchFamily="2" charset="-122"/>
+                <a:ea typeface="宋体" pitchFamily="2" charset="-122"/>
+              </a:rPr>
+              <a:t>域。</a:t>
+            </a:r>
+            <a:endParaRPr lang="zh-CN" altLang="en-US" sz="1400" dirty="0">
+              <a:solidFill>
+                <a:schemeClr val="bg1"/>
+              </a:solidFill>
+              <a:latin typeface="宋体" pitchFamily="2" charset="-122"/>
+              <a:ea typeface="宋体" pitchFamily="2" charset="-122"/>
+            </a:endParaRPr>
+          </a:p>
+        </p:txBody>
+      </p:sp>
+      <p:cxnSp>
+        <p:nvCxnSpPr>
+          <p:cNvPr id="8" name="直接连接符 7"/>
+          <p:cNvCxnSpPr/>
+          <p:nvPr/>
+        </p:nvCxnSpPr>
+        <p:spPr bwMode="auto">
+          <a:xfrm>
+            <a:off x="4992694" y="3942184"/>
+            <a:ext cx="3135306" cy="1588"/>
+          </a:xfrm>
+          <a:prstGeom prst="line">
+            <a:avLst/>
+          </a:prstGeom>
+          <a:ln>
+            <a:solidFill>
+              <a:schemeClr val="bg1"/>
+            </a:solidFill>
+          </a:ln>
+          <a:extLst/>
+        </p:spPr>
+        <p:style>
+          <a:lnRef idx="1">
+            <a:schemeClr val="dk1"/>
+          </a:lnRef>
+          <a:fillRef idx="0">
+            <a:schemeClr val="dk1"/>
+          </a:fillRef>
+          <a:effectRef idx="0">
+            <a:schemeClr val="dk1"/>
+          </a:effectRef>
+          <a:fontRef idx="minor">
+            <a:schemeClr val="tx1"/>
+          </a:fontRef>
+        </p:style>
+      </p:cxnSp>
+    </p:spTree>
+    <p:extLst>
+      <p:ext uri="{BB962C8B-B14F-4D97-AF65-F5344CB8AC3E}">
+        <p14:creationId xmlns:p14="http://schemas.microsoft.com/office/powerpoint/2010/main" val="1756122234"/>
+      </p:ext>
+    </p:extLst>
+  </p:cSld>
+  <p:clrMapOvr>
+    <a:masterClrMapping/>
+  </p:clrMapOvr>
+  <p:transition/>
+  <p:timing>
+    <p:tnLst>
+      <p:par>
+        <p:cTn id="1" dur="indefinite" restart="never" nodeType="tmRoot"/>
+      </p:par>
+    </p:tnLst>
+  </p:timing>
+</p:sld>
+</file>
+
+<file path=ppt/slides/slide37.xml><?xml version="1.0" encoding="utf-8"?>
+<p:sld xmlns:a="http://schemas.openxmlformats.org/drawingml/2006/main" xmlns:r="http://schemas.openxmlformats.org/officeDocument/2006/relationships" xmlns:p="http://schemas.openxmlformats.org/presentationml/2006/main">
+  <p:cSld>
+    <p:bg>
+      <p:bgPr>
+        <a:blipFill dpi="0" rotWithShape="1">
+          <a:blip r:embed="rId3">
+            <a:lum/>
+          </a:blip>
+          <a:srcRect/>
+          <a:stretch>
+            <a:fillRect/>
+          </a:stretch>
+        </a:blipFill>
+        <a:effectLst/>
+      </p:bgPr>
+    </p:bg>
+    <p:spTree>
+      <p:nvGrpSpPr>
+        <p:cNvPr id="1" name=""/>
+        <p:cNvGrpSpPr/>
+        <p:nvPr/>
+      </p:nvGrpSpPr>
+      <p:grpSpPr>
+        <a:xfrm>
+          <a:off x="0" y="0"/>
+          <a:ext cx="0" cy="0"/>
+          <a:chOff x="0" y="0"/>
+          <a:chExt cx="0" cy="0"/>
+        </a:xfrm>
+      </p:grpSpPr>
+      <p:sp>
+        <p:nvSpPr>
+          <p:cNvPr id="5122" name="标题 1"/>
+          <p:cNvSpPr>
+            <a:spLocks noGrp="1"/>
+          </p:cNvSpPr>
+          <p:nvPr>
+            <p:ph type="title"/>
+          </p:nvPr>
+        </p:nvSpPr>
+        <p:spPr bwMode="auto">
+          <a:xfrm>
+            <a:off x="-112464" y="0"/>
+            <a:ext cx="2664296" cy="642926"/>
+          </a:xfrm>
+          <a:noFill/>
+          <a:extLst>
+            <a:ext uri="{909E8E84-426E-40DD-AFC4-6F175D3DCCD1}">
+              <a14:hiddenFill xmlns:a14="http://schemas.microsoft.com/office/drawing/2010/main">
+                <a:solidFill>
+                  <a:srgbClr val="FFFFFF"/>
+                </a:solidFill>
+              </a14:hiddenFill>
+            </a:ext>
+            <a:ext uri="{91240B29-F687-4F45-9708-019B960494DF}">
+              <a14:hiddenLine xmlns:a14="http://schemas.microsoft.com/office/drawing/2010/main" w="9525">
+                <a:solidFill>
+                  <a:srgbClr val="000000"/>
+                </a:solidFill>
+                <a:miter lim="800000"/>
+                <a:headEnd/>
+                <a:tailEnd/>
+              </a14:hiddenLine>
+            </a:ext>
+          </a:extLst>
+        </p:spPr>
+        <p:txBody>
+          <a:bodyPr wrap="square" lIns="91440" tIns="45720" rIns="91440" bIns="45720" numCol="1" anchor="t" anchorCtr="0" compatLnSpc="1">
+            <a:prstTxWarp prst="textNoShape">
+              <a:avLst/>
+            </a:prstTxWarp>
+          </a:bodyPr>
+          <a:lstStyle/>
+          <a:p>
+            <a:r>
+              <a:rPr lang="zh-CN" altLang="en-US" sz="2500" b="1" dirty="0">
+                <a:latin typeface="微软雅黑" pitchFamily="34" charset="-122"/>
+                <a:ea typeface="微软雅黑" pitchFamily="34" charset="-122"/>
+              </a:rPr>
+              <a:t>生产</a:t>
+            </a:r>
+            <a:r>
+              <a:rPr lang="en-US" altLang="zh-CN" sz="2500" b="1" dirty="0" smtClean="0">
+                <a:latin typeface="微软雅黑" pitchFamily="34" charset="-122"/>
+                <a:ea typeface="微软雅黑" pitchFamily="34" charset="-122"/>
+              </a:rPr>
+              <a:t>-</a:t>
+            </a:r>
+            <a:r>
+              <a:rPr lang="zh-CN" altLang="en-US" sz="2500" b="1" dirty="0" smtClean="0">
+                <a:latin typeface="微软雅黑" pitchFamily="34" charset="-122"/>
+                <a:ea typeface="微软雅黑" pitchFamily="34" charset="-122"/>
+              </a:rPr>
+              <a:t>生产完毕</a:t>
+            </a:r>
+            <a:endParaRPr lang="zh-CN" altLang="en-US" sz="2500" b="1" dirty="0" smtClean="0">
+              <a:latin typeface="微软雅黑" pitchFamily="34" charset="-122"/>
+              <a:ea typeface="微软雅黑" pitchFamily="34" charset="-122"/>
+            </a:endParaRPr>
+          </a:p>
+        </p:txBody>
+      </p:sp>
+      <p:sp>
+        <p:nvSpPr>
+          <p:cNvPr id="5" name="内容占位符 2"/>
+          <p:cNvSpPr>
+            <a:spLocks noGrp="1"/>
+          </p:cNvSpPr>
+          <p:nvPr>
+            <p:ph idx="1"/>
+          </p:nvPr>
+        </p:nvSpPr>
+        <p:spPr>
+          <a:xfrm>
+            <a:off x="391592" y="845840"/>
+            <a:ext cx="7315200" cy="3017838"/>
+          </a:xfrm>
+        </p:spPr>
+        <p:txBody>
+          <a:bodyPr/>
+          <a:lstStyle/>
+          <a:p>
+            <a:r>
+              <a:rPr lang="zh-CN" altLang="en-US" dirty="0" smtClean="0">
+                <a:solidFill>
+                  <a:schemeClr val="bg1"/>
+                </a:solidFill>
+                <a:latin typeface="微软雅黑" pitchFamily="34" charset="-122"/>
+                <a:ea typeface="微软雅黑" pitchFamily="34" charset="-122"/>
+              </a:rPr>
+              <a:t>生产完毕且审核通过，</a:t>
+            </a:r>
+            <a:r>
+              <a:rPr lang="zh-CN" altLang="en-US" dirty="0">
+                <a:solidFill>
+                  <a:schemeClr val="bg1"/>
+                </a:solidFill>
+                <a:latin typeface="微软雅黑" pitchFamily="34" charset="-122"/>
+                <a:ea typeface="微软雅黑" pitchFamily="34" charset="-122"/>
+              </a:rPr>
+              <a:t>回到</a:t>
+            </a:r>
+            <a:r>
+              <a:rPr lang="zh-CN" altLang="en-US" dirty="0" smtClean="0">
+                <a:solidFill>
+                  <a:schemeClr val="bg1"/>
+                </a:solidFill>
+                <a:latin typeface="微软雅黑" pitchFamily="34" charset="-122"/>
+                <a:ea typeface="微软雅黑" pitchFamily="34" charset="-122"/>
+              </a:rPr>
+              <a:t>了“销售</a:t>
+            </a:r>
+            <a:r>
+              <a:rPr lang="en-US" altLang="zh-CN" dirty="0">
+                <a:solidFill>
+                  <a:schemeClr val="bg1"/>
+                </a:solidFill>
+                <a:latin typeface="微软雅黑" pitchFamily="34" charset="-122"/>
+                <a:ea typeface="微软雅黑" pitchFamily="34" charset="-122"/>
+              </a:rPr>
+              <a:t>-</a:t>
+            </a:r>
+            <a:r>
+              <a:rPr lang="zh-CN" altLang="en-US" dirty="0">
+                <a:solidFill>
+                  <a:schemeClr val="bg1"/>
+                </a:solidFill>
+                <a:latin typeface="微软雅黑" pitchFamily="34" charset="-122"/>
+                <a:ea typeface="微软雅黑" pitchFamily="34" charset="-122"/>
+              </a:rPr>
+              <a:t>出</a:t>
+            </a:r>
+            <a:r>
+              <a:rPr lang="zh-CN" altLang="en-US" dirty="0" smtClean="0">
+                <a:solidFill>
+                  <a:schemeClr val="bg1"/>
+                </a:solidFill>
+                <a:latin typeface="微软雅黑" pitchFamily="34" charset="-122"/>
+                <a:ea typeface="微软雅黑" pitchFamily="34" charset="-122"/>
+              </a:rPr>
+              <a:t>库”的那一情景</a:t>
+            </a:r>
+            <a:endParaRPr lang="en-US" altLang="zh-CN" dirty="0" smtClean="0">
+              <a:solidFill>
+                <a:schemeClr val="bg1"/>
+              </a:solidFill>
+              <a:latin typeface="微软雅黑" pitchFamily="34" charset="-122"/>
+              <a:ea typeface="微软雅黑" pitchFamily="34" charset="-122"/>
+            </a:endParaRPr>
+          </a:p>
+        </p:txBody>
+      </p:sp>
+      <p:sp>
+        <p:nvSpPr>
+          <p:cNvPr id="6" name="矩形 5"/>
+          <p:cNvSpPr>
+            <a:spLocks noChangeArrowheads="1"/>
+          </p:cNvSpPr>
+          <p:nvPr/>
+        </p:nvSpPr>
+        <p:spPr bwMode="auto">
+          <a:xfrm>
+            <a:off x="3703960" y="3962418"/>
+            <a:ext cx="4496048" cy="307777"/>
+          </a:xfrm>
+          <a:prstGeom prst="rect">
+            <a:avLst/>
+          </a:prstGeom>
+          <a:noFill/>
+          <a:ln>
+            <a:noFill/>
+          </a:ln>
+          <a:extLst>
+            <a:ext uri="{909E8E84-426E-40DD-AFC4-6F175D3DCCD1}">
+              <a14:hiddenFill xmlns:a14="http://schemas.microsoft.com/office/drawing/2010/main">
+                <a:solidFill>
+                  <a:srgbClr val="FFFFFF"/>
+                </a:solidFill>
+              </a14:hiddenFill>
+            </a:ext>
+            <a:ext uri="{91240B29-F687-4F45-9708-019B960494DF}">
+              <a14:hiddenLine xmlns:a14="http://schemas.microsoft.com/office/drawing/2010/main" w="9525">
+                <a:solidFill>
+                  <a:srgbClr val="000000"/>
+                </a:solidFill>
+                <a:miter lim="800000"/>
+                <a:headEnd/>
+                <a:tailEnd/>
+              </a14:hiddenLine>
+            </a:ext>
+          </a:extLst>
+        </p:spPr>
+        <p:txBody>
+          <a:bodyPr wrap="square">
+            <a:spAutoFit/>
+          </a:bodyPr>
+          <a:lstStyle/>
+          <a:p>
+            <a:r>
+              <a:rPr lang="zh-CN" altLang="en-US" sz="1400" dirty="0" smtClean="0">
+                <a:solidFill>
+                  <a:schemeClr val="bg1"/>
+                </a:solidFill>
+                <a:latin typeface="宋体" pitchFamily="2" charset="-122"/>
+                <a:ea typeface="宋体" pitchFamily="2" charset="-122"/>
+              </a:rPr>
+              <a:t>（下一次），让我们做得更好。</a:t>
+            </a:r>
+            <a:r>
+              <a:rPr lang="en-US" altLang="zh-CN" sz="1400" dirty="0" smtClean="0">
+                <a:solidFill>
+                  <a:schemeClr val="bg1"/>
+                </a:solidFill>
+                <a:latin typeface="宋体" pitchFamily="2" charset="-122"/>
+                <a:ea typeface="宋体" pitchFamily="2" charset="-122"/>
+              </a:rPr>
+              <a:t>—</a:t>
+            </a:r>
+            <a:r>
+              <a:rPr lang="zh-CN" altLang="en-US" sz="1400" dirty="0" smtClean="0">
+                <a:solidFill>
+                  <a:schemeClr val="bg1"/>
+                </a:solidFill>
+                <a:latin typeface="宋体" pitchFamily="2" charset="-122"/>
+                <a:ea typeface="宋体" pitchFamily="2" charset="-122"/>
+              </a:rPr>
+              <a:t>某国际品牌广告语</a:t>
+            </a:r>
+            <a:endParaRPr lang="zh-CN" altLang="en-US" sz="1400" dirty="0">
+              <a:solidFill>
+                <a:schemeClr val="bg1"/>
+              </a:solidFill>
+              <a:latin typeface="宋体" pitchFamily="2" charset="-122"/>
+              <a:ea typeface="宋体" pitchFamily="2" charset="-122"/>
+            </a:endParaRPr>
+          </a:p>
+        </p:txBody>
+      </p:sp>
+      <p:cxnSp>
+        <p:nvCxnSpPr>
+          <p:cNvPr id="8" name="直接连接符 7"/>
+          <p:cNvCxnSpPr/>
+          <p:nvPr/>
+        </p:nvCxnSpPr>
+        <p:spPr bwMode="auto">
+          <a:xfrm>
+            <a:off x="4992694" y="3942184"/>
+            <a:ext cx="3135306" cy="1588"/>
+          </a:xfrm>
+          <a:prstGeom prst="line">
+            <a:avLst/>
+          </a:prstGeom>
+          <a:ln>
+            <a:solidFill>
+              <a:schemeClr val="bg1"/>
+            </a:solidFill>
+          </a:ln>
+          <a:extLst/>
+        </p:spPr>
+        <p:style>
+          <a:lnRef idx="1">
+            <a:schemeClr val="dk1"/>
+          </a:lnRef>
+          <a:fillRef idx="0">
+            <a:schemeClr val="dk1"/>
+          </a:fillRef>
+          <a:effectRef idx="0">
+            <a:schemeClr val="dk1"/>
+          </a:effectRef>
+          <a:fontRef idx="minor">
+            <a:schemeClr val="tx1"/>
+          </a:fontRef>
+        </p:style>
+      </p:cxnSp>
+    </p:spTree>
+    <p:extLst>
+      <p:ext uri="{BB962C8B-B14F-4D97-AF65-F5344CB8AC3E}">
+        <p14:creationId xmlns:p14="http://schemas.microsoft.com/office/powerpoint/2010/main" val="58376787"/>
+      </p:ext>
+    </p:extLst>
+  </p:cSld>
+  <p:clrMapOvr>
+    <a:masterClrMapping/>
+  </p:clrMapOvr>
+  <p:transition/>
+  <p:timing>
+    <p:tnLst>
+      <p:par>
+        <p:cTn id="1" dur="indefinite" restart="never" nodeType="tmRoot"/>
+      </p:par>
+    </p:tnLst>
+  </p:timing>
+</p:sld>
+</file>
+
+<file path=ppt/slides/slide38.xml><?xml version="1.0" encoding="utf-8"?>
 <p:sld xmlns:a="http://schemas.openxmlformats.org/drawingml/2006/main" xmlns:r="http://schemas.openxmlformats.org/officeDocument/2006/relationships" xmlns:p="http://schemas.openxmlformats.org/presentationml/2006/main">
   <p:cSld>
     <p:spTree>
@@ -35728,7 +40930,7 @@
 </p:sld>
 </file>
 
-<file path=ppt/slides/slide33.xml><?xml version="1.0" encoding="utf-8"?>
+<file path=ppt/slides/slide39.xml><?xml version="1.0" encoding="utf-8"?>
 <p:sld xmlns:a="http://schemas.openxmlformats.org/drawingml/2006/main" xmlns:r="http://schemas.openxmlformats.org/officeDocument/2006/relationships" xmlns:p="http://schemas.openxmlformats.org/presentationml/2006/main">
   <p:cSld>
     <p:bg>
@@ -35968,7 +41170,7 @@
           <a:graphicData uri="http://schemas.openxmlformats.org/presentationml/2006/ole">
             <mc:AlternateContent xmlns:mc="http://schemas.openxmlformats.org/markup-compatibility/2006">
               <mc:Choice xmlns:v="urn:schemas-microsoft-com:vml" Requires="v">
-                <p:oleObj spid="_x0000_s1036" name="包装程序外壳对象" showAsIcon="1" r:id="rId5" imgW="914400" imgH="828720" progId="Package">
+                <p:oleObj spid="_x0000_s1129" name="包装程序外壳对象" showAsIcon="1" r:id="rId5" imgW="914400" imgH="828720" progId="Package">
                   <p:embed/>
                 </p:oleObj>
               </mc:Choice>
@@ -36024,7 +41226,588 @@
 </p:sld>
 </file>
 
-<file path=ppt/slides/slide34.xml><?xml version="1.0" encoding="utf-8"?>
+<file path=ppt/slides/slide4.xml><?xml version="1.0" encoding="utf-8"?>
+<p:sld xmlns:a="http://schemas.openxmlformats.org/drawingml/2006/main" xmlns:r="http://schemas.openxmlformats.org/officeDocument/2006/relationships" xmlns:p="http://schemas.openxmlformats.org/presentationml/2006/main">
+  <p:cSld>
+    <p:bg>
+      <p:bgPr>
+        <a:blipFill dpi="0" rotWithShape="1">
+          <a:blip r:embed="rId3">
+            <a:lum/>
+          </a:blip>
+          <a:srcRect/>
+          <a:stretch>
+            <a:fillRect/>
+          </a:stretch>
+        </a:blipFill>
+        <a:effectLst/>
+      </p:bgPr>
+    </p:bg>
+    <p:spTree>
+      <p:nvGrpSpPr>
+        <p:cNvPr id="1" name=""/>
+        <p:cNvGrpSpPr/>
+        <p:nvPr/>
+      </p:nvGrpSpPr>
+      <p:grpSpPr>
+        <a:xfrm>
+          <a:off x="0" y="0"/>
+          <a:ext cx="0" cy="0"/>
+          <a:chOff x="0" y="0"/>
+          <a:chExt cx="0" cy="0"/>
+        </a:xfrm>
+      </p:grpSpPr>
+      <p:sp>
+        <p:nvSpPr>
+          <p:cNvPr id="5122" name="标题 1"/>
+          <p:cNvSpPr>
+            <a:spLocks noGrp="1"/>
+          </p:cNvSpPr>
+          <p:nvPr>
+            <p:ph type="title"/>
+          </p:nvPr>
+        </p:nvSpPr>
+        <p:spPr bwMode="auto">
+          <a:xfrm>
+            <a:off x="-400496" y="-19050"/>
+            <a:ext cx="3456384" cy="642926"/>
+          </a:xfrm>
+          <a:noFill/>
+          <a:extLst>
+            <a:ext uri="{909E8E84-426E-40DD-AFC4-6F175D3DCCD1}">
+              <a14:hiddenFill xmlns:a14="http://schemas.microsoft.com/office/drawing/2010/main">
+                <a:solidFill>
+                  <a:srgbClr val="FFFFFF"/>
+                </a:solidFill>
+              </a14:hiddenFill>
+            </a:ext>
+            <a:ext uri="{91240B29-F687-4F45-9708-019B960494DF}">
+              <a14:hiddenLine xmlns:a14="http://schemas.microsoft.com/office/drawing/2010/main" w="9525">
+                <a:solidFill>
+                  <a:srgbClr val="000000"/>
+                </a:solidFill>
+                <a:miter lim="800000"/>
+                <a:headEnd/>
+                <a:tailEnd/>
+              </a14:hiddenLine>
+            </a:ext>
+          </a:extLst>
+        </p:spPr>
+        <p:txBody>
+          <a:bodyPr wrap="square" lIns="91440" tIns="45720" rIns="91440" bIns="45720" numCol="1" anchor="t" anchorCtr="0" compatLnSpc="1">
+            <a:prstTxWarp prst="textNoShape">
+              <a:avLst/>
+            </a:prstTxWarp>
+          </a:bodyPr>
+          <a:lstStyle/>
+          <a:p>
+            <a:r>
+              <a:rPr lang="zh-CN" altLang="en-US" sz="2500" b="1" dirty="0">
+                <a:latin typeface="微软雅黑" pitchFamily="34" charset="-122"/>
+                <a:ea typeface="微软雅黑" pitchFamily="34" charset="-122"/>
+              </a:rPr>
+              <a:t>规范化与电子化</a:t>
+            </a:r>
+          </a:p>
+        </p:txBody>
+      </p:sp>
+      <p:sp>
+        <p:nvSpPr>
+          <p:cNvPr id="11" name="内容占位符 2"/>
+          <p:cNvSpPr>
+            <a:spLocks noGrp="1"/>
+          </p:cNvSpPr>
+          <p:nvPr>
+            <p:ph idx="1"/>
+          </p:nvPr>
+        </p:nvSpPr>
+        <p:spPr>
+          <a:xfrm>
+            <a:off x="535608" y="629816"/>
+            <a:ext cx="7315200" cy="2659062"/>
+          </a:xfrm>
+        </p:spPr>
+        <p:txBody>
+          <a:bodyPr/>
+          <a:lstStyle/>
+          <a:p>
+            <a:pPr>
+              <a:defRPr/>
+            </a:pPr>
+            <a:r>
+              <a:rPr lang="zh-CN" altLang="en-US" dirty="0" smtClean="0">
+                <a:solidFill>
+                  <a:schemeClr val="bg1"/>
+                </a:solidFill>
+                <a:latin typeface="微软雅黑" pitchFamily="34" charset="-122"/>
+                <a:ea typeface="微软雅黑" pitchFamily="34" charset="-122"/>
+              </a:rPr>
+              <a:t>规范化：构建</a:t>
+            </a:r>
+            <a:r>
+              <a:rPr lang="en-US" altLang="zh-CN" dirty="0" smtClean="0">
+                <a:solidFill>
+                  <a:schemeClr val="bg1"/>
+                </a:solidFill>
+                <a:latin typeface="微软雅黑" pitchFamily="34" charset="-122"/>
+                <a:ea typeface="微软雅黑" pitchFamily="34" charset="-122"/>
+              </a:rPr>
+              <a:t>ERP</a:t>
+            </a:r>
+            <a:r>
+              <a:rPr lang="zh-CN" altLang="en-US" dirty="0" smtClean="0">
+                <a:solidFill>
+                  <a:schemeClr val="bg1"/>
+                </a:solidFill>
+                <a:latin typeface="微软雅黑" pitchFamily="34" charset="-122"/>
+                <a:ea typeface="微软雅黑" pitchFamily="34" charset="-122"/>
+              </a:rPr>
+              <a:t>的过程，可以反思工作的规范化程度，并借助</a:t>
+            </a:r>
+            <a:r>
+              <a:rPr lang="en-US" altLang="zh-CN" dirty="0" smtClean="0">
+                <a:solidFill>
+                  <a:schemeClr val="bg1"/>
+                </a:solidFill>
+                <a:latin typeface="微软雅黑" pitchFamily="34" charset="-122"/>
+                <a:ea typeface="微软雅黑" pitchFamily="34" charset="-122"/>
+              </a:rPr>
+              <a:t>ERP</a:t>
+            </a:r>
+            <a:r>
+              <a:rPr lang="zh-CN" altLang="en-US" dirty="0" smtClean="0">
+                <a:solidFill>
+                  <a:schemeClr val="bg1"/>
+                </a:solidFill>
+                <a:latin typeface="微软雅黑" pitchFamily="34" charset="-122"/>
+                <a:ea typeface="微软雅黑" pitchFamily="34" charset="-122"/>
+              </a:rPr>
+              <a:t>进一步提高和强化</a:t>
+            </a:r>
+            <a:endParaRPr lang="en-US" altLang="zh-CN" dirty="0" smtClean="0">
+              <a:solidFill>
+                <a:schemeClr val="bg1"/>
+              </a:solidFill>
+              <a:latin typeface="微软雅黑" pitchFamily="34" charset="-122"/>
+              <a:ea typeface="微软雅黑" pitchFamily="34" charset="-122"/>
+            </a:endParaRPr>
+          </a:p>
+          <a:p>
+            <a:pPr>
+              <a:defRPr/>
+            </a:pPr>
+            <a:r>
+              <a:rPr lang="zh-CN" altLang="en-US" dirty="0" smtClean="0">
+                <a:solidFill>
+                  <a:schemeClr val="bg1"/>
+                </a:solidFill>
+                <a:latin typeface="微软雅黑" pitchFamily="34" charset="-122"/>
+                <a:ea typeface="微软雅黑" pitchFamily="34" charset="-122"/>
+              </a:rPr>
+              <a:t>电子化：将资源和业务经抽象后，融入软件系统</a:t>
+            </a:r>
+            <a:endParaRPr lang="en-US" altLang="zh-CN" dirty="0" smtClean="0">
+              <a:solidFill>
+                <a:schemeClr val="bg1"/>
+              </a:solidFill>
+              <a:latin typeface="微软雅黑" pitchFamily="34" charset="-122"/>
+              <a:ea typeface="微软雅黑" pitchFamily="34" charset="-122"/>
+            </a:endParaRPr>
+          </a:p>
+          <a:p>
+            <a:pPr marL="317500" indent="0">
+              <a:buFont typeface="Gill Sans" charset="0"/>
+              <a:buNone/>
+              <a:defRPr/>
+            </a:pPr>
+            <a:r>
+              <a:rPr lang="zh-CN" altLang="en-US" dirty="0" smtClean="0">
+                <a:solidFill>
+                  <a:schemeClr val="bg1"/>
+                </a:solidFill>
+                <a:latin typeface="微软雅黑" pitchFamily="34" charset="-122"/>
+                <a:ea typeface="微软雅黑" pitchFamily="34" charset="-122"/>
+              </a:rPr>
+              <a:t>               －在规范化的基础上进行总结和抽象</a:t>
+            </a:r>
+            <a:endParaRPr lang="en-US" altLang="zh-CN" dirty="0" smtClean="0">
+              <a:solidFill>
+                <a:schemeClr val="bg1"/>
+              </a:solidFill>
+              <a:latin typeface="微软雅黑" pitchFamily="34" charset="-122"/>
+              <a:ea typeface="微软雅黑" pitchFamily="34" charset="-122"/>
+            </a:endParaRPr>
+          </a:p>
+          <a:p>
+            <a:pPr>
+              <a:defRPr/>
+            </a:pPr>
+            <a:endParaRPr lang="en-US" altLang="zh-CN" dirty="0" smtClean="0"/>
+          </a:p>
+          <a:p>
+            <a:pPr>
+              <a:defRPr/>
+            </a:pPr>
+            <a:endParaRPr lang="zh-CN" altLang="en-US" dirty="0"/>
+          </a:p>
+        </p:txBody>
+      </p:sp>
+      <p:sp>
+        <p:nvSpPr>
+          <p:cNvPr id="9" name="矩形 3"/>
+          <p:cNvSpPr>
+            <a:spLocks noChangeArrowheads="1"/>
+          </p:cNvSpPr>
+          <p:nvPr/>
+        </p:nvSpPr>
+        <p:spPr bwMode="auto">
+          <a:xfrm>
+            <a:off x="1289035" y="4052902"/>
+            <a:ext cx="1008063" cy="276999"/>
+          </a:xfrm>
+          <a:prstGeom prst="rect">
+            <a:avLst/>
+          </a:prstGeom>
+          <a:noFill/>
+          <a:ln>
+            <a:noFill/>
+          </a:ln>
+          <a:extLst>
+            <a:ext uri="{909E8E84-426E-40DD-AFC4-6F175D3DCCD1}">
+              <a14:hiddenFill xmlns:a14="http://schemas.microsoft.com/office/drawing/2010/main">
+                <a:solidFill>
+                  <a:srgbClr val="FFFFFF"/>
+                </a:solidFill>
+              </a14:hiddenFill>
+            </a:ext>
+            <a:ext uri="{91240B29-F687-4F45-9708-019B960494DF}">
+              <a14:hiddenLine xmlns:a14="http://schemas.microsoft.com/office/drawing/2010/main" w="9525">
+                <a:solidFill>
+                  <a:srgbClr val="000000"/>
+                </a:solidFill>
+                <a:miter lim="800000"/>
+                <a:headEnd/>
+                <a:tailEnd/>
+              </a14:hiddenLine>
+            </a:ext>
+          </a:extLst>
+        </p:spPr>
+        <p:txBody>
+          <a:bodyPr>
+            <a:spAutoFit/>
+          </a:bodyPr>
+          <a:lstStyle/>
+          <a:p>
+            <a:r>
+              <a:rPr lang="zh-CN" altLang="en-US" sz="1200" dirty="0">
+                <a:solidFill>
+                  <a:schemeClr val="bg1">
+                    <a:lumMod val="95000"/>
+                    <a:lumOff val="5000"/>
+                  </a:schemeClr>
+                </a:solidFill>
+                <a:latin typeface="Microsoft YaHei UI" pitchFamily="34" charset="-122"/>
+                <a:ea typeface="Microsoft YaHei UI" pitchFamily="34" charset="-122"/>
+              </a:rPr>
+              <a:t>现实工作</a:t>
+            </a:r>
+          </a:p>
+        </p:txBody>
+      </p:sp>
+      <p:sp>
+        <p:nvSpPr>
+          <p:cNvPr id="10" name="矩形 4"/>
+          <p:cNvSpPr>
+            <a:spLocks noChangeArrowheads="1"/>
+          </p:cNvSpPr>
+          <p:nvPr/>
+        </p:nvSpPr>
+        <p:spPr bwMode="auto">
+          <a:xfrm>
+            <a:off x="3797296" y="4052902"/>
+            <a:ext cx="1266850" cy="307777"/>
+          </a:xfrm>
+          <a:prstGeom prst="rect">
+            <a:avLst/>
+          </a:prstGeom>
+          <a:noFill/>
+          <a:ln>
+            <a:noFill/>
+          </a:ln>
+          <a:extLst>
+            <a:ext uri="{909E8E84-426E-40DD-AFC4-6F175D3DCCD1}">
+              <a14:hiddenFill xmlns:a14="http://schemas.microsoft.com/office/drawing/2010/main">
+                <a:solidFill>
+                  <a:srgbClr val="FFFFFF"/>
+                </a:solidFill>
+              </a14:hiddenFill>
+            </a:ext>
+            <a:ext uri="{91240B29-F687-4F45-9708-019B960494DF}">
+              <a14:hiddenLine xmlns:a14="http://schemas.microsoft.com/office/drawing/2010/main" w="9525">
+                <a:solidFill>
+                  <a:srgbClr val="000000"/>
+                </a:solidFill>
+                <a:miter lim="800000"/>
+                <a:headEnd/>
+                <a:tailEnd/>
+              </a14:hiddenLine>
+            </a:ext>
+          </a:extLst>
+        </p:spPr>
+        <p:txBody>
+          <a:bodyPr wrap="square">
+            <a:spAutoFit/>
+          </a:bodyPr>
+          <a:lstStyle/>
+          <a:p>
+            <a:r>
+              <a:rPr lang="en-US" altLang="zh-CN" sz="1400" dirty="0">
+                <a:solidFill>
+                  <a:schemeClr val="bg1">
+                    <a:lumMod val="95000"/>
+                    <a:lumOff val="5000"/>
+                  </a:schemeClr>
+                </a:solidFill>
+                <a:latin typeface="宋体" pitchFamily="2" charset="-122"/>
+                <a:ea typeface="宋体" pitchFamily="2" charset="-122"/>
+              </a:rPr>
+              <a:t>1001001…</a:t>
+            </a:r>
+            <a:endParaRPr lang="zh-CN" altLang="en-US" sz="1400" dirty="0">
+              <a:solidFill>
+                <a:schemeClr val="bg1">
+                  <a:lumMod val="95000"/>
+                  <a:lumOff val="5000"/>
+                </a:schemeClr>
+              </a:solidFill>
+              <a:latin typeface="宋体" pitchFamily="2" charset="-122"/>
+              <a:ea typeface="宋体" pitchFamily="2" charset="-122"/>
+            </a:endParaRPr>
+          </a:p>
+        </p:txBody>
+      </p:sp>
+      <p:sp>
+        <p:nvSpPr>
+          <p:cNvPr id="16" name="右箭头 15"/>
+          <p:cNvSpPr/>
+          <p:nvPr/>
+        </p:nvSpPr>
+        <p:spPr bwMode="auto">
+          <a:xfrm>
+            <a:off x="2233591" y="3687777"/>
+            <a:ext cx="1512887" cy="169862"/>
+          </a:xfrm>
+          <a:prstGeom prst="rightArrow">
+            <a:avLst/>
+          </a:prstGeom>
+          <a:solidFill>
+            <a:schemeClr val="bg1">
+              <a:lumMod val="65000"/>
+              <a:lumOff val="35000"/>
+            </a:schemeClr>
+          </a:solidFill>
+          <a:ln>
+            <a:solidFill>
+              <a:schemeClr val="bg1">
+                <a:lumMod val="65000"/>
+                <a:lumOff val="35000"/>
+              </a:schemeClr>
+            </a:solidFill>
+          </a:ln>
+          <a:extLst/>
+        </p:spPr>
+        <p:style>
+          <a:lnRef idx="2">
+            <a:schemeClr val="dk1">
+              <a:shade val="50000"/>
+            </a:schemeClr>
+          </a:lnRef>
+          <a:fillRef idx="1">
+            <a:schemeClr val="dk1"/>
+          </a:fillRef>
+          <a:effectRef idx="0">
+            <a:schemeClr val="dk1"/>
+          </a:effectRef>
+          <a:fontRef idx="minor">
+            <a:schemeClr val="lt1"/>
+          </a:fontRef>
+        </p:style>
+        <p:txBody>
+          <a:bodyPr/>
+          <a:lstStyle/>
+          <a:p>
+            <a:pPr>
+              <a:defRPr/>
+            </a:pPr>
+            <a:endParaRPr lang="zh-CN" altLang="en-US">
+              <a:solidFill>
+                <a:schemeClr val="bg1">
+                  <a:lumMod val="95000"/>
+                  <a:lumOff val="5000"/>
+                </a:schemeClr>
+              </a:solidFill>
+            </a:endParaRPr>
+          </a:p>
+        </p:txBody>
+      </p:sp>
+      <p:sp>
+        <p:nvSpPr>
+          <p:cNvPr id="18" name="右箭头 17"/>
+          <p:cNvSpPr/>
+          <p:nvPr/>
+        </p:nvSpPr>
+        <p:spPr bwMode="auto">
+          <a:xfrm>
+            <a:off x="5062516" y="3708414"/>
+            <a:ext cx="1395412" cy="168275"/>
+          </a:xfrm>
+          <a:prstGeom prst="rightArrow">
+            <a:avLst/>
+          </a:prstGeom>
+          <a:solidFill>
+            <a:schemeClr val="bg1">
+              <a:lumMod val="65000"/>
+              <a:lumOff val="35000"/>
+            </a:schemeClr>
+          </a:solidFill>
+          <a:ln>
+            <a:solidFill>
+              <a:schemeClr val="bg1">
+                <a:lumMod val="65000"/>
+                <a:lumOff val="35000"/>
+              </a:schemeClr>
+            </a:solidFill>
+          </a:ln>
+          <a:extLst/>
+        </p:spPr>
+        <p:style>
+          <a:lnRef idx="2">
+            <a:schemeClr val="dk1">
+              <a:shade val="50000"/>
+            </a:schemeClr>
+          </a:lnRef>
+          <a:fillRef idx="1">
+            <a:schemeClr val="dk1"/>
+          </a:fillRef>
+          <a:effectRef idx="0">
+            <a:schemeClr val="dk1"/>
+          </a:effectRef>
+          <a:fontRef idx="minor">
+            <a:schemeClr val="lt1"/>
+          </a:fontRef>
+        </p:style>
+        <p:txBody>
+          <a:bodyPr/>
+          <a:lstStyle/>
+          <a:p>
+            <a:pPr>
+              <a:defRPr/>
+            </a:pPr>
+            <a:endParaRPr lang="zh-CN" altLang="en-US">
+              <a:solidFill>
+                <a:schemeClr val="bg1">
+                  <a:lumMod val="95000"/>
+                  <a:lumOff val="5000"/>
+                </a:schemeClr>
+              </a:solidFill>
+            </a:endParaRPr>
+          </a:p>
+        </p:txBody>
+      </p:sp>
+      <p:pic>
+        <p:nvPicPr>
+          <p:cNvPr id="19" name="圖片 9" descr="Edit.png"/>
+          <p:cNvPicPr>
+            <a:picLocks noChangeAspect="1"/>
+          </p:cNvPicPr>
+          <p:nvPr/>
+        </p:nvPicPr>
+        <p:blipFill>
+          <a:blip r:embed="rId4"/>
+          <a:stretch>
+            <a:fillRect/>
+          </a:stretch>
+        </p:blipFill>
+        <p:spPr>
+          <a:xfrm>
+            <a:off x="1439842" y="3409960"/>
+            <a:ext cx="609600" cy="609600"/>
+          </a:xfrm>
+          <a:prstGeom prst="rect">
+            <a:avLst/>
+          </a:prstGeom>
+        </p:spPr>
+      </p:pic>
+      <p:pic>
+        <p:nvPicPr>
+          <p:cNvPr id="20" name="圖片 10" descr="Refresh.png"/>
+          <p:cNvPicPr>
+            <a:picLocks noChangeAspect="1"/>
+          </p:cNvPicPr>
+          <p:nvPr/>
+        </p:nvPicPr>
+        <p:blipFill>
+          <a:blip r:embed="rId5"/>
+          <a:stretch>
+            <a:fillRect/>
+          </a:stretch>
+        </p:blipFill>
+        <p:spPr>
+          <a:xfrm>
+            <a:off x="4083048" y="3409960"/>
+            <a:ext cx="609600" cy="609600"/>
+          </a:xfrm>
+          <a:prstGeom prst="rect">
+            <a:avLst/>
+          </a:prstGeom>
+        </p:spPr>
+      </p:pic>
+      <p:pic>
+        <p:nvPicPr>
+          <p:cNvPr id="21" name="圖片 11" descr="Computer (1).png"/>
+          <p:cNvPicPr>
+            <a:picLocks noChangeAspect="1"/>
+          </p:cNvPicPr>
+          <p:nvPr/>
+        </p:nvPicPr>
+        <p:blipFill>
+          <a:blip r:embed="rId6"/>
+          <a:stretch>
+            <a:fillRect/>
+          </a:stretch>
+        </p:blipFill>
+        <p:spPr>
+          <a:xfrm>
+            <a:off x="6583378" y="3481398"/>
+            <a:ext cx="609600" cy="609600"/>
+          </a:xfrm>
+          <a:prstGeom prst="rect">
+            <a:avLst/>
+          </a:prstGeom>
+        </p:spPr>
+      </p:pic>
+    </p:spTree>
+    <p:extLst>
+      <p:ext uri="{BB962C8B-B14F-4D97-AF65-F5344CB8AC3E}">
+        <p14:creationId xmlns:p14="http://schemas.microsoft.com/office/powerpoint/2010/main" val="833965628"/>
+      </p:ext>
+    </p:extLst>
+  </p:cSld>
+  <p:clrMapOvr>
+    <a:masterClrMapping/>
+  </p:clrMapOvr>
+  <p:transition/>
+  <p:timing>
+    <p:tnLst>
+      <p:par>
+        <p:cTn id="1" dur="indefinite" restart="never" nodeType="tmRoot"/>
+      </p:par>
+    </p:tnLst>
+  </p:timing>
+</p:sld>
+</file>
+
+<file path=ppt/slides/slide40.xml><?xml version="1.0" encoding="utf-8"?>
 <p:sld xmlns:a="http://schemas.openxmlformats.org/drawingml/2006/main" xmlns:r="http://schemas.openxmlformats.org/officeDocument/2006/relationships" xmlns:p="http://schemas.openxmlformats.org/presentationml/2006/main">
   <p:cSld>
     <p:bg>
@@ -36284,7 +42067,7 @@
           <a:graphicData uri="http://schemas.openxmlformats.org/presentationml/2006/ole">
             <mc:AlternateContent xmlns:mc="http://schemas.openxmlformats.org/markup-compatibility/2006">
               <mc:Choice xmlns:v="urn:schemas-microsoft-com:vml" Requires="v">
-                <p:oleObj spid="_x0000_s2060" name="包装程序外壳对象" showAsIcon="1" r:id="rId5" imgW="914400" imgH="828720" progId="Package">
+                <p:oleObj spid="_x0000_s2153" name="包装程序外壳对象" showAsIcon="1" r:id="rId5" imgW="914400" imgH="828720" progId="Package">
                   <p:embed/>
                 </p:oleObj>
               </mc:Choice>
@@ -36340,7 +42123,7 @@
 </p:sld>
 </file>
 
-<file path=ppt/slides/slide35.xml><?xml version="1.0" encoding="utf-8"?>
+<file path=ppt/slides/slide41.xml><?xml version="1.0" encoding="utf-8"?>
 <p:sld xmlns:a="http://schemas.openxmlformats.org/drawingml/2006/main" xmlns:r="http://schemas.openxmlformats.org/officeDocument/2006/relationships" xmlns:p="http://schemas.openxmlformats.org/presentationml/2006/main">
   <p:cSld>
     <p:bg>
@@ -37569,7 +43352,7 @@
 </p:sld>
 </file>
 
-<file path=ppt/slides/slide36.xml><?xml version="1.0" encoding="utf-8"?>
+<file path=ppt/slides/slide42.xml><?xml version="1.0" encoding="utf-8"?>
 <p:sld xmlns:a="http://schemas.openxmlformats.org/drawingml/2006/main" xmlns:r="http://schemas.openxmlformats.org/officeDocument/2006/relationships" xmlns:p="http://schemas.openxmlformats.org/presentationml/2006/main">
   <p:cSld>
     <p:bg>
@@ -37962,7 +43745,7 @@
 </p:sld>
 </file>
 
-<file path=ppt/slides/slide37.xml><?xml version="1.0" encoding="utf-8"?>
+<file path=ppt/slides/slide43.xml><?xml version="1.0" encoding="utf-8"?>
 <p:sld xmlns:a="http://schemas.openxmlformats.org/drawingml/2006/main" xmlns:r="http://schemas.openxmlformats.org/officeDocument/2006/relationships" xmlns:p="http://schemas.openxmlformats.org/presentationml/2006/main">
   <p:cSld>
     <p:bg>
@@ -38191,7 +43974,7 @@
 </p:sld>
 </file>
 
-<file path=ppt/slides/slide38.xml><?xml version="1.0" encoding="utf-8"?>
+<file path=ppt/slides/slide44.xml><?xml version="1.0" encoding="utf-8"?>
 <p:sld xmlns:a="http://schemas.openxmlformats.org/drawingml/2006/main" xmlns:r="http://schemas.openxmlformats.org/officeDocument/2006/relationships" xmlns:p="http://schemas.openxmlformats.org/presentationml/2006/main">
   <p:cSld>
     <p:bg>
@@ -38710,587 +44493,6 @@
   <p:clrMapOvr>
     <a:masterClrMapping/>
   </p:clrMapOvr>
-  <p:timing>
-    <p:tnLst>
-      <p:par>
-        <p:cTn id="1" dur="indefinite" restart="never" nodeType="tmRoot"/>
-      </p:par>
-    </p:tnLst>
-  </p:timing>
-</p:sld>
-</file>
-
-<file path=ppt/slides/slide4.xml><?xml version="1.0" encoding="utf-8"?>
-<p:sld xmlns:a="http://schemas.openxmlformats.org/drawingml/2006/main" xmlns:r="http://schemas.openxmlformats.org/officeDocument/2006/relationships" xmlns:p="http://schemas.openxmlformats.org/presentationml/2006/main">
-  <p:cSld>
-    <p:bg>
-      <p:bgPr>
-        <a:blipFill dpi="0" rotWithShape="1">
-          <a:blip r:embed="rId3">
-            <a:lum/>
-          </a:blip>
-          <a:srcRect/>
-          <a:stretch>
-            <a:fillRect/>
-          </a:stretch>
-        </a:blipFill>
-        <a:effectLst/>
-      </p:bgPr>
-    </p:bg>
-    <p:spTree>
-      <p:nvGrpSpPr>
-        <p:cNvPr id="1" name=""/>
-        <p:cNvGrpSpPr/>
-        <p:nvPr/>
-      </p:nvGrpSpPr>
-      <p:grpSpPr>
-        <a:xfrm>
-          <a:off x="0" y="0"/>
-          <a:ext cx="0" cy="0"/>
-          <a:chOff x="0" y="0"/>
-          <a:chExt cx="0" cy="0"/>
-        </a:xfrm>
-      </p:grpSpPr>
-      <p:sp>
-        <p:nvSpPr>
-          <p:cNvPr id="5122" name="标题 1"/>
-          <p:cNvSpPr>
-            <a:spLocks noGrp="1"/>
-          </p:cNvSpPr>
-          <p:nvPr>
-            <p:ph type="title"/>
-          </p:nvPr>
-        </p:nvSpPr>
-        <p:spPr bwMode="auto">
-          <a:xfrm>
-            <a:off x="-400496" y="-19050"/>
-            <a:ext cx="3456384" cy="642926"/>
-          </a:xfrm>
-          <a:noFill/>
-          <a:extLst>
-            <a:ext uri="{909E8E84-426E-40DD-AFC4-6F175D3DCCD1}">
-              <a14:hiddenFill xmlns:a14="http://schemas.microsoft.com/office/drawing/2010/main">
-                <a:solidFill>
-                  <a:srgbClr val="FFFFFF"/>
-                </a:solidFill>
-              </a14:hiddenFill>
-            </a:ext>
-            <a:ext uri="{91240B29-F687-4F45-9708-019B960494DF}">
-              <a14:hiddenLine xmlns:a14="http://schemas.microsoft.com/office/drawing/2010/main" w="9525">
-                <a:solidFill>
-                  <a:srgbClr val="000000"/>
-                </a:solidFill>
-                <a:miter lim="800000"/>
-                <a:headEnd/>
-                <a:tailEnd/>
-              </a14:hiddenLine>
-            </a:ext>
-          </a:extLst>
-        </p:spPr>
-        <p:txBody>
-          <a:bodyPr wrap="square" lIns="91440" tIns="45720" rIns="91440" bIns="45720" numCol="1" anchor="t" anchorCtr="0" compatLnSpc="1">
-            <a:prstTxWarp prst="textNoShape">
-              <a:avLst/>
-            </a:prstTxWarp>
-          </a:bodyPr>
-          <a:lstStyle/>
-          <a:p>
-            <a:r>
-              <a:rPr lang="zh-CN" altLang="en-US" sz="2500" b="1" dirty="0">
-                <a:latin typeface="微软雅黑" pitchFamily="34" charset="-122"/>
-                <a:ea typeface="微软雅黑" pitchFamily="34" charset="-122"/>
-              </a:rPr>
-              <a:t>规范化与电子化</a:t>
-            </a:r>
-          </a:p>
-        </p:txBody>
-      </p:sp>
-      <p:sp>
-        <p:nvSpPr>
-          <p:cNvPr id="11" name="内容占位符 2"/>
-          <p:cNvSpPr>
-            <a:spLocks noGrp="1"/>
-          </p:cNvSpPr>
-          <p:nvPr>
-            <p:ph idx="1"/>
-          </p:nvPr>
-        </p:nvSpPr>
-        <p:spPr>
-          <a:xfrm>
-            <a:off x="535608" y="629816"/>
-            <a:ext cx="7315200" cy="2659062"/>
-          </a:xfrm>
-        </p:spPr>
-        <p:txBody>
-          <a:bodyPr/>
-          <a:lstStyle/>
-          <a:p>
-            <a:pPr>
-              <a:defRPr/>
-            </a:pPr>
-            <a:r>
-              <a:rPr lang="zh-CN" altLang="en-US" dirty="0" smtClean="0">
-                <a:solidFill>
-                  <a:schemeClr val="bg1"/>
-                </a:solidFill>
-                <a:latin typeface="微软雅黑" pitchFamily="34" charset="-122"/>
-                <a:ea typeface="微软雅黑" pitchFamily="34" charset="-122"/>
-              </a:rPr>
-              <a:t>规范化：构建</a:t>
-            </a:r>
-            <a:r>
-              <a:rPr lang="en-US" altLang="zh-CN" dirty="0" smtClean="0">
-                <a:solidFill>
-                  <a:schemeClr val="bg1"/>
-                </a:solidFill>
-                <a:latin typeface="微软雅黑" pitchFamily="34" charset="-122"/>
-                <a:ea typeface="微软雅黑" pitchFamily="34" charset="-122"/>
-              </a:rPr>
-              <a:t>ERP</a:t>
-            </a:r>
-            <a:r>
-              <a:rPr lang="zh-CN" altLang="en-US" dirty="0" smtClean="0">
-                <a:solidFill>
-                  <a:schemeClr val="bg1"/>
-                </a:solidFill>
-                <a:latin typeface="微软雅黑" pitchFamily="34" charset="-122"/>
-                <a:ea typeface="微软雅黑" pitchFamily="34" charset="-122"/>
-              </a:rPr>
-              <a:t>的过程，可以反思工作的规范化程度，并借助</a:t>
-            </a:r>
-            <a:r>
-              <a:rPr lang="en-US" altLang="zh-CN" dirty="0" smtClean="0">
-                <a:solidFill>
-                  <a:schemeClr val="bg1"/>
-                </a:solidFill>
-                <a:latin typeface="微软雅黑" pitchFamily="34" charset="-122"/>
-                <a:ea typeface="微软雅黑" pitchFamily="34" charset="-122"/>
-              </a:rPr>
-              <a:t>ERP</a:t>
-            </a:r>
-            <a:r>
-              <a:rPr lang="zh-CN" altLang="en-US" dirty="0" smtClean="0">
-                <a:solidFill>
-                  <a:schemeClr val="bg1"/>
-                </a:solidFill>
-                <a:latin typeface="微软雅黑" pitchFamily="34" charset="-122"/>
-                <a:ea typeface="微软雅黑" pitchFamily="34" charset="-122"/>
-              </a:rPr>
-              <a:t>进一步提高和强化</a:t>
-            </a:r>
-            <a:endParaRPr lang="en-US" altLang="zh-CN" dirty="0" smtClean="0">
-              <a:solidFill>
-                <a:schemeClr val="bg1"/>
-              </a:solidFill>
-              <a:latin typeface="微软雅黑" pitchFamily="34" charset="-122"/>
-              <a:ea typeface="微软雅黑" pitchFamily="34" charset="-122"/>
-            </a:endParaRPr>
-          </a:p>
-          <a:p>
-            <a:pPr>
-              <a:defRPr/>
-            </a:pPr>
-            <a:r>
-              <a:rPr lang="zh-CN" altLang="en-US" dirty="0" smtClean="0">
-                <a:solidFill>
-                  <a:schemeClr val="bg1"/>
-                </a:solidFill>
-                <a:latin typeface="微软雅黑" pitchFamily="34" charset="-122"/>
-                <a:ea typeface="微软雅黑" pitchFamily="34" charset="-122"/>
-              </a:rPr>
-              <a:t>电子化：将资源和业务经抽象后，融入软件系统</a:t>
-            </a:r>
-            <a:endParaRPr lang="en-US" altLang="zh-CN" dirty="0" smtClean="0">
-              <a:solidFill>
-                <a:schemeClr val="bg1"/>
-              </a:solidFill>
-              <a:latin typeface="微软雅黑" pitchFamily="34" charset="-122"/>
-              <a:ea typeface="微软雅黑" pitchFamily="34" charset="-122"/>
-            </a:endParaRPr>
-          </a:p>
-          <a:p>
-            <a:pPr marL="317500" indent="0">
-              <a:buFont typeface="Gill Sans" charset="0"/>
-              <a:buNone/>
-              <a:defRPr/>
-            </a:pPr>
-            <a:r>
-              <a:rPr lang="zh-CN" altLang="en-US" dirty="0" smtClean="0">
-                <a:solidFill>
-                  <a:schemeClr val="bg1"/>
-                </a:solidFill>
-                <a:latin typeface="微软雅黑" pitchFamily="34" charset="-122"/>
-                <a:ea typeface="微软雅黑" pitchFamily="34" charset="-122"/>
-              </a:rPr>
-              <a:t>               －在规范化的基础上进行总结和抽象</a:t>
-            </a:r>
-            <a:endParaRPr lang="en-US" altLang="zh-CN" dirty="0" smtClean="0">
-              <a:solidFill>
-                <a:schemeClr val="bg1"/>
-              </a:solidFill>
-              <a:latin typeface="微软雅黑" pitchFamily="34" charset="-122"/>
-              <a:ea typeface="微软雅黑" pitchFamily="34" charset="-122"/>
-            </a:endParaRPr>
-          </a:p>
-          <a:p>
-            <a:pPr>
-              <a:defRPr/>
-            </a:pPr>
-            <a:endParaRPr lang="en-US" altLang="zh-CN" dirty="0" smtClean="0"/>
-          </a:p>
-          <a:p>
-            <a:pPr>
-              <a:defRPr/>
-            </a:pPr>
-            <a:endParaRPr lang="zh-CN" altLang="en-US" dirty="0"/>
-          </a:p>
-        </p:txBody>
-      </p:sp>
-      <p:sp>
-        <p:nvSpPr>
-          <p:cNvPr id="9" name="矩形 3"/>
-          <p:cNvSpPr>
-            <a:spLocks noChangeArrowheads="1"/>
-          </p:cNvSpPr>
-          <p:nvPr/>
-        </p:nvSpPr>
-        <p:spPr bwMode="auto">
-          <a:xfrm>
-            <a:off x="1289035" y="4052902"/>
-            <a:ext cx="1008063" cy="276999"/>
-          </a:xfrm>
-          <a:prstGeom prst="rect">
-            <a:avLst/>
-          </a:prstGeom>
-          <a:noFill/>
-          <a:ln>
-            <a:noFill/>
-          </a:ln>
-          <a:extLst>
-            <a:ext uri="{909E8E84-426E-40DD-AFC4-6F175D3DCCD1}">
-              <a14:hiddenFill xmlns:a14="http://schemas.microsoft.com/office/drawing/2010/main">
-                <a:solidFill>
-                  <a:srgbClr val="FFFFFF"/>
-                </a:solidFill>
-              </a14:hiddenFill>
-            </a:ext>
-            <a:ext uri="{91240B29-F687-4F45-9708-019B960494DF}">
-              <a14:hiddenLine xmlns:a14="http://schemas.microsoft.com/office/drawing/2010/main" w="9525">
-                <a:solidFill>
-                  <a:srgbClr val="000000"/>
-                </a:solidFill>
-                <a:miter lim="800000"/>
-                <a:headEnd/>
-                <a:tailEnd/>
-              </a14:hiddenLine>
-            </a:ext>
-          </a:extLst>
-        </p:spPr>
-        <p:txBody>
-          <a:bodyPr>
-            <a:spAutoFit/>
-          </a:bodyPr>
-          <a:lstStyle/>
-          <a:p>
-            <a:r>
-              <a:rPr lang="zh-CN" altLang="en-US" sz="1200" dirty="0">
-                <a:solidFill>
-                  <a:schemeClr val="bg1">
-                    <a:lumMod val="95000"/>
-                    <a:lumOff val="5000"/>
-                  </a:schemeClr>
-                </a:solidFill>
-                <a:latin typeface="Microsoft YaHei UI" pitchFamily="34" charset="-122"/>
-                <a:ea typeface="Microsoft YaHei UI" pitchFamily="34" charset="-122"/>
-              </a:rPr>
-              <a:t>现实工作</a:t>
-            </a:r>
-          </a:p>
-        </p:txBody>
-      </p:sp>
-      <p:sp>
-        <p:nvSpPr>
-          <p:cNvPr id="10" name="矩形 4"/>
-          <p:cNvSpPr>
-            <a:spLocks noChangeArrowheads="1"/>
-          </p:cNvSpPr>
-          <p:nvPr/>
-        </p:nvSpPr>
-        <p:spPr bwMode="auto">
-          <a:xfrm>
-            <a:off x="3797296" y="4052902"/>
-            <a:ext cx="1266850" cy="307777"/>
-          </a:xfrm>
-          <a:prstGeom prst="rect">
-            <a:avLst/>
-          </a:prstGeom>
-          <a:noFill/>
-          <a:ln>
-            <a:noFill/>
-          </a:ln>
-          <a:extLst>
-            <a:ext uri="{909E8E84-426E-40DD-AFC4-6F175D3DCCD1}">
-              <a14:hiddenFill xmlns:a14="http://schemas.microsoft.com/office/drawing/2010/main">
-                <a:solidFill>
-                  <a:srgbClr val="FFFFFF"/>
-                </a:solidFill>
-              </a14:hiddenFill>
-            </a:ext>
-            <a:ext uri="{91240B29-F687-4F45-9708-019B960494DF}">
-              <a14:hiddenLine xmlns:a14="http://schemas.microsoft.com/office/drawing/2010/main" w="9525">
-                <a:solidFill>
-                  <a:srgbClr val="000000"/>
-                </a:solidFill>
-                <a:miter lim="800000"/>
-                <a:headEnd/>
-                <a:tailEnd/>
-              </a14:hiddenLine>
-            </a:ext>
-          </a:extLst>
-        </p:spPr>
-        <p:txBody>
-          <a:bodyPr wrap="square">
-            <a:spAutoFit/>
-          </a:bodyPr>
-          <a:lstStyle/>
-          <a:p>
-            <a:r>
-              <a:rPr lang="en-US" altLang="zh-CN" sz="1400" dirty="0">
-                <a:solidFill>
-                  <a:schemeClr val="bg1">
-                    <a:lumMod val="95000"/>
-                    <a:lumOff val="5000"/>
-                  </a:schemeClr>
-                </a:solidFill>
-                <a:latin typeface="宋体" pitchFamily="2" charset="-122"/>
-                <a:ea typeface="宋体" pitchFamily="2" charset="-122"/>
-              </a:rPr>
-              <a:t>1001001…</a:t>
-            </a:r>
-            <a:endParaRPr lang="zh-CN" altLang="en-US" sz="1400" dirty="0">
-              <a:solidFill>
-                <a:schemeClr val="bg1">
-                  <a:lumMod val="95000"/>
-                  <a:lumOff val="5000"/>
-                </a:schemeClr>
-              </a:solidFill>
-              <a:latin typeface="宋体" pitchFamily="2" charset="-122"/>
-              <a:ea typeface="宋体" pitchFamily="2" charset="-122"/>
-            </a:endParaRPr>
-          </a:p>
-        </p:txBody>
-      </p:sp>
-      <p:sp>
-        <p:nvSpPr>
-          <p:cNvPr id="16" name="右箭头 15"/>
-          <p:cNvSpPr/>
-          <p:nvPr/>
-        </p:nvSpPr>
-        <p:spPr bwMode="auto">
-          <a:xfrm>
-            <a:off x="2233591" y="3687777"/>
-            <a:ext cx="1512887" cy="169862"/>
-          </a:xfrm>
-          <a:prstGeom prst="rightArrow">
-            <a:avLst/>
-          </a:prstGeom>
-          <a:solidFill>
-            <a:schemeClr val="bg1">
-              <a:lumMod val="65000"/>
-              <a:lumOff val="35000"/>
-            </a:schemeClr>
-          </a:solidFill>
-          <a:ln>
-            <a:solidFill>
-              <a:schemeClr val="bg1">
-                <a:lumMod val="65000"/>
-                <a:lumOff val="35000"/>
-              </a:schemeClr>
-            </a:solidFill>
-          </a:ln>
-          <a:extLst/>
-        </p:spPr>
-        <p:style>
-          <a:lnRef idx="2">
-            <a:schemeClr val="dk1">
-              <a:shade val="50000"/>
-            </a:schemeClr>
-          </a:lnRef>
-          <a:fillRef idx="1">
-            <a:schemeClr val="dk1"/>
-          </a:fillRef>
-          <a:effectRef idx="0">
-            <a:schemeClr val="dk1"/>
-          </a:effectRef>
-          <a:fontRef idx="minor">
-            <a:schemeClr val="lt1"/>
-          </a:fontRef>
-        </p:style>
-        <p:txBody>
-          <a:bodyPr/>
-          <a:lstStyle/>
-          <a:p>
-            <a:pPr>
-              <a:defRPr/>
-            </a:pPr>
-            <a:endParaRPr lang="zh-CN" altLang="en-US">
-              <a:solidFill>
-                <a:schemeClr val="bg1">
-                  <a:lumMod val="95000"/>
-                  <a:lumOff val="5000"/>
-                </a:schemeClr>
-              </a:solidFill>
-            </a:endParaRPr>
-          </a:p>
-        </p:txBody>
-      </p:sp>
-      <p:sp>
-        <p:nvSpPr>
-          <p:cNvPr id="18" name="右箭头 17"/>
-          <p:cNvSpPr/>
-          <p:nvPr/>
-        </p:nvSpPr>
-        <p:spPr bwMode="auto">
-          <a:xfrm>
-            <a:off x="5062516" y="3708414"/>
-            <a:ext cx="1395412" cy="168275"/>
-          </a:xfrm>
-          <a:prstGeom prst="rightArrow">
-            <a:avLst/>
-          </a:prstGeom>
-          <a:solidFill>
-            <a:schemeClr val="bg1">
-              <a:lumMod val="65000"/>
-              <a:lumOff val="35000"/>
-            </a:schemeClr>
-          </a:solidFill>
-          <a:ln>
-            <a:solidFill>
-              <a:schemeClr val="bg1">
-                <a:lumMod val="65000"/>
-                <a:lumOff val="35000"/>
-              </a:schemeClr>
-            </a:solidFill>
-          </a:ln>
-          <a:extLst/>
-        </p:spPr>
-        <p:style>
-          <a:lnRef idx="2">
-            <a:schemeClr val="dk1">
-              <a:shade val="50000"/>
-            </a:schemeClr>
-          </a:lnRef>
-          <a:fillRef idx="1">
-            <a:schemeClr val="dk1"/>
-          </a:fillRef>
-          <a:effectRef idx="0">
-            <a:schemeClr val="dk1"/>
-          </a:effectRef>
-          <a:fontRef idx="minor">
-            <a:schemeClr val="lt1"/>
-          </a:fontRef>
-        </p:style>
-        <p:txBody>
-          <a:bodyPr/>
-          <a:lstStyle/>
-          <a:p>
-            <a:pPr>
-              <a:defRPr/>
-            </a:pPr>
-            <a:endParaRPr lang="zh-CN" altLang="en-US">
-              <a:solidFill>
-                <a:schemeClr val="bg1">
-                  <a:lumMod val="95000"/>
-                  <a:lumOff val="5000"/>
-                </a:schemeClr>
-              </a:solidFill>
-            </a:endParaRPr>
-          </a:p>
-        </p:txBody>
-      </p:sp>
-      <p:pic>
-        <p:nvPicPr>
-          <p:cNvPr id="19" name="圖片 9" descr="Edit.png"/>
-          <p:cNvPicPr>
-            <a:picLocks noChangeAspect="1"/>
-          </p:cNvPicPr>
-          <p:nvPr/>
-        </p:nvPicPr>
-        <p:blipFill>
-          <a:blip r:embed="rId4"/>
-          <a:stretch>
-            <a:fillRect/>
-          </a:stretch>
-        </p:blipFill>
-        <p:spPr>
-          <a:xfrm>
-            <a:off x="1439842" y="3409960"/>
-            <a:ext cx="609600" cy="609600"/>
-          </a:xfrm>
-          <a:prstGeom prst="rect">
-            <a:avLst/>
-          </a:prstGeom>
-        </p:spPr>
-      </p:pic>
-      <p:pic>
-        <p:nvPicPr>
-          <p:cNvPr id="20" name="圖片 10" descr="Refresh.png"/>
-          <p:cNvPicPr>
-            <a:picLocks noChangeAspect="1"/>
-          </p:cNvPicPr>
-          <p:nvPr/>
-        </p:nvPicPr>
-        <p:blipFill>
-          <a:blip r:embed="rId5"/>
-          <a:stretch>
-            <a:fillRect/>
-          </a:stretch>
-        </p:blipFill>
-        <p:spPr>
-          <a:xfrm>
-            <a:off x="4083048" y="3409960"/>
-            <a:ext cx="609600" cy="609600"/>
-          </a:xfrm>
-          <a:prstGeom prst="rect">
-            <a:avLst/>
-          </a:prstGeom>
-        </p:spPr>
-      </p:pic>
-      <p:pic>
-        <p:nvPicPr>
-          <p:cNvPr id="21" name="圖片 11" descr="Computer (1).png"/>
-          <p:cNvPicPr>
-            <a:picLocks noChangeAspect="1"/>
-          </p:cNvPicPr>
-          <p:nvPr/>
-        </p:nvPicPr>
-        <p:blipFill>
-          <a:blip r:embed="rId6"/>
-          <a:stretch>
-            <a:fillRect/>
-          </a:stretch>
-        </p:blipFill>
-        <p:spPr>
-          <a:xfrm>
-            <a:off x="6583378" y="3481398"/>
-            <a:ext cx="609600" cy="609600"/>
-          </a:xfrm>
-          <a:prstGeom prst="rect">
-            <a:avLst/>
-          </a:prstGeom>
-        </p:spPr>
-      </p:pic>
-    </p:spTree>
-    <p:extLst>
-      <p:ext uri="{BB962C8B-B14F-4D97-AF65-F5344CB8AC3E}">
-        <p14:creationId xmlns:p14="http://schemas.microsoft.com/office/powerpoint/2010/main" val="833965628"/>
-      </p:ext>
-    </p:extLst>
-  </p:cSld>
-  <p:clrMapOvr>
-    <a:masterClrMapping/>
-  </p:clrMapOvr>
-  <p:transition/>
   <p:timing>
     <p:tnLst>
       <p:par>
@@ -39697,9 +44899,9 @@
           <p:nvPr/>
         </p:nvCxnSpPr>
         <p:spPr bwMode="auto">
-          <a:xfrm>
-            <a:off x="1206480" y="4000512"/>
-            <a:ext cx="6921520" cy="1588"/>
+          <a:xfrm flipV="1">
+            <a:off x="4657758" y="4032084"/>
+            <a:ext cx="3470242" cy="1"/>
           </a:xfrm>
           <a:prstGeom prst="line">
             <a:avLst/>
@@ -39717,7 +44919,7 @@
           </a:gradFill>
           <a:ln>
             <a:solidFill>
-              <a:schemeClr val="bg2"/>
+              <a:schemeClr val="bg1"/>
             </a:solidFill>
           </a:ln>
           <a:effectLst/>

--- a/Sinopec/Document/你的ERP.pptx
+++ b/Sinopec/Document/你的ERP.pptx
@@ -10,7 +10,7 @@
     <p:sldMasterId id="2147484323" r:id="rId6"/>
   </p:sldMasterIdLst>
   <p:notesMasterIdLst>
-    <p:notesMasterId r:id="rId51"/>
+    <p:notesMasterId r:id="rId57"/>
   </p:notesMasterIdLst>
   <p:sldIdLst>
     <p:sldId id="542" r:id="rId7"/>
@@ -46,17 +46,23 @@
     <p:sldId id="575" r:id="rId37"/>
     <p:sldId id="583" r:id="rId38"/>
     <p:sldId id="576" r:id="rId39"/>
-    <p:sldId id="588" r:id="rId40"/>
-    <p:sldId id="586" r:id="rId41"/>
-    <p:sldId id="585" r:id="rId42"/>
-    <p:sldId id="589" r:id="rId43"/>
-    <p:sldId id="526" r:id="rId44"/>
-    <p:sldId id="558" r:id="rId45"/>
-    <p:sldId id="559" r:id="rId46"/>
-    <p:sldId id="560" r:id="rId47"/>
-    <p:sldId id="561" r:id="rId48"/>
-    <p:sldId id="562" r:id="rId49"/>
-    <p:sldId id="563" r:id="rId50"/>
+    <p:sldId id="591" r:id="rId40"/>
+    <p:sldId id="592" r:id="rId41"/>
+    <p:sldId id="593" r:id="rId42"/>
+    <p:sldId id="594" r:id="rId43"/>
+    <p:sldId id="595" r:id="rId44"/>
+    <p:sldId id="586" r:id="rId45"/>
+    <p:sldId id="590" r:id="rId46"/>
+    <p:sldId id="588" r:id="rId47"/>
+    <p:sldId id="585" r:id="rId48"/>
+    <p:sldId id="589" r:id="rId49"/>
+    <p:sldId id="526" r:id="rId50"/>
+    <p:sldId id="558" r:id="rId51"/>
+    <p:sldId id="559" r:id="rId52"/>
+    <p:sldId id="560" r:id="rId53"/>
+    <p:sldId id="561" r:id="rId54"/>
+    <p:sldId id="562" r:id="rId55"/>
+    <p:sldId id="563" r:id="rId56"/>
   </p:sldIdLst>
   <p:sldSz cx="8128000" cy="4572000"/>
   <p:notesSz cx="6858000" cy="9144000"/>
@@ -288,7 +294,7 @@
               <a:pPr>
                 <a:defRPr/>
               </a:pPr>
-              <a:t>2013/10/6</a:t>
+              <a:t>2013/10/7</a:t>
             </a:fld>
             <a:endParaRPr lang="zh-CN" altLang="en-US"/>
           </a:p>
@@ -8386,7 +8392,7 @@
             <a:fld id="{BAD2D2A2-EC9F-4076-9D39-88EEE1811CEE}" type="slidenum">
               <a:rPr lang="zh-CN" altLang="en-US" smtClean="0"/>
               <a:pPr eaLnBrk="1" hangingPunct="1"/>
-              <a:t>39</a:t>
+              <a:t>38</a:t>
             </a:fld>
             <a:endParaRPr lang="zh-CN" altLang="en-US" smtClean="0"/>
           </a:p>
@@ -8488,10 +8494,6 @@
           </a:bodyPr>
           <a:lstStyle/>
           <a:p>
-            <a:r>
-              <a:rPr lang="zh-CN" altLang="en-US" dirty="0" smtClean="0"/>
-              <a:t>有观点认为，数据流图，业务流程图是软件工程的范畴。这个我觉得有点过于狭隘，这些东西弄出来，自己的工作流程规范了，清晰了，也易于与内部、外部沟通和新人培训。退一步讲，即使不做软件，也是有裨益的做的事情。</a:t>
-            </a:r>
             <a:endParaRPr lang="zh-CN" altLang="en-US" dirty="0"/>
           </a:p>
         </p:txBody>
@@ -8655,7 +8657,7 @@
             <a:fld id="{BAD2D2A2-EC9F-4076-9D39-88EEE1811CEE}" type="slidenum">
               <a:rPr lang="zh-CN" altLang="en-US" smtClean="0"/>
               <a:pPr eaLnBrk="1" hangingPunct="1"/>
-              <a:t>40</a:t>
+              <a:t>39</a:t>
             </a:fld>
             <a:endParaRPr lang="zh-CN" altLang="en-US" smtClean="0"/>
           </a:p>
@@ -8920,7 +8922,7 @@
             <a:fld id="{BAD2D2A2-EC9F-4076-9D39-88EEE1811CEE}" type="slidenum">
               <a:rPr lang="zh-CN" altLang="en-US" smtClean="0"/>
               <a:pPr eaLnBrk="1" hangingPunct="1"/>
-              <a:t>41</a:t>
+              <a:t>40</a:t>
             </a:fld>
             <a:endParaRPr lang="zh-CN" altLang="en-US" smtClean="0"/>
           </a:p>
@@ -9022,44 +9024,7 @@
           </a:bodyPr>
           <a:lstStyle/>
           <a:p>
-            <a:pPr marL="0" marR="0" indent="0" algn="l" defTabSz="914400" rtl="0" eaLnBrk="0" fontAlgn="base" latinLnBrk="0" hangingPunct="0">
-              <a:lnSpc>
-                <a:spcPct val="100000"/>
-              </a:lnSpc>
-              <a:spcBef>
-                <a:spcPct val="30000"/>
-              </a:spcBef>
-              <a:spcAft>
-                <a:spcPct val="0"/>
-              </a:spcAft>
-              <a:buClrTx/>
-              <a:buSzTx/>
-              <a:buFontTx/>
-              <a:buNone/>
-              <a:tabLst/>
-              <a:defRPr/>
-            </a:pPr>
-            <a:r>
-              <a:rPr lang="zh-CN" altLang="en-US" sz="1200" dirty="0" smtClean="0"/>
-              <a:t>也有人将</a:t>
-            </a:r>
-            <a:r>
-              <a:rPr lang="en-US" altLang="zh-CN" sz="1200" dirty="0" smtClean="0"/>
-              <a:t>OA-ERP</a:t>
-            </a:r>
-            <a:r>
-              <a:rPr lang="zh-CN" altLang="en-US" sz="1200" dirty="0" smtClean="0"/>
-              <a:t>归于</a:t>
-            </a:r>
-            <a:r>
-              <a:rPr lang="en-US" altLang="zh-CN" sz="1200" dirty="0" smtClean="0"/>
-              <a:t>ERPII</a:t>
-            </a:r>
-            <a:r>
-              <a:rPr lang="zh-CN" altLang="en-US" sz="1200" dirty="0" smtClean="0"/>
-              <a:t>范畴。其实归于哪个范畴无所谓，重要的是便于更好地解决问题。</a:t>
-            </a:r>
-            <a:endParaRPr lang="en-US" altLang="zh-CN" sz="1200" dirty="0" smtClean="0"/>
+            <a:endParaRPr lang="zh-CN" altLang="en-US" dirty="0"/>
           </a:p>
         </p:txBody>
       </p:sp>
@@ -9222,7 +9187,7 @@
             <a:fld id="{BAD2D2A2-EC9F-4076-9D39-88EEE1811CEE}" type="slidenum">
               <a:rPr lang="zh-CN" altLang="en-US" smtClean="0"/>
               <a:pPr eaLnBrk="1" hangingPunct="1"/>
-              <a:t>42</a:t>
+              <a:t>41</a:t>
             </a:fld>
             <a:endParaRPr lang="zh-CN" altLang="en-US" smtClean="0"/>
           </a:p>
@@ -9324,297 +9289,7 @@
           </a:bodyPr>
           <a:lstStyle/>
           <a:p>
-            <a:r>
-              <a:rPr lang="en-US" altLang="zh-CN" dirty="0" smtClean="0"/>
-              <a:t>1. </a:t>
-            </a:r>
-            <a:r>
-              <a:rPr lang="zh-CN" altLang="en-US" dirty="0" smtClean="0"/>
-              <a:t>用户登录</a:t>
-            </a:r>
-            <a:r>
-              <a:rPr lang="en-US" altLang="zh-CN" dirty="0" smtClean="0"/>
-              <a:t>OA</a:t>
-            </a:r>
-            <a:r>
-              <a:rPr lang="zh-CN" altLang="en-US" dirty="0" smtClean="0"/>
-              <a:t>系统后，</a:t>
-            </a:r>
-            <a:r>
-              <a:rPr lang="en-US" altLang="zh-CN" dirty="0" smtClean="0"/>
-              <a:t>Workflow Server</a:t>
-            </a:r>
-            <a:r>
-              <a:rPr lang="zh-CN" altLang="en-US" dirty="0" smtClean="0"/>
-              <a:t>根据</a:t>
-            </a:r>
-            <a:r>
-              <a:rPr lang="en-US" altLang="zh-CN" dirty="0" smtClean="0"/>
-              <a:t>OA</a:t>
-            </a:r>
-            <a:r>
-              <a:rPr lang="zh-CN" altLang="en-US" dirty="0" smtClean="0"/>
-              <a:t>系统中人员配置管理功能确认其身份，此用户同时得到了相应的权限；</a:t>
-            </a:r>
-            <a:endParaRPr lang="en-US" altLang="zh-CN" dirty="0" smtClean="0"/>
-          </a:p>
-          <a:p>
-            <a:r>
-              <a:rPr lang="en-US" altLang="zh-CN" dirty="0" smtClean="0"/>
-              <a:t>2. </a:t>
-            </a:r>
-            <a:r>
-              <a:rPr lang="zh-CN" altLang="en-US" dirty="0" smtClean="0"/>
-              <a:t>身份确认后，</a:t>
-            </a:r>
-            <a:r>
-              <a:rPr lang="en-US" altLang="zh-CN" dirty="0" smtClean="0"/>
-              <a:t>Workflow Server</a:t>
-            </a:r>
-            <a:r>
-              <a:rPr lang="zh-CN" altLang="en-US" dirty="0" smtClean="0"/>
-              <a:t>再根据此用户在其权限内申请的工作流程提供工作流表单，并在表单上显示用户对应的组织结构的层次度； </a:t>
-            </a:r>
-            <a:endParaRPr lang="en-US" altLang="zh-CN" dirty="0" smtClean="0"/>
-          </a:p>
-          <a:p>
-            <a:r>
-              <a:rPr lang="en-US" altLang="zh-CN" dirty="0" smtClean="0"/>
-              <a:t>3. </a:t>
-            </a:r>
-            <a:r>
-              <a:rPr lang="zh-CN" altLang="en-US" dirty="0" smtClean="0"/>
-              <a:t>用户在工作流表单上填写本流程执行需要的数据，这些数据可能是请假天数、请假原因等不涉及</a:t>
-            </a:r>
-            <a:r>
-              <a:rPr lang="en-US" altLang="zh-CN" dirty="0" smtClean="0"/>
-              <a:t>ERP</a:t>
-            </a:r>
-            <a:r>
-              <a:rPr lang="zh-CN" altLang="en-US" dirty="0" smtClean="0"/>
-              <a:t>系统的数据，也可能是访问</a:t>
-            </a:r>
-            <a:r>
-              <a:rPr lang="en-US" altLang="zh-CN" dirty="0" smtClean="0"/>
-              <a:t>ERP</a:t>
-            </a:r>
-            <a:r>
-              <a:rPr lang="zh-CN" altLang="en-US" dirty="0" smtClean="0"/>
-              <a:t>系统的参数。如果在流程执行时仅仅需要在</a:t>
-            </a:r>
-            <a:r>
-              <a:rPr lang="en-US" altLang="zh-CN" dirty="0" smtClean="0"/>
-              <a:t>ERP</a:t>
-            </a:r>
-            <a:r>
-              <a:rPr lang="zh-CN" altLang="en-US" dirty="0" smtClean="0"/>
-              <a:t>系统中执行查询，工作流表单的填写要在访问</a:t>
-            </a:r>
-            <a:r>
-              <a:rPr lang="en-US" altLang="zh-CN" dirty="0" smtClean="0"/>
-              <a:t>ERP</a:t>
-            </a:r>
-            <a:r>
-              <a:rPr lang="zh-CN" altLang="en-US" dirty="0" smtClean="0"/>
-              <a:t>系统后进行。</a:t>
-            </a:r>
-            <a:endParaRPr lang="en-US" altLang="zh-CN" dirty="0" smtClean="0"/>
-          </a:p>
-          <a:p>
-            <a:r>
-              <a:rPr lang="en-US" altLang="zh-CN" dirty="0" smtClean="0"/>
-              <a:t>4. </a:t>
-            </a:r>
-            <a:r>
-              <a:rPr lang="zh-CN" altLang="en-US" dirty="0" smtClean="0"/>
-              <a:t>当工作流程执行到</a:t>
-            </a:r>
-            <a:r>
-              <a:rPr lang="en-US" altLang="zh-CN" dirty="0" smtClean="0"/>
-              <a:t>ERP</a:t>
-            </a:r>
-            <a:r>
-              <a:rPr lang="zh-CN" altLang="en-US" dirty="0" smtClean="0"/>
-              <a:t>系统上的作业时，工作流系统自动引导用户进入</a:t>
-            </a:r>
-            <a:r>
-              <a:rPr lang="en-US" altLang="zh-CN" dirty="0" smtClean="0"/>
-              <a:t>ERP</a:t>
-            </a:r>
-            <a:r>
-              <a:rPr lang="zh-CN" altLang="en-US" dirty="0" smtClean="0"/>
-              <a:t>系统。通过</a:t>
-            </a:r>
-            <a:r>
-              <a:rPr lang="en-US" altLang="zh-CN" dirty="0" smtClean="0"/>
-              <a:t>OA</a:t>
-            </a:r>
-            <a:r>
-              <a:rPr lang="zh-CN" altLang="en-US" dirty="0" smtClean="0"/>
-              <a:t>系统本身的</a:t>
-            </a:r>
-            <a:r>
-              <a:rPr lang="en-US" altLang="zh-CN" dirty="0" smtClean="0"/>
-              <a:t>Script</a:t>
-            </a:r>
-            <a:r>
-              <a:rPr lang="zh-CN" altLang="en-US" dirty="0" smtClean="0"/>
-              <a:t>语言结合</a:t>
-            </a:r>
-            <a:r>
-              <a:rPr lang="en-US" altLang="zh-CN" dirty="0" smtClean="0"/>
-              <a:t>Terminal simulator script</a:t>
-            </a:r>
-            <a:r>
-              <a:rPr lang="zh-CN" altLang="en-US" dirty="0" smtClean="0"/>
-              <a:t>语言编写的访问</a:t>
-            </a:r>
-            <a:r>
-              <a:rPr lang="en-US" altLang="zh-CN" dirty="0" smtClean="0"/>
-              <a:t>ERP</a:t>
-            </a:r>
-            <a:r>
-              <a:rPr lang="zh-CN" altLang="en-US" dirty="0" smtClean="0"/>
-              <a:t>系统的任务项，根据执行的流程类型、顺序、工作流表单参数，用户可以直接进入</a:t>
-            </a:r>
-            <a:r>
-              <a:rPr lang="en-US" altLang="zh-CN" dirty="0" smtClean="0"/>
-              <a:t>ERP</a:t>
-            </a:r>
-            <a:r>
-              <a:rPr lang="zh-CN" altLang="en-US" dirty="0" smtClean="0"/>
-              <a:t>系统相应的功能模块。</a:t>
-            </a:r>
-            <a:endParaRPr lang="en-US" altLang="zh-CN" dirty="0" smtClean="0"/>
-          </a:p>
-          <a:p>
-            <a:r>
-              <a:rPr lang="en-US" altLang="zh-CN" dirty="0" smtClean="0"/>
-              <a:t>5. </a:t>
-            </a:r>
-            <a:r>
-              <a:rPr lang="zh-CN" altLang="en-US" dirty="0" smtClean="0"/>
-              <a:t>用户操作</a:t>
-            </a:r>
-            <a:r>
-              <a:rPr lang="en-US" altLang="zh-CN" dirty="0" smtClean="0"/>
-              <a:t>ERP</a:t>
-            </a:r>
-            <a:r>
-              <a:rPr lang="zh-CN" altLang="en-US" dirty="0" smtClean="0"/>
-              <a:t>系统。可以根据权限执行不同的操作。以采购申请为例，用户可以填写需要采购的物料编号、采购数量、价格范围、供应商等，存储后保存在</a:t>
-            </a:r>
-            <a:r>
-              <a:rPr lang="en-US" altLang="zh-CN" dirty="0" smtClean="0"/>
-              <a:t>ERP DB</a:t>
-            </a:r>
-            <a:r>
-              <a:rPr lang="zh-CN" altLang="en-US" dirty="0" smtClean="0"/>
-              <a:t>中；</a:t>
-            </a:r>
-            <a:endParaRPr lang="en-US" altLang="zh-CN" dirty="0" smtClean="0"/>
-          </a:p>
-          <a:p>
-            <a:r>
-              <a:rPr lang="en-US" altLang="zh-CN" dirty="0" smtClean="0"/>
-              <a:t>6. ERP DB</a:t>
-            </a:r>
-            <a:r>
-              <a:rPr lang="zh-CN" altLang="en-US" dirty="0" smtClean="0"/>
-              <a:t>保存后，通过</a:t>
-            </a:r>
-            <a:r>
-              <a:rPr lang="en-US" altLang="zh-CN" dirty="0" smtClean="0"/>
-              <a:t>ERP</a:t>
-            </a:r>
-            <a:r>
-              <a:rPr lang="zh-CN" altLang="en-US" dirty="0" smtClean="0"/>
-              <a:t>系统界面向用户提示保存成功；</a:t>
-            </a:r>
-            <a:endParaRPr lang="en-US" altLang="zh-CN" dirty="0" smtClean="0"/>
-          </a:p>
-          <a:p>
-            <a:r>
-              <a:rPr lang="en-US" altLang="zh-CN" dirty="0" smtClean="0"/>
-              <a:t>7. ERP</a:t>
-            </a:r>
-            <a:r>
-              <a:rPr lang="zh-CN" altLang="en-US" dirty="0" smtClean="0"/>
-              <a:t>系统将保存成功的单据编号和单据状态等信息传送到工作流系统。根据需要，用户可以把</a:t>
-            </a:r>
-            <a:r>
-              <a:rPr lang="en-US" altLang="zh-CN" dirty="0" smtClean="0"/>
-              <a:t>ERP</a:t>
-            </a:r>
-            <a:r>
-              <a:rPr lang="zh-CN" altLang="en-US" dirty="0" smtClean="0"/>
-              <a:t>系统生成的表单导出为</a:t>
-            </a:r>
-            <a:r>
-              <a:rPr lang="en-US" altLang="zh-CN" dirty="0" smtClean="0"/>
-              <a:t>Excel</a:t>
-            </a:r>
-            <a:r>
-              <a:rPr lang="zh-CN" altLang="en-US" dirty="0" smtClean="0"/>
-              <a:t>文件保存在本地；</a:t>
-            </a:r>
-            <a:endParaRPr lang="en-US" altLang="zh-CN" dirty="0" smtClean="0"/>
-          </a:p>
-          <a:p>
-            <a:r>
-              <a:rPr lang="en-US" altLang="zh-CN" dirty="0" smtClean="0"/>
-              <a:t>8. </a:t>
-            </a:r>
-            <a:r>
-              <a:rPr lang="zh-CN" altLang="en-US" dirty="0" smtClean="0"/>
-              <a:t>当工作流系统收到</a:t>
-            </a:r>
-            <a:r>
-              <a:rPr lang="en-US" altLang="zh-CN" dirty="0" smtClean="0"/>
-              <a:t>ERP</a:t>
-            </a:r>
-            <a:r>
-              <a:rPr lang="zh-CN" altLang="en-US" dirty="0" smtClean="0"/>
-              <a:t>系统传来的信息后，进行格式检查，确认无误后继续执行；</a:t>
-            </a:r>
-            <a:endParaRPr lang="en-US" altLang="zh-CN" dirty="0" smtClean="0"/>
-          </a:p>
-          <a:p>
-            <a:r>
-              <a:rPr lang="en-US" altLang="zh-CN" dirty="0" smtClean="0"/>
-              <a:t>9. </a:t>
-            </a:r>
-            <a:r>
-              <a:rPr lang="zh-CN" altLang="en-US" dirty="0" smtClean="0"/>
-              <a:t>用户在屏幕上审查工作流系统执行情况是否正确，确认无误后，将工作流表单传送到</a:t>
-            </a:r>
-            <a:r>
-              <a:rPr lang="en-US" altLang="zh-CN" dirty="0" smtClean="0"/>
-              <a:t>Workflow Server</a:t>
-            </a:r>
-            <a:r>
-              <a:rPr lang="zh-CN" altLang="en-US" dirty="0" smtClean="0"/>
-              <a:t>，保存在本地的</a:t>
-            </a:r>
-            <a:r>
-              <a:rPr lang="en-US" altLang="zh-CN" dirty="0" smtClean="0"/>
-              <a:t>Excel</a:t>
-            </a:r>
-            <a:r>
-              <a:rPr lang="zh-CN" altLang="en-US" dirty="0" smtClean="0"/>
-              <a:t>文件也可以作为附件提交；</a:t>
-            </a:r>
-            <a:endParaRPr lang="en-US" altLang="zh-CN" dirty="0" smtClean="0"/>
-          </a:p>
-          <a:p>
-            <a:r>
-              <a:rPr lang="en-US" altLang="zh-CN" dirty="0" smtClean="0"/>
-              <a:t>10. Workflow Server</a:t>
-            </a:r>
-            <a:r>
-              <a:rPr lang="zh-CN" altLang="en-US" dirty="0" smtClean="0"/>
-              <a:t>收到用户传来的工作流表单，并据此将工作流表单和附件传送到下一个执行者。</a:t>
-            </a:r>
+            <a:endParaRPr lang="zh-CN" altLang="en-US" dirty="0"/>
           </a:p>
         </p:txBody>
       </p:sp>
@@ -9777,7 +9452,7 @@
             <a:fld id="{BAD2D2A2-EC9F-4076-9D39-88EEE1811CEE}" type="slidenum">
               <a:rPr lang="zh-CN" altLang="en-US" smtClean="0"/>
               <a:pPr eaLnBrk="1" hangingPunct="1"/>
-              <a:t>43</a:t>
+              <a:t>42</a:t>
             </a:fld>
             <a:endParaRPr lang="zh-CN" altLang="en-US" smtClean="0"/>
           </a:p>
@@ -10095,7 +9770,7 @@
       </p:grpSpPr>
       <p:sp>
         <p:nvSpPr>
-          <p:cNvPr id="14338" name="幻灯片图像占位符 1"/>
+          <p:cNvPr id="15362" name="幻灯片图像占位符 1"/>
           <p:cNvSpPr>
             <a:spLocks noGrp="1" noRot="1" noChangeAspect="1" noTextEdit="1"/>
           </p:cNvSpPr>
@@ -10126,7 +9801,7 @@
       </p:sp>
       <p:sp>
         <p:nvSpPr>
-          <p:cNvPr id="14339" name="备注占位符 2"/>
+          <p:cNvPr id="15363" name="备注占位符 2"/>
           <p:cNvSpPr>
             <a:spLocks noGrp="1"/>
           </p:cNvSpPr>
@@ -10164,18 +9839,13 @@
           </a:bodyPr>
           <a:lstStyle/>
           <a:p>
-            <a:pPr eaLnBrk="1" hangingPunct="1">
-              <a:spcBef>
-                <a:spcPct val="0"/>
-              </a:spcBef>
-            </a:pPr>
-            <a:endParaRPr lang="zh-CN" altLang="en-US" dirty="0" smtClean="0"/>
+            <a:endParaRPr lang="zh-CN" altLang="en-US" dirty="0"/>
           </a:p>
         </p:txBody>
       </p:sp>
       <p:sp>
         <p:nvSpPr>
-          <p:cNvPr id="14340" name="灯片编号占位符 3"/>
+          <p:cNvPr id="15364" name="灯片编号占位符 3"/>
           <p:cNvSpPr>
             <a:spLocks noGrp="1"/>
           </p:cNvSpPr>
@@ -10329,10 +9999,1936 @@
           </a:lstStyle>
           <a:p>
             <a:pPr eaLnBrk="1" hangingPunct="1"/>
+            <a:fld id="{BAD2D2A2-EC9F-4076-9D39-88EEE1811CEE}" type="slidenum">
+              <a:rPr lang="zh-CN" altLang="en-US" smtClean="0"/>
+              <a:pPr eaLnBrk="1" hangingPunct="1"/>
+              <a:t>43</a:t>
+            </a:fld>
+            <a:endParaRPr lang="zh-CN" altLang="en-US" smtClean="0"/>
+          </a:p>
+        </p:txBody>
+      </p:sp>
+    </p:spTree>
+  </p:cSld>
+  <p:clrMapOvr>
+    <a:masterClrMapping/>
+  </p:clrMapOvr>
+</p:notes>
+</file>
+
+<file path=ppt/notesSlides/notesSlide41.xml><?xml version="1.0" encoding="utf-8"?>
+<p:notes xmlns:a="http://schemas.openxmlformats.org/drawingml/2006/main" xmlns:r="http://schemas.openxmlformats.org/officeDocument/2006/relationships" xmlns:p="http://schemas.openxmlformats.org/presentationml/2006/main">
+  <p:cSld>
+    <p:spTree>
+      <p:nvGrpSpPr>
+        <p:cNvPr id="1" name=""/>
+        <p:cNvGrpSpPr/>
+        <p:nvPr/>
+      </p:nvGrpSpPr>
+      <p:grpSpPr>
+        <a:xfrm>
+          <a:off x="0" y="0"/>
+          <a:ext cx="0" cy="0"/>
+          <a:chOff x="0" y="0"/>
+          <a:chExt cx="0" cy="0"/>
+        </a:xfrm>
+      </p:grpSpPr>
+      <p:sp>
+        <p:nvSpPr>
+          <p:cNvPr id="15362" name="幻灯片图像占位符 1"/>
+          <p:cNvSpPr>
+            <a:spLocks noGrp="1" noRot="1" noChangeAspect="1" noTextEdit="1"/>
+          </p:cNvSpPr>
+          <p:nvPr>
+            <p:ph type="sldImg"/>
+          </p:nvPr>
+        </p:nvSpPr>
+        <p:spPr bwMode="auto">
+          <a:noFill/>
+          <a:ln>
+            <a:solidFill>
+              <a:srgbClr val="000000"/>
+            </a:solidFill>
+            <a:miter lim="800000"/>
+            <a:headEnd/>
+            <a:tailEnd/>
+          </a:ln>
+          <a:extLst>
+            <a:ext uri="{909E8E84-426E-40DD-AFC4-6F175D3DCCD1}">
+              <a14:hiddenFill xmlns:a14="http://schemas.microsoft.com/office/drawing/2010/main">
+                <a:solidFill>
+                  <a:srgbClr val="FFFFFF"/>
+                </a:solidFill>
+              </a14:hiddenFill>
+            </a:ext>
+          </a:extLst>
+        </p:spPr>
+      </p:sp>
+      <p:sp>
+        <p:nvSpPr>
+          <p:cNvPr id="15363" name="备注占位符 2"/>
+          <p:cNvSpPr>
+            <a:spLocks noGrp="1"/>
+          </p:cNvSpPr>
+          <p:nvPr>
+            <p:ph type="body" idx="1"/>
+          </p:nvPr>
+        </p:nvSpPr>
+        <p:spPr bwMode="auto">
+          <a:noFill/>
+          <a:extLst>
+            <a:ext uri="{909E8E84-426E-40DD-AFC4-6F175D3DCCD1}">
+              <a14:hiddenFill xmlns:a14="http://schemas.microsoft.com/office/drawing/2010/main">
+                <a:solidFill>
+                  <a:srgbClr val="FFFFFF"/>
+                </a:solidFill>
+              </a14:hiddenFill>
+            </a:ext>
+            <a:ext uri="{91240B29-F687-4F45-9708-019B960494DF}">
+              <a14:hiddenLine xmlns:a14="http://schemas.microsoft.com/office/drawing/2010/main" w="9525">
+                <a:solidFill>
+                  <a:srgbClr val="000000"/>
+                </a:solidFill>
+                <a:miter lim="800000"/>
+                <a:headEnd/>
+                <a:tailEnd/>
+              </a14:hiddenLine>
+            </a:ext>
+          </a:extLst>
+        </p:spPr>
+        <p:txBody>
+          <a:bodyPr wrap="square" numCol="1" anchor="t" anchorCtr="0" compatLnSpc="1">
+            <a:prstTxWarp prst="textNoShape">
+              <a:avLst/>
+            </a:prstTxWarp>
+          </a:bodyPr>
+          <a:lstStyle/>
+          <a:p>
+            <a:endParaRPr lang="zh-CN" altLang="en-US" dirty="0"/>
+          </a:p>
+        </p:txBody>
+      </p:sp>
+      <p:sp>
+        <p:nvSpPr>
+          <p:cNvPr id="15364" name="灯片编号占位符 3"/>
+          <p:cNvSpPr>
+            <a:spLocks noGrp="1"/>
+          </p:cNvSpPr>
+          <p:nvPr>
+            <p:ph type="sldNum" sz="quarter" idx="5"/>
+          </p:nvPr>
+        </p:nvSpPr>
+        <p:spPr bwMode="auto">
+          <a:noFill/>
+          <a:extLst>
+            <a:ext uri="{909E8E84-426E-40DD-AFC4-6F175D3DCCD1}">
+              <a14:hiddenFill xmlns:a14="http://schemas.microsoft.com/office/drawing/2010/main">
+                <a:solidFill>
+                  <a:srgbClr val="FFFFFF"/>
+                </a:solidFill>
+              </a14:hiddenFill>
+            </a:ext>
+            <a:ext uri="{91240B29-F687-4F45-9708-019B960494DF}">
+              <a14:hiddenLine xmlns:a14="http://schemas.microsoft.com/office/drawing/2010/main" w="9525">
+                <a:solidFill>
+                  <a:srgbClr val="000000"/>
+                </a:solidFill>
+                <a:miter lim="800000"/>
+                <a:headEnd/>
+                <a:tailEnd/>
+              </a14:hiddenLine>
+            </a:ext>
+          </a:extLst>
+        </p:spPr>
+        <p:txBody>
+          <a:bodyPr wrap="square" numCol="1" anchorCtr="0" compatLnSpc="1">
+            <a:prstTxWarp prst="textNoShape">
+              <a:avLst/>
+            </a:prstTxWarp>
+          </a:bodyPr>
+          <a:lstStyle>
+            <a:lvl1pPr eaLnBrk="0" hangingPunct="0">
+              <a:defRPr>
+                <a:solidFill>
+                  <a:srgbClr val="FFFFFF"/>
+                </a:solidFill>
+                <a:latin typeface="Gill Sans" charset="0"/>
+                <a:ea typeface="Heiti SC Light" charset="-122"/>
+                <a:sym typeface="Gill Sans" charset="0"/>
+              </a:defRPr>
+            </a:lvl1pPr>
+            <a:lvl2pPr marL="742950" indent="-285750" eaLnBrk="0" hangingPunct="0">
+              <a:defRPr>
+                <a:solidFill>
+                  <a:srgbClr val="FFFFFF"/>
+                </a:solidFill>
+                <a:latin typeface="Gill Sans" charset="0"/>
+                <a:ea typeface="Heiti SC Light" charset="-122"/>
+                <a:sym typeface="Gill Sans" charset="0"/>
+              </a:defRPr>
+            </a:lvl2pPr>
+            <a:lvl3pPr marL="1143000" indent="-228600" eaLnBrk="0" hangingPunct="0">
+              <a:defRPr>
+                <a:solidFill>
+                  <a:srgbClr val="FFFFFF"/>
+                </a:solidFill>
+                <a:latin typeface="Gill Sans" charset="0"/>
+                <a:ea typeface="Heiti SC Light" charset="-122"/>
+                <a:sym typeface="Gill Sans" charset="0"/>
+              </a:defRPr>
+            </a:lvl3pPr>
+            <a:lvl4pPr marL="1600200" indent="-228600" eaLnBrk="0" hangingPunct="0">
+              <a:defRPr>
+                <a:solidFill>
+                  <a:srgbClr val="FFFFFF"/>
+                </a:solidFill>
+                <a:latin typeface="Gill Sans" charset="0"/>
+                <a:ea typeface="Heiti SC Light" charset="-122"/>
+                <a:sym typeface="Gill Sans" charset="0"/>
+              </a:defRPr>
+            </a:lvl4pPr>
+            <a:lvl5pPr marL="2057400" indent="-228600" eaLnBrk="0" hangingPunct="0">
+              <a:defRPr>
+                <a:solidFill>
+                  <a:srgbClr val="FFFFFF"/>
+                </a:solidFill>
+                <a:latin typeface="Gill Sans" charset="0"/>
+                <a:ea typeface="Heiti SC Light" charset="-122"/>
+                <a:sym typeface="Gill Sans" charset="0"/>
+              </a:defRPr>
+            </a:lvl5pPr>
+            <a:lvl6pPr marL="2514600" indent="-228600" algn="ctr" eaLnBrk="0" fontAlgn="base" hangingPunct="0">
+              <a:spcBef>
+                <a:spcPct val="0"/>
+              </a:spcBef>
+              <a:spcAft>
+                <a:spcPct val="0"/>
+              </a:spcAft>
+              <a:defRPr>
+                <a:solidFill>
+                  <a:srgbClr val="FFFFFF"/>
+                </a:solidFill>
+                <a:latin typeface="Gill Sans" charset="0"/>
+                <a:ea typeface="Heiti SC Light" charset="-122"/>
+                <a:sym typeface="Gill Sans" charset="0"/>
+              </a:defRPr>
+            </a:lvl6pPr>
+            <a:lvl7pPr marL="2971800" indent="-228600" algn="ctr" eaLnBrk="0" fontAlgn="base" hangingPunct="0">
+              <a:spcBef>
+                <a:spcPct val="0"/>
+              </a:spcBef>
+              <a:spcAft>
+                <a:spcPct val="0"/>
+              </a:spcAft>
+              <a:defRPr>
+                <a:solidFill>
+                  <a:srgbClr val="FFFFFF"/>
+                </a:solidFill>
+                <a:latin typeface="Gill Sans" charset="0"/>
+                <a:ea typeface="Heiti SC Light" charset="-122"/>
+                <a:sym typeface="Gill Sans" charset="0"/>
+              </a:defRPr>
+            </a:lvl7pPr>
+            <a:lvl8pPr marL="3429000" indent="-228600" algn="ctr" eaLnBrk="0" fontAlgn="base" hangingPunct="0">
+              <a:spcBef>
+                <a:spcPct val="0"/>
+              </a:spcBef>
+              <a:spcAft>
+                <a:spcPct val="0"/>
+              </a:spcAft>
+              <a:defRPr>
+                <a:solidFill>
+                  <a:srgbClr val="FFFFFF"/>
+                </a:solidFill>
+                <a:latin typeface="Gill Sans" charset="0"/>
+                <a:ea typeface="Heiti SC Light" charset="-122"/>
+                <a:sym typeface="Gill Sans" charset="0"/>
+              </a:defRPr>
+            </a:lvl8pPr>
+            <a:lvl9pPr marL="3886200" indent="-228600" algn="ctr" eaLnBrk="0" fontAlgn="base" hangingPunct="0">
+              <a:spcBef>
+                <a:spcPct val="0"/>
+              </a:spcBef>
+              <a:spcAft>
+                <a:spcPct val="0"/>
+              </a:spcAft>
+              <a:defRPr>
+                <a:solidFill>
+                  <a:srgbClr val="FFFFFF"/>
+                </a:solidFill>
+                <a:latin typeface="Gill Sans" charset="0"/>
+                <a:ea typeface="Heiti SC Light" charset="-122"/>
+                <a:sym typeface="Gill Sans" charset="0"/>
+              </a:defRPr>
+            </a:lvl9pPr>
+          </a:lstStyle>
+          <a:p>
+            <a:pPr eaLnBrk="1" hangingPunct="1"/>
+            <a:fld id="{BAD2D2A2-EC9F-4076-9D39-88EEE1811CEE}" type="slidenum">
+              <a:rPr lang="zh-CN" altLang="en-US" smtClean="0"/>
+              <a:pPr eaLnBrk="1" hangingPunct="1"/>
+              <a:t>45</a:t>
+            </a:fld>
+            <a:endParaRPr lang="zh-CN" altLang="en-US" smtClean="0"/>
+          </a:p>
+        </p:txBody>
+      </p:sp>
+    </p:spTree>
+  </p:cSld>
+  <p:clrMapOvr>
+    <a:masterClrMapping/>
+  </p:clrMapOvr>
+</p:notes>
+</file>
+
+<file path=ppt/notesSlides/notesSlide42.xml><?xml version="1.0" encoding="utf-8"?>
+<p:notes xmlns:a="http://schemas.openxmlformats.org/drawingml/2006/main" xmlns:r="http://schemas.openxmlformats.org/officeDocument/2006/relationships" xmlns:p="http://schemas.openxmlformats.org/presentationml/2006/main">
+  <p:cSld>
+    <p:spTree>
+      <p:nvGrpSpPr>
+        <p:cNvPr id="1" name=""/>
+        <p:cNvGrpSpPr/>
+        <p:nvPr/>
+      </p:nvGrpSpPr>
+      <p:grpSpPr>
+        <a:xfrm>
+          <a:off x="0" y="0"/>
+          <a:ext cx="0" cy="0"/>
+          <a:chOff x="0" y="0"/>
+          <a:chExt cx="0" cy="0"/>
+        </a:xfrm>
+      </p:grpSpPr>
+      <p:sp>
+        <p:nvSpPr>
+          <p:cNvPr id="15362" name="幻灯片图像占位符 1"/>
+          <p:cNvSpPr>
+            <a:spLocks noGrp="1" noRot="1" noChangeAspect="1" noTextEdit="1"/>
+          </p:cNvSpPr>
+          <p:nvPr>
+            <p:ph type="sldImg"/>
+          </p:nvPr>
+        </p:nvSpPr>
+        <p:spPr bwMode="auto">
+          <a:noFill/>
+          <a:ln>
+            <a:solidFill>
+              <a:srgbClr val="000000"/>
+            </a:solidFill>
+            <a:miter lim="800000"/>
+            <a:headEnd/>
+            <a:tailEnd/>
+          </a:ln>
+          <a:extLst>
+            <a:ext uri="{909E8E84-426E-40DD-AFC4-6F175D3DCCD1}">
+              <a14:hiddenFill xmlns:a14="http://schemas.microsoft.com/office/drawing/2010/main">
+                <a:solidFill>
+                  <a:srgbClr val="FFFFFF"/>
+                </a:solidFill>
+              </a14:hiddenFill>
+            </a:ext>
+          </a:extLst>
+        </p:spPr>
+      </p:sp>
+      <p:sp>
+        <p:nvSpPr>
+          <p:cNvPr id="15363" name="备注占位符 2"/>
+          <p:cNvSpPr>
+            <a:spLocks noGrp="1"/>
+          </p:cNvSpPr>
+          <p:nvPr>
+            <p:ph type="body" idx="1"/>
+          </p:nvPr>
+        </p:nvSpPr>
+        <p:spPr bwMode="auto">
+          <a:noFill/>
+          <a:extLst>
+            <a:ext uri="{909E8E84-426E-40DD-AFC4-6F175D3DCCD1}">
+              <a14:hiddenFill xmlns:a14="http://schemas.microsoft.com/office/drawing/2010/main">
+                <a:solidFill>
+                  <a:srgbClr val="FFFFFF"/>
+                </a:solidFill>
+              </a14:hiddenFill>
+            </a:ext>
+            <a:ext uri="{91240B29-F687-4F45-9708-019B960494DF}">
+              <a14:hiddenLine xmlns:a14="http://schemas.microsoft.com/office/drawing/2010/main" w="9525">
+                <a:solidFill>
+                  <a:srgbClr val="000000"/>
+                </a:solidFill>
+                <a:miter lim="800000"/>
+                <a:headEnd/>
+                <a:tailEnd/>
+              </a14:hiddenLine>
+            </a:ext>
+          </a:extLst>
+        </p:spPr>
+        <p:txBody>
+          <a:bodyPr wrap="square" numCol="1" anchor="t" anchorCtr="0" compatLnSpc="1">
+            <a:prstTxWarp prst="textNoShape">
+              <a:avLst/>
+            </a:prstTxWarp>
+          </a:bodyPr>
+          <a:lstStyle/>
+          <a:p>
+            <a:r>
+              <a:rPr lang="zh-CN" altLang="en-US" dirty="0" smtClean="0"/>
+              <a:t>有观点认为，数据流图，业务流程图是软件工程的范畴。这个我觉得有点过于狭隘，这些东西弄出来，自己的工作流程规范了，清晰了，也易于与内部、外部沟通和新人培训。退一步讲，即使不做软件，也是有裨益的做的事情。</a:t>
+            </a:r>
+            <a:endParaRPr lang="zh-CN" altLang="en-US" dirty="0"/>
+          </a:p>
+        </p:txBody>
+      </p:sp>
+      <p:sp>
+        <p:nvSpPr>
+          <p:cNvPr id="15364" name="灯片编号占位符 3"/>
+          <p:cNvSpPr>
+            <a:spLocks noGrp="1"/>
+          </p:cNvSpPr>
+          <p:nvPr>
+            <p:ph type="sldNum" sz="quarter" idx="5"/>
+          </p:nvPr>
+        </p:nvSpPr>
+        <p:spPr bwMode="auto">
+          <a:noFill/>
+          <a:extLst>
+            <a:ext uri="{909E8E84-426E-40DD-AFC4-6F175D3DCCD1}">
+              <a14:hiddenFill xmlns:a14="http://schemas.microsoft.com/office/drawing/2010/main">
+                <a:solidFill>
+                  <a:srgbClr val="FFFFFF"/>
+                </a:solidFill>
+              </a14:hiddenFill>
+            </a:ext>
+            <a:ext uri="{91240B29-F687-4F45-9708-019B960494DF}">
+              <a14:hiddenLine xmlns:a14="http://schemas.microsoft.com/office/drawing/2010/main" w="9525">
+                <a:solidFill>
+                  <a:srgbClr val="000000"/>
+                </a:solidFill>
+                <a:miter lim="800000"/>
+                <a:headEnd/>
+                <a:tailEnd/>
+              </a14:hiddenLine>
+            </a:ext>
+          </a:extLst>
+        </p:spPr>
+        <p:txBody>
+          <a:bodyPr wrap="square" numCol="1" anchorCtr="0" compatLnSpc="1">
+            <a:prstTxWarp prst="textNoShape">
+              <a:avLst/>
+            </a:prstTxWarp>
+          </a:bodyPr>
+          <a:lstStyle>
+            <a:lvl1pPr eaLnBrk="0" hangingPunct="0">
+              <a:defRPr>
+                <a:solidFill>
+                  <a:srgbClr val="FFFFFF"/>
+                </a:solidFill>
+                <a:latin typeface="Gill Sans" charset="0"/>
+                <a:ea typeface="Heiti SC Light" charset="-122"/>
+                <a:sym typeface="Gill Sans" charset="0"/>
+              </a:defRPr>
+            </a:lvl1pPr>
+            <a:lvl2pPr marL="742950" indent="-285750" eaLnBrk="0" hangingPunct="0">
+              <a:defRPr>
+                <a:solidFill>
+                  <a:srgbClr val="FFFFFF"/>
+                </a:solidFill>
+                <a:latin typeface="Gill Sans" charset="0"/>
+                <a:ea typeface="Heiti SC Light" charset="-122"/>
+                <a:sym typeface="Gill Sans" charset="0"/>
+              </a:defRPr>
+            </a:lvl2pPr>
+            <a:lvl3pPr marL="1143000" indent="-228600" eaLnBrk="0" hangingPunct="0">
+              <a:defRPr>
+                <a:solidFill>
+                  <a:srgbClr val="FFFFFF"/>
+                </a:solidFill>
+                <a:latin typeface="Gill Sans" charset="0"/>
+                <a:ea typeface="Heiti SC Light" charset="-122"/>
+                <a:sym typeface="Gill Sans" charset="0"/>
+              </a:defRPr>
+            </a:lvl3pPr>
+            <a:lvl4pPr marL="1600200" indent="-228600" eaLnBrk="0" hangingPunct="0">
+              <a:defRPr>
+                <a:solidFill>
+                  <a:srgbClr val="FFFFFF"/>
+                </a:solidFill>
+                <a:latin typeface="Gill Sans" charset="0"/>
+                <a:ea typeface="Heiti SC Light" charset="-122"/>
+                <a:sym typeface="Gill Sans" charset="0"/>
+              </a:defRPr>
+            </a:lvl4pPr>
+            <a:lvl5pPr marL="2057400" indent="-228600" eaLnBrk="0" hangingPunct="0">
+              <a:defRPr>
+                <a:solidFill>
+                  <a:srgbClr val="FFFFFF"/>
+                </a:solidFill>
+                <a:latin typeface="Gill Sans" charset="0"/>
+                <a:ea typeface="Heiti SC Light" charset="-122"/>
+                <a:sym typeface="Gill Sans" charset="0"/>
+              </a:defRPr>
+            </a:lvl5pPr>
+            <a:lvl6pPr marL="2514600" indent="-228600" algn="ctr" eaLnBrk="0" fontAlgn="base" hangingPunct="0">
+              <a:spcBef>
+                <a:spcPct val="0"/>
+              </a:spcBef>
+              <a:spcAft>
+                <a:spcPct val="0"/>
+              </a:spcAft>
+              <a:defRPr>
+                <a:solidFill>
+                  <a:srgbClr val="FFFFFF"/>
+                </a:solidFill>
+                <a:latin typeface="Gill Sans" charset="0"/>
+                <a:ea typeface="Heiti SC Light" charset="-122"/>
+                <a:sym typeface="Gill Sans" charset="0"/>
+              </a:defRPr>
+            </a:lvl6pPr>
+            <a:lvl7pPr marL="2971800" indent="-228600" algn="ctr" eaLnBrk="0" fontAlgn="base" hangingPunct="0">
+              <a:spcBef>
+                <a:spcPct val="0"/>
+              </a:spcBef>
+              <a:spcAft>
+                <a:spcPct val="0"/>
+              </a:spcAft>
+              <a:defRPr>
+                <a:solidFill>
+                  <a:srgbClr val="FFFFFF"/>
+                </a:solidFill>
+                <a:latin typeface="Gill Sans" charset="0"/>
+                <a:ea typeface="Heiti SC Light" charset="-122"/>
+                <a:sym typeface="Gill Sans" charset="0"/>
+              </a:defRPr>
+            </a:lvl7pPr>
+            <a:lvl8pPr marL="3429000" indent="-228600" algn="ctr" eaLnBrk="0" fontAlgn="base" hangingPunct="0">
+              <a:spcBef>
+                <a:spcPct val="0"/>
+              </a:spcBef>
+              <a:spcAft>
+                <a:spcPct val="0"/>
+              </a:spcAft>
+              <a:defRPr>
+                <a:solidFill>
+                  <a:srgbClr val="FFFFFF"/>
+                </a:solidFill>
+                <a:latin typeface="Gill Sans" charset="0"/>
+                <a:ea typeface="Heiti SC Light" charset="-122"/>
+                <a:sym typeface="Gill Sans" charset="0"/>
+              </a:defRPr>
+            </a:lvl8pPr>
+            <a:lvl9pPr marL="3886200" indent="-228600" algn="ctr" eaLnBrk="0" fontAlgn="base" hangingPunct="0">
+              <a:spcBef>
+                <a:spcPct val="0"/>
+              </a:spcBef>
+              <a:spcAft>
+                <a:spcPct val="0"/>
+              </a:spcAft>
+              <a:defRPr>
+                <a:solidFill>
+                  <a:srgbClr val="FFFFFF"/>
+                </a:solidFill>
+                <a:latin typeface="Gill Sans" charset="0"/>
+                <a:ea typeface="Heiti SC Light" charset="-122"/>
+                <a:sym typeface="Gill Sans" charset="0"/>
+              </a:defRPr>
+            </a:lvl9pPr>
+          </a:lstStyle>
+          <a:p>
+            <a:pPr eaLnBrk="1" hangingPunct="1"/>
+            <a:fld id="{BAD2D2A2-EC9F-4076-9D39-88EEE1811CEE}" type="slidenum">
+              <a:rPr lang="zh-CN" altLang="en-US" smtClean="0"/>
+              <a:pPr eaLnBrk="1" hangingPunct="1"/>
+              <a:t>46</a:t>
+            </a:fld>
+            <a:endParaRPr lang="zh-CN" altLang="en-US" smtClean="0"/>
+          </a:p>
+        </p:txBody>
+      </p:sp>
+    </p:spTree>
+  </p:cSld>
+  <p:clrMapOvr>
+    <a:masterClrMapping/>
+  </p:clrMapOvr>
+</p:notes>
+</file>
+
+<file path=ppt/notesSlides/notesSlide43.xml><?xml version="1.0" encoding="utf-8"?>
+<p:notes xmlns:a="http://schemas.openxmlformats.org/drawingml/2006/main" xmlns:r="http://schemas.openxmlformats.org/officeDocument/2006/relationships" xmlns:p="http://schemas.openxmlformats.org/presentationml/2006/main">
+  <p:cSld>
+    <p:spTree>
+      <p:nvGrpSpPr>
+        <p:cNvPr id="1" name=""/>
+        <p:cNvGrpSpPr/>
+        <p:nvPr/>
+      </p:nvGrpSpPr>
+      <p:grpSpPr>
+        <a:xfrm>
+          <a:off x="0" y="0"/>
+          <a:ext cx="0" cy="0"/>
+          <a:chOff x="0" y="0"/>
+          <a:chExt cx="0" cy="0"/>
+        </a:xfrm>
+      </p:grpSpPr>
+      <p:sp>
+        <p:nvSpPr>
+          <p:cNvPr id="15362" name="幻灯片图像占位符 1"/>
+          <p:cNvSpPr>
+            <a:spLocks noGrp="1" noRot="1" noChangeAspect="1" noTextEdit="1"/>
+          </p:cNvSpPr>
+          <p:nvPr>
+            <p:ph type="sldImg"/>
+          </p:nvPr>
+        </p:nvSpPr>
+        <p:spPr bwMode="auto">
+          <a:noFill/>
+          <a:ln>
+            <a:solidFill>
+              <a:srgbClr val="000000"/>
+            </a:solidFill>
+            <a:miter lim="800000"/>
+            <a:headEnd/>
+            <a:tailEnd/>
+          </a:ln>
+          <a:extLst>
+            <a:ext uri="{909E8E84-426E-40DD-AFC4-6F175D3DCCD1}">
+              <a14:hiddenFill xmlns:a14="http://schemas.microsoft.com/office/drawing/2010/main">
+                <a:solidFill>
+                  <a:srgbClr val="FFFFFF"/>
+                </a:solidFill>
+              </a14:hiddenFill>
+            </a:ext>
+          </a:extLst>
+        </p:spPr>
+      </p:sp>
+      <p:sp>
+        <p:nvSpPr>
+          <p:cNvPr id="15363" name="备注占位符 2"/>
+          <p:cNvSpPr>
+            <a:spLocks noGrp="1"/>
+          </p:cNvSpPr>
+          <p:nvPr>
+            <p:ph type="body" idx="1"/>
+          </p:nvPr>
+        </p:nvSpPr>
+        <p:spPr bwMode="auto">
+          <a:noFill/>
+          <a:extLst>
+            <a:ext uri="{909E8E84-426E-40DD-AFC4-6F175D3DCCD1}">
+              <a14:hiddenFill xmlns:a14="http://schemas.microsoft.com/office/drawing/2010/main">
+                <a:solidFill>
+                  <a:srgbClr val="FFFFFF"/>
+                </a:solidFill>
+              </a14:hiddenFill>
+            </a:ext>
+            <a:ext uri="{91240B29-F687-4F45-9708-019B960494DF}">
+              <a14:hiddenLine xmlns:a14="http://schemas.microsoft.com/office/drawing/2010/main" w="9525">
+                <a:solidFill>
+                  <a:srgbClr val="000000"/>
+                </a:solidFill>
+                <a:miter lim="800000"/>
+                <a:headEnd/>
+                <a:tailEnd/>
+              </a14:hiddenLine>
+            </a:ext>
+          </a:extLst>
+        </p:spPr>
+        <p:txBody>
+          <a:bodyPr wrap="square" numCol="1" anchor="t" anchorCtr="0" compatLnSpc="1">
+            <a:prstTxWarp prst="textNoShape">
+              <a:avLst/>
+            </a:prstTxWarp>
+          </a:bodyPr>
+          <a:lstStyle/>
+          <a:p>
+            <a:endParaRPr lang="zh-CN" altLang="en-US" dirty="0"/>
+          </a:p>
+        </p:txBody>
+      </p:sp>
+      <p:sp>
+        <p:nvSpPr>
+          <p:cNvPr id="15364" name="灯片编号占位符 3"/>
+          <p:cNvSpPr>
+            <a:spLocks noGrp="1"/>
+          </p:cNvSpPr>
+          <p:nvPr>
+            <p:ph type="sldNum" sz="quarter" idx="5"/>
+          </p:nvPr>
+        </p:nvSpPr>
+        <p:spPr bwMode="auto">
+          <a:noFill/>
+          <a:extLst>
+            <a:ext uri="{909E8E84-426E-40DD-AFC4-6F175D3DCCD1}">
+              <a14:hiddenFill xmlns:a14="http://schemas.microsoft.com/office/drawing/2010/main">
+                <a:solidFill>
+                  <a:srgbClr val="FFFFFF"/>
+                </a:solidFill>
+              </a14:hiddenFill>
+            </a:ext>
+            <a:ext uri="{91240B29-F687-4F45-9708-019B960494DF}">
+              <a14:hiddenLine xmlns:a14="http://schemas.microsoft.com/office/drawing/2010/main" w="9525">
+                <a:solidFill>
+                  <a:srgbClr val="000000"/>
+                </a:solidFill>
+                <a:miter lim="800000"/>
+                <a:headEnd/>
+                <a:tailEnd/>
+              </a14:hiddenLine>
+            </a:ext>
+          </a:extLst>
+        </p:spPr>
+        <p:txBody>
+          <a:bodyPr wrap="square" numCol="1" anchorCtr="0" compatLnSpc="1">
+            <a:prstTxWarp prst="textNoShape">
+              <a:avLst/>
+            </a:prstTxWarp>
+          </a:bodyPr>
+          <a:lstStyle>
+            <a:lvl1pPr eaLnBrk="0" hangingPunct="0">
+              <a:defRPr>
+                <a:solidFill>
+                  <a:srgbClr val="FFFFFF"/>
+                </a:solidFill>
+                <a:latin typeface="Gill Sans" charset="0"/>
+                <a:ea typeface="Heiti SC Light" charset="-122"/>
+                <a:sym typeface="Gill Sans" charset="0"/>
+              </a:defRPr>
+            </a:lvl1pPr>
+            <a:lvl2pPr marL="742950" indent="-285750" eaLnBrk="0" hangingPunct="0">
+              <a:defRPr>
+                <a:solidFill>
+                  <a:srgbClr val="FFFFFF"/>
+                </a:solidFill>
+                <a:latin typeface="Gill Sans" charset="0"/>
+                <a:ea typeface="Heiti SC Light" charset="-122"/>
+                <a:sym typeface="Gill Sans" charset="0"/>
+              </a:defRPr>
+            </a:lvl2pPr>
+            <a:lvl3pPr marL="1143000" indent="-228600" eaLnBrk="0" hangingPunct="0">
+              <a:defRPr>
+                <a:solidFill>
+                  <a:srgbClr val="FFFFFF"/>
+                </a:solidFill>
+                <a:latin typeface="Gill Sans" charset="0"/>
+                <a:ea typeface="Heiti SC Light" charset="-122"/>
+                <a:sym typeface="Gill Sans" charset="0"/>
+              </a:defRPr>
+            </a:lvl3pPr>
+            <a:lvl4pPr marL="1600200" indent="-228600" eaLnBrk="0" hangingPunct="0">
+              <a:defRPr>
+                <a:solidFill>
+                  <a:srgbClr val="FFFFFF"/>
+                </a:solidFill>
+                <a:latin typeface="Gill Sans" charset="0"/>
+                <a:ea typeface="Heiti SC Light" charset="-122"/>
+                <a:sym typeface="Gill Sans" charset="0"/>
+              </a:defRPr>
+            </a:lvl4pPr>
+            <a:lvl5pPr marL="2057400" indent="-228600" eaLnBrk="0" hangingPunct="0">
+              <a:defRPr>
+                <a:solidFill>
+                  <a:srgbClr val="FFFFFF"/>
+                </a:solidFill>
+                <a:latin typeface="Gill Sans" charset="0"/>
+                <a:ea typeface="Heiti SC Light" charset="-122"/>
+                <a:sym typeface="Gill Sans" charset="0"/>
+              </a:defRPr>
+            </a:lvl5pPr>
+            <a:lvl6pPr marL="2514600" indent="-228600" algn="ctr" eaLnBrk="0" fontAlgn="base" hangingPunct="0">
+              <a:spcBef>
+                <a:spcPct val="0"/>
+              </a:spcBef>
+              <a:spcAft>
+                <a:spcPct val="0"/>
+              </a:spcAft>
+              <a:defRPr>
+                <a:solidFill>
+                  <a:srgbClr val="FFFFFF"/>
+                </a:solidFill>
+                <a:latin typeface="Gill Sans" charset="0"/>
+                <a:ea typeface="Heiti SC Light" charset="-122"/>
+                <a:sym typeface="Gill Sans" charset="0"/>
+              </a:defRPr>
+            </a:lvl6pPr>
+            <a:lvl7pPr marL="2971800" indent="-228600" algn="ctr" eaLnBrk="0" fontAlgn="base" hangingPunct="0">
+              <a:spcBef>
+                <a:spcPct val="0"/>
+              </a:spcBef>
+              <a:spcAft>
+                <a:spcPct val="0"/>
+              </a:spcAft>
+              <a:defRPr>
+                <a:solidFill>
+                  <a:srgbClr val="FFFFFF"/>
+                </a:solidFill>
+                <a:latin typeface="Gill Sans" charset="0"/>
+                <a:ea typeface="Heiti SC Light" charset="-122"/>
+                <a:sym typeface="Gill Sans" charset="0"/>
+              </a:defRPr>
+            </a:lvl7pPr>
+            <a:lvl8pPr marL="3429000" indent="-228600" algn="ctr" eaLnBrk="0" fontAlgn="base" hangingPunct="0">
+              <a:spcBef>
+                <a:spcPct val="0"/>
+              </a:spcBef>
+              <a:spcAft>
+                <a:spcPct val="0"/>
+              </a:spcAft>
+              <a:defRPr>
+                <a:solidFill>
+                  <a:srgbClr val="FFFFFF"/>
+                </a:solidFill>
+                <a:latin typeface="Gill Sans" charset="0"/>
+                <a:ea typeface="Heiti SC Light" charset="-122"/>
+                <a:sym typeface="Gill Sans" charset="0"/>
+              </a:defRPr>
+            </a:lvl8pPr>
+            <a:lvl9pPr marL="3886200" indent="-228600" algn="ctr" eaLnBrk="0" fontAlgn="base" hangingPunct="0">
+              <a:spcBef>
+                <a:spcPct val="0"/>
+              </a:spcBef>
+              <a:spcAft>
+                <a:spcPct val="0"/>
+              </a:spcAft>
+              <a:defRPr>
+                <a:solidFill>
+                  <a:srgbClr val="FFFFFF"/>
+                </a:solidFill>
+                <a:latin typeface="Gill Sans" charset="0"/>
+                <a:ea typeface="Heiti SC Light" charset="-122"/>
+                <a:sym typeface="Gill Sans" charset="0"/>
+              </a:defRPr>
+            </a:lvl9pPr>
+          </a:lstStyle>
+          <a:p>
+            <a:pPr eaLnBrk="1" hangingPunct="1"/>
+            <a:fld id="{BAD2D2A2-EC9F-4076-9D39-88EEE1811CEE}" type="slidenum">
+              <a:rPr lang="zh-CN" altLang="en-US" smtClean="0"/>
+              <a:pPr eaLnBrk="1" hangingPunct="1"/>
+              <a:t>47</a:t>
+            </a:fld>
+            <a:endParaRPr lang="zh-CN" altLang="en-US" smtClean="0"/>
+          </a:p>
+        </p:txBody>
+      </p:sp>
+    </p:spTree>
+  </p:cSld>
+  <p:clrMapOvr>
+    <a:masterClrMapping/>
+  </p:clrMapOvr>
+</p:notes>
+</file>
+
+<file path=ppt/notesSlides/notesSlide44.xml><?xml version="1.0" encoding="utf-8"?>
+<p:notes xmlns:a="http://schemas.openxmlformats.org/drawingml/2006/main" xmlns:r="http://schemas.openxmlformats.org/officeDocument/2006/relationships" xmlns:p="http://schemas.openxmlformats.org/presentationml/2006/main">
+  <p:cSld>
+    <p:spTree>
+      <p:nvGrpSpPr>
+        <p:cNvPr id="1" name=""/>
+        <p:cNvGrpSpPr/>
+        <p:nvPr/>
+      </p:nvGrpSpPr>
+      <p:grpSpPr>
+        <a:xfrm>
+          <a:off x="0" y="0"/>
+          <a:ext cx="0" cy="0"/>
+          <a:chOff x="0" y="0"/>
+          <a:chExt cx="0" cy="0"/>
+        </a:xfrm>
+      </p:grpSpPr>
+      <p:sp>
+        <p:nvSpPr>
+          <p:cNvPr id="15362" name="幻灯片图像占位符 1"/>
+          <p:cNvSpPr>
+            <a:spLocks noGrp="1" noRot="1" noChangeAspect="1" noTextEdit="1"/>
+          </p:cNvSpPr>
+          <p:nvPr>
+            <p:ph type="sldImg"/>
+          </p:nvPr>
+        </p:nvSpPr>
+        <p:spPr bwMode="auto">
+          <a:noFill/>
+          <a:ln>
+            <a:solidFill>
+              <a:srgbClr val="000000"/>
+            </a:solidFill>
+            <a:miter lim="800000"/>
+            <a:headEnd/>
+            <a:tailEnd/>
+          </a:ln>
+          <a:extLst>
+            <a:ext uri="{909E8E84-426E-40DD-AFC4-6F175D3DCCD1}">
+              <a14:hiddenFill xmlns:a14="http://schemas.microsoft.com/office/drawing/2010/main">
+                <a:solidFill>
+                  <a:srgbClr val="FFFFFF"/>
+                </a:solidFill>
+              </a14:hiddenFill>
+            </a:ext>
+          </a:extLst>
+        </p:spPr>
+      </p:sp>
+      <p:sp>
+        <p:nvSpPr>
+          <p:cNvPr id="15363" name="备注占位符 2"/>
+          <p:cNvSpPr>
+            <a:spLocks noGrp="1"/>
+          </p:cNvSpPr>
+          <p:nvPr>
+            <p:ph type="body" idx="1"/>
+          </p:nvPr>
+        </p:nvSpPr>
+        <p:spPr bwMode="auto">
+          <a:noFill/>
+          <a:extLst>
+            <a:ext uri="{909E8E84-426E-40DD-AFC4-6F175D3DCCD1}">
+              <a14:hiddenFill xmlns:a14="http://schemas.microsoft.com/office/drawing/2010/main">
+                <a:solidFill>
+                  <a:srgbClr val="FFFFFF"/>
+                </a:solidFill>
+              </a14:hiddenFill>
+            </a:ext>
+            <a:ext uri="{91240B29-F687-4F45-9708-019B960494DF}">
+              <a14:hiddenLine xmlns:a14="http://schemas.microsoft.com/office/drawing/2010/main" w="9525">
+                <a:solidFill>
+                  <a:srgbClr val="000000"/>
+                </a:solidFill>
+                <a:miter lim="800000"/>
+                <a:headEnd/>
+                <a:tailEnd/>
+              </a14:hiddenLine>
+            </a:ext>
+          </a:extLst>
+        </p:spPr>
+        <p:txBody>
+          <a:bodyPr wrap="square" numCol="1" anchor="t" anchorCtr="0" compatLnSpc="1">
+            <a:prstTxWarp prst="textNoShape">
+              <a:avLst/>
+            </a:prstTxWarp>
+          </a:bodyPr>
+          <a:lstStyle/>
+          <a:p>
+            <a:pPr marL="0" marR="0" indent="0" algn="l" defTabSz="914400" rtl="0" eaLnBrk="0" fontAlgn="base" latinLnBrk="0" hangingPunct="0">
+              <a:lnSpc>
+                <a:spcPct val="100000"/>
+              </a:lnSpc>
+              <a:spcBef>
+                <a:spcPct val="30000"/>
+              </a:spcBef>
+              <a:spcAft>
+                <a:spcPct val="0"/>
+              </a:spcAft>
+              <a:buClrTx/>
+              <a:buSzTx/>
+              <a:buFontTx/>
+              <a:buNone/>
+              <a:tabLst/>
+              <a:defRPr/>
+            </a:pPr>
+            <a:r>
+              <a:rPr lang="zh-CN" altLang="en-US" sz="1200" dirty="0" smtClean="0"/>
+              <a:t>也有人将</a:t>
+            </a:r>
+            <a:r>
+              <a:rPr lang="en-US" altLang="zh-CN" sz="1200" dirty="0" smtClean="0"/>
+              <a:t>OA-ERP</a:t>
+            </a:r>
+            <a:r>
+              <a:rPr lang="zh-CN" altLang="en-US" sz="1200" dirty="0" smtClean="0"/>
+              <a:t>归于</a:t>
+            </a:r>
+            <a:r>
+              <a:rPr lang="en-US" altLang="zh-CN" sz="1200" dirty="0" smtClean="0"/>
+              <a:t>ERPII</a:t>
+            </a:r>
+            <a:r>
+              <a:rPr lang="zh-CN" altLang="en-US" sz="1200" dirty="0" smtClean="0"/>
+              <a:t>范畴。其实归于哪个范畴无所谓，重要的是便于更好地解决问题。</a:t>
+            </a:r>
+            <a:endParaRPr lang="en-US" altLang="zh-CN" sz="1200" dirty="0" smtClean="0"/>
+          </a:p>
+        </p:txBody>
+      </p:sp>
+      <p:sp>
+        <p:nvSpPr>
+          <p:cNvPr id="15364" name="灯片编号占位符 3"/>
+          <p:cNvSpPr>
+            <a:spLocks noGrp="1"/>
+          </p:cNvSpPr>
+          <p:nvPr>
+            <p:ph type="sldNum" sz="quarter" idx="5"/>
+          </p:nvPr>
+        </p:nvSpPr>
+        <p:spPr bwMode="auto">
+          <a:noFill/>
+          <a:extLst>
+            <a:ext uri="{909E8E84-426E-40DD-AFC4-6F175D3DCCD1}">
+              <a14:hiddenFill xmlns:a14="http://schemas.microsoft.com/office/drawing/2010/main">
+                <a:solidFill>
+                  <a:srgbClr val="FFFFFF"/>
+                </a:solidFill>
+              </a14:hiddenFill>
+            </a:ext>
+            <a:ext uri="{91240B29-F687-4F45-9708-019B960494DF}">
+              <a14:hiddenLine xmlns:a14="http://schemas.microsoft.com/office/drawing/2010/main" w="9525">
+                <a:solidFill>
+                  <a:srgbClr val="000000"/>
+                </a:solidFill>
+                <a:miter lim="800000"/>
+                <a:headEnd/>
+                <a:tailEnd/>
+              </a14:hiddenLine>
+            </a:ext>
+          </a:extLst>
+        </p:spPr>
+        <p:txBody>
+          <a:bodyPr wrap="square" numCol="1" anchorCtr="0" compatLnSpc="1">
+            <a:prstTxWarp prst="textNoShape">
+              <a:avLst/>
+            </a:prstTxWarp>
+          </a:bodyPr>
+          <a:lstStyle>
+            <a:lvl1pPr eaLnBrk="0" hangingPunct="0">
+              <a:defRPr>
+                <a:solidFill>
+                  <a:srgbClr val="FFFFFF"/>
+                </a:solidFill>
+                <a:latin typeface="Gill Sans" charset="0"/>
+                <a:ea typeface="Heiti SC Light" charset="-122"/>
+                <a:sym typeface="Gill Sans" charset="0"/>
+              </a:defRPr>
+            </a:lvl1pPr>
+            <a:lvl2pPr marL="742950" indent="-285750" eaLnBrk="0" hangingPunct="0">
+              <a:defRPr>
+                <a:solidFill>
+                  <a:srgbClr val="FFFFFF"/>
+                </a:solidFill>
+                <a:latin typeface="Gill Sans" charset="0"/>
+                <a:ea typeface="Heiti SC Light" charset="-122"/>
+                <a:sym typeface="Gill Sans" charset="0"/>
+              </a:defRPr>
+            </a:lvl2pPr>
+            <a:lvl3pPr marL="1143000" indent="-228600" eaLnBrk="0" hangingPunct="0">
+              <a:defRPr>
+                <a:solidFill>
+                  <a:srgbClr val="FFFFFF"/>
+                </a:solidFill>
+                <a:latin typeface="Gill Sans" charset="0"/>
+                <a:ea typeface="Heiti SC Light" charset="-122"/>
+                <a:sym typeface="Gill Sans" charset="0"/>
+              </a:defRPr>
+            </a:lvl3pPr>
+            <a:lvl4pPr marL="1600200" indent="-228600" eaLnBrk="0" hangingPunct="0">
+              <a:defRPr>
+                <a:solidFill>
+                  <a:srgbClr val="FFFFFF"/>
+                </a:solidFill>
+                <a:latin typeface="Gill Sans" charset="0"/>
+                <a:ea typeface="Heiti SC Light" charset="-122"/>
+                <a:sym typeface="Gill Sans" charset="0"/>
+              </a:defRPr>
+            </a:lvl4pPr>
+            <a:lvl5pPr marL="2057400" indent="-228600" eaLnBrk="0" hangingPunct="0">
+              <a:defRPr>
+                <a:solidFill>
+                  <a:srgbClr val="FFFFFF"/>
+                </a:solidFill>
+                <a:latin typeface="Gill Sans" charset="0"/>
+                <a:ea typeface="Heiti SC Light" charset="-122"/>
+                <a:sym typeface="Gill Sans" charset="0"/>
+              </a:defRPr>
+            </a:lvl5pPr>
+            <a:lvl6pPr marL="2514600" indent="-228600" algn="ctr" eaLnBrk="0" fontAlgn="base" hangingPunct="0">
+              <a:spcBef>
+                <a:spcPct val="0"/>
+              </a:spcBef>
+              <a:spcAft>
+                <a:spcPct val="0"/>
+              </a:spcAft>
+              <a:defRPr>
+                <a:solidFill>
+                  <a:srgbClr val="FFFFFF"/>
+                </a:solidFill>
+                <a:latin typeface="Gill Sans" charset="0"/>
+                <a:ea typeface="Heiti SC Light" charset="-122"/>
+                <a:sym typeface="Gill Sans" charset="0"/>
+              </a:defRPr>
+            </a:lvl6pPr>
+            <a:lvl7pPr marL="2971800" indent="-228600" algn="ctr" eaLnBrk="0" fontAlgn="base" hangingPunct="0">
+              <a:spcBef>
+                <a:spcPct val="0"/>
+              </a:spcBef>
+              <a:spcAft>
+                <a:spcPct val="0"/>
+              </a:spcAft>
+              <a:defRPr>
+                <a:solidFill>
+                  <a:srgbClr val="FFFFFF"/>
+                </a:solidFill>
+                <a:latin typeface="Gill Sans" charset="0"/>
+                <a:ea typeface="Heiti SC Light" charset="-122"/>
+                <a:sym typeface="Gill Sans" charset="0"/>
+              </a:defRPr>
+            </a:lvl7pPr>
+            <a:lvl8pPr marL="3429000" indent="-228600" algn="ctr" eaLnBrk="0" fontAlgn="base" hangingPunct="0">
+              <a:spcBef>
+                <a:spcPct val="0"/>
+              </a:spcBef>
+              <a:spcAft>
+                <a:spcPct val="0"/>
+              </a:spcAft>
+              <a:defRPr>
+                <a:solidFill>
+                  <a:srgbClr val="FFFFFF"/>
+                </a:solidFill>
+                <a:latin typeface="Gill Sans" charset="0"/>
+                <a:ea typeface="Heiti SC Light" charset="-122"/>
+                <a:sym typeface="Gill Sans" charset="0"/>
+              </a:defRPr>
+            </a:lvl8pPr>
+            <a:lvl9pPr marL="3886200" indent="-228600" algn="ctr" eaLnBrk="0" fontAlgn="base" hangingPunct="0">
+              <a:spcBef>
+                <a:spcPct val="0"/>
+              </a:spcBef>
+              <a:spcAft>
+                <a:spcPct val="0"/>
+              </a:spcAft>
+              <a:defRPr>
+                <a:solidFill>
+                  <a:srgbClr val="FFFFFF"/>
+                </a:solidFill>
+                <a:latin typeface="Gill Sans" charset="0"/>
+                <a:ea typeface="Heiti SC Light" charset="-122"/>
+                <a:sym typeface="Gill Sans" charset="0"/>
+              </a:defRPr>
+            </a:lvl9pPr>
+          </a:lstStyle>
+          <a:p>
+            <a:pPr eaLnBrk="1" hangingPunct="1"/>
+            <a:fld id="{BAD2D2A2-EC9F-4076-9D39-88EEE1811CEE}" type="slidenum">
+              <a:rPr lang="zh-CN" altLang="en-US" smtClean="0"/>
+              <a:pPr eaLnBrk="1" hangingPunct="1"/>
+              <a:t>48</a:t>
+            </a:fld>
+            <a:endParaRPr lang="zh-CN" altLang="en-US" smtClean="0"/>
+          </a:p>
+        </p:txBody>
+      </p:sp>
+    </p:spTree>
+  </p:cSld>
+  <p:clrMapOvr>
+    <a:masterClrMapping/>
+  </p:clrMapOvr>
+</p:notes>
+</file>
+
+<file path=ppt/notesSlides/notesSlide45.xml><?xml version="1.0" encoding="utf-8"?>
+<p:notes xmlns:a="http://schemas.openxmlformats.org/drawingml/2006/main" xmlns:r="http://schemas.openxmlformats.org/officeDocument/2006/relationships" xmlns:p="http://schemas.openxmlformats.org/presentationml/2006/main">
+  <p:cSld>
+    <p:spTree>
+      <p:nvGrpSpPr>
+        <p:cNvPr id="1" name=""/>
+        <p:cNvGrpSpPr/>
+        <p:nvPr/>
+      </p:nvGrpSpPr>
+      <p:grpSpPr>
+        <a:xfrm>
+          <a:off x="0" y="0"/>
+          <a:ext cx="0" cy="0"/>
+          <a:chOff x="0" y="0"/>
+          <a:chExt cx="0" cy="0"/>
+        </a:xfrm>
+      </p:grpSpPr>
+      <p:sp>
+        <p:nvSpPr>
+          <p:cNvPr id="15362" name="幻灯片图像占位符 1"/>
+          <p:cNvSpPr>
+            <a:spLocks noGrp="1" noRot="1" noChangeAspect="1" noTextEdit="1"/>
+          </p:cNvSpPr>
+          <p:nvPr>
+            <p:ph type="sldImg"/>
+          </p:nvPr>
+        </p:nvSpPr>
+        <p:spPr bwMode="auto">
+          <a:noFill/>
+          <a:ln>
+            <a:solidFill>
+              <a:srgbClr val="000000"/>
+            </a:solidFill>
+            <a:miter lim="800000"/>
+            <a:headEnd/>
+            <a:tailEnd/>
+          </a:ln>
+          <a:extLst>
+            <a:ext uri="{909E8E84-426E-40DD-AFC4-6F175D3DCCD1}">
+              <a14:hiddenFill xmlns:a14="http://schemas.microsoft.com/office/drawing/2010/main">
+                <a:solidFill>
+                  <a:srgbClr val="FFFFFF"/>
+                </a:solidFill>
+              </a14:hiddenFill>
+            </a:ext>
+          </a:extLst>
+        </p:spPr>
+      </p:sp>
+      <p:sp>
+        <p:nvSpPr>
+          <p:cNvPr id="15363" name="备注占位符 2"/>
+          <p:cNvSpPr>
+            <a:spLocks noGrp="1"/>
+          </p:cNvSpPr>
+          <p:nvPr>
+            <p:ph type="body" idx="1"/>
+          </p:nvPr>
+        </p:nvSpPr>
+        <p:spPr bwMode="auto">
+          <a:noFill/>
+          <a:extLst>
+            <a:ext uri="{909E8E84-426E-40DD-AFC4-6F175D3DCCD1}">
+              <a14:hiddenFill xmlns:a14="http://schemas.microsoft.com/office/drawing/2010/main">
+                <a:solidFill>
+                  <a:srgbClr val="FFFFFF"/>
+                </a:solidFill>
+              </a14:hiddenFill>
+            </a:ext>
+            <a:ext uri="{91240B29-F687-4F45-9708-019B960494DF}">
+              <a14:hiddenLine xmlns:a14="http://schemas.microsoft.com/office/drawing/2010/main" w="9525">
+                <a:solidFill>
+                  <a:srgbClr val="000000"/>
+                </a:solidFill>
+                <a:miter lim="800000"/>
+                <a:headEnd/>
+                <a:tailEnd/>
+              </a14:hiddenLine>
+            </a:ext>
+          </a:extLst>
+        </p:spPr>
+        <p:txBody>
+          <a:bodyPr wrap="square" numCol="1" anchor="t" anchorCtr="0" compatLnSpc="1">
+            <a:prstTxWarp prst="textNoShape">
+              <a:avLst/>
+            </a:prstTxWarp>
+          </a:bodyPr>
+          <a:lstStyle/>
+          <a:p>
+            <a:r>
+              <a:rPr lang="en-US" altLang="zh-CN" dirty="0" smtClean="0"/>
+              <a:t>1. </a:t>
+            </a:r>
+            <a:r>
+              <a:rPr lang="zh-CN" altLang="en-US" dirty="0" smtClean="0"/>
+              <a:t>用户登录</a:t>
+            </a:r>
+            <a:r>
+              <a:rPr lang="en-US" altLang="zh-CN" dirty="0" smtClean="0"/>
+              <a:t>OA</a:t>
+            </a:r>
+            <a:r>
+              <a:rPr lang="zh-CN" altLang="en-US" dirty="0" smtClean="0"/>
+              <a:t>系统后，</a:t>
+            </a:r>
+            <a:r>
+              <a:rPr lang="en-US" altLang="zh-CN" dirty="0" smtClean="0"/>
+              <a:t>Workflow Server</a:t>
+            </a:r>
+            <a:r>
+              <a:rPr lang="zh-CN" altLang="en-US" dirty="0" smtClean="0"/>
+              <a:t>根据</a:t>
+            </a:r>
+            <a:r>
+              <a:rPr lang="en-US" altLang="zh-CN" dirty="0" smtClean="0"/>
+              <a:t>OA</a:t>
+            </a:r>
+            <a:r>
+              <a:rPr lang="zh-CN" altLang="en-US" dirty="0" smtClean="0"/>
+              <a:t>系统中人员配置管理功能确认其身份，此用户同时得到了相应的权限；</a:t>
+            </a:r>
+            <a:endParaRPr lang="en-US" altLang="zh-CN" dirty="0" smtClean="0"/>
+          </a:p>
+          <a:p>
+            <a:r>
+              <a:rPr lang="en-US" altLang="zh-CN" dirty="0" smtClean="0"/>
+              <a:t>2. </a:t>
+            </a:r>
+            <a:r>
+              <a:rPr lang="zh-CN" altLang="en-US" dirty="0" smtClean="0"/>
+              <a:t>身份确认后，</a:t>
+            </a:r>
+            <a:r>
+              <a:rPr lang="en-US" altLang="zh-CN" dirty="0" smtClean="0"/>
+              <a:t>Workflow Server</a:t>
+            </a:r>
+            <a:r>
+              <a:rPr lang="zh-CN" altLang="en-US" dirty="0" smtClean="0"/>
+              <a:t>再根据此用户在其权限内申请的工作流程提供工作流表单，并在表单上显示用户对应的组织结构的层次度； </a:t>
+            </a:r>
+            <a:endParaRPr lang="en-US" altLang="zh-CN" dirty="0" smtClean="0"/>
+          </a:p>
+          <a:p>
+            <a:r>
+              <a:rPr lang="en-US" altLang="zh-CN" dirty="0" smtClean="0"/>
+              <a:t>3. </a:t>
+            </a:r>
+            <a:r>
+              <a:rPr lang="zh-CN" altLang="en-US" dirty="0" smtClean="0"/>
+              <a:t>用户在工作流表单上填写本流程执行需要的数据，这些数据可能是请假天数、请假原因等不涉及</a:t>
+            </a:r>
+            <a:r>
+              <a:rPr lang="en-US" altLang="zh-CN" dirty="0" smtClean="0"/>
+              <a:t>ERP</a:t>
+            </a:r>
+            <a:r>
+              <a:rPr lang="zh-CN" altLang="en-US" dirty="0" smtClean="0"/>
+              <a:t>系统的数据，也可能是访问</a:t>
+            </a:r>
+            <a:r>
+              <a:rPr lang="en-US" altLang="zh-CN" dirty="0" smtClean="0"/>
+              <a:t>ERP</a:t>
+            </a:r>
+            <a:r>
+              <a:rPr lang="zh-CN" altLang="en-US" dirty="0" smtClean="0"/>
+              <a:t>系统的参数。如果在流程执行时仅仅需要在</a:t>
+            </a:r>
+            <a:r>
+              <a:rPr lang="en-US" altLang="zh-CN" dirty="0" smtClean="0"/>
+              <a:t>ERP</a:t>
+            </a:r>
+            <a:r>
+              <a:rPr lang="zh-CN" altLang="en-US" dirty="0" smtClean="0"/>
+              <a:t>系统中执行查询，工作流表单的填写要在访问</a:t>
+            </a:r>
+            <a:r>
+              <a:rPr lang="en-US" altLang="zh-CN" dirty="0" smtClean="0"/>
+              <a:t>ERP</a:t>
+            </a:r>
+            <a:r>
+              <a:rPr lang="zh-CN" altLang="en-US" dirty="0" smtClean="0"/>
+              <a:t>系统后进行。</a:t>
+            </a:r>
+            <a:endParaRPr lang="en-US" altLang="zh-CN" dirty="0" smtClean="0"/>
+          </a:p>
+          <a:p>
+            <a:r>
+              <a:rPr lang="en-US" altLang="zh-CN" dirty="0" smtClean="0"/>
+              <a:t>4. </a:t>
+            </a:r>
+            <a:r>
+              <a:rPr lang="zh-CN" altLang="en-US" dirty="0" smtClean="0"/>
+              <a:t>当工作流程执行到</a:t>
+            </a:r>
+            <a:r>
+              <a:rPr lang="en-US" altLang="zh-CN" dirty="0" smtClean="0"/>
+              <a:t>ERP</a:t>
+            </a:r>
+            <a:r>
+              <a:rPr lang="zh-CN" altLang="en-US" dirty="0" smtClean="0"/>
+              <a:t>系统上的作业时，工作流系统自动引导用户进入</a:t>
+            </a:r>
+            <a:r>
+              <a:rPr lang="en-US" altLang="zh-CN" dirty="0" smtClean="0"/>
+              <a:t>ERP</a:t>
+            </a:r>
+            <a:r>
+              <a:rPr lang="zh-CN" altLang="en-US" dirty="0" smtClean="0"/>
+              <a:t>系统。通过</a:t>
+            </a:r>
+            <a:r>
+              <a:rPr lang="en-US" altLang="zh-CN" dirty="0" smtClean="0"/>
+              <a:t>OA</a:t>
+            </a:r>
+            <a:r>
+              <a:rPr lang="zh-CN" altLang="en-US" dirty="0" smtClean="0"/>
+              <a:t>系统本身的</a:t>
+            </a:r>
+            <a:r>
+              <a:rPr lang="en-US" altLang="zh-CN" dirty="0" smtClean="0"/>
+              <a:t>Script</a:t>
+            </a:r>
+            <a:r>
+              <a:rPr lang="zh-CN" altLang="en-US" dirty="0" smtClean="0"/>
+              <a:t>语言结合</a:t>
+            </a:r>
+            <a:r>
+              <a:rPr lang="en-US" altLang="zh-CN" dirty="0" smtClean="0"/>
+              <a:t>Terminal simulator script</a:t>
+            </a:r>
+            <a:r>
+              <a:rPr lang="zh-CN" altLang="en-US" dirty="0" smtClean="0"/>
+              <a:t>语言编写的访问</a:t>
+            </a:r>
+            <a:r>
+              <a:rPr lang="en-US" altLang="zh-CN" dirty="0" smtClean="0"/>
+              <a:t>ERP</a:t>
+            </a:r>
+            <a:r>
+              <a:rPr lang="zh-CN" altLang="en-US" dirty="0" smtClean="0"/>
+              <a:t>系统的任务项，根据执行的流程类型、顺序、工作流表单参数，用户可以直接进入</a:t>
+            </a:r>
+            <a:r>
+              <a:rPr lang="en-US" altLang="zh-CN" dirty="0" smtClean="0"/>
+              <a:t>ERP</a:t>
+            </a:r>
+            <a:r>
+              <a:rPr lang="zh-CN" altLang="en-US" dirty="0" smtClean="0"/>
+              <a:t>系统相应的功能模块。</a:t>
+            </a:r>
+            <a:endParaRPr lang="en-US" altLang="zh-CN" dirty="0" smtClean="0"/>
+          </a:p>
+          <a:p>
+            <a:r>
+              <a:rPr lang="en-US" altLang="zh-CN" dirty="0" smtClean="0"/>
+              <a:t>5. </a:t>
+            </a:r>
+            <a:r>
+              <a:rPr lang="zh-CN" altLang="en-US" dirty="0" smtClean="0"/>
+              <a:t>用户操作</a:t>
+            </a:r>
+            <a:r>
+              <a:rPr lang="en-US" altLang="zh-CN" dirty="0" smtClean="0"/>
+              <a:t>ERP</a:t>
+            </a:r>
+            <a:r>
+              <a:rPr lang="zh-CN" altLang="en-US" dirty="0" smtClean="0"/>
+              <a:t>系统。可以根据权限执行不同的操作。以采购申请为例，用户可以填写需要采购的物料编号、采购数量、价格范围、供应商等，存储后保存在</a:t>
+            </a:r>
+            <a:r>
+              <a:rPr lang="en-US" altLang="zh-CN" dirty="0" smtClean="0"/>
+              <a:t>ERP DB</a:t>
+            </a:r>
+            <a:r>
+              <a:rPr lang="zh-CN" altLang="en-US" dirty="0" smtClean="0"/>
+              <a:t>中；</a:t>
+            </a:r>
+            <a:endParaRPr lang="en-US" altLang="zh-CN" dirty="0" smtClean="0"/>
+          </a:p>
+          <a:p>
+            <a:r>
+              <a:rPr lang="en-US" altLang="zh-CN" dirty="0" smtClean="0"/>
+              <a:t>6. ERP DB</a:t>
+            </a:r>
+            <a:r>
+              <a:rPr lang="zh-CN" altLang="en-US" dirty="0" smtClean="0"/>
+              <a:t>保存后，通过</a:t>
+            </a:r>
+            <a:r>
+              <a:rPr lang="en-US" altLang="zh-CN" dirty="0" smtClean="0"/>
+              <a:t>ERP</a:t>
+            </a:r>
+            <a:r>
+              <a:rPr lang="zh-CN" altLang="en-US" dirty="0" smtClean="0"/>
+              <a:t>系统界面向用户提示保存成功；</a:t>
+            </a:r>
+            <a:endParaRPr lang="en-US" altLang="zh-CN" dirty="0" smtClean="0"/>
+          </a:p>
+          <a:p>
+            <a:r>
+              <a:rPr lang="en-US" altLang="zh-CN" dirty="0" smtClean="0"/>
+              <a:t>7. ERP</a:t>
+            </a:r>
+            <a:r>
+              <a:rPr lang="zh-CN" altLang="en-US" dirty="0" smtClean="0"/>
+              <a:t>系统将保存成功的单据编号和单据状态等信息传送到工作流系统。根据需要，用户可以把</a:t>
+            </a:r>
+            <a:r>
+              <a:rPr lang="en-US" altLang="zh-CN" dirty="0" smtClean="0"/>
+              <a:t>ERP</a:t>
+            </a:r>
+            <a:r>
+              <a:rPr lang="zh-CN" altLang="en-US" dirty="0" smtClean="0"/>
+              <a:t>系统生成的表单导出为</a:t>
+            </a:r>
+            <a:r>
+              <a:rPr lang="en-US" altLang="zh-CN" dirty="0" smtClean="0"/>
+              <a:t>Excel</a:t>
+            </a:r>
+            <a:r>
+              <a:rPr lang="zh-CN" altLang="en-US" dirty="0" smtClean="0"/>
+              <a:t>文件保存在本地；</a:t>
+            </a:r>
+            <a:endParaRPr lang="en-US" altLang="zh-CN" dirty="0" smtClean="0"/>
+          </a:p>
+          <a:p>
+            <a:r>
+              <a:rPr lang="en-US" altLang="zh-CN" dirty="0" smtClean="0"/>
+              <a:t>8. </a:t>
+            </a:r>
+            <a:r>
+              <a:rPr lang="zh-CN" altLang="en-US" dirty="0" smtClean="0"/>
+              <a:t>当工作流系统收到</a:t>
+            </a:r>
+            <a:r>
+              <a:rPr lang="en-US" altLang="zh-CN" dirty="0" smtClean="0"/>
+              <a:t>ERP</a:t>
+            </a:r>
+            <a:r>
+              <a:rPr lang="zh-CN" altLang="en-US" dirty="0" smtClean="0"/>
+              <a:t>系统传来的信息后，进行格式检查，确认无误后继续执行；</a:t>
+            </a:r>
+            <a:endParaRPr lang="en-US" altLang="zh-CN" dirty="0" smtClean="0"/>
+          </a:p>
+          <a:p>
+            <a:r>
+              <a:rPr lang="en-US" altLang="zh-CN" dirty="0" smtClean="0"/>
+              <a:t>9. </a:t>
+            </a:r>
+            <a:r>
+              <a:rPr lang="zh-CN" altLang="en-US" dirty="0" smtClean="0"/>
+              <a:t>用户在屏幕上审查工作流系统执行情况是否正确，确认无误后，将工作流表单传送到</a:t>
+            </a:r>
+            <a:r>
+              <a:rPr lang="en-US" altLang="zh-CN" dirty="0" smtClean="0"/>
+              <a:t>Workflow Server</a:t>
+            </a:r>
+            <a:r>
+              <a:rPr lang="zh-CN" altLang="en-US" dirty="0" smtClean="0"/>
+              <a:t>，保存在本地的</a:t>
+            </a:r>
+            <a:r>
+              <a:rPr lang="en-US" altLang="zh-CN" dirty="0" smtClean="0"/>
+              <a:t>Excel</a:t>
+            </a:r>
+            <a:r>
+              <a:rPr lang="zh-CN" altLang="en-US" dirty="0" smtClean="0"/>
+              <a:t>文件也可以作为附件提交；</a:t>
+            </a:r>
+            <a:endParaRPr lang="en-US" altLang="zh-CN" dirty="0" smtClean="0"/>
+          </a:p>
+          <a:p>
+            <a:r>
+              <a:rPr lang="en-US" altLang="zh-CN" dirty="0" smtClean="0"/>
+              <a:t>10. Workflow Server</a:t>
+            </a:r>
+            <a:r>
+              <a:rPr lang="zh-CN" altLang="en-US" dirty="0" smtClean="0"/>
+              <a:t>收到用户传来的工作流表单，并据此将工作流表单和附件传送到下一个执行者。</a:t>
+            </a:r>
+          </a:p>
+        </p:txBody>
+      </p:sp>
+      <p:sp>
+        <p:nvSpPr>
+          <p:cNvPr id="15364" name="灯片编号占位符 3"/>
+          <p:cNvSpPr>
+            <a:spLocks noGrp="1"/>
+          </p:cNvSpPr>
+          <p:nvPr>
+            <p:ph type="sldNum" sz="quarter" idx="5"/>
+          </p:nvPr>
+        </p:nvSpPr>
+        <p:spPr bwMode="auto">
+          <a:noFill/>
+          <a:extLst>
+            <a:ext uri="{909E8E84-426E-40DD-AFC4-6F175D3DCCD1}">
+              <a14:hiddenFill xmlns:a14="http://schemas.microsoft.com/office/drawing/2010/main">
+                <a:solidFill>
+                  <a:srgbClr val="FFFFFF"/>
+                </a:solidFill>
+              </a14:hiddenFill>
+            </a:ext>
+            <a:ext uri="{91240B29-F687-4F45-9708-019B960494DF}">
+              <a14:hiddenLine xmlns:a14="http://schemas.microsoft.com/office/drawing/2010/main" w="9525">
+                <a:solidFill>
+                  <a:srgbClr val="000000"/>
+                </a:solidFill>
+                <a:miter lim="800000"/>
+                <a:headEnd/>
+                <a:tailEnd/>
+              </a14:hiddenLine>
+            </a:ext>
+          </a:extLst>
+        </p:spPr>
+        <p:txBody>
+          <a:bodyPr wrap="square" numCol="1" anchorCtr="0" compatLnSpc="1">
+            <a:prstTxWarp prst="textNoShape">
+              <a:avLst/>
+            </a:prstTxWarp>
+          </a:bodyPr>
+          <a:lstStyle>
+            <a:lvl1pPr eaLnBrk="0" hangingPunct="0">
+              <a:defRPr>
+                <a:solidFill>
+                  <a:srgbClr val="FFFFFF"/>
+                </a:solidFill>
+                <a:latin typeface="Gill Sans" charset="0"/>
+                <a:ea typeface="Heiti SC Light" charset="-122"/>
+                <a:sym typeface="Gill Sans" charset="0"/>
+              </a:defRPr>
+            </a:lvl1pPr>
+            <a:lvl2pPr marL="742950" indent="-285750" eaLnBrk="0" hangingPunct="0">
+              <a:defRPr>
+                <a:solidFill>
+                  <a:srgbClr val="FFFFFF"/>
+                </a:solidFill>
+                <a:latin typeface="Gill Sans" charset="0"/>
+                <a:ea typeface="Heiti SC Light" charset="-122"/>
+                <a:sym typeface="Gill Sans" charset="0"/>
+              </a:defRPr>
+            </a:lvl2pPr>
+            <a:lvl3pPr marL="1143000" indent="-228600" eaLnBrk="0" hangingPunct="0">
+              <a:defRPr>
+                <a:solidFill>
+                  <a:srgbClr val="FFFFFF"/>
+                </a:solidFill>
+                <a:latin typeface="Gill Sans" charset="0"/>
+                <a:ea typeface="Heiti SC Light" charset="-122"/>
+                <a:sym typeface="Gill Sans" charset="0"/>
+              </a:defRPr>
+            </a:lvl3pPr>
+            <a:lvl4pPr marL="1600200" indent="-228600" eaLnBrk="0" hangingPunct="0">
+              <a:defRPr>
+                <a:solidFill>
+                  <a:srgbClr val="FFFFFF"/>
+                </a:solidFill>
+                <a:latin typeface="Gill Sans" charset="0"/>
+                <a:ea typeface="Heiti SC Light" charset="-122"/>
+                <a:sym typeface="Gill Sans" charset="0"/>
+              </a:defRPr>
+            </a:lvl4pPr>
+            <a:lvl5pPr marL="2057400" indent="-228600" eaLnBrk="0" hangingPunct="0">
+              <a:defRPr>
+                <a:solidFill>
+                  <a:srgbClr val="FFFFFF"/>
+                </a:solidFill>
+                <a:latin typeface="Gill Sans" charset="0"/>
+                <a:ea typeface="Heiti SC Light" charset="-122"/>
+                <a:sym typeface="Gill Sans" charset="0"/>
+              </a:defRPr>
+            </a:lvl5pPr>
+            <a:lvl6pPr marL="2514600" indent="-228600" algn="ctr" eaLnBrk="0" fontAlgn="base" hangingPunct="0">
+              <a:spcBef>
+                <a:spcPct val="0"/>
+              </a:spcBef>
+              <a:spcAft>
+                <a:spcPct val="0"/>
+              </a:spcAft>
+              <a:defRPr>
+                <a:solidFill>
+                  <a:srgbClr val="FFFFFF"/>
+                </a:solidFill>
+                <a:latin typeface="Gill Sans" charset="0"/>
+                <a:ea typeface="Heiti SC Light" charset="-122"/>
+                <a:sym typeface="Gill Sans" charset="0"/>
+              </a:defRPr>
+            </a:lvl6pPr>
+            <a:lvl7pPr marL="2971800" indent="-228600" algn="ctr" eaLnBrk="0" fontAlgn="base" hangingPunct="0">
+              <a:spcBef>
+                <a:spcPct val="0"/>
+              </a:spcBef>
+              <a:spcAft>
+                <a:spcPct val="0"/>
+              </a:spcAft>
+              <a:defRPr>
+                <a:solidFill>
+                  <a:srgbClr val="FFFFFF"/>
+                </a:solidFill>
+                <a:latin typeface="Gill Sans" charset="0"/>
+                <a:ea typeface="Heiti SC Light" charset="-122"/>
+                <a:sym typeface="Gill Sans" charset="0"/>
+              </a:defRPr>
+            </a:lvl7pPr>
+            <a:lvl8pPr marL="3429000" indent="-228600" algn="ctr" eaLnBrk="0" fontAlgn="base" hangingPunct="0">
+              <a:spcBef>
+                <a:spcPct val="0"/>
+              </a:spcBef>
+              <a:spcAft>
+                <a:spcPct val="0"/>
+              </a:spcAft>
+              <a:defRPr>
+                <a:solidFill>
+                  <a:srgbClr val="FFFFFF"/>
+                </a:solidFill>
+                <a:latin typeface="Gill Sans" charset="0"/>
+                <a:ea typeface="Heiti SC Light" charset="-122"/>
+                <a:sym typeface="Gill Sans" charset="0"/>
+              </a:defRPr>
+            </a:lvl8pPr>
+            <a:lvl9pPr marL="3886200" indent="-228600" algn="ctr" eaLnBrk="0" fontAlgn="base" hangingPunct="0">
+              <a:spcBef>
+                <a:spcPct val="0"/>
+              </a:spcBef>
+              <a:spcAft>
+                <a:spcPct val="0"/>
+              </a:spcAft>
+              <a:defRPr>
+                <a:solidFill>
+                  <a:srgbClr val="FFFFFF"/>
+                </a:solidFill>
+                <a:latin typeface="Gill Sans" charset="0"/>
+                <a:ea typeface="Heiti SC Light" charset="-122"/>
+                <a:sym typeface="Gill Sans" charset="0"/>
+              </a:defRPr>
+            </a:lvl9pPr>
+          </a:lstStyle>
+          <a:p>
+            <a:pPr eaLnBrk="1" hangingPunct="1"/>
+            <a:fld id="{BAD2D2A2-EC9F-4076-9D39-88EEE1811CEE}" type="slidenum">
+              <a:rPr lang="zh-CN" altLang="en-US" smtClean="0"/>
+              <a:pPr eaLnBrk="1" hangingPunct="1"/>
+              <a:t>49</a:t>
+            </a:fld>
+            <a:endParaRPr lang="zh-CN" altLang="en-US" smtClean="0"/>
+          </a:p>
+        </p:txBody>
+      </p:sp>
+    </p:spTree>
+  </p:cSld>
+  <p:clrMapOvr>
+    <a:masterClrMapping/>
+  </p:clrMapOvr>
+</p:notes>
+</file>
+
+<file path=ppt/notesSlides/notesSlide46.xml><?xml version="1.0" encoding="utf-8"?>
+<p:notes xmlns:a="http://schemas.openxmlformats.org/drawingml/2006/main" xmlns:r="http://schemas.openxmlformats.org/officeDocument/2006/relationships" xmlns:p="http://schemas.openxmlformats.org/presentationml/2006/main">
+  <p:cSld>
+    <p:spTree>
+      <p:nvGrpSpPr>
+        <p:cNvPr id="1" name=""/>
+        <p:cNvGrpSpPr/>
+        <p:nvPr/>
+      </p:nvGrpSpPr>
+      <p:grpSpPr>
+        <a:xfrm>
+          <a:off x="0" y="0"/>
+          <a:ext cx="0" cy="0"/>
+          <a:chOff x="0" y="0"/>
+          <a:chExt cx="0" cy="0"/>
+        </a:xfrm>
+      </p:grpSpPr>
+      <p:sp>
+        <p:nvSpPr>
+          <p:cNvPr id="14338" name="幻灯片图像占位符 1"/>
+          <p:cNvSpPr>
+            <a:spLocks noGrp="1" noRot="1" noChangeAspect="1" noTextEdit="1"/>
+          </p:cNvSpPr>
+          <p:nvPr>
+            <p:ph type="sldImg"/>
+          </p:nvPr>
+        </p:nvSpPr>
+        <p:spPr bwMode="auto">
+          <a:noFill/>
+          <a:ln>
+            <a:solidFill>
+              <a:srgbClr val="000000"/>
+            </a:solidFill>
+            <a:miter lim="800000"/>
+            <a:headEnd/>
+            <a:tailEnd/>
+          </a:ln>
+          <a:extLst>
+            <a:ext uri="{909E8E84-426E-40DD-AFC4-6F175D3DCCD1}">
+              <a14:hiddenFill xmlns:a14="http://schemas.microsoft.com/office/drawing/2010/main">
+                <a:solidFill>
+                  <a:srgbClr val="FFFFFF"/>
+                </a:solidFill>
+              </a14:hiddenFill>
+            </a:ext>
+          </a:extLst>
+        </p:spPr>
+      </p:sp>
+      <p:sp>
+        <p:nvSpPr>
+          <p:cNvPr id="14339" name="备注占位符 2"/>
+          <p:cNvSpPr>
+            <a:spLocks noGrp="1"/>
+          </p:cNvSpPr>
+          <p:nvPr>
+            <p:ph type="body" idx="1"/>
+          </p:nvPr>
+        </p:nvSpPr>
+        <p:spPr bwMode="auto">
+          <a:noFill/>
+          <a:extLst>
+            <a:ext uri="{909E8E84-426E-40DD-AFC4-6F175D3DCCD1}">
+              <a14:hiddenFill xmlns:a14="http://schemas.microsoft.com/office/drawing/2010/main">
+                <a:solidFill>
+                  <a:srgbClr val="FFFFFF"/>
+                </a:solidFill>
+              </a14:hiddenFill>
+            </a:ext>
+            <a:ext uri="{91240B29-F687-4F45-9708-019B960494DF}">
+              <a14:hiddenLine xmlns:a14="http://schemas.microsoft.com/office/drawing/2010/main" w="9525">
+                <a:solidFill>
+                  <a:srgbClr val="000000"/>
+                </a:solidFill>
+                <a:miter lim="800000"/>
+                <a:headEnd/>
+                <a:tailEnd/>
+              </a14:hiddenLine>
+            </a:ext>
+          </a:extLst>
+        </p:spPr>
+        <p:txBody>
+          <a:bodyPr wrap="square" numCol="1" anchor="t" anchorCtr="0" compatLnSpc="1">
+            <a:prstTxWarp prst="textNoShape">
+              <a:avLst/>
+            </a:prstTxWarp>
+          </a:bodyPr>
+          <a:lstStyle/>
+          <a:p>
+            <a:pPr eaLnBrk="1" hangingPunct="1">
+              <a:spcBef>
+                <a:spcPct val="0"/>
+              </a:spcBef>
+            </a:pPr>
+            <a:endParaRPr lang="zh-CN" altLang="en-US" dirty="0" smtClean="0"/>
+          </a:p>
+        </p:txBody>
+      </p:sp>
+      <p:sp>
+        <p:nvSpPr>
+          <p:cNvPr id="14340" name="灯片编号占位符 3"/>
+          <p:cNvSpPr>
+            <a:spLocks noGrp="1"/>
+          </p:cNvSpPr>
+          <p:nvPr>
+            <p:ph type="sldNum" sz="quarter" idx="5"/>
+          </p:nvPr>
+        </p:nvSpPr>
+        <p:spPr bwMode="auto">
+          <a:noFill/>
+          <a:extLst>
+            <a:ext uri="{909E8E84-426E-40DD-AFC4-6F175D3DCCD1}">
+              <a14:hiddenFill xmlns:a14="http://schemas.microsoft.com/office/drawing/2010/main">
+                <a:solidFill>
+                  <a:srgbClr val="FFFFFF"/>
+                </a:solidFill>
+              </a14:hiddenFill>
+            </a:ext>
+            <a:ext uri="{91240B29-F687-4F45-9708-019B960494DF}">
+              <a14:hiddenLine xmlns:a14="http://schemas.microsoft.com/office/drawing/2010/main" w="9525">
+                <a:solidFill>
+                  <a:srgbClr val="000000"/>
+                </a:solidFill>
+                <a:miter lim="800000"/>
+                <a:headEnd/>
+                <a:tailEnd/>
+              </a14:hiddenLine>
+            </a:ext>
+          </a:extLst>
+        </p:spPr>
+        <p:txBody>
+          <a:bodyPr wrap="square" numCol="1" anchorCtr="0" compatLnSpc="1">
+            <a:prstTxWarp prst="textNoShape">
+              <a:avLst/>
+            </a:prstTxWarp>
+          </a:bodyPr>
+          <a:lstStyle>
+            <a:lvl1pPr eaLnBrk="0" hangingPunct="0">
+              <a:defRPr>
+                <a:solidFill>
+                  <a:srgbClr val="FFFFFF"/>
+                </a:solidFill>
+                <a:latin typeface="Gill Sans" charset="0"/>
+                <a:ea typeface="Heiti SC Light" charset="-122"/>
+                <a:sym typeface="Gill Sans" charset="0"/>
+              </a:defRPr>
+            </a:lvl1pPr>
+            <a:lvl2pPr marL="742950" indent="-285750" eaLnBrk="0" hangingPunct="0">
+              <a:defRPr>
+                <a:solidFill>
+                  <a:srgbClr val="FFFFFF"/>
+                </a:solidFill>
+                <a:latin typeface="Gill Sans" charset="0"/>
+                <a:ea typeface="Heiti SC Light" charset="-122"/>
+                <a:sym typeface="Gill Sans" charset="0"/>
+              </a:defRPr>
+            </a:lvl2pPr>
+            <a:lvl3pPr marL="1143000" indent="-228600" eaLnBrk="0" hangingPunct="0">
+              <a:defRPr>
+                <a:solidFill>
+                  <a:srgbClr val="FFFFFF"/>
+                </a:solidFill>
+                <a:latin typeface="Gill Sans" charset="0"/>
+                <a:ea typeface="Heiti SC Light" charset="-122"/>
+                <a:sym typeface="Gill Sans" charset="0"/>
+              </a:defRPr>
+            </a:lvl3pPr>
+            <a:lvl4pPr marL="1600200" indent="-228600" eaLnBrk="0" hangingPunct="0">
+              <a:defRPr>
+                <a:solidFill>
+                  <a:srgbClr val="FFFFFF"/>
+                </a:solidFill>
+                <a:latin typeface="Gill Sans" charset="0"/>
+                <a:ea typeface="Heiti SC Light" charset="-122"/>
+                <a:sym typeface="Gill Sans" charset="0"/>
+              </a:defRPr>
+            </a:lvl4pPr>
+            <a:lvl5pPr marL="2057400" indent="-228600" eaLnBrk="0" hangingPunct="0">
+              <a:defRPr>
+                <a:solidFill>
+                  <a:srgbClr val="FFFFFF"/>
+                </a:solidFill>
+                <a:latin typeface="Gill Sans" charset="0"/>
+                <a:ea typeface="Heiti SC Light" charset="-122"/>
+                <a:sym typeface="Gill Sans" charset="0"/>
+              </a:defRPr>
+            </a:lvl5pPr>
+            <a:lvl6pPr marL="2514600" indent="-228600" algn="ctr" eaLnBrk="0" fontAlgn="base" hangingPunct="0">
+              <a:spcBef>
+                <a:spcPct val="0"/>
+              </a:spcBef>
+              <a:spcAft>
+                <a:spcPct val="0"/>
+              </a:spcAft>
+              <a:defRPr>
+                <a:solidFill>
+                  <a:srgbClr val="FFFFFF"/>
+                </a:solidFill>
+                <a:latin typeface="Gill Sans" charset="0"/>
+                <a:ea typeface="Heiti SC Light" charset="-122"/>
+                <a:sym typeface="Gill Sans" charset="0"/>
+              </a:defRPr>
+            </a:lvl6pPr>
+            <a:lvl7pPr marL="2971800" indent="-228600" algn="ctr" eaLnBrk="0" fontAlgn="base" hangingPunct="0">
+              <a:spcBef>
+                <a:spcPct val="0"/>
+              </a:spcBef>
+              <a:spcAft>
+                <a:spcPct val="0"/>
+              </a:spcAft>
+              <a:defRPr>
+                <a:solidFill>
+                  <a:srgbClr val="FFFFFF"/>
+                </a:solidFill>
+                <a:latin typeface="Gill Sans" charset="0"/>
+                <a:ea typeface="Heiti SC Light" charset="-122"/>
+                <a:sym typeface="Gill Sans" charset="0"/>
+              </a:defRPr>
+            </a:lvl7pPr>
+            <a:lvl8pPr marL="3429000" indent="-228600" algn="ctr" eaLnBrk="0" fontAlgn="base" hangingPunct="0">
+              <a:spcBef>
+                <a:spcPct val="0"/>
+              </a:spcBef>
+              <a:spcAft>
+                <a:spcPct val="0"/>
+              </a:spcAft>
+              <a:defRPr>
+                <a:solidFill>
+                  <a:srgbClr val="FFFFFF"/>
+                </a:solidFill>
+                <a:latin typeface="Gill Sans" charset="0"/>
+                <a:ea typeface="Heiti SC Light" charset="-122"/>
+                <a:sym typeface="Gill Sans" charset="0"/>
+              </a:defRPr>
+            </a:lvl8pPr>
+            <a:lvl9pPr marL="3886200" indent="-228600" algn="ctr" eaLnBrk="0" fontAlgn="base" hangingPunct="0">
+              <a:spcBef>
+                <a:spcPct val="0"/>
+              </a:spcBef>
+              <a:spcAft>
+                <a:spcPct val="0"/>
+              </a:spcAft>
+              <a:defRPr>
+                <a:solidFill>
+                  <a:srgbClr val="FFFFFF"/>
+                </a:solidFill>
+                <a:latin typeface="Gill Sans" charset="0"/>
+                <a:ea typeface="Heiti SC Light" charset="-122"/>
+                <a:sym typeface="Gill Sans" charset="0"/>
+              </a:defRPr>
+            </a:lvl9pPr>
+          </a:lstStyle>
+          <a:p>
+            <a:pPr eaLnBrk="1" hangingPunct="1"/>
             <a:fld id="{F68AA471-19D4-44DF-96E2-24798A5FA37E}" type="slidenum">
               <a:rPr lang="zh-CN" altLang="en-US" smtClean="0"/>
               <a:pPr eaLnBrk="1" hangingPunct="1"/>
-              <a:t>44</a:t>
+              <a:t>50</a:t>
             </a:fld>
             <a:endParaRPr lang="zh-CN" altLang="en-US" smtClean="0"/>
           </a:p>
@@ -15996,7 +17592,7 @@
               <a:pPr>
                 <a:defRPr/>
               </a:pPr>
-              <a:t>2013/10/6</a:t>
+              <a:t>2013/10/7</a:t>
             </a:fld>
             <a:endParaRPr lang="zh-CN" altLang="en-US"/>
           </a:p>
@@ -16193,7 +17789,7 @@
               <a:pPr>
                 <a:defRPr/>
               </a:pPr>
-              <a:t>2013/10/6</a:t>
+              <a:t>2013/10/7</a:t>
             </a:fld>
             <a:endParaRPr lang="zh-CN" altLang="en-US"/>
           </a:p>
@@ -16466,7 +18062,7 @@
               <a:pPr>
                 <a:defRPr/>
               </a:pPr>
-              <a:t>2013/10/6</a:t>
+              <a:t>2013/10/7</a:t>
             </a:fld>
             <a:endParaRPr lang="zh-CN" altLang="en-US"/>
           </a:p>
@@ -16781,7 +18377,7 @@
               <a:pPr>
                 <a:defRPr/>
               </a:pPr>
-              <a:t>2013/10/6</a:t>
+              <a:t>2013/10/7</a:t>
             </a:fld>
             <a:endParaRPr lang="zh-CN" altLang="en-US"/>
           </a:p>
@@ -17230,7 +18826,7 @@
               <a:pPr>
                 <a:defRPr/>
               </a:pPr>
-              <a:t>2013/10/6</a:t>
+              <a:t>2013/10/7</a:t>
             </a:fld>
             <a:endParaRPr lang="zh-CN" altLang="en-US"/>
           </a:p>
@@ -17375,7 +18971,7 @@
               <a:pPr>
                 <a:defRPr/>
               </a:pPr>
-              <a:t>2013/10/6</a:t>
+              <a:t>2013/10/7</a:t>
             </a:fld>
             <a:endParaRPr lang="zh-CN" altLang="en-US"/>
           </a:p>
@@ -17735,7 +19331,7 @@
               <a:pPr>
                 <a:defRPr/>
               </a:pPr>
-              <a:t>2013/10/6</a:t>
+              <a:t>2013/10/7</a:t>
             </a:fld>
             <a:endParaRPr lang="zh-CN" altLang="en-US"/>
           </a:p>
@@ -18039,7 +19635,7 @@
               <a:pPr>
                 <a:defRPr/>
               </a:pPr>
-              <a:t>2013/10/6</a:t>
+              <a:t>2013/10/7</a:t>
             </a:fld>
             <a:endParaRPr lang="zh-CN" altLang="en-US"/>
           </a:p>
@@ -18322,7 +19918,7 @@
               <a:pPr>
                 <a:defRPr/>
               </a:pPr>
-              <a:t>2013/10/6</a:t>
+              <a:t>2013/10/7</a:t>
             </a:fld>
             <a:endParaRPr lang="zh-CN" altLang="en-US"/>
           </a:p>
@@ -18519,7 +20115,7 @@
               <a:pPr>
                 <a:defRPr/>
               </a:pPr>
-              <a:t>2013/10/6</a:t>
+              <a:t>2013/10/7</a:t>
             </a:fld>
             <a:endParaRPr lang="zh-CN" altLang="en-US"/>
           </a:p>
@@ -18726,7 +20322,7 @@
               <a:pPr>
                 <a:defRPr/>
               </a:pPr>
-              <a:t>2013/10/6</a:t>
+              <a:t>2013/10/7</a:t>
             </a:fld>
             <a:endParaRPr lang="zh-CN" altLang="en-US"/>
           </a:p>
@@ -19001,7 +20597,7 @@
               <a:pPr>
                 <a:defRPr/>
               </a:pPr>
-              <a:t>2013/10/6</a:t>
+              <a:t>2013/10/7</a:t>
             </a:fld>
             <a:endParaRPr lang="zh-CN" altLang="en-US">
               <a:solidFill>
@@ -19228,7 +20824,7 @@
               <a:pPr>
                 <a:defRPr/>
               </a:pPr>
-              <a:t>2013/10/6</a:t>
+              <a:t>2013/10/7</a:t>
             </a:fld>
             <a:endParaRPr lang="zh-CN" altLang="en-US">
               <a:solidFill>
@@ -19531,7 +21127,7 @@
               <a:pPr>
                 <a:defRPr/>
               </a:pPr>
-              <a:t>2013/10/6</a:t>
+              <a:t>2013/10/7</a:t>
             </a:fld>
             <a:endParaRPr lang="zh-CN" altLang="en-US">
               <a:solidFill>
@@ -19876,7 +21472,7 @@
               <a:pPr>
                 <a:defRPr/>
               </a:pPr>
-              <a:t>2013/10/6</a:t>
+              <a:t>2013/10/7</a:t>
             </a:fld>
             <a:endParaRPr lang="zh-CN" altLang="en-US">
               <a:solidFill>
@@ -20355,7 +21951,7 @@
               <a:pPr>
                 <a:defRPr/>
               </a:pPr>
-              <a:t>2013/10/6</a:t>
+              <a:t>2013/10/7</a:t>
             </a:fld>
             <a:endParaRPr lang="zh-CN" altLang="en-US">
               <a:solidFill>
@@ -20908,7 +22504,7 @@
               <a:pPr>
                 <a:defRPr/>
               </a:pPr>
-              <a:t>2013/10/6</a:t>
+              <a:t>2013/10/7</a:t>
             </a:fld>
             <a:endParaRPr lang="zh-CN" altLang="en-US">
               <a:solidFill>
@@ -21060,7 +22656,7 @@
               <a:pPr>
                 <a:defRPr/>
               </a:pPr>
-              <a:t>2013/10/6</a:t>
+              <a:t>2013/10/7</a:t>
             </a:fld>
             <a:endParaRPr lang="zh-CN" altLang="en-US">
               <a:solidFill>
@@ -21394,7 +22990,7 @@
               <a:pPr>
                 <a:defRPr/>
               </a:pPr>
-              <a:t>2013/10/6</a:t>
+              <a:t>2013/10/7</a:t>
             </a:fld>
             <a:endParaRPr lang="zh-CN" altLang="en-US">
               <a:solidFill>
@@ -21707,7 +23303,7 @@
               <a:pPr>
                 <a:defRPr/>
               </a:pPr>
-              <a:t>2013/10/6</a:t>
+              <a:t>2013/10/7</a:t>
             </a:fld>
             <a:endParaRPr lang="zh-CN" altLang="en-US">
               <a:solidFill>
@@ -21934,7 +23530,7 @@
               <a:pPr>
                 <a:defRPr/>
               </a:pPr>
-              <a:t>2013/10/6</a:t>
+              <a:t>2013/10/7</a:t>
             </a:fld>
             <a:endParaRPr lang="zh-CN" altLang="en-US">
               <a:solidFill>
@@ -22171,7 +23767,7 @@
               <a:pPr>
                 <a:defRPr/>
               </a:pPr>
-              <a:t>2013/10/6</a:t>
+              <a:t>2013/10/7</a:t>
             </a:fld>
             <a:endParaRPr lang="zh-CN" altLang="en-US">
               <a:solidFill>
@@ -26211,7 +27807,7 @@
               <a:pPr>
                 <a:defRPr/>
               </a:pPr>
-              <a:t>2013/10/6</a:t>
+              <a:t>2013/10/7</a:t>
             </a:fld>
             <a:endParaRPr lang="zh-CN" altLang="en-US"/>
           </a:p>
@@ -26915,7 +28511,7 @@
               <a:pPr>
                 <a:defRPr/>
               </a:pPr>
-              <a:t>2013/10/6</a:t>
+              <a:t>2013/10/7</a:t>
             </a:fld>
             <a:endParaRPr lang="zh-CN" altLang="en-US">
               <a:solidFill>
@@ -28616,21 +30212,7 @@
                 <a:latin typeface="微软雅黑" pitchFamily="34" charset="-122"/>
                 <a:ea typeface="微软雅黑" pitchFamily="34" charset="-122"/>
               </a:rPr>
-              <a:t>前世今生</a:t>
-            </a:r>
-            <a:r>
-              <a:rPr lang="zh-CN" altLang="en-US" sz="2500" b="1" dirty="0" smtClean="0">
-                <a:latin typeface="微软雅黑" pitchFamily="34" charset="-122"/>
-                <a:ea typeface="微软雅黑" pitchFamily="34" charset="-122"/>
-              </a:rPr>
-              <a:t>－订货</a:t>
-            </a:r>
-            <a:r>
-              <a:rPr lang="zh-CN" altLang="en-US" sz="2500" b="1" dirty="0" smtClean="0">
-                <a:latin typeface="微软雅黑" pitchFamily="34" charset="-122"/>
-                <a:ea typeface="微软雅黑" pitchFamily="34" charset="-122"/>
-              </a:rPr>
-              <a:t>点法</a:t>
+              <a:t>前世今生－订货点法</a:t>
             </a:r>
           </a:p>
         </p:txBody>
@@ -31199,35 +32781,11 @@
                 <a:latin typeface="微软雅黑" pitchFamily="34" charset="-122"/>
                 <a:ea typeface="微软雅黑" pitchFamily="34" charset="-122"/>
               </a:rPr>
-              <a:t>名字，就如同各位与在下一起在本课中回顾</a:t>
-            </a:r>
-            <a:r>
-              <a:rPr lang="zh-CN" altLang="en-US" dirty="0" smtClean="0">
-                <a:solidFill>
-                  <a:schemeClr val="bg1"/>
-                </a:solidFill>
-                <a:latin typeface="微软雅黑" pitchFamily="34" charset="-122"/>
-                <a:ea typeface="微软雅黑" pitchFamily="34" charset="-122"/>
-              </a:rPr>
-              <a:t>的</a:t>
-            </a:r>
-            <a:r>
-              <a:rPr lang="zh-CN" altLang="en-US" dirty="0" smtClean="0">
-                <a:solidFill>
-                  <a:schemeClr val="bg1"/>
-                </a:solidFill>
-                <a:latin typeface="微软雅黑" pitchFamily="34" charset="-122"/>
-                <a:ea typeface="微软雅黑" pitchFamily="34" charset="-122"/>
-              </a:rPr>
-              <a:t>历史</a:t>
+              <a:t>名字，就如同各位与在下一起在本课中回顾的历史</a:t>
             </a:r>
             <a:r>
               <a:rPr lang="zh-CN" altLang="en-US" sz="2000" dirty="0" smtClean="0"/>
-              <a:t>前世</a:t>
-            </a:r>
-            <a:r>
-              <a:rPr lang="zh-CN" altLang="en-US" sz="2000" dirty="0" smtClean="0"/>
-              <a:t>今生</a:t>
+              <a:t>前世今生</a:t>
             </a:r>
             <a:endParaRPr lang="en-US" altLang="zh-CN" sz="2000" dirty="0" smtClean="0"/>
           </a:p>
@@ -32449,17 +34007,7 @@
                 <a:latin typeface="宋体" pitchFamily="2" charset="-122"/>
                 <a:ea typeface="宋体" pitchFamily="2" charset="-122"/>
               </a:rPr>
-              <a:t>大话西</a:t>
-            </a:r>
-            <a:r>
-              <a:rPr lang="zh-CN" altLang="en-US" sz="1400" dirty="0" smtClean="0">
-                <a:solidFill>
-                  <a:schemeClr val="bg1"/>
-                </a:solidFill>
-                <a:latin typeface="宋体" pitchFamily="2" charset="-122"/>
-                <a:ea typeface="宋体" pitchFamily="2" charset="-122"/>
-              </a:rPr>
-              <a:t>游</a:t>
+              <a:t>大话西游</a:t>
             </a:r>
             <a:r>
               <a:rPr lang="en-US" altLang="zh-CN" sz="1400" dirty="0" smtClean="0">
@@ -32680,6 +34228,82 @@
           </a:extLst>
         </p:spPr>
       </p:pic>
+      <p:sp>
+        <p:nvSpPr>
+          <p:cNvPr id="8" name="椭圆 7"/>
+          <p:cNvSpPr/>
+          <p:nvPr/>
+        </p:nvSpPr>
+        <p:spPr bwMode="auto">
+          <a:xfrm>
+            <a:off x="1111672" y="1925959"/>
+            <a:ext cx="1800200" cy="432049"/>
+          </a:xfrm>
+          <a:prstGeom prst="ellipse">
+            <a:avLst/>
+          </a:prstGeom>
+          <a:noFill/>
+          <a:ln>
+            <a:solidFill>
+              <a:srgbClr val="FF0000"/>
+            </a:solidFill>
+          </a:ln>
+          <a:extLst/>
+        </p:spPr>
+        <p:style>
+          <a:lnRef idx="2">
+            <a:schemeClr val="dk1"/>
+          </a:lnRef>
+          <a:fillRef idx="1">
+            <a:schemeClr val="lt1"/>
+          </a:fillRef>
+          <a:effectRef idx="0">
+            <a:schemeClr val="dk1"/>
+          </a:effectRef>
+          <a:fontRef idx="minor">
+            <a:schemeClr val="dk1"/>
+          </a:fontRef>
+        </p:style>
+        <p:txBody>
+          <a:bodyPr vert="horz" wrap="square" lIns="91440" tIns="45720" rIns="91440" bIns="45720" numCol="1" rtlCol="0" anchor="t" anchorCtr="0" compatLnSpc="1">
+            <a:prstTxWarp prst="textNoShape">
+              <a:avLst/>
+            </a:prstTxWarp>
+          </a:bodyPr>
+          <a:lstStyle/>
+          <a:p>
+            <a:pPr marL="0" marR="0" indent="0" algn="ctr" defTabSz="914400" rtl="0" eaLnBrk="1" fontAlgn="base" latinLnBrk="0" hangingPunct="1">
+              <a:lnSpc>
+                <a:spcPct val="100000"/>
+              </a:lnSpc>
+              <a:spcBef>
+                <a:spcPct val="0"/>
+              </a:spcBef>
+              <a:spcAft>
+                <a:spcPct val="0"/>
+              </a:spcAft>
+              <a:buClrTx/>
+              <a:buSzTx/>
+              <a:buFontTx/>
+              <a:buNone/>
+              <a:tabLst/>
+            </a:pPr>
+            <a:endParaRPr kumimoji="0" lang="zh-CN" altLang="en-US" sz="1800" b="0" i="0" u="none" strike="noStrike" cap="none" normalizeH="0" baseline="0">
+              <a:ln>
+                <a:noFill/>
+              </a:ln>
+              <a:solidFill>
+                <a:srgbClr val="FFFFFF"/>
+              </a:solidFill>
+              <a:effectLst/>
+              <a:latin typeface="Gill Sans" charset="0"/>
+              <a:ea typeface="Heiti SC Light" charset="0"/>
+              <a:cs typeface="Heiti SC Light" charset="0"/>
+              <a:sym typeface="Gill Sans" charset="0"/>
+            </a:endParaRPr>
+          </a:p>
+        </p:txBody>
+      </p:sp>
     </p:spTree>
     <p:extLst>
       <p:ext uri="{BB962C8B-B14F-4D97-AF65-F5344CB8AC3E}">
@@ -32904,27 +34528,7 @@
                 <a:latin typeface="宋体" pitchFamily="2" charset="-122"/>
                 <a:ea typeface="宋体" pitchFamily="2" charset="-122"/>
               </a:rPr>
-              <a:t>大话</a:t>
-            </a:r>
-            <a:r>
-              <a:rPr lang="zh-CN" altLang="en-US" sz="1400" dirty="0" smtClean="0">
-                <a:solidFill>
-                  <a:schemeClr val="bg1"/>
-                </a:solidFill>
-                <a:latin typeface="宋体" pitchFamily="2" charset="-122"/>
-                <a:ea typeface="宋体" pitchFamily="2" charset="-122"/>
-              </a:rPr>
-              <a:t>西</a:t>
-            </a:r>
-            <a:r>
-              <a:rPr lang="zh-CN" altLang="en-US" sz="1400" dirty="0" smtClean="0">
-                <a:solidFill>
-                  <a:schemeClr val="bg1"/>
-                </a:solidFill>
-                <a:latin typeface="宋体" pitchFamily="2" charset="-122"/>
-                <a:ea typeface="宋体" pitchFamily="2" charset="-122"/>
-              </a:rPr>
-              <a:t>游</a:t>
+              <a:t>大话西游</a:t>
             </a:r>
             <a:r>
               <a:rPr lang="en-US" altLang="zh-CN" sz="1400" dirty="0" smtClean="0">
@@ -34788,17 +36392,7 @@
                 <a:latin typeface="微软雅黑" pitchFamily="34" charset="-122"/>
                 <a:ea typeface="微软雅黑" pitchFamily="34" charset="-122"/>
               </a:rPr>
-              <a:t>销售部小杨与客户处谈判成功，在系统中下达</a:t>
-            </a:r>
-            <a:r>
-              <a:rPr lang="zh-CN" altLang="en-US" dirty="0" smtClean="0">
-                <a:solidFill>
-                  <a:schemeClr val="bg1"/>
-                </a:solidFill>
-                <a:latin typeface="微软雅黑" pitchFamily="34" charset="-122"/>
-                <a:ea typeface="微软雅黑" pitchFamily="34" charset="-122"/>
-              </a:rPr>
-              <a:t>订单</a:t>
+              <a:t>销售部小杨与客户处谈判成功，在系统中下达订单</a:t>
             </a:r>
             <a:endParaRPr lang="en-US" altLang="zh-CN" dirty="0" smtClean="0">
               <a:solidFill>
@@ -34967,7 +36561,7 @@
           <p:nvPr>
             <p:extLst>
               <p:ext uri="{D42A27DB-BD31-4B8C-83A1-F6EECF244321}">
-                <p14:modId xmlns:p14="http://schemas.microsoft.com/office/powerpoint/2010/main" val="4021494295"/>
+                <p14:modId xmlns:p14="http://schemas.microsoft.com/office/powerpoint/2010/main" val="1699795602"/>
               </p:ext>
             </p:extLst>
           </p:nvPr>
@@ -34980,7 +36574,7 @@
           <a:graphicData uri="http://schemas.openxmlformats.org/presentationml/2006/ole">
             <mc:AlternateContent xmlns:mc="http://schemas.openxmlformats.org/markup-compatibility/2006">
               <mc:Choice xmlns:v="urn:schemas-microsoft-com:vml" Requires="v">
-                <p:oleObj spid="_x0000_s3166" name="包装程序外壳对象" showAsIcon="1" r:id="rId7" imgW="914400" imgH="828720" progId="Package">
+                <p:oleObj spid="_x0000_s3206" name="包装程序外壳对象" showAsIcon="1" r:id="rId7" imgW="914400" imgH="828720" progId="Package">
                   <p:embed/>
                 </p:oleObj>
               </mc:Choice>
@@ -35305,10 +36899,6 @@
               </a:rPr>
               <a:t>权限检查</a:t>
             </a:r>
-            <a:endParaRPr lang="zh-CN" altLang="en-US" sz="2500" b="1" dirty="0" smtClean="0">
-              <a:latin typeface="微软雅黑" pitchFamily="34" charset="-122"/>
-              <a:ea typeface="微软雅黑" pitchFamily="34" charset="-122"/>
-            </a:endParaRPr>
           </a:p>
         </p:txBody>
       </p:sp>
@@ -35340,17 +36930,7 @@
                 <a:latin typeface="微软雅黑" pitchFamily="34" charset="-122"/>
                 <a:ea typeface="微软雅黑" pitchFamily="34" charset="-122"/>
               </a:rPr>
-              <a:t>销售部</a:t>
-            </a:r>
-            <a:r>
-              <a:rPr lang="zh-CN" altLang="en-US" dirty="0" smtClean="0">
-                <a:solidFill>
-                  <a:schemeClr val="bg1"/>
-                </a:solidFill>
-                <a:latin typeface="微软雅黑" pitchFamily="34" charset="-122"/>
-                <a:ea typeface="微软雅黑" pitchFamily="34" charset="-122"/>
-              </a:rPr>
-              <a:t>小杨下达定单后，想在系统中查看具体生产情况如何</a:t>
+              <a:t>销售部小杨下达定单后，想在系统中查看具体生产情况如何</a:t>
             </a:r>
             <a:endParaRPr lang="en-US" altLang="zh-CN" dirty="0" smtClean="0">
               <a:solidFill>
@@ -35888,10 +37468,6 @@
               </a:rPr>
               <a:t>自动提醒</a:t>
             </a:r>
-            <a:endParaRPr lang="zh-CN" altLang="en-US" sz="2500" b="1" dirty="0" smtClean="0">
-              <a:latin typeface="微软雅黑" pitchFamily="34" charset="-122"/>
-              <a:ea typeface="微软雅黑" pitchFamily="34" charset="-122"/>
-            </a:endParaRPr>
           </a:p>
         </p:txBody>
       </p:sp>
@@ -36955,37 +38531,7 @@
                 <a:latin typeface="微软雅黑" pitchFamily="34" charset="-122"/>
                 <a:ea typeface="微软雅黑" pitchFamily="34" charset="-122"/>
               </a:rPr>
-              <a:t>小</a:t>
-            </a:r>
-            <a:r>
-              <a:rPr lang="zh-CN" altLang="en-US" dirty="0" smtClean="0">
-                <a:solidFill>
-                  <a:schemeClr val="bg1"/>
-                </a:solidFill>
-                <a:latin typeface="微软雅黑" pitchFamily="34" charset="-122"/>
-                <a:ea typeface="微软雅黑" pitchFamily="34" charset="-122"/>
-              </a:rPr>
-              <a:t>杨是</a:t>
-            </a:r>
-            <a:r>
-              <a:rPr lang="zh-CN" altLang="en-US" dirty="0" smtClean="0">
-                <a:solidFill>
-                  <a:schemeClr val="bg1"/>
-                </a:solidFill>
-                <a:latin typeface="微软雅黑" pitchFamily="34" charset="-122"/>
-                <a:ea typeface="微软雅黑" pitchFamily="34" charset="-122"/>
-              </a:rPr>
-              <a:t>管理培训生，现轮岗到生产</a:t>
-            </a:r>
-            <a:r>
-              <a:rPr lang="zh-CN" altLang="en-US" dirty="0" smtClean="0">
-                <a:solidFill>
-                  <a:schemeClr val="bg1"/>
-                </a:solidFill>
-                <a:latin typeface="微软雅黑" pitchFamily="34" charset="-122"/>
-                <a:ea typeface="微软雅黑" pitchFamily="34" charset="-122"/>
-              </a:rPr>
-              <a:t>部</a:t>
+              <a:t>小杨是管理培训生，现轮岗到生产部</a:t>
             </a:r>
             <a:endParaRPr lang="en-US" altLang="zh-CN" dirty="0" smtClean="0">
               <a:solidFill>
@@ -37382,6 +38928,82 @@
           </a:extLst>
         </p:spPr>
       </p:pic>
+      <p:sp>
+        <p:nvSpPr>
+          <p:cNvPr id="12" name="椭圆 11"/>
+          <p:cNvSpPr/>
+          <p:nvPr/>
+        </p:nvSpPr>
+        <p:spPr bwMode="auto">
+          <a:xfrm>
+            <a:off x="3127896" y="2480858"/>
+            <a:ext cx="1512168" cy="288826"/>
+          </a:xfrm>
+          <a:prstGeom prst="ellipse">
+            <a:avLst/>
+          </a:prstGeom>
+          <a:noFill/>
+          <a:ln>
+            <a:solidFill>
+              <a:srgbClr val="FF0000"/>
+            </a:solidFill>
+          </a:ln>
+          <a:extLst/>
+        </p:spPr>
+        <p:style>
+          <a:lnRef idx="2">
+            <a:schemeClr val="dk1"/>
+          </a:lnRef>
+          <a:fillRef idx="1">
+            <a:schemeClr val="lt1"/>
+          </a:fillRef>
+          <a:effectRef idx="0">
+            <a:schemeClr val="dk1"/>
+          </a:effectRef>
+          <a:fontRef idx="minor">
+            <a:schemeClr val="dk1"/>
+          </a:fontRef>
+        </p:style>
+        <p:txBody>
+          <a:bodyPr vert="horz" wrap="square" lIns="91440" tIns="45720" rIns="91440" bIns="45720" numCol="1" rtlCol="0" anchor="t" anchorCtr="0" compatLnSpc="1">
+            <a:prstTxWarp prst="textNoShape">
+              <a:avLst/>
+            </a:prstTxWarp>
+          </a:bodyPr>
+          <a:lstStyle/>
+          <a:p>
+            <a:pPr marL="0" marR="0" indent="0" algn="ctr" defTabSz="914400" rtl="0" eaLnBrk="1" fontAlgn="base" latinLnBrk="0" hangingPunct="1">
+              <a:lnSpc>
+                <a:spcPct val="100000"/>
+              </a:lnSpc>
+              <a:spcBef>
+                <a:spcPct val="0"/>
+              </a:spcBef>
+              <a:spcAft>
+                <a:spcPct val="0"/>
+              </a:spcAft>
+              <a:buClrTx/>
+              <a:buSzTx/>
+              <a:buFontTx/>
+              <a:buNone/>
+              <a:tabLst/>
+            </a:pPr>
+            <a:endParaRPr kumimoji="0" lang="zh-CN" altLang="en-US" sz="1800" b="0" i="0" u="none" strike="noStrike" cap="none" normalizeH="0" baseline="0">
+              <a:ln>
+                <a:noFill/>
+              </a:ln>
+              <a:solidFill>
+                <a:srgbClr val="FFFFFF"/>
+              </a:solidFill>
+              <a:effectLst/>
+              <a:latin typeface="Gill Sans" charset="0"/>
+              <a:ea typeface="Heiti SC Light" charset="0"/>
+              <a:cs typeface="Heiti SC Light" charset="0"/>
+              <a:sym typeface="Gill Sans" charset="0"/>
+            </a:endParaRPr>
+          </a:p>
+        </p:txBody>
+      </p:sp>
     </p:spTree>
     <p:extLst>
       <p:ext uri="{BB962C8B-B14F-4D97-AF65-F5344CB8AC3E}">
@@ -37447,7 +39069,7 @@
         <p:spPr bwMode="auto">
           <a:xfrm>
             <a:off x="-184472" y="19050"/>
-            <a:ext cx="3744416" cy="642926"/>
+            <a:ext cx="2016224" cy="642926"/>
           </a:xfrm>
           <a:noFill/>
           <a:extLst>
@@ -37497,14 +39119,7 @@
                 <a:latin typeface="微软雅黑" pitchFamily="34" charset="-122"/>
                 <a:ea typeface="微软雅黑" pitchFamily="34" charset="-122"/>
               </a:rPr>
-              <a:t>物料</a:t>
-            </a:r>
-            <a:r>
-              <a:rPr lang="zh-CN" altLang="en-US" sz="2500" b="1" dirty="0" smtClean="0">
-                <a:latin typeface="微软雅黑" pitchFamily="34" charset="-122"/>
-                <a:ea typeface="微软雅黑" pitchFamily="34" charset="-122"/>
-              </a:rPr>
-              <a:t>清单</a:t>
+              <a:t>概览</a:t>
             </a:r>
             <a:endParaRPr lang="zh-CN" altLang="en-US" sz="2500" b="1" dirty="0" smtClean="0">
               <a:latin typeface="微软雅黑" pitchFamily="34" charset="-122"/>
@@ -37560,17 +39175,7 @@
                 <a:latin typeface="微软雅黑" pitchFamily="34" charset="-122"/>
                 <a:ea typeface="微软雅黑" pitchFamily="34" charset="-122"/>
               </a:rPr>
-              <a:t>物料</a:t>
-            </a:r>
-            <a:r>
-              <a:rPr lang="zh-CN" altLang="en-US" dirty="0" smtClean="0">
-                <a:solidFill>
-                  <a:schemeClr val="bg1"/>
-                </a:solidFill>
-                <a:latin typeface="微软雅黑" pitchFamily="34" charset="-122"/>
-                <a:ea typeface="微软雅黑" pitchFamily="34" charset="-122"/>
-              </a:rPr>
-              <a:t>基本资料</a:t>
+              <a:t>物料基本资料</a:t>
             </a:r>
             <a:endParaRPr lang="en-US" altLang="zh-CN" dirty="0" smtClean="0">
               <a:solidFill>
@@ -37589,7 +39194,17 @@
                 <a:latin typeface="微软雅黑" pitchFamily="34" charset="-122"/>
                 <a:ea typeface="微软雅黑" pitchFamily="34" charset="-122"/>
               </a:rPr>
-              <a:t>物料清单</a:t>
+              <a:t>产品结构</a:t>
+            </a:r>
+            <a:r>
+              <a:rPr lang="zh-CN" altLang="en-US" dirty="0" smtClean="0">
+                <a:solidFill>
+                  <a:schemeClr val="bg1"/>
+                </a:solidFill>
+                <a:latin typeface="微软雅黑" pitchFamily="34" charset="-122"/>
+                <a:ea typeface="微软雅黑" pitchFamily="34" charset="-122"/>
+              </a:rPr>
+              <a:t>清单</a:t>
             </a:r>
             <a:r>
               <a:rPr lang="en-US" altLang="zh-CN" dirty="0" smtClean="0">
@@ -37611,17 +39226,7 @@
                 <a:latin typeface="微软雅黑" pitchFamily="34" charset="-122"/>
                 <a:ea typeface="微软雅黑" pitchFamily="34" charset="-122"/>
               </a:rPr>
-              <a:t>工序</a:t>
-            </a:r>
-            <a:r>
-              <a:rPr lang="zh-CN" altLang="en-US" dirty="0" smtClean="0">
-                <a:solidFill>
-                  <a:schemeClr val="bg1"/>
-                </a:solidFill>
-                <a:latin typeface="微软雅黑" pitchFamily="34" charset="-122"/>
-                <a:ea typeface="微软雅黑" pitchFamily="34" charset="-122"/>
-              </a:rPr>
-              <a:t>设置</a:t>
+              <a:t>工序设置</a:t>
             </a:r>
             <a:endParaRPr lang="en-US" altLang="zh-CN" dirty="0" smtClean="0">
               <a:solidFill>
@@ -37820,7 +39425,7 @@
         <p:spPr bwMode="auto">
           <a:xfrm>
             <a:off x="-112464" y="0"/>
-            <a:ext cx="3744416" cy="642926"/>
+            <a:ext cx="3168352" cy="642926"/>
           </a:xfrm>
           <a:noFill/>
           <a:extLst>
@@ -37866,25 +39471,11 @@
               <a:t>-</a:t>
             </a:r>
             <a:r>
-              <a:rPr lang="zh-CN" altLang="en-US" sz="2500" b="1" dirty="0" smtClean="0">
+              <a:rPr lang="zh-CN" altLang="en-US" sz="2500" b="1" dirty="0">
                 <a:latin typeface="微软雅黑" pitchFamily="34" charset="-122"/>
                 <a:ea typeface="微软雅黑" pitchFamily="34" charset="-122"/>
               </a:rPr>
-              <a:t>物料</a:t>
-            </a:r>
-            <a:r>
-              <a:rPr lang="zh-CN" altLang="en-US" sz="2500" b="1" dirty="0" smtClean="0">
-                <a:latin typeface="微软雅黑" pitchFamily="34" charset="-122"/>
-                <a:ea typeface="微软雅黑" pitchFamily="34" charset="-122"/>
-              </a:rPr>
-              <a:t>清单</a:t>
-            </a:r>
-            <a:r>
-              <a:rPr lang="en-US" altLang="zh-CN" sz="2500" b="1" dirty="0" smtClean="0">
-                <a:latin typeface="微软雅黑" pitchFamily="34" charset="-122"/>
-                <a:ea typeface="微软雅黑" pitchFamily="34" charset="-122"/>
-              </a:rPr>
-              <a:t>II</a:t>
+              <a:t>物料基本资料</a:t>
             </a:r>
             <a:endParaRPr lang="zh-CN" altLang="en-US" sz="2500" b="1" dirty="0" smtClean="0">
               <a:latin typeface="微软雅黑" pitchFamily="34" charset="-122"/>
@@ -37905,8 +39496,8 @@
         </p:nvSpPr>
         <p:spPr>
           <a:xfrm>
-            <a:off x="469218" y="686271"/>
-            <a:ext cx="7315200" cy="3017838"/>
+            <a:off x="319584" y="626013"/>
+            <a:ext cx="7632848" cy="3017838"/>
           </a:xfrm>
         </p:spPr>
         <p:txBody>
@@ -37921,7 +39512,7 @@
                 <a:latin typeface="微软雅黑" pitchFamily="34" charset="-122"/>
                 <a:ea typeface="微软雅黑" pitchFamily="34" charset="-122"/>
               </a:rPr>
-              <a:t>物料</a:t>
+              <a:t>物料基本资料：即是各物料本身数据和</a:t>
             </a:r>
             <a:r>
               <a:rPr lang="zh-CN" altLang="en-US" dirty="0" smtClean="0">
@@ -37931,7 +39522,7 @@
                 <a:latin typeface="微软雅黑" pitchFamily="34" charset="-122"/>
                 <a:ea typeface="微软雅黑" pitchFamily="34" charset="-122"/>
               </a:rPr>
-              <a:t>基本</a:t>
+              <a:t>信息（也可以是成品）。</a:t>
             </a:r>
             <a:r>
               <a:rPr lang="zh-CN" altLang="en-US" dirty="0" smtClean="0">
@@ -37941,17 +39532,7 @@
                 <a:latin typeface="微软雅黑" pitchFamily="34" charset="-122"/>
                 <a:ea typeface="微软雅黑" pitchFamily="34" charset="-122"/>
               </a:rPr>
-              <a:t>资料：</a:t>
-            </a:r>
-            <a:r>
-              <a:rPr lang="zh-CN" altLang="en-US" dirty="0" smtClean="0">
-                <a:solidFill>
-                  <a:schemeClr val="bg1"/>
-                </a:solidFill>
-                <a:latin typeface="微软雅黑" pitchFamily="34" charset="-122"/>
-                <a:ea typeface="微软雅黑" pitchFamily="34" charset="-122"/>
-              </a:rPr>
-              <a:t>即是各物料本身数据和信息。可以在软件需求中说明哪些信息会如何影响</a:t>
+              <a:t>可以在软件需求中说明哪些信息会如何影响</a:t>
             </a:r>
             <a:r>
               <a:rPr lang="en-US" altLang="zh-CN" dirty="0" smtClean="0">
@@ -37971,7 +39552,37 @@
                 <a:latin typeface="微软雅黑" pitchFamily="34" charset="-122"/>
                 <a:ea typeface="微软雅黑" pitchFamily="34" charset="-122"/>
               </a:rPr>
-              <a:t>运算，如来源这一项</a:t>
+              <a:t>运算，如来源这一</a:t>
+            </a:r>
+            <a:r>
+              <a:rPr lang="zh-CN" altLang="en-US" dirty="0" smtClean="0">
+                <a:solidFill>
+                  <a:schemeClr val="bg1"/>
+                </a:solidFill>
+                <a:latin typeface="微软雅黑" pitchFamily="34" charset="-122"/>
+                <a:ea typeface="微软雅黑" pitchFamily="34" charset="-122"/>
+              </a:rPr>
+              <a:t>项：反应</a:t>
+            </a:r>
+            <a:r>
+              <a:rPr lang="en-US" altLang="zh-CN" dirty="0" smtClean="0">
+                <a:solidFill>
+                  <a:schemeClr val="bg1"/>
+                </a:solidFill>
+                <a:latin typeface="微软雅黑" pitchFamily="34" charset="-122"/>
+                <a:ea typeface="微软雅黑" pitchFamily="34" charset="-122"/>
+              </a:rPr>
+              <a:t>MRP</a:t>
+            </a:r>
+            <a:r>
+              <a:rPr lang="zh-CN" altLang="en-US" dirty="0" smtClean="0">
+                <a:solidFill>
+                  <a:schemeClr val="bg1"/>
+                </a:solidFill>
+                <a:latin typeface="微软雅黑" pitchFamily="34" charset="-122"/>
+                <a:ea typeface="微软雅黑" pitchFamily="34" charset="-122"/>
+              </a:rPr>
+              <a:t>运算所需的是否独立需求的信息</a:t>
             </a:r>
             <a:endParaRPr lang="en-US" altLang="zh-CN" dirty="0" smtClean="0">
               <a:solidFill>
@@ -38015,7 +39626,7 @@
         </p:blipFill>
         <p:spPr bwMode="auto">
           <a:xfrm>
-            <a:off x="5936208" y="1565920"/>
+            <a:off x="5270847" y="1681701"/>
             <a:ext cx="1600200" cy="1962150"/>
           </a:xfrm>
           <a:prstGeom prst="rect">
@@ -38079,7 +39690,7 @@
         </p:blipFill>
         <p:spPr bwMode="auto">
           <a:xfrm>
-            <a:off x="278854" y="1436785"/>
+            <a:off x="278853" y="1709936"/>
             <a:ext cx="4315965" cy="2573292"/>
           </a:xfrm>
           <a:prstGeom prst="rect">
@@ -38222,6 +39833,82 @@
           </a:fontRef>
         </p:style>
       </p:cxnSp>
+      <p:sp>
+        <p:nvSpPr>
+          <p:cNvPr id="2" name="椭圆 1"/>
+          <p:cNvSpPr/>
+          <p:nvPr/>
+        </p:nvSpPr>
+        <p:spPr bwMode="auto">
+          <a:xfrm>
+            <a:off x="1752760" y="3355025"/>
+            <a:ext cx="1368152" cy="577652"/>
+          </a:xfrm>
+          <a:prstGeom prst="ellipse">
+            <a:avLst/>
+          </a:prstGeom>
+          <a:noFill/>
+          <a:ln>
+            <a:solidFill>
+              <a:srgbClr val="FF0000"/>
+            </a:solidFill>
+          </a:ln>
+          <a:extLst/>
+        </p:spPr>
+        <p:style>
+          <a:lnRef idx="2">
+            <a:schemeClr val="dk1"/>
+          </a:lnRef>
+          <a:fillRef idx="1">
+            <a:schemeClr val="lt1"/>
+          </a:fillRef>
+          <a:effectRef idx="0">
+            <a:schemeClr val="dk1"/>
+          </a:effectRef>
+          <a:fontRef idx="minor">
+            <a:schemeClr val="dk1"/>
+          </a:fontRef>
+        </p:style>
+        <p:txBody>
+          <a:bodyPr vert="horz" wrap="square" lIns="91440" tIns="45720" rIns="91440" bIns="45720" numCol="1" rtlCol="0" anchor="t" anchorCtr="0" compatLnSpc="1">
+            <a:prstTxWarp prst="textNoShape">
+              <a:avLst/>
+            </a:prstTxWarp>
+          </a:bodyPr>
+          <a:lstStyle/>
+          <a:p>
+            <a:pPr marL="0" marR="0" indent="0" algn="ctr" defTabSz="914400" rtl="0" eaLnBrk="1" fontAlgn="base" latinLnBrk="0" hangingPunct="1">
+              <a:lnSpc>
+                <a:spcPct val="100000"/>
+              </a:lnSpc>
+              <a:spcBef>
+                <a:spcPct val="0"/>
+              </a:spcBef>
+              <a:spcAft>
+                <a:spcPct val="0"/>
+              </a:spcAft>
+              <a:buClrTx/>
+              <a:buSzTx/>
+              <a:buFontTx/>
+              <a:buNone/>
+              <a:tabLst/>
+            </a:pPr>
+            <a:endParaRPr kumimoji="0" lang="zh-CN" altLang="en-US" sz="1800" b="0" i="0" u="none" strike="noStrike" cap="none" normalizeH="0" baseline="0">
+              <a:ln>
+                <a:noFill/>
+              </a:ln>
+              <a:solidFill>
+                <a:srgbClr val="FFFFFF"/>
+              </a:solidFill>
+              <a:effectLst/>
+              <a:latin typeface="Gill Sans" charset="0"/>
+              <a:ea typeface="Heiti SC Light" charset="0"/>
+              <a:cs typeface="Heiti SC Light" charset="0"/>
+              <a:sym typeface="Gill Sans" charset="0"/>
+            </a:endParaRPr>
+          </a:p>
+        </p:txBody>
+      </p:sp>
     </p:spTree>
     <p:extLst>
       <p:ext uri="{BB962C8B-B14F-4D97-AF65-F5344CB8AC3E}">
@@ -38286,8 +39973,8 @@
         </p:nvSpPr>
         <p:spPr bwMode="auto">
           <a:xfrm>
-            <a:off x="-112464" y="-9525"/>
-            <a:ext cx="3966939" cy="642926"/>
+            <a:off x="-400496" y="0"/>
+            <a:ext cx="2736304" cy="642926"/>
           </a:xfrm>
           <a:noFill/>
           <a:extLst>
@@ -38333,25 +40020,11 @@
               <a:t>-</a:t>
             </a:r>
             <a:r>
-              <a:rPr lang="zh-CN" altLang="en-US" sz="2500" b="1" dirty="0" smtClean="0">
-                <a:latin typeface="微软雅黑" pitchFamily="34" charset="-122"/>
-                <a:ea typeface="微软雅黑" pitchFamily="34" charset="-122"/>
-              </a:rPr>
-              <a:t>物料</a:t>
-            </a:r>
-            <a:r>
-              <a:rPr lang="zh-CN" altLang="en-US" sz="2500" b="1" dirty="0" smtClean="0">
-                <a:latin typeface="微软雅黑" pitchFamily="34" charset="-122"/>
-                <a:ea typeface="微软雅黑" pitchFamily="34" charset="-122"/>
-              </a:rPr>
-              <a:t>清单</a:t>
-            </a:r>
-            <a:r>
               <a:rPr lang="en-US" altLang="zh-CN" sz="2500" b="1" dirty="0" smtClean="0">
                 <a:latin typeface="微软雅黑" pitchFamily="34" charset="-122"/>
                 <a:ea typeface="微软雅黑" pitchFamily="34" charset="-122"/>
               </a:rPr>
-              <a:t>III</a:t>
+              <a:t>BOM</a:t>
             </a:r>
             <a:endParaRPr lang="zh-CN" altLang="en-US" sz="2500" b="1" dirty="0" smtClean="0">
               <a:latin typeface="微软雅黑" pitchFamily="34" charset="-122"/>
@@ -38373,7 +40046,7 @@
         <p:spPr>
           <a:xfrm>
             <a:off x="391592" y="845840"/>
-            <a:ext cx="7315200" cy="3017838"/>
+            <a:ext cx="7560840" cy="3017838"/>
           </a:xfrm>
         </p:spPr>
         <p:txBody>
@@ -38388,7 +40061,7 @@
                 <a:latin typeface="微软雅黑" pitchFamily="34" charset="-122"/>
                 <a:ea typeface="微软雅黑" pitchFamily="34" charset="-122"/>
               </a:rPr>
-              <a:t>物料清单</a:t>
+              <a:t>产品结构清单</a:t>
             </a:r>
             <a:r>
               <a:rPr lang="en-US" altLang="zh-CN" dirty="0" smtClean="0">
@@ -38398,7 +40071,37 @@
                 <a:latin typeface="微软雅黑" pitchFamily="34" charset="-122"/>
                 <a:ea typeface="微软雅黑" pitchFamily="34" charset="-122"/>
               </a:rPr>
-              <a:t>(BOM)=&gt;</a:t>
+              <a:t>(</a:t>
+            </a:r>
+            <a:r>
+              <a:rPr lang="en-US" altLang="zh-CN" dirty="0" smtClean="0">
+                <a:solidFill>
+                  <a:schemeClr val="bg1"/>
+                </a:solidFill>
+                <a:latin typeface="微软雅黑" pitchFamily="34" charset="-122"/>
+                <a:ea typeface="微软雅黑" pitchFamily="34" charset="-122"/>
+              </a:rPr>
+              <a:t>BOM</a:t>
+            </a:r>
+            <a:r>
+              <a:rPr lang="en-US" altLang="zh-CN" dirty="0" smtClean="0">
+                <a:solidFill>
+                  <a:schemeClr val="bg1"/>
+                </a:solidFill>
+                <a:latin typeface="微软雅黑" pitchFamily="34" charset="-122"/>
+                <a:ea typeface="微软雅黑" pitchFamily="34" charset="-122"/>
+              </a:rPr>
+              <a:t>)</a:t>
+            </a:r>
+            <a:r>
+              <a:rPr lang="zh-CN" altLang="en-US" dirty="0" smtClean="0">
+                <a:solidFill>
+                  <a:schemeClr val="bg1"/>
+                </a:solidFill>
+                <a:latin typeface="微软雅黑" pitchFamily="34" charset="-122"/>
+                <a:ea typeface="微软雅黑" pitchFamily="34" charset="-122"/>
+              </a:rPr>
+              <a:t>描述成品或半成品由哪些物料组成：即是反应</a:t>
             </a:r>
             <a:r>
               <a:rPr lang="en-US" altLang="zh-CN" dirty="0" smtClean="0">
@@ -38418,27 +40121,7 @@
                 <a:latin typeface="微软雅黑" pitchFamily="34" charset="-122"/>
                 <a:ea typeface="微软雅黑" pitchFamily="34" charset="-122"/>
               </a:rPr>
-              <a:t>运算＝</a:t>
-            </a:r>
-            <a:r>
-              <a:rPr lang="en-US" altLang="zh-CN" dirty="0" smtClean="0">
-                <a:solidFill>
-                  <a:schemeClr val="bg1"/>
-                </a:solidFill>
-                <a:latin typeface="微软雅黑" pitchFamily="34" charset="-122"/>
-                <a:ea typeface="微软雅黑" pitchFamily="34" charset="-122"/>
-              </a:rPr>
-              <a:t>&gt;</a:t>
-            </a:r>
-            <a:r>
-              <a:rPr lang="zh-CN" altLang="en-US" dirty="0" smtClean="0">
-                <a:solidFill>
-                  <a:schemeClr val="bg1"/>
-                </a:solidFill>
-                <a:latin typeface="微软雅黑" pitchFamily="34" charset="-122"/>
-                <a:ea typeface="微软雅黑" pitchFamily="34" charset="-122"/>
-              </a:rPr>
-              <a:t>可以自动生成采购订单</a:t>
+              <a:t>运算的物料匹配信息</a:t>
             </a:r>
             <a:endParaRPr lang="en-US" altLang="zh-CN" dirty="0" smtClean="0">
               <a:solidFill>
@@ -38457,17 +40140,96 @@
                 <a:latin typeface="微软雅黑" pitchFamily="34" charset="-122"/>
                 <a:ea typeface="微软雅黑" pitchFamily="34" charset="-122"/>
               </a:rPr>
-              <a:t>采购订单预算报批、</a:t>
-            </a:r>
-            <a:r>
-              <a:rPr lang="zh-CN" altLang="en-US" dirty="0" smtClean="0">
+              <a:t>物料基本信息</a:t>
+            </a:r>
+            <a:r>
+              <a:rPr lang="en-US" altLang="zh-CN" dirty="0" smtClean="0">
                 <a:solidFill>
                   <a:schemeClr val="bg1"/>
                 </a:solidFill>
                 <a:latin typeface="微软雅黑" pitchFamily="34" charset="-122"/>
                 <a:ea typeface="微软雅黑" pitchFamily="34" charset="-122"/>
               </a:rPr>
-              <a:t>审批</a:t>
+              <a:t>+BOM+</a:t>
+            </a:r>
+            <a:r>
+              <a:rPr lang="zh-CN" altLang="en-US" dirty="0" smtClean="0">
+                <a:solidFill>
+                  <a:schemeClr val="bg1"/>
+                </a:solidFill>
+                <a:latin typeface="微软雅黑" pitchFamily="34" charset="-122"/>
+                <a:ea typeface="微软雅黑" pitchFamily="34" charset="-122"/>
+              </a:rPr>
+              <a:t>生产计划</a:t>
+            </a:r>
+            <a:r>
+              <a:rPr lang="en-US" altLang="zh-CN" dirty="0" smtClean="0">
+                <a:solidFill>
+                  <a:schemeClr val="bg1"/>
+                </a:solidFill>
+                <a:latin typeface="微软雅黑" pitchFamily="34" charset="-122"/>
+                <a:ea typeface="微软雅黑" pitchFamily="34" charset="-122"/>
+              </a:rPr>
+              <a:t>=&gt;</a:t>
+            </a:r>
+            <a:r>
+              <a:rPr lang="en-US" altLang="zh-CN" dirty="0" smtClean="0">
+                <a:solidFill>
+                  <a:schemeClr val="bg1"/>
+                </a:solidFill>
+                <a:latin typeface="微软雅黑" pitchFamily="34" charset="-122"/>
+                <a:ea typeface="微软雅黑" pitchFamily="34" charset="-122"/>
+              </a:rPr>
+              <a:t>MRP</a:t>
+            </a:r>
+            <a:r>
+              <a:rPr lang="zh-CN" altLang="en-US" dirty="0" smtClean="0">
+                <a:solidFill>
+                  <a:schemeClr val="bg1"/>
+                </a:solidFill>
+                <a:latin typeface="微软雅黑" pitchFamily="34" charset="-122"/>
+                <a:ea typeface="微软雅黑" pitchFamily="34" charset="-122"/>
+              </a:rPr>
+              <a:t>运算＝</a:t>
+            </a:r>
+            <a:r>
+              <a:rPr lang="en-US" altLang="zh-CN" dirty="0" smtClean="0">
+                <a:solidFill>
+                  <a:schemeClr val="bg1"/>
+                </a:solidFill>
+                <a:latin typeface="微软雅黑" pitchFamily="34" charset="-122"/>
+                <a:ea typeface="微软雅黑" pitchFamily="34" charset="-122"/>
+              </a:rPr>
+              <a:t>&gt;</a:t>
+            </a:r>
+            <a:r>
+              <a:rPr lang="zh-CN" altLang="en-US" dirty="0" smtClean="0">
+                <a:solidFill>
+                  <a:schemeClr val="bg1"/>
+                </a:solidFill>
+                <a:latin typeface="微软雅黑" pitchFamily="34" charset="-122"/>
+                <a:ea typeface="微软雅黑" pitchFamily="34" charset="-122"/>
+              </a:rPr>
+              <a:t>可以自动生成采购订单</a:t>
+            </a:r>
+            <a:endParaRPr lang="en-US" altLang="zh-CN" dirty="0" smtClean="0">
+              <a:solidFill>
+                <a:schemeClr val="bg1"/>
+              </a:solidFill>
+              <a:latin typeface="微软雅黑" pitchFamily="34" charset="-122"/>
+              <a:ea typeface="微软雅黑" pitchFamily="34" charset="-122"/>
+            </a:endParaRPr>
+          </a:p>
+          <a:p>
+            <a:r>
+              <a:rPr lang="zh-CN" altLang="en-US" dirty="0" smtClean="0">
+                <a:solidFill>
+                  <a:schemeClr val="bg1"/>
+                </a:solidFill>
+                <a:latin typeface="微软雅黑" pitchFamily="34" charset="-122"/>
+                <a:ea typeface="微软雅黑" pitchFamily="34" charset="-122"/>
+              </a:rPr>
+              <a:t>采购订单预算报批、审批</a:t>
             </a:r>
             <a:r>
               <a:rPr lang="en-US" altLang="zh-CN" dirty="0" smtClean="0">
@@ -38665,8 +40427,8 @@
         </p:nvSpPr>
         <p:spPr bwMode="auto">
           <a:xfrm>
-            <a:off x="-400496" y="9525"/>
-            <a:ext cx="3966939" cy="642926"/>
+            <a:off x="-328488" y="0"/>
+            <a:ext cx="2736304" cy="642926"/>
           </a:xfrm>
           <a:noFill/>
           <a:extLst>
@@ -38698,11 +40460,11 @@
           <a:lstStyle/>
           <a:p>
             <a:r>
-              <a:rPr lang="zh-CN" altLang="en-US" sz="2500" b="1" dirty="0" smtClean="0">
+              <a:rPr lang="zh-CN" altLang="en-US" sz="2500" b="1" dirty="0">
                 <a:latin typeface="微软雅黑" pitchFamily="34" charset="-122"/>
                 <a:ea typeface="微软雅黑" pitchFamily="34" charset="-122"/>
               </a:rPr>
-              <a:t>协同办公</a:t>
+              <a:t>生产</a:t>
             </a:r>
             <a:r>
               <a:rPr lang="en-US" altLang="zh-CN" sz="2500" b="1" dirty="0" smtClean="0">
@@ -38712,288 +40474,13 @@
               <a:t>-</a:t>
             </a:r>
             <a:r>
-              <a:rPr lang="zh-CN" altLang="en-US" sz="2500" b="1" dirty="0" smtClean="0">
+              <a:rPr lang="en-US" altLang="zh-CN" sz="2500" b="1" dirty="0" smtClean="0">
                 <a:latin typeface="微软雅黑" pitchFamily="34" charset="-122"/>
                 <a:ea typeface="微软雅黑" pitchFamily="34" charset="-122"/>
               </a:rPr>
-              <a:t>报批与审批</a:t>
+              <a:t>BOM II</a:t>
             </a:r>
             <a:endParaRPr lang="zh-CN" altLang="en-US" sz="2500" b="1" dirty="0" smtClean="0">
-              <a:latin typeface="微软雅黑" pitchFamily="34" charset="-122"/>
-              <a:ea typeface="微软雅黑" pitchFamily="34" charset="-122"/>
-            </a:endParaRPr>
-          </a:p>
-        </p:txBody>
-      </p:sp>
-      <p:sp>
-        <p:nvSpPr>
-          <p:cNvPr id="5" name="内容占位符 2"/>
-          <p:cNvSpPr>
-            <a:spLocks noGrp="1"/>
-          </p:cNvSpPr>
-          <p:nvPr>
-            <p:ph idx="1"/>
-          </p:nvPr>
-        </p:nvSpPr>
-        <p:spPr>
-          <a:xfrm>
-            <a:off x="279128" y="845840"/>
-            <a:ext cx="7848872" cy="3017838"/>
-          </a:xfrm>
-        </p:spPr>
-        <p:txBody>
-          <a:bodyPr/>
-          <a:lstStyle/>
-          <a:p>
-            <a:r>
-              <a:rPr lang="zh-CN" altLang="en-US" dirty="0" smtClean="0">
-                <a:solidFill>
-                  <a:schemeClr val="bg1"/>
-                </a:solidFill>
-                <a:latin typeface="微软雅黑" pitchFamily="34" charset="-122"/>
-                <a:ea typeface="微软雅黑" pitchFamily="34" charset="-122"/>
-              </a:rPr>
-              <a:t>采购</a:t>
-            </a:r>
-            <a:r>
-              <a:rPr lang="zh-CN" altLang="en-US" dirty="0" smtClean="0">
-                <a:solidFill>
-                  <a:schemeClr val="bg1"/>
-                </a:solidFill>
-                <a:latin typeface="微软雅黑" pitchFamily="34" charset="-122"/>
-                <a:ea typeface="微软雅黑" pitchFamily="34" charset="-122"/>
-              </a:rPr>
-              <a:t>订单预算</a:t>
-            </a:r>
-            <a:r>
-              <a:rPr lang="zh-CN" altLang="en-US" dirty="0" smtClean="0">
-                <a:solidFill>
-                  <a:schemeClr val="bg1"/>
-                </a:solidFill>
-                <a:latin typeface="微软雅黑" pitchFamily="34" charset="-122"/>
-                <a:ea typeface="微软雅黑" pitchFamily="34" charset="-122"/>
-              </a:rPr>
-              <a:t>报批</a:t>
-            </a:r>
-            <a:r>
-              <a:rPr lang="en-US" altLang="zh-CN" dirty="0" smtClean="0">
-                <a:solidFill>
-                  <a:schemeClr val="bg1"/>
-                </a:solidFill>
-                <a:latin typeface="微软雅黑" pitchFamily="34" charset="-122"/>
-                <a:ea typeface="微软雅黑" pitchFamily="34" charset="-122"/>
-              </a:rPr>
-              <a:t>=&gt;</a:t>
-            </a:r>
-            <a:r>
-              <a:rPr lang="zh-CN" altLang="en-US" dirty="0" smtClean="0">
-                <a:solidFill>
-                  <a:schemeClr val="bg1"/>
-                </a:solidFill>
-                <a:latin typeface="微软雅黑" pitchFamily="34" charset="-122"/>
-                <a:ea typeface="微软雅黑" pitchFamily="34" charset="-122"/>
-              </a:rPr>
-              <a:t>协同办公模块</a:t>
-            </a:r>
-            <a:endParaRPr lang="en-US" altLang="zh-CN" dirty="0">
-              <a:solidFill>
-                <a:schemeClr val="bg1"/>
-              </a:solidFill>
-              <a:latin typeface="微软雅黑" pitchFamily="34" charset="-122"/>
-              <a:ea typeface="微软雅黑" pitchFamily="34" charset="-122"/>
-            </a:endParaRPr>
-          </a:p>
-          <a:p>
-            <a:r>
-              <a:rPr lang="en-US" altLang="zh-CN" dirty="0" smtClean="0">
-                <a:solidFill>
-                  <a:schemeClr val="bg1"/>
-                </a:solidFill>
-                <a:latin typeface="微软雅黑" pitchFamily="34" charset="-122"/>
-                <a:ea typeface="微软雅黑" pitchFamily="34" charset="-122"/>
-              </a:rPr>
-              <a:t>=&gt;1.</a:t>
-            </a:r>
-            <a:r>
-              <a:rPr lang="zh-CN" altLang="en-US" dirty="0" smtClean="0">
-                <a:solidFill>
-                  <a:schemeClr val="bg1"/>
-                </a:solidFill>
-                <a:latin typeface="微软雅黑" pitchFamily="34" charset="-122"/>
-                <a:ea typeface="微软雅黑" pitchFamily="34" charset="-122"/>
-              </a:rPr>
-              <a:t>审核通过＝</a:t>
-            </a:r>
-            <a:r>
-              <a:rPr lang="en-US" altLang="zh-CN" dirty="0" smtClean="0">
-                <a:solidFill>
-                  <a:schemeClr val="bg1"/>
-                </a:solidFill>
-                <a:latin typeface="微软雅黑" pitchFamily="34" charset="-122"/>
-                <a:ea typeface="微软雅黑" pitchFamily="34" charset="-122"/>
-              </a:rPr>
-              <a:t>&gt;</a:t>
-            </a:r>
-            <a:r>
-              <a:rPr lang="zh-CN" altLang="en-US" dirty="0" smtClean="0">
-                <a:solidFill>
-                  <a:schemeClr val="bg1"/>
-                </a:solidFill>
-                <a:latin typeface="微软雅黑" pitchFamily="34" charset="-122"/>
-                <a:ea typeface="微软雅黑" pitchFamily="34" charset="-122"/>
-              </a:rPr>
-              <a:t>采购模块</a:t>
-            </a:r>
-            <a:endParaRPr lang="en-US" altLang="zh-CN" dirty="0" smtClean="0">
-              <a:solidFill>
-                <a:schemeClr val="bg1"/>
-              </a:solidFill>
-              <a:latin typeface="微软雅黑" pitchFamily="34" charset="-122"/>
-              <a:ea typeface="微软雅黑" pitchFamily="34" charset="-122"/>
-            </a:endParaRPr>
-          </a:p>
-          <a:p>
-            <a:r>
-              <a:rPr lang="en-US" altLang="zh-CN" dirty="0" smtClean="0">
-                <a:solidFill>
-                  <a:schemeClr val="bg1"/>
-                </a:solidFill>
-                <a:latin typeface="微软雅黑" pitchFamily="34" charset="-122"/>
-                <a:ea typeface="微软雅黑" pitchFamily="34" charset="-122"/>
-              </a:rPr>
-              <a:t>=&gt;2.</a:t>
-            </a:r>
-            <a:r>
-              <a:rPr lang="zh-CN" altLang="en-US" dirty="0" smtClean="0">
-                <a:solidFill>
-                  <a:schemeClr val="bg1"/>
-                </a:solidFill>
-                <a:latin typeface="微软雅黑" pitchFamily="34" charset="-122"/>
-                <a:ea typeface="微软雅黑" pitchFamily="34" charset="-122"/>
-              </a:rPr>
-              <a:t>审核未通过</a:t>
-            </a:r>
-            <a:r>
-              <a:rPr lang="en-US" altLang="zh-CN" dirty="0" smtClean="0">
-                <a:solidFill>
-                  <a:schemeClr val="bg1"/>
-                </a:solidFill>
-                <a:latin typeface="微软雅黑" pitchFamily="34" charset="-122"/>
-                <a:ea typeface="微软雅黑" pitchFamily="34" charset="-122"/>
-              </a:rPr>
-              <a:t>=&gt;</a:t>
-            </a:r>
-            <a:r>
-              <a:rPr lang="zh-CN" altLang="en-US" dirty="0" smtClean="0">
-                <a:solidFill>
-                  <a:schemeClr val="bg1"/>
-                </a:solidFill>
-                <a:latin typeface="微软雅黑" pitchFamily="34" charset="-122"/>
-                <a:ea typeface="微软雅黑" pitchFamily="34" charset="-122"/>
-              </a:rPr>
-              <a:t>在采购模块中修改预算</a:t>
-            </a:r>
-            <a:r>
-              <a:rPr lang="en-US" altLang="zh-CN" dirty="0" smtClean="0">
-                <a:solidFill>
-                  <a:schemeClr val="bg1"/>
-                </a:solidFill>
-                <a:latin typeface="微软雅黑" pitchFamily="34" charset="-122"/>
-                <a:ea typeface="微软雅黑" pitchFamily="34" charset="-122"/>
-              </a:rPr>
-              <a:t>=&gt;</a:t>
-            </a:r>
-            <a:r>
-              <a:rPr lang="zh-CN" altLang="en-US" dirty="0">
-                <a:solidFill>
-                  <a:schemeClr val="bg1"/>
-                </a:solidFill>
-                <a:latin typeface="微软雅黑" pitchFamily="34" charset="-122"/>
-                <a:ea typeface="微软雅黑" pitchFamily="34" charset="-122"/>
-              </a:rPr>
-              <a:t>采购订单预算</a:t>
-            </a:r>
-            <a:r>
-              <a:rPr lang="zh-CN" altLang="en-US" dirty="0" smtClean="0">
-                <a:solidFill>
-                  <a:schemeClr val="bg1"/>
-                </a:solidFill>
-                <a:latin typeface="微软雅黑" pitchFamily="34" charset="-122"/>
-                <a:ea typeface="微软雅黑" pitchFamily="34" charset="-122"/>
-              </a:rPr>
-              <a:t>报批</a:t>
-            </a:r>
-            <a:r>
-              <a:rPr lang="en-US" altLang="zh-CN" dirty="0" smtClean="0">
-                <a:solidFill>
-                  <a:schemeClr val="bg1"/>
-                </a:solidFill>
-                <a:latin typeface="微软雅黑" pitchFamily="34" charset="-122"/>
-                <a:ea typeface="微软雅黑" pitchFamily="34" charset="-122"/>
-              </a:rPr>
-              <a:t>=&gt;</a:t>
-            </a:r>
-            <a:r>
-              <a:rPr lang="zh-CN" altLang="en-US" dirty="0">
-                <a:solidFill>
-                  <a:schemeClr val="bg1"/>
-                </a:solidFill>
-                <a:latin typeface="微软雅黑" pitchFamily="34" charset="-122"/>
-                <a:ea typeface="微软雅黑" pitchFamily="34" charset="-122"/>
-              </a:rPr>
-              <a:t>协同办公</a:t>
-            </a:r>
-            <a:r>
-              <a:rPr lang="zh-CN" altLang="en-US" dirty="0" smtClean="0">
-                <a:solidFill>
-                  <a:schemeClr val="bg1"/>
-                </a:solidFill>
-                <a:latin typeface="微软雅黑" pitchFamily="34" charset="-122"/>
-                <a:ea typeface="微软雅黑" pitchFamily="34" charset="-122"/>
-              </a:rPr>
-              <a:t>模块</a:t>
-            </a:r>
-            <a:endParaRPr lang="en-US" altLang="zh-CN" dirty="0" smtClean="0">
-              <a:solidFill>
-                <a:schemeClr val="bg1"/>
-              </a:solidFill>
-              <a:latin typeface="微软雅黑" pitchFamily="34" charset="-122"/>
-              <a:ea typeface="微软雅黑" pitchFamily="34" charset="-122"/>
-            </a:endParaRPr>
-          </a:p>
-          <a:p>
-            <a:r>
-              <a:rPr lang="zh-CN" altLang="en-US" dirty="0" smtClean="0">
-                <a:solidFill>
-                  <a:schemeClr val="bg1"/>
-                </a:solidFill>
-                <a:latin typeface="微软雅黑" pitchFamily="34" charset="-122"/>
-                <a:ea typeface="微软雅黑" pitchFamily="34" charset="-122"/>
-              </a:rPr>
-              <a:t>在这一闭环过程中，协同办公模块会对当前责任人发出提醒，也可由系统相关用户主动发出催办提醒</a:t>
-            </a:r>
-            <a:endParaRPr lang="en-US" altLang="zh-CN" dirty="0" smtClean="0">
-              <a:solidFill>
-                <a:schemeClr val="bg1"/>
-              </a:solidFill>
-              <a:latin typeface="微软雅黑" pitchFamily="34" charset="-122"/>
-              <a:ea typeface="微软雅黑" pitchFamily="34" charset="-122"/>
-            </a:endParaRPr>
-          </a:p>
-          <a:p>
-            <a:endParaRPr lang="en-US" altLang="zh-CN" dirty="0">
-              <a:solidFill>
-                <a:schemeClr val="bg1"/>
-              </a:solidFill>
-              <a:latin typeface="微软雅黑" pitchFamily="34" charset="-122"/>
-              <a:ea typeface="微软雅黑" pitchFamily="34" charset="-122"/>
-            </a:endParaRPr>
-          </a:p>
-          <a:p>
-            <a:endParaRPr lang="en-US" altLang="zh-CN" dirty="0" smtClean="0">
-              <a:solidFill>
-                <a:schemeClr val="bg1"/>
-              </a:solidFill>
               <a:latin typeface="微软雅黑" pitchFamily="34" charset="-122"/>
               <a:ea typeface="微软雅黑" pitchFamily="34" charset="-122"/>
             </a:endParaRPr>
@@ -39010,8 +40497,8 @@
         </p:nvSpPr>
         <p:spPr bwMode="auto">
           <a:xfrm>
-            <a:off x="3919984" y="3962418"/>
-            <a:ext cx="4376477" cy="307777"/>
+            <a:off x="4688139" y="3923152"/>
+            <a:ext cx="3439861" cy="307777"/>
           </a:xfrm>
           <a:prstGeom prst="rect">
             <a:avLst/>
@@ -39047,48 +40534,18 @@
           <a:lstStyle/>
           <a:p>
             <a:r>
-              <a:rPr lang="zh-CN" altLang="en-US" sz="1400" dirty="0">
+              <a:rPr lang="zh-CN" altLang="en-US" sz="1400" dirty="0" smtClean="0">
                 <a:solidFill>
                   <a:schemeClr val="bg1"/>
                 </a:solidFill>
                 <a:latin typeface="宋体" pitchFamily="2" charset="-122"/>
                 <a:ea typeface="宋体" pitchFamily="2" charset="-122"/>
               </a:rPr>
-              <a:t>虎兕出于柙，龟玉毁于椟中，是谁之过欤</a:t>
-            </a:r>
-            <a:r>
-              <a:rPr lang="zh-CN" altLang="en-US" sz="1400" dirty="0" smtClean="0">
-                <a:solidFill>
-                  <a:schemeClr val="bg1"/>
-                </a:solidFill>
-                <a:latin typeface="宋体" pitchFamily="2" charset="-122"/>
-                <a:ea typeface="宋体" pitchFamily="2" charset="-122"/>
-              </a:rPr>
-              <a:t>？</a:t>
-            </a:r>
-            <a:r>
-              <a:rPr lang="en-US" altLang="zh-CN" sz="1400" dirty="0" smtClean="0">
-                <a:solidFill>
-                  <a:schemeClr val="bg1"/>
-                </a:solidFill>
-                <a:latin typeface="宋体" pitchFamily="2" charset="-122"/>
-                <a:ea typeface="宋体" pitchFamily="2" charset="-122"/>
-              </a:rPr>
-              <a:t>—</a:t>
-            </a:r>
-            <a:r>
-              <a:rPr lang="zh-CN" altLang="en-US" sz="1400" dirty="0" smtClean="0">
-                <a:solidFill>
-                  <a:schemeClr val="bg1"/>
-                </a:solidFill>
-                <a:latin typeface="宋体" pitchFamily="2" charset="-122"/>
-                <a:ea typeface="宋体" pitchFamily="2" charset="-122"/>
-              </a:rPr>
-              <a:t>孔子</a:t>
+              <a:t>业精于勤荒于嬉，行成于思毁于随。</a:t>
             </a:r>
             <a:endParaRPr lang="zh-CN" altLang="en-US" sz="1400" dirty="0">
               <a:solidFill>
-                <a:schemeClr val="tx1"/>
+                <a:schemeClr val="bg1"/>
               </a:solidFill>
               <a:latin typeface="宋体" pitchFamily="2" charset="-122"/>
               <a:ea typeface="宋体" pitchFamily="2" charset="-122"/>
@@ -39132,10 +40589,127 @@
           </a:fontRef>
         </p:style>
       </p:cxnSp>
+      <p:pic>
+        <p:nvPicPr>
+          <p:cNvPr id="4098" name="Picture 2"/>
+          <p:cNvPicPr>
+            <a:picLocks noChangeAspect="1" noChangeArrowheads="1"/>
+          </p:cNvPicPr>
+          <p:nvPr/>
+        </p:nvPicPr>
+        <p:blipFill>
+          <a:blip r:embed="rId4">
+            <a:extLst>
+              <a:ext uri="{28A0092B-C50C-407E-A947-70E740481C1C}">
+                <a14:useLocalDpi xmlns:a14="http://schemas.microsoft.com/office/drawing/2010/main" val="0"/>
+              </a:ext>
+            </a:extLst>
+          </a:blip>
+          <a:srcRect/>
+          <a:stretch>
+            <a:fillRect/>
+          </a:stretch>
+        </p:blipFill>
+        <p:spPr bwMode="auto">
+          <a:xfrm>
+            <a:off x="607616" y="1349896"/>
+            <a:ext cx="7296150" cy="2095500"/>
+          </a:xfrm>
+          <a:prstGeom prst="rect">
+            <a:avLst/>
+          </a:prstGeom>
+          <a:noFill/>
+          <a:ln>
+            <a:noFill/>
+          </a:ln>
+          <a:effectLst/>
+          <a:extLst>
+            <a:ext uri="{909E8E84-426E-40DD-AFC4-6F175D3DCCD1}">
+              <a14:hiddenFill xmlns:a14="http://schemas.microsoft.com/office/drawing/2010/main">
+                <a:solidFill>
+                  <a:schemeClr val="accent1"/>
+                </a:solidFill>
+              </a14:hiddenFill>
+            </a:ext>
+            <a:ext uri="{91240B29-F687-4F45-9708-019B960494DF}">
+              <a14:hiddenLine xmlns:a14="http://schemas.microsoft.com/office/drawing/2010/main" w="9525">
+                <a:solidFill>
+                  <a:schemeClr val="tx1"/>
+                </a:solidFill>
+                <a:miter lim="800000"/>
+                <a:headEnd/>
+                <a:tailEnd/>
+              </a14:hiddenLine>
+            </a:ext>
+            <a:ext uri="{AF507438-7753-43E0-B8FC-AC1667EBCBE1}">
+              <a14:hiddenEffects xmlns:a14="http://schemas.microsoft.com/office/drawing/2010/main">
+                <a:effectLst>
+                  <a:outerShdw dist="35921" dir="2700000" algn="ctr" rotWithShape="0">
+                    <a:schemeClr val="bg2"/>
+                  </a:outerShdw>
+                </a:effectLst>
+              </a14:hiddenEffects>
+            </a:ext>
+          </a:extLst>
+        </p:spPr>
+      </p:pic>
+      <p:sp>
+        <p:nvSpPr>
+          <p:cNvPr id="9" name="内容占位符 2"/>
+          <p:cNvSpPr>
+            <a:spLocks noGrp="1"/>
+          </p:cNvSpPr>
+          <p:nvPr>
+            <p:ph idx="1"/>
+          </p:nvPr>
+        </p:nvSpPr>
+        <p:spPr>
+          <a:xfrm>
+            <a:off x="391592" y="845840"/>
+            <a:ext cx="7560840" cy="3017838"/>
+          </a:xfrm>
+        </p:spPr>
+        <p:txBody>
+          <a:bodyPr/>
+          <a:lstStyle/>
+          <a:p>
+            <a:r>
+              <a:rPr lang="zh-CN" altLang="en-US" dirty="0" smtClean="0">
+                <a:solidFill>
+                  <a:schemeClr val="bg1"/>
+                </a:solidFill>
+                <a:latin typeface="微软雅黑" pitchFamily="34" charset="-122"/>
+                <a:ea typeface="微软雅黑" pitchFamily="34" charset="-122"/>
+              </a:rPr>
+              <a:t>定义</a:t>
+            </a:r>
+            <a:r>
+              <a:rPr lang="zh-CN" altLang="en-US" dirty="0">
+                <a:solidFill>
+                  <a:schemeClr val="bg1"/>
+                </a:solidFill>
+                <a:latin typeface="微软雅黑" pitchFamily="34" charset="-122"/>
+                <a:ea typeface="微软雅黑" pitchFamily="34" charset="-122"/>
+              </a:rPr>
+              <a:t>电脑</a:t>
+            </a:r>
+            <a:r>
+              <a:rPr lang="zh-CN" altLang="en-US" dirty="0" smtClean="0">
+                <a:solidFill>
+                  <a:schemeClr val="bg1"/>
+                </a:solidFill>
+                <a:latin typeface="微软雅黑" pitchFamily="34" charset="-122"/>
+                <a:ea typeface="微软雅黑" pitchFamily="34" charset="-122"/>
+              </a:rPr>
+              <a:t>主机由何种物料构成</a:t>
+            </a:r>
+          </a:p>
+        </p:txBody>
+      </p:sp>
     </p:spTree>
     <p:extLst>
       <p:ext uri="{BB962C8B-B14F-4D97-AF65-F5344CB8AC3E}">
-        <p14:creationId xmlns:p14="http://schemas.microsoft.com/office/powerpoint/2010/main" val="2942797912"/>
+        <p14:creationId xmlns:p14="http://schemas.microsoft.com/office/powerpoint/2010/main" val="2560920152"/>
       </p:ext>
     </p:extLst>
   </p:cSld>
@@ -39196,8 +40770,8 @@
         </p:nvSpPr>
         <p:spPr bwMode="auto">
           <a:xfrm>
-            <a:off x="-112464" y="0"/>
-            <a:ext cx="2448272" cy="642926"/>
+            <a:off x="-256480" y="0"/>
+            <a:ext cx="2736304" cy="642926"/>
           </a:xfrm>
           <a:noFill/>
           <a:extLst>
@@ -39243,49 +40817,13 @@
               <a:t>-</a:t>
             </a:r>
             <a:r>
-              <a:rPr lang="zh-CN" altLang="en-US" sz="2500" b="1" dirty="0" smtClean="0">
+              <a:rPr lang="en-US" altLang="zh-CN" sz="2500" b="1" dirty="0" smtClean="0">
                 <a:latin typeface="微软雅黑" pitchFamily="34" charset="-122"/>
                 <a:ea typeface="微软雅黑" pitchFamily="34" charset="-122"/>
               </a:rPr>
-              <a:t>生产计划</a:t>
-            </a:r>
-          </a:p>
-        </p:txBody>
-      </p:sp>
-      <p:sp>
-        <p:nvSpPr>
-          <p:cNvPr id="5" name="内容占位符 2"/>
-          <p:cNvSpPr>
-            <a:spLocks noGrp="1"/>
-          </p:cNvSpPr>
-          <p:nvPr>
-            <p:ph idx="1"/>
-          </p:nvPr>
-        </p:nvSpPr>
-        <p:spPr>
-          <a:xfrm>
-            <a:off x="391592" y="845840"/>
-            <a:ext cx="7315200" cy="3017838"/>
-          </a:xfrm>
-        </p:spPr>
-        <p:txBody>
-          <a:bodyPr/>
-          <a:lstStyle/>
-          <a:p>
-            <a:r>
-              <a:rPr lang="zh-CN" altLang="en-US" dirty="0" smtClean="0">
-                <a:solidFill>
-                  <a:schemeClr val="bg1"/>
-                </a:solidFill>
-                <a:latin typeface="微软雅黑" pitchFamily="34" charset="-122"/>
-                <a:ea typeface="微软雅黑" pitchFamily="34" charset="-122"/>
-              </a:rPr>
-              <a:t>生产计划</a:t>
-            </a:r>
-            <a:endParaRPr lang="en-US" altLang="zh-CN" dirty="0" smtClean="0">
-              <a:solidFill>
-                <a:schemeClr val="bg1"/>
-              </a:solidFill>
+              <a:t>BOM III</a:t>
+            </a:r>
+            <a:endParaRPr lang="zh-CN" altLang="en-US" sz="2500" b="1" dirty="0" smtClean="0">
               <a:latin typeface="微软雅黑" pitchFamily="34" charset="-122"/>
               <a:ea typeface="微软雅黑" pitchFamily="34" charset="-122"/>
             </a:endParaRPr>
@@ -39294,7 +40832,7 @@
       </p:sp>
       <p:sp>
         <p:nvSpPr>
-          <p:cNvPr id="9" name="矩形 11"/>
+          <p:cNvPr id="6" name="矩形 5"/>
           <p:cNvSpPr>
             <a:spLocks noChangeArrowheads="1"/>
           </p:cNvSpPr>
@@ -39302,8 +40840,8 @@
         </p:nvSpPr>
         <p:spPr bwMode="auto">
           <a:xfrm>
-            <a:off x="3515941" y="3942183"/>
-            <a:ext cx="4608512" cy="307777"/>
+            <a:off x="4688139" y="3923152"/>
+            <a:ext cx="3439861" cy="307777"/>
           </a:xfrm>
           <a:prstGeom prst="rect">
             <a:avLst/>
@@ -39346,87 +40884,7 @@
                 <a:latin typeface="宋体" pitchFamily="2" charset="-122"/>
                 <a:ea typeface="宋体" pitchFamily="2" charset="-122"/>
               </a:rPr>
-              <a:t>自古</a:t>
-            </a:r>
-            <a:r>
-              <a:rPr lang="zh-CN" altLang="en-US" sz="1400" dirty="0">
-                <a:solidFill>
-                  <a:schemeClr val="bg1"/>
-                </a:solidFill>
-                <a:latin typeface="宋体" pitchFamily="2" charset="-122"/>
-                <a:ea typeface="宋体" pitchFamily="2" charset="-122"/>
-              </a:rPr>
-              <a:t>不谋万世者</a:t>
-            </a:r>
-            <a:r>
-              <a:rPr lang="en-US" altLang="zh-CN" sz="1400" dirty="0">
-                <a:solidFill>
-                  <a:schemeClr val="bg1"/>
-                </a:solidFill>
-                <a:latin typeface="宋体" pitchFamily="2" charset="-122"/>
-                <a:ea typeface="宋体" pitchFamily="2" charset="-122"/>
-              </a:rPr>
-              <a:t>,</a:t>
-            </a:r>
-            <a:r>
-              <a:rPr lang="zh-CN" altLang="en-US" sz="1400" dirty="0">
-                <a:solidFill>
-                  <a:schemeClr val="bg1"/>
-                </a:solidFill>
-                <a:latin typeface="宋体" pitchFamily="2" charset="-122"/>
-                <a:ea typeface="宋体" pitchFamily="2" charset="-122"/>
-              </a:rPr>
-              <a:t>不足谋一时</a:t>
-            </a:r>
-            <a:r>
-              <a:rPr lang="en-US" altLang="zh-CN" sz="1400" dirty="0">
-                <a:solidFill>
-                  <a:schemeClr val="bg1"/>
-                </a:solidFill>
-                <a:latin typeface="宋体" pitchFamily="2" charset="-122"/>
-                <a:ea typeface="宋体" pitchFamily="2" charset="-122"/>
-              </a:rPr>
-              <a:t>; </a:t>
-            </a:r>
-            <a:r>
-              <a:rPr lang="zh-CN" altLang="en-US" sz="1400" dirty="0">
-                <a:solidFill>
-                  <a:schemeClr val="bg1"/>
-                </a:solidFill>
-                <a:latin typeface="宋体" pitchFamily="2" charset="-122"/>
-                <a:ea typeface="宋体" pitchFamily="2" charset="-122"/>
-              </a:rPr>
-              <a:t>不谋全局者</a:t>
-            </a:r>
-            <a:r>
-              <a:rPr lang="en-US" altLang="zh-CN" sz="1400" dirty="0">
-                <a:solidFill>
-                  <a:schemeClr val="bg1"/>
-                </a:solidFill>
-                <a:latin typeface="宋体" pitchFamily="2" charset="-122"/>
-                <a:ea typeface="宋体" pitchFamily="2" charset="-122"/>
-              </a:rPr>
-              <a:t>,</a:t>
-            </a:r>
-            <a:r>
-              <a:rPr lang="zh-CN" altLang="en-US" sz="1400" dirty="0">
-                <a:solidFill>
-                  <a:schemeClr val="bg1"/>
-                </a:solidFill>
-                <a:latin typeface="宋体" pitchFamily="2" charset="-122"/>
-                <a:ea typeface="宋体" pitchFamily="2" charset="-122"/>
-              </a:rPr>
-              <a:t>不足谋一</a:t>
-            </a:r>
-            <a:r>
-              <a:rPr lang="zh-CN" altLang="en-US" sz="1400" dirty="0" smtClean="0">
-                <a:solidFill>
-                  <a:schemeClr val="bg1"/>
-                </a:solidFill>
-                <a:latin typeface="宋体" pitchFamily="2" charset="-122"/>
-                <a:ea typeface="宋体" pitchFamily="2" charset="-122"/>
-              </a:rPr>
-              <a:t>域。</a:t>
+              <a:t>业精于勤荒于嬉，行成于思毁于随。</a:t>
             </a:r>
             <a:endParaRPr lang="zh-CN" altLang="en-US" sz="1400" dirty="0">
               <a:solidFill>
@@ -39440,7 +40898,7 @@
       </p:sp>
       <p:cxnSp>
         <p:nvCxnSpPr>
-          <p:cNvPr id="10" name="直接连接符 9"/>
+          <p:cNvPr id="8" name="直接连接符 7"/>
           <p:cNvCxnSpPr/>
           <p:nvPr/>
         </p:nvCxnSpPr>
@@ -39474,10 +40932,127 @@
           </a:fontRef>
         </p:style>
       </p:cxnSp>
+      <p:pic>
+        <p:nvPicPr>
+          <p:cNvPr id="2" name="Picture 2"/>
+          <p:cNvPicPr>
+            <a:picLocks noChangeAspect="1" noChangeArrowheads="1"/>
+          </p:cNvPicPr>
+          <p:nvPr/>
+        </p:nvPicPr>
+        <p:blipFill>
+          <a:blip r:embed="rId4">
+            <a:extLst>
+              <a:ext uri="{28A0092B-C50C-407E-A947-70E740481C1C}">
+                <a14:useLocalDpi xmlns:a14="http://schemas.microsoft.com/office/drawing/2010/main" val="0"/>
+              </a:ext>
+            </a:extLst>
+          </a:blip>
+          <a:srcRect/>
+          <a:stretch>
+            <a:fillRect/>
+          </a:stretch>
+        </p:blipFill>
+        <p:spPr bwMode="auto">
+          <a:xfrm>
+            <a:off x="103560" y="1313302"/>
+            <a:ext cx="7381875" cy="2609850"/>
+          </a:xfrm>
+          <a:prstGeom prst="rect">
+            <a:avLst/>
+          </a:prstGeom>
+          <a:noFill/>
+          <a:ln>
+            <a:noFill/>
+          </a:ln>
+          <a:effectLst/>
+          <a:extLst>
+            <a:ext uri="{909E8E84-426E-40DD-AFC4-6F175D3DCCD1}">
+              <a14:hiddenFill xmlns:a14="http://schemas.microsoft.com/office/drawing/2010/main">
+                <a:solidFill>
+                  <a:schemeClr val="accent1"/>
+                </a:solidFill>
+              </a14:hiddenFill>
+            </a:ext>
+            <a:ext uri="{91240B29-F687-4F45-9708-019B960494DF}">
+              <a14:hiddenLine xmlns:a14="http://schemas.microsoft.com/office/drawing/2010/main" w="9525">
+                <a:solidFill>
+                  <a:schemeClr val="tx1"/>
+                </a:solidFill>
+                <a:miter lim="800000"/>
+                <a:headEnd/>
+                <a:tailEnd/>
+              </a14:hiddenLine>
+            </a:ext>
+            <a:ext uri="{AF507438-7753-43E0-B8FC-AC1667EBCBE1}">
+              <a14:hiddenEffects xmlns:a14="http://schemas.microsoft.com/office/drawing/2010/main">
+                <a:effectLst>
+                  <a:outerShdw dist="35921" dir="2700000" algn="ctr" rotWithShape="0">
+                    <a:schemeClr val="bg2"/>
+                  </a:outerShdw>
+                </a:effectLst>
+              </a14:hiddenEffects>
+            </a:ext>
+          </a:extLst>
+        </p:spPr>
+      </p:pic>
+      <p:sp>
+        <p:nvSpPr>
+          <p:cNvPr id="7" name="内容占位符 2"/>
+          <p:cNvSpPr>
+            <a:spLocks noGrp="1"/>
+          </p:cNvSpPr>
+          <p:nvPr>
+            <p:ph idx="1"/>
+          </p:nvPr>
+        </p:nvSpPr>
+        <p:spPr>
+          <a:xfrm>
+            <a:off x="391592" y="845840"/>
+            <a:ext cx="7560840" cy="3017838"/>
+          </a:xfrm>
+        </p:spPr>
+        <p:txBody>
+          <a:bodyPr/>
+          <a:lstStyle/>
+          <a:p>
+            <a:r>
+              <a:rPr lang="zh-CN" altLang="en-US" dirty="0" smtClean="0">
+                <a:solidFill>
+                  <a:schemeClr val="bg1"/>
+                </a:solidFill>
+                <a:latin typeface="微软雅黑" pitchFamily="34" charset="-122"/>
+                <a:ea typeface="微软雅黑" pitchFamily="34" charset="-122"/>
+              </a:rPr>
+              <a:t>定义</a:t>
+            </a:r>
+            <a:r>
+              <a:rPr lang="zh-CN" altLang="en-US" dirty="0">
+                <a:solidFill>
+                  <a:schemeClr val="bg1"/>
+                </a:solidFill>
+                <a:latin typeface="微软雅黑" pitchFamily="34" charset="-122"/>
+                <a:ea typeface="微软雅黑" pitchFamily="34" charset="-122"/>
+              </a:rPr>
+              <a:t>电脑</a:t>
+            </a:r>
+            <a:r>
+              <a:rPr lang="zh-CN" altLang="en-US" dirty="0" smtClean="0">
+                <a:solidFill>
+                  <a:schemeClr val="bg1"/>
+                </a:solidFill>
+                <a:latin typeface="微软雅黑" pitchFamily="34" charset="-122"/>
+                <a:ea typeface="微软雅黑" pitchFamily="34" charset="-122"/>
+              </a:rPr>
+              <a:t>主机由何种物料构成</a:t>
+            </a:r>
+          </a:p>
+        </p:txBody>
+      </p:sp>
     </p:spTree>
     <p:extLst>
       <p:ext uri="{BB962C8B-B14F-4D97-AF65-F5344CB8AC3E}">
-        <p14:creationId xmlns:p14="http://schemas.microsoft.com/office/powerpoint/2010/main" val="4150819711"/>
+        <p14:creationId xmlns:p14="http://schemas.microsoft.com/office/powerpoint/2010/main" val="358550893"/>
       </p:ext>
     </p:extLst>
   </p:cSld>
@@ -39538,8 +41113,8 @@
         </p:nvSpPr>
         <p:spPr bwMode="auto">
           <a:xfrm>
-            <a:off x="-544512" y="9525"/>
-            <a:ext cx="3744416" cy="642926"/>
+            <a:off x="-400496" y="0"/>
+            <a:ext cx="2736304" cy="642926"/>
           </a:xfrm>
           <a:noFill/>
           <a:extLst>
@@ -39585,11 +41160,11 @@
               <a:t>-</a:t>
             </a:r>
             <a:r>
-              <a:rPr lang="zh-CN" altLang="en-US" sz="2500" b="1" dirty="0" smtClean="0">
+              <a:rPr lang="en-US" altLang="zh-CN" sz="2500" b="1" dirty="0" smtClean="0">
                 <a:latin typeface="微软雅黑" pitchFamily="34" charset="-122"/>
                 <a:ea typeface="微软雅黑" pitchFamily="34" charset="-122"/>
               </a:rPr>
-              <a:t>工序与跟踪</a:t>
+              <a:t>BOM IV</a:t>
             </a:r>
             <a:endParaRPr lang="zh-CN" altLang="en-US" sz="2500" b="1" dirty="0" smtClean="0">
               <a:latin typeface="微软雅黑" pitchFamily="34" charset="-122"/>
@@ -39600,87 +41175,109 @@
       </p:sp>
       <p:sp>
         <p:nvSpPr>
-          <p:cNvPr id="5" name="内容占位符 2"/>
+          <p:cNvPr id="6" name="矩形 5"/>
           <p:cNvSpPr>
-            <a:spLocks noGrp="1"/>
+            <a:spLocks noChangeArrowheads="1"/>
           </p:cNvSpPr>
-          <p:nvPr>
-            <p:ph idx="1"/>
-          </p:nvPr>
-        </p:nvSpPr>
-        <p:spPr>
+          <p:nvPr/>
+        </p:nvSpPr>
+        <p:spPr bwMode="auto">
           <a:xfrm>
-            <a:off x="469218" y="686271"/>
-            <a:ext cx="7315200" cy="3017838"/>
+            <a:off x="4688139" y="3923152"/>
+            <a:ext cx="3439861" cy="307777"/>
           </a:xfrm>
+          <a:prstGeom prst="rect">
+            <a:avLst/>
+          </a:prstGeom>
+          <a:noFill/>
+          <a:ln>
+            <a:noFill/>
+          </a:ln>
+          <a:extLst>
+            <a:ext uri="{909E8E84-426E-40DD-AFC4-6F175D3DCCD1}">
+              <a14:hiddenFill xmlns:a14="http://schemas.microsoft.com/office/drawing/2010/main">
+                <a:solidFill>
+                  <a:srgbClr val="FFFFFF"/>
+                </a:solidFill>
+              </a14:hiddenFill>
+            </a:ext>
+            <a:ext uri="{91240B29-F687-4F45-9708-019B960494DF}">
+              <a14:hiddenLine xmlns:a14="http://schemas.microsoft.com/office/drawing/2010/main" w="9525">
+                <a:solidFill>
+                  <a:srgbClr val="000000"/>
+                </a:solidFill>
+                <a:miter lim="800000"/>
+                <a:headEnd/>
+                <a:tailEnd/>
+              </a14:hiddenLine>
+            </a:ext>
+          </a:extLst>
         </p:spPr>
         <p:txBody>
-          <a:bodyPr/>
+          <a:bodyPr wrap="square">
+            <a:spAutoFit/>
+          </a:bodyPr>
           <a:lstStyle/>
           <a:p>
             <a:r>
-              <a:rPr lang="zh-CN" altLang="en-US" dirty="0">
+              <a:rPr lang="zh-CN" altLang="en-US" sz="1400" dirty="0" smtClean="0">
                 <a:solidFill>
                   <a:schemeClr val="bg1"/>
                 </a:solidFill>
-                <a:latin typeface="微软雅黑" pitchFamily="34" charset="-122"/>
-                <a:ea typeface="微软雅黑" pitchFamily="34" charset="-122"/>
+                <a:latin typeface="宋体" pitchFamily="2" charset="-122"/>
+                <a:ea typeface="宋体" pitchFamily="2" charset="-122"/>
               </a:rPr>
-              <a:t>工序设置－</a:t>
-            </a:r>
-            <a:r>
-              <a:rPr lang="en-US" altLang="zh-CN" dirty="0">
-                <a:solidFill>
-                  <a:schemeClr val="bg1"/>
-                </a:solidFill>
-                <a:latin typeface="微软雅黑" pitchFamily="34" charset="-122"/>
-                <a:ea typeface="微软雅黑" pitchFamily="34" charset="-122"/>
-              </a:rPr>
-              <a:t>&gt;</a:t>
-            </a:r>
-            <a:r>
-              <a:rPr lang="zh-CN" altLang="en-US" dirty="0">
-                <a:solidFill>
-                  <a:schemeClr val="bg1"/>
-                </a:solidFill>
-                <a:latin typeface="微软雅黑" pitchFamily="34" charset="-122"/>
-                <a:ea typeface="微软雅黑" pitchFamily="34" charset="-122"/>
-              </a:rPr>
-              <a:t>生产进度跟踪（闭环</a:t>
-            </a:r>
-            <a:r>
-              <a:rPr lang="en-US" altLang="zh-CN" dirty="0">
-                <a:solidFill>
-                  <a:schemeClr val="bg1"/>
-                </a:solidFill>
-                <a:latin typeface="微软雅黑" pitchFamily="34" charset="-122"/>
-                <a:ea typeface="微软雅黑" pitchFamily="34" charset="-122"/>
-              </a:rPr>
-              <a:t>MRP</a:t>
-            </a:r>
-            <a:r>
-              <a:rPr lang="zh-CN" altLang="en-US" dirty="0">
-                <a:solidFill>
-                  <a:schemeClr val="bg1"/>
-                </a:solidFill>
-                <a:latin typeface="微软雅黑" pitchFamily="34" charset="-122"/>
-                <a:ea typeface="微软雅黑" pitchFamily="34" charset="-122"/>
-              </a:rPr>
-              <a:t>重要手段之一）</a:t>
-            </a:r>
-            <a:endParaRPr lang="en-US" altLang="zh-CN" dirty="0">
+              <a:t>业精于勤荒于嬉，行成于思毁于随。</a:t>
+            </a:r>
+            <a:endParaRPr lang="zh-CN" altLang="en-US" sz="1400" dirty="0">
               <a:solidFill>
                 <a:schemeClr val="bg1"/>
               </a:solidFill>
-              <a:latin typeface="微软雅黑" pitchFamily="34" charset="-122"/>
-              <a:ea typeface="微软雅黑" pitchFamily="34" charset="-122"/>
+              <a:latin typeface="宋体" pitchFamily="2" charset="-122"/>
+              <a:ea typeface="宋体" pitchFamily="2" charset="-122"/>
             </a:endParaRPr>
           </a:p>
         </p:txBody>
       </p:sp>
+      <p:cxnSp>
+        <p:nvCxnSpPr>
+          <p:cNvPr id="8" name="直接连接符 7"/>
+          <p:cNvCxnSpPr/>
+          <p:nvPr/>
+        </p:nvCxnSpPr>
+        <p:spPr bwMode="auto">
+          <a:xfrm>
+            <a:off x="4992694" y="3942184"/>
+            <a:ext cx="3135306" cy="1588"/>
+          </a:xfrm>
+          <a:prstGeom prst="line">
+            <a:avLst/>
+          </a:prstGeom>
+          <a:ln>
+            <a:solidFill>
+              <a:schemeClr val="bg1"/>
+            </a:solidFill>
+          </a:ln>
+          <a:extLst/>
+        </p:spPr>
+        <p:style>
+          <a:lnRef idx="1">
+            <a:schemeClr val="dk1"/>
+          </a:lnRef>
+          <a:fillRef idx="0">
+            <a:schemeClr val="dk1"/>
+          </a:fillRef>
+          <a:effectRef idx="0">
+            <a:schemeClr val="dk1"/>
+          </a:effectRef>
+          <a:fontRef idx="minor">
+            <a:schemeClr val="tx1"/>
+          </a:fontRef>
+        </p:style>
+      </p:cxnSp>
       <p:pic>
         <p:nvPicPr>
-          <p:cNvPr id="7170" name="Picture 2"/>
+          <p:cNvPr id="6147" name="Picture 3"/>
           <p:cNvPicPr>
             <a:picLocks noChangeAspect="1" noChangeArrowheads="1"/>
           </p:cNvPicPr>
@@ -39701,8 +41298,8 @@
         </p:blipFill>
         <p:spPr bwMode="auto">
           <a:xfrm>
-            <a:off x="1831752" y="1395412"/>
-            <a:ext cx="2562225" cy="1781175"/>
+            <a:off x="1039664" y="1205880"/>
+            <a:ext cx="4338645" cy="2593492"/>
           </a:xfrm>
           <a:prstGeom prst="rect">
             <a:avLst/>
@@ -39744,190 +41341,61 @@
       </p:pic>
       <p:sp>
         <p:nvSpPr>
-          <p:cNvPr id="6" name="矩形 11"/>
+          <p:cNvPr id="9" name="内容占位符 2"/>
           <p:cNvSpPr>
-            <a:spLocks noChangeArrowheads="1"/>
+            <a:spLocks noGrp="1"/>
           </p:cNvSpPr>
-          <p:nvPr/>
-        </p:nvSpPr>
-        <p:spPr bwMode="auto">
+          <p:nvPr>
+            <p:ph idx="1"/>
+          </p:nvPr>
+        </p:nvSpPr>
+        <p:spPr>
           <a:xfrm>
-            <a:off x="3515941" y="3942183"/>
-            <a:ext cx="4608512" cy="307777"/>
+            <a:off x="391592" y="781534"/>
+            <a:ext cx="7560840" cy="3017838"/>
           </a:xfrm>
-          <a:prstGeom prst="rect">
-            <a:avLst/>
-          </a:prstGeom>
-          <a:noFill/>
-          <a:ln>
-            <a:noFill/>
-          </a:ln>
-          <a:extLst>
-            <a:ext uri="{909E8E84-426E-40DD-AFC4-6F175D3DCCD1}">
-              <a14:hiddenFill xmlns:a14="http://schemas.microsoft.com/office/drawing/2010/main">
-                <a:solidFill>
-                  <a:srgbClr val="FFFFFF"/>
-                </a:solidFill>
-              </a14:hiddenFill>
-            </a:ext>
-            <a:ext uri="{91240B29-F687-4F45-9708-019B960494DF}">
-              <a14:hiddenLine xmlns:a14="http://schemas.microsoft.com/office/drawing/2010/main" w="9525">
-                <a:solidFill>
-                  <a:srgbClr val="000000"/>
-                </a:solidFill>
-                <a:miter lim="800000"/>
-                <a:headEnd/>
-                <a:tailEnd/>
-              </a14:hiddenLine>
-            </a:ext>
-          </a:extLst>
         </p:spPr>
         <p:txBody>
-          <a:bodyPr wrap="square">
-            <a:spAutoFit/>
-          </a:bodyPr>
+          <a:bodyPr/>
           <a:lstStyle/>
           <a:p>
             <a:r>
-              <a:rPr lang="zh-CN" altLang="en-US" sz="1400" dirty="0" smtClean="0">
+              <a:rPr lang="zh-CN" altLang="en-US" dirty="0" smtClean="0">
                 <a:solidFill>
                   <a:schemeClr val="bg1"/>
                 </a:solidFill>
-                <a:latin typeface="宋体" pitchFamily="2" charset="-122"/>
-                <a:ea typeface="宋体" pitchFamily="2" charset="-122"/>
+                <a:latin typeface="微软雅黑" pitchFamily="34" charset="-122"/>
+                <a:ea typeface="微软雅黑" pitchFamily="34" charset="-122"/>
               </a:rPr>
-              <a:t>自古</a:t>
-            </a:r>
-            <a:r>
-              <a:rPr lang="zh-CN" altLang="en-US" sz="1400" dirty="0">
+              <a:t>定义</a:t>
+            </a:r>
+            <a:r>
+              <a:rPr lang="zh-CN" altLang="en-US" dirty="0">
                 <a:solidFill>
                   <a:schemeClr val="bg1"/>
                 </a:solidFill>
-                <a:latin typeface="宋体" pitchFamily="2" charset="-122"/>
-                <a:ea typeface="宋体" pitchFamily="2" charset="-122"/>
+                <a:latin typeface="微软雅黑" pitchFamily="34" charset="-122"/>
+                <a:ea typeface="微软雅黑" pitchFamily="34" charset="-122"/>
               </a:rPr>
-              <a:t>不谋万世者</a:t>
-            </a:r>
-            <a:r>
-              <a:rPr lang="en-US" altLang="zh-CN" sz="1400" dirty="0">
+              <a:t>电脑</a:t>
+            </a:r>
+            <a:r>
+              <a:rPr lang="zh-CN" altLang="en-US" dirty="0" smtClean="0">
                 <a:solidFill>
                   <a:schemeClr val="bg1"/>
                 </a:solidFill>
-                <a:latin typeface="宋体" pitchFamily="2" charset="-122"/>
-                <a:ea typeface="宋体" pitchFamily="2" charset="-122"/>
+                <a:latin typeface="微软雅黑" pitchFamily="34" charset="-122"/>
+                <a:ea typeface="微软雅黑" pitchFamily="34" charset="-122"/>
               </a:rPr>
-              <a:t>,</a:t>
-            </a:r>
-            <a:r>
-              <a:rPr lang="zh-CN" altLang="en-US" sz="1400" dirty="0">
-                <a:solidFill>
-                  <a:schemeClr val="bg1"/>
-                </a:solidFill>
-                <a:latin typeface="宋体" pitchFamily="2" charset="-122"/>
-                <a:ea typeface="宋体" pitchFamily="2" charset="-122"/>
-              </a:rPr>
-              <a:t>不足谋一时</a:t>
-            </a:r>
-            <a:r>
-              <a:rPr lang="en-US" altLang="zh-CN" sz="1400" dirty="0">
-                <a:solidFill>
-                  <a:schemeClr val="bg1"/>
-                </a:solidFill>
-                <a:latin typeface="宋体" pitchFamily="2" charset="-122"/>
-                <a:ea typeface="宋体" pitchFamily="2" charset="-122"/>
-              </a:rPr>
-              <a:t>; </a:t>
-            </a:r>
-            <a:r>
-              <a:rPr lang="zh-CN" altLang="en-US" sz="1400" dirty="0">
-                <a:solidFill>
-                  <a:schemeClr val="bg1"/>
-                </a:solidFill>
-                <a:latin typeface="宋体" pitchFamily="2" charset="-122"/>
-                <a:ea typeface="宋体" pitchFamily="2" charset="-122"/>
-              </a:rPr>
-              <a:t>不谋全局者</a:t>
-            </a:r>
-            <a:r>
-              <a:rPr lang="en-US" altLang="zh-CN" sz="1400" dirty="0">
-                <a:solidFill>
-                  <a:schemeClr val="bg1"/>
-                </a:solidFill>
-                <a:latin typeface="宋体" pitchFamily="2" charset="-122"/>
-                <a:ea typeface="宋体" pitchFamily="2" charset="-122"/>
-              </a:rPr>
-              <a:t>,</a:t>
-            </a:r>
-            <a:r>
-              <a:rPr lang="zh-CN" altLang="en-US" sz="1400" dirty="0">
-                <a:solidFill>
-                  <a:schemeClr val="bg1"/>
-                </a:solidFill>
-                <a:latin typeface="宋体" pitchFamily="2" charset="-122"/>
-                <a:ea typeface="宋体" pitchFamily="2" charset="-122"/>
-              </a:rPr>
-              <a:t>不足谋一</a:t>
-            </a:r>
-            <a:r>
-              <a:rPr lang="zh-CN" altLang="en-US" sz="1400" dirty="0" smtClean="0">
-                <a:solidFill>
-                  <a:schemeClr val="bg1"/>
-                </a:solidFill>
-                <a:latin typeface="宋体" pitchFamily="2" charset="-122"/>
-                <a:ea typeface="宋体" pitchFamily="2" charset="-122"/>
-              </a:rPr>
-              <a:t>域。</a:t>
-            </a:r>
-            <a:endParaRPr lang="zh-CN" altLang="en-US" sz="1400" dirty="0">
-              <a:solidFill>
-                <a:schemeClr val="bg1"/>
-              </a:solidFill>
-              <a:latin typeface="宋体" pitchFamily="2" charset="-122"/>
-              <a:ea typeface="宋体" pitchFamily="2" charset="-122"/>
-            </a:endParaRPr>
+              <a:t>主机由何种物料构成</a:t>
+            </a:r>
           </a:p>
         </p:txBody>
       </p:sp>
-      <p:cxnSp>
-        <p:nvCxnSpPr>
-          <p:cNvPr id="8" name="直接连接符 7"/>
-          <p:cNvCxnSpPr/>
-          <p:nvPr/>
-        </p:nvCxnSpPr>
-        <p:spPr bwMode="auto">
-          <a:xfrm>
-            <a:off x="4992694" y="3942184"/>
-            <a:ext cx="3135306" cy="1588"/>
-          </a:xfrm>
-          <a:prstGeom prst="line">
-            <a:avLst/>
-          </a:prstGeom>
-          <a:ln>
-            <a:solidFill>
-              <a:schemeClr val="bg1"/>
-            </a:solidFill>
-          </a:ln>
-          <a:extLst/>
-        </p:spPr>
-        <p:style>
-          <a:lnRef idx="1">
-            <a:schemeClr val="dk1"/>
-          </a:lnRef>
-          <a:fillRef idx="0">
-            <a:schemeClr val="dk1"/>
-          </a:fillRef>
-          <a:effectRef idx="0">
-            <a:schemeClr val="dk1"/>
-          </a:effectRef>
-          <a:fontRef idx="minor">
-            <a:schemeClr val="tx1"/>
-          </a:fontRef>
-        </p:style>
-      </p:cxnSp>
     </p:spTree>
     <p:extLst>
       <p:ext uri="{BB962C8B-B14F-4D97-AF65-F5344CB8AC3E}">
-        <p14:creationId xmlns:p14="http://schemas.microsoft.com/office/powerpoint/2010/main" val="1756122234"/>
+        <p14:creationId xmlns:p14="http://schemas.microsoft.com/office/powerpoint/2010/main" val="867339488"/>
       </p:ext>
     </p:extLst>
   </p:cSld>
@@ -39988,6 +41456,2834 @@
         </p:nvSpPr>
         <p:spPr bwMode="auto">
           <a:xfrm>
+            <a:off x="-400496" y="0"/>
+            <a:ext cx="2736304" cy="642926"/>
+          </a:xfrm>
+          <a:noFill/>
+          <a:extLst>
+            <a:ext uri="{909E8E84-426E-40DD-AFC4-6F175D3DCCD1}">
+              <a14:hiddenFill xmlns:a14="http://schemas.microsoft.com/office/drawing/2010/main">
+                <a:solidFill>
+                  <a:srgbClr val="FFFFFF"/>
+                </a:solidFill>
+              </a14:hiddenFill>
+            </a:ext>
+            <a:ext uri="{91240B29-F687-4F45-9708-019B960494DF}">
+              <a14:hiddenLine xmlns:a14="http://schemas.microsoft.com/office/drawing/2010/main" w="9525">
+                <a:solidFill>
+                  <a:srgbClr val="000000"/>
+                </a:solidFill>
+                <a:miter lim="800000"/>
+                <a:headEnd/>
+                <a:tailEnd/>
+              </a14:hiddenLine>
+            </a:ext>
+          </a:extLst>
+        </p:spPr>
+        <p:txBody>
+          <a:bodyPr wrap="square" lIns="91440" tIns="45720" rIns="91440" bIns="45720" numCol="1" anchor="t" anchorCtr="0" compatLnSpc="1">
+            <a:prstTxWarp prst="textNoShape">
+              <a:avLst/>
+            </a:prstTxWarp>
+          </a:bodyPr>
+          <a:lstStyle/>
+          <a:p>
+            <a:r>
+              <a:rPr lang="zh-CN" altLang="en-US" sz="2500" b="1" dirty="0">
+                <a:latin typeface="微软雅黑" pitchFamily="34" charset="-122"/>
+                <a:ea typeface="微软雅黑" pitchFamily="34" charset="-122"/>
+              </a:rPr>
+              <a:t>生产</a:t>
+            </a:r>
+            <a:r>
+              <a:rPr lang="en-US" altLang="zh-CN" sz="2500" b="1" dirty="0" smtClean="0">
+                <a:latin typeface="微软雅黑" pitchFamily="34" charset="-122"/>
+                <a:ea typeface="微软雅黑" pitchFamily="34" charset="-122"/>
+              </a:rPr>
+              <a:t>-</a:t>
+            </a:r>
+            <a:r>
+              <a:rPr lang="en-US" altLang="zh-CN" sz="2500" b="1" dirty="0" smtClean="0">
+                <a:latin typeface="微软雅黑" pitchFamily="34" charset="-122"/>
+                <a:ea typeface="微软雅黑" pitchFamily="34" charset="-122"/>
+              </a:rPr>
+              <a:t>BOM V</a:t>
+            </a:r>
+            <a:endParaRPr lang="zh-CN" altLang="en-US" sz="2500" b="1" dirty="0" smtClean="0">
+              <a:latin typeface="微软雅黑" pitchFamily="34" charset="-122"/>
+              <a:ea typeface="微软雅黑" pitchFamily="34" charset="-122"/>
+            </a:endParaRPr>
+          </a:p>
+        </p:txBody>
+      </p:sp>
+      <p:sp>
+        <p:nvSpPr>
+          <p:cNvPr id="6" name="矩形 5"/>
+          <p:cNvSpPr>
+            <a:spLocks noChangeArrowheads="1"/>
+          </p:cNvSpPr>
+          <p:nvPr/>
+        </p:nvSpPr>
+        <p:spPr bwMode="auto">
+          <a:xfrm>
+            <a:off x="4688139" y="3923152"/>
+            <a:ext cx="3439861" cy="307777"/>
+          </a:xfrm>
+          <a:prstGeom prst="rect">
+            <a:avLst/>
+          </a:prstGeom>
+          <a:noFill/>
+          <a:ln>
+            <a:noFill/>
+          </a:ln>
+          <a:extLst>
+            <a:ext uri="{909E8E84-426E-40DD-AFC4-6F175D3DCCD1}">
+              <a14:hiddenFill xmlns:a14="http://schemas.microsoft.com/office/drawing/2010/main">
+                <a:solidFill>
+                  <a:srgbClr val="FFFFFF"/>
+                </a:solidFill>
+              </a14:hiddenFill>
+            </a:ext>
+            <a:ext uri="{91240B29-F687-4F45-9708-019B960494DF}">
+              <a14:hiddenLine xmlns:a14="http://schemas.microsoft.com/office/drawing/2010/main" w="9525">
+                <a:solidFill>
+                  <a:srgbClr val="000000"/>
+                </a:solidFill>
+                <a:miter lim="800000"/>
+                <a:headEnd/>
+                <a:tailEnd/>
+              </a14:hiddenLine>
+            </a:ext>
+          </a:extLst>
+        </p:spPr>
+        <p:txBody>
+          <a:bodyPr wrap="square">
+            <a:spAutoFit/>
+          </a:bodyPr>
+          <a:lstStyle/>
+          <a:p>
+            <a:r>
+              <a:rPr lang="zh-CN" altLang="en-US" sz="1400" dirty="0" smtClean="0">
+                <a:solidFill>
+                  <a:schemeClr val="bg1"/>
+                </a:solidFill>
+                <a:latin typeface="宋体" pitchFamily="2" charset="-122"/>
+                <a:ea typeface="宋体" pitchFamily="2" charset="-122"/>
+              </a:rPr>
+              <a:t>业精于勤荒于嬉，行成于思毁于随。</a:t>
+            </a:r>
+            <a:endParaRPr lang="zh-CN" altLang="en-US" sz="1400" dirty="0">
+              <a:solidFill>
+                <a:schemeClr val="bg1"/>
+              </a:solidFill>
+              <a:latin typeface="宋体" pitchFamily="2" charset="-122"/>
+              <a:ea typeface="宋体" pitchFamily="2" charset="-122"/>
+            </a:endParaRPr>
+          </a:p>
+        </p:txBody>
+      </p:sp>
+      <p:cxnSp>
+        <p:nvCxnSpPr>
+          <p:cNvPr id="8" name="直接连接符 7"/>
+          <p:cNvCxnSpPr/>
+          <p:nvPr/>
+        </p:nvCxnSpPr>
+        <p:spPr bwMode="auto">
+          <a:xfrm>
+            <a:off x="4992694" y="3942184"/>
+            <a:ext cx="3135306" cy="1588"/>
+          </a:xfrm>
+          <a:prstGeom prst="line">
+            <a:avLst/>
+          </a:prstGeom>
+          <a:ln>
+            <a:solidFill>
+              <a:schemeClr val="bg1"/>
+            </a:solidFill>
+          </a:ln>
+          <a:extLst/>
+        </p:spPr>
+        <p:style>
+          <a:lnRef idx="1">
+            <a:schemeClr val="dk1"/>
+          </a:lnRef>
+          <a:fillRef idx="0">
+            <a:schemeClr val="dk1"/>
+          </a:fillRef>
+          <a:effectRef idx="0">
+            <a:schemeClr val="dk1"/>
+          </a:effectRef>
+          <a:fontRef idx="minor">
+            <a:schemeClr val="tx1"/>
+          </a:fontRef>
+        </p:style>
+      </p:cxnSp>
+      <p:sp>
+        <p:nvSpPr>
+          <p:cNvPr id="9" name="内容占位符 2"/>
+          <p:cNvSpPr>
+            <a:spLocks noGrp="1"/>
+          </p:cNvSpPr>
+          <p:nvPr>
+            <p:ph idx="1"/>
+          </p:nvPr>
+        </p:nvSpPr>
+        <p:spPr>
+          <a:xfrm>
+            <a:off x="391592" y="781534"/>
+            <a:ext cx="7560840" cy="3017838"/>
+          </a:xfrm>
+        </p:spPr>
+        <p:txBody>
+          <a:bodyPr/>
+          <a:lstStyle/>
+          <a:p>
+            <a:r>
+              <a:rPr lang="zh-CN" altLang="en-US" dirty="0" smtClean="0">
+                <a:solidFill>
+                  <a:schemeClr val="bg1"/>
+                </a:solidFill>
+                <a:latin typeface="微软雅黑" pitchFamily="34" charset="-122"/>
+                <a:ea typeface="微软雅黑" pitchFamily="34" charset="-122"/>
+              </a:rPr>
+              <a:t>以主机为基础，继续定义电脑的物料构成</a:t>
+            </a:r>
+          </a:p>
+        </p:txBody>
+      </p:sp>
+      <p:pic>
+        <p:nvPicPr>
+          <p:cNvPr id="7170" name="Picture 2"/>
+          <p:cNvPicPr>
+            <a:picLocks noChangeAspect="1" noChangeArrowheads="1"/>
+          </p:cNvPicPr>
+          <p:nvPr/>
+        </p:nvPicPr>
+        <p:blipFill>
+          <a:blip r:embed="rId4">
+            <a:extLst>
+              <a:ext uri="{28A0092B-C50C-407E-A947-70E740481C1C}">
+                <a14:useLocalDpi xmlns:a14="http://schemas.microsoft.com/office/drawing/2010/main" val="0"/>
+              </a:ext>
+            </a:extLst>
+          </a:blip>
+          <a:srcRect/>
+          <a:stretch>
+            <a:fillRect/>
+          </a:stretch>
+        </p:blipFill>
+        <p:spPr bwMode="auto">
+          <a:xfrm>
+            <a:off x="1327696" y="1205880"/>
+            <a:ext cx="4520356" cy="2545614"/>
+          </a:xfrm>
+          <a:prstGeom prst="rect">
+            <a:avLst/>
+          </a:prstGeom>
+          <a:noFill/>
+          <a:ln>
+            <a:noFill/>
+          </a:ln>
+          <a:effectLst/>
+          <a:extLst>
+            <a:ext uri="{909E8E84-426E-40DD-AFC4-6F175D3DCCD1}">
+              <a14:hiddenFill xmlns:a14="http://schemas.microsoft.com/office/drawing/2010/main">
+                <a:solidFill>
+                  <a:schemeClr val="accent1"/>
+                </a:solidFill>
+              </a14:hiddenFill>
+            </a:ext>
+            <a:ext uri="{91240B29-F687-4F45-9708-019B960494DF}">
+              <a14:hiddenLine xmlns:a14="http://schemas.microsoft.com/office/drawing/2010/main" w="9525">
+                <a:solidFill>
+                  <a:schemeClr val="tx1"/>
+                </a:solidFill>
+                <a:miter lim="800000"/>
+                <a:headEnd/>
+                <a:tailEnd/>
+              </a14:hiddenLine>
+            </a:ext>
+            <a:ext uri="{AF507438-7753-43E0-B8FC-AC1667EBCBE1}">
+              <a14:hiddenEffects xmlns:a14="http://schemas.microsoft.com/office/drawing/2010/main">
+                <a:effectLst>
+                  <a:outerShdw dist="35921" dir="2700000" algn="ctr" rotWithShape="0">
+                    <a:schemeClr val="bg2"/>
+                  </a:outerShdw>
+                </a:effectLst>
+              </a14:hiddenEffects>
+            </a:ext>
+          </a:extLst>
+        </p:spPr>
+      </p:pic>
+    </p:spTree>
+    <p:extLst>
+      <p:ext uri="{BB962C8B-B14F-4D97-AF65-F5344CB8AC3E}">
+        <p14:creationId xmlns:p14="http://schemas.microsoft.com/office/powerpoint/2010/main" val="1357229157"/>
+      </p:ext>
+    </p:extLst>
+  </p:cSld>
+  <p:clrMapOvr>
+    <a:masterClrMapping/>
+  </p:clrMapOvr>
+  <p:transition/>
+  <p:timing>
+    <p:tnLst>
+      <p:par>
+        <p:cTn id="1" dur="indefinite" restart="never" nodeType="tmRoot"/>
+      </p:par>
+    </p:tnLst>
+  </p:timing>
+</p:sld>
+</file>
+
+<file path=ppt/slides/slide38.xml><?xml version="1.0" encoding="utf-8"?>
+<p:sld xmlns:a="http://schemas.openxmlformats.org/drawingml/2006/main" xmlns:r="http://schemas.openxmlformats.org/officeDocument/2006/relationships" xmlns:p="http://schemas.openxmlformats.org/presentationml/2006/main">
+  <p:cSld>
+    <p:bg>
+      <p:bgPr>
+        <a:blipFill dpi="0" rotWithShape="1">
+          <a:blip r:embed="rId3">
+            <a:lum/>
+          </a:blip>
+          <a:srcRect/>
+          <a:stretch>
+            <a:fillRect/>
+          </a:stretch>
+        </a:blipFill>
+        <a:effectLst/>
+      </p:bgPr>
+    </p:bg>
+    <p:spTree>
+      <p:nvGrpSpPr>
+        <p:cNvPr id="1" name=""/>
+        <p:cNvGrpSpPr/>
+        <p:nvPr/>
+      </p:nvGrpSpPr>
+      <p:grpSpPr>
+        <a:xfrm>
+          <a:off x="0" y="0"/>
+          <a:ext cx="0" cy="0"/>
+          <a:chOff x="0" y="0"/>
+          <a:chExt cx="0" cy="0"/>
+        </a:xfrm>
+      </p:grpSpPr>
+      <p:sp>
+        <p:nvSpPr>
+          <p:cNvPr id="5122" name="标题 1"/>
+          <p:cNvSpPr>
+            <a:spLocks noGrp="1"/>
+          </p:cNvSpPr>
+          <p:nvPr>
+            <p:ph type="title"/>
+          </p:nvPr>
+        </p:nvSpPr>
+        <p:spPr bwMode="auto">
+          <a:xfrm>
+            <a:off x="-256480" y="28575"/>
+            <a:ext cx="2736304" cy="642926"/>
+          </a:xfrm>
+          <a:noFill/>
+          <a:extLst>
+            <a:ext uri="{909E8E84-426E-40DD-AFC4-6F175D3DCCD1}">
+              <a14:hiddenFill xmlns:a14="http://schemas.microsoft.com/office/drawing/2010/main">
+                <a:solidFill>
+                  <a:srgbClr val="FFFFFF"/>
+                </a:solidFill>
+              </a14:hiddenFill>
+            </a:ext>
+            <a:ext uri="{91240B29-F687-4F45-9708-019B960494DF}">
+              <a14:hiddenLine xmlns:a14="http://schemas.microsoft.com/office/drawing/2010/main" w="9525">
+                <a:solidFill>
+                  <a:srgbClr val="000000"/>
+                </a:solidFill>
+                <a:miter lim="800000"/>
+                <a:headEnd/>
+                <a:tailEnd/>
+              </a14:hiddenLine>
+            </a:ext>
+          </a:extLst>
+        </p:spPr>
+        <p:txBody>
+          <a:bodyPr wrap="square" lIns="91440" tIns="45720" rIns="91440" bIns="45720" numCol="1" anchor="t" anchorCtr="0" compatLnSpc="1">
+            <a:prstTxWarp prst="textNoShape">
+              <a:avLst/>
+            </a:prstTxWarp>
+          </a:bodyPr>
+          <a:lstStyle/>
+          <a:p>
+            <a:r>
+              <a:rPr lang="zh-CN" altLang="en-US" sz="2500" b="1" dirty="0">
+                <a:latin typeface="微软雅黑" pitchFamily="34" charset="-122"/>
+                <a:ea typeface="微软雅黑" pitchFamily="34" charset="-122"/>
+              </a:rPr>
+              <a:t>生产</a:t>
+            </a:r>
+            <a:r>
+              <a:rPr lang="en-US" altLang="zh-CN" sz="2500" b="1" dirty="0" smtClean="0">
+                <a:latin typeface="微软雅黑" pitchFamily="34" charset="-122"/>
+                <a:ea typeface="微软雅黑" pitchFamily="34" charset="-122"/>
+              </a:rPr>
+              <a:t>-</a:t>
+            </a:r>
+            <a:r>
+              <a:rPr lang="en-US" altLang="zh-CN" sz="2500" b="1" dirty="0" smtClean="0">
+                <a:latin typeface="微软雅黑" pitchFamily="34" charset="-122"/>
+                <a:ea typeface="微软雅黑" pitchFamily="34" charset="-122"/>
+              </a:rPr>
+              <a:t>BOM VI</a:t>
+            </a:r>
+            <a:endParaRPr lang="zh-CN" altLang="en-US" sz="2500" b="1" dirty="0" smtClean="0">
+              <a:latin typeface="微软雅黑" pitchFamily="34" charset="-122"/>
+              <a:ea typeface="微软雅黑" pitchFamily="34" charset="-122"/>
+            </a:endParaRPr>
+          </a:p>
+        </p:txBody>
+      </p:sp>
+      <p:sp>
+        <p:nvSpPr>
+          <p:cNvPr id="6" name="矩形 5"/>
+          <p:cNvSpPr>
+            <a:spLocks noChangeArrowheads="1"/>
+          </p:cNvSpPr>
+          <p:nvPr/>
+        </p:nvSpPr>
+        <p:spPr bwMode="auto">
+          <a:xfrm>
+            <a:off x="4688139" y="3923152"/>
+            <a:ext cx="3439861" cy="307777"/>
+          </a:xfrm>
+          <a:prstGeom prst="rect">
+            <a:avLst/>
+          </a:prstGeom>
+          <a:noFill/>
+          <a:ln>
+            <a:noFill/>
+          </a:ln>
+          <a:extLst>
+            <a:ext uri="{909E8E84-426E-40DD-AFC4-6F175D3DCCD1}">
+              <a14:hiddenFill xmlns:a14="http://schemas.microsoft.com/office/drawing/2010/main">
+                <a:solidFill>
+                  <a:srgbClr val="FFFFFF"/>
+                </a:solidFill>
+              </a14:hiddenFill>
+            </a:ext>
+            <a:ext uri="{91240B29-F687-4F45-9708-019B960494DF}">
+              <a14:hiddenLine xmlns:a14="http://schemas.microsoft.com/office/drawing/2010/main" w="9525">
+                <a:solidFill>
+                  <a:srgbClr val="000000"/>
+                </a:solidFill>
+                <a:miter lim="800000"/>
+                <a:headEnd/>
+                <a:tailEnd/>
+              </a14:hiddenLine>
+            </a:ext>
+          </a:extLst>
+        </p:spPr>
+        <p:txBody>
+          <a:bodyPr wrap="square">
+            <a:spAutoFit/>
+          </a:bodyPr>
+          <a:lstStyle/>
+          <a:p>
+            <a:r>
+              <a:rPr lang="zh-CN" altLang="en-US" sz="1400" dirty="0" smtClean="0">
+                <a:solidFill>
+                  <a:schemeClr val="bg1"/>
+                </a:solidFill>
+                <a:latin typeface="宋体" pitchFamily="2" charset="-122"/>
+                <a:ea typeface="宋体" pitchFamily="2" charset="-122"/>
+              </a:rPr>
+              <a:t>业精于勤荒于嬉，行成于思毁于随。</a:t>
+            </a:r>
+            <a:endParaRPr lang="zh-CN" altLang="en-US" sz="1400" dirty="0">
+              <a:solidFill>
+                <a:schemeClr val="bg1"/>
+              </a:solidFill>
+              <a:latin typeface="宋体" pitchFamily="2" charset="-122"/>
+              <a:ea typeface="宋体" pitchFamily="2" charset="-122"/>
+            </a:endParaRPr>
+          </a:p>
+        </p:txBody>
+      </p:sp>
+      <p:cxnSp>
+        <p:nvCxnSpPr>
+          <p:cNvPr id="8" name="直接连接符 7"/>
+          <p:cNvCxnSpPr/>
+          <p:nvPr/>
+        </p:nvCxnSpPr>
+        <p:spPr bwMode="auto">
+          <a:xfrm>
+            <a:off x="4992694" y="3942184"/>
+            <a:ext cx="3135306" cy="1588"/>
+          </a:xfrm>
+          <a:prstGeom prst="line">
+            <a:avLst/>
+          </a:prstGeom>
+          <a:ln>
+            <a:solidFill>
+              <a:schemeClr val="bg1"/>
+            </a:solidFill>
+          </a:ln>
+          <a:extLst/>
+        </p:spPr>
+        <p:style>
+          <a:lnRef idx="1">
+            <a:schemeClr val="dk1"/>
+          </a:lnRef>
+          <a:fillRef idx="0">
+            <a:schemeClr val="dk1"/>
+          </a:fillRef>
+          <a:effectRef idx="0">
+            <a:schemeClr val="dk1"/>
+          </a:effectRef>
+          <a:fontRef idx="minor">
+            <a:schemeClr val="tx1"/>
+          </a:fontRef>
+        </p:style>
+      </p:cxnSp>
+      <p:sp>
+        <p:nvSpPr>
+          <p:cNvPr id="9" name="内容占位符 2"/>
+          <p:cNvSpPr>
+            <a:spLocks noGrp="1"/>
+          </p:cNvSpPr>
+          <p:nvPr>
+            <p:ph idx="1"/>
+          </p:nvPr>
+        </p:nvSpPr>
+        <p:spPr>
+          <a:xfrm>
+            <a:off x="391592" y="781534"/>
+            <a:ext cx="7560840" cy="3017838"/>
+          </a:xfrm>
+        </p:spPr>
+        <p:txBody>
+          <a:bodyPr/>
+          <a:lstStyle/>
+          <a:p>
+            <a:r>
+              <a:rPr lang="zh-CN" altLang="en-US" dirty="0" smtClean="0">
+                <a:solidFill>
+                  <a:schemeClr val="bg1"/>
+                </a:solidFill>
+                <a:latin typeface="微软雅黑" pitchFamily="34" charset="-122"/>
+                <a:ea typeface="微软雅黑" pitchFamily="34" charset="-122"/>
+              </a:rPr>
+              <a:t>查看商品“电脑”的物料构成体系</a:t>
+            </a:r>
+          </a:p>
+        </p:txBody>
+      </p:sp>
+      <p:pic>
+        <p:nvPicPr>
+          <p:cNvPr id="8194" name="Picture 2"/>
+          <p:cNvPicPr>
+            <a:picLocks noChangeAspect="1" noChangeArrowheads="1"/>
+          </p:cNvPicPr>
+          <p:nvPr/>
+        </p:nvPicPr>
+        <p:blipFill>
+          <a:blip r:embed="rId4">
+            <a:extLst>
+              <a:ext uri="{28A0092B-C50C-407E-A947-70E740481C1C}">
+                <a14:useLocalDpi xmlns:a14="http://schemas.microsoft.com/office/drawing/2010/main" val="0"/>
+              </a:ext>
+            </a:extLst>
+          </a:blip>
+          <a:srcRect/>
+          <a:stretch>
+            <a:fillRect/>
+          </a:stretch>
+        </p:blipFill>
+        <p:spPr bwMode="auto">
+          <a:xfrm>
+            <a:off x="794370" y="1133872"/>
+            <a:ext cx="6129982" cy="2704404"/>
+          </a:xfrm>
+          <a:prstGeom prst="rect">
+            <a:avLst/>
+          </a:prstGeom>
+          <a:noFill/>
+          <a:ln>
+            <a:noFill/>
+          </a:ln>
+          <a:effectLst/>
+          <a:extLst>
+            <a:ext uri="{909E8E84-426E-40DD-AFC4-6F175D3DCCD1}">
+              <a14:hiddenFill xmlns:a14="http://schemas.microsoft.com/office/drawing/2010/main">
+                <a:solidFill>
+                  <a:schemeClr val="accent1"/>
+                </a:solidFill>
+              </a14:hiddenFill>
+            </a:ext>
+            <a:ext uri="{91240B29-F687-4F45-9708-019B960494DF}">
+              <a14:hiddenLine xmlns:a14="http://schemas.microsoft.com/office/drawing/2010/main" w="9525">
+                <a:solidFill>
+                  <a:schemeClr val="tx1"/>
+                </a:solidFill>
+                <a:miter lim="800000"/>
+                <a:headEnd/>
+                <a:tailEnd/>
+              </a14:hiddenLine>
+            </a:ext>
+            <a:ext uri="{AF507438-7753-43E0-B8FC-AC1667EBCBE1}">
+              <a14:hiddenEffects xmlns:a14="http://schemas.microsoft.com/office/drawing/2010/main">
+                <a:effectLst>
+                  <a:outerShdw dist="35921" dir="2700000" algn="ctr" rotWithShape="0">
+                    <a:schemeClr val="bg2"/>
+                  </a:outerShdw>
+                </a:effectLst>
+              </a14:hiddenEffects>
+            </a:ext>
+          </a:extLst>
+        </p:spPr>
+      </p:pic>
+    </p:spTree>
+    <p:extLst>
+      <p:ext uri="{BB962C8B-B14F-4D97-AF65-F5344CB8AC3E}">
+        <p14:creationId xmlns:p14="http://schemas.microsoft.com/office/powerpoint/2010/main" val="3955291363"/>
+      </p:ext>
+    </p:extLst>
+  </p:cSld>
+  <p:clrMapOvr>
+    <a:masterClrMapping/>
+  </p:clrMapOvr>
+  <p:transition/>
+  <p:timing>
+    <p:tnLst>
+      <p:par>
+        <p:cTn id="1" dur="indefinite" restart="never" nodeType="tmRoot"/>
+      </p:par>
+    </p:tnLst>
+  </p:timing>
+</p:sld>
+</file>
+
+<file path=ppt/slides/slide39.xml><?xml version="1.0" encoding="utf-8"?>
+<p:sld xmlns:a="http://schemas.openxmlformats.org/drawingml/2006/main" xmlns:r="http://schemas.openxmlformats.org/officeDocument/2006/relationships" xmlns:p="http://schemas.openxmlformats.org/presentationml/2006/main">
+  <p:cSld>
+    <p:bg>
+      <p:bgPr>
+        <a:blipFill dpi="0" rotWithShape="1">
+          <a:blip r:embed="rId3">
+            <a:lum/>
+          </a:blip>
+          <a:srcRect/>
+          <a:stretch>
+            <a:fillRect/>
+          </a:stretch>
+        </a:blipFill>
+        <a:effectLst/>
+      </p:bgPr>
+    </p:bg>
+    <p:spTree>
+      <p:nvGrpSpPr>
+        <p:cNvPr id="1" name=""/>
+        <p:cNvGrpSpPr/>
+        <p:nvPr/>
+      </p:nvGrpSpPr>
+      <p:grpSpPr>
+        <a:xfrm>
+          <a:off x="0" y="0"/>
+          <a:ext cx="0" cy="0"/>
+          <a:chOff x="0" y="0"/>
+          <a:chExt cx="0" cy="0"/>
+        </a:xfrm>
+      </p:grpSpPr>
+      <p:sp>
+        <p:nvSpPr>
+          <p:cNvPr id="5122" name="标题 1"/>
+          <p:cNvSpPr>
+            <a:spLocks noGrp="1"/>
+          </p:cNvSpPr>
+          <p:nvPr>
+            <p:ph type="title"/>
+          </p:nvPr>
+        </p:nvSpPr>
+        <p:spPr bwMode="auto">
+          <a:xfrm>
+            <a:off x="-112464" y="0"/>
+            <a:ext cx="2448272" cy="642926"/>
+          </a:xfrm>
+          <a:noFill/>
+          <a:extLst>
+            <a:ext uri="{909E8E84-426E-40DD-AFC4-6F175D3DCCD1}">
+              <a14:hiddenFill xmlns:a14="http://schemas.microsoft.com/office/drawing/2010/main">
+                <a:solidFill>
+                  <a:srgbClr val="FFFFFF"/>
+                </a:solidFill>
+              </a14:hiddenFill>
+            </a:ext>
+            <a:ext uri="{91240B29-F687-4F45-9708-019B960494DF}">
+              <a14:hiddenLine xmlns:a14="http://schemas.microsoft.com/office/drawing/2010/main" w="9525">
+                <a:solidFill>
+                  <a:srgbClr val="000000"/>
+                </a:solidFill>
+                <a:miter lim="800000"/>
+                <a:headEnd/>
+                <a:tailEnd/>
+              </a14:hiddenLine>
+            </a:ext>
+          </a:extLst>
+        </p:spPr>
+        <p:txBody>
+          <a:bodyPr wrap="square" lIns="91440" tIns="45720" rIns="91440" bIns="45720" numCol="1" anchor="t" anchorCtr="0" compatLnSpc="1">
+            <a:prstTxWarp prst="textNoShape">
+              <a:avLst/>
+            </a:prstTxWarp>
+          </a:bodyPr>
+          <a:lstStyle/>
+          <a:p>
+            <a:r>
+              <a:rPr lang="zh-CN" altLang="en-US" sz="2500" b="1" dirty="0">
+                <a:latin typeface="微软雅黑" pitchFamily="34" charset="-122"/>
+                <a:ea typeface="微软雅黑" pitchFamily="34" charset="-122"/>
+              </a:rPr>
+              <a:t>生产</a:t>
+            </a:r>
+            <a:r>
+              <a:rPr lang="en-US" altLang="zh-CN" sz="2500" b="1" dirty="0" smtClean="0">
+                <a:latin typeface="微软雅黑" pitchFamily="34" charset="-122"/>
+                <a:ea typeface="微软雅黑" pitchFamily="34" charset="-122"/>
+              </a:rPr>
+              <a:t>-</a:t>
+            </a:r>
+            <a:r>
+              <a:rPr lang="zh-CN" altLang="en-US" sz="2500" b="1" dirty="0" smtClean="0">
+                <a:latin typeface="微软雅黑" pitchFamily="34" charset="-122"/>
+                <a:ea typeface="微软雅黑" pitchFamily="34" charset="-122"/>
+              </a:rPr>
+              <a:t>生产计划</a:t>
+            </a:r>
+          </a:p>
+        </p:txBody>
+      </p:sp>
+      <p:sp>
+        <p:nvSpPr>
+          <p:cNvPr id="5" name="内容占位符 2"/>
+          <p:cNvSpPr>
+            <a:spLocks noGrp="1"/>
+          </p:cNvSpPr>
+          <p:nvPr>
+            <p:ph idx="1"/>
+          </p:nvPr>
+        </p:nvSpPr>
+        <p:spPr>
+          <a:xfrm>
+            <a:off x="391592" y="845840"/>
+            <a:ext cx="7315200" cy="3017838"/>
+          </a:xfrm>
+        </p:spPr>
+        <p:txBody>
+          <a:bodyPr/>
+          <a:lstStyle/>
+          <a:p>
+            <a:r>
+              <a:rPr lang="zh-CN" altLang="en-US" dirty="0" smtClean="0">
+                <a:solidFill>
+                  <a:schemeClr val="bg1"/>
+                </a:solidFill>
+                <a:latin typeface="微软雅黑" pitchFamily="34" charset="-122"/>
+                <a:ea typeface="微软雅黑" pitchFamily="34" charset="-122"/>
+              </a:rPr>
+              <a:t>生产计划</a:t>
+            </a:r>
+            <a:endParaRPr lang="en-US" altLang="zh-CN" dirty="0" smtClean="0">
+              <a:solidFill>
+                <a:schemeClr val="bg1"/>
+              </a:solidFill>
+              <a:latin typeface="微软雅黑" pitchFamily="34" charset="-122"/>
+              <a:ea typeface="微软雅黑" pitchFamily="34" charset="-122"/>
+            </a:endParaRPr>
+          </a:p>
+        </p:txBody>
+      </p:sp>
+      <p:sp>
+        <p:nvSpPr>
+          <p:cNvPr id="9" name="矩形 11"/>
+          <p:cNvSpPr>
+            <a:spLocks noChangeArrowheads="1"/>
+          </p:cNvSpPr>
+          <p:nvPr/>
+        </p:nvSpPr>
+        <p:spPr bwMode="auto">
+          <a:xfrm>
+            <a:off x="3515941" y="3942183"/>
+            <a:ext cx="4608512" cy="307777"/>
+          </a:xfrm>
+          <a:prstGeom prst="rect">
+            <a:avLst/>
+          </a:prstGeom>
+          <a:noFill/>
+          <a:ln>
+            <a:noFill/>
+          </a:ln>
+          <a:extLst>
+            <a:ext uri="{909E8E84-426E-40DD-AFC4-6F175D3DCCD1}">
+              <a14:hiddenFill xmlns:a14="http://schemas.microsoft.com/office/drawing/2010/main">
+                <a:solidFill>
+                  <a:srgbClr val="FFFFFF"/>
+                </a:solidFill>
+              </a14:hiddenFill>
+            </a:ext>
+            <a:ext uri="{91240B29-F687-4F45-9708-019B960494DF}">
+              <a14:hiddenLine xmlns:a14="http://schemas.microsoft.com/office/drawing/2010/main" w="9525">
+                <a:solidFill>
+                  <a:srgbClr val="000000"/>
+                </a:solidFill>
+                <a:miter lim="800000"/>
+                <a:headEnd/>
+                <a:tailEnd/>
+              </a14:hiddenLine>
+            </a:ext>
+          </a:extLst>
+        </p:spPr>
+        <p:txBody>
+          <a:bodyPr wrap="square">
+            <a:spAutoFit/>
+          </a:bodyPr>
+          <a:lstStyle/>
+          <a:p>
+            <a:r>
+              <a:rPr lang="zh-CN" altLang="en-US" sz="1400" dirty="0" smtClean="0">
+                <a:solidFill>
+                  <a:schemeClr val="bg1"/>
+                </a:solidFill>
+                <a:latin typeface="宋体" pitchFamily="2" charset="-122"/>
+                <a:ea typeface="宋体" pitchFamily="2" charset="-122"/>
+              </a:rPr>
+              <a:t>自古</a:t>
+            </a:r>
+            <a:r>
+              <a:rPr lang="zh-CN" altLang="en-US" sz="1400" dirty="0">
+                <a:solidFill>
+                  <a:schemeClr val="bg1"/>
+                </a:solidFill>
+                <a:latin typeface="宋体" pitchFamily="2" charset="-122"/>
+                <a:ea typeface="宋体" pitchFamily="2" charset="-122"/>
+              </a:rPr>
+              <a:t>不谋万世者</a:t>
+            </a:r>
+            <a:r>
+              <a:rPr lang="en-US" altLang="zh-CN" sz="1400" dirty="0">
+                <a:solidFill>
+                  <a:schemeClr val="bg1"/>
+                </a:solidFill>
+                <a:latin typeface="宋体" pitchFamily="2" charset="-122"/>
+                <a:ea typeface="宋体" pitchFamily="2" charset="-122"/>
+              </a:rPr>
+              <a:t>,</a:t>
+            </a:r>
+            <a:r>
+              <a:rPr lang="zh-CN" altLang="en-US" sz="1400" dirty="0">
+                <a:solidFill>
+                  <a:schemeClr val="bg1"/>
+                </a:solidFill>
+                <a:latin typeface="宋体" pitchFamily="2" charset="-122"/>
+                <a:ea typeface="宋体" pitchFamily="2" charset="-122"/>
+              </a:rPr>
+              <a:t>不足谋一时</a:t>
+            </a:r>
+            <a:r>
+              <a:rPr lang="en-US" altLang="zh-CN" sz="1400" dirty="0">
+                <a:solidFill>
+                  <a:schemeClr val="bg1"/>
+                </a:solidFill>
+                <a:latin typeface="宋体" pitchFamily="2" charset="-122"/>
+                <a:ea typeface="宋体" pitchFamily="2" charset="-122"/>
+              </a:rPr>
+              <a:t>; </a:t>
+            </a:r>
+            <a:r>
+              <a:rPr lang="zh-CN" altLang="en-US" sz="1400" dirty="0">
+                <a:solidFill>
+                  <a:schemeClr val="bg1"/>
+                </a:solidFill>
+                <a:latin typeface="宋体" pitchFamily="2" charset="-122"/>
+                <a:ea typeface="宋体" pitchFamily="2" charset="-122"/>
+              </a:rPr>
+              <a:t>不谋全局者</a:t>
+            </a:r>
+            <a:r>
+              <a:rPr lang="en-US" altLang="zh-CN" sz="1400" dirty="0">
+                <a:solidFill>
+                  <a:schemeClr val="bg1"/>
+                </a:solidFill>
+                <a:latin typeface="宋体" pitchFamily="2" charset="-122"/>
+                <a:ea typeface="宋体" pitchFamily="2" charset="-122"/>
+              </a:rPr>
+              <a:t>,</a:t>
+            </a:r>
+            <a:r>
+              <a:rPr lang="zh-CN" altLang="en-US" sz="1400" dirty="0">
+                <a:solidFill>
+                  <a:schemeClr val="bg1"/>
+                </a:solidFill>
+                <a:latin typeface="宋体" pitchFamily="2" charset="-122"/>
+                <a:ea typeface="宋体" pitchFamily="2" charset="-122"/>
+              </a:rPr>
+              <a:t>不足谋一</a:t>
+            </a:r>
+            <a:r>
+              <a:rPr lang="zh-CN" altLang="en-US" sz="1400" dirty="0" smtClean="0">
+                <a:solidFill>
+                  <a:schemeClr val="bg1"/>
+                </a:solidFill>
+                <a:latin typeface="宋体" pitchFamily="2" charset="-122"/>
+                <a:ea typeface="宋体" pitchFamily="2" charset="-122"/>
+              </a:rPr>
+              <a:t>域。</a:t>
+            </a:r>
+            <a:endParaRPr lang="zh-CN" altLang="en-US" sz="1400" dirty="0">
+              <a:solidFill>
+                <a:schemeClr val="bg1"/>
+              </a:solidFill>
+              <a:latin typeface="宋体" pitchFamily="2" charset="-122"/>
+              <a:ea typeface="宋体" pitchFamily="2" charset="-122"/>
+            </a:endParaRPr>
+          </a:p>
+        </p:txBody>
+      </p:sp>
+      <p:cxnSp>
+        <p:nvCxnSpPr>
+          <p:cNvPr id="10" name="直接连接符 9"/>
+          <p:cNvCxnSpPr/>
+          <p:nvPr/>
+        </p:nvCxnSpPr>
+        <p:spPr bwMode="auto">
+          <a:xfrm>
+            <a:off x="4992694" y="3942184"/>
+            <a:ext cx="3135306" cy="1588"/>
+          </a:xfrm>
+          <a:prstGeom prst="line">
+            <a:avLst/>
+          </a:prstGeom>
+          <a:ln>
+            <a:solidFill>
+              <a:schemeClr val="bg1"/>
+            </a:solidFill>
+          </a:ln>
+          <a:extLst/>
+        </p:spPr>
+        <p:style>
+          <a:lnRef idx="1">
+            <a:schemeClr val="dk1"/>
+          </a:lnRef>
+          <a:fillRef idx="0">
+            <a:schemeClr val="dk1"/>
+          </a:fillRef>
+          <a:effectRef idx="0">
+            <a:schemeClr val="dk1"/>
+          </a:effectRef>
+          <a:fontRef idx="minor">
+            <a:schemeClr val="tx1"/>
+          </a:fontRef>
+        </p:style>
+      </p:cxnSp>
+    </p:spTree>
+    <p:extLst>
+      <p:ext uri="{BB962C8B-B14F-4D97-AF65-F5344CB8AC3E}">
+        <p14:creationId xmlns:p14="http://schemas.microsoft.com/office/powerpoint/2010/main" val="4150819711"/>
+      </p:ext>
+    </p:extLst>
+  </p:cSld>
+  <p:clrMapOvr>
+    <a:masterClrMapping/>
+  </p:clrMapOvr>
+  <p:transition/>
+  <p:timing>
+    <p:tnLst>
+      <p:par>
+        <p:cTn id="1" dur="indefinite" restart="never" nodeType="tmRoot"/>
+      </p:par>
+    </p:tnLst>
+  </p:timing>
+</p:sld>
+</file>
+
+<file path=ppt/slides/slide4.xml><?xml version="1.0" encoding="utf-8"?>
+<p:sld xmlns:a="http://schemas.openxmlformats.org/drawingml/2006/main" xmlns:r="http://schemas.openxmlformats.org/officeDocument/2006/relationships" xmlns:p="http://schemas.openxmlformats.org/presentationml/2006/main">
+  <p:cSld>
+    <p:bg>
+      <p:bgPr>
+        <a:blipFill dpi="0" rotWithShape="1">
+          <a:blip r:embed="rId3">
+            <a:lum/>
+          </a:blip>
+          <a:srcRect/>
+          <a:stretch>
+            <a:fillRect/>
+          </a:stretch>
+        </a:blipFill>
+        <a:effectLst/>
+      </p:bgPr>
+    </p:bg>
+    <p:spTree>
+      <p:nvGrpSpPr>
+        <p:cNvPr id="1" name=""/>
+        <p:cNvGrpSpPr/>
+        <p:nvPr/>
+      </p:nvGrpSpPr>
+      <p:grpSpPr>
+        <a:xfrm>
+          <a:off x="0" y="0"/>
+          <a:ext cx="0" cy="0"/>
+          <a:chOff x="0" y="0"/>
+          <a:chExt cx="0" cy="0"/>
+        </a:xfrm>
+      </p:grpSpPr>
+      <p:sp>
+        <p:nvSpPr>
+          <p:cNvPr id="5122" name="标题 1"/>
+          <p:cNvSpPr>
+            <a:spLocks noGrp="1"/>
+          </p:cNvSpPr>
+          <p:nvPr>
+            <p:ph type="title"/>
+          </p:nvPr>
+        </p:nvSpPr>
+        <p:spPr bwMode="auto">
+          <a:xfrm>
+            <a:off x="-400496" y="-19050"/>
+            <a:ext cx="3456384" cy="642926"/>
+          </a:xfrm>
+          <a:noFill/>
+          <a:extLst>
+            <a:ext uri="{909E8E84-426E-40DD-AFC4-6F175D3DCCD1}">
+              <a14:hiddenFill xmlns:a14="http://schemas.microsoft.com/office/drawing/2010/main">
+                <a:solidFill>
+                  <a:srgbClr val="FFFFFF"/>
+                </a:solidFill>
+              </a14:hiddenFill>
+            </a:ext>
+            <a:ext uri="{91240B29-F687-4F45-9708-019B960494DF}">
+              <a14:hiddenLine xmlns:a14="http://schemas.microsoft.com/office/drawing/2010/main" w="9525">
+                <a:solidFill>
+                  <a:srgbClr val="000000"/>
+                </a:solidFill>
+                <a:miter lim="800000"/>
+                <a:headEnd/>
+                <a:tailEnd/>
+              </a14:hiddenLine>
+            </a:ext>
+          </a:extLst>
+        </p:spPr>
+        <p:txBody>
+          <a:bodyPr wrap="square" lIns="91440" tIns="45720" rIns="91440" bIns="45720" numCol="1" anchor="t" anchorCtr="0" compatLnSpc="1">
+            <a:prstTxWarp prst="textNoShape">
+              <a:avLst/>
+            </a:prstTxWarp>
+          </a:bodyPr>
+          <a:lstStyle/>
+          <a:p>
+            <a:r>
+              <a:rPr lang="zh-CN" altLang="en-US" sz="2500" b="1" dirty="0">
+                <a:latin typeface="微软雅黑" pitchFamily="34" charset="-122"/>
+                <a:ea typeface="微软雅黑" pitchFamily="34" charset="-122"/>
+              </a:rPr>
+              <a:t>规范化与电子化</a:t>
+            </a:r>
+          </a:p>
+        </p:txBody>
+      </p:sp>
+      <p:sp>
+        <p:nvSpPr>
+          <p:cNvPr id="11" name="内容占位符 2"/>
+          <p:cNvSpPr>
+            <a:spLocks noGrp="1"/>
+          </p:cNvSpPr>
+          <p:nvPr>
+            <p:ph idx="1"/>
+          </p:nvPr>
+        </p:nvSpPr>
+        <p:spPr>
+          <a:xfrm>
+            <a:off x="535608" y="629816"/>
+            <a:ext cx="7315200" cy="2659062"/>
+          </a:xfrm>
+        </p:spPr>
+        <p:txBody>
+          <a:bodyPr/>
+          <a:lstStyle/>
+          <a:p>
+            <a:pPr>
+              <a:defRPr/>
+            </a:pPr>
+            <a:r>
+              <a:rPr lang="zh-CN" altLang="en-US" dirty="0" smtClean="0">
+                <a:solidFill>
+                  <a:schemeClr val="bg1"/>
+                </a:solidFill>
+                <a:latin typeface="微软雅黑" pitchFamily="34" charset="-122"/>
+                <a:ea typeface="微软雅黑" pitchFamily="34" charset="-122"/>
+              </a:rPr>
+              <a:t>规范化：构建</a:t>
+            </a:r>
+            <a:r>
+              <a:rPr lang="en-US" altLang="zh-CN" dirty="0" smtClean="0">
+                <a:solidFill>
+                  <a:schemeClr val="bg1"/>
+                </a:solidFill>
+                <a:latin typeface="微软雅黑" pitchFamily="34" charset="-122"/>
+                <a:ea typeface="微软雅黑" pitchFamily="34" charset="-122"/>
+              </a:rPr>
+              <a:t>ERP</a:t>
+            </a:r>
+            <a:r>
+              <a:rPr lang="zh-CN" altLang="en-US" dirty="0" smtClean="0">
+                <a:solidFill>
+                  <a:schemeClr val="bg1"/>
+                </a:solidFill>
+                <a:latin typeface="微软雅黑" pitchFamily="34" charset="-122"/>
+                <a:ea typeface="微软雅黑" pitchFamily="34" charset="-122"/>
+              </a:rPr>
+              <a:t>的过程，可以反思工作的规范化程度，并借助</a:t>
+            </a:r>
+            <a:r>
+              <a:rPr lang="en-US" altLang="zh-CN" dirty="0" smtClean="0">
+                <a:solidFill>
+                  <a:schemeClr val="bg1"/>
+                </a:solidFill>
+                <a:latin typeface="微软雅黑" pitchFamily="34" charset="-122"/>
+                <a:ea typeface="微软雅黑" pitchFamily="34" charset="-122"/>
+              </a:rPr>
+              <a:t>ERP</a:t>
+            </a:r>
+            <a:r>
+              <a:rPr lang="zh-CN" altLang="en-US" dirty="0" smtClean="0">
+                <a:solidFill>
+                  <a:schemeClr val="bg1"/>
+                </a:solidFill>
+                <a:latin typeface="微软雅黑" pitchFamily="34" charset="-122"/>
+                <a:ea typeface="微软雅黑" pitchFamily="34" charset="-122"/>
+              </a:rPr>
+              <a:t>进一步提高和强化</a:t>
+            </a:r>
+            <a:endParaRPr lang="en-US" altLang="zh-CN" dirty="0" smtClean="0">
+              <a:solidFill>
+                <a:schemeClr val="bg1"/>
+              </a:solidFill>
+              <a:latin typeface="微软雅黑" pitchFamily="34" charset="-122"/>
+              <a:ea typeface="微软雅黑" pitchFamily="34" charset="-122"/>
+            </a:endParaRPr>
+          </a:p>
+          <a:p>
+            <a:pPr>
+              <a:defRPr/>
+            </a:pPr>
+            <a:r>
+              <a:rPr lang="zh-CN" altLang="en-US" dirty="0" smtClean="0">
+                <a:solidFill>
+                  <a:schemeClr val="bg1"/>
+                </a:solidFill>
+                <a:latin typeface="微软雅黑" pitchFamily="34" charset="-122"/>
+                <a:ea typeface="微软雅黑" pitchFamily="34" charset="-122"/>
+              </a:rPr>
+              <a:t>电子化：将资源和业务经抽象后，融入软件系统</a:t>
+            </a:r>
+            <a:endParaRPr lang="en-US" altLang="zh-CN" dirty="0" smtClean="0">
+              <a:solidFill>
+                <a:schemeClr val="bg1"/>
+              </a:solidFill>
+              <a:latin typeface="微软雅黑" pitchFamily="34" charset="-122"/>
+              <a:ea typeface="微软雅黑" pitchFamily="34" charset="-122"/>
+            </a:endParaRPr>
+          </a:p>
+          <a:p>
+            <a:pPr marL="317500" indent="0">
+              <a:buFont typeface="Gill Sans" charset="0"/>
+              <a:buNone/>
+              <a:defRPr/>
+            </a:pPr>
+            <a:r>
+              <a:rPr lang="zh-CN" altLang="en-US" dirty="0" smtClean="0">
+                <a:solidFill>
+                  <a:schemeClr val="bg1"/>
+                </a:solidFill>
+                <a:latin typeface="微软雅黑" pitchFamily="34" charset="-122"/>
+                <a:ea typeface="微软雅黑" pitchFamily="34" charset="-122"/>
+              </a:rPr>
+              <a:t>               －在规范化的基础上进行总结和抽象</a:t>
+            </a:r>
+            <a:endParaRPr lang="en-US" altLang="zh-CN" dirty="0" smtClean="0">
+              <a:solidFill>
+                <a:schemeClr val="bg1"/>
+              </a:solidFill>
+              <a:latin typeface="微软雅黑" pitchFamily="34" charset="-122"/>
+              <a:ea typeface="微软雅黑" pitchFamily="34" charset="-122"/>
+            </a:endParaRPr>
+          </a:p>
+          <a:p>
+            <a:pPr>
+              <a:defRPr/>
+            </a:pPr>
+            <a:endParaRPr lang="en-US" altLang="zh-CN" dirty="0" smtClean="0"/>
+          </a:p>
+          <a:p>
+            <a:pPr>
+              <a:defRPr/>
+            </a:pPr>
+            <a:endParaRPr lang="zh-CN" altLang="en-US" dirty="0"/>
+          </a:p>
+        </p:txBody>
+      </p:sp>
+      <p:sp>
+        <p:nvSpPr>
+          <p:cNvPr id="9" name="矩形 3"/>
+          <p:cNvSpPr>
+            <a:spLocks noChangeArrowheads="1"/>
+          </p:cNvSpPr>
+          <p:nvPr/>
+        </p:nvSpPr>
+        <p:spPr bwMode="auto">
+          <a:xfrm>
+            <a:off x="1289035" y="4052902"/>
+            <a:ext cx="1008063" cy="276999"/>
+          </a:xfrm>
+          <a:prstGeom prst="rect">
+            <a:avLst/>
+          </a:prstGeom>
+          <a:noFill/>
+          <a:ln>
+            <a:noFill/>
+          </a:ln>
+          <a:extLst>
+            <a:ext uri="{909E8E84-426E-40DD-AFC4-6F175D3DCCD1}">
+              <a14:hiddenFill xmlns:a14="http://schemas.microsoft.com/office/drawing/2010/main">
+                <a:solidFill>
+                  <a:srgbClr val="FFFFFF"/>
+                </a:solidFill>
+              </a14:hiddenFill>
+            </a:ext>
+            <a:ext uri="{91240B29-F687-4F45-9708-019B960494DF}">
+              <a14:hiddenLine xmlns:a14="http://schemas.microsoft.com/office/drawing/2010/main" w="9525">
+                <a:solidFill>
+                  <a:srgbClr val="000000"/>
+                </a:solidFill>
+                <a:miter lim="800000"/>
+                <a:headEnd/>
+                <a:tailEnd/>
+              </a14:hiddenLine>
+            </a:ext>
+          </a:extLst>
+        </p:spPr>
+        <p:txBody>
+          <a:bodyPr>
+            <a:spAutoFit/>
+          </a:bodyPr>
+          <a:lstStyle/>
+          <a:p>
+            <a:r>
+              <a:rPr lang="zh-CN" altLang="en-US" sz="1200" dirty="0">
+                <a:solidFill>
+                  <a:schemeClr val="bg1">
+                    <a:lumMod val="95000"/>
+                    <a:lumOff val="5000"/>
+                  </a:schemeClr>
+                </a:solidFill>
+                <a:latin typeface="Microsoft YaHei UI" pitchFamily="34" charset="-122"/>
+                <a:ea typeface="Microsoft YaHei UI" pitchFamily="34" charset="-122"/>
+              </a:rPr>
+              <a:t>现实工作</a:t>
+            </a:r>
+          </a:p>
+        </p:txBody>
+      </p:sp>
+      <p:sp>
+        <p:nvSpPr>
+          <p:cNvPr id="10" name="矩形 4"/>
+          <p:cNvSpPr>
+            <a:spLocks noChangeArrowheads="1"/>
+          </p:cNvSpPr>
+          <p:nvPr/>
+        </p:nvSpPr>
+        <p:spPr bwMode="auto">
+          <a:xfrm>
+            <a:off x="3797296" y="4052902"/>
+            <a:ext cx="1266850" cy="307777"/>
+          </a:xfrm>
+          <a:prstGeom prst="rect">
+            <a:avLst/>
+          </a:prstGeom>
+          <a:noFill/>
+          <a:ln>
+            <a:noFill/>
+          </a:ln>
+          <a:extLst>
+            <a:ext uri="{909E8E84-426E-40DD-AFC4-6F175D3DCCD1}">
+              <a14:hiddenFill xmlns:a14="http://schemas.microsoft.com/office/drawing/2010/main">
+                <a:solidFill>
+                  <a:srgbClr val="FFFFFF"/>
+                </a:solidFill>
+              </a14:hiddenFill>
+            </a:ext>
+            <a:ext uri="{91240B29-F687-4F45-9708-019B960494DF}">
+              <a14:hiddenLine xmlns:a14="http://schemas.microsoft.com/office/drawing/2010/main" w="9525">
+                <a:solidFill>
+                  <a:srgbClr val="000000"/>
+                </a:solidFill>
+                <a:miter lim="800000"/>
+                <a:headEnd/>
+                <a:tailEnd/>
+              </a14:hiddenLine>
+            </a:ext>
+          </a:extLst>
+        </p:spPr>
+        <p:txBody>
+          <a:bodyPr wrap="square">
+            <a:spAutoFit/>
+          </a:bodyPr>
+          <a:lstStyle/>
+          <a:p>
+            <a:r>
+              <a:rPr lang="en-US" altLang="zh-CN" sz="1400" dirty="0">
+                <a:solidFill>
+                  <a:schemeClr val="bg1">
+                    <a:lumMod val="95000"/>
+                    <a:lumOff val="5000"/>
+                  </a:schemeClr>
+                </a:solidFill>
+                <a:latin typeface="宋体" pitchFamily="2" charset="-122"/>
+                <a:ea typeface="宋体" pitchFamily="2" charset="-122"/>
+              </a:rPr>
+              <a:t>1001001…</a:t>
+            </a:r>
+            <a:endParaRPr lang="zh-CN" altLang="en-US" sz="1400" dirty="0">
+              <a:solidFill>
+                <a:schemeClr val="bg1">
+                  <a:lumMod val="95000"/>
+                  <a:lumOff val="5000"/>
+                </a:schemeClr>
+              </a:solidFill>
+              <a:latin typeface="宋体" pitchFamily="2" charset="-122"/>
+              <a:ea typeface="宋体" pitchFamily="2" charset="-122"/>
+            </a:endParaRPr>
+          </a:p>
+        </p:txBody>
+      </p:sp>
+      <p:sp>
+        <p:nvSpPr>
+          <p:cNvPr id="16" name="右箭头 15"/>
+          <p:cNvSpPr/>
+          <p:nvPr/>
+        </p:nvSpPr>
+        <p:spPr bwMode="auto">
+          <a:xfrm>
+            <a:off x="2233591" y="3687777"/>
+            <a:ext cx="1512887" cy="169862"/>
+          </a:xfrm>
+          <a:prstGeom prst="rightArrow">
+            <a:avLst/>
+          </a:prstGeom>
+          <a:solidFill>
+            <a:schemeClr val="bg1">
+              <a:lumMod val="65000"/>
+              <a:lumOff val="35000"/>
+            </a:schemeClr>
+          </a:solidFill>
+          <a:ln>
+            <a:solidFill>
+              <a:schemeClr val="bg1">
+                <a:lumMod val="65000"/>
+                <a:lumOff val="35000"/>
+              </a:schemeClr>
+            </a:solidFill>
+          </a:ln>
+          <a:extLst/>
+        </p:spPr>
+        <p:style>
+          <a:lnRef idx="2">
+            <a:schemeClr val="dk1">
+              <a:shade val="50000"/>
+            </a:schemeClr>
+          </a:lnRef>
+          <a:fillRef idx="1">
+            <a:schemeClr val="dk1"/>
+          </a:fillRef>
+          <a:effectRef idx="0">
+            <a:schemeClr val="dk1"/>
+          </a:effectRef>
+          <a:fontRef idx="minor">
+            <a:schemeClr val="lt1"/>
+          </a:fontRef>
+        </p:style>
+        <p:txBody>
+          <a:bodyPr/>
+          <a:lstStyle/>
+          <a:p>
+            <a:pPr>
+              <a:defRPr/>
+            </a:pPr>
+            <a:endParaRPr lang="zh-CN" altLang="en-US">
+              <a:solidFill>
+                <a:schemeClr val="bg1">
+                  <a:lumMod val="95000"/>
+                  <a:lumOff val="5000"/>
+                </a:schemeClr>
+              </a:solidFill>
+            </a:endParaRPr>
+          </a:p>
+        </p:txBody>
+      </p:sp>
+      <p:sp>
+        <p:nvSpPr>
+          <p:cNvPr id="18" name="右箭头 17"/>
+          <p:cNvSpPr/>
+          <p:nvPr/>
+        </p:nvSpPr>
+        <p:spPr bwMode="auto">
+          <a:xfrm>
+            <a:off x="5062516" y="3708414"/>
+            <a:ext cx="1395412" cy="168275"/>
+          </a:xfrm>
+          <a:prstGeom prst="rightArrow">
+            <a:avLst/>
+          </a:prstGeom>
+          <a:solidFill>
+            <a:schemeClr val="bg1">
+              <a:lumMod val="65000"/>
+              <a:lumOff val="35000"/>
+            </a:schemeClr>
+          </a:solidFill>
+          <a:ln>
+            <a:solidFill>
+              <a:schemeClr val="bg1">
+                <a:lumMod val="65000"/>
+                <a:lumOff val="35000"/>
+              </a:schemeClr>
+            </a:solidFill>
+          </a:ln>
+          <a:extLst/>
+        </p:spPr>
+        <p:style>
+          <a:lnRef idx="2">
+            <a:schemeClr val="dk1">
+              <a:shade val="50000"/>
+            </a:schemeClr>
+          </a:lnRef>
+          <a:fillRef idx="1">
+            <a:schemeClr val="dk1"/>
+          </a:fillRef>
+          <a:effectRef idx="0">
+            <a:schemeClr val="dk1"/>
+          </a:effectRef>
+          <a:fontRef idx="minor">
+            <a:schemeClr val="lt1"/>
+          </a:fontRef>
+        </p:style>
+        <p:txBody>
+          <a:bodyPr/>
+          <a:lstStyle/>
+          <a:p>
+            <a:pPr>
+              <a:defRPr/>
+            </a:pPr>
+            <a:endParaRPr lang="zh-CN" altLang="en-US">
+              <a:solidFill>
+                <a:schemeClr val="bg1">
+                  <a:lumMod val="95000"/>
+                  <a:lumOff val="5000"/>
+                </a:schemeClr>
+              </a:solidFill>
+            </a:endParaRPr>
+          </a:p>
+        </p:txBody>
+      </p:sp>
+      <p:pic>
+        <p:nvPicPr>
+          <p:cNvPr id="19" name="圖片 9" descr="Edit.png"/>
+          <p:cNvPicPr>
+            <a:picLocks noChangeAspect="1"/>
+          </p:cNvPicPr>
+          <p:nvPr/>
+        </p:nvPicPr>
+        <p:blipFill>
+          <a:blip r:embed="rId4"/>
+          <a:stretch>
+            <a:fillRect/>
+          </a:stretch>
+        </p:blipFill>
+        <p:spPr>
+          <a:xfrm>
+            <a:off x="1439842" y="3409960"/>
+            <a:ext cx="609600" cy="609600"/>
+          </a:xfrm>
+          <a:prstGeom prst="rect">
+            <a:avLst/>
+          </a:prstGeom>
+        </p:spPr>
+      </p:pic>
+      <p:pic>
+        <p:nvPicPr>
+          <p:cNvPr id="20" name="圖片 10" descr="Refresh.png"/>
+          <p:cNvPicPr>
+            <a:picLocks noChangeAspect="1"/>
+          </p:cNvPicPr>
+          <p:nvPr/>
+        </p:nvPicPr>
+        <p:blipFill>
+          <a:blip r:embed="rId5"/>
+          <a:stretch>
+            <a:fillRect/>
+          </a:stretch>
+        </p:blipFill>
+        <p:spPr>
+          <a:xfrm>
+            <a:off x="4083048" y="3409960"/>
+            <a:ext cx="609600" cy="609600"/>
+          </a:xfrm>
+          <a:prstGeom prst="rect">
+            <a:avLst/>
+          </a:prstGeom>
+        </p:spPr>
+      </p:pic>
+      <p:pic>
+        <p:nvPicPr>
+          <p:cNvPr id="21" name="圖片 11" descr="Computer (1).png"/>
+          <p:cNvPicPr>
+            <a:picLocks noChangeAspect="1"/>
+          </p:cNvPicPr>
+          <p:nvPr/>
+        </p:nvPicPr>
+        <p:blipFill>
+          <a:blip r:embed="rId6"/>
+          <a:stretch>
+            <a:fillRect/>
+          </a:stretch>
+        </p:blipFill>
+        <p:spPr>
+          <a:xfrm>
+            <a:off x="6583378" y="3481398"/>
+            <a:ext cx="609600" cy="609600"/>
+          </a:xfrm>
+          <a:prstGeom prst="rect">
+            <a:avLst/>
+          </a:prstGeom>
+        </p:spPr>
+      </p:pic>
+    </p:spTree>
+    <p:extLst>
+      <p:ext uri="{BB962C8B-B14F-4D97-AF65-F5344CB8AC3E}">
+        <p14:creationId xmlns:p14="http://schemas.microsoft.com/office/powerpoint/2010/main" val="833965628"/>
+      </p:ext>
+    </p:extLst>
+  </p:cSld>
+  <p:clrMapOvr>
+    <a:masterClrMapping/>
+  </p:clrMapOvr>
+  <p:transition/>
+  <p:timing>
+    <p:tnLst>
+      <p:par>
+        <p:cTn id="1" dur="indefinite" restart="never" nodeType="tmRoot"/>
+      </p:par>
+    </p:tnLst>
+  </p:timing>
+</p:sld>
+</file>
+
+<file path=ppt/slides/slide40.xml><?xml version="1.0" encoding="utf-8"?>
+<p:sld xmlns:a="http://schemas.openxmlformats.org/drawingml/2006/main" xmlns:r="http://schemas.openxmlformats.org/officeDocument/2006/relationships" xmlns:p="http://schemas.openxmlformats.org/presentationml/2006/main">
+  <p:cSld>
+    <p:bg>
+      <p:bgPr>
+        <a:blipFill dpi="0" rotWithShape="1">
+          <a:blip r:embed="rId3">
+            <a:lum/>
+          </a:blip>
+          <a:srcRect/>
+          <a:stretch>
+            <a:fillRect/>
+          </a:stretch>
+        </a:blipFill>
+        <a:effectLst/>
+      </p:bgPr>
+    </p:bg>
+    <p:spTree>
+      <p:nvGrpSpPr>
+        <p:cNvPr id="1" name=""/>
+        <p:cNvGrpSpPr/>
+        <p:nvPr/>
+      </p:nvGrpSpPr>
+      <p:grpSpPr>
+        <a:xfrm>
+          <a:off x="0" y="0"/>
+          <a:ext cx="0" cy="0"/>
+          <a:chOff x="0" y="0"/>
+          <a:chExt cx="0" cy="0"/>
+        </a:xfrm>
+      </p:grpSpPr>
+      <p:sp>
+        <p:nvSpPr>
+          <p:cNvPr id="5122" name="标题 1"/>
+          <p:cNvSpPr>
+            <a:spLocks noGrp="1"/>
+          </p:cNvSpPr>
+          <p:nvPr>
+            <p:ph type="title"/>
+          </p:nvPr>
+        </p:nvSpPr>
+        <p:spPr bwMode="auto">
+          <a:xfrm>
+            <a:off x="-184472" y="-28575"/>
+            <a:ext cx="2736304" cy="642926"/>
+          </a:xfrm>
+          <a:noFill/>
+          <a:extLst>
+            <a:ext uri="{909E8E84-426E-40DD-AFC4-6F175D3DCCD1}">
+              <a14:hiddenFill xmlns:a14="http://schemas.microsoft.com/office/drawing/2010/main">
+                <a:solidFill>
+                  <a:srgbClr val="FFFFFF"/>
+                </a:solidFill>
+              </a14:hiddenFill>
+            </a:ext>
+            <a:ext uri="{91240B29-F687-4F45-9708-019B960494DF}">
+              <a14:hiddenLine xmlns:a14="http://schemas.microsoft.com/office/drawing/2010/main" w="9525">
+                <a:solidFill>
+                  <a:srgbClr val="000000"/>
+                </a:solidFill>
+                <a:miter lim="800000"/>
+                <a:headEnd/>
+                <a:tailEnd/>
+              </a14:hiddenLine>
+            </a:ext>
+          </a:extLst>
+        </p:spPr>
+        <p:txBody>
+          <a:bodyPr wrap="square" lIns="91440" tIns="45720" rIns="91440" bIns="45720" numCol="1" anchor="t" anchorCtr="0" compatLnSpc="1">
+            <a:prstTxWarp prst="textNoShape">
+              <a:avLst/>
+            </a:prstTxWarp>
+          </a:bodyPr>
+          <a:lstStyle/>
+          <a:p>
+            <a:r>
+              <a:rPr lang="zh-CN" altLang="en-US" sz="2500" b="1" dirty="0">
+                <a:latin typeface="微软雅黑" pitchFamily="34" charset="-122"/>
+                <a:ea typeface="微软雅黑" pitchFamily="34" charset="-122"/>
+              </a:rPr>
+              <a:t>生产</a:t>
+            </a:r>
+            <a:r>
+              <a:rPr lang="en-US" altLang="zh-CN" sz="2500" b="1" dirty="0" smtClean="0">
+                <a:latin typeface="微软雅黑" pitchFamily="34" charset="-122"/>
+                <a:ea typeface="微软雅黑" pitchFamily="34" charset="-122"/>
+              </a:rPr>
+              <a:t>-MRP</a:t>
+            </a:r>
+            <a:r>
+              <a:rPr lang="zh-CN" altLang="en-US" sz="2500" b="1" dirty="0" smtClean="0">
+                <a:latin typeface="微软雅黑" pitchFamily="34" charset="-122"/>
+                <a:ea typeface="微软雅黑" pitchFamily="34" charset="-122"/>
+              </a:rPr>
+              <a:t>运算</a:t>
+            </a:r>
+            <a:endParaRPr lang="zh-CN" altLang="en-US" sz="2500" b="1" dirty="0" smtClean="0">
+              <a:latin typeface="微软雅黑" pitchFamily="34" charset="-122"/>
+              <a:ea typeface="微软雅黑" pitchFamily="34" charset="-122"/>
+            </a:endParaRPr>
+          </a:p>
+        </p:txBody>
+      </p:sp>
+      <p:sp>
+        <p:nvSpPr>
+          <p:cNvPr id="5" name="内容占位符 2"/>
+          <p:cNvSpPr>
+            <a:spLocks noGrp="1"/>
+          </p:cNvSpPr>
+          <p:nvPr>
+            <p:ph idx="1"/>
+          </p:nvPr>
+        </p:nvSpPr>
+        <p:spPr>
+          <a:xfrm>
+            <a:off x="391592" y="845840"/>
+            <a:ext cx="7315200" cy="3017838"/>
+          </a:xfrm>
+        </p:spPr>
+        <p:txBody>
+          <a:bodyPr/>
+          <a:lstStyle/>
+          <a:p>
+            <a:r>
+              <a:rPr lang="en-US" altLang="zh-CN" smtClean="0">
+                <a:solidFill>
+                  <a:schemeClr val="bg1"/>
+                </a:solidFill>
+                <a:latin typeface="微软雅黑" pitchFamily="34" charset="-122"/>
+                <a:ea typeface="微软雅黑" pitchFamily="34" charset="-122"/>
+              </a:rPr>
+              <a:t>MRP</a:t>
+            </a:r>
+            <a:r>
+              <a:rPr lang="zh-CN" altLang="en-US" dirty="0" smtClean="0">
+                <a:solidFill>
+                  <a:schemeClr val="bg1"/>
+                </a:solidFill>
+                <a:latin typeface="微软雅黑" pitchFamily="34" charset="-122"/>
+                <a:ea typeface="微软雅黑" pitchFamily="34" charset="-122"/>
+              </a:rPr>
+              <a:t>运算＝</a:t>
+            </a:r>
+            <a:r>
+              <a:rPr lang="en-US" altLang="zh-CN" dirty="0" smtClean="0">
+                <a:solidFill>
+                  <a:schemeClr val="bg1"/>
+                </a:solidFill>
+                <a:latin typeface="微软雅黑" pitchFamily="34" charset="-122"/>
+                <a:ea typeface="微软雅黑" pitchFamily="34" charset="-122"/>
+              </a:rPr>
+              <a:t>&gt;</a:t>
+            </a:r>
+            <a:r>
+              <a:rPr lang="zh-CN" altLang="en-US" dirty="0" smtClean="0">
+                <a:solidFill>
+                  <a:schemeClr val="bg1"/>
+                </a:solidFill>
+                <a:latin typeface="微软雅黑" pitchFamily="34" charset="-122"/>
+                <a:ea typeface="微软雅黑" pitchFamily="34" charset="-122"/>
+              </a:rPr>
+              <a:t>可以自动生成采购</a:t>
+            </a:r>
+            <a:r>
+              <a:rPr lang="zh-CN" altLang="en-US" dirty="0" smtClean="0">
+                <a:solidFill>
+                  <a:schemeClr val="bg1"/>
+                </a:solidFill>
+                <a:latin typeface="微软雅黑" pitchFamily="34" charset="-122"/>
+                <a:ea typeface="微软雅黑" pitchFamily="34" charset="-122"/>
+              </a:rPr>
+              <a:t>订单</a:t>
+            </a:r>
+            <a:endParaRPr lang="en-US" altLang="zh-CN" dirty="0" smtClean="0">
+              <a:solidFill>
+                <a:schemeClr val="bg1"/>
+              </a:solidFill>
+              <a:latin typeface="微软雅黑" pitchFamily="34" charset="-122"/>
+              <a:ea typeface="微软雅黑" pitchFamily="34" charset="-122"/>
+            </a:endParaRPr>
+          </a:p>
+        </p:txBody>
+      </p:sp>
+      <p:sp>
+        <p:nvSpPr>
+          <p:cNvPr id="6" name="矩形 5"/>
+          <p:cNvSpPr>
+            <a:spLocks noChangeArrowheads="1"/>
+          </p:cNvSpPr>
+          <p:nvPr/>
+        </p:nvSpPr>
+        <p:spPr bwMode="auto">
+          <a:xfrm>
+            <a:off x="4688139" y="3923152"/>
+            <a:ext cx="3439861" cy="307777"/>
+          </a:xfrm>
+          <a:prstGeom prst="rect">
+            <a:avLst/>
+          </a:prstGeom>
+          <a:noFill/>
+          <a:ln>
+            <a:noFill/>
+          </a:ln>
+          <a:extLst>
+            <a:ext uri="{909E8E84-426E-40DD-AFC4-6F175D3DCCD1}">
+              <a14:hiddenFill xmlns:a14="http://schemas.microsoft.com/office/drawing/2010/main">
+                <a:solidFill>
+                  <a:srgbClr val="FFFFFF"/>
+                </a:solidFill>
+              </a14:hiddenFill>
+            </a:ext>
+            <a:ext uri="{91240B29-F687-4F45-9708-019B960494DF}">
+              <a14:hiddenLine xmlns:a14="http://schemas.microsoft.com/office/drawing/2010/main" w="9525">
+                <a:solidFill>
+                  <a:srgbClr val="000000"/>
+                </a:solidFill>
+                <a:miter lim="800000"/>
+                <a:headEnd/>
+                <a:tailEnd/>
+              </a14:hiddenLine>
+            </a:ext>
+          </a:extLst>
+        </p:spPr>
+        <p:txBody>
+          <a:bodyPr wrap="square">
+            <a:spAutoFit/>
+          </a:bodyPr>
+          <a:lstStyle/>
+          <a:p>
+            <a:r>
+              <a:rPr lang="zh-CN" altLang="en-US" sz="1400" dirty="0" smtClean="0">
+                <a:solidFill>
+                  <a:schemeClr val="bg1"/>
+                </a:solidFill>
+                <a:latin typeface="宋体" pitchFamily="2" charset="-122"/>
+                <a:ea typeface="宋体" pitchFamily="2" charset="-122"/>
+              </a:rPr>
+              <a:t>业精于勤荒于嬉，行成于思毁于随。</a:t>
+            </a:r>
+            <a:endParaRPr lang="zh-CN" altLang="en-US" sz="1400" dirty="0">
+              <a:solidFill>
+                <a:schemeClr val="bg1"/>
+              </a:solidFill>
+              <a:latin typeface="宋体" pitchFamily="2" charset="-122"/>
+              <a:ea typeface="宋体" pitchFamily="2" charset="-122"/>
+            </a:endParaRPr>
+          </a:p>
+        </p:txBody>
+      </p:sp>
+      <p:cxnSp>
+        <p:nvCxnSpPr>
+          <p:cNvPr id="8" name="直接连接符 7"/>
+          <p:cNvCxnSpPr/>
+          <p:nvPr/>
+        </p:nvCxnSpPr>
+        <p:spPr bwMode="auto">
+          <a:xfrm>
+            <a:off x="4992694" y="3942184"/>
+            <a:ext cx="3135306" cy="1588"/>
+          </a:xfrm>
+          <a:prstGeom prst="line">
+            <a:avLst/>
+          </a:prstGeom>
+          <a:ln>
+            <a:solidFill>
+              <a:schemeClr val="bg1"/>
+            </a:solidFill>
+          </a:ln>
+          <a:extLst/>
+        </p:spPr>
+        <p:style>
+          <a:lnRef idx="1">
+            <a:schemeClr val="dk1"/>
+          </a:lnRef>
+          <a:fillRef idx="0">
+            <a:schemeClr val="dk1"/>
+          </a:fillRef>
+          <a:effectRef idx="0">
+            <a:schemeClr val="dk1"/>
+          </a:effectRef>
+          <a:fontRef idx="minor">
+            <a:schemeClr val="tx1"/>
+          </a:fontRef>
+        </p:style>
+      </p:cxnSp>
+    </p:spTree>
+    <p:extLst>
+      <p:ext uri="{BB962C8B-B14F-4D97-AF65-F5344CB8AC3E}">
+        <p14:creationId xmlns:p14="http://schemas.microsoft.com/office/powerpoint/2010/main" val="3862016347"/>
+      </p:ext>
+    </p:extLst>
+  </p:cSld>
+  <p:clrMapOvr>
+    <a:masterClrMapping/>
+  </p:clrMapOvr>
+  <p:transition/>
+  <p:timing>
+    <p:tnLst>
+      <p:par>
+        <p:cTn id="1" dur="indefinite" restart="never" nodeType="tmRoot"/>
+      </p:par>
+    </p:tnLst>
+  </p:timing>
+</p:sld>
+</file>
+
+<file path=ppt/slides/slide41.xml><?xml version="1.0" encoding="utf-8"?>
+<p:sld xmlns:a="http://schemas.openxmlformats.org/drawingml/2006/main" xmlns:r="http://schemas.openxmlformats.org/officeDocument/2006/relationships" xmlns:p="http://schemas.openxmlformats.org/presentationml/2006/main">
+  <p:cSld>
+    <p:bg>
+      <p:bgPr>
+        <a:blipFill dpi="0" rotWithShape="1">
+          <a:blip r:embed="rId3">
+            <a:lum/>
+          </a:blip>
+          <a:srcRect/>
+          <a:stretch>
+            <a:fillRect/>
+          </a:stretch>
+        </a:blipFill>
+        <a:effectLst/>
+      </p:bgPr>
+    </p:bg>
+    <p:spTree>
+      <p:nvGrpSpPr>
+        <p:cNvPr id="1" name=""/>
+        <p:cNvGrpSpPr/>
+        <p:nvPr/>
+      </p:nvGrpSpPr>
+      <p:grpSpPr>
+        <a:xfrm>
+          <a:off x="0" y="0"/>
+          <a:ext cx="0" cy="0"/>
+          <a:chOff x="0" y="0"/>
+          <a:chExt cx="0" cy="0"/>
+        </a:xfrm>
+      </p:grpSpPr>
+      <p:sp>
+        <p:nvSpPr>
+          <p:cNvPr id="5122" name="标题 1"/>
+          <p:cNvSpPr>
+            <a:spLocks noGrp="1"/>
+          </p:cNvSpPr>
+          <p:nvPr>
+            <p:ph type="title"/>
+          </p:nvPr>
+        </p:nvSpPr>
+        <p:spPr bwMode="auto">
+          <a:xfrm>
+            <a:off x="-400496" y="9525"/>
+            <a:ext cx="3966939" cy="642926"/>
+          </a:xfrm>
+          <a:noFill/>
+          <a:extLst>
+            <a:ext uri="{909E8E84-426E-40DD-AFC4-6F175D3DCCD1}">
+              <a14:hiddenFill xmlns:a14="http://schemas.microsoft.com/office/drawing/2010/main">
+                <a:solidFill>
+                  <a:srgbClr val="FFFFFF"/>
+                </a:solidFill>
+              </a14:hiddenFill>
+            </a:ext>
+            <a:ext uri="{91240B29-F687-4F45-9708-019B960494DF}">
+              <a14:hiddenLine xmlns:a14="http://schemas.microsoft.com/office/drawing/2010/main" w="9525">
+                <a:solidFill>
+                  <a:srgbClr val="000000"/>
+                </a:solidFill>
+                <a:miter lim="800000"/>
+                <a:headEnd/>
+                <a:tailEnd/>
+              </a14:hiddenLine>
+            </a:ext>
+          </a:extLst>
+        </p:spPr>
+        <p:txBody>
+          <a:bodyPr wrap="square" lIns="91440" tIns="45720" rIns="91440" bIns="45720" numCol="1" anchor="t" anchorCtr="0" compatLnSpc="1">
+            <a:prstTxWarp prst="textNoShape">
+              <a:avLst/>
+            </a:prstTxWarp>
+          </a:bodyPr>
+          <a:lstStyle/>
+          <a:p>
+            <a:r>
+              <a:rPr lang="zh-CN" altLang="en-US" sz="2500" b="1" dirty="0" smtClean="0">
+                <a:latin typeface="微软雅黑" pitchFamily="34" charset="-122"/>
+                <a:ea typeface="微软雅黑" pitchFamily="34" charset="-122"/>
+              </a:rPr>
+              <a:t>协同办公</a:t>
+            </a:r>
+            <a:r>
+              <a:rPr lang="en-US" altLang="zh-CN" sz="2500" b="1" dirty="0" smtClean="0">
+                <a:latin typeface="微软雅黑" pitchFamily="34" charset="-122"/>
+                <a:ea typeface="微软雅黑" pitchFamily="34" charset="-122"/>
+              </a:rPr>
+              <a:t>-</a:t>
+            </a:r>
+            <a:r>
+              <a:rPr lang="zh-CN" altLang="en-US" sz="2500" b="1" dirty="0" smtClean="0">
+                <a:latin typeface="微软雅黑" pitchFamily="34" charset="-122"/>
+                <a:ea typeface="微软雅黑" pitchFamily="34" charset="-122"/>
+              </a:rPr>
+              <a:t>报批与审批</a:t>
+            </a:r>
+          </a:p>
+        </p:txBody>
+      </p:sp>
+      <p:sp>
+        <p:nvSpPr>
+          <p:cNvPr id="5" name="内容占位符 2"/>
+          <p:cNvSpPr>
+            <a:spLocks noGrp="1"/>
+          </p:cNvSpPr>
+          <p:nvPr>
+            <p:ph idx="1"/>
+          </p:nvPr>
+        </p:nvSpPr>
+        <p:spPr>
+          <a:xfrm>
+            <a:off x="279128" y="845840"/>
+            <a:ext cx="7848872" cy="3017838"/>
+          </a:xfrm>
+        </p:spPr>
+        <p:txBody>
+          <a:bodyPr/>
+          <a:lstStyle/>
+          <a:p>
+            <a:r>
+              <a:rPr lang="zh-CN" altLang="en-US" dirty="0" smtClean="0">
+                <a:solidFill>
+                  <a:schemeClr val="bg1"/>
+                </a:solidFill>
+                <a:latin typeface="微软雅黑" pitchFamily="34" charset="-122"/>
+                <a:ea typeface="微软雅黑" pitchFamily="34" charset="-122"/>
+              </a:rPr>
+              <a:t>采购订单预算报批</a:t>
+            </a:r>
+            <a:r>
+              <a:rPr lang="en-US" altLang="zh-CN" dirty="0" smtClean="0">
+                <a:solidFill>
+                  <a:schemeClr val="bg1"/>
+                </a:solidFill>
+                <a:latin typeface="微软雅黑" pitchFamily="34" charset="-122"/>
+                <a:ea typeface="微软雅黑" pitchFamily="34" charset="-122"/>
+              </a:rPr>
+              <a:t>=&gt;</a:t>
+            </a:r>
+            <a:r>
+              <a:rPr lang="zh-CN" altLang="en-US" dirty="0" smtClean="0">
+                <a:solidFill>
+                  <a:schemeClr val="bg1"/>
+                </a:solidFill>
+                <a:latin typeface="微软雅黑" pitchFamily="34" charset="-122"/>
+                <a:ea typeface="微软雅黑" pitchFamily="34" charset="-122"/>
+              </a:rPr>
+              <a:t>协同办公模块</a:t>
+            </a:r>
+            <a:endParaRPr lang="en-US" altLang="zh-CN" dirty="0">
+              <a:solidFill>
+                <a:schemeClr val="bg1"/>
+              </a:solidFill>
+              <a:latin typeface="微软雅黑" pitchFamily="34" charset="-122"/>
+              <a:ea typeface="微软雅黑" pitchFamily="34" charset="-122"/>
+            </a:endParaRPr>
+          </a:p>
+          <a:p>
+            <a:r>
+              <a:rPr lang="en-US" altLang="zh-CN" dirty="0" smtClean="0">
+                <a:solidFill>
+                  <a:schemeClr val="bg1"/>
+                </a:solidFill>
+                <a:latin typeface="微软雅黑" pitchFamily="34" charset="-122"/>
+                <a:ea typeface="微软雅黑" pitchFamily="34" charset="-122"/>
+              </a:rPr>
+              <a:t>=&gt;1.</a:t>
+            </a:r>
+            <a:r>
+              <a:rPr lang="zh-CN" altLang="en-US" dirty="0" smtClean="0">
+                <a:solidFill>
+                  <a:schemeClr val="bg1"/>
+                </a:solidFill>
+                <a:latin typeface="微软雅黑" pitchFamily="34" charset="-122"/>
+                <a:ea typeface="微软雅黑" pitchFamily="34" charset="-122"/>
+              </a:rPr>
+              <a:t>审核通过＝</a:t>
+            </a:r>
+            <a:r>
+              <a:rPr lang="en-US" altLang="zh-CN" dirty="0" smtClean="0">
+                <a:solidFill>
+                  <a:schemeClr val="bg1"/>
+                </a:solidFill>
+                <a:latin typeface="微软雅黑" pitchFamily="34" charset="-122"/>
+                <a:ea typeface="微软雅黑" pitchFamily="34" charset="-122"/>
+              </a:rPr>
+              <a:t>&gt;</a:t>
+            </a:r>
+            <a:r>
+              <a:rPr lang="zh-CN" altLang="en-US" dirty="0" smtClean="0">
+                <a:solidFill>
+                  <a:schemeClr val="bg1"/>
+                </a:solidFill>
+                <a:latin typeface="微软雅黑" pitchFamily="34" charset="-122"/>
+                <a:ea typeface="微软雅黑" pitchFamily="34" charset="-122"/>
+              </a:rPr>
+              <a:t>采购模块</a:t>
+            </a:r>
+            <a:endParaRPr lang="en-US" altLang="zh-CN" dirty="0" smtClean="0">
+              <a:solidFill>
+                <a:schemeClr val="bg1"/>
+              </a:solidFill>
+              <a:latin typeface="微软雅黑" pitchFamily="34" charset="-122"/>
+              <a:ea typeface="微软雅黑" pitchFamily="34" charset="-122"/>
+            </a:endParaRPr>
+          </a:p>
+          <a:p>
+            <a:r>
+              <a:rPr lang="en-US" altLang="zh-CN" dirty="0" smtClean="0">
+                <a:solidFill>
+                  <a:schemeClr val="bg1"/>
+                </a:solidFill>
+                <a:latin typeface="微软雅黑" pitchFamily="34" charset="-122"/>
+                <a:ea typeface="微软雅黑" pitchFamily="34" charset="-122"/>
+              </a:rPr>
+              <a:t>=&gt;2.</a:t>
+            </a:r>
+            <a:r>
+              <a:rPr lang="zh-CN" altLang="en-US" dirty="0" smtClean="0">
+                <a:solidFill>
+                  <a:schemeClr val="bg1"/>
+                </a:solidFill>
+                <a:latin typeface="微软雅黑" pitchFamily="34" charset="-122"/>
+                <a:ea typeface="微软雅黑" pitchFamily="34" charset="-122"/>
+              </a:rPr>
+              <a:t>审核未通过</a:t>
+            </a:r>
+            <a:r>
+              <a:rPr lang="en-US" altLang="zh-CN" dirty="0" smtClean="0">
+                <a:solidFill>
+                  <a:schemeClr val="bg1"/>
+                </a:solidFill>
+                <a:latin typeface="微软雅黑" pitchFamily="34" charset="-122"/>
+                <a:ea typeface="微软雅黑" pitchFamily="34" charset="-122"/>
+              </a:rPr>
+              <a:t>=&gt;</a:t>
+            </a:r>
+            <a:r>
+              <a:rPr lang="zh-CN" altLang="en-US" dirty="0" smtClean="0">
+                <a:solidFill>
+                  <a:schemeClr val="bg1"/>
+                </a:solidFill>
+                <a:latin typeface="微软雅黑" pitchFamily="34" charset="-122"/>
+                <a:ea typeface="微软雅黑" pitchFamily="34" charset="-122"/>
+              </a:rPr>
+              <a:t>在采购模块中修改预算</a:t>
+            </a:r>
+            <a:r>
+              <a:rPr lang="en-US" altLang="zh-CN" dirty="0" smtClean="0">
+                <a:solidFill>
+                  <a:schemeClr val="bg1"/>
+                </a:solidFill>
+                <a:latin typeface="微软雅黑" pitchFamily="34" charset="-122"/>
+                <a:ea typeface="微软雅黑" pitchFamily="34" charset="-122"/>
+              </a:rPr>
+              <a:t>=&gt;</a:t>
+            </a:r>
+            <a:r>
+              <a:rPr lang="zh-CN" altLang="en-US" dirty="0">
+                <a:solidFill>
+                  <a:schemeClr val="bg1"/>
+                </a:solidFill>
+                <a:latin typeface="微软雅黑" pitchFamily="34" charset="-122"/>
+                <a:ea typeface="微软雅黑" pitchFamily="34" charset="-122"/>
+              </a:rPr>
+              <a:t>采购订单预算</a:t>
+            </a:r>
+            <a:r>
+              <a:rPr lang="zh-CN" altLang="en-US" dirty="0" smtClean="0">
+                <a:solidFill>
+                  <a:schemeClr val="bg1"/>
+                </a:solidFill>
+                <a:latin typeface="微软雅黑" pitchFamily="34" charset="-122"/>
+                <a:ea typeface="微软雅黑" pitchFamily="34" charset="-122"/>
+              </a:rPr>
+              <a:t>报批</a:t>
+            </a:r>
+            <a:r>
+              <a:rPr lang="en-US" altLang="zh-CN" dirty="0" smtClean="0">
+                <a:solidFill>
+                  <a:schemeClr val="bg1"/>
+                </a:solidFill>
+                <a:latin typeface="微软雅黑" pitchFamily="34" charset="-122"/>
+                <a:ea typeface="微软雅黑" pitchFamily="34" charset="-122"/>
+              </a:rPr>
+              <a:t>=&gt;</a:t>
+            </a:r>
+            <a:r>
+              <a:rPr lang="zh-CN" altLang="en-US" dirty="0">
+                <a:solidFill>
+                  <a:schemeClr val="bg1"/>
+                </a:solidFill>
+                <a:latin typeface="微软雅黑" pitchFamily="34" charset="-122"/>
+                <a:ea typeface="微软雅黑" pitchFamily="34" charset="-122"/>
+              </a:rPr>
+              <a:t>协同办公</a:t>
+            </a:r>
+            <a:r>
+              <a:rPr lang="zh-CN" altLang="en-US" dirty="0" smtClean="0">
+                <a:solidFill>
+                  <a:schemeClr val="bg1"/>
+                </a:solidFill>
+                <a:latin typeface="微软雅黑" pitchFamily="34" charset="-122"/>
+                <a:ea typeface="微软雅黑" pitchFamily="34" charset="-122"/>
+              </a:rPr>
+              <a:t>模块</a:t>
+            </a:r>
+            <a:endParaRPr lang="en-US" altLang="zh-CN" dirty="0" smtClean="0">
+              <a:solidFill>
+                <a:schemeClr val="bg1"/>
+              </a:solidFill>
+              <a:latin typeface="微软雅黑" pitchFamily="34" charset="-122"/>
+              <a:ea typeface="微软雅黑" pitchFamily="34" charset="-122"/>
+            </a:endParaRPr>
+          </a:p>
+          <a:p>
+            <a:r>
+              <a:rPr lang="zh-CN" altLang="en-US" dirty="0" smtClean="0">
+                <a:solidFill>
+                  <a:schemeClr val="bg1"/>
+                </a:solidFill>
+                <a:latin typeface="微软雅黑" pitchFamily="34" charset="-122"/>
+                <a:ea typeface="微软雅黑" pitchFamily="34" charset="-122"/>
+              </a:rPr>
+              <a:t>在这一闭环过程中，协同办公模块会对当前责任人发出提醒，也可由系统相关用户主动发出催办提醒</a:t>
+            </a:r>
+            <a:endParaRPr lang="en-US" altLang="zh-CN" dirty="0" smtClean="0">
+              <a:solidFill>
+                <a:schemeClr val="bg1"/>
+              </a:solidFill>
+              <a:latin typeface="微软雅黑" pitchFamily="34" charset="-122"/>
+              <a:ea typeface="微软雅黑" pitchFamily="34" charset="-122"/>
+            </a:endParaRPr>
+          </a:p>
+          <a:p>
+            <a:endParaRPr lang="en-US" altLang="zh-CN" dirty="0">
+              <a:solidFill>
+                <a:schemeClr val="bg1"/>
+              </a:solidFill>
+              <a:latin typeface="微软雅黑" pitchFamily="34" charset="-122"/>
+              <a:ea typeface="微软雅黑" pitchFamily="34" charset="-122"/>
+            </a:endParaRPr>
+          </a:p>
+          <a:p>
+            <a:endParaRPr lang="en-US" altLang="zh-CN" dirty="0" smtClean="0">
+              <a:solidFill>
+                <a:schemeClr val="bg1"/>
+              </a:solidFill>
+              <a:latin typeface="微软雅黑" pitchFamily="34" charset="-122"/>
+              <a:ea typeface="微软雅黑" pitchFamily="34" charset="-122"/>
+            </a:endParaRPr>
+          </a:p>
+        </p:txBody>
+      </p:sp>
+      <p:sp>
+        <p:nvSpPr>
+          <p:cNvPr id="6" name="矩形 5"/>
+          <p:cNvSpPr>
+            <a:spLocks noChangeArrowheads="1"/>
+          </p:cNvSpPr>
+          <p:nvPr/>
+        </p:nvSpPr>
+        <p:spPr bwMode="auto">
+          <a:xfrm>
+            <a:off x="3919984" y="3962418"/>
+            <a:ext cx="4376477" cy="307777"/>
+          </a:xfrm>
+          <a:prstGeom prst="rect">
+            <a:avLst/>
+          </a:prstGeom>
+          <a:noFill/>
+          <a:ln>
+            <a:noFill/>
+          </a:ln>
+          <a:extLst>
+            <a:ext uri="{909E8E84-426E-40DD-AFC4-6F175D3DCCD1}">
+              <a14:hiddenFill xmlns:a14="http://schemas.microsoft.com/office/drawing/2010/main">
+                <a:solidFill>
+                  <a:srgbClr val="FFFFFF"/>
+                </a:solidFill>
+              </a14:hiddenFill>
+            </a:ext>
+            <a:ext uri="{91240B29-F687-4F45-9708-019B960494DF}">
+              <a14:hiddenLine xmlns:a14="http://schemas.microsoft.com/office/drawing/2010/main" w="9525">
+                <a:solidFill>
+                  <a:srgbClr val="000000"/>
+                </a:solidFill>
+                <a:miter lim="800000"/>
+                <a:headEnd/>
+                <a:tailEnd/>
+              </a14:hiddenLine>
+            </a:ext>
+          </a:extLst>
+        </p:spPr>
+        <p:txBody>
+          <a:bodyPr wrap="square">
+            <a:spAutoFit/>
+          </a:bodyPr>
+          <a:lstStyle/>
+          <a:p>
+            <a:r>
+              <a:rPr lang="zh-CN" altLang="en-US" sz="1400" dirty="0">
+                <a:solidFill>
+                  <a:schemeClr val="bg1"/>
+                </a:solidFill>
+                <a:latin typeface="宋体" pitchFamily="2" charset="-122"/>
+                <a:ea typeface="宋体" pitchFamily="2" charset="-122"/>
+              </a:rPr>
+              <a:t>虎兕出于柙，龟玉毁于椟中，是谁之过欤</a:t>
+            </a:r>
+            <a:r>
+              <a:rPr lang="zh-CN" altLang="en-US" sz="1400" dirty="0" smtClean="0">
+                <a:solidFill>
+                  <a:schemeClr val="bg1"/>
+                </a:solidFill>
+                <a:latin typeface="宋体" pitchFamily="2" charset="-122"/>
+                <a:ea typeface="宋体" pitchFamily="2" charset="-122"/>
+              </a:rPr>
+              <a:t>？</a:t>
+            </a:r>
+            <a:r>
+              <a:rPr lang="en-US" altLang="zh-CN" sz="1400" dirty="0" smtClean="0">
+                <a:solidFill>
+                  <a:schemeClr val="bg1"/>
+                </a:solidFill>
+                <a:latin typeface="宋体" pitchFamily="2" charset="-122"/>
+                <a:ea typeface="宋体" pitchFamily="2" charset="-122"/>
+              </a:rPr>
+              <a:t>—</a:t>
+            </a:r>
+            <a:r>
+              <a:rPr lang="zh-CN" altLang="en-US" sz="1400" dirty="0" smtClean="0">
+                <a:solidFill>
+                  <a:schemeClr val="bg1"/>
+                </a:solidFill>
+                <a:latin typeface="宋体" pitchFamily="2" charset="-122"/>
+                <a:ea typeface="宋体" pitchFamily="2" charset="-122"/>
+              </a:rPr>
+              <a:t>孔子</a:t>
+            </a:r>
+            <a:endParaRPr lang="zh-CN" altLang="en-US" sz="1400" dirty="0">
+              <a:solidFill>
+                <a:schemeClr val="tx1"/>
+              </a:solidFill>
+              <a:latin typeface="宋体" pitchFamily="2" charset="-122"/>
+              <a:ea typeface="宋体" pitchFamily="2" charset="-122"/>
+            </a:endParaRPr>
+          </a:p>
+        </p:txBody>
+      </p:sp>
+      <p:cxnSp>
+        <p:nvCxnSpPr>
+          <p:cNvPr id="8" name="直接连接符 7"/>
+          <p:cNvCxnSpPr/>
+          <p:nvPr/>
+        </p:nvCxnSpPr>
+        <p:spPr bwMode="auto">
+          <a:xfrm>
+            <a:off x="4992694" y="3942184"/>
+            <a:ext cx="3135306" cy="1588"/>
+          </a:xfrm>
+          <a:prstGeom prst="line">
+            <a:avLst/>
+          </a:prstGeom>
+          <a:ln>
+            <a:solidFill>
+              <a:schemeClr val="bg1"/>
+            </a:solidFill>
+          </a:ln>
+          <a:extLst/>
+        </p:spPr>
+        <p:style>
+          <a:lnRef idx="1">
+            <a:schemeClr val="dk1"/>
+          </a:lnRef>
+          <a:fillRef idx="0">
+            <a:schemeClr val="dk1"/>
+          </a:fillRef>
+          <a:effectRef idx="0">
+            <a:schemeClr val="dk1"/>
+          </a:effectRef>
+          <a:fontRef idx="minor">
+            <a:schemeClr val="tx1"/>
+          </a:fontRef>
+        </p:style>
+      </p:cxnSp>
+    </p:spTree>
+    <p:extLst>
+      <p:ext uri="{BB962C8B-B14F-4D97-AF65-F5344CB8AC3E}">
+        <p14:creationId xmlns:p14="http://schemas.microsoft.com/office/powerpoint/2010/main" val="2942797912"/>
+      </p:ext>
+    </p:extLst>
+  </p:cSld>
+  <p:clrMapOvr>
+    <a:masterClrMapping/>
+  </p:clrMapOvr>
+  <p:transition/>
+  <p:timing>
+    <p:tnLst>
+      <p:par>
+        <p:cTn id="1" dur="indefinite" restart="never" nodeType="tmRoot"/>
+      </p:par>
+    </p:tnLst>
+  </p:timing>
+</p:sld>
+</file>
+
+<file path=ppt/slides/slide42.xml><?xml version="1.0" encoding="utf-8"?>
+<p:sld xmlns:a="http://schemas.openxmlformats.org/drawingml/2006/main" xmlns:r="http://schemas.openxmlformats.org/officeDocument/2006/relationships" xmlns:p="http://schemas.openxmlformats.org/presentationml/2006/main">
+  <p:cSld>
+    <p:bg>
+      <p:bgPr>
+        <a:blipFill dpi="0" rotWithShape="1">
+          <a:blip r:embed="rId3">
+            <a:lum/>
+          </a:blip>
+          <a:srcRect/>
+          <a:stretch>
+            <a:fillRect/>
+          </a:stretch>
+        </a:blipFill>
+        <a:effectLst/>
+      </p:bgPr>
+    </p:bg>
+    <p:spTree>
+      <p:nvGrpSpPr>
+        <p:cNvPr id="1" name=""/>
+        <p:cNvGrpSpPr/>
+        <p:nvPr/>
+      </p:nvGrpSpPr>
+      <p:grpSpPr>
+        <a:xfrm>
+          <a:off x="0" y="0"/>
+          <a:ext cx="0" cy="0"/>
+          <a:chOff x="0" y="0"/>
+          <a:chExt cx="0" cy="0"/>
+        </a:xfrm>
+      </p:grpSpPr>
+      <p:sp>
+        <p:nvSpPr>
+          <p:cNvPr id="5122" name="标题 1"/>
+          <p:cNvSpPr>
+            <a:spLocks noGrp="1"/>
+          </p:cNvSpPr>
+          <p:nvPr>
+            <p:ph type="title"/>
+          </p:nvPr>
+        </p:nvSpPr>
+        <p:spPr bwMode="auto">
+          <a:xfrm>
+            <a:off x="-544512" y="9525"/>
+            <a:ext cx="3744416" cy="642926"/>
+          </a:xfrm>
+          <a:noFill/>
+          <a:extLst>
+            <a:ext uri="{909E8E84-426E-40DD-AFC4-6F175D3DCCD1}">
+              <a14:hiddenFill xmlns:a14="http://schemas.microsoft.com/office/drawing/2010/main">
+                <a:solidFill>
+                  <a:srgbClr val="FFFFFF"/>
+                </a:solidFill>
+              </a14:hiddenFill>
+            </a:ext>
+            <a:ext uri="{91240B29-F687-4F45-9708-019B960494DF}">
+              <a14:hiddenLine xmlns:a14="http://schemas.microsoft.com/office/drawing/2010/main" w="9525">
+                <a:solidFill>
+                  <a:srgbClr val="000000"/>
+                </a:solidFill>
+                <a:miter lim="800000"/>
+                <a:headEnd/>
+                <a:tailEnd/>
+              </a14:hiddenLine>
+            </a:ext>
+          </a:extLst>
+        </p:spPr>
+        <p:txBody>
+          <a:bodyPr wrap="square" lIns="91440" tIns="45720" rIns="91440" bIns="45720" numCol="1" anchor="t" anchorCtr="0" compatLnSpc="1">
+            <a:prstTxWarp prst="textNoShape">
+              <a:avLst/>
+            </a:prstTxWarp>
+          </a:bodyPr>
+          <a:lstStyle/>
+          <a:p>
+            <a:r>
+              <a:rPr lang="zh-CN" altLang="en-US" sz="2500" b="1" dirty="0">
+                <a:latin typeface="微软雅黑" pitchFamily="34" charset="-122"/>
+                <a:ea typeface="微软雅黑" pitchFamily="34" charset="-122"/>
+              </a:rPr>
+              <a:t>生产</a:t>
+            </a:r>
+            <a:r>
+              <a:rPr lang="en-US" altLang="zh-CN" sz="2500" b="1" dirty="0" smtClean="0">
+                <a:latin typeface="微软雅黑" pitchFamily="34" charset="-122"/>
+                <a:ea typeface="微软雅黑" pitchFamily="34" charset="-122"/>
+              </a:rPr>
+              <a:t>-</a:t>
+            </a:r>
+            <a:r>
+              <a:rPr lang="zh-CN" altLang="en-US" sz="2500" b="1" dirty="0" smtClean="0">
+                <a:latin typeface="微软雅黑" pitchFamily="34" charset="-122"/>
+                <a:ea typeface="微软雅黑" pitchFamily="34" charset="-122"/>
+              </a:rPr>
+              <a:t>工序与跟踪</a:t>
+            </a:r>
+          </a:p>
+        </p:txBody>
+      </p:sp>
+      <p:sp>
+        <p:nvSpPr>
+          <p:cNvPr id="5" name="内容占位符 2"/>
+          <p:cNvSpPr>
+            <a:spLocks noGrp="1"/>
+          </p:cNvSpPr>
+          <p:nvPr>
+            <p:ph idx="1"/>
+          </p:nvPr>
+        </p:nvSpPr>
+        <p:spPr>
+          <a:xfrm>
+            <a:off x="469218" y="686271"/>
+            <a:ext cx="7315200" cy="3017838"/>
+          </a:xfrm>
+        </p:spPr>
+        <p:txBody>
+          <a:bodyPr/>
+          <a:lstStyle/>
+          <a:p>
+            <a:r>
+              <a:rPr lang="zh-CN" altLang="en-US" dirty="0">
+                <a:solidFill>
+                  <a:schemeClr val="bg1"/>
+                </a:solidFill>
+                <a:latin typeface="微软雅黑" pitchFamily="34" charset="-122"/>
+                <a:ea typeface="微软雅黑" pitchFamily="34" charset="-122"/>
+              </a:rPr>
+              <a:t>工序设置－</a:t>
+            </a:r>
+            <a:r>
+              <a:rPr lang="en-US" altLang="zh-CN" dirty="0">
+                <a:solidFill>
+                  <a:schemeClr val="bg1"/>
+                </a:solidFill>
+                <a:latin typeface="微软雅黑" pitchFamily="34" charset="-122"/>
+                <a:ea typeface="微软雅黑" pitchFamily="34" charset="-122"/>
+              </a:rPr>
+              <a:t>&gt;</a:t>
+            </a:r>
+            <a:r>
+              <a:rPr lang="zh-CN" altLang="en-US" dirty="0">
+                <a:solidFill>
+                  <a:schemeClr val="bg1"/>
+                </a:solidFill>
+                <a:latin typeface="微软雅黑" pitchFamily="34" charset="-122"/>
+                <a:ea typeface="微软雅黑" pitchFamily="34" charset="-122"/>
+              </a:rPr>
+              <a:t>生产进度跟踪（闭环</a:t>
+            </a:r>
+            <a:r>
+              <a:rPr lang="en-US" altLang="zh-CN" dirty="0">
+                <a:solidFill>
+                  <a:schemeClr val="bg1"/>
+                </a:solidFill>
+                <a:latin typeface="微软雅黑" pitchFamily="34" charset="-122"/>
+                <a:ea typeface="微软雅黑" pitchFamily="34" charset="-122"/>
+              </a:rPr>
+              <a:t>MRP</a:t>
+            </a:r>
+            <a:r>
+              <a:rPr lang="zh-CN" altLang="en-US" dirty="0">
+                <a:solidFill>
+                  <a:schemeClr val="bg1"/>
+                </a:solidFill>
+                <a:latin typeface="微软雅黑" pitchFamily="34" charset="-122"/>
+                <a:ea typeface="微软雅黑" pitchFamily="34" charset="-122"/>
+              </a:rPr>
+              <a:t>重要手段之一）</a:t>
+            </a:r>
+            <a:endParaRPr lang="en-US" altLang="zh-CN" dirty="0">
+              <a:solidFill>
+                <a:schemeClr val="bg1"/>
+              </a:solidFill>
+              <a:latin typeface="微软雅黑" pitchFamily="34" charset="-122"/>
+              <a:ea typeface="微软雅黑" pitchFamily="34" charset="-122"/>
+            </a:endParaRPr>
+          </a:p>
+        </p:txBody>
+      </p:sp>
+      <p:pic>
+        <p:nvPicPr>
+          <p:cNvPr id="7170" name="Picture 2"/>
+          <p:cNvPicPr>
+            <a:picLocks noChangeAspect="1" noChangeArrowheads="1"/>
+          </p:cNvPicPr>
+          <p:nvPr/>
+        </p:nvPicPr>
+        <p:blipFill>
+          <a:blip r:embed="rId4">
+            <a:extLst>
+              <a:ext uri="{28A0092B-C50C-407E-A947-70E740481C1C}">
+                <a14:useLocalDpi xmlns:a14="http://schemas.microsoft.com/office/drawing/2010/main" val="0"/>
+              </a:ext>
+            </a:extLst>
+          </a:blip>
+          <a:srcRect/>
+          <a:stretch>
+            <a:fillRect/>
+          </a:stretch>
+        </p:blipFill>
+        <p:spPr bwMode="auto">
+          <a:xfrm>
+            <a:off x="1831752" y="1395412"/>
+            <a:ext cx="2562225" cy="1781175"/>
+          </a:xfrm>
+          <a:prstGeom prst="rect">
+            <a:avLst/>
+          </a:prstGeom>
+          <a:noFill/>
+          <a:ln>
+            <a:noFill/>
+          </a:ln>
+          <a:effectLst/>
+          <a:extLst>
+            <a:ext uri="{909E8E84-426E-40DD-AFC4-6F175D3DCCD1}">
+              <a14:hiddenFill xmlns:a14="http://schemas.microsoft.com/office/drawing/2010/main">
+                <a:solidFill>
+                  <a:schemeClr val="accent1"/>
+                </a:solidFill>
+              </a14:hiddenFill>
+            </a:ext>
+            <a:ext uri="{91240B29-F687-4F45-9708-019B960494DF}">
+              <a14:hiddenLine xmlns:a14="http://schemas.microsoft.com/office/drawing/2010/main" w="9525">
+                <a:solidFill>
+                  <a:schemeClr val="tx1"/>
+                </a:solidFill>
+                <a:miter lim="800000"/>
+                <a:headEnd/>
+                <a:tailEnd/>
+              </a14:hiddenLine>
+            </a:ext>
+            <a:ext uri="{AF507438-7753-43E0-B8FC-AC1667EBCBE1}">
+              <a14:hiddenEffects xmlns:a14="http://schemas.microsoft.com/office/drawing/2010/main">
+                <a:effectLst>
+                  <a:outerShdw dist="35921" dir="2700000" algn="ctr" rotWithShape="0">
+                    <a:schemeClr val="bg2"/>
+                  </a:outerShdw>
+                </a:effectLst>
+              </a14:hiddenEffects>
+            </a:ext>
+          </a:extLst>
+        </p:spPr>
+      </p:pic>
+      <p:sp>
+        <p:nvSpPr>
+          <p:cNvPr id="6" name="矩形 11"/>
+          <p:cNvSpPr>
+            <a:spLocks noChangeArrowheads="1"/>
+          </p:cNvSpPr>
+          <p:nvPr/>
+        </p:nvSpPr>
+        <p:spPr bwMode="auto">
+          <a:xfrm>
+            <a:off x="3515941" y="3942183"/>
+            <a:ext cx="4608512" cy="307777"/>
+          </a:xfrm>
+          <a:prstGeom prst="rect">
+            <a:avLst/>
+          </a:prstGeom>
+          <a:noFill/>
+          <a:ln>
+            <a:noFill/>
+          </a:ln>
+          <a:extLst>
+            <a:ext uri="{909E8E84-426E-40DD-AFC4-6F175D3DCCD1}">
+              <a14:hiddenFill xmlns:a14="http://schemas.microsoft.com/office/drawing/2010/main">
+                <a:solidFill>
+                  <a:srgbClr val="FFFFFF"/>
+                </a:solidFill>
+              </a14:hiddenFill>
+            </a:ext>
+            <a:ext uri="{91240B29-F687-4F45-9708-019B960494DF}">
+              <a14:hiddenLine xmlns:a14="http://schemas.microsoft.com/office/drawing/2010/main" w="9525">
+                <a:solidFill>
+                  <a:srgbClr val="000000"/>
+                </a:solidFill>
+                <a:miter lim="800000"/>
+                <a:headEnd/>
+                <a:tailEnd/>
+              </a14:hiddenLine>
+            </a:ext>
+          </a:extLst>
+        </p:spPr>
+        <p:txBody>
+          <a:bodyPr wrap="square">
+            <a:spAutoFit/>
+          </a:bodyPr>
+          <a:lstStyle/>
+          <a:p>
+            <a:r>
+              <a:rPr lang="zh-CN" altLang="en-US" sz="1400" dirty="0" smtClean="0">
+                <a:solidFill>
+                  <a:schemeClr val="bg1"/>
+                </a:solidFill>
+                <a:latin typeface="宋体" pitchFamily="2" charset="-122"/>
+                <a:ea typeface="宋体" pitchFamily="2" charset="-122"/>
+              </a:rPr>
+              <a:t>自古</a:t>
+            </a:r>
+            <a:r>
+              <a:rPr lang="zh-CN" altLang="en-US" sz="1400" dirty="0">
+                <a:solidFill>
+                  <a:schemeClr val="bg1"/>
+                </a:solidFill>
+                <a:latin typeface="宋体" pitchFamily="2" charset="-122"/>
+                <a:ea typeface="宋体" pitchFamily="2" charset="-122"/>
+              </a:rPr>
+              <a:t>不谋万世者</a:t>
+            </a:r>
+            <a:r>
+              <a:rPr lang="en-US" altLang="zh-CN" sz="1400" dirty="0">
+                <a:solidFill>
+                  <a:schemeClr val="bg1"/>
+                </a:solidFill>
+                <a:latin typeface="宋体" pitchFamily="2" charset="-122"/>
+                <a:ea typeface="宋体" pitchFamily="2" charset="-122"/>
+              </a:rPr>
+              <a:t>,</a:t>
+            </a:r>
+            <a:r>
+              <a:rPr lang="zh-CN" altLang="en-US" sz="1400" dirty="0">
+                <a:solidFill>
+                  <a:schemeClr val="bg1"/>
+                </a:solidFill>
+                <a:latin typeface="宋体" pitchFamily="2" charset="-122"/>
+                <a:ea typeface="宋体" pitchFamily="2" charset="-122"/>
+              </a:rPr>
+              <a:t>不足谋一时</a:t>
+            </a:r>
+            <a:r>
+              <a:rPr lang="en-US" altLang="zh-CN" sz="1400" dirty="0">
+                <a:solidFill>
+                  <a:schemeClr val="bg1"/>
+                </a:solidFill>
+                <a:latin typeface="宋体" pitchFamily="2" charset="-122"/>
+                <a:ea typeface="宋体" pitchFamily="2" charset="-122"/>
+              </a:rPr>
+              <a:t>; </a:t>
+            </a:r>
+            <a:r>
+              <a:rPr lang="zh-CN" altLang="en-US" sz="1400" dirty="0">
+                <a:solidFill>
+                  <a:schemeClr val="bg1"/>
+                </a:solidFill>
+                <a:latin typeface="宋体" pitchFamily="2" charset="-122"/>
+                <a:ea typeface="宋体" pitchFamily="2" charset="-122"/>
+              </a:rPr>
+              <a:t>不谋全局者</a:t>
+            </a:r>
+            <a:r>
+              <a:rPr lang="en-US" altLang="zh-CN" sz="1400" dirty="0">
+                <a:solidFill>
+                  <a:schemeClr val="bg1"/>
+                </a:solidFill>
+                <a:latin typeface="宋体" pitchFamily="2" charset="-122"/>
+                <a:ea typeface="宋体" pitchFamily="2" charset="-122"/>
+              </a:rPr>
+              <a:t>,</a:t>
+            </a:r>
+            <a:r>
+              <a:rPr lang="zh-CN" altLang="en-US" sz="1400" dirty="0">
+                <a:solidFill>
+                  <a:schemeClr val="bg1"/>
+                </a:solidFill>
+                <a:latin typeface="宋体" pitchFamily="2" charset="-122"/>
+                <a:ea typeface="宋体" pitchFamily="2" charset="-122"/>
+              </a:rPr>
+              <a:t>不足谋一</a:t>
+            </a:r>
+            <a:r>
+              <a:rPr lang="zh-CN" altLang="en-US" sz="1400" dirty="0" smtClean="0">
+                <a:solidFill>
+                  <a:schemeClr val="bg1"/>
+                </a:solidFill>
+                <a:latin typeface="宋体" pitchFamily="2" charset="-122"/>
+                <a:ea typeface="宋体" pitchFamily="2" charset="-122"/>
+              </a:rPr>
+              <a:t>域。</a:t>
+            </a:r>
+            <a:endParaRPr lang="zh-CN" altLang="en-US" sz="1400" dirty="0">
+              <a:solidFill>
+                <a:schemeClr val="bg1"/>
+              </a:solidFill>
+              <a:latin typeface="宋体" pitchFamily="2" charset="-122"/>
+              <a:ea typeface="宋体" pitchFamily="2" charset="-122"/>
+            </a:endParaRPr>
+          </a:p>
+        </p:txBody>
+      </p:sp>
+      <p:cxnSp>
+        <p:nvCxnSpPr>
+          <p:cNvPr id="8" name="直接连接符 7"/>
+          <p:cNvCxnSpPr/>
+          <p:nvPr/>
+        </p:nvCxnSpPr>
+        <p:spPr bwMode="auto">
+          <a:xfrm>
+            <a:off x="4992694" y="3942184"/>
+            <a:ext cx="3135306" cy="1588"/>
+          </a:xfrm>
+          <a:prstGeom prst="line">
+            <a:avLst/>
+          </a:prstGeom>
+          <a:ln>
+            <a:solidFill>
+              <a:schemeClr val="bg1"/>
+            </a:solidFill>
+          </a:ln>
+          <a:extLst/>
+        </p:spPr>
+        <p:style>
+          <a:lnRef idx="1">
+            <a:schemeClr val="dk1"/>
+          </a:lnRef>
+          <a:fillRef idx="0">
+            <a:schemeClr val="dk1"/>
+          </a:fillRef>
+          <a:effectRef idx="0">
+            <a:schemeClr val="dk1"/>
+          </a:effectRef>
+          <a:fontRef idx="minor">
+            <a:schemeClr val="tx1"/>
+          </a:fontRef>
+        </p:style>
+      </p:cxnSp>
+    </p:spTree>
+    <p:extLst>
+      <p:ext uri="{BB962C8B-B14F-4D97-AF65-F5344CB8AC3E}">
+        <p14:creationId xmlns:p14="http://schemas.microsoft.com/office/powerpoint/2010/main" val="1756122234"/>
+      </p:ext>
+    </p:extLst>
+  </p:cSld>
+  <p:clrMapOvr>
+    <a:masterClrMapping/>
+  </p:clrMapOvr>
+  <p:transition/>
+  <p:timing>
+    <p:tnLst>
+      <p:par>
+        <p:cTn id="1" dur="indefinite" restart="never" nodeType="tmRoot"/>
+      </p:par>
+    </p:tnLst>
+  </p:timing>
+</p:sld>
+</file>
+
+<file path=ppt/slides/slide43.xml><?xml version="1.0" encoding="utf-8"?>
+<p:sld xmlns:a="http://schemas.openxmlformats.org/drawingml/2006/main" xmlns:r="http://schemas.openxmlformats.org/officeDocument/2006/relationships" xmlns:p="http://schemas.openxmlformats.org/presentationml/2006/main">
+  <p:cSld>
+    <p:bg>
+      <p:bgPr>
+        <a:blipFill dpi="0" rotWithShape="1">
+          <a:blip r:embed="rId3">
+            <a:lum/>
+          </a:blip>
+          <a:srcRect/>
+          <a:stretch>
+            <a:fillRect/>
+          </a:stretch>
+        </a:blipFill>
+        <a:effectLst/>
+      </p:bgPr>
+    </p:bg>
+    <p:spTree>
+      <p:nvGrpSpPr>
+        <p:cNvPr id="1" name=""/>
+        <p:cNvGrpSpPr/>
+        <p:nvPr/>
+      </p:nvGrpSpPr>
+      <p:grpSpPr>
+        <a:xfrm>
+          <a:off x="0" y="0"/>
+          <a:ext cx="0" cy="0"/>
+          <a:chOff x="0" y="0"/>
+          <a:chExt cx="0" cy="0"/>
+        </a:xfrm>
+      </p:grpSpPr>
+      <p:sp>
+        <p:nvSpPr>
+          <p:cNvPr id="5122" name="标题 1"/>
+          <p:cNvSpPr>
+            <a:spLocks noGrp="1"/>
+          </p:cNvSpPr>
+          <p:nvPr>
+            <p:ph type="title"/>
+          </p:nvPr>
+        </p:nvSpPr>
+        <p:spPr bwMode="auto">
+          <a:xfrm>
             <a:off x="-112464" y="0"/>
             <a:ext cx="2664296" cy="642926"/>
           </a:xfrm>
@@ -40041,10 +44337,6 @@
               </a:rPr>
               <a:t>生产完毕</a:t>
             </a:r>
-            <a:endParaRPr lang="zh-CN" altLang="en-US" sz="2500" b="1" dirty="0" smtClean="0">
-              <a:latin typeface="微软雅黑" pitchFamily="34" charset="-122"/>
-              <a:ea typeface="微软雅黑" pitchFamily="34" charset="-122"/>
-            </a:endParaRPr>
           </a:p>
         </p:txBody>
       </p:sp>
@@ -40281,7 +44573,7 @@
 </p:sld>
 </file>
 
-<file path=ppt/slides/slide38.xml><?xml version="1.0" encoding="utf-8"?>
+<file path=ppt/slides/slide44.xml><?xml version="1.0" encoding="utf-8"?>
 <p:sld xmlns:a="http://schemas.openxmlformats.org/drawingml/2006/main" xmlns:r="http://schemas.openxmlformats.org/officeDocument/2006/relationships" xmlns:p="http://schemas.openxmlformats.org/presentationml/2006/main">
   <p:cSld>
     <p:spTree>
@@ -40930,7 +45222,7 @@
 </p:sld>
 </file>
 
-<file path=ppt/slides/slide39.xml><?xml version="1.0" encoding="utf-8"?>
+<file path=ppt/slides/slide45.xml><?xml version="1.0" encoding="utf-8"?>
 <p:sld xmlns:a="http://schemas.openxmlformats.org/drawingml/2006/main" xmlns:r="http://schemas.openxmlformats.org/officeDocument/2006/relationships" xmlns:p="http://schemas.openxmlformats.org/presentationml/2006/main">
   <p:cSld>
     <p:bg>
@@ -41170,7 +45462,7 @@
           <a:graphicData uri="http://schemas.openxmlformats.org/presentationml/2006/ole">
             <mc:AlternateContent xmlns:mc="http://schemas.openxmlformats.org/markup-compatibility/2006">
               <mc:Choice xmlns:v="urn:schemas-microsoft-com:vml" Requires="v">
-                <p:oleObj spid="_x0000_s1129" name="包装程序外壳对象" showAsIcon="1" r:id="rId5" imgW="914400" imgH="828720" progId="Package">
+                <p:oleObj spid="_x0000_s1169" name="包装程序外壳对象" showAsIcon="1" r:id="rId5" imgW="914400" imgH="828720" progId="Package">
                   <p:embed/>
                 </p:oleObj>
               </mc:Choice>
@@ -41226,588 +45518,7 @@
 </p:sld>
 </file>
 
-<file path=ppt/slides/slide4.xml><?xml version="1.0" encoding="utf-8"?>
-<p:sld xmlns:a="http://schemas.openxmlformats.org/drawingml/2006/main" xmlns:r="http://schemas.openxmlformats.org/officeDocument/2006/relationships" xmlns:p="http://schemas.openxmlformats.org/presentationml/2006/main">
-  <p:cSld>
-    <p:bg>
-      <p:bgPr>
-        <a:blipFill dpi="0" rotWithShape="1">
-          <a:blip r:embed="rId3">
-            <a:lum/>
-          </a:blip>
-          <a:srcRect/>
-          <a:stretch>
-            <a:fillRect/>
-          </a:stretch>
-        </a:blipFill>
-        <a:effectLst/>
-      </p:bgPr>
-    </p:bg>
-    <p:spTree>
-      <p:nvGrpSpPr>
-        <p:cNvPr id="1" name=""/>
-        <p:cNvGrpSpPr/>
-        <p:nvPr/>
-      </p:nvGrpSpPr>
-      <p:grpSpPr>
-        <a:xfrm>
-          <a:off x="0" y="0"/>
-          <a:ext cx="0" cy="0"/>
-          <a:chOff x="0" y="0"/>
-          <a:chExt cx="0" cy="0"/>
-        </a:xfrm>
-      </p:grpSpPr>
-      <p:sp>
-        <p:nvSpPr>
-          <p:cNvPr id="5122" name="标题 1"/>
-          <p:cNvSpPr>
-            <a:spLocks noGrp="1"/>
-          </p:cNvSpPr>
-          <p:nvPr>
-            <p:ph type="title"/>
-          </p:nvPr>
-        </p:nvSpPr>
-        <p:spPr bwMode="auto">
-          <a:xfrm>
-            <a:off x="-400496" y="-19050"/>
-            <a:ext cx="3456384" cy="642926"/>
-          </a:xfrm>
-          <a:noFill/>
-          <a:extLst>
-            <a:ext uri="{909E8E84-426E-40DD-AFC4-6F175D3DCCD1}">
-              <a14:hiddenFill xmlns:a14="http://schemas.microsoft.com/office/drawing/2010/main">
-                <a:solidFill>
-                  <a:srgbClr val="FFFFFF"/>
-                </a:solidFill>
-              </a14:hiddenFill>
-            </a:ext>
-            <a:ext uri="{91240B29-F687-4F45-9708-019B960494DF}">
-              <a14:hiddenLine xmlns:a14="http://schemas.microsoft.com/office/drawing/2010/main" w="9525">
-                <a:solidFill>
-                  <a:srgbClr val="000000"/>
-                </a:solidFill>
-                <a:miter lim="800000"/>
-                <a:headEnd/>
-                <a:tailEnd/>
-              </a14:hiddenLine>
-            </a:ext>
-          </a:extLst>
-        </p:spPr>
-        <p:txBody>
-          <a:bodyPr wrap="square" lIns="91440" tIns="45720" rIns="91440" bIns="45720" numCol="1" anchor="t" anchorCtr="0" compatLnSpc="1">
-            <a:prstTxWarp prst="textNoShape">
-              <a:avLst/>
-            </a:prstTxWarp>
-          </a:bodyPr>
-          <a:lstStyle/>
-          <a:p>
-            <a:r>
-              <a:rPr lang="zh-CN" altLang="en-US" sz="2500" b="1" dirty="0">
-                <a:latin typeface="微软雅黑" pitchFamily="34" charset="-122"/>
-                <a:ea typeface="微软雅黑" pitchFamily="34" charset="-122"/>
-              </a:rPr>
-              <a:t>规范化与电子化</a:t>
-            </a:r>
-          </a:p>
-        </p:txBody>
-      </p:sp>
-      <p:sp>
-        <p:nvSpPr>
-          <p:cNvPr id="11" name="内容占位符 2"/>
-          <p:cNvSpPr>
-            <a:spLocks noGrp="1"/>
-          </p:cNvSpPr>
-          <p:nvPr>
-            <p:ph idx="1"/>
-          </p:nvPr>
-        </p:nvSpPr>
-        <p:spPr>
-          <a:xfrm>
-            <a:off x="535608" y="629816"/>
-            <a:ext cx="7315200" cy="2659062"/>
-          </a:xfrm>
-        </p:spPr>
-        <p:txBody>
-          <a:bodyPr/>
-          <a:lstStyle/>
-          <a:p>
-            <a:pPr>
-              <a:defRPr/>
-            </a:pPr>
-            <a:r>
-              <a:rPr lang="zh-CN" altLang="en-US" dirty="0" smtClean="0">
-                <a:solidFill>
-                  <a:schemeClr val="bg1"/>
-                </a:solidFill>
-                <a:latin typeface="微软雅黑" pitchFamily="34" charset="-122"/>
-                <a:ea typeface="微软雅黑" pitchFamily="34" charset="-122"/>
-              </a:rPr>
-              <a:t>规范化：构建</a:t>
-            </a:r>
-            <a:r>
-              <a:rPr lang="en-US" altLang="zh-CN" dirty="0" smtClean="0">
-                <a:solidFill>
-                  <a:schemeClr val="bg1"/>
-                </a:solidFill>
-                <a:latin typeface="微软雅黑" pitchFamily="34" charset="-122"/>
-                <a:ea typeface="微软雅黑" pitchFamily="34" charset="-122"/>
-              </a:rPr>
-              <a:t>ERP</a:t>
-            </a:r>
-            <a:r>
-              <a:rPr lang="zh-CN" altLang="en-US" dirty="0" smtClean="0">
-                <a:solidFill>
-                  <a:schemeClr val="bg1"/>
-                </a:solidFill>
-                <a:latin typeface="微软雅黑" pitchFamily="34" charset="-122"/>
-                <a:ea typeface="微软雅黑" pitchFamily="34" charset="-122"/>
-              </a:rPr>
-              <a:t>的过程，可以反思工作的规范化程度，并借助</a:t>
-            </a:r>
-            <a:r>
-              <a:rPr lang="en-US" altLang="zh-CN" dirty="0" smtClean="0">
-                <a:solidFill>
-                  <a:schemeClr val="bg1"/>
-                </a:solidFill>
-                <a:latin typeface="微软雅黑" pitchFamily="34" charset="-122"/>
-                <a:ea typeface="微软雅黑" pitchFamily="34" charset="-122"/>
-              </a:rPr>
-              <a:t>ERP</a:t>
-            </a:r>
-            <a:r>
-              <a:rPr lang="zh-CN" altLang="en-US" dirty="0" smtClean="0">
-                <a:solidFill>
-                  <a:schemeClr val="bg1"/>
-                </a:solidFill>
-                <a:latin typeface="微软雅黑" pitchFamily="34" charset="-122"/>
-                <a:ea typeface="微软雅黑" pitchFamily="34" charset="-122"/>
-              </a:rPr>
-              <a:t>进一步提高和强化</a:t>
-            </a:r>
-            <a:endParaRPr lang="en-US" altLang="zh-CN" dirty="0" smtClean="0">
-              <a:solidFill>
-                <a:schemeClr val="bg1"/>
-              </a:solidFill>
-              <a:latin typeface="微软雅黑" pitchFamily="34" charset="-122"/>
-              <a:ea typeface="微软雅黑" pitchFamily="34" charset="-122"/>
-            </a:endParaRPr>
-          </a:p>
-          <a:p>
-            <a:pPr>
-              <a:defRPr/>
-            </a:pPr>
-            <a:r>
-              <a:rPr lang="zh-CN" altLang="en-US" dirty="0" smtClean="0">
-                <a:solidFill>
-                  <a:schemeClr val="bg1"/>
-                </a:solidFill>
-                <a:latin typeface="微软雅黑" pitchFamily="34" charset="-122"/>
-                <a:ea typeface="微软雅黑" pitchFamily="34" charset="-122"/>
-              </a:rPr>
-              <a:t>电子化：将资源和业务经抽象后，融入软件系统</a:t>
-            </a:r>
-            <a:endParaRPr lang="en-US" altLang="zh-CN" dirty="0" smtClean="0">
-              <a:solidFill>
-                <a:schemeClr val="bg1"/>
-              </a:solidFill>
-              <a:latin typeface="微软雅黑" pitchFamily="34" charset="-122"/>
-              <a:ea typeface="微软雅黑" pitchFamily="34" charset="-122"/>
-            </a:endParaRPr>
-          </a:p>
-          <a:p>
-            <a:pPr marL="317500" indent="0">
-              <a:buFont typeface="Gill Sans" charset="0"/>
-              <a:buNone/>
-              <a:defRPr/>
-            </a:pPr>
-            <a:r>
-              <a:rPr lang="zh-CN" altLang="en-US" dirty="0" smtClean="0">
-                <a:solidFill>
-                  <a:schemeClr val="bg1"/>
-                </a:solidFill>
-                <a:latin typeface="微软雅黑" pitchFamily="34" charset="-122"/>
-                <a:ea typeface="微软雅黑" pitchFamily="34" charset="-122"/>
-              </a:rPr>
-              <a:t>               －在规范化的基础上进行总结和抽象</a:t>
-            </a:r>
-            <a:endParaRPr lang="en-US" altLang="zh-CN" dirty="0" smtClean="0">
-              <a:solidFill>
-                <a:schemeClr val="bg1"/>
-              </a:solidFill>
-              <a:latin typeface="微软雅黑" pitchFamily="34" charset="-122"/>
-              <a:ea typeface="微软雅黑" pitchFamily="34" charset="-122"/>
-            </a:endParaRPr>
-          </a:p>
-          <a:p>
-            <a:pPr>
-              <a:defRPr/>
-            </a:pPr>
-            <a:endParaRPr lang="en-US" altLang="zh-CN" dirty="0" smtClean="0"/>
-          </a:p>
-          <a:p>
-            <a:pPr>
-              <a:defRPr/>
-            </a:pPr>
-            <a:endParaRPr lang="zh-CN" altLang="en-US" dirty="0"/>
-          </a:p>
-        </p:txBody>
-      </p:sp>
-      <p:sp>
-        <p:nvSpPr>
-          <p:cNvPr id="9" name="矩形 3"/>
-          <p:cNvSpPr>
-            <a:spLocks noChangeArrowheads="1"/>
-          </p:cNvSpPr>
-          <p:nvPr/>
-        </p:nvSpPr>
-        <p:spPr bwMode="auto">
-          <a:xfrm>
-            <a:off x="1289035" y="4052902"/>
-            <a:ext cx="1008063" cy="276999"/>
-          </a:xfrm>
-          <a:prstGeom prst="rect">
-            <a:avLst/>
-          </a:prstGeom>
-          <a:noFill/>
-          <a:ln>
-            <a:noFill/>
-          </a:ln>
-          <a:extLst>
-            <a:ext uri="{909E8E84-426E-40DD-AFC4-6F175D3DCCD1}">
-              <a14:hiddenFill xmlns:a14="http://schemas.microsoft.com/office/drawing/2010/main">
-                <a:solidFill>
-                  <a:srgbClr val="FFFFFF"/>
-                </a:solidFill>
-              </a14:hiddenFill>
-            </a:ext>
-            <a:ext uri="{91240B29-F687-4F45-9708-019B960494DF}">
-              <a14:hiddenLine xmlns:a14="http://schemas.microsoft.com/office/drawing/2010/main" w="9525">
-                <a:solidFill>
-                  <a:srgbClr val="000000"/>
-                </a:solidFill>
-                <a:miter lim="800000"/>
-                <a:headEnd/>
-                <a:tailEnd/>
-              </a14:hiddenLine>
-            </a:ext>
-          </a:extLst>
-        </p:spPr>
-        <p:txBody>
-          <a:bodyPr>
-            <a:spAutoFit/>
-          </a:bodyPr>
-          <a:lstStyle/>
-          <a:p>
-            <a:r>
-              <a:rPr lang="zh-CN" altLang="en-US" sz="1200" dirty="0">
-                <a:solidFill>
-                  <a:schemeClr val="bg1">
-                    <a:lumMod val="95000"/>
-                    <a:lumOff val="5000"/>
-                  </a:schemeClr>
-                </a:solidFill>
-                <a:latin typeface="Microsoft YaHei UI" pitchFamily="34" charset="-122"/>
-                <a:ea typeface="Microsoft YaHei UI" pitchFamily="34" charset="-122"/>
-              </a:rPr>
-              <a:t>现实工作</a:t>
-            </a:r>
-          </a:p>
-        </p:txBody>
-      </p:sp>
-      <p:sp>
-        <p:nvSpPr>
-          <p:cNvPr id="10" name="矩形 4"/>
-          <p:cNvSpPr>
-            <a:spLocks noChangeArrowheads="1"/>
-          </p:cNvSpPr>
-          <p:nvPr/>
-        </p:nvSpPr>
-        <p:spPr bwMode="auto">
-          <a:xfrm>
-            <a:off x="3797296" y="4052902"/>
-            <a:ext cx="1266850" cy="307777"/>
-          </a:xfrm>
-          <a:prstGeom prst="rect">
-            <a:avLst/>
-          </a:prstGeom>
-          <a:noFill/>
-          <a:ln>
-            <a:noFill/>
-          </a:ln>
-          <a:extLst>
-            <a:ext uri="{909E8E84-426E-40DD-AFC4-6F175D3DCCD1}">
-              <a14:hiddenFill xmlns:a14="http://schemas.microsoft.com/office/drawing/2010/main">
-                <a:solidFill>
-                  <a:srgbClr val="FFFFFF"/>
-                </a:solidFill>
-              </a14:hiddenFill>
-            </a:ext>
-            <a:ext uri="{91240B29-F687-4F45-9708-019B960494DF}">
-              <a14:hiddenLine xmlns:a14="http://schemas.microsoft.com/office/drawing/2010/main" w="9525">
-                <a:solidFill>
-                  <a:srgbClr val="000000"/>
-                </a:solidFill>
-                <a:miter lim="800000"/>
-                <a:headEnd/>
-                <a:tailEnd/>
-              </a14:hiddenLine>
-            </a:ext>
-          </a:extLst>
-        </p:spPr>
-        <p:txBody>
-          <a:bodyPr wrap="square">
-            <a:spAutoFit/>
-          </a:bodyPr>
-          <a:lstStyle/>
-          <a:p>
-            <a:r>
-              <a:rPr lang="en-US" altLang="zh-CN" sz="1400" dirty="0">
-                <a:solidFill>
-                  <a:schemeClr val="bg1">
-                    <a:lumMod val="95000"/>
-                    <a:lumOff val="5000"/>
-                  </a:schemeClr>
-                </a:solidFill>
-                <a:latin typeface="宋体" pitchFamily="2" charset="-122"/>
-                <a:ea typeface="宋体" pitchFamily="2" charset="-122"/>
-              </a:rPr>
-              <a:t>1001001…</a:t>
-            </a:r>
-            <a:endParaRPr lang="zh-CN" altLang="en-US" sz="1400" dirty="0">
-              <a:solidFill>
-                <a:schemeClr val="bg1">
-                  <a:lumMod val="95000"/>
-                  <a:lumOff val="5000"/>
-                </a:schemeClr>
-              </a:solidFill>
-              <a:latin typeface="宋体" pitchFamily="2" charset="-122"/>
-              <a:ea typeface="宋体" pitchFamily="2" charset="-122"/>
-            </a:endParaRPr>
-          </a:p>
-        </p:txBody>
-      </p:sp>
-      <p:sp>
-        <p:nvSpPr>
-          <p:cNvPr id="16" name="右箭头 15"/>
-          <p:cNvSpPr/>
-          <p:nvPr/>
-        </p:nvSpPr>
-        <p:spPr bwMode="auto">
-          <a:xfrm>
-            <a:off x="2233591" y="3687777"/>
-            <a:ext cx="1512887" cy="169862"/>
-          </a:xfrm>
-          <a:prstGeom prst="rightArrow">
-            <a:avLst/>
-          </a:prstGeom>
-          <a:solidFill>
-            <a:schemeClr val="bg1">
-              <a:lumMod val="65000"/>
-              <a:lumOff val="35000"/>
-            </a:schemeClr>
-          </a:solidFill>
-          <a:ln>
-            <a:solidFill>
-              <a:schemeClr val="bg1">
-                <a:lumMod val="65000"/>
-                <a:lumOff val="35000"/>
-              </a:schemeClr>
-            </a:solidFill>
-          </a:ln>
-          <a:extLst/>
-        </p:spPr>
-        <p:style>
-          <a:lnRef idx="2">
-            <a:schemeClr val="dk1">
-              <a:shade val="50000"/>
-            </a:schemeClr>
-          </a:lnRef>
-          <a:fillRef idx="1">
-            <a:schemeClr val="dk1"/>
-          </a:fillRef>
-          <a:effectRef idx="0">
-            <a:schemeClr val="dk1"/>
-          </a:effectRef>
-          <a:fontRef idx="minor">
-            <a:schemeClr val="lt1"/>
-          </a:fontRef>
-        </p:style>
-        <p:txBody>
-          <a:bodyPr/>
-          <a:lstStyle/>
-          <a:p>
-            <a:pPr>
-              <a:defRPr/>
-            </a:pPr>
-            <a:endParaRPr lang="zh-CN" altLang="en-US">
-              <a:solidFill>
-                <a:schemeClr val="bg1">
-                  <a:lumMod val="95000"/>
-                  <a:lumOff val="5000"/>
-                </a:schemeClr>
-              </a:solidFill>
-            </a:endParaRPr>
-          </a:p>
-        </p:txBody>
-      </p:sp>
-      <p:sp>
-        <p:nvSpPr>
-          <p:cNvPr id="18" name="右箭头 17"/>
-          <p:cNvSpPr/>
-          <p:nvPr/>
-        </p:nvSpPr>
-        <p:spPr bwMode="auto">
-          <a:xfrm>
-            <a:off x="5062516" y="3708414"/>
-            <a:ext cx="1395412" cy="168275"/>
-          </a:xfrm>
-          <a:prstGeom prst="rightArrow">
-            <a:avLst/>
-          </a:prstGeom>
-          <a:solidFill>
-            <a:schemeClr val="bg1">
-              <a:lumMod val="65000"/>
-              <a:lumOff val="35000"/>
-            </a:schemeClr>
-          </a:solidFill>
-          <a:ln>
-            <a:solidFill>
-              <a:schemeClr val="bg1">
-                <a:lumMod val="65000"/>
-                <a:lumOff val="35000"/>
-              </a:schemeClr>
-            </a:solidFill>
-          </a:ln>
-          <a:extLst/>
-        </p:spPr>
-        <p:style>
-          <a:lnRef idx="2">
-            <a:schemeClr val="dk1">
-              <a:shade val="50000"/>
-            </a:schemeClr>
-          </a:lnRef>
-          <a:fillRef idx="1">
-            <a:schemeClr val="dk1"/>
-          </a:fillRef>
-          <a:effectRef idx="0">
-            <a:schemeClr val="dk1"/>
-          </a:effectRef>
-          <a:fontRef idx="minor">
-            <a:schemeClr val="lt1"/>
-          </a:fontRef>
-        </p:style>
-        <p:txBody>
-          <a:bodyPr/>
-          <a:lstStyle/>
-          <a:p>
-            <a:pPr>
-              <a:defRPr/>
-            </a:pPr>
-            <a:endParaRPr lang="zh-CN" altLang="en-US">
-              <a:solidFill>
-                <a:schemeClr val="bg1">
-                  <a:lumMod val="95000"/>
-                  <a:lumOff val="5000"/>
-                </a:schemeClr>
-              </a:solidFill>
-            </a:endParaRPr>
-          </a:p>
-        </p:txBody>
-      </p:sp>
-      <p:pic>
-        <p:nvPicPr>
-          <p:cNvPr id="19" name="圖片 9" descr="Edit.png"/>
-          <p:cNvPicPr>
-            <a:picLocks noChangeAspect="1"/>
-          </p:cNvPicPr>
-          <p:nvPr/>
-        </p:nvPicPr>
-        <p:blipFill>
-          <a:blip r:embed="rId4"/>
-          <a:stretch>
-            <a:fillRect/>
-          </a:stretch>
-        </p:blipFill>
-        <p:spPr>
-          <a:xfrm>
-            <a:off x="1439842" y="3409960"/>
-            <a:ext cx="609600" cy="609600"/>
-          </a:xfrm>
-          <a:prstGeom prst="rect">
-            <a:avLst/>
-          </a:prstGeom>
-        </p:spPr>
-      </p:pic>
-      <p:pic>
-        <p:nvPicPr>
-          <p:cNvPr id="20" name="圖片 10" descr="Refresh.png"/>
-          <p:cNvPicPr>
-            <a:picLocks noChangeAspect="1"/>
-          </p:cNvPicPr>
-          <p:nvPr/>
-        </p:nvPicPr>
-        <p:blipFill>
-          <a:blip r:embed="rId5"/>
-          <a:stretch>
-            <a:fillRect/>
-          </a:stretch>
-        </p:blipFill>
-        <p:spPr>
-          <a:xfrm>
-            <a:off x="4083048" y="3409960"/>
-            <a:ext cx="609600" cy="609600"/>
-          </a:xfrm>
-          <a:prstGeom prst="rect">
-            <a:avLst/>
-          </a:prstGeom>
-        </p:spPr>
-      </p:pic>
-      <p:pic>
-        <p:nvPicPr>
-          <p:cNvPr id="21" name="圖片 11" descr="Computer (1).png"/>
-          <p:cNvPicPr>
-            <a:picLocks noChangeAspect="1"/>
-          </p:cNvPicPr>
-          <p:nvPr/>
-        </p:nvPicPr>
-        <p:blipFill>
-          <a:blip r:embed="rId6"/>
-          <a:stretch>
-            <a:fillRect/>
-          </a:stretch>
-        </p:blipFill>
-        <p:spPr>
-          <a:xfrm>
-            <a:off x="6583378" y="3481398"/>
-            <a:ext cx="609600" cy="609600"/>
-          </a:xfrm>
-          <a:prstGeom prst="rect">
-            <a:avLst/>
-          </a:prstGeom>
-        </p:spPr>
-      </p:pic>
-    </p:spTree>
-    <p:extLst>
-      <p:ext uri="{BB962C8B-B14F-4D97-AF65-F5344CB8AC3E}">
-        <p14:creationId xmlns:p14="http://schemas.microsoft.com/office/powerpoint/2010/main" val="833965628"/>
-      </p:ext>
-    </p:extLst>
-  </p:cSld>
-  <p:clrMapOvr>
-    <a:masterClrMapping/>
-  </p:clrMapOvr>
-  <p:transition/>
-  <p:timing>
-    <p:tnLst>
-      <p:par>
-        <p:cTn id="1" dur="indefinite" restart="never" nodeType="tmRoot"/>
-      </p:par>
-    </p:tnLst>
-  </p:timing>
-</p:sld>
-</file>
-
-<file path=ppt/slides/slide40.xml><?xml version="1.0" encoding="utf-8"?>
+<file path=ppt/slides/slide46.xml><?xml version="1.0" encoding="utf-8"?>
 <p:sld xmlns:a="http://schemas.openxmlformats.org/drawingml/2006/main" xmlns:r="http://schemas.openxmlformats.org/officeDocument/2006/relationships" xmlns:p="http://schemas.openxmlformats.org/presentationml/2006/main">
   <p:cSld>
     <p:bg>
@@ -42067,7 +45778,7 @@
           <a:graphicData uri="http://schemas.openxmlformats.org/presentationml/2006/ole">
             <mc:AlternateContent xmlns:mc="http://schemas.openxmlformats.org/markup-compatibility/2006">
               <mc:Choice xmlns:v="urn:schemas-microsoft-com:vml" Requires="v">
-                <p:oleObj spid="_x0000_s2153" name="包装程序外壳对象" showAsIcon="1" r:id="rId5" imgW="914400" imgH="828720" progId="Package">
+                <p:oleObj spid="_x0000_s2193" name="包装程序外壳对象" showAsIcon="1" r:id="rId5" imgW="914400" imgH="828720" progId="Package">
                   <p:embed/>
                 </p:oleObj>
               </mc:Choice>
@@ -42123,7 +45834,7 @@
 </p:sld>
 </file>
 
-<file path=ppt/slides/slide41.xml><?xml version="1.0" encoding="utf-8"?>
+<file path=ppt/slides/slide47.xml><?xml version="1.0" encoding="utf-8"?>
 <p:sld xmlns:a="http://schemas.openxmlformats.org/drawingml/2006/main" xmlns:r="http://schemas.openxmlformats.org/officeDocument/2006/relationships" xmlns:p="http://schemas.openxmlformats.org/presentationml/2006/main">
   <p:cSld>
     <p:bg>
@@ -43352,7 +47063,7 @@
 </p:sld>
 </file>
 
-<file path=ppt/slides/slide42.xml><?xml version="1.0" encoding="utf-8"?>
+<file path=ppt/slides/slide48.xml><?xml version="1.0" encoding="utf-8"?>
 <p:sld xmlns:a="http://schemas.openxmlformats.org/drawingml/2006/main" xmlns:r="http://schemas.openxmlformats.org/officeDocument/2006/relationships" xmlns:p="http://schemas.openxmlformats.org/presentationml/2006/main">
   <p:cSld>
     <p:bg>
@@ -43745,7 +47456,7 @@
 </p:sld>
 </file>
 
-<file path=ppt/slides/slide43.xml><?xml version="1.0" encoding="utf-8"?>
+<file path=ppt/slides/slide49.xml><?xml version="1.0" encoding="utf-8"?>
 <p:sld xmlns:a="http://schemas.openxmlformats.org/drawingml/2006/main" xmlns:r="http://schemas.openxmlformats.org/officeDocument/2006/relationships" xmlns:p="http://schemas.openxmlformats.org/presentationml/2006/main">
   <p:cSld>
     <p:bg>
@@ -43964,535 +47675,6 @@
     <a:masterClrMapping/>
   </p:clrMapOvr>
   <p:transition/>
-  <p:timing>
-    <p:tnLst>
-      <p:par>
-        <p:cTn id="1" dur="indefinite" restart="never" nodeType="tmRoot"/>
-      </p:par>
-    </p:tnLst>
-  </p:timing>
-</p:sld>
-</file>
-
-<file path=ppt/slides/slide44.xml><?xml version="1.0" encoding="utf-8"?>
-<p:sld xmlns:a="http://schemas.openxmlformats.org/drawingml/2006/main" xmlns:r="http://schemas.openxmlformats.org/officeDocument/2006/relationships" xmlns:p="http://schemas.openxmlformats.org/presentationml/2006/main">
-  <p:cSld>
-    <p:bg>
-      <p:bgPr>
-        <a:blipFill dpi="0" rotWithShape="1">
-          <a:blip r:embed="rId3">
-            <a:lum/>
-          </a:blip>
-          <a:srcRect/>
-          <a:stretch>
-            <a:fillRect/>
-          </a:stretch>
-        </a:blipFill>
-        <a:effectLst/>
-      </p:bgPr>
-    </p:bg>
-    <p:spTree>
-      <p:nvGrpSpPr>
-        <p:cNvPr id="1" name=""/>
-        <p:cNvGrpSpPr/>
-        <p:nvPr/>
-      </p:nvGrpSpPr>
-      <p:grpSpPr>
-        <a:xfrm>
-          <a:off x="0" y="0"/>
-          <a:ext cx="0" cy="0"/>
-          <a:chOff x="0" y="0"/>
-          <a:chExt cx="0" cy="0"/>
-        </a:xfrm>
-      </p:grpSpPr>
-      <p:sp>
-        <p:nvSpPr>
-          <p:cNvPr id="8" name="Rectangle 1"/>
-          <p:cNvSpPr>
-            <a:spLocks/>
-          </p:cNvSpPr>
-          <p:nvPr/>
-        </p:nvSpPr>
-        <p:spPr bwMode="auto">
-          <a:xfrm>
-            <a:off x="0" y="-90488"/>
-            <a:ext cx="8128000" cy="2781301"/>
-          </a:xfrm>
-          <a:prstGeom prst="rect">
-            <a:avLst/>
-          </a:prstGeom>
-          <a:noFill/>
-          <a:ln>
-            <a:noFill/>
-          </a:ln>
-          <a:extLst>
-            <a:ext uri="{909E8E84-426E-40DD-AFC4-6F175D3DCCD1}">
-              <a14:hiddenFill xmlns:a14="http://schemas.microsoft.com/office/drawing/2010/main">
-                <a:solidFill>
-                  <a:srgbClr val="FFFFFF"/>
-                </a:solidFill>
-              </a14:hiddenFill>
-            </a:ext>
-            <a:ext uri="{91240B29-F687-4F45-9708-019B960494DF}">
-              <a14:hiddenLine xmlns:a14="http://schemas.microsoft.com/office/drawing/2010/main" w="12700">
-                <a:solidFill>
-                  <a:srgbClr val="000000"/>
-                </a:solidFill>
-                <a:miter lim="800000"/>
-                <a:headEnd/>
-                <a:tailEnd/>
-              </a14:hiddenLine>
-            </a:ext>
-          </a:extLst>
-        </p:spPr>
-        <p:txBody>
-          <a:bodyPr lIns="0" tIns="0" rIns="0" bIns="0" anchor="ctr"/>
-          <a:lstStyle/>
-          <a:p>
-            <a:r>
-              <a:rPr lang="zh-CN" altLang="en-US" sz="6000" dirty="0">
-                <a:solidFill>
-                  <a:schemeClr val="tx1"/>
-                </a:solidFill>
-                <a:latin typeface="Myriad Pro Semibold" charset="0"/>
-                <a:ea typeface="宋体" pitchFamily="2" charset="-122"/>
-                <a:sym typeface="Myriad Pro Semibold" charset="0"/>
-              </a:rPr>
-              <a:t>答疑</a:t>
-            </a:r>
-            <a:endParaRPr lang="en-US" altLang="zh-CN" sz="6000" dirty="0">
-              <a:solidFill>
-                <a:schemeClr val="tx1"/>
-              </a:solidFill>
-              <a:latin typeface="Myriad Pro Semibold" charset="0"/>
-              <a:ea typeface="宋体" pitchFamily="2" charset="-122"/>
-              <a:sym typeface="Myriad Pro Semibold" charset="0"/>
-            </a:endParaRPr>
-          </a:p>
-        </p:txBody>
-      </p:sp>
-      <p:sp>
-        <p:nvSpPr>
-          <p:cNvPr id="9" name="TextBox 8"/>
-          <p:cNvSpPr txBox="1"/>
-          <p:nvPr/>
-        </p:nvSpPr>
-        <p:spPr>
-          <a:xfrm>
-            <a:off x="5432425" y="3294063"/>
-            <a:ext cx="2303983" cy="461665"/>
-          </a:xfrm>
-          <a:prstGeom prst="rect">
-            <a:avLst/>
-          </a:prstGeom>
-          <a:noFill/>
-        </p:spPr>
-        <p:txBody>
-          <a:bodyPr wrap="square">
-            <a:spAutoFit/>
-          </a:bodyPr>
-          <a:lstStyle/>
-          <a:p>
-            <a:pPr>
-              <a:defRPr/>
-            </a:pPr>
-            <a:r>
-              <a:rPr lang="zh-CN" altLang="en-US" sz="2400" b="1" dirty="0" smtClean="0">
-                <a:solidFill>
-                  <a:schemeClr val="tx1"/>
-                </a:solidFill>
-                <a:latin typeface="+mj-ea"/>
-                <a:ea typeface="+mj-ea"/>
-              </a:rPr>
-              <a:t>讲述人：杨</a:t>
-            </a:r>
-            <a:r>
-              <a:rPr lang="zh-CN" altLang="en-US" sz="2400" b="1" dirty="0">
-                <a:solidFill>
-                  <a:schemeClr val="tx1"/>
-                </a:solidFill>
-                <a:latin typeface="+mj-ea"/>
-                <a:ea typeface="+mj-ea"/>
-              </a:rPr>
-              <a:t>航</a:t>
-            </a:r>
-            <a:endParaRPr lang="en-US" altLang="zh-CN" sz="2400" b="1" dirty="0">
-              <a:solidFill>
-                <a:schemeClr val="tx1"/>
-              </a:solidFill>
-              <a:latin typeface="+mj-ea"/>
-              <a:ea typeface="+mj-ea"/>
-            </a:endParaRPr>
-          </a:p>
-        </p:txBody>
-      </p:sp>
-      <p:sp>
-        <p:nvSpPr>
-          <p:cNvPr id="10" name="TextBox 5"/>
-          <p:cNvSpPr txBox="1">
-            <a:spLocks noChangeArrowheads="1"/>
-          </p:cNvSpPr>
-          <p:nvPr/>
-        </p:nvSpPr>
-        <p:spPr bwMode="auto">
-          <a:xfrm>
-            <a:off x="2695575" y="2430463"/>
-            <a:ext cx="2881313" cy="584200"/>
-          </a:xfrm>
-          <a:prstGeom prst="rect">
-            <a:avLst/>
-          </a:prstGeom>
-          <a:noFill/>
-          <a:ln>
-            <a:noFill/>
-          </a:ln>
-          <a:extLst>
-            <a:ext uri="{909E8E84-426E-40DD-AFC4-6F175D3DCCD1}">
-              <a14:hiddenFill xmlns:a14="http://schemas.microsoft.com/office/drawing/2010/main">
-                <a:solidFill>
-                  <a:srgbClr val="FFFFFF"/>
-                </a:solidFill>
-              </a14:hiddenFill>
-            </a:ext>
-            <a:ext uri="{91240B29-F687-4F45-9708-019B960494DF}">
-              <a14:hiddenLine xmlns:a14="http://schemas.microsoft.com/office/drawing/2010/main" w="9525">
-                <a:solidFill>
-                  <a:srgbClr val="000000"/>
-                </a:solidFill>
-                <a:miter lim="800000"/>
-                <a:headEnd/>
-                <a:tailEnd/>
-              </a14:hiddenLine>
-            </a:ext>
-          </a:extLst>
-        </p:spPr>
-        <p:txBody>
-          <a:bodyPr>
-            <a:spAutoFit/>
-          </a:bodyPr>
-          <a:lstStyle>
-            <a:lvl1pPr eaLnBrk="0" hangingPunct="0">
-              <a:defRPr>
-                <a:solidFill>
-                  <a:srgbClr val="FFFFFF"/>
-                </a:solidFill>
-                <a:latin typeface="Gill Sans" charset="0"/>
-                <a:ea typeface="Heiti SC Light" charset="-122"/>
-                <a:sym typeface="Gill Sans" charset="0"/>
-              </a:defRPr>
-            </a:lvl1pPr>
-            <a:lvl2pPr marL="742950" indent="-285750" eaLnBrk="0" hangingPunct="0">
-              <a:defRPr>
-                <a:solidFill>
-                  <a:srgbClr val="FFFFFF"/>
-                </a:solidFill>
-                <a:latin typeface="Gill Sans" charset="0"/>
-                <a:ea typeface="Heiti SC Light" charset="-122"/>
-                <a:sym typeface="Gill Sans" charset="0"/>
-              </a:defRPr>
-            </a:lvl2pPr>
-            <a:lvl3pPr marL="1143000" indent="-228600" eaLnBrk="0" hangingPunct="0">
-              <a:defRPr>
-                <a:solidFill>
-                  <a:srgbClr val="FFFFFF"/>
-                </a:solidFill>
-                <a:latin typeface="Gill Sans" charset="0"/>
-                <a:ea typeface="Heiti SC Light" charset="-122"/>
-                <a:sym typeface="Gill Sans" charset="0"/>
-              </a:defRPr>
-            </a:lvl3pPr>
-            <a:lvl4pPr marL="1600200" indent="-228600" eaLnBrk="0" hangingPunct="0">
-              <a:defRPr>
-                <a:solidFill>
-                  <a:srgbClr val="FFFFFF"/>
-                </a:solidFill>
-                <a:latin typeface="Gill Sans" charset="0"/>
-                <a:ea typeface="Heiti SC Light" charset="-122"/>
-                <a:sym typeface="Gill Sans" charset="0"/>
-              </a:defRPr>
-            </a:lvl4pPr>
-            <a:lvl5pPr marL="2057400" indent="-228600" eaLnBrk="0" hangingPunct="0">
-              <a:defRPr>
-                <a:solidFill>
-                  <a:srgbClr val="FFFFFF"/>
-                </a:solidFill>
-                <a:latin typeface="Gill Sans" charset="0"/>
-                <a:ea typeface="Heiti SC Light" charset="-122"/>
-                <a:sym typeface="Gill Sans" charset="0"/>
-              </a:defRPr>
-            </a:lvl5pPr>
-            <a:lvl6pPr marL="2514600" indent="-228600" algn="ctr" eaLnBrk="0" fontAlgn="base" hangingPunct="0">
-              <a:spcBef>
-                <a:spcPct val="0"/>
-              </a:spcBef>
-              <a:spcAft>
-                <a:spcPct val="0"/>
-              </a:spcAft>
-              <a:defRPr>
-                <a:solidFill>
-                  <a:srgbClr val="FFFFFF"/>
-                </a:solidFill>
-                <a:latin typeface="Gill Sans" charset="0"/>
-                <a:ea typeface="Heiti SC Light" charset="-122"/>
-                <a:sym typeface="Gill Sans" charset="0"/>
-              </a:defRPr>
-            </a:lvl6pPr>
-            <a:lvl7pPr marL="2971800" indent="-228600" algn="ctr" eaLnBrk="0" fontAlgn="base" hangingPunct="0">
-              <a:spcBef>
-                <a:spcPct val="0"/>
-              </a:spcBef>
-              <a:spcAft>
-                <a:spcPct val="0"/>
-              </a:spcAft>
-              <a:defRPr>
-                <a:solidFill>
-                  <a:srgbClr val="FFFFFF"/>
-                </a:solidFill>
-                <a:latin typeface="Gill Sans" charset="0"/>
-                <a:ea typeface="Heiti SC Light" charset="-122"/>
-                <a:sym typeface="Gill Sans" charset="0"/>
-              </a:defRPr>
-            </a:lvl7pPr>
-            <a:lvl8pPr marL="3429000" indent="-228600" algn="ctr" eaLnBrk="0" fontAlgn="base" hangingPunct="0">
-              <a:spcBef>
-                <a:spcPct val="0"/>
-              </a:spcBef>
-              <a:spcAft>
-                <a:spcPct val="0"/>
-              </a:spcAft>
-              <a:defRPr>
-                <a:solidFill>
-                  <a:srgbClr val="FFFFFF"/>
-                </a:solidFill>
-                <a:latin typeface="Gill Sans" charset="0"/>
-                <a:ea typeface="Heiti SC Light" charset="-122"/>
-                <a:sym typeface="Gill Sans" charset="0"/>
-              </a:defRPr>
-            </a:lvl8pPr>
-            <a:lvl9pPr marL="3886200" indent="-228600" algn="ctr" eaLnBrk="0" fontAlgn="base" hangingPunct="0">
-              <a:spcBef>
-                <a:spcPct val="0"/>
-              </a:spcBef>
-              <a:spcAft>
-                <a:spcPct val="0"/>
-              </a:spcAft>
-              <a:defRPr>
-                <a:solidFill>
-                  <a:srgbClr val="FFFFFF"/>
-                </a:solidFill>
-                <a:latin typeface="Gill Sans" charset="0"/>
-                <a:ea typeface="Heiti SC Light" charset="-122"/>
-                <a:sym typeface="Gill Sans" charset="0"/>
-              </a:defRPr>
-            </a:lvl9pPr>
-          </a:lstStyle>
-          <a:p>
-            <a:pPr eaLnBrk="1" hangingPunct="1"/>
-            <a:r>
-              <a:rPr lang="zh-CN" altLang="en-US" sz="3200" b="1" dirty="0">
-                <a:solidFill>
-                  <a:schemeClr val="tx1"/>
-                </a:solidFill>
-                <a:latin typeface="宋体" pitchFamily="2" charset="-122"/>
-                <a:ea typeface="宋体" pitchFamily="2" charset="-122"/>
-              </a:rPr>
-              <a:t>谢谢！</a:t>
-            </a:r>
-            <a:endParaRPr lang="en-US" altLang="zh-CN" sz="3200" b="1" dirty="0">
-              <a:solidFill>
-                <a:schemeClr val="tx1"/>
-              </a:solidFill>
-              <a:latin typeface="宋体" pitchFamily="2" charset="-122"/>
-              <a:ea typeface="宋体" pitchFamily="2" charset="-122"/>
-            </a:endParaRPr>
-          </a:p>
-        </p:txBody>
-      </p:sp>
-      <p:sp>
-        <p:nvSpPr>
-          <p:cNvPr id="11" name="TextBox 7"/>
-          <p:cNvSpPr txBox="1">
-            <a:spLocks noChangeArrowheads="1"/>
-          </p:cNvSpPr>
-          <p:nvPr/>
-        </p:nvSpPr>
-        <p:spPr bwMode="auto">
-          <a:xfrm>
-            <a:off x="4040237" y="4246563"/>
-            <a:ext cx="4146550" cy="339725"/>
-          </a:xfrm>
-          <a:prstGeom prst="rect">
-            <a:avLst/>
-          </a:prstGeom>
-          <a:noFill/>
-          <a:ln>
-            <a:noFill/>
-          </a:ln>
-          <a:extLst>
-            <a:ext uri="{909E8E84-426E-40DD-AFC4-6F175D3DCCD1}">
-              <a14:hiddenFill xmlns:a14="http://schemas.microsoft.com/office/drawing/2010/main">
-                <a:solidFill>
-                  <a:srgbClr val="FFFFFF"/>
-                </a:solidFill>
-              </a14:hiddenFill>
-            </a:ext>
-            <a:ext uri="{91240B29-F687-4F45-9708-019B960494DF}">
-              <a14:hiddenLine xmlns:a14="http://schemas.microsoft.com/office/drawing/2010/main" w="9525">
-                <a:solidFill>
-                  <a:srgbClr val="000000"/>
-                </a:solidFill>
-                <a:miter lim="800000"/>
-                <a:headEnd/>
-                <a:tailEnd/>
-              </a14:hiddenLine>
-            </a:ext>
-          </a:extLst>
-        </p:spPr>
-        <p:txBody>
-          <a:bodyPr>
-            <a:spAutoFit/>
-          </a:bodyPr>
-          <a:lstStyle>
-            <a:lvl1pPr eaLnBrk="0" hangingPunct="0">
-              <a:defRPr>
-                <a:solidFill>
-                  <a:srgbClr val="FFFFFF"/>
-                </a:solidFill>
-                <a:latin typeface="Gill Sans" charset="0"/>
-                <a:ea typeface="Heiti SC Light" charset="-122"/>
-                <a:sym typeface="Gill Sans" charset="0"/>
-              </a:defRPr>
-            </a:lvl1pPr>
-            <a:lvl2pPr marL="742950" indent="-285750" eaLnBrk="0" hangingPunct="0">
-              <a:defRPr>
-                <a:solidFill>
-                  <a:srgbClr val="FFFFFF"/>
-                </a:solidFill>
-                <a:latin typeface="Gill Sans" charset="0"/>
-                <a:ea typeface="Heiti SC Light" charset="-122"/>
-                <a:sym typeface="Gill Sans" charset="0"/>
-              </a:defRPr>
-            </a:lvl2pPr>
-            <a:lvl3pPr marL="1143000" indent="-228600" eaLnBrk="0" hangingPunct="0">
-              <a:defRPr>
-                <a:solidFill>
-                  <a:srgbClr val="FFFFFF"/>
-                </a:solidFill>
-                <a:latin typeface="Gill Sans" charset="0"/>
-                <a:ea typeface="Heiti SC Light" charset="-122"/>
-                <a:sym typeface="Gill Sans" charset="0"/>
-              </a:defRPr>
-            </a:lvl3pPr>
-            <a:lvl4pPr marL="1600200" indent="-228600" eaLnBrk="0" hangingPunct="0">
-              <a:defRPr>
-                <a:solidFill>
-                  <a:srgbClr val="FFFFFF"/>
-                </a:solidFill>
-                <a:latin typeface="Gill Sans" charset="0"/>
-                <a:ea typeface="Heiti SC Light" charset="-122"/>
-                <a:sym typeface="Gill Sans" charset="0"/>
-              </a:defRPr>
-            </a:lvl4pPr>
-            <a:lvl5pPr marL="2057400" indent="-228600" eaLnBrk="0" hangingPunct="0">
-              <a:defRPr>
-                <a:solidFill>
-                  <a:srgbClr val="FFFFFF"/>
-                </a:solidFill>
-                <a:latin typeface="Gill Sans" charset="0"/>
-                <a:ea typeface="Heiti SC Light" charset="-122"/>
-                <a:sym typeface="Gill Sans" charset="0"/>
-              </a:defRPr>
-            </a:lvl5pPr>
-            <a:lvl6pPr marL="2514600" indent="-228600" algn="ctr" eaLnBrk="0" fontAlgn="base" hangingPunct="0">
-              <a:spcBef>
-                <a:spcPct val="0"/>
-              </a:spcBef>
-              <a:spcAft>
-                <a:spcPct val="0"/>
-              </a:spcAft>
-              <a:defRPr>
-                <a:solidFill>
-                  <a:srgbClr val="FFFFFF"/>
-                </a:solidFill>
-                <a:latin typeface="Gill Sans" charset="0"/>
-                <a:ea typeface="Heiti SC Light" charset="-122"/>
-                <a:sym typeface="Gill Sans" charset="0"/>
-              </a:defRPr>
-            </a:lvl6pPr>
-            <a:lvl7pPr marL="2971800" indent="-228600" algn="ctr" eaLnBrk="0" fontAlgn="base" hangingPunct="0">
-              <a:spcBef>
-                <a:spcPct val="0"/>
-              </a:spcBef>
-              <a:spcAft>
-                <a:spcPct val="0"/>
-              </a:spcAft>
-              <a:defRPr>
-                <a:solidFill>
-                  <a:srgbClr val="FFFFFF"/>
-                </a:solidFill>
-                <a:latin typeface="Gill Sans" charset="0"/>
-                <a:ea typeface="Heiti SC Light" charset="-122"/>
-                <a:sym typeface="Gill Sans" charset="0"/>
-              </a:defRPr>
-            </a:lvl7pPr>
-            <a:lvl8pPr marL="3429000" indent="-228600" algn="ctr" eaLnBrk="0" fontAlgn="base" hangingPunct="0">
-              <a:spcBef>
-                <a:spcPct val="0"/>
-              </a:spcBef>
-              <a:spcAft>
-                <a:spcPct val="0"/>
-              </a:spcAft>
-              <a:defRPr>
-                <a:solidFill>
-                  <a:srgbClr val="FFFFFF"/>
-                </a:solidFill>
-                <a:latin typeface="Gill Sans" charset="0"/>
-                <a:ea typeface="Heiti SC Light" charset="-122"/>
-                <a:sym typeface="Gill Sans" charset="0"/>
-              </a:defRPr>
-            </a:lvl8pPr>
-            <a:lvl9pPr marL="3886200" indent="-228600" algn="ctr" eaLnBrk="0" fontAlgn="base" hangingPunct="0">
-              <a:spcBef>
-                <a:spcPct val="0"/>
-              </a:spcBef>
-              <a:spcAft>
-                <a:spcPct val="0"/>
-              </a:spcAft>
-              <a:defRPr>
-                <a:solidFill>
-                  <a:srgbClr val="FFFFFF"/>
-                </a:solidFill>
-                <a:latin typeface="Gill Sans" charset="0"/>
-                <a:ea typeface="Heiti SC Light" charset="-122"/>
-                <a:sym typeface="Gill Sans" charset="0"/>
-              </a:defRPr>
-            </a:lvl9pPr>
-          </a:lstStyle>
-          <a:p>
-            <a:pPr eaLnBrk="1" hangingPunct="1"/>
-            <a:r>
-              <a:rPr lang="zh-CN" altLang="en-US" sz="1600" dirty="0">
-                <a:solidFill>
-                  <a:schemeClr val="tx1"/>
-                </a:solidFill>
-                <a:latin typeface="宋体" pitchFamily="2" charset="-122"/>
-                <a:ea typeface="宋体" pitchFamily="2" charset="-122"/>
-              </a:rPr>
-              <a:t>做学问要不疑处有疑，待人要有疑处无疑。</a:t>
-            </a:r>
-          </a:p>
-        </p:txBody>
-      </p:sp>
-    </p:spTree>
-    <p:extLst>
-      <p:ext uri="{BB962C8B-B14F-4D97-AF65-F5344CB8AC3E}">
-        <p14:creationId xmlns:p14="http://schemas.microsoft.com/office/powerpoint/2010/main" val="1834433892"/>
-      </p:ext>
-    </p:extLst>
-  </p:cSld>
-  <p:clrMapOvr>
-    <a:masterClrMapping/>
-  </p:clrMapOvr>
   <p:timing>
     <p:tnLst>
       <p:par>
@@ -44949,6 +48131,535 @@
     <a:masterClrMapping/>
   </p:clrMapOvr>
   <p:transition/>
+  <p:timing>
+    <p:tnLst>
+      <p:par>
+        <p:cTn id="1" dur="indefinite" restart="never" nodeType="tmRoot"/>
+      </p:par>
+    </p:tnLst>
+  </p:timing>
+</p:sld>
+</file>
+
+<file path=ppt/slides/slide50.xml><?xml version="1.0" encoding="utf-8"?>
+<p:sld xmlns:a="http://schemas.openxmlformats.org/drawingml/2006/main" xmlns:r="http://schemas.openxmlformats.org/officeDocument/2006/relationships" xmlns:p="http://schemas.openxmlformats.org/presentationml/2006/main">
+  <p:cSld>
+    <p:bg>
+      <p:bgPr>
+        <a:blipFill dpi="0" rotWithShape="1">
+          <a:blip r:embed="rId3">
+            <a:lum/>
+          </a:blip>
+          <a:srcRect/>
+          <a:stretch>
+            <a:fillRect/>
+          </a:stretch>
+        </a:blipFill>
+        <a:effectLst/>
+      </p:bgPr>
+    </p:bg>
+    <p:spTree>
+      <p:nvGrpSpPr>
+        <p:cNvPr id="1" name=""/>
+        <p:cNvGrpSpPr/>
+        <p:nvPr/>
+      </p:nvGrpSpPr>
+      <p:grpSpPr>
+        <a:xfrm>
+          <a:off x="0" y="0"/>
+          <a:ext cx="0" cy="0"/>
+          <a:chOff x="0" y="0"/>
+          <a:chExt cx="0" cy="0"/>
+        </a:xfrm>
+      </p:grpSpPr>
+      <p:sp>
+        <p:nvSpPr>
+          <p:cNvPr id="8" name="Rectangle 1"/>
+          <p:cNvSpPr>
+            <a:spLocks/>
+          </p:cNvSpPr>
+          <p:nvPr/>
+        </p:nvSpPr>
+        <p:spPr bwMode="auto">
+          <a:xfrm>
+            <a:off x="0" y="-90488"/>
+            <a:ext cx="8128000" cy="2781301"/>
+          </a:xfrm>
+          <a:prstGeom prst="rect">
+            <a:avLst/>
+          </a:prstGeom>
+          <a:noFill/>
+          <a:ln>
+            <a:noFill/>
+          </a:ln>
+          <a:extLst>
+            <a:ext uri="{909E8E84-426E-40DD-AFC4-6F175D3DCCD1}">
+              <a14:hiddenFill xmlns:a14="http://schemas.microsoft.com/office/drawing/2010/main">
+                <a:solidFill>
+                  <a:srgbClr val="FFFFFF"/>
+                </a:solidFill>
+              </a14:hiddenFill>
+            </a:ext>
+            <a:ext uri="{91240B29-F687-4F45-9708-019B960494DF}">
+              <a14:hiddenLine xmlns:a14="http://schemas.microsoft.com/office/drawing/2010/main" w="12700">
+                <a:solidFill>
+                  <a:srgbClr val="000000"/>
+                </a:solidFill>
+                <a:miter lim="800000"/>
+                <a:headEnd/>
+                <a:tailEnd/>
+              </a14:hiddenLine>
+            </a:ext>
+          </a:extLst>
+        </p:spPr>
+        <p:txBody>
+          <a:bodyPr lIns="0" tIns="0" rIns="0" bIns="0" anchor="ctr"/>
+          <a:lstStyle/>
+          <a:p>
+            <a:r>
+              <a:rPr lang="zh-CN" altLang="en-US" sz="6000" dirty="0">
+                <a:solidFill>
+                  <a:schemeClr val="tx1"/>
+                </a:solidFill>
+                <a:latin typeface="Myriad Pro Semibold" charset="0"/>
+                <a:ea typeface="宋体" pitchFamily="2" charset="-122"/>
+                <a:sym typeface="Myriad Pro Semibold" charset="0"/>
+              </a:rPr>
+              <a:t>答疑</a:t>
+            </a:r>
+            <a:endParaRPr lang="en-US" altLang="zh-CN" sz="6000" dirty="0">
+              <a:solidFill>
+                <a:schemeClr val="tx1"/>
+              </a:solidFill>
+              <a:latin typeface="Myriad Pro Semibold" charset="0"/>
+              <a:ea typeface="宋体" pitchFamily="2" charset="-122"/>
+              <a:sym typeface="Myriad Pro Semibold" charset="0"/>
+            </a:endParaRPr>
+          </a:p>
+        </p:txBody>
+      </p:sp>
+      <p:sp>
+        <p:nvSpPr>
+          <p:cNvPr id="9" name="TextBox 8"/>
+          <p:cNvSpPr txBox="1"/>
+          <p:nvPr/>
+        </p:nvSpPr>
+        <p:spPr>
+          <a:xfrm>
+            <a:off x="5432425" y="3294063"/>
+            <a:ext cx="2303983" cy="461665"/>
+          </a:xfrm>
+          <a:prstGeom prst="rect">
+            <a:avLst/>
+          </a:prstGeom>
+          <a:noFill/>
+        </p:spPr>
+        <p:txBody>
+          <a:bodyPr wrap="square">
+            <a:spAutoFit/>
+          </a:bodyPr>
+          <a:lstStyle/>
+          <a:p>
+            <a:pPr>
+              <a:defRPr/>
+            </a:pPr>
+            <a:r>
+              <a:rPr lang="zh-CN" altLang="en-US" sz="2400" b="1" dirty="0" smtClean="0">
+                <a:solidFill>
+                  <a:schemeClr val="tx1"/>
+                </a:solidFill>
+                <a:latin typeface="+mj-ea"/>
+                <a:ea typeface="+mj-ea"/>
+              </a:rPr>
+              <a:t>讲述人：杨</a:t>
+            </a:r>
+            <a:r>
+              <a:rPr lang="zh-CN" altLang="en-US" sz="2400" b="1" dirty="0">
+                <a:solidFill>
+                  <a:schemeClr val="tx1"/>
+                </a:solidFill>
+                <a:latin typeface="+mj-ea"/>
+                <a:ea typeface="+mj-ea"/>
+              </a:rPr>
+              <a:t>航</a:t>
+            </a:r>
+            <a:endParaRPr lang="en-US" altLang="zh-CN" sz="2400" b="1" dirty="0">
+              <a:solidFill>
+                <a:schemeClr val="tx1"/>
+              </a:solidFill>
+              <a:latin typeface="+mj-ea"/>
+              <a:ea typeface="+mj-ea"/>
+            </a:endParaRPr>
+          </a:p>
+        </p:txBody>
+      </p:sp>
+      <p:sp>
+        <p:nvSpPr>
+          <p:cNvPr id="10" name="TextBox 5"/>
+          <p:cNvSpPr txBox="1">
+            <a:spLocks noChangeArrowheads="1"/>
+          </p:cNvSpPr>
+          <p:nvPr/>
+        </p:nvSpPr>
+        <p:spPr bwMode="auto">
+          <a:xfrm>
+            <a:off x="2695575" y="2430463"/>
+            <a:ext cx="2881313" cy="584200"/>
+          </a:xfrm>
+          <a:prstGeom prst="rect">
+            <a:avLst/>
+          </a:prstGeom>
+          <a:noFill/>
+          <a:ln>
+            <a:noFill/>
+          </a:ln>
+          <a:extLst>
+            <a:ext uri="{909E8E84-426E-40DD-AFC4-6F175D3DCCD1}">
+              <a14:hiddenFill xmlns:a14="http://schemas.microsoft.com/office/drawing/2010/main">
+                <a:solidFill>
+                  <a:srgbClr val="FFFFFF"/>
+                </a:solidFill>
+              </a14:hiddenFill>
+            </a:ext>
+            <a:ext uri="{91240B29-F687-4F45-9708-019B960494DF}">
+              <a14:hiddenLine xmlns:a14="http://schemas.microsoft.com/office/drawing/2010/main" w="9525">
+                <a:solidFill>
+                  <a:srgbClr val="000000"/>
+                </a:solidFill>
+                <a:miter lim="800000"/>
+                <a:headEnd/>
+                <a:tailEnd/>
+              </a14:hiddenLine>
+            </a:ext>
+          </a:extLst>
+        </p:spPr>
+        <p:txBody>
+          <a:bodyPr>
+            <a:spAutoFit/>
+          </a:bodyPr>
+          <a:lstStyle>
+            <a:lvl1pPr eaLnBrk="0" hangingPunct="0">
+              <a:defRPr>
+                <a:solidFill>
+                  <a:srgbClr val="FFFFFF"/>
+                </a:solidFill>
+                <a:latin typeface="Gill Sans" charset="0"/>
+                <a:ea typeface="Heiti SC Light" charset="-122"/>
+                <a:sym typeface="Gill Sans" charset="0"/>
+              </a:defRPr>
+            </a:lvl1pPr>
+            <a:lvl2pPr marL="742950" indent="-285750" eaLnBrk="0" hangingPunct="0">
+              <a:defRPr>
+                <a:solidFill>
+                  <a:srgbClr val="FFFFFF"/>
+                </a:solidFill>
+                <a:latin typeface="Gill Sans" charset="0"/>
+                <a:ea typeface="Heiti SC Light" charset="-122"/>
+                <a:sym typeface="Gill Sans" charset="0"/>
+              </a:defRPr>
+            </a:lvl2pPr>
+            <a:lvl3pPr marL="1143000" indent="-228600" eaLnBrk="0" hangingPunct="0">
+              <a:defRPr>
+                <a:solidFill>
+                  <a:srgbClr val="FFFFFF"/>
+                </a:solidFill>
+                <a:latin typeface="Gill Sans" charset="0"/>
+                <a:ea typeface="Heiti SC Light" charset="-122"/>
+                <a:sym typeface="Gill Sans" charset="0"/>
+              </a:defRPr>
+            </a:lvl3pPr>
+            <a:lvl4pPr marL="1600200" indent="-228600" eaLnBrk="0" hangingPunct="0">
+              <a:defRPr>
+                <a:solidFill>
+                  <a:srgbClr val="FFFFFF"/>
+                </a:solidFill>
+                <a:latin typeface="Gill Sans" charset="0"/>
+                <a:ea typeface="Heiti SC Light" charset="-122"/>
+                <a:sym typeface="Gill Sans" charset="0"/>
+              </a:defRPr>
+            </a:lvl4pPr>
+            <a:lvl5pPr marL="2057400" indent="-228600" eaLnBrk="0" hangingPunct="0">
+              <a:defRPr>
+                <a:solidFill>
+                  <a:srgbClr val="FFFFFF"/>
+                </a:solidFill>
+                <a:latin typeface="Gill Sans" charset="0"/>
+                <a:ea typeface="Heiti SC Light" charset="-122"/>
+                <a:sym typeface="Gill Sans" charset="0"/>
+              </a:defRPr>
+            </a:lvl5pPr>
+            <a:lvl6pPr marL="2514600" indent="-228600" algn="ctr" eaLnBrk="0" fontAlgn="base" hangingPunct="0">
+              <a:spcBef>
+                <a:spcPct val="0"/>
+              </a:spcBef>
+              <a:spcAft>
+                <a:spcPct val="0"/>
+              </a:spcAft>
+              <a:defRPr>
+                <a:solidFill>
+                  <a:srgbClr val="FFFFFF"/>
+                </a:solidFill>
+                <a:latin typeface="Gill Sans" charset="0"/>
+                <a:ea typeface="Heiti SC Light" charset="-122"/>
+                <a:sym typeface="Gill Sans" charset="0"/>
+              </a:defRPr>
+            </a:lvl6pPr>
+            <a:lvl7pPr marL="2971800" indent="-228600" algn="ctr" eaLnBrk="0" fontAlgn="base" hangingPunct="0">
+              <a:spcBef>
+                <a:spcPct val="0"/>
+              </a:spcBef>
+              <a:spcAft>
+                <a:spcPct val="0"/>
+              </a:spcAft>
+              <a:defRPr>
+                <a:solidFill>
+                  <a:srgbClr val="FFFFFF"/>
+                </a:solidFill>
+                <a:latin typeface="Gill Sans" charset="0"/>
+                <a:ea typeface="Heiti SC Light" charset="-122"/>
+                <a:sym typeface="Gill Sans" charset="0"/>
+              </a:defRPr>
+            </a:lvl7pPr>
+            <a:lvl8pPr marL="3429000" indent="-228600" algn="ctr" eaLnBrk="0" fontAlgn="base" hangingPunct="0">
+              <a:spcBef>
+                <a:spcPct val="0"/>
+              </a:spcBef>
+              <a:spcAft>
+                <a:spcPct val="0"/>
+              </a:spcAft>
+              <a:defRPr>
+                <a:solidFill>
+                  <a:srgbClr val="FFFFFF"/>
+                </a:solidFill>
+                <a:latin typeface="Gill Sans" charset="0"/>
+                <a:ea typeface="Heiti SC Light" charset="-122"/>
+                <a:sym typeface="Gill Sans" charset="0"/>
+              </a:defRPr>
+            </a:lvl8pPr>
+            <a:lvl9pPr marL="3886200" indent="-228600" algn="ctr" eaLnBrk="0" fontAlgn="base" hangingPunct="0">
+              <a:spcBef>
+                <a:spcPct val="0"/>
+              </a:spcBef>
+              <a:spcAft>
+                <a:spcPct val="0"/>
+              </a:spcAft>
+              <a:defRPr>
+                <a:solidFill>
+                  <a:srgbClr val="FFFFFF"/>
+                </a:solidFill>
+                <a:latin typeface="Gill Sans" charset="0"/>
+                <a:ea typeface="Heiti SC Light" charset="-122"/>
+                <a:sym typeface="Gill Sans" charset="0"/>
+              </a:defRPr>
+            </a:lvl9pPr>
+          </a:lstStyle>
+          <a:p>
+            <a:pPr eaLnBrk="1" hangingPunct="1"/>
+            <a:r>
+              <a:rPr lang="zh-CN" altLang="en-US" sz="3200" b="1" dirty="0">
+                <a:solidFill>
+                  <a:schemeClr val="tx1"/>
+                </a:solidFill>
+                <a:latin typeface="宋体" pitchFamily="2" charset="-122"/>
+                <a:ea typeface="宋体" pitchFamily="2" charset="-122"/>
+              </a:rPr>
+              <a:t>谢谢！</a:t>
+            </a:r>
+            <a:endParaRPr lang="en-US" altLang="zh-CN" sz="3200" b="1" dirty="0">
+              <a:solidFill>
+                <a:schemeClr val="tx1"/>
+              </a:solidFill>
+              <a:latin typeface="宋体" pitchFamily="2" charset="-122"/>
+              <a:ea typeface="宋体" pitchFamily="2" charset="-122"/>
+            </a:endParaRPr>
+          </a:p>
+        </p:txBody>
+      </p:sp>
+      <p:sp>
+        <p:nvSpPr>
+          <p:cNvPr id="11" name="TextBox 7"/>
+          <p:cNvSpPr txBox="1">
+            <a:spLocks noChangeArrowheads="1"/>
+          </p:cNvSpPr>
+          <p:nvPr/>
+        </p:nvSpPr>
+        <p:spPr bwMode="auto">
+          <a:xfrm>
+            <a:off x="4040237" y="4246563"/>
+            <a:ext cx="4146550" cy="339725"/>
+          </a:xfrm>
+          <a:prstGeom prst="rect">
+            <a:avLst/>
+          </a:prstGeom>
+          <a:noFill/>
+          <a:ln>
+            <a:noFill/>
+          </a:ln>
+          <a:extLst>
+            <a:ext uri="{909E8E84-426E-40DD-AFC4-6F175D3DCCD1}">
+              <a14:hiddenFill xmlns:a14="http://schemas.microsoft.com/office/drawing/2010/main">
+                <a:solidFill>
+                  <a:srgbClr val="FFFFFF"/>
+                </a:solidFill>
+              </a14:hiddenFill>
+            </a:ext>
+            <a:ext uri="{91240B29-F687-4F45-9708-019B960494DF}">
+              <a14:hiddenLine xmlns:a14="http://schemas.microsoft.com/office/drawing/2010/main" w="9525">
+                <a:solidFill>
+                  <a:srgbClr val="000000"/>
+                </a:solidFill>
+                <a:miter lim="800000"/>
+                <a:headEnd/>
+                <a:tailEnd/>
+              </a14:hiddenLine>
+            </a:ext>
+          </a:extLst>
+        </p:spPr>
+        <p:txBody>
+          <a:bodyPr>
+            <a:spAutoFit/>
+          </a:bodyPr>
+          <a:lstStyle>
+            <a:lvl1pPr eaLnBrk="0" hangingPunct="0">
+              <a:defRPr>
+                <a:solidFill>
+                  <a:srgbClr val="FFFFFF"/>
+                </a:solidFill>
+                <a:latin typeface="Gill Sans" charset="0"/>
+                <a:ea typeface="Heiti SC Light" charset="-122"/>
+                <a:sym typeface="Gill Sans" charset="0"/>
+              </a:defRPr>
+            </a:lvl1pPr>
+            <a:lvl2pPr marL="742950" indent="-285750" eaLnBrk="0" hangingPunct="0">
+              <a:defRPr>
+                <a:solidFill>
+                  <a:srgbClr val="FFFFFF"/>
+                </a:solidFill>
+                <a:latin typeface="Gill Sans" charset="0"/>
+                <a:ea typeface="Heiti SC Light" charset="-122"/>
+                <a:sym typeface="Gill Sans" charset="0"/>
+              </a:defRPr>
+            </a:lvl2pPr>
+            <a:lvl3pPr marL="1143000" indent="-228600" eaLnBrk="0" hangingPunct="0">
+              <a:defRPr>
+                <a:solidFill>
+                  <a:srgbClr val="FFFFFF"/>
+                </a:solidFill>
+                <a:latin typeface="Gill Sans" charset="0"/>
+                <a:ea typeface="Heiti SC Light" charset="-122"/>
+                <a:sym typeface="Gill Sans" charset="0"/>
+              </a:defRPr>
+            </a:lvl3pPr>
+            <a:lvl4pPr marL="1600200" indent="-228600" eaLnBrk="0" hangingPunct="0">
+              <a:defRPr>
+                <a:solidFill>
+                  <a:srgbClr val="FFFFFF"/>
+                </a:solidFill>
+                <a:latin typeface="Gill Sans" charset="0"/>
+                <a:ea typeface="Heiti SC Light" charset="-122"/>
+                <a:sym typeface="Gill Sans" charset="0"/>
+              </a:defRPr>
+            </a:lvl4pPr>
+            <a:lvl5pPr marL="2057400" indent="-228600" eaLnBrk="0" hangingPunct="0">
+              <a:defRPr>
+                <a:solidFill>
+                  <a:srgbClr val="FFFFFF"/>
+                </a:solidFill>
+                <a:latin typeface="Gill Sans" charset="0"/>
+                <a:ea typeface="Heiti SC Light" charset="-122"/>
+                <a:sym typeface="Gill Sans" charset="0"/>
+              </a:defRPr>
+            </a:lvl5pPr>
+            <a:lvl6pPr marL="2514600" indent="-228600" algn="ctr" eaLnBrk="0" fontAlgn="base" hangingPunct="0">
+              <a:spcBef>
+                <a:spcPct val="0"/>
+              </a:spcBef>
+              <a:spcAft>
+                <a:spcPct val="0"/>
+              </a:spcAft>
+              <a:defRPr>
+                <a:solidFill>
+                  <a:srgbClr val="FFFFFF"/>
+                </a:solidFill>
+                <a:latin typeface="Gill Sans" charset="0"/>
+                <a:ea typeface="Heiti SC Light" charset="-122"/>
+                <a:sym typeface="Gill Sans" charset="0"/>
+              </a:defRPr>
+            </a:lvl6pPr>
+            <a:lvl7pPr marL="2971800" indent="-228600" algn="ctr" eaLnBrk="0" fontAlgn="base" hangingPunct="0">
+              <a:spcBef>
+                <a:spcPct val="0"/>
+              </a:spcBef>
+              <a:spcAft>
+                <a:spcPct val="0"/>
+              </a:spcAft>
+              <a:defRPr>
+                <a:solidFill>
+                  <a:srgbClr val="FFFFFF"/>
+                </a:solidFill>
+                <a:latin typeface="Gill Sans" charset="0"/>
+                <a:ea typeface="Heiti SC Light" charset="-122"/>
+                <a:sym typeface="Gill Sans" charset="0"/>
+              </a:defRPr>
+            </a:lvl7pPr>
+            <a:lvl8pPr marL="3429000" indent="-228600" algn="ctr" eaLnBrk="0" fontAlgn="base" hangingPunct="0">
+              <a:spcBef>
+                <a:spcPct val="0"/>
+              </a:spcBef>
+              <a:spcAft>
+                <a:spcPct val="0"/>
+              </a:spcAft>
+              <a:defRPr>
+                <a:solidFill>
+                  <a:srgbClr val="FFFFFF"/>
+                </a:solidFill>
+                <a:latin typeface="Gill Sans" charset="0"/>
+                <a:ea typeface="Heiti SC Light" charset="-122"/>
+                <a:sym typeface="Gill Sans" charset="0"/>
+              </a:defRPr>
+            </a:lvl8pPr>
+            <a:lvl9pPr marL="3886200" indent="-228600" algn="ctr" eaLnBrk="0" fontAlgn="base" hangingPunct="0">
+              <a:spcBef>
+                <a:spcPct val="0"/>
+              </a:spcBef>
+              <a:spcAft>
+                <a:spcPct val="0"/>
+              </a:spcAft>
+              <a:defRPr>
+                <a:solidFill>
+                  <a:srgbClr val="FFFFFF"/>
+                </a:solidFill>
+                <a:latin typeface="Gill Sans" charset="0"/>
+                <a:ea typeface="Heiti SC Light" charset="-122"/>
+                <a:sym typeface="Gill Sans" charset="0"/>
+              </a:defRPr>
+            </a:lvl9pPr>
+          </a:lstStyle>
+          <a:p>
+            <a:pPr eaLnBrk="1" hangingPunct="1"/>
+            <a:r>
+              <a:rPr lang="zh-CN" altLang="en-US" sz="1600" dirty="0">
+                <a:solidFill>
+                  <a:schemeClr val="tx1"/>
+                </a:solidFill>
+                <a:latin typeface="宋体" pitchFamily="2" charset="-122"/>
+                <a:ea typeface="宋体" pitchFamily="2" charset="-122"/>
+              </a:rPr>
+              <a:t>做学问要不疑处有疑，待人要有疑处无疑。</a:t>
+            </a:r>
+          </a:p>
+        </p:txBody>
+      </p:sp>
+    </p:spTree>
+    <p:extLst>
+      <p:ext uri="{BB962C8B-B14F-4D97-AF65-F5344CB8AC3E}">
+        <p14:creationId xmlns:p14="http://schemas.microsoft.com/office/powerpoint/2010/main" val="1834433892"/>
+      </p:ext>
+    </p:extLst>
+  </p:cSld>
+  <p:clrMapOvr>
+    <a:masterClrMapping/>
+  </p:clrMapOvr>
   <p:timing>
     <p:tnLst>
       <p:par>

--- a/Sinopec/Document/你的ERP.pptx
+++ b/Sinopec/Document/你的ERP.pptx
@@ -12038,31 +12038,15 @@
             </a:r>
             <a:r>
               <a:rPr lang="zh-CN" altLang="en-US" dirty="0" smtClean="0"/>
-              <a:t>系统本身的</a:t>
-            </a:r>
-            <a:r>
-              <a:rPr lang="en-US" altLang="zh-CN" dirty="0" smtClean="0"/>
-              <a:t>Script</a:t>
+              <a:t>系统本身</a:t>
             </a:r>
             <a:r>
               <a:rPr lang="zh-CN" altLang="en-US" dirty="0" smtClean="0"/>
-              <a:t>语言结合</a:t>
-            </a:r>
-            <a:r>
-              <a:rPr lang="en-US" altLang="zh-CN" dirty="0" smtClean="0"/>
-              <a:t>Terminal simulator script</a:t>
+              <a:t>的，</a:t>
             </a:r>
             <a:r>
               <a:rPr lang="zh-CN" altLang="en-US" dirty="0" smtClean="0"/>
-              <a:t>语言编写的访问</a:t>
-            </a:r>
-            <a:r>
-              <a:rPr lang="en-US" altLang="zh-CN" dirty="0" smtClean="0"/>
-              <a:t>ERP</a:t>
-            </a:r>
-            <a:r>
-              <a:rPr lang="zh-CN" altLang="en-US" dirty="0" smtClean="0"/>
-              <a:t>系统的任务项，根据执行的流程类型、顺序、工作流表单参数，用户可以直接进入</a:t>
+              <a:t>根据执行的流程类型、顺序、工作流表单参数，用户可以直接进入</a:t>
             </a:r>
             <a:r>
               <a:rPr lang="en-US" altLang="zh-CN" dirty="0" smtClean="0"/>
@@ -37495,7 +37479,7 @@
           <a:graphicData uri="http://schemas.openxmlformats.org/presentationml/2006/ole">
             <mc:AlternateContent xmlns:mc="http://schemas.openxmlformats.org/markup-compatibility/2006">
               <mc:Choice xmlns:v="urn:schemas-microsoft-com:vml" Requires="v">
-                <p:oleObj spid="_x0000_s3292" name="包装程序外壳对象" showAsIcon="1" r:id="rId7" imgW="914400" imgH="828720" progId="Package">
+                <p:oleObj spid="_x0000_s3304" name="包装程序外壳对象" showAsIcon="1" r:id="rId7" imgW="914400" imgH="828720" progId="Package">
                   <p:embed/>
                 </p:oleObj>
               </mc:Choice>
@@ -45711,6 +45695,10 @@
               </a:rPr>
               <a:t>工序与跟踪</a:t>
             </a:r>
+            <a:endParaRPr lang="zh-CN" altLang="en-US" sz="2500" b="1" dirty="0" smtClean="0">
+              <a:latin typeface="微软雅黑" pitchFamily="34" charset="-122"/>
+              <a:ea typeface="微软雅黑" pitchFamily="34" charset="-122"/>
+            </a:endParaRPr>
           </a:p>
         </p:txBody>
       </p:sp>
@@ -45742,27 +45730,67 @@
                 <a:latin typeface="微软雅黑" pitchFamily="34" charset="-122"/>
                 <a:ea typeface="微软雅黑" pitchFamily="34" charset="-122"/>
               </a:rPr>
-              <a:t>工序设置－</a:t>
-            </a:r>
-            <a:r>
-              <a:rPr lang="en-US" altLang="zh-CN" dirty="0">
+              <a:t>工序</a:t>
+            </a:r>
+            <a:r>
+              <a:rPr lang="zh-CN" altLang="en-US" dirty="0" smtClean="0">
                 <a:solidFill>
                   <a:schemeClr val="bg1"/>
                 </a:solidFill>
                 <a:latin typeface="微软雅黑" pitchFamily="34" charset="-122"/>
                 <a:ea typeface="微软雅黑" pitchFamily="34" charset="-122"/>
               </a:rPr>
-              <a:t>&gt;</a:t>
-            </a:r>
-            <a:r>
-              <a:rPr lang="zh-CN" altLang="en-US" dirty="0">
+              <a:t>设置</a:t>
+            </a:r>
+            <a:r>
+              <a:rPr lang="en-US" altLang="zh-CN" dirty="0" smtClean="0">
                 <a:solidFill>
                   <a:schemeClr val="bg1"/>
                 </a:solidFill>
                 <a:latin typeface="微软雅黑" pitchFamily="34" charset="-122"/>
                 <a:ea typeface="微软雅黑" pitchFamily="34" charset="-122"/>
               </a:rPr>
-              <a:t>生产进度跟踪（闭环</a:t>
+              <a:t>=&gt;</a:t>
+            </a:r>
+            <a:r>
+              <a:rPr lang="zh-CN" altLang="en-US" dirty="0">
+                <a:solidFill>
+                  <a:schemeClr val="bg1"/>
+                </a:solidFill>
+                <a:latin typeface="微软雅黑" pitchFamily="34" charset="-122"/>
+                <a:ea typeface="微软雅黑" pitchFamily="34" charset="-122"/>
+              </a:rPr>
+              <a:t>依据</a:t>
+            </a:r>
+            <a:r>
+              <a:rPr lang="zh-CN" altLang="en-US" dirty="0" smtClean="0">
+                <a:solidFill>
+                  <a:schemeClr val="bg1"/>
+                </a:solidFill>
+                <a:latin typeface="微软雅黑" pitchFamily="34" charset="-122"/>
+                <a:ea typeface="微软雅黑" pitchFamily="34" charset="-122"/>
+              </a:rPr>
+              <a:t>相关报表进行跟踪</a:t>
+            </a:r>
+            <a:r>
+              <a:rPr lang="zh-CN" altLang="en-US" dirty="0" smtClean="0">
+                <a:solidFill>
+                  <a:schemeClr val="bg1"/>
+                </a:solidFill>
+                <a:latin typeface="微软雅黑" pitchFamily="34" charset="-122"/>
+                <a:ea typeface="微软雅黑" pitchFamily="34" charset="-122"/>
+              </a:rPr>
+              <a:t>（</a:t>
+            </a:r>
+            <a:r>
+              <a:rPr lang="zh-CN" altLang="en-US" dirty="0">
+                <a:solidFill>
+                  <a:schemeClr val="bg1"/>
+                </a:solidFill>
+                <a:latin typeface="微软雅黑" pitchFamily="34" charset="-122"/>
+                <a:ea typeface="微软雅黑" pitchFamily="34" charset="-122"/>
+              </a:rPr>
+              <a:t>闭环</a:t>
             </a:r>
             <a:r>
               <a:rPr lang="en-US" altLang="zh-CN" dirty="0">
@@ -45782,9 +45810,58 @@
                 <a:latin typeface="微软雅黑" pitchFamily="34" charset="-122"/>
                 <a:ea typeface="微软雅黑" pitchFamily="34" charset="-122"/>
               </a:rPr>
-              <a:t>重要手段之一）</a:t>
-            </a:r>
-            <a:endParaRPr lang="en-US" altLang="zh-CN" dirty="0">
+              <a:t>重要</a:t>
+            </a:r>
+            <a:r>
+              <a:rPr lang="zh-CN" altLang="en-US" dirty="0" smtClean="0">
+                <a:solidFill>
+                  <a:schemeClr val="bg1"/>
+                </a:solidFill>
+                <a:latin typeface="微软雅黑" pitchFamily="34" charset="-122"/>
+                <a:ea typeface="微软雅黑" pitchFamily="34" charset="-122"/>
+              </a:rPr>
+              <a:t>手段）</a:t>
+            </a:r>
+            <a:endParaRPr lang="en-US" altLang="zh-CN" dirty="0" smtClean="0">
+              <a:solidFill>
+                <a:schemeClr val="bg1"/>
+              </a:solidFill>
+              <a:latin typeface="微软雅黑" pitchFamily="34" charset="-122"/>
+              <a:ea typeface="微软雅黑" pitchFamily="34" charset="-122"/>
+            </a:endParaRPr>
+          </a:p>
+          <a:p>
+            <a:r>
+              <a:rPr lang="zh-CN" altLang="en-US" dirty="0" smtClean="0">
+                <a:solidFill>
+                  <a:schemeClr val="bg1"/>
+                </a:solidFill>
+                <a:latin typeface="微软雅黑" pitchFamily="34" charset="-122"/>
+                <a:ea typeface="微软雅黑" pitchFamily="34" charset="-122"/>
+              </a:rPr>
+              <a:t>可根据企业需求，在所关心的步骤之间加入验收和审核</a:t>
+            </a:r>
+            <a:r>
+              <a:rPr lang="en-US" altLang="zh-CN" dirty="0" smtClean="0">
+                <a:solidFill>
+                  <a:schemeClr val="bg1"/>
+                </a:solidFill>
+                <a:latin typeface="微软雅黑" pitchFamily="34" charset="-122"/>
+                <a:ea typeface="微软雅黑" pitchFamily="34" charset="-122"/>
+              </a:rPr>
+              <a:t>=&gt;</a:t>
+            </a:r>
+            <a:r>
+              <a:rPr lang="zh-CN" altLang="en-US" dirty="0" smtClean="0">
+                <a:solidFill>
+                  <a:schemeClr val="bg1"/>
+                </a:solidFill>
+                <a:latin typeface="微软雅黑" pitchFamily="34" charset="-122"/>
+                <a:ea typeface="微软雅黑" pitchFamily="34" charset="-122"/>
+              </a:rPr>
+              <a:t>再次与协同办公模块合作</a:t>
+            </a:r>
+            <a:endParaRPr lang="en-US" altLang="zh-CN" dirty="0" smtClean="0">
               <a:solidFill>
                 <a:schemeClr val="bg1"/>
               </a:solidFill>
@@ -45817,7 +45894,7 @@
         </p:blipFill>
         <p:spPr bwMode="auto">
           <a:xfrm>
-            <a:off x="1831752" y="1395412"/>
+            <a:off x="2821831" y="1925960"/>
             <a:ext cx="2562225" cy="1781175"/>
           </a:xfrm>
           <a:prstGeom prst="rect">
@@ -47312,7 +47389,7 @@
           <a:graphicData uri="http://schemas.openxmlformats.org/presentationml/2006/ole">
             <mc:AlternateContent xmlns:mc="http://schemas.openxmlformats.org/markup-compatibility/2006">
               <mc:Choice xmlns:v="urn:schemas-microsoft-com:vml" Requires="v">
-                <p:oleObj spid="_x0000_s1255" name="包装程序外壳对象" showAsIcon="1" r:id="rId5" imgW="914400" imgH="828720" progId="Package">
+                <p:oleObj spid="_x0000_s1267" name="包装程序外壳对象" showAsIcon="1" r:id="rId5" imgW="914400" imgH="828720" progId="Package">
                   <p:embed/>
                 </p:oleObj>
               </mc:Choice>
@@ -47664,7 +47741,7 @@
           <a:graphicData uri="http://schemas.openxmlformats.org/presentationml/2006/ole">
             <mc:AlternateContent xmlns:mc="http://schemas.openxmlformats.org/markup-compatibility/2006">
               <mc:Choice xmlns:v="urn:schemas-microsoft-com:vml" Requires="v">
-                <p:oleObj spid="_x0000_s2279" name="包装程序外壳对象" showAsIcon="1" r:id="rId5" imgW="914400" imgH="828720" progId="Package">
+                <p:oleObj spid="_x0000_s2291" name="包装程序外壳对象" showAsIcon="1" r:id="rId5" imgW="914400" imgH="828720" progId="Package">
                   <p:embed/>
                 </p:oleObj>
               </mc:Choice>
@@ -49949,7 +50026,7 @@
         </p:nvSpPr>
         <p:spPr bwMode="auto">
           <a:xfrm>
-            <a:off x="-256480" y="0"/>
+            <a:off x="-112464" y="0"/>
             <a:ext cx="2376264" cy="642926"/>
           </a:xfrm>
           <a:noFill/>
@@ -49986,7 +50063,14 @@
                 <a:latin typeface="微软雅黑" pitchFamily="34" charset="-122"/>
                 <a:ea typeface="微软雅黑" pitchFamily="34" charset="-122"/>
               </a:rPr>
-              <a:t>架构示例图</a:t>
+              <a:t>技术架构</a:t>
+            </a:r>
+            <a:r>
+              <a:rPr lang="zh-CN" altLang="en-US" sz="2500" b="1" dirty="0" smtClean="0">
+                <a:latin typeface="微软雅黑" pitchFamily="34" charset="-122"/>
+                <a:ea typeface="微软雅黑" pitchFamily="34" charset="-122"/>
+              </a:rPr>
+              <a:t>示例图</a:t>
             </a:r>
           </a:p>
         </p:txBody>
@@ -50073,7 +50157,7 @@
         </p:blipFill>
         <p:spPr bwMode="auto">
           <a:xfrm>
-            <a:off x="1448346" y="629816"/>
+            <a:off x="1448345" y="629815"/>
             <a:ext cx="4168521" cy="3224705"/>
           </a:xfrm>
           <a:prstGeom prst="rect">
